--- a/images/architecture.pptx
+++ b/images/architecture.pptx
@@ -103,7 +103,7 @@
   </p:defaultTextStyle>
   <p:extLst>
     <p:ext uri="{EFAFB233-063F-42B5-8137-9DF3F51BA10A}">
-      <p15:sldGuideLst xmlns:p15="http://schemas.microsoft.com/office/powerpoint/2012/main">
+      <p15:sldGuideLst xmlns:p15="http://schemas.microsoft.com/office/powerpoint/2012/main" xmlns="">
         <p15:guide id="1" orient="horz" pos="2112" userDrawn="1">
           <p15:clr>
             <a:srgbClr val="A4A3A4"/>
@@ -525,7 +525,7 @@
   <p:clrMapOvr>
     <a:masterClrMapping/>
   </p:clrMapOvr>
-  <p:transition spd="med"/>
+  <p:transition xmlns:p14="http://schemas.microsoft.com/office/powerpoint/2010/main" spd="med"/>
 </p:sldLayout>
 </file>
 
@@ -565,7 +565,7 @@
           </a:ln>
           <a:extLst>
             <a:ext uri="{C572A759-6A51-4108-AA02-DFA0A04FC94B}">
-              <ma14:wrappingTextBoxFlag xmlns:ma14="http://schemas.microsoft.com/office/mac/drawingml/2011/main" xmlns="" val="1"/>
+              <ma14:wrappingTextBoxFlag xmlns:ma14="http://schemas.microsoft.com/office/mac/drawingml/2011/main" val="1"/>
             </a:ext>
           </a:extLst>
         </p:spPr>
@@ -618,7 +618,7 @@
           </a:ln>
           <a:extLst>
             <a:ext uri="{C572A759-6A51-4108-AA02-DFA0A04FC94B}">
-              <ma14:wrappingTextBoxFlag xmlns:ma14="http://schemas.microsoft.com/office/mac/drawingml/2011/main" xmlns="" val="1"/>
+              <ma14:wrappingTextBoxFlag xmlns:ma14="http://schemas.microsoft.com/office/mac/drawingml/2011/main" val="1"/>
             </a:ext>
           </a:extLst>
         </p:spPr>
@@ -666,7 +666,7 @@
           </a:ln>
           <a:extLst>
             <a:ext uri="{C572A759-6A51-4108-AA02-DFA0A04FC94B}">
-              <ma14:wrappingTextBoxFlag xmlns:ma14="http://schemas.microsoft.com/office/mac/drawingml/2011/main" xmlns="" val="1"/>
+              <ma14:wrappingTextBoxFlag xmlns:ma14="http://schemas.microsoft.com/office/mac/drawingml/2011/main" val="1"/>
             </a:ext>
           </a:extLst>
         </p:spPr>
@@ -790,7 +790,7 @@
   <p:clrMapOvr>
     <a:masterClrMapping/>
   </p:clrMapOvr>
-  <p:transition spd="med"/>
+  <p:transition xmlns:p14="http://schemas.microsoft.com/office/powerpoint/2010/main" spd="med"/>
 </p:sldLayout>
 </file>
 
@@ -830,7 +830,7 @@
           </a:ln>
           <a:extLst>
             <a:ext uri="{C572A759-6A51-4108-AA02-DFA0A04FC94B}">
-              <ma14:wrappingTextBoxFlag xmlns:ma14="http://schemas.microsoft.com/office/mac/drawingml/2011/main" xmlns="" val="1"/>
+              <ma14:wrappingTextBoxFlag xmlns:ma14="http://schemas.microsoft.com/office/mac/drawingml/2011/main" val="1"/>
             </a:ext>
           </a:extLst>
         </p:spPr>
@@ -883,7 +883,7 @@
           </a:ln>
           <a:extLst>
             <a:ext uri="{C572A759-6A51-4108-AA02-DFA0A04FC94B}">
-              <ma14:wrappingTextBoxFlag xmlns:ma14="http://schemas.microsoft.com/office/mac/drawingml/2011/main" xmlns="" val="1"/>
+              <ma14:wrappingTextBoxFlag xmlns:ma14="http://schemas.microsoft.com/office/mac/drawingml/2011/main" val="1"/>
             </a:ext>
           </a:extLst>
         </p:spPr>
@@ -931,7 +931,7 @@
           </a:ln>
           <a:extLst>
             <a:ext uri="{C572A759-6A51-4108-AA02-DFA0A04FC94B}">
-              <ma14:wrappingTextBoxFlag xmlns:ma14="http://schemas.microsoft.com/office/mac/drawingml/2011/main" xmlns="" val="1"/>
+              <ma14:wrappingTextBoxFlag xmlns:ma14="http://schemas.microsoft.com/office/mac/drawingml/2011/main" val="1"/>
             </a:ext>
           </a:extLst>
         </p:spPr>
@@ -1055,7 +1055,7 @@
   <p:clrMapOvr>
     <a:masterClrMapping/>
   </p:clrMapOvr>
-  <p:transition spd="med"/>
+  <p:transition xmlns:p14="http://schemas.microsoft.com/office/powerpoint/2010/main" spd="med"/>
 </p:sldLayout>
 </file>
 
@@ -1081,7 +1081,7 @@
   <p:clrMapOvr>
     <a:masterClrMapping/>
   </p:clrMapOvr>
-  <p:transition spd="med"/>
+  <p:transition xmlns:p14="http://schemas.microsoft.com/office/powerpoint/2010/main" spd="med"/>
 </p:sldLayout>
 </file>
 
@@ -1121,7 +1121,7 @@
           </a:ln>
           <a:extLst>
             <a:ext uri="{C572A759-6A51-4108-AA02-DFA0A04FC94B}">
-              <ma14:wrappingTextBoxFlag xmlns:ma14="http://schemas.microsoft.com/office/mac/drawingml/2011/main" xmlns="" val="1"/>
+              <ma14:wrappingTextBoxFlag xmlns:ma14="http://schemas.microsoft.com/office/mac/drawingml/2011/main" val="1"/>
             </a:ext>
           </a:extLst>
         </p:spPr>
@@ -1259,7 +1259,7 @@
           </a:ln>
           <a:extLst>
             <a:ext uri="{C572A759-6A51-4108-AA02-DFA0A04FC94B}">
-              <ma14:wrappingTextBoxFlag xmlns:ma14="http://schemas.microsoft.com/office/mac/drawingml/2011/main" xmlns="" val="1"/>
+              <ma14:wrappingTextBoxFlag xmlns:ma14="http://schemas.microsoft.com/office/mac/drawingml/2011/main" val="1"/>
             </a:ext>
           </a:extLst>
         </p:spPr>
@@ -1312,7 +1312,7 @@
           </a:ln>
           <a:extLst>
             <a:ext uri="{C572A759-6A51-4108-AA02-DFA0A04FC94B}">
-              <ma14:wrappingTextBoxFlag xmlns:ma14="http://schemas.microsoft.com/office/mac/drawingml/2011/main" xmlns="" val="1"/>
+              <ma14:wrappingTextBoxFlag xmlns:ma14="http://schemas.microsoft.com/office/mac/drawingml/2011/main" val="1"/>
             </a:ext>
           </a:extLst>
         </p:spPr>
@@ -1346,7 +1346,7 @@
   <p:clrMapOvr>
     <a:masterClrMapping/>
   </p:clrMapOvr>
-  <p:transition spd="med"/>
+  <p:transition xmlns:p14="http://schemas.microsoft.com/office/powerpoint/2010/main" spd="med"/>
 </p:sldLayout>
 </file>
 
@@ -1372,7 +1372,7 @@
   <p:clrMapOvr>
     <a:masterClrMapping/>
   </p:clrMapOvr>
-  <p:transition spd="med"/>
+  <p:transition xmlns:p14="http://schemas.microsoft.com/office/powerpoint/2010/main" spd="med"/>
 </p:sldLayout>
 </file>
 
@@ -1541,7 +1541,7 @@
   <p:clrMapOvr>
     <a:masterClrMapping/>
   </p:clrMapOvr>
-  <p:transition spd="med"/>
+  <p:transition xmlns:p14="http://schemas.microsoft.com/office/powerpoint/2010/main" spd="med"/>
 </p:sldLayout>
 </file>
 
@@ -1600,7 +1600,7 @@
   <p:clrMapOvr>
     <a:masterClrMapping/>
   </p:clrMapOvr>
-  <p:transition spd="med"/>
+  <p:transition xmlns:p14="http://schemas.microsoft.com/office/powerpoint/2010/main" spd="med"/>
 </p:sldLayout>
 </file>
 
@@ -1773,7 +1773,7 @@
   <p:clrMapOvr>
     <a:masterClrMapping/>
   </p:clrMapOvr>
-  <p:transition spd="med"/>
+  <p:transition xmlns:p14="http://schemas.microsoft.com/office/powerpoint/2010/main" spd="med"/>
 </p:sldLayout>
 </file>
 
@@ -1828,7 +1828,7 @@
   <p:clrMapOvr>
     <a:masterClrMapping/>
   </p:clrMapOvr>
-  <p:transition spd="med"/>
+  <p:transition xmlns:p14="http://schemas.microsoft.com/office/powerpoint/2010/main" spd="med"/>
 </p:sldLayout>
 </file>
 
@@ -1948,7 +1948,7 @@
   <p:clrMapOvr>
     <a:masterClrMapping/>
   </p:clrMapOvr>
-  <p:transition spd="med"/>
+  <p:transition xmlns:p14="http://schemas.microsoft.com/office/powerpoint/2010/main" spd="med"/>
 </p:sldLayout>
 </file>
 
@@ -2103,7 +2103,7 @@
   <p:clrMapOvr>
     <a:masterClrMapping/>
   </p:clrMapOvr>
-  <p:transition spd="med"/>
+  <p:transition xmlns:p14="http://schemas.microsoft.com/office/powerpoint/2010/main" spd="med"/>
 </p:sldLayout>
 </file>
 
@@ -2129,7 +2129,7 @@
   <p:clrMapOvr>
     <a:masterClrMapping/>
   </p:clrMapOvr>
-  <p:transition spd="med"/>
+  <p:transition xmlns:p14="http://schemas.microsoft.com/office/powerpoint/2010/main" spd="med"/>
 </p:sldLayout>
 </file>
 
@@ -2245,7 +2245,7 @@
           </a:ln>
           <a:extLst>
             <a:ext uri="{C572A759-6A51-4108-AA02-DFA0A04FC94B}">
-              <ma14:wrappingTextBoxFlag xmlns:ma14="http://schemas.microsoft.com/office/mac/drawingml/2011/main" xmlns="" val="1"/>
+              <ma14:wrappingTextBoxFlag xmlns:ma14="http://schemas.microsoft.com/office/mac/drawingml/2011/main" val="1"/>
             </a:ext>
           </a:extLst>
         </p:spPr>
@@ -2298,7 +2298,7 @@
           </a:ln>
           <a:extLst>
             <a:ext uri="{C572A759-6A51-4108-AA02-DFA0A04FC94B}">
-              <ma14:wrappingTextBoxFlag xmlns:ma14="http://schemas.microsoft.com/office/mac/drawingml/2011/main" xmlns="" val="1"/>
+              <ma14:wrappingTextBoxFlag xmlns:ma14="http://schemas.microsoft.com/office/mac/drawingml/2011/main" val="1"/>
             </a:ext>
           </a:extLst>
         </p:spPr>
@@ -2346,7 +2346,7 @@
           </a:ln>
           <a:extLst>
             <a:ext uri="{C572A759-6A51-4108-AA02-DFA0A04FC94B}">
-              <ma14:wrappingTextBoxFlag xmlns:ma14="http://schemas.microsoft.com/office/mac/drawingml/2011/main" xmlns="" val="1"/>
+              <ma14:wrappingTextBoxFlag xmlns:ma14="http://schemas.microsoft.com/office/mac/drawingml/2011/main" val="1"/>
             </a:ext>
           </a:extLst>
         </p:spPr>
@@ -2394,7 +2394,7 @@
   <p:clrMapOvr>
     <a:masterClrMapping/>
   </p:clrMapOvr>
-  <p:transition spd="med"/>
+  <p:transition xmlns:p14="http://schemas.microsoft.com/office/powerpoint/2010/main" spd="med"/>
 </p:sldLayout>
 </file>
 
@@ -2446,7 +2446,7 @@
           </a:ln>
           <a:extLst>
             <a:ext uri="{C572A759-6A51-4108-AA02-DFA0A04FC94B}">
-              <ma14:wrappingTextBoxFlag xmlns:ma14="http://schemas.microsoft.com/office/mac/drawingml/2011/main" xmlns="" val="1"/>
+              <ma14:wrappingTextBoxFlag xmlns:ma14="http://schemas.microsoft.com/office/mac/drawingml/2011/main" val="1"/>
             </a:ext>
           </a:extLst>
         </p:spPr>
@@ -2489,7 +2489,7 @@
           </a:ln>
           <a:extLst>
             <a:ext uri="{C572A759-6A51-4108-AA02-DFA0A04FC94B}">
-              <ma14:wrappingTextBoxFlag xmlns:ma14="http://schemas.microsoft.com/office/mac/drawingml/2011/main" xmlns="" val="1"/>
+              <ma14:wrappingTextBoxFlag xmlns:ma14="http://schemas.microsoft.com/office/mac/drawingml/2011/main" val="1"/>
             </a:ext>
           </a:extLst>
         </p:spPr>
@@ -2564,7 +2564,7 @@
     <p:sldLayoutId id="2147483662" r:id="rId13"/>
     <p:sldLayoutId id="2147483663" r:id="rId14"/>
   </p:sldLayoutIdLst>
-  <p:transition spd="med"/>
+  <p:transition xmlns:p14="http://schemas.microsoft.com/office/powerpoint/2010/main" spd="med"/>
   <p:txStyles>
     <p:titleStyle>
       <a:lvl1pPr algn="ctr" defTabSz="584200">
@@ -2900,7 +2900,7 @@
           </a:ln>
           <a:extLst>
             <a:ext uri="{C572A759-6A51-4108-AA02-DFA0A04FC94B}">
-              <ma14:wrappingTextBoxFlag xmlns:ma14="http://schemas.microsoft.com/office/mac/drawingml/2011/main" xmlns="" val="1"/>
+              <ma14:wrappingTextBoxFlag xmlns:ma14="http://schemas.microsoft.com/office/mac/drawingml/2011/main" val="1"/>
             </a:ext>
           </a:extLst>
         </p:spPr>
@@ -2968,7 +2968,7 @@
           </a:ln>
           <a:extLst>
             <a:ext uri="{C572A759-6A51-4108-AA02-DFA0A04FC94B}">
-              <ma14:wrappingTextBoxFlag xmlns:ma14="http://schemas.microsoft.com/office/mac/drawingml/2011/main" xmlns="" val="1"/>
+              <ma14:wrappingTextBoxFlag xmlns:ma14="http://schemas.microsoft.com/office/mac/drawingml/2011/main" val="1"/>
             </a:ext>
           </a:extLst>
         </p:spPr>
@@ -3245,7 +3245,7 @@
       </p:pic>
       <p:pic>
         <p:nvPicPr>
-          <p:cNvPr id="14" name="Picture 13"/>
+          <p:cNvPr id="15" name="Picture 14"/>
           <p:cNvPicPr>
             <a:picLocks noChangeAspect="1"/>
           </p:cNvPicPr>
@@ -3259,8 +3259,8 @@
         </p:blipFill>
         <p:spPr>
           <a:xfrm>
-            <a:off x="8549846" y="2970114"/>
-            <a:ext cx="1016837" cy="667864"/>
+            <a:off x="9394533" y="1581652"/>
+            <a:ext cx="493198" cy="439067"/>
           </a:xfrm>
           <a:prstGeom prst="rect">
             <a:avLst/>
@@ -3269,7 +3269,7 @@
       </p:pic>
       <p:pic>
         <p:nvPicPr>
-          <p:cNvPr id="15" name="Picture 14"/>
+          <p:cNvPr id="16" name="Picture 15"/>
           <p:cNvPicPr>
             <a:picLocks noChangeAspect="1"/>
           </p:cNvPicPr>
@@ -3283,8 +3283,8 @@
         </p:blipFill>
         <p:spPr>
           <a:xfrm>
-            <a:off x="9394533" y="1581652"/>
-            <a:ext cx="493198" cy="439067"/>
+            <a:off x="4875669" y="6494968"/>
+            <a:ext cx="1056452" cy="1018036"/>
           </a:xfrm>
           <a:prstGeom prst="rect">
             <a:avLst/>
@@ -3293,7 +3293,7 @@
       </p:pic>
       <p:pic>
         <p:nvPicPr>
-          <p:cNvPr id="16" name="Picture 15"/>
+          <p:cNvPr id="17" name="Picture 16"/>
           <p:cNvPicPr>
             <a:picLocks noChangeAspect="1"/>
           </p:cNvPicPr>
@@ -3307,30 +3307,6 @@
         </p:blipFill>
         <p:spPr>
           <a:xfrm>
-            <a:off x="4875669" y="6494968"/>
-            <a:ext cx="1056452" cy="1018036"/>
-          </a:xfrm>
-          <a:prstGeom prst="rect">
-            <a:avLst/>
-          </a:prstGeom>
-        </p:spPr>
-      </p:pic>
-      <p:pic>
-        <p:nvPicPr>
-          <p:cNvPr id="17" name="Picture 16"/>
-          <p:cNvPicPr>
-            <a:picLocks noChangeAspect="1"/>
-          </p:cNvPicPr>
-          <p:nvPr/>
-        </p:nvPicPr>
-        <p:blipFill>
-          <a:blip r:embed="rId13"/>
-          <a:stretch>
-            <a:fillRect/>
-          </a:stretch>
-        </p:blipFill>
-        <p:spPr>
-          <a:xfrm>
             <a:off x="607618" y="1869493"/>
             <a:ext cx="648599" cy="674396"/>
           </a:xfrm>
@@ -3348,7 +3324,7 @@
           <p:nvPr/>
         </p:nvPicPr>
         <p:blipFill>
-          <a:blip r:embed="rId14"/>
+          <a:blip r:embed="rId13"/>
           <a:stretch>
             <a:fillRect/>
           </a:stretch>
@@ -3489,7 +3465,7 @@
           <p:nvPr/>
         </p:nvPicPr>
         <p:blipFill>
-          <a:blip r:embed="rId15"/>
+          <a:blip r:embed="rId14"/>
           <a:stretch>
             <a:fillRect/>
           </a:stretch>
@@ -3658,7 +3634,7 @@
           </a:ln>
           <a:extLst>
             <a:ext uri="{C572A759-6A51-4108-AA02-DFA0A04FC94B}">
-              <ma14:wrappingTextBoxFlag xmlns:ma14="http://schemas.microsoft.com/office/mac/drawingml/2011/main" xmlns="" val="1"/>
+              <ma14:wrappingTextBoxFlag xmlns:ma14="http://schemas.microsoft.com/office/mac/drawingml/2011/main" val="1"/>
             </a:ext>
           </a:extLst>
         </p:spPr>
@@ -3845,7 +3821,7 @@
           <p:nvPr/>
         </p:nvPicPr>
         <p:blipFill>
-          <a:blip r:embed="rId13"/>
+          <a:blip r:embed="rId12"/>
           <a:stretch>
             <a:fillRect/>
           </a:stretch>
@@ -4144,7 +4120,7 @@
           </a:ln>
           <a:extLst>
             <a:ext uri="{C572A759-6A51-4108-AA02-DFA0A04FC94B}">
-              <ma14:wrappingTextBoxFlag xmlns:ma14="http://schemas.microsoft.com/office/mac/drawingml/2011/main" xmlns="" val="1"/>
+              <ma14:wrappingTextBoxFlag xmlns:ma14="http://schemas.microsoft.com/office/mac/drawingml/2011/main" val="1"/>
             </a:ext>
           </a:extLst>
         </p:spPr>
@@ -4813,22 +4789,29 @@
               <a:tabLst/>
             </a:pPr>
             <a:r>
-              <a:rPr kumimoji="0" lang="en-US" sz="1200" b="0" i="0" u="none" strike="noStrike" cap="none" spc="0" normalizeH="0" baseline="0" dirty="0">
-                <a:ln>
-                  <a:noFill/>
-                </a:ln>
+              <a:rPr lang="en-US" sz="1200" dirty="0" smtClean="0">
                 <a:solidFill>
                   <a:srgbClr val="000000"/>
                 </a:solidFill>
-                <a:effectLst/>
-                <a:uFillTx/>
                 <a:latin typeface="Arial"/>
-                <a:ea typeface="+mn-ea"/>
                 <a:cs typeface="Arial"/>
-                <a:sym typeface="Helvetica Light"/>
               </a:rPr>
-              <a:t>Docker</a:t>
+              <a:t>Node.js</a:t>
             </a:r>
+            <a:endParaRPr kumimoji="0" lang="en-US" sz="1200" b="0" i="0" u="none" strike="noStrike" cap="none" spc="0" normalizeH="0" baseline="0" dirty="0">
+              <a:ln>
+                <a:noFill/>
+              </a:ln>
+              <a:solidFill>
+                <a:srgbClr val="000000"/>
+              </a:solidFill>
+              <a:effectLst/>
+              <a:uFillTx/>
+              <a:latin typeface="Arial"/>
+              <a:ea typeface="+mn-ea"/>
+              <a:cs typeface="Arial"/>
+              <a:sym typeface="Helvetica Light"/>
+            </a:endParaRPr>
           </a:p>
         </p:txBody>
       </p:sp>
@@ -4851,7 +4834,7 @@
           </a:ln>
           <a:extLst>
             <a:ext uri="{C572A759-6A51-4108-AA02-DFA0A04FC94B}">
-              <ma14:wrappingTextBoxFlag xmlns:ma14="http://schemas.microsoft.com/office/mac/drawingml/2011/main" xmlns="" val="1"/>
+              <ma14:wrappingTextBoxFlag xmlns:ma14="http://schemas.microsoft.com/office/mac/drawingml/2011/main" val="1"/>
             </a:ext>
           </a:extLst>
         </p:spPr>
@@ -5135,7 +5118,7 @@
           </a:ln>
           <a:extLst>
             <a:ext uri="{C572A759-6A51-4108-AA02-DFA0A04FC94B}">
-              <ma14:wrappingTextBoxFlag xmlns:ma14="http://schemas.microsoft.com/office/mac/drawingml/2011/main" xmlns="" val="1"/>
+              <ma14:wrappingTextBoxFlag xmlns:ma14="http://schemas.microsoft.com/office/mac/drawingml/2011/main" val="1"/>
             </a:ext>
           </a:extLst>
         </p:spPr>
@@ -5277,7 +5260,7 @@
           </a:ln>
           <a:extLst>
             <a:ext uri="{C572A759-6A51-4108-AA02-DFA0A04FC94B}">
-              <ma14:wrappingTextBoxFlag xmlns:ma14="http://schemas.microsoft.com/office/mac/drawingml/2011/main" xmlns="" val="1"/>
+              <ma14:wrappingTextBoxFlag xmlns:ma14="http://schemas.microsoft.com/office/mac/drawingml/2011/main" val="1"/>
             </a:ext>
           </a:extLst>
         </p:spPr>
@@ -5453,7 +5436,7 @@
           </a:ln>
           <a:extLst>
             <a:ext uri="{C572A759-6A51-4108-AA02-DFA0A04FC94B}">
-              <ma14:wrappingTextBoxFlag xmlns:ma14="http://schemas.microsoft.com/office/mac/drawingml/2011/main" xmlns="" val="1"/>
+              <ma14:wrappingTextBoxFlag xmlns:ma14="http://schemas.microsoft.com/office/mac/drawingml/2011/main" val="1"/>
             </a:ext>
           </a:extLst>
         </p:spPr>
@@ -5556,7 +5539,7 @@
           </a:ln>
           <a:extLst>
             <a:ext uri="{C572A759-6A51-4108-AA02-DFA0A04FC94B}">
-              <ma14:wrappingTextBoxFlag xmlns:ma14="http://schemas.microsoft.com/office/mac/drawingml/2011/main" xmlns="" val="1"/>
+              <ma14:wrappingTextBoxFlag xmlns:ma14="http://schemas.microsoft.com/office/mac/drawingml/2011/main" val="1"/>
             </a:ext>
           </a:extLst>
         </p:spPr>
@@ -5673,7 +5656,7 @@
           <p:nvPr/>
         </p:nvPicPr>
         <p:blipFill>
-          <a:blip r:embed="rId15"/>
+          <a:blip r:embed="rId14"/>
           <a:stretch>
             <a:fillRect/>
           </a:stretch>
@@ -5825,7 +5808,7 @@
           <p:nvPr/>
         </p:nvPicPr>
         <p:blipFill>
-          <a:blip r:embed="rId16"/>
+          <a:blip r:embed="rId15"/>
           <a:stretch>
             <a:fillRect/>
           </a:stretch>
@@ -5915,7 +5898,7 @@
           <p:nvPr/>
         </p:nvPicPr>
         <p:blipFill>
-          <a:blip r:embed="rId16"/>
+          <a:blip r:embed="rId15"/>
           <a:stretch>
             <a:fillRect/>
           </a:stretch>
@@ -6229,6 +6212,30 @@
           <a:fontRef idx="none"/>
         </p:style>
       </p:cxnSp>
+      <p:pic>
+        <p:nvPicPr>
+          <p:cNvPr id="4" name="Picture 3"/>
+          <p:cNvPicPr>
+            <a:picLocks noChangeAspect="1"/>
+          </p:cNvPicPr>
+          <p:nvPr/>
+        </p:nvPicPr>
+        <p:blipFill>
+          <a:blip r:embed="rId16"/>
+          <a:stretch>
+            <a:fillRect/>
+          </a:stretch>
+        </p:blipFill>
+        <p:spPr>
+          <a:xfrm>
+            <a:off x="8482428" y="2984011"/>
+            <a:ext cx="1047556" cy="640755"/>
+          </a:xfrm>
+          <a:prstGeom prst="rect">
+            <a:avLst/>
+          </a:prstGeom>
+        </p:spPr>
+      </p:pic>
     </p:spTree>
     <p:extLst>
       <p:ext uri="{BB962C8B-B14F-4D97-AF65-F5344CB8AC3E}">
@@ -6239,7 +6246,7 @@
   <p:clrMapOvr>
     <a:masterClrMapping/>
   </p:clrMapOvr>
-  <p:transition spd="med"/>
+  <p:transition xmlns:p14="http://schemas.microsoft.com/office/powerpoint/2010/main" spd="med"/>
 </p:sld>
 </file>
 
@@ -6265,7 +6272,7 @@
           <p:cNvPr id="108" name="Rectangle 107">
             <a:extLst>
               <a:ext uri="{FF2B5EF4-FFF2-40B4-BE49-F238E27FC236}">
-                <a16:creationId xmlns:a16="http://schemas.microsoft.com/office/drawing/2014/main" id="{DD3A4E38-E7B5-F444-A041-B81D31F9BE1A}"/>
+                <a16:creationId xmlns:a16="http://schemas.microsoft.com/office/drawing/2014/main" xmlns="" id="{DD3A4E38-E7B5-F444-A041-B81D31F9BE1A}"/>
               </a:ext>
             </a:extLst>
           </p:cNvPr>
@@ -6310,7 +6317,7 @@
           <p:cNvPr id="141" name="Rectangle 140">
             <a:extLst>
               <a:ext uri="{FF2B5EF4-FFF2-40B4-BE49-F238E27FC236}">
-                <a16:creationId xmlns:a16="http://schemas.microsoft.com/office/drawing/2014/main" id="{3C097F3C-09AD-4C48-89F5-8F6682E2A9C7}"/>
+                <a16:creationId xmlns:a16="http://schemas.microsoft.com/office/drawing/2014/main" xmlns="" id="{3C097F3C-09AD-4C48-89F5-8F6682E2A9C7}"/>
               </a:ext>
             </a:extLst>
           </p:cNvPr>
@@ -6353,7 +6360,7 @@
           <p:cNvPr id="132" name="Rectangle 131">
             <a:extLst>
               <a:ext uri="{FF2B5EF4-FFF2-40B4-BE49-F238E27FC236}">
-                <a16:creationId xmlns:a16="http://schemas.microsoft.com/office/drawing/2014/main" id="{A4F70669-E49F-6042-AC95-A1CF22FC2F0E}"/>
+                <a16:creationId xmlns:a16="http://schemas.microsoft.com/office/drawing/2014/main" xmlns="" id="{A4F70669-E49F-6042-AC95-A1CF22FC2F0E}"/>
               </a:ext>
             </a:extLst>
           </p:cNvPr>
@@ -6396,7 +6403,7 @@
           <p:cNvPr id="46" name="Straight Connector 45">
             <a:extLst>
               <a:ext uri="{FF2B5EF4-FFF2-40B4-BE49-F238E27FC236}">
-                <a16:creationId xmlns:a16="http://schemas.microsoft.com/office/drawing/2014/main" id="{B3EF6D8D-E093-9C43-8F06-6465AF5A1A76}"/>
+                <a16:creationId xmlns:a16="http://schemas.microsoft.com/office/drawing/2014/main" xmlns="" id="{B3EF6D8D-E093-9C43-8F06-6465AF5A1A76}"/>
               </a:ext>
             </a:extLst>
           </p:cNvPr>
@@ -6445,7 +6452,7 @@
           <p:cNvPr id="105" name="Rectangle 104">
             <a:extLst>
               <a:ext uri="{FF2B5EF4-FFF2-40B4-BE49-F238E27FC236}">
-                <a16:creationId xmlns:a16="http://schemas.microsoft.com/office/drawing/2014/main" id="{416C123A-D118-B348-B68E-4541B0A407FB}"/>
+                <a16:creationId xmlns:a16="http://schemas.microsoft.com/office/drawing/2014/main" xmlns="" id="{416C123A-D118-B348-B68E-4541B0A407FB}"/>
               </a:ext>
             </a:extLst>
           </p:cNvPr>
@@ -6492,7 +6499,7 @@
           <p:cNvPr id="115" name="Straight Connector 114">
             <a:extLst>
               <a:ext uri="{FF2B5EF4-FFF2-40B4-BE49-F238E27FC236}">
-                <a16:creationId xmlns:a16="http://schemas.microsoft.com/office/drawing/2014/main" id="{8AC6BC2D-6C06-F541-9BC0-006845DF1EA7}"/>
+                <a16:creationId xmlns:a16="http://schemas.microsoft.com/office/drawing/2014/main" xmlns="" id="{8AC6BC2D-6C06-F541-9BC0-006845DF1EA7}"/>
               </a:ext>
             </a:extLst>
           </p:cNvPr>
@@ -6541,7 +6548,7 @@
           <p:cNvPr id="103" name="Rectangle 102">
             <a:extLst>
               <a:ext uri="{FF2B5EF4-FFF2-40B4-BE49-F238E27FC236}">
-                <a16:creationId xmlns:a16="http://schemas.microsoft.com/office/drawing/2014/main" id="{89D06888-A322-F944-B8CD-1354DB6E9863}"/>
+                <a16:creationId xmlns:a16="http://schemas.microsoft.com/office/drawing/2014/main" xmlns="" id="{89D06888-A322-F944-B8CD-1354DB6E9863}"/>
               </a:ext>
             </a:extLst>
           </p:cNvPr>
@@ -6584,7 +6591,7 @@
           <p:cNvPr id="97" name="Rectangle 96">
             <a:extLst>
               <a:ext uri="{FF2B5EF4-FFF2-40B4-BE49-F238E27FC236}">
-                <a16:creationId xmlns:a16="http://schemas.microsoft.com/office/drawing/2014/main" id="{C6F860F7-F7BF-E549-968B-81EB1B326379}"/>
+                <a16:creationId xmlns:a16="http://schemas.microsoft.com/office/drawing/2014/main" xmlns="" id="{C6F860F7-F7BF-E549-968B-81EB1B326379}"/>
               </a:ext>
             </a:extLst>
           </p:cNvPr>
@@ -6629,7 +6636,7 @@
           <p:cNvPr id="88" name="Rectangle 87">
             <a:extLst>
               <a:ext uri="{FF2B5EF4-FFF2-40B4-BE49-F238E27FC236}">
-                <a16:creationId xmlns:a16="http://schemas.microsoft.com/office/drawing/2014/main" id="{52568BAA-8263-FC4A-AB69-A9AE503EA338}"/>
+                <a16:creationId xmlns:a16="http://schemas.microsoft.com/office/drawing/2014/main" xmlns="" id="{52568BAA-8263-FC4A-AB69-A9AE503EA338}"/>
               </a:ext>
             </a:extLst>
           </p:cNvPr>
@@ -6698,7 +6705,7 @@
           <p:cNvPr id="47" name="Rectangle 46">
             <a:extLst>
               <a:ext uri="{FF2B5EF4-FFF2-40B4-BE49-F238E27FC236}">
-                <a16:creationId xmlns:a16="http://schemas.microsoft.com/office/drawing/2014/main" id="{962939E0-A05A-3A44-9ADE-6B594560263B}"/>
+                <a16:creationId xmlns:a16="http://schemas.microsoft.com/office/drawing/2014/main" xmlns="" id="{962939E0-A05A-3A44-9ADE-6B594560263B}"/>
               </a:ext>
             </a:extLst>
           </p:cNvPr>
@@ -6853,7 +6860,7 @@
             </a:ln>
             <a:extLst>
               <a:ext uri="{C572A759-6A51-4108-AA02-DFA0A04FC94B}">
-                <ma14:wrappingTextBoxFlag xmlns:ma14="http://schemas.microsoft.com/office/mac/drawingml/2011/main" xmlns="" val="1"/>
+                <ma14:wrappingTextBoxFlag xmlns:ma14="http://schemas.microsoft.com/office/mac/drawingml/2011/main" val="1"/>
               </a:ext>
             </a:extLst>
           </p:spPr>
@@ -7092,7 +7099,7 @@
           </a:ln>
           <a:extLst>
             <a:ext uri="{C572A759-6A51-4108-AA02-DFA0A04FC94B}">
-              <ma14:wrappingTextBoxFlag xmlns:ma14="http://schemas.microsoft.com/office/mac/drawingml/2011/main" xmlns="" val="1"/>
+              <ma14:wrappingTextBoxFlag xmlns:ma14="http://schemas.microsoft.com/office/mac/drawingml/2011/main" val="1"/>
             </a:ext>
           </a:extLst>
         </p:spPr>
@@ -7160,7 +7167,7 @@
           </a:ln>
           <a:extLst>
             <a:ext uri="{C572A759-6A51-4108-AA02-DFA0A04FC94B}">
-              <ma14:wrappingTextBoxFlag xmlns:ma14="http://schemas.microsoft.com/office/mac/drawingml/2011/main" xmlns="" val="1"/>
+              <ma14:wrappingTextBoxFlag xmlns:ma14="http://schemas.microsoft.com/office/mac/drawingml/2011/main" val="1"/>
             </a:ext>
           </a:extLst>
         </p:spPr>
@@ -7531,7 +7538,7 @@
             <a:effectLst/>
             <a:extLst>
               <a:ext uri="{C572A759-6A51-4108-AA02-DFA0A04FC94B}">
-                <ma14:wrappingTextBoxFlag xmlns:ma14="http://schemas.microsoft.com/office/mac/drawingml/2011/main" xmlns="" val="1"/>
+                <ma14:wrappingTextBoxFlag xmlns:ma14="http://schemas.microsoft.com/office/mac/drawingml/2011/main" val="1"/>
               </a:ext>
             </a:extLst>
           </p:spPr>
@@ -7622,7 +7629,7 @@
           <p:cNvPr id="188" name="Group 187">
             <a:extLst>
               <a:ext uri="{FF2B5EF4-FFF2-40B4-BE49-F238E27FC236}">
-                <a16:creationId xmlns:a16="http://schemas.microsoft.com/office/drawing/2014/main" id="{5938EDDB-B2B2-6642-9D20-6D7C5F9FED31}"/>
+                <a16:creationId xmlns:a16="http://schemas.microsoft.com/office/drawing/2014/main" xmlns="" id="{5938EDDB-B2B2-6642-9D20-6D7C5F9FED31}"/>
               </a:ext>
             </a:extLst>
           </p:cNvPr>
@@ -7642,7 +7649,7 @@
             <p:cNvPr id="189" name="Group 188">
               <a:extLst>
                 <a:ext uri="{FF2B5EF4-FFF2-40B4-BE49-F238E27FC236}">
-                  <a16:creationId xmlns:a16="http://schemas.microsoft.com/office/drawing/2014/main" id="{3527AD53-90A2-7D45-A4B7-509C2FD1C32F}"/>
+                  <a16:creationId xmlns:a16="http://schemas.microsoft.com/office/drawing/2014/main" xmlns="" id="{3527AD53-90A2-7D45-A4B7-509C2FD1C32F}"/>
                 </a:ext>
               </a:extLst>
             </p:cNvPr>
@@ -7662,7 +7669,7 @@
               <p:cNvPr id="191" name="Oval 190">
                 <a:extLst>
                   <a:ext uri="{FF2B5EF4-FFF2-40B4-BE49-F238E27FC236}">
-                    <a16:creationId xmlns:a16="http://schemas.microsoft.com/office/drawing/2014/main" id="{38BE8895-77F2-3F48-BDC0-E7E0559BA7AD}"/>
+                    <a16:creationId xmlns:a16="http://schemas.microsoft.com/office/drawing/2014/main" xmlns="" id="{38BE8895-77F2-3F48-BDC0-E7E0559BA7AD}"/>
                   </a:ext>
                 </a:extLst>
               </p:cNvPr>
@@ -7718,7 +7725,7 @@
               <p:cNvPr id="192" name="Picture 191">
                 <a:extLst>
                   <a:ext uri="{FF2B5EF4-FFF2-40B4-BE49-F238E27FC236}">
-                    <a16:creationId xmlns:a16="http://schemas.microsoft.com/office/drawing/2014/main" id="{1E774A8B-C5DB-534E-8EE3-5D936B2F1BDA}"/>
+                    <a16:creationId xmlns:a16="http://schemas.microsoft.com/office/drawing/2014/main" xmlns="" id="{1E774A8B-C5DB-534E-8EE3-5D936B2F1BDA}"/>
                   </a:ext>
                 </a:extLst>
               </p:cNvPr>
@@ -7755,7 +7762,7 @@
             <p:cNvPr id="190" name="Shape 576">
               <a:extLst>
                 <a:ext uri="{FF2B5EF4-FFF2-40B4-BE49-F238E27FC236}">
-                  <a16:creationId xmlns:a16="http://schemas.microsoft.com/office/drawing/2014/main" id="{8D66F62C-0857-0C4E-B8A3-3F8DBC721692}"/>
+                  <a16:creationId xmlns:a16="http://schemas.microsoft.com/office/drawing/2014/main" xmlns="" id="{8D66F62C-0857-0C4E-B8A3-3F8DBC721692}"/>
                 </a:ext>
               </a:extLst>
             </p:cNvPr>
@@ -7775,7 +7782,7 @@
             </a:ln>
             <a:extLst>
               <a:ext uri="{C572A759-6A51-4108-AA02-DFA0A04FC94B}">
-                <ma14:wrappingTextBoxFlag xmlns:ma14="http://schemas.microsoft.com/office/mac/drawingml/2011/main" xmlns="" val="1"/>
+                <ma14:wrappingTextBoxFlag xmlns:ma14="http://schemas.microsoft.com/office/mac/drawingml/2011/main" val="1"/>
               </a:ext>
             </a:extLst>
           </p:spPr>
@@ -7988,7 +7995,7 @@
           </a:ln>
           <a:extLst>
             <a:ext uri="{C572A759-6A51-4108-AA02-DFA0A04FC94B}">
-              <ma14:wrappingTextBoxFlag xmlns:ma14="http://schemas.microsoft.com/office/mac/drawingml/2011/main" xmlns="" val="1"/>
+              <ma14:wrappingTextBoxFlag xmlns:ma14="http://schemas.microsoft.com/office/mac/drawingml/2011/main" val="1"/>
             </a:ext>
           </a:extLst>
         </p:spPr>
@@ -8277,7 +8284,7 @@
           <p:cNvPr id="58" name="Picture 57">
             <a:extLst>
               <a:ext uri="{FF2B5EF4-FFF2-40B4-BE49-F238E27FC236}">
-                <a16:creationId xmlns:a16="http://schemas.microsoft.com/office/drawing/2014/main" id="{66E030FF-10BA-3E4A-9604-7ADABD19B5C7}"/>
+                <a16:creationId xmlns:a16="http://schemas.microsoft.com/office/drawing/2014/main" xmlns="" id="{66E030FF-10BA-3E4A-9604-7ADABD19B5C7}"/>
               </a:ext>
             </a:extLst>
           </p:cNvPr>
@@ -8307,7 +8314,7 @@
           <p:cNvPr id="64" name="Straight Connector 63">
             <a:extLst>
               <a:ext uri="{FF2B5EF4-FFF2-40B4-BE49-F238E27FC236}">
-                <a16:creationId xmlns:a16="http://schemas.microsoft.com/office/drawing/2014/main" id="{7A922166-BCEA-2342-A0C7-D9B6D48E76B5}"/>
+                <a16:creationId xmlns:a16="http://schemas.microsoft.com/office/drawing/2014/main" xmlns="" id="{7A922166-BCEA-2342-A0C7-D9B6D48E76B5}"/>
               </a:ext>
             </a:extLst>
           </p:cNvPr>
@@ -8356,7 +8363,7 @@
           <p:cNvPr id="83" name="Straight Connector 82">
             <a:extLst>
               <a:ext uri="{FF2B5EF4-FFF2-40B4-BE49-F238E27FC236}">
-                <a16:creationId xmlns:a16="http://schemas.microsoft.com/office/drawing/2014/main" id="{BA3AC09A-2568-7A40-8619-27C921ACE99B}"/>
+                <a16:creationId xmlns:a16="http://schemas.microsoft.com/office/drawing/2014/main" xmlns="" id="{BA3AC09A-2568-7A40-8619-27C921ACE99B}"/>
               </a:ext>
             </a:extLst>
           </p:cNvPr>
@@ -8404,7 +8411,7 @@
           <p:cNvPr id="100" name="TextBox 99">
             <a:extLst>
               <a:ext uri="{FF2B5EF4-FFF2-40B4-BE49-F238E27FC236}">
-                <a16:creationId xmlns:a16="http://schemas.microsoft.com/office/drawing/2014/main" id="{3C80F502-9384-CB47-BE5F-B15677F163F5}"/>
+                <a16:creationId xmlns:a16="http://schemas.microsoft.com/office/drawing/2014/main" xmlns="" id="{3C80F502-9384-CB47-BE5F-B15677F163F5}"/>
               </a:ext>
             </a:extLst>
           </p:cNvPr>
@@ -8485,7 +8492,7 @@
           <p:cNvPr id="102" name="TextBox 101">
             <a:extLst>
               <a:ext uri="{FF2B5EF4-FFF2-40B4-BE49-F238E27FC236}">
-                <a16:creationId xmlns:a16="http://schemas.microsoft.com/office/drawing/2014/main" id="{049DDE7D-2EFF-7541-B9F7-19BEEA5515BE}"/>
+                <a16:creationId xmlns:a16="http://schemas.microsoft.com/office/drawing/2014/main" xmlns="" id="{049DDE7D-2EFF-7541-B9F7-19BEEA5515BE}"/>
               </a:ext>
             </a:extLst>
           </p:cNvPr>
@@ -8566,7 +8573,7 @@
           <p:cNvPr id="107" name="TextBox 106">
             <a:extLst>
               <a:ext uri="{FF2B5EF4-FFF2-40B4-BE49-F238E27FC236}">
-                <a16:creationId xmlns:a16="http://schemas.microsoft.com/office/drawing/2014/main" id="{F073A3D8-220E-7144-A600-F0641A71F37F}"/>
+                <a16:creationId xmlns:a16="http://schemas.microsoft.com/office/drawing/2014/main" xmlns="" id="{F073A3D8-220E-7144-A600-F0641A71F37F}"/>
               </a:ext>
             </a:extLst>
           </p:cNvPr>
@@ -8647,7 +8654,7 @@
           <p:cNvPr id="109" name="TextBox 108">
             <a:extLst>
               <a:ext uri="{FF2B5EF4-FFF2-40B4-BE49-F238E27FC236}">
-                <a16:creationId xmlns:a16="http://schemas.microsoft.com/office/drawing/2014/main" id="{E4BD00C3-AD29-1848-B72C-ABB297C80A44}"/>
+                <a16:creationId xmlns:a16="http://schemas.microsoft.com/office/drawing/2014/main" xmlns="" id="{E4BD00C3-AD29-1848-B72C-ABB297C80A44}"/>
               </a:ext>
             </a:extLst>
           </p:cNvPr>
@@ -8729,7 +8736,7 @@
           <p:cNvPr id="67" name="Picture 66">
             <a:extLst>
               <a:ext uri="{FF2B5EF4-FFF2-40B4-BE49-F238E27FC236}">
-                <a16:creationId xmlns:a16="http://schemas.microsoft.com/office/drawing/2014/main" id="{2CBB9EC6-1F4D-A544-B955-509A162728C6}"/>
+                <a16:creationId xmlns:a16="http://schemas.microsoft.com/office/drawing/2014/main" xmlns="" id="{2CBB9EC6-1F4D-A544-B955-509A162728C6}"/>
               </a:ext>
             </a:extLst>
           </p:cNvPr>
@@ -8765,7 +8772,7 @@
           <p:cNvPr id="116" name="Straight Connector 115">
             <a:extLst>
               <a:ext uri="{FF2B5EF4-FFF2-40B4-BE49-F238E27FC236}">
-                <a16:creationId xmlns:a16="http://schemas.microsoft.com/office/drawing/2014/main" id="{5DA5D267-4395-9C48-8B25-87844AB53687}"/>
+                <a16:creationId xmlns:a16="http://schemas.microsoft.com/office/drawing/2014/main" xmlns="" id="{5DA5D267-4395-9C48-8B25-87844AB53687}"/>
               </a:ext>
             </a:extLst>
           </p:cNvPr>
@@ -8812,7 +8819,7 @@
           <p:cNvPr id="119" name="TextBox 118">
             <a:extLst>
               <a:ext uri="{FF2B5EF4-FFF2-40B4-BE49-F238E27FC236}">
-                <a16:creationId xmlns:a16="http://schemas.microsoft.com/office/drawing/2014/main" id="{2A942E01-9F5A-F646-B3ED-A608F871CF24}"/>
+                <a16:creationId xmlns:a16="http://schemas.microsoft.com/office/drawing/2014/main" xmlns="" id="{2A942E01-9F5A-F646-B3ED-A608F871CF24}"/>
               </a:ext>
             </a:extLst>
           </p:cNvPr>
@@ -8893,7 +8900,7 @@
           <p:cNvPr id="79" name="Picture 78">
             <a:extLst>
               <a:ext uri="{FF2B5EF4-FFF2-40B4-BE49-F238E27FC236}">
-                <a16:creationId xmlns:a16="http://schemas.microsoft.com/office/drawing/2014/main" id="{702BB94C-F70C-5E4B-94D9-B69FE9F302C8}"/>
+                <a16:creationId xmlns:a16="http://schemas.microsoft.com/office/drawing/2014/main" xmlns="" id="{702BB94C-F70C-5E4B-94D9-B69FE9F302C8}"/>
               </a:ext>
             </a:extLst>
           </p:cNvPr>
@@ -8929,7 +8936,7 @@
           <p:cNvPr id="131" name="Straight Connector 130">
             <a:extLst>
               <a:ext uri="{FF2B5EF4-FFF2-40B4-BE49-F238E27FC236}">
-                <a16:creationId xmlns:a16="http://schemas.microsoft.com/office/drawing/2014/main" id="{EA8E957C-3AA4-2547-B191-BA32AA3F3AF2}"/>
+                <a16:creationId xmlns:a16="http://schemas.microsoft.com/office/drawing/2014/main" xmlns="" id="{EA8E957C-3AA4-2547-B191-BA32AA3F3AF2}"/>
               </a:ext>
             </a:extLst>
           </p:cNvPr>
@@ -8977,7 +8984,7 @@
           <p:cNvPr id="134" name="Straight Connector 133">
             <a:extLst>
               <a:ext uri="{FF2B5EF4-FFF2-40B4-BE49-F238E27FC236}">
-                <a16:creationId xmlns:a16="http://schemas.microsoft.com/office/drawing/2014/main" id="{5BE986ED-64D7-A046-BE28-021C8C920B48}"/>
+                <a16:creationId xmlns:a16="http://schemas.microsoft.com/office/drawing/2014/main" xmlns="" id="{5BE986ED-64D7-A046-BE28-021C8C920B48}"/>
               </a:ext>
             </a:extLst>
           </p:cNvPr>
@@ -9025,7 +9032,7 @@
           <p:cNvPr id="138" name="Straight Connector 137">
             <a:extLst>
               <a:ext uri="{FF2B5EF4-FFF2-40B4-BE49-F238E27FC236}">
-                <a16:creationId xmlns:a16="http://schemas.microsoft.com/office/drawing/2014/main" id="{8E1453EF-7DB3-E54F-9665-9C837DE98445}"/>
+                <a16:creationId xmlns:a16="http://schemas.microsoft.com/office/drawing/2014/main" xmlns="" id="{8E1453EF-7DB3-E54F-9665-9C837DE98445}"/>
               </a:ext>
             </a:extLst>
           </p:cNvPr>
@@ -9072,7 +9079,7 @@
           <p:cNvPr id="144" name="TextBox 143">
             <a:extLst>
               <a:ext uri="{FF2B5EF4-FFF2-40B4-BE49-F238E27FC236}">
-                <a16:creationId xmlns:a16="http://schemas.microsoft.com/office/drawing/2014/main" id="{F20B3218-9CCE-2145-9963-A12E6849F8D1}"/>
+                <a16:creationId xmlns:a16="http://schemas.microsoft.com/office/drawing/2014/main" xmlns="" id="{F20B3218-9CCE-2145-9963-A12E6849F8D1}"/>
               </a:ext>
             </a:extLst>
           </p:cNvPr>
@@ -9153,7 +9160,7 @@
           <p:cNvPr id="145" name="TextBox 144">
             <a:extLst>
               <a:ext uri="{FF2B5EF4-FFF2-40B4-BE49-F238E27FC236}">
-                <a16:creationId xmlns:a16="http://schemas.microsoft.com/office/drawing/2014/main" id="{32942C70-4F7F-BB41-A5A2-DABAE9CFA331}"/>
+                <a16:creationId xmlns:a16="http://schemas.microsoft.com/office/drawing/2014/main" xmlns="" id="{32942C70-4F7F-BB41-A5A2-DABAE9CFA331}"/>
               </a:ext>
             </a:extLst>
           </p:cNvPr>
@@ -9234,7 +9241,7 @@
           <p:cNvPr id="146" name="TextBox 145">
             <a:extLst>
               <a:ext uri="{FF2B5EF4-FFF2-40B4-BE49-F238E27FC236}">
-                <a16:creationId xmlns:a16="http://schemas.microsoft.com/office/drawing/2014/main" id="{F3C1C38B-9338-6F4F-B2D5-BD83A6070AEC}"/>
+                <a16:creationId xmlns:a16="http://schemas.microsoft.com/office/drawing/2014/main" xmlns="" id="{F3C1C38B-9338-6F4F-B2D5-BD83A6070AEC}"/>
               </a:ext>
             </a:extLst>
           </p:cNvPr>
@@ -9315,7 +9322,7 @@
           <p:cNvPr id="147" name="TextBox 146">
             <a:extLst>
               <a:ext uri="{FF2B5EF4-FFF2-40B4-BE49-F238E27FC236}">
-                <a16:creationId xmlns:a16="http://schemas.microsoft.com/office/drawing/2014/main" id="{344253DC-9D16-6148-8775-F290DB495E5E}"/>
+                <a16:creationId xmlns:a16="http://schemas.microsoft.com/office/drawing/2014/main" xmlns="" id="{344253DC-9D16-6148-8775-F290DB495E5E}"/>
               </a:ext>
             </a:extLst>
           </p:cNvPr>
@@ -9401,7 +9408,7 @@
   <p:clrMapOvr>
     <a:masterClrMapping/>
   </p:clrMapOvr>
-  <p:transition spd="med"/>
+  <p:transition xmlns:p14="http://schemas.microsoft.com/office/powerpoint/2010/main" spd="med"/>
 </p:sld>
 </file>
 
@@ -9427,7 +9434,7 @@
           <p:cNvPr id="108" name="Rectangle 107">
             <a:extLst>
               <a:ext uri="{FF2B5EF4-FFF2-40B4-BE49-F238E27FC236}">
-                <a16:creationId xmlns:a16="http://schemas.microsoft.com/office/drawing/2014/main" id="{DD3A4E38-E7B5-F444-A041-B81D31F9BE1A}"/>
+                <a16:creationId xmlns:a16="http://schemas.microsoft.com/office/drawing/2014/main" xmlns="" id="{DD3A4E38-E7B5-F444-A041-B81D31F9BE1A}"/>
               </a:ext>
             </a:extLst>
           </p:cNvPr>
@@ -9472,7 +9479,7 @@
           <p:cNvPr id="141" name="Rectangle 140">
             <a:extLst>
               <a:ext uri="{FF2B5EF4-FFF2-40B4-BE49-F238E27FC236}">
-                <a16:creationId xmlns:a16="http://schemas.microsoft.com/office/drawing/2014/main" id="{3C097F3C-09AD-4C48-89F5-8F6682E2A9C7}"/>
+                <a16:creationId xmlns:a16="http://schemas.microsoft.com/office/drawing/2014/main" xmlns="" id="{3C097F3C-09AD-4C48-89F5-8F6682E2A9C7}"/>
               </a:ext>
             </a:extLst>
           </p:cNvPr>
@@ -9515,7 +9522,7 @@
           <p:cNvPr id="132" name="Rectangle 131">
             <a:extLst>
               <a:ext uri="{FF2B5EF4-FFF2-40B4-BE49-F238E27FC236}">
-                <a16:creationId xmlns:a16="http://schemas.microsoft.com/office/drawing/2014/main" id="{A4F70669-E49F-6042-AC95-A1CF22FC2F0E}"/>
+                <a16:creationId xmlns:a16="http://schemas.microsoft.com/office/drawing/2014/main" xmlns="" id="{A4F70669-E49F-6042-AC95-A1CF22FC2F0E}"/>
               </a:ext>
             </a:extLst>
           </p:cNvPr>
@@ -9558,7 +9565,7 @@
           <p:cNvPr id="46" name="Straight Connector 45">
             <a:extLst>
               <a:ext uri="{FF2B5EF4-FFF2-40B4-BE49-F238E27FC236}">
-                <a16:creationId xmlns:a16="http://schemas.microsoft.com/office/drawing/2014/main" id="{B3EF6D8D-E093-9C43-8F06-6465AF5A1A76}"/>
+                <a16:creationId xmlns:a16="http://schemas.microsoft.com/office/drawing/2014/main" xmlns="" id="{B3EF6D8D-E093-9C43-8F06-6465AF5A1A76}"/>
               </a:ext>
             </a:extLst>
           </p:cNvPr>
@@ -9607,7 +9614,7 @@
           <p:cNvPr id="105" name="Rectangle 104">
             <a:extLst>
               <a:ext uri="{FF2B5EF4-FFF2-40B4-BE49-F238E27FC236}">
-                <a16:creationId xmlns:a16="http://schemas.microsoft.com/office/drawing/2014/main" id="{416C123A-D118-B348-B68E-4541B0A407FB}"/>
+                <a16:creationId xmlns:a16="http://schemas.microsoft.com/office/drawing/2014/main" xmlns="" id="{416C123A-D118-B348-B68E-4541B0A407FB}"/>
               </a:ext>
             </a:extLst>
           </p:cNvPr>
@@ -9654,7 +9661,7 @@
           <p:cNvPr id="115" name="Straight Connector 114">
             <a:extLst>
               <a:ext uri="{FF2B5EF4-FFF2-40B4-BE49-F238E27FC236}">
-                <a16:creationId xmlns:a16="http://schemas.microsoft.com/office/drawing/2014/main" id="{8AC6BC2D-6C06-F541-9BC0-006845DF1EA7}"/>
+                <a16:creationId xmlns:a16="http://schemas.microsoft.com/office/drawing/2014/main" xmlns="" id="{8AC6BC2D-6C06-F541-9BC0-006845DF1EA7}"/>
               </a:ext>
             </a:extLst>
           </p:cNvPr>
@@ -9703,7 +9710,7 @@
           <p:cNvPr id="103" name="Rectangle 102">
             <a:extLst>
               <a:ext uri="{FF2B5EF4-FFF2-40B4-BE49-F238E27FC236}">
-                <a16:creationId xmlns:a16="http://schemas.microsoft.com/office/drawing/2014/main" id="{89D06888-A322-F944-B8CD-1354DB6E9863}"/>
+                <a16:creationId xmlns:a16="http://schemas.microsoft.com/office/drawing/2014/main" xmlns="" id="{89D06888-A322-F944-B8CD-1354DB6E9863}"/>
               </a:ext>
             </a:extLst>
           </p:cNvPr>
@@ -9746,7 +9753,7 @@
           <p:cNvPr id="97" name="Rectangle 96">
             <a:extLst>
               <a:ext uri="{FF2B5EF4-FFF2-40B4-BE49-F238E27FC236}">
-                <a16:creationId xmlns:a16="http://schemas.microsoft.com/office/drawing/2014/main" id="{C6F860F7-F7BF-E549-968B-81EB1B326379}"/>
+                <a16:creationId xmlns:a16="http://schemas.microsoft.com/office/drawing/2014/main" xmlns="" id="{C6F860F7-F7BF-E549-968B-81EB1B326379}"/>
               </a:ext>
             </a:extLst>
           </p:cNvPr>
@@ -9791,7 +9798,7 @@
           <p:cNvPr id="88" name="Rectangle 87">
             <a:extLst>
               <a:ext uri="{FF2B5EF4-FFF2-40B4-BE49-F238E27FC236}">
-                <a16:creationId xmlns:a16="http://schemas.microsoft.com/office/drawing/2014/main" id="{52568BAA-8263-FC4A-AB69-A9AE503EA338}"/>
+                <a16:creationId xmlns:a16="http://schemas.microsoft.com/office/drawing/2014/main" xmlns="" id="{52568BAA-8263-FC4A-AB69-A9AE503EA338}"/>
               </a:ext>
             </a:extLst>
           </p:cNvPr>
@@ -9860,7 +9867,7 @@
           <p:cNvPr id="47" name="Rectangle 46">
             <a:extLst>
               <a:ext uri="{FF2B5EF4-FFF2-40B4-BE49-F238E27FC236}">
-                <a16:creationId xmlns:a16="http://schemas.microsoft.com/office/drawing/2014/main" id="{962939E0-A05A-3A44-9ADE-6B594560263B}"/>
+                <a16:creationId xmlns:a16="http://schemas.microsoft.com/office/drawing/2014/main" xmlns="" id="{962939E0-A05A-3A44-9ADE-6B594560263B}"/>
               </a:ext>
             </a:extLst>
           </p:cNvPr>
@@ -10015,7 +10022,7 @@
             </a:ln>
             <a:extLst>
               <a:ext uri="{C572A759-6A51-4108-AA02-DFA0A04FC94B}">
-                <ma14:wrappingTextBoxFlag xmlns:ma14="http://schemas.microsoft.com/office/mac/drawingml/2011/main" xmlns="" val="1"/>
+                <ma14:wrappingTextBoxFlag xmlns:ma14="http://schemas.microsoft.com/office/mac/drawingml/2011/main" val="1"/>
               </a:ext>
             </a:extLst>
           </p:spPr>
@@ -10254,7 +10261,7 @@
           </a:ln>
           <a:extLst>
             <a:ext uri="{C572A759-6A51-4108-AA02-DFA0A04FC94B}">
-              <ma14:wrappingTextBoxFlag xmlns:ma14="http://schemas.microsoft.com/office/mac/drawingml/2011/main" xmlns="" val="1"/>
+              <ma14:wrappingTextBoxFlag xmlns:ma14="http://schemas.microsoft.com/office/mac/drawingml/2011/main" val="1"/>
             </a:ext>
           </a:extLst>
         </p:spPr>
@@ -10322,7 +10329,7 @@
           </a:ln>
           <a:extLst>
             <a:ext uri="{C572A759-6A51-4108-AA02-DFA0A04FC94B}">
-              <ma14:wrappingTextBoxFlag xmlns:ma14="http://schemas.microsoft.com/office/mac/drawingml/2011/main" xmlns="" val="1"/>
+              <ma14:wrappingTextBoxFlag xmlns:ma14="http://schemas.microsoft.com/office/mac/drawingml/2011/main" val="1"/>
             </a:ext>
           </a:extLst>
         </p:spPr>
@@ -10693,7 +10700,7 @@
             <a:effectLst/>
             <a:extLst>
               <a:ext uri="{C572A759-6A51-4108-AA02-DFA0A04FC94B}">
-                <ma14:wrappingTextBoxFlag xmlns:ma14="http://schemas.microsoft.com/office/mac/drawingml/2011/main" xmlns="" val="1"/>
+                <ma14:wrappingTextBoxFlag xmlns:ma14="http://schemas.microsoft.com/office/mac/drawingml/2011/main" val="1"/>
               </a:ext>
             </a:extLst>
           </p:spPr>
@@ -10784,7 +10791,7 @@
           <p:cNvPr id="188" name="Group 187">
             <a:extLst>
               <a:ext uri="{FF2B5EF4-FFF2-40B4-BE49-F238E27FC236}">
-                <a16:creationId xmlns:a16="http://schemas.microsoft.com/office/drawing/2014/main" id="{5938EDDB-B2B2-6642-9D20-6D7C5F9FED31}"/>
+                <a16:creationId xmlns:a16="http://schemas.microsoft.com/office/drawing/2014/main" xmlns="" id="{5938EDDB-B2B2-6642-9D20-6D7C5F9FED31}"/>
               </a:ext>
             </a:extLst>
           </p:cNvPr>
@@ -10804,7 +10811,7 @@
             <p:cNvPr id="189" name="Group 188">
               <a:extLst>
                 <a:ext uri="{FF2B5EF4-FFF2-40B4-BE49-F238E27FC236}">
-                  <a16:creationId xmlns:a16="http://schemas.microsoft.com/office/drawing/2014/main" id="{3527AD53-90A2-7D45-A4B7-509C2FD1C32F}"/>
+                  <a16:creationId xmlns:a16="http://schemas.microsoft.com/office/drawing/2014/main" xmlns="" id="{3527AD53-90A2-7D45-A4B7-509C2FD1C32F}"/>
                 </a:ext>
               </a:extLst>
             </p:cNvPr>
@@ -10824,7 +10831,7 @@
               <p:cNvPr id="191" name="Oval 190">
                 <a:extLst>
                   <a:ext uri="{FF2B5EF4-FFF2-40B4-BE49-F238E27FC236}">
-                    <a16:creationId xmlns:a16="http://schemas.microsoft.com/office/drawing/2014/main" id="{38BE8895-77F2-3F48-BDC0-E7E0559BA7AD}"/>
+                    <a16:creationId xmlns:a16="http://schemas.microsoft.com/office/drawing/2014/main" xmlns="" id="{38BE8895-77F2-3F48-BDC0-E7E0559BA7AD}"/>
                   </a:ext>
                 </a:extLst>
               </p:cNvPr>
@@ -10880,7 +10887,7 @@
               <p:cNvPr id="192" name="Picture 191">
                 <a:extLst>
                   <a:ext uri="{FF2B5EF4-FFF2-40B4-BE49-F238E27FC236}">
-                    <a16:creationId xmlns:a16="http://schemas.microsoft.com/office/drawing/2014/main" id="{1E774A8B-C5DB-534E-8EE3-5D936B2F1BDA}"/>
+                    <a16:creationId xmlns:a16="http://schemas.microsoft.com/office/drawing/2014/main" xmlns="" id="{1E774A8B-C5DB-534E-8EE3-5D936B2F1BDA}"/>
                   </a:ext>
                 </a:extLst>
               </p:cNvPr>
@@ -10917,7 +10924,7 @@
             <p:cNvPr id="190" name="Shape 576">
               <a:extLst>
                 <a:ext uri="{FF2B5EF4-FFF2-40B4-BE49-F238E27FC236}">
-                  <a16:creationId xmlns:a16="http://schemas.microsoft.com/office/drawing/2014/main" id="{8D66F62C-0857-0C4E-B8A3-3F8DBC721692}"/>
+                  <a16:creationId xmlns:a16="http://schemas.microsoft.com/office/drawing/2014/main" xmlns="" id="{8D66F62C-0857-0C4E-B8A3-3F8DBC721692}"/>
                 </a:ext>
               </a:extLst>
             </p:cNvPr>
@@ -10937,7 +10944,7 @@
             </a:ln>
             <a:extLst>
               <a:ext uri="{C572A759-6A51-4108-AA02-DFA0A04FC94B}">
-                <ma14:wrappingTextBoxFlag xmlns:ma14="http://schemas.microsoft.com/office/mac/drawingml/2011/main" xmlns="" val="1"/>
+                <ma14:wrappingTextBoxFlag xmlns:ma14="http://schemas.microsoft.com/office/mac/drawingml/2011/main" val="1"/>
               </a:ext>
             </a:extLst>
           </p:spPr>
@@ -11150,7 +11157,7 @@
           </a:ln>
           <a:extLst>
             <a:ext uri="{C572A759-6A51-4108-AA02-DFA0A04FC94B}">
-              <ma14:wrappingTextBoxFlag xmlns:ma14="http://schemas.microsoft.com/office/mac/drawingml/2011/main" xmlns="" val="1"/>
+              <ma14:wrappingTextBoxFlag xmlns:ma14="http://schemas.microsoft.com/office/mac/drawingml/2011/main" val="1"/>
             </a:ext>
           </a:extLst>
         </p:spPr>
@@ -11439,7 +11446,7 @@
           <p:cNvPr id="58" name="Picture 57">
             <a:extLst>
               <a:ext uri="{FF2B5EF4-FFF2-40B4-BE49-F238E27FC236}">
-                <a16:creationId xmlns:a16="http://schemas.microsoft.com/office/drawing/2014/main" id="{66E030FF-10BA-3E4A-9604-7ADABD19B5C7}"/>
+                <a16:creationId xmlns:a16="http://schemas.microsoft.com/office/drawing/2014/main" xmlns="" id="{66E030FF-10BA-3E4A-9604-7ADABD19B5C7}"/>
               </a:ext>
             </a:extLst>
           </p:cNvPr>
@@ -11469,7 +11476,7 @@
           <p:cNvPr id="64" name="Straight Connector 63">
             <a:extLst>
               <a:ext uri="{FF2B5EF4-FFF2-40B4-BE49-F238E27FC236}">
-                <a16:creationId xmlns:a16="http://schemas.microsoft.com/office/drawing/2014/main" id="{7A922166-BCEA-2342-A0C7-D9B6D48E76B5}"/>
+                <a16:creationId xmlns:a16="http://schemas.microsoft.com/office/drawing/2014/main" xmlns="" id="{7A922166-BCEA-2342-A0C7-D9B6D48E76B5}"/>
               </a:ext>
             </a:extLst>
           </p:cNvPr>
@@ -11518,7 +11525,7 @@
           <p:cNvPr id="83" name="Straight Connector 82">
             <a:extLst>
               <a:ext uri="{FF2B5EF4-FFF2-40B4-BE49-F238E27FC236}">
-                <a16:creationId xmlns:a16="http://schemas.microsoft.com/office/drawing/2014/main" id="{BA3AC09A-2568-7A40-8619-27C921ACE99B}"/>
+                <a16:creationId xmlns:a16="http://schemas.microsoft.com/office/drawing/2014/main" xmlns="" id="{BA3AC09A-2568-7A40-8619-27C921ACE99B}"/>
               </a:ext>
             </a:extLst>
           </p:cNvPr>
@@ -11566,7 +11573,7 @@
           <p:cNvPr id="100" name="TextBox 99">
             <a:extLst>
               <a:ext uri="{FF2B5EF4-FFF2-40B4-BE49-F238E27FC236}">
-                <a16:creationId xmlns:a16="http://schemas.microsoft.com/office/drawing/2014/main" id="{3C80F502-9384-CB47-BE5F-B15677F163F5}"/>
+                <a16:creationId xmlns:a16="http://schemas.microsoft.com/office/drawing/2014/main" xmlns="" id="{3C80F502-9384-CB47-BE5F-B15677F163F5}"/>
               </a:ext>
             </a:extLst>
           </p:cNvPr>
@@ -11647,7 +11654,7 @@
           <p:cNvPr id="102" name="TextBox 101">
             <a:extLst>
               <a:ext uri="{FF2B5EF4-FFF2-40B4-BE49-F238E27FC236}">
-                <a16:creationId xmlns:a16="http://schemas.microsoft.com/office/drawing/2014/main" id="{049DDE7D-2EFF-7541-B9F7-19BEEA5515BE}"/>
+                <a16:creationId xmlns:a16="http://schemas.microsoft.com/office/drawing/2014/main" xmlns="" id="{049DDE7D-2EFF-7541-B9F7-19BEEA5515BE}"/>
               </a:ext>
             </a:extLst>
           </p:cNvPr>
@@ -11728,7 +11735,7 @@
           <p:cNvPr id="107" name="TextBox 106">
             <a:extLst>
               <a:ext uri="{FF2B5EF4-FFF2-40B4-BE49-F238E27FC236}">
-                <a16:creationId xmlns:a16="http://schemas.microsoft.com/office/drawing/2014/main" id="{F073A3D8-220E-7144-A600-F0641A71F37F}"/>
+                <a16:creationId xmlns:a16="http://schemas.microsoft.com/office/drawing/2014/main" xmlns="" id="{F073A3D8-220E-7144-A600-F0641A71F37F}"/>
               </a:ext>
             </a:extLst>
           </p:cNvPr>
@@ -11809,7 +11816,7 @@
           <p:cNvPr id="109" name="TextBox 108">
             <a:extLst>
               <a:ext uri="{FF2B5EF4-FFF2-40B4-BE49-F238E27FC236}">
-                <a16:creationId xmlns:a16="http://schemas.microsoft.com/office/drawing/2014/main" id="{E4BD00C3-AD29-1848-B72C-ABB297C80A44}"/>
+                <a16:creationId xmlns:a16="http://schemas.microsoft.com/office/drawing/2014/main" xmlns="" id="{E4BD00C3-AD29-1848-B72C-ABB297C80A44}"/>
               </a:ext>
             </a:extLst>
           </p:cNvPr>
@@ -11891,7 +11898,7 @@
           <p:cNvPr id="67" name="Picture 66">
             <a:extLst>
               <a:ext uri="{FF2B5EF4-FFF2-40B4-BE49-F238E27FC236}">
-                <a16:creationId xmlns:a16="http://schemas.microsoft.com/office/drawing/2014/main" id="{2CBB9EC6-1F4D-A544-B955-509A162728C6}"/>
+                <a16:creationId xmlns:a16="http://schemas.microsoft.com/office/drawing/2014/main" xmlns="" id="{2CBB9EC6-1F4D-A544-B955-509A162728C6}"/>
               </a:ext>
             </a:extLst>
           </p:cNvPr>
@@ -11927,7 +11934,7 @@
           <p:cNvPr id="116" name="Straight Connector 115">
             <a:extLst>
               <a:ext uri="{FF2B5EF4-FFF2-40B4-BE49-F238E27FC236}">
-                <a16:creationId xmlns:a16="http://schemas.microsoft.com/office/drawing/2014/main" id="{5DA5D267-4395-9C48-8B25-87844AB53687}"/>
+                <a16:creationId xmlns:a16="http://schemas.microsoft.com/office/drawing/2014/main" xmlns="" id="{5DA5D267-4395-9C48-8B25-87844AB53687}"/>
               </a:ext>
             </a:extLst>
           </p:cNvPr>
@@ -11974,7 +11981,7 @@
           <p:cNvPr id="119" name="TextBox 118">
             <a:extLst>
               <a:ext uri="{FF2B5EF4-FFF2-40B4-BE49-F238E27FC236}">
-                <a16:creationId xmlns:a16="http://schemas.microsoft.com/office/drawing/2014/main" id="{2A942E01-9F5A-F646-B3ED-A608F871CF24}"/>
+                <a16:creationId xmlns:a16="http://schemas.microsoft.com/office/drawing/2014/main" xmlns="" id="{2A942E01-9F5A-F646-B3ED-A608F871CF24}"/>
               </a:ext>
             </a:extLst>
           </p:cNvPr>
@@ -12055,7 +12062,7 @@
           <p:cNvPr id="79" name="Picture 78">
             <a:extLst>
               <a:ext uri="{FF2B5EF4-FFF2-40B4-BE49-F238E27FC236}">
-                <a16:creationId xmlns:a16="http://schemas.microsoft.com/office/drawing/2014/main" id="{702BB94C-F70C-5E4B-94D9-B69FE9F302C8}"/>
+                <a16:creationId xmlns:a16="http://schemas.microsoft.com/office/drawing/2014/main" xmlns="" id="{702BB94C-F70C-5E4B-94D9-B69FE9F302C8}"/>
               </a:ext>
             </a:extLst>
           </p:cNvPr>
@@ -12091,7 +12098,7 @@
           <p:cNvPr id="131" name="Straight Connector 130">
             <a:extLst>
               <a:ext uri="{FF2B5EF4-FFF2-40B4-BE49-F238E27FC236}">
-                <a16:creationId xmlns:a16="http://schemas.microsoft.com/office/drawing/2014/main" id="{EA8E957C-3AA4-2547-B191-BA32AA3F3AF2}"/>
+                <a16:creationId xmlns:a16="http://schemas.microsoft.com/office/drawing/2014/main" xmlns="" id="{EA8E957C-3AA4-2547-B191-BA32AA3F3AF2}"/>
               </a:ext>
             </a:extLst>
           </p:cNvPr>
@@ -12139,7 +12146,7 @@
           <p:cNvPr id="134" name="Straight Connector 133">
             <a:extLst>
               <a:ext uri="{FF2B5EF4-FFF2-40B4-BE49-F238E27FC236}">
-                <a16:creationId xmlns:a16="http://schemas.microsoft.com/office/drawing/2014/main" id="{5BE986ED-64D7-A046-BE28-021C8C920B48}"/>
+                <a16:creationId xmlns:a16="http://schemas.microsoft.com/office/drawing/2014/main" xmlns="" id="{5BE986ED-64D7-A046-BE28-021C8C920B48}"/>
               </a:ext>
             </a:extLst>
           </p:cNvPr>
@@ -12187,7 +12194,7 @@
           <p:cNvPr id="138" name="Straight Connector 137">
             <a:extLst>
               <a:ext uri="{FF2B5EF4-FFF2-40B4-BE49-F238E27FC236}">
-                <a16:creationId xmlns:a16="http://schemas.microsoft.com/office/drawing/2014/main" id="{8E1453EF-7DB3-E54F-9665-9C837DE98445}"/>
+                <a16:creationId xmlns:a16="http://schemas.microsoft.com/office/drawing/2014/main" xmlns="" id="{8E1453EF-7DB3-E54F-9665-9C837DE98445}"/>
               </a:ext>
             </a:extLst>
           </p:cNvPr>
@@ -12234,7 +12241,7 @@
           <p:cNvPr id="144" name="TextBox 143">
             <a:extLst>
               <a:ext uri="{FF2B5EF4-FFF2-40B4-BE49-F238E27FC236}">
-                <a16:creationId xmlns:a16="http://schemas.microsoft.com/office/drawing/2014/main" id="{F20B3218-9CCE-2145-9963-A12E6849F8D1}"/>
+                <a16:creationId xmlns:a16="http://schemas.microsoft.com/office/drawing/2014/main" xmlns="" id="{F20B3218-9CCE-2145-9963-A12E6849F8D1}"/>
               </a:ext>
             </a:extLst>
           </p:cNvPr>
@@ -12315,7 +12322,7 @@
           <p:cNvPr id="2" name="Rectangle 1">
             <a:extLst>
               <a:ext uri="{FF2B5EF4-FFF2-40B4-BE49-F238E27FC236}">
-                <a16:creationId xmlns:a16="http://schemas.microsoft.com/office/drawing/2014/main" id="{457F0C94-1AA0-1142-B814-A0B56C12F7AE}"/>
+                <a16:creationId xmlns:a16="http://schemas.microsoft.com/office/drawing/2014/main" xmlns="" id="{457F0C94-1AA0-1142-B814-A0B56C12F7AE}"/>
               </a:ext>
             </a:extLst>
           </p:cNvPr>
@@ -12356,7 +12363,7 @@
           <p:cNvPr id="3" name="Rounded Rectangular Callout 2">
             <a:extLst>
               <a:ext uri="{FF2B5EF4-FFF2-40B4-BE49-F238E27FC236}">
-                <a16:creationId xmlns:a16="http://schemas.microsoft.com/office/drawing/2014/main" id="{63DAE306-87BE-DC43-AD20-7EEF4394EF2D}"/>
+                <a16:creationId xmlns:a16="http://schemas.microsoft.com/office/drawing/2014/main" xmlns="" id="{63DAE306-87BE-DC43-AD20-7EEF4394EF2D}"/>
               </a:ext>
             </a:extLst>
           </p:cNvPr>
@@ -12403,7 +12410,7 @@
           <p:cNvPr id="4" name="TextBox 3">
             <a:extLst>
               <a:ext uri="{FF2B5EF4-FFF2-40B4-BE49-F238E27FC236}">
-                <a16:creationId xmlns:a16="http://schemas.microsoft.com/office/drawing/2014/main" id="{87A33B23-79D2-8C45-85BC-26BA3EBE5E09}"/>
+                <a16:creationId xmlns:a16="http://schemas.microsoft.com/office/drawing/2014/main" xmlns="" id="{87A33B23-79D2-8C45-85BC-26BA3EBE5E09}"/>
               </a:ext>
             </a:extLst>
           </p:cNvPr>
@@ -12484,7 +12491,7 @@
           <p:cNvPr id="63" name="TextBox 62">
             <a:extLst>
               <a:ext uri="{FF2B5EF4-FFF2-40B4-BE49-F238E27FC236}">
-                <a16:creationId xmlns:a16="http://schemas.microsoft.com/office/drawing/2014/main" id="{DF7CBF41-809E-E246-9424-6E940E6F0F01}"/>
+                <a16:creationId xmlns:a16="http://schemas.microsoft.com/office/drawing/2014/main" xmlns="" id="{DF7CBF41-809E-E246-9424-6E940E6F0F01}"/>
               </a:ext>
             </a:extLst>
           </p:cNvPr>
@@ -12565,7 +12572,7 @@
           <p:cNvPr id="65" name="TextBox 64">
             <a:extLst>
               <a:ext uri="{FF2B5EF4-FFF2-40B4-BE49-F238E27FC236}">
-                <a16:creationId xmlns:a16="http://schemas.microsoft.com/office/drawing/2014/main" id="{5241D4CE-929F-D243-9A44-1D0138E4A79E}"/>
+                <a16:creationId xmlns:a16="http://schemas.microsoft.com/office/drawing/2014/main" xmlns="" id="{5241D4CE-929F-D243-9A44-1D0138E4A79E}"/>
               </a:ext>
             </a:extLst>
           </p:cNvPr>
@@ -12646,7 +12653,7 @@
           <p:cNvPr id="66" name="TextBox 65">
             <a:extLst>
               <a:ext uri="{FF2B5EF4-FFF2-40B4-BE49-F238E27FC236}">
-                <a16:creationId xmlns:a16="http://schemas.microsoft.com/office/drawing/2014/main" id="{76BA1A68-812A-9342-8B07-D0FC0DD29AB1}"/>
+                <a16:creationId xmlns:a16="http://schemas.microsoft.com/office/drawing/2014/main" xmlns="" id="{76BA1A68-812A-9342-8B07-D0FC0DD29AB1}"/>
               </a:ext>
             </a:extLst>
           </p:cNvPr>
@@ -12732,7 +12739,7 @@
   <p:clrMapOvr>
     <a:masterClrMapping/>
   </p:clrMapOvr>
-  <p:transition spd="med"/>
+  <p:transition xmlns:p14="http://schemas.microsoft.com/office/powerpoint/2010/main" spd="med"/>
 </p:sld>
 </file>
 
@@ -12758,7 +12765,7 @@
           <p:cNvPr id="108" name="Rectangle 107">
             <a:extLst>
               <a:ext uri="{FF2B5EF4-FFF2-40B4-BE49-F238E27FC236}">
-                <a16:creationId xmlns:a16="http://schemas.microsoft.com/office/drawing/2014/main" id="{DD3A4E38-E7B5-F444-A041-B81D31F9BE1A}"/>
+                <a16:creationId xmlns:a16="http://schemas.microsoft.com/office/drawing/2014/main" xmlns="" id="{DD3A4E38-E7B5-F444-A041-B81D31F9BE1A}"/>
               </a:ext>
             </a:extLst>
           </p:cNvPr>
@@ -12803,7 +12810,7 @@
           <p:cNvPr id="138" name="Straight Connector 137">
             <a:extLst>
               <a:ext uri="{FF2B5EF4-FFF2-40B4-BE49-F238E27FC236}">
-                <a16:creationId xmlns:a16="http://schemas.microsoft.com/office/drawing/2014/main" id="{8E1453EF-7DB3-E54F-9665-9C837DE98445}"/>
+                <a16:creationId xmlns:a16="http://schemas.microsoft.com/office/drawing/2014/main" xmlns="" id="{8E1453EF-7DB3-E54F-9665-9C837DE98445}"/>
               </a:ext>
             </a:extLst>
           </p:cNvPr>
@@ -12851,7 +12858,7 @@
           <p:cNvPr id="55" name="Picture 54">
             <a:extLst>
               <a:ext uri="{FF2B5EF4-FFF2-40B4-BE49-F238E27FC236}">
-                <a16:creationId xmlns:a16="http://schemas.microsoft.com/office/drawing/2014/main" id="{CE881D18-4919-AC4A-8C4E-67FC236952BB}"/>
+                <a16:creationId xmlns:a16="http://schemas.microsoft.com/office/drawing/2014/main" xmlns="" id="{CE881D18-4919-AC4A-8C4E-67FC236952BB}"/>
               </a:ext>
             </a:extLst>
           </p:cNvPr>
@@ -12881,7 +12888,7 @@
           <p:cNvPr id="141" name="Rectangle 140">
             <a:extLst>
               <a:ext uri="{FF2B5EF4-FFF2-40B4-BE49-F238E27FC236}">
-                <a16:creationId xmlns:a16="http://schemas.microsoft.com/office/drawing/2014/main" id="{3C097F3C-09AD-4C48-89F5-8F6682E2A9C7}"/>
+                <a16:creationId xmlns:a16="http://schemas.microsoft.com/office/drawing/2014/main" xmlns="" id="{3C097F3C-09AD-4C48-89F5-8F6682E2A9C7}"/>
               </a:ext>
             </a:extLst>
           </p:cNvPr>
@@ -13060,7 +13067,7 @@
             </a:ln>
             <a:extLst>
               <a:ext uri="{C572A759-6A51-4108-AA02-DFA0A04FC94B}">
-                <ma14:wrappingTextBoxFlag xmlns:ma14="http://schemas.microsoft.com/office/mac/drawingml/2011/main" xmlns="" val="1"/>
+                <ma14:wrappingTextBoxFlag xmlns:ma14="http://schemas.microsoft.com/office/mac/drawingml/2011/main" val="1"/>
               </a:ext>
             </a:extLst>
           </p:spPr>
@@ -13167,7 +13174,7 @@
           </a:ln>
           <a:extLst>
             <a:ext uri="{C572A759-6A51-4108-AA02-DFA0A04FC94B}">
-              <ma14:wrappingTextBoxFlag xmlns:ma14="http://schemas.microsoft.com/office/mac/drawingml/2011/main" xmlns="" val="1"/>
+              <ma14:wrappingTextBoxFlag xmlns:ma14="http://schemas.microsoft.com/office/mac/drawingml/2011/main" val="1"/>
             </a:ext>
           </a:extLst>
         </p:spPr>
@@ -13235,7 +13242,7 @@
           </a:ln>
           <a:extLst>
             <a:ext uri="{C572A759-6A51-4108-AA02-DFA0A04FC94B}">
-              <ma14:wrappingTextBoxFlag xmlns:ma14="http://schemas.microsoft.com/office/mac/drawingml/2011/main" xmlns="" val="1"/>
+              <ma14:wrappingTextBoxFlag xmlns:ma14="http://schemas.microsoft.com/office/mac/drawingml/2011/main" val="1"/>
             </a:ext>
           </a:extLst>
         </p:spPr>
@@ -13446,7 +13453,7 @@
           <p:cNvPr id="109" name="TextBox 108">
             <a:extLst>
               <a:ext uri="{FF2B5EF4-FFF2-40B4-BE49-F238E27FC236}">
-                <a16:creationId xmlns:a16="http://schemas.microsoft.com/office/drawing/2014/main" id="{E4BD00C3-AD29-1848-B72C-ABB297C80A44}"/>
+                <a16:creationId xmlns:a16="http://schemas.microsoft.com/office/drawing/2014/main" xmlns="" id="{E4BD00C3-AD29-1848-B72C-ABB297C80A44}"/>
               </a:ext>
             </a:extLst>
           </p:cNvPr>
@@ -13527,7 +13534,7 @@
           <p:cNvPr id="67" name="Picture 66">
             <a:extLst>
               <a:ext uri="{FF2B5EF4-FFF2-40B4-BE49-F238E27FC236}">
-                <a16:creationId xmlns:a16="http://schemas.microsoft.com/office/drawing/2014/main" id="{2CBB9EC6-1F4D-A544-B955-509A162728C6}"/>
+                <a16:creationId xmlns:a16="http://schemas.microsoft.com/office/drawing/2014/main" xmlns="" id="{2CBB9EC6-1F4D-A544-B955-509A162728C6}"/>
               </a:ext>
             </a:extLst>
           </p:cNvPr>
@@ -13563,7 +13570,7 @@
           <p:cNvPr id="116" name="Straight Connector 115">
             <a:extLst>
               <a:ext uri="{FF2B5EF4-FFF2-40B4-BE49-F238E27FC236}">
-                <a16:creationId xmlns:a16="http://schemas.microsoft.com/office/drawing/2014/main" id="{5DA5D267-4395-9C48-8B25-87844AB53687}"/>
+                <a16:creationId xmlns:a16="http://schemas.microsoft.com/office/drawing/2014/main" xmlns="" id="{5DA5D267-4395-9C48-8B25-87844AB53687}"/>
               </a:ext>
             </a:extLst>
           </p:cNvPr>
@@ -13610,7 +13617,7 @@
           <p:cNvPr id="119" name="TextBox 118">
             <a:extLst>
               <a:ext uri="{FF2B5EF4-FFF2-40B4-BE49-F238E27FC236}">
-                <a16:creationId xmlns:a16="http://schemas.microsoft.com/office/drawing/2014/main" id="{2A942E01-9F5A-F646-B3ED-A608F871CF24}"/>
+                <a16:creationId xmlns:a16="http://schemas.microsoft.com/office/drawing/2014/main" xmlns="" id="{2A942E01-9F5A-F646-B3ED-A608F871CF24}"/>
               </a:ext>
             </a:extLst>
           </p:cNvPr>
@@ -13691,7 +13698,7 @@
           <p:cNvPr id="79" name="Picture 78">
             <a:extLst>
               <a:ext uri="{FF2B5EF4-FFF2-40B4-BE49-F238E27FC236}">
-                <a16:creationId xmlns:a16="http://schemas.microsoft.com/office/drawing/2014/main" id="{702BB94C-F70C-5E4B-94D9-B69FE9F302C8}"/>
+                <a16:creationId xmlns:a16="http://schemas.microsoft.com/office/drawing/2014/main" xmlns="" id="{702BB94C-F70C-5E4B-94D9-B69FE9F302C8}"/>
               </a:ext>
             </a:extLst>
           </p:cNvPr>
@@ -13727,7 +13734,7 @@
           <p:cNvPr id="56" name="TextBox 55">
             <a:extLst>
               <a:ext uri="{FF2B5EF4-FFF2-40B4-BE49-F238E27FC236}">
-                <a16:creationId xmlns:a16="http://schemas.microsoft.com/office/drawing/2014/main" id="{EC9D555A-9361-8C4D-B121-23370991E14A}"/>
+                <a16:creationId xmlns:a16="http://schemas.microsoft.com/office/drawing/2014/main" xmlns="" id="{EC9D555A-9361-8C4D-B121-23370991E14A}"/>
               </a:ext>
             </a:extLst>
           </p:cNvPr>
@@ -13808,7 +13815,7 @@
           <p:cNvPr id="57" name="Picture 56">
             <a:extLst>
               <a:ext uri="{FF2B5EF4-FFF2-40B4-BE49-F238E27FC236}">
-                <a16:creationId xmlns:a16="http://schemas.microsoft.com/office/drawing/2014/main" id="{0E7372C8-1262-6840-B431-DDDFC66573C0}"/>
+                <a16:creationId xmlns:a16="http://schemas.microsoft.com/office/drawing/2014/main" xmlns="" id="{0E7372C8-1262-6840-B431-DDDFC66573C0}"/>
               </a:ext>
             </a:extLst>
           </p:cNvPr>
@@ -13843,7 +13850,7 @@
   <p:clrMapOvr>
     <a:masterClrMapping/>
   </p:clrMapOvr>
-  <p:transition spd="med"/>
+  <p:transition xmlns:p14="http://schemas.microsoft.com/office/powerpoint/2010/main" spd="med"/>
 </p:sld>
 </file>
 
@@ -13869,7 +13876,7 @@
           <p:cNvPr id="108" name="Rectangle 107">
             <a:extLst>
               <a:ext uri="{FF2B5EF4-FFF2-40B4-BE49-F238E27FC236}">
-                <a16:creationId xmlns:a16="http://schemas.microsoft.com/office/drawing/2014/main" id="{DD3A4E38-E7B5-F444-A041-B81D31F9BE1A}"/>
+                <a16:creationId xmlns:a16="http://schemas.microsoft.com/office/drawing/2014/main" xmlns="" id="{DD3A4E38-E7B5-F444-A041-B81D31F9BE1A}"/>
               </a:ext>
             </a:extLst>
           </p:cNvPr>
@@ -13914,7 +13921,7 @@
           <p:cNvPr id="141" name="Rectangle 140">
             <a:extLst>
               <a:ext uri="{FF2B5EF4-FFF2-40B4-BE49-F238E27FC236}">
-                <a16:creationId xmlns:a16="http://schemas.microsoft.com/office/drawing/2014/main" id="{3C097F3C-09AD-4C48-89F5-8F6682E2A9C7}"/>
+                <a16:creationId xmlns:a16="http://schemas.microsoft.com/office/drawing/2014/main" xmlns="" id="{3C097F3C-09AD-4C48-89F5-8F6682E2A9C7}"/>
               </a:ext>
             </a:extLst>
           </p:cNvPr>
@@ -13957,7 +13964,7 @@
           <p:cNvPr id="132" name="Rectangle 131">
             <a:extLst>
               <a:ext uri="{FF2B5EF4-FFF2-40B4-BE49-F238E27FC236}">
-                <a16:creationId xmlns:a16="http://schemas.microsoft.com/office/drawing/2014/main" id="{A4F70669-E49F-6042-AC95-A1CF22FC2F0E}"/>
+                <a16:creationId xmlns:a16="http://schemas.microsoft.com/office/drawing/2014/main" xmlns="" id="{A4F70669-E49F-6042-AC95-A1CF22FC2F0E}"/>
               </a:ext>
             </a:extLst>
           </p:cNvPr>
@@ -14000,7 +14007,7 @@
           <p:cNvPr id="46" name="Straight Connector 45">
             <a:extLst>
               <a:ext uri="{FF2B5EF4-FFF2-40B4-BE49-F238E27FC236}">
-                <a16:creationId xmlns:a16="http://schemas.microsoft.com/office/drawing/2014/main" id="{B3EF6D8D-E093-9C43-8F06-6465AF5A1A76}"/>
+                <a16:creationId xmlns:a16="http://schemas.microsoft.com/office/drawing/2014/main" xmlns="" id="{B3EF6D8D-E093-9C43-8F06-6465AF5A1A76}"/>
               </a:ext>
             </a:extLst>
           </p:cNvPr>
@@ -14049,7 +14056,7 @@
           <p:cNvPr id="105" name="Rectangle 104">
             <a:extLst>
               <a:ext uri="{FF2B5EF4-FFF2-40B4-BE49-F238E27FC236}">
-                <a16:creationId xmlns:a16="http://schemas.microsoft.com/office/drawing/2014/main" id="{416C123A-D118-B348-B68E-4541B0A407FB}"/>
+                <a16:creationId xmlns:a16="http://schemas.microsoft.com/office/drawing/2014/main" xmlns="" id="{416C123A-D118-B348-B68E-4541B0A407FB}"/>
               </a:ext>
             </a:extLst>
           </p:cNvPr>
@@ -14096,7 +14103,7 @@
           <p:cNvPr id="115" name="Straight Connector 114">
             <a:extLst>
               <a:ext uri="{FF2B5EF4-FFF2-40B4-BE49-F238E27FC236}">
-                <a16:creationId xmlns:a16="http://schemas.microsoft.com/office/drawing/2014/main" id="{8AC6BC2D-6C06-F541-9BC0-006845DF1EA7}"/>
+                <a16:creationId xmlns:a16="http://schemas.microsoft.com/office/drawing/2014/main" xmlns="" id="{8AC6BC2D-6C06-F541-9BC0-006845DF1EA7}"/>
               </a:ext>
             </a:extLst>
           </p:cNvPr>
@@ -14145,7 +14152,7 @@
           <p:cNvPr id="103" name="Rectangle 102">
             <a:extLst>
               <a:ext uri="{FF2B5EF4-FFF2-40B4-BE49-F238E27FC236}">
-                <a16:creationId xmlns:a16="http://schemas.microsoft.com/office/drawing/2014/main" id="{89D06888-A322-F944-B8CD-1354DB6E9863}"/>
+                <a16:creationId xmlns:a16="http://schemas.microsoft.com/office/drawing/2014/main" xmlns="" id="{89D06888-A322-F944-B8CD-1354DB6E9863}"/>
               </a:ext>
             </a:extLst>
           </p:cNvPr>
@@ -14188,7 +14195,7 @@
           <p:cNvPr id="97" name="Rectangle 96">
             <a:extLst>
               <a:ext uri="{FF2B5EF4-FFF2-40B4-BE49-F238E27FC236}">
-                <a16:creationId xmlns:a16="http://schemas.microsoft.com/office/drawing/2014/main" id="{C6F860F7-F7BF-E549-968B-81EB1B326379}"/>
+                <a16:creationId xmlns:a16="http://schemas.microsoft.com/office/drawing/2014/main" xmlns="" id="{C6F860F7-F7BF-E549-968B-81EB1B326379}"/>
               </a:ext>
             </a:extLst>
           </p:cNvPr>
@@ -14233,7 +14240,7 @@
           <p:cNvPr id="88" name="Rectangle 87">
             <a:extLst>
               <a:ext uri="{FF2B5EF4-FFF2-40B4-BE49-F238E27FC236}">
-                <a16:creationId xmlns:a16="http://schemas.microsoft.com/office/drawing/2014/main" id="{52568BAA-8263-FC4A-AB69-A9AE503EA338}"/>
+                <a16:creationId xmlns:a16="http://schemas.microsoft.com/office/drawing/2014/main" xmlns="" id="{52568BAA-8263-FC4A-AB69-A9AE503EA338}"/>
               </a:ext>
             </a:extLst>
           </p:cNvPr>
@@ -14302,7 +14309,7 @@
           <p:cNvPr id="47" name="Rectangle 46">
             <a:extLst>
               <a:ext uri="{FF2B5EF4-FFF2-40B4-BE49-F238E27FC236}">
-                <a16:creationId xmlns:a16="http://schemas.microsoft.com/office/drawing/2014/main" id="{962939E0-A05A-3A44-9ADE-6B594560263B}"/>
+                <a16:creationId xmlns:a16="http://schemas.microsoft.com/office/drawing/2014/main" xmlns="" id="{962939E0-A05A-3A44-9ADE-6B594560263B}"/>
               </a:ext>
             </a:extLst>
           </p:cNvPr>
@@ -14457,7 +14464,7 @@
             </a:ln>
             <a:extLst>
               <a:ext uri="{C572A759-6A51-4108-AA02-DFA0A04FC94B}">
-                <ma14:wrappingTextBoxFlag xmlns:ma14="http://schemas.microsoft.com/office/mac/drawingml/2011/main" xmlns="" val="1"/>
+                <ma14:wrappingTextBoxFlag xmlns:ma14="http://schemas.microsoft.com/office/mac/drawingml/2011/main" val="1"/>
               </a:ext>
             </a:extLst>
           </p:spPr>
@@ -14696,7 +14703,7 @@
           </a:ln>
           <a:extLst>
             <a:ext uri="{C572A759-6A51-4108-AA02-DFA0A04FC94B}">
-              <ma14:wrappingTextBoxFlag xmlns:ma14="http://schemas.microsoft.com/office/mac/drawingml/2011/main" xmlns="" val="1"/>
+              <ma14:wrappingTextBoxFlag xmlns:ma14="http://schemas.microsoft.com/office/mac/drawingml/2011/main" val="1"/>
             </a:ext>
           </a:extLst>
         </p:spPr>
@@ -14764,7 +14771,7 @@
           </a:ln>
           <a:extLst>
             <a:ext uri="{C572A759-6A51-4108-AA02-DFA0A04FC94B}">
-              <ma14:wrappingTextBoxFlag xmlns:ma14="http://schemas.microsoft.com/office/mac/drawingml/2011/main" xmlns="" val="1"/>
+              <ma14:wrappingTextBoxFlag xmlns:ma14="http://schemas.microsoft.com/office/mac/drawingml/2011/main" val="1"/>
             </a:ext>
           </a:extLst>
         </p:spPr>
@@ -15135,7 +15142,7 @@
             <a:effectLst/>
             <a:extLst>
               <a:ext uri="{C572A759-6A51-4108-AA02-DFA0A04FC94B}">
-                <ma14:wrappingTextBoxFlag xmlns:ma14="http://schemas.microsoft.com/office/mac/drawingml/2011/main" xmlns="" val="1"/>
+                <ma14:wrappingTextBoxFlag xmlns:ma14="http://schemas.microsoft.com/office/mac/drawingml/2011/main" val="1"/>
               </a:ext>
             </a:extLst>
           </p:spPr>
@@ -15226,7 +15233,7 @@
           <p:cNvPr id="188" name="Group 187">
             <a:extLst>
               <a:ext uri="{FF2B5EF4-FFF2-40B4-BE49-F238E27FC236}">
-                <a16:creationId xmlns:a16="http://schemas.microsoft.com/office/drawing/2014/main" id="{5938EDDB-B2B2-6642-9D20-6D7C5F9FED31}"/>
+                <a16:creationId xmlns:a16="http://schemas.microsoft.com/office/drawing/2014/main" xmlns="" id="{5938EDDB-B2B2-6642-9D20-6D7C5F9FED31}"/>
               </a:ext>
             </a:extLst>
           </p:cNvPr>
@@ -15246,7 +15253,7 @@
             <p:cNvPr id="189" name="Group 188">
               <a:extLst>
                 <a:ext uri="{FF2B5EF4-FFF2-40B4-BE49-F238E27FC236}">
-                  <a16:creationId xmlns:a16="http://schemas.microsoft.com/office/drawing/2014/main" id="{3527AD53-90A2-7D45-A4B7-509C2FD1C32F}"/>
+                  <a16:creationId xmlns:a16="http://schemas.microsoft.com/office/drawing/2014/main" xmlns="" id="{3527AD53-90A2-7D45-A4B7-509C2FD1C32F}"/>
                 </a:ext>
               </a:extLst>
             </p:cNvPr>
@@ -15266,7 +15273,7 @@
               <p:cNvPr id="191" name="Oval 190">
                 <a:extLst>
                   <a:ext uri="{FF2B5EF4-FFF2-40B4-BE49-F238E27FC236}">
-                    <a16:creationId xmlns:a16="http://schemas.microsoft.com/office/drawing/2014/main" id="{38BE8895-77F2-3F48-BDC0-E7E0559BA7AD}"/>
+                    <a16:creationId xmlns:a16="http://schemas.microsoft.com/office/drawing/2014/main" xmlns="" id="{38BE8895-77F2-3F48-BDC0-E7E0559BA7AD}"/>
                   </a:ext>
                 </a:extLst>
               </p:cNvPr>
@@ -15322,7 +15329,7 @@
               <p:cNvPr id="192" name="Picture 191">
                 <a:extLst>
                   <a:ext uri="{FF2B5EF4-FFF2-40B4-BE49-F238E27FC236}">
-                    <a16:creationId xmlns:a16="http://schemas.microsoft.com/office/drawing/2014/main" id="{1E774A8B-C5DB-534E-8EE3-5D936B2F1BDA}"/>
+                    <a16:creationId xmlns:a16="http://schemas.microsoft.com/office/drawing/2014/main" xmlns="" id="{1E774A8B-C5DB-534E-8EE3-5D936B2F1BDA}"/>
                   </a:ext>
                 </a:extLst>
               </p:cNvPr>
@@ -15359,7 +15366,7 @@
             <p:cNvPr id="190" name="Shape 576">
               <a:extLst>
                 <a:ext uri="{FF2B5EF4-FFF2-40B4-BE49-F238E27FC236}">
-                  <a16:creationId xmlns:a16="http://schemas.microsoft.com/office/drawing/2014/main" id="{8D66F62C-0857-0C4E-B8A3-3F8DBC721692}"/>
+                  <a16:creationId xmlns:a16="http://schemas.microsoft.com/office/drawing/2014/main" xmlns="" id="{8D66F62C-0857-0C4E-B8A3-3F8DBC721692}"/>
                 </a:ext>
               </a:extLst>
             </p:cNvPr>
@@ -15379,7 +15386,7 @@
             </a:ln>
             <a:extLst>
               <a:ext uri="{C572A759-6A51-4108-AA02-DFA0A04FC94B}">
-                <ma14:wrappingTextBoxFlag xmlns:ma14="http://schemas.microsoft.com/office/mac/drawingml/2011/main" xmlns="" val="1"/>
+                <ma14:wrappingTextBoxFlag xmlns:ma14="http://schemas.microsoft.com/office/mac/drawingml/2011/main" val="1"/>
               </a:ext>
             </a:extLst>
           </p:spPr>
@@ -15592,7 +15599,7 @@
           </a:ln>
           <a:extLst>
             <a:ext uri="{C572A759-6A51-4108-AA02-DFA0A04FC94B}">
-              <ma14:wrappingTextBoxFlag xmlns:ma14="http://schemas.microsoft.com/office/mac/drawingml/2011/main" xmlns="" val="1"/>
+              <ma14:wrappingTextBoxFlag xmlns:ma14="http://schemas.microsoft.com/office/mac/drawingml/2011/main" val="1"/>
             </a:ext>
           </a:extLst>
         </p:spPr>
@@ -15881,7 +15888,7 @@
           <p:cNvPr id="58" name="Picture 57">
             <a:extLst>
               <a:ext uri="{FF2B5EF4-FFF2-40B4-BE49-F238E27FC236}">
-                <a16:creationId xmlns:a16="http://schemas.microsoft.com/office/drawing/2014/main" id="{66E030FF-10BA-3E4A-9604-7ADABD19B5C7}"/>
+                <a16:creationId xmlns:a16="http://schemas.microsoft.com/office/drawing/2014/main" xmlns="" id="{66E030FF-10BA-3E4A-9604-7ADABD19B5C7}"/>
               </a:ext>
             </a:extLst>
           </p:cNvPr>
@@ -15911,7 +15918,7 @@
           <p:cNvPr id="64" name="Straight Connector 63">
             <a:extLst>
               <a:ext uri="{FF2B5EF4-FFF2-40B4-BE49-F238E27FC236}">
-                <a16:creationId xmlns:a16="http://schemas.microsoft.com/office/drawing/2014/main" id="{7A922166-BCEA-2342-A0C7-D9B6D48E76B5}"/>
+                <a16:creationId xmlns:a16="http://schemas.microsoft.com/office/drawing/2014/main" xmlns="" id="{7A922166-BCEA-2342-A0C7-D9B6D48E76B5}"/>
               </a:ext>
             </a:extLst>
           </p:cNvPr>
@@ -15960,7 +15967,7 @@
           <p:cNvPr id="83" name="Straight Connector 82">
             <a:extLst>
               <a:ext uri="{FF2B5EF4-FFF2-40B4-BE49-F238E27FC236}">
-                <a16:creationId xmlns:a16="http://schemas.microsoft.com/office/drawing/2014/main" id="{BA3AC09A-2568-7A40-8619-27C921ACE99B}"/>
+                <a16:creationId xmlns:a16="http://schemas.microsoft.com/office/drawing/2014/main" xmlns="" id="{BA3AC09A-2568-7A40-8619-27C921ACE99B}"/>
               </a:ext>
             </a:extLst>
           </p:cNvPr>
@@ -16008,7 +16015,7 @@
           <p:cNvPr id="100" name="TextBox 99">
             <a:extLst>
               <a:ext uri="{FF2B5EF4-FFF2-40B4-BE49-F238E27FC236}">
-                <a16:creationId xmlns:a16="http://schemas.microsoft.com/office/drawing/2014/main" id="{3C80F502-9384-CB47-BE5F-B15677F163F5}"/>
+                <a16:creationId xmlns:a16="http://schemas.microsoft.com/office/drawing/2014/main" xmlns="" id="{3C80F502-9384-CB47-BE5F-B15677F163F5}"/>
               </a:ext>
             </a:extLst>
           </p:cNvPr>
@@ -16089,7 +16096,7 @@
           <p:cNvPr id="102" name="TextBox 101">
             <a:extLst>
               <a:ext uri="{FF2B5EF4-FFF2-40B4-BE49-F238E27FC236}">
-                <a16:creationId xmlns:a16="http://schemas.microsoft.com/office/drawing/2014/main" id="{049DDE7D-2EFF-7541-B9F7-19BEEA5515BE}"/>
+                <a16:creationId xmlns:a16="http://schemas.microsoft.com/office/drawing/2014/main" xmlns="" id="{049DDE7D-2EFF-7541-B9F7-19BEEA5515BE}"/>
               </a:ext>
             </a:extLst>
           </p:cNvPr>
@@ -16170,7 +16177,7 @@
           <p:cNvPr id="107" name="TextBox 106">
             <a:extLst>
               <a:ext uri="{FF2B5EF4-FFF2-40B4-BE49-F238E27FC236}">
-                <a16:creationId xmlns:a16="http://schemas.microsoft.com/office/drawing/2014/main" id="{F073A3D8-220E-7144-A600-F0641A71F37F}"/>
+                <a16:creationId xmlns:a16="http://schemas.microsoft.com/office/drawing/2014/main" xmlns="" id="{F073A3D8-220E-7144-A600-F0641A71F37F}"/>
               </a:ext>
             </a:extLst>
           </p:cNvPr>
@@ -16251,7 +16258,7 @@
           <p:cNvPr id="109" name="TextBox 108">
             <a:extLst>
               <a:ext uri="{FF2B5EF4-FFF2-40B4-BE49-F238E27FC236}">
-                <a16:creationId xmlns:a16="http://schemas.microsoft.com/office/drawing/2014/main" id="{E4BD00C3-AD29-1848-B72C-ABB297C80A44}"/>
+                <a16:creationId xmlns:a16="http://schemas.microsoft.com/office/drawing/2014/main" xmlns="" id="{E4BD00C3-AD29-1848-B72C-ABB297C80A44}"/>
               </a:ext>
             </a:extLst>
           </p:cNvPr>
@@ -16333,7 +16340,7 @@
           <p:cNvPr id="67" name="Picture 66">
             <a:extLst>
               <a:ext uri="{FF2B5EF4-FFF2-40B4-BE49-F238E27FC236}">
-                <a16:creationId xmlns:a16="http://schemas.microsoft.com/office/drawing/2014/main" id="{2CBB9EC6-1F4D-A544-B955-509A162728C6}"/>
+                <a16:creationId xmlns:a16="http://schemas.microsoft.com/office/drawing/2014/main" xmlns="" id="{2CBB9EC6-1F4D-A544-B955-509A162728C6}"/>
               </a:ext>
             </a:extLst>
           </p:cNvPr>
@@ -16369,7 +16376,7 @@
           <p:cNvPr id="116" name="Straight Connector 115">
             <a:extLst>
               <a:ext uri="{FF2B5EF4-FFF2-40B4-BE49-F238E27FC236}">
-                <a16:creationId xmlns:a16="http://schemas.microsoft.com/office/drawing/2014/main" id="{5DA5D267-4395-9C48-8B25-87844AB53687}"/>
+                <a16:creationId xmlns:a16="http://schemas.microsoft.com/office/drawing/2014/main" xmlns="" id="{5DA5D267-4395-9C48-8B25-87844AB53687}"/>
               </a:ext>
             </a:extLst>
           </p:cNvPr>
@@ -16416,7 +16423,7 @@
           <p:cNvPr id="119" name="TextBox 118">
             <a:extLst>
               <a:ext uri="{FF2B5EF4-FFF2-40B4-BE49-F238E27FC236}">
-                <a16:creationId xmlns:a16="http://schemas.microsoft.com/office/drawing/2014/main" id="{2A942E01-9F5A-F646-B3ED-A608F871CF24}"/>
+                <a16:creationId xmlns:a16="http://schemas.microsoft.com/office/drawing/2014/main" xmlns="" id="{2A942E01-9F5A-F646-B3ED-A608F871CF24}"/>
               </a:ext>
             </a:extLst>
           </p:cNvPr>
@@ -16497,7 +16504,7 @@
           <p:cNvPr id="79" name="Picture 78">
             <a:extLst>
               <a:ext uri="{FF2B5EF4-FFF2-40B4-BE49-F238E27FC236}">
-                <a16:creationId xmlns:a16="http://schemas.microsoft.com/office/drawing/2014/main" id="{702BB94C-F70C-5E4B-94D9-B69FE9F302C8}"/>
+                <a16:creationId xmlns:a16="http://schemas.microsoft.com/office/drawing/2014/main" xmlns="" id="{702BB94C-F70C-5E4B-94D9-B69FE9F302C8}"/>
               </a:ext>
             </a:extLst>
           </p:cNvPr>
@@ -16533,7 +16540,7 @@
           <p:cNvPr id="131" name="Straight Connector 130">
             <a:extLst>
               <a:ext uri="{FF2B5EF4-FFF2-40B4-BE49-F238E27FC236}">
-                <a16:creationId xmlns:a16="http://schemas.microsoft.com/office/drawing/2014/main" id="{EA8E957C-3AA4-2547-B191-BA32AA3F3AF2}"/>
+                <a16:creationId xmlns:a16="http://schemas.microsoft.com/office/drawing/2014/main" xmlns="" id="{EA8E957C-3AA4-2547-B191-BA32AA3F3AF2}"/>
               </a:ext>
             </a:extLst>
           </p:cNvPr>
@@ -16581,7 +16588,7 @@
           <p:cNvPr id="134" name="Straight Connector 133">
             <a:extLst>
               <a:ext uri="{FF2B5EF4-FFF2-40B4-BE49-F238E27FC236}">
-                <a16:creationId xmlns:a16="http://schemas.microsoft.com/office/drawing/2014/main" id="{5BE986ED-64D7-A046-BE28-021C8C920B48}"/>
+                <a16:creationId xmlns:a16="http://schemas.microsoft.com/office/drawing/2014/main" xmlns="" id="{5BE986ED-64D7-A046-BE28-021C8C920B48}"/>
               </a:ext>
             </a:extLst>
           </p:cNvPr>
@@ -16629,7 +16636,7 @@
           <p:cNvPr id="138" name="Straight Connector 137">
             <a:extLst>
               <a:ext uri="{FF2B5EF4-FFF2-40B4-BE49-F238E27FC236}">
-                <a16:creationId xmlns:a16="http://schemas.microsoft.com/office/drawing/2014/main" id="{8E1453EF-7DB3-E54F-9665-9C837DE98445}"/>
+                <a16:creationId xmlns:a16="http://schemas.microsoft.com/office/drawing/2014/main" xmlns="" id="{8E1453EF-7DB3-E54F-9665-9C837DE98445}"/>
               </a:ext>
             </a:extLst>
           </p:cNvPr>
@@ -16676,7 +16683,7 @@
           <p:cNvPr id="144" name="TextBox 143">
             <a:extLst>
               <a:ext uri="{FF2B5EF4-FFF2-40B4-BE49-F238E27FC236}">
-                <a16:creationId xmlns:a16="http://schemas.microsoft.com/office/drawing/2014/main" id="{F20B3218-9CCE-2145-9963-A12E6849F8D1}"/>
+                <a16:creationId xmlns:a16="http://schemas.microsoft.com/office/drawing/2014/main" xmlns="" id="{F20B3218-9CCE-2145-9963-A12E6849F8D1}"/>
               </a:ext>
             </a:extLst>
           </p:cNvPr>
@@ -16757,7 +16764,7 @@
           <p:cNvPr id="2" name="Rectangle 1">
             <a:extLst>
               <a:ext uri="{FF2B5EF4-FFF2-40B4-BE49-F238E27FC236}">
-                <a16:creationId xmlns:a16="http://schemas.microsoft.com/office/drawing/2014/main" id="{457F0C94-1AA0-1142-B814-A0B56C12F7AE}"/>
+                <a16:creationId xmlns:a16="http://schemas.microsoft.com/office/drawing/2014/main" xmlns="" id="{457F0C94-1AA0-1142-B814-A0B56C12F7AE}"/>
               </a:ext>
             </a:extLst>
           </p:cNvPr>
@@ -16798,7 +16805,7 @@
           <p:cNvPr id="3" name="Rounded Rectangular Callout 2">
             <a:extLst>
               <a:ext uri="{FF2B5EF4-FFF2-40B4-BE49-F238E27FC236}">
-                <a16:creationId xmlns:a16="http://schemas.microsoft.com/office/drawing/2014/main" id="{63DAE306-87BE-DC43-AD20-7EEF4394EF2D}"/>
+                <a16:creationId xmlns:a16="http://schemas.microsoft.com/office/drawing/2014/main" xmlns="" id="{63DAE306-87BE-DC43-AD20-7EEF4394EF2D}"/>
               </a:ext>
             </a:extLst>
           </p:cNvPr>
@@ -16845,7 +16852,7 @@
           <p:cNvPr id="4" name="TextBox 3">
             <a:extLst>
               <a:ext uri="{FF2B5EF4-FFF2-40B4-BE49-F238E27FC236}">
-                <a16:creationId xmlns:a16="http://schemas.microsoft.com/office/drawing/2014/main" id="{87A33B23-79D2-8C45-85BC-26BA3EBE5E09}"/>
+                <a16:creationId xmlns:a16="http://schemas.microsoft.com/office/drawing/2014/main" xmlns="" id="{87A33B23-79D2-8C45-85BC-26BA3EBE5E09}"/>
               </a:ext>
             </a:extLst>
           </p:cNvPr>
@@ -16926,7 +16933,7 @@
           <p:cNvPr id="63" name="TextBox 62">
             <a:extLst>
               <a:ext uri="{FF2B5EF4-FFF2-40B4-BE49-F238E27FC236}">
-                <a16:creationId xmlns:a16="http://schemas.microsoft.com/office/drawing/2014/main" id="{306CF3AF-E59E-8546-B957-80629FF6D5D6}"/>
+                <a16:creationId xmlns:a16="http://schemas.microsoft.com/office/drawing/2014/main" xmlns="" id="{306CF3AF-E59E-8546-B957-80629FF6D5D6}"/>
               </a:ext>
             </a:extLst>
           </p:cNvPr>
@@ -17007,7 +17014,7 @@
           <p:cNvPr id="65" name="TextBox 64">
             <a:extLst>
               <a:ext uri="{FF2B5EF4-FFF2-40B4-BE49-F238E27FC236}">
-                <a16:creationId xmlns:a16="http://schemas.microsoft.com/office/drawing/2014/main" id="{51EA37F3-23D9-7444-8208-BC61C81C897E}"/>
+                <a16:creationId xmlns:a16="http://schemas.microsoft.com/office/drawing/2014/main" xmlns="" id="{51EA37F3-23D9-7444-8208-BC61C81C897E}"/>
               </a:ext>
             </a:extLst>
           </p:cNvPr>
@@ -17088,7 +17095,7 @@
           <p:cNvPr id="66" name="TextBox 65">
             <a:extLst>
               <a:ext uri="{FF2B5EF4-FFF2-40B4-BE49-F238E27FC236}">
-                <a16:creationId xmlns:a16="http://schemas.microsoft.com/office/drawing/2014/main" id="{6C5C9E8F-6618-2548-8398-7834573A2827}"/>
+                <a16:creationId xmlns:a16="http://schemas.microsoft.com/office/drawing/2014/main" xmlns="" id="{6C5C9E8F-6618-2548-8398-7834573A2827}"/>
               </a:ext>
             </a:extLst>
           </p:cNvPr>
@@ -17174,7 +17181,7 @@
   <p:clrMapOvr>
     <a:masterClrMapping/>
   </p:clrMapOvr>
-  <p:transition spd="med"/>
+  <p:transition xmlns:p14="http://schemas.microsoft.com/office/powerpoint/2010/main" spd="med"/>
 </p:sld>
 </file>
 
@@ -17200,7 +17207,7 @@
           <p:cNvPr id="108" name="Rectangle 107">
             <a:extLst>
               <a:ext uri="{FF2B5EF4-FFF2-40B4-BE49-F238E27FC236}">
-                <a16:creationId xmlns:a16="http://schemas.microsoft.com/office/drawing/2014/main" id="{DD3A4E38-E7B5-F444-A041-B81D31F9BE1A}"/>
+                <a16:creationId xmlns:a16="http://schemas.microsoft.com/office/drawing/2014/main" xmlns="" id="{DD3A4E38-E7B5-F444-A041-B81D31F9BE1A}"/>
               </a:ext>
             </a:extLst>
           </p:cNvPr>
@@ -17245,7 +17252,7 @@
           <p:cNvPr id="141" name="Rectangle 140">
             <a:extLst>
               <a:ext uri="{FF2B5EF4-FFF2-40B4-BE49-F238E27FC236}">
-                <a16:creationId xmlns:a16="http://schemas.microsoft.com/office/drawing/2014/main" id="{3C097F3C-09AD-4C48-89F5-8F6682E2A9C7}"/>
+                <a16:creationId xmlns:a16="http://schemas.microsoft.com/office/drawing/2014/main" xmlns="" id="{3C097F3C-09AD-4C48-89F5-8F6682E2A9C7}"/>
               </a:ext>
             </a:extLst>
           </p:cNvPr>
@@ -17288,7 +17295,7 @@
           <p:cNvPr id="132" name="Rectangle 131">
             <a:extLst>
               <a:ext uri="{FF2B5EF4-FFF2-40B4-BE49-F238E27FC236}">
-                <a16:creationId xmlns:a16="http://schemas.microsoft.com/office/drawing/2014/main" id="{A4F70669-E49F-6042-AC95-A1CF22FC2F0E}"/>
+                <a16:creationId xmlns:a16="http://schemas.microsoft.com/office/drawing/2014/main" xmlns="" id="{A4F70669-E49F-6042-AC95-A1CF22FC2F0E}"/>
               </a:ext>
             </a:extLst>
           </p:cNvPr>
@@ -17331,7 +17338,7 @@
           <p:cNvPr id="46" name="Straight Connector 45">
             <a:extLst>
               <a:ext uri="{FF2B5EF4-FFF2-40B4-BE49-F238E27FC236}">
-                <a16:creationId xmlns:a16="http://schemas.microsoft.com/office/drawing/2014/main" id="{B3EF6D8D-E093-9C43-8F06-6465AF5A1A76}"/>
+                <a16:creationId xmlns:a16="http://schemas.microsoft.com/office/drawing/2014/main" xmlns="" id="{B3EF6D8D-E093-9C43-8F06-6465AF5A1A76}"/>
               </a:ext>
             </a:extLst>
           </p:cNvPr>
@@ -17380,7 +17387,7 @@
           <p:cNvPr id="105" name="Rectangle 104">
             <a:extLst>
               <a:ext uri="{FF2B5EF4-FFF2-40B4-BE49-F238E27FC236}">
-                <a16:creationId xmlns:a16="http://schemas.microsoft.com/office/drawing/2014/main" id="{416C123A-D118-B348-B68E-4541B0A407FB}"/>
+                <a16:creationId xmlns:a16="http://schemas.microsoft.com/office/drawing/2014/main" xmlns="" id="{416C123A-D118-B348-B68E-4541B0A407FB}"/>
               </a:ext>
             </a:extLst>
           </p:cNvPr>
@@ -17427,7 +17434,7 @@
           <p:cNvPr id="115" name="Straight Connector 114">
             <a:extLst>
               <a:ext uri="{FF2B5EF4-FFF2-40B4-BE49-F238E27FC236}">
-                <a16:creationId xmlns:a16="http://schemas.microsoft.com/office/drawing/2014/main" id="{8AC6BC2D-6C06-F541-9BC0-006845DF1EA7}"/>
+                <a16:creationId xmlns:a16="http://schemas.microsoft.com/office/drawing/2014/main" xmlns="" id="{8AC6BC2D-6C06-F541-9BC0-006845DF1EA7}"/>
               </a:ext>
             </a:extLst>
           </p:cNvPr>
@@ -17476,7 +17483,7 @@
           <p:cNvPr id="103" name="Rectangle 102">
             <a:extLst>
               <a:ext uri="{FF2B5EF4-FFF2-40B4-BE49-F238E27FC236}">
-                <a16:creationId xmlns:a16="http://schemas.microsoft.com/office/drawing/2014/main" id="{89D06888-A322-F944-B8CD-1354DB6E9863}"/>
+                <a16:creationId xmlns:a16="http://schemas.microsoft.com/office/drawing/2014/main" xmlns="" id="{89D06888-A322-F944-B8CD-1354DB6E9863}"/>
               </a:ext>
             </a:extLst>
           </p:cNvPr>
@@ -17519,7 +17526,7 @@
           <p:cNvPr id="97" name="Rectangle 96">
             <a:extLst>
               <a:ext uri="{FF2B5EF4-FFF2-40B4-BE49-F238E27FC236}">
-                <a16:creationId xmlns:a16="http://schemas.microsoft.com/office/drawing/2014/main" id="{C6F860F7-F7BF-E549-968B-81EB1B326379}"/>
+                <a16:creationId xmlns:a16="http://schemas.microsoft.com/office/drawing/2014/main" xmlns="" id="{C6F860F7-F7BF-E549-968B-81EB1B326379}"/>
               </a:ext>
             </a:extLst>
           </p:cNvPr>
@@ -17564,7 +17571,7 @@
           <p:cNvPr id="88" name="Rectangle 87">
             <a:extLst>
               <a:ext uri="{FF2B5EF4-FFF2-40B4-BE49-F238E27FC236}">
-                <a16:creationId xmlns:a16="http://schemas.microsoft.com/office/drawing/2014/main" id="{52568BAA-8263-FC4A-AB69-A9AE503EA338}"/>
+                <a16:creationId xmlns:a16="http://schemas.microsoft.com/office/drawing/2014/main" xmlns="" id="{52568BAA-8263-FC4A-AB69-A9AE503EA338}"/>
               </a:ext>
             </a:extLst>
           </p:cNvPr>
@@ -17633,7 +17640,7 @@
           <p:cNvPr id="47" name="Rectangle 46">
             <a:extLst>
               <a:ext uri="{FF2B5EF4-FFF2-40B4-BE49-F238E27FC236}">
-                <a16:creationId xmlns:a16="http://schemas.microsoft.com/office/drawing/2014/main" id="{962939E0-A05A-3A44-9ADE-6B594560263B}"/>
+                <a16:creationId xmlns:a16="http://schemas.microsoft.com/office/drawing/2014/main" xmlns="" id="{962939E0-A05A-3A44-9ADE-6B594560263B}"/>
               </a:ext>
             </a:extLst>
           </p:cNvPr>
@@ -17788,7 +17795,7 @@
             </a:ln>
             <a:extLst>
               <a:ext uri="{C572A759-6A51-4108-AA02-DFA0A04FC94B}">
-                <ma14:wrappingTextBoxFlag xmlns:ma14="http://schemas.microsoft.com/office/mac/drawingml/2011/main" xmlns="" val="1"/>
+                <ma14:wrappingTextBoxFlag xmlns:ma14="http://schemas.microsoft.com/office/mac/drawingml/2011/main" val="1"/>
               </a:ext>
             </a:extLst>
           </p:spPr>
@@ -18027,7 +18034,7 @@
           </a:ln>
           <a:extLst>
             <a:ext uri="{C572A759-6A51-4108-AA02-DFA0A04FC94B}">
-              <ma14:wrappingTextBoxFlag xmlns:ma14="http://schemas.microsoft.com/office/mac/drawingml/2011/main" xmlns="" val="1"/>
+              <ma14:wrappingTextBoxFlag xmlns:ma14="http://schemas.microsoft.com/office/mac/drawingml/2011/main" val="1"/>
             </a:ext>
           </a:extLst>
         </p:spPr>
@@ -18095,7 +18102,7 @@
           </a:ln>
           <a:extLst>
             <a:ext uri="{C572A759-6A51-4108-AA02-DFA0A04FC94B}">
-              <ma14:wrappingTextBoxFlag xmlns:ma14="http://schemas.microsoft.com/office/mac/drawingml/2011/main" xmlns="" val="1"/>
+              <ma14:wrappingTextBoxFlag xmlns:ma14="http://schemas.microsoft.com/office/mac/drawingml/2011/main" val="1"/>
             </a:ext>
           </a:extLst>
         </p:spPr>
@@ -18466,7 +18473,7 @@
             <a:effectLst/>
             <a:extLst>
               <a:ext uri="{C572A759-6A51-4108-AA02-DFA0A04FC94B}">
-                <ma14:wrappingTextBoxFlag xmlns:ma14="http://schemas.microsoft.com/office/mac/drawingml/2011/main" xmlns="" val="1"/>
+                <ma14:wrappingTextBoxFlag xmlns:ma14="http://schemas.microsoft.com/office/mac/drawingml/2011/main" val="1"/>
               </a:ext>
             </a:extLst>
           </p:spPr>
@@ -18557,7 +18564,7 @@
           <p:cNvPr id="188" name="Group 187">
             <a:extLst>
               <a:ext uri="{FF2B5EF4-FFF2-40B4-BE49-F238E27FC236}">
-                <a16:creationId xmlns:a16="http://schemas.microsoft.com/office/drawing/2014/main" id="{5938EDDB-B2B2-6642-9D20-6D7C5F9FED31}"/>
+                <a16:creationId xmlns:a16="http://schemas.microsoft.com/office/drawing/2014/main" xmlns="" id="{5938EDDB-B2B2-6642-9D20-6D7C5F9FED31}"/>
               </a:ext>
             </a:extLst>
           </p:cNvPr>
@@ -18577,7 +18584,7 @@
             <p:cNvPr id="189" name="Group 188">
               <a:extLst>
                 <a:ext uri="{FF2B5EF4-FFF2-40B4-BE49-F238E27FC236}">
-                  <a16:creationId xmlns:a16="http://schemas.microsoft.com/office/drawing/2014/main" id="{3527AD53-90A2-7D45-A4B7-509C2FD1C32F}"/>
+                  <a16:creationId xmlns:a16="http://schemas.microsoft.com/office/drawing/2014/main" xmlns="" id="{3527AD53-90A2-7D45-A4B7-509C2FD1C32F}"/>
                 </a:ext>
               </a:extLst>
             </p:cNvPr>
@@ -18597,7 +18604,7 @@
               <p:cNvPr id="191" name="Oval 190">
                 <a:extLst>
                   <a:ext uri="{FF2B5EF4-FFF2-40B4-BE49-F238E27FC236}">
-                    <a16:creationId xmlns:a16="http://schemas.microsoft.com/office/drawing/2014/main" id="{38BE8895-77F2-3F48-BDC0-E7E0559BA7AD}"/>
+                    <a16:creationId xmlns:a16="http://schemas.microsoft.com/office/drawing/2014/main" xmlns="" id="{38BE8895-77F2-3F48-BDC0-E7E0559BA7AD}"/>
                   </a:ext>
                 </a:extLst>
               </p:cNvPr>
@@ -18653,7 +18660,7 @@
               <p:cNvPr id="192" name="Picture 191">
                 <a:extLst>
                   <a:ext uri="{FF2B5EF4-FFF2-40B4-BE49-F238E27FC236}">
-                    <a16:creationId xmlns:a16="http://schemas.microsoft.com/office/drawing/2014/main" id="{1E774A8B-C5DB-534E-8EE3-5D936B2F1BDA}"/>
+                    <a16:creationId xmlns:a16="http://schemas.microsoft.com/office/drawing/2014/main" xmlns="" id="{1E774A8B-C5DB-534E-8EE3-5D936B2F1BDA}"/>
                   </a:ext>
                 </a:extLst>
               </p:cNvPr>
@@ -18690,7 +18697,7 @@
             <p:cNvPr id="190" name="Shape 576">
               <a:extLst>
                 <a:ext uri="{FF2B5EF4-FFF2-40B4-BE49-F238E27FC236}">
-                  <a16:creationId xmlns:a16="http://schemas.microsoft.com/office/drawing/2014/main" id="{8D66F62C-0857-0C4E-B8A3-3F8DBC721692}"/>
+                  <a16:creationId xmlns:a16="http://schemas.microsoft.com/office/drawing/2014/main" xmlns="" id="{8D66F62C-0857-0C4E-B8A3-3F8DBC721692}"/>
                 </a:ext>
               </a:extLst>
             </p:cNvPr>
@@ -18710,7 +18717,7 @@
             </a:ln>
             <a:extLst>
               <a:ext uri="{C572A759-6A51-4108-AA02-DFA0A04FC94B}">
-                <ma14:wrappingTextBoxFlag xmlns:ma14="http://schemas.microsoft.com/office/mac/drawingml/2011/main" xmlns="" val="1"/>
+                <ma14:wrappingTextBoxFlag xmlns:ma14="http://schemas.microsoft.com/office/mac/drawingml/2011/main" val="1"/>
               </a:ext>
             </a:extLst>
           </p:spPr>
@@ -18923,7 +18930,7 @@
           </a:ln>
           <a:extLst>
             <a:ext uri="{C572A759-6A51-4108-AA02-DFA0A04FC94B}">
-              <ma14:wrappingTextBoxFlag xmlns:ma14="http://schemas.microsoft.com/office/mac/drawingml/2011/main" xmlns="" val="1"/>
+              <ma14:wrappingTextBoxFlag xmlns:ma14="http://schemas.microsoft.com/office/mac/drawingml/2011/main" val="1"/>
             </a:ext>
           </a:extLst>
         </p:spPr>
@@ -19212,7 +19219,7 @@
           <p:cNvPr id="58" name="Picture 57">
             <a:extLst>
               <a:ext uri="{FF2B5EF4-FFF2-40B4-BE49-F238E27FC236}">
-                <a16:creationId xmlns:a16="http://schemas.microsoft.com/office/drawing/2014/main" id="{66E030FF-10BA-3E4A-9604-7ADABD19B5C7}"/>
+                <a16:creationId xmlns:a16="http://schemas.microsoft.com/office/drawing/2014/main" xmlns="" id="{66E030FF-10BA-3E4A-9604-7ADABD19B5C7}"/>
               </a:ext>
             </a:extLst>
           </p:cNvPr>
@@ -19242,7 +19249,7 @@
           <p:cNvPr id="64" name="Straight Connector 63">
             <a:extLst>
               <a:ext uri="{FF2B5EF4-FFF2-40B4-BE49-F238E27FC236}">
-                <a16:creationId xmlns:a16="http://schemas.microsoft.com/office/drawing/2014/main" id="{7A922166-BCEA-2342-A0C7-D9B6D48E76B5}"/>
+                <a16:creationId xmlns:a16="http://schemas.microsoft.com/office/drawing/2014/main" xmlns="" id="{7A922166-BCEA-2342-A0C7-D9B6D48E76B5}"/>
               </a:ext>
             </a:extLst>
           </p:cNvPr>
@@ -19291,7 +19298,7 @@
           <p:cNvPr id="83" name="Straight Connector 82">
             <a:extLst>
               <a:ext uri="{FF2B5EF4-FFF2-40B4-BE49-F238E27FC236}">
-                <a16:creationId xmlns:a16="http://schemas.microsoft.com/office/drawing/2014/main" id="{BA3AC09A-2568-7A40-8619-27C921ACE99B}"/>
+                <a16:creationId xmlns:a16="http://schemas.microsoft.com/office/drawing/2014/main" xmlns="" id="{BA3AC09A-2568-7A40-8619-27C921ACE99B}"/>
               </a:ext>
             </a:extLst>
           </p:cNvPr>
@@ -19339,7 +19346,7 @@
           <p:cNvPr id="100" name="TextBox 99">
             <a:extLst>
               <a:ext uri="{FF2B5EF4-FFF2-40B4-BE49-F238E27FC236}">
-                <a16:creationId xmlns:a16="http://schemas.microsoft.com/office/drawing/2014/main" id="{3C80F502-9384-CB47-BE5F-B15677F163F5}"/>
+                <a16:creationId xmlns:a16="http://schemas.microsoft.com/office/drawing/2014/main" xmlns="" id="{3C80F502-9384-CB47-BE5F-B15677F163F5}"/>
               </a:ext>
             </a:extLst>
           </p:cNvPr>
@@ -19420,7 +19427,7 @@
           <p:cNvPr id="102" name="TextBox 101">
             <a:extLst>
               <a:ext uri="{FF2B5EF4-FFF2-40B4-BE49-F238E27FC236}">
-                <a16:creationId xmlns:a16="http://schemas.microsoft.com/office/drawing/2014/main" id="{049DDE7D-2EFF-7541-B9F7-19BEEA5515BE}"/>
+                <a16:creationId xmlns:a16="http://schemas.microsoft.com/office/drawing/2014/main" xmlns="" id="{049DDE7D-2EFF-7541-B9F7-19BEEA5515BE}"/>
               </a:ext>
             </a:extLst>
           </p:cNvPr>
@@ -19501,7 +19508,7 @@
           <p:cNvPr id="107" name="TextBox 106">
             <a:extLst>
               <a:ext uri="{FF2B5EF4-FFF2-40B4-BE49-F238E27FC236}">
-                <a16:creationId xmlns:a16="http://schemas.microsoft.com/office/drawing/2014/main" id="{F073A3D8-220E-7144-A600-F0641A71F37F}"/>
+                <a16:creationId xmlns:a16="http://schemas.microsoft.com/office/drawing/2014/main" xmlns="" id="{F073A3D8-220E-7144-A600-F0641A71F37F}"/>
               </a:ext>
             </a:extLst>
           </p:cNvPr>
@@ -19582,7 +19589,7 @@
           <p:cNvPr id="109" name="TextBox 108">
             <a:extLst>
               <a:ext uri="{FF2B5EF4-FFF2-40B4-BE49-F238E27FC236}">
-                <a16:creationId xmlns:a16="http://schemas.microsoft.com/office/drawing/2014/main" id="{E4BD00C3-AD29-1848-B72C-ABB297C80A44}"/>
+                <a16:creationId xmlns:a16="http://schemas.microsoft.com/office/drawing/2014/main" xmlns="" id="{E4BD00C3-AD29-1848-B72C-ABB297C80A44}"/>
               </a:ext>
             </a:extLst>
           </p:cNvPr>
@@ -19664,7 +19671,7 @@
           <p:cNvPr id="67" name="Picture 66">
             <a:extLst>
               <a:ext uri="{FF2B5EF4-FFF2-40B4-BE49-F238E27FC236}">
-                <a16:creationId xmlns:a16="http://schemas.microsoft.com/office/drawing/2014/main" id="{2CBB9EC6-1F4D-A544-B955-509A162728C6}"/>
+                <a16:creationId xmlns:a16="http://schemas.microsoft.com/office/drawing/2014/main" xmlns="" id="{2CBB9EC6-1F4D-A544-B955-509A162728C6}"/>
               </a:ext>
             </a:extLst>
           </p:cNvPr>
@@ -19700,7 +19707,7 @@
           <p:cNvPr id="116" name="Straight Connector 115">
             <a:extLst>
               <a:ext uri="{FF2B5EF4-FFF2-40B4-BE49-F238E27FC236}">
-                <a16:creationId xmlns:a16="http://schemas.microsoft.com/office/drawing/2014/main" id="{5DA5D267-4395-9C48-8B25-87844AB53687}"/>
+                <a16:creationId xmlns:a16="http://schemas.microsoft.com/office/drawing/2014/main" xmlns="" id="{5DA5D267-4395-9C48-8B25-87844AB53687}"/>
               </a:ext>
             </a:extLst>
           </p:cNvPr>
@@ -19747,7 +19754,7 @@
           <p:cNvPr id="119" name="TextBox 118">
             <a:extLst>
               <a:ext uri="{FF2B5EF4-FFF2-40B4-BE49-F238E27FC236}">
-                <a16:creationId xmlns:a16="http://schemas.microsoft.com/office/drawing/2014/main" id="{2A942E01-9F5A-F646-B3ED-A608F871CF24}"/>
+                <a16:creationId xmlns:a16="http://schemas.microsoft.com/office/drawing/2014/main" xmlns="" id="{2A942E01-9F5A-F646-B3ED-A608F871CF24}"/>
               </a:ext>
             </a:extLst>
           </p:cNvPr>
@@ -19828,7 +19835,7 @@
           <p:cNvPr id="79" name="Picture 78">
             <a:extLst>
               <a:ext uri="{FF2B5EF4-FFF2-40B4-BE49-F238E27FC236}">
-                <a16:creationId xmlns:a16="http://schemas.microsoft.com/office/drawing/2014/main" id="{702BB94C-F70C-5E4B-94D9-B69FE9F302C8}"/>
+                <a16:creationId xmlns:a16="http://schemas.microsoft.com/office/drawing/2014/main" xmlns="" id="{702BB94C-F70C-5E4B-94D9-B69FE9F302C8}"/>
               </a:ext>
             </a:extLst>
           </p:cNvPr>
@@ -19864,7 +19871,7 @@
           <p:cNvPr id="131" name="Straight Connector 130">
             <a:extLst>
               <a:ext uri="{FF2B5EF4-FFF2-40B4-BE49-F238E27FC236}">
-                <a16:creationId xmlns:a16="http://schemas.microsoft.com/office/drawing/2014/main" id="{EA8E957C-3AA4-2547-B191-BA32AA3F3AF2}"/>
+                <a16:creationId xmlns:a16="http://schemas.microsoft.com/office/drawing/2014/main" xmlns="" id="{EA8E957C-3AA4-2547-B191-BA32AA3F3AF2}"/>
               </a:ext>
             </a:extLst>
           </p:cNvPr>
@@ -19912,7 +19919,7 @@
           <p:cNvPr id="134" name="Straight Connector 133">
             <a:extLst>
               <a:ext uri="{FF2B5EF4-FFF2-40B4-BE49-F238E27FC236}">
-                <a16:creationId xmlns:a16="http://schemas.microsoft.com/office/drawing/2014/main" id="{5BE986ED-64D7-A046-BE28-021C8C920B48}"/>
+                <a16:creationId xmlns:a16="http://schemas.microsoft.com/office/drawing/2014/main" xmlns="" id="{5BE986ED-64D7-A046-BE28-021C8C920B48}"/>
               </a:ext>
             </a:extLst>
           </p:cNvPr>
@@ -19960,7 +19967,7 @@
           <p:cNvPr id="138" name="Straight Connector 137">
             <a:extLst>
               <a:ext uri="{FF2B5EF4-FFF2-40B4-BE49-F238E27FC236}">
-                <a16:creationId xmlns:a16="http://schemas.microsoft.com/office/drawing/2014/main" id="{8E1453EF-7DB3-E54F-9665-9C837DE98445}"/>
+                <a16:creationId xmlns:a16="http://schemas.microsoft.com/office/drawing/2014/main" xmlns="" id="{8E1453EF-7DB3-E54F-9665-9C837DE98445}"/>
               </a:ext>
             </a:extLst>
           </p:cNvPr>
@@ -20007,7 +20014,7 @@
           <p:cNvPr id="144" name="TextBox 143">
             <a:extLst>
               <a:ext uri="{FF2B5EF4-FFF2-40B4-BE49-F238E27FC236}">
-                <a16:creationId xmlns:a16="http://schemas.microsoft.com/office/drawing/2014/main" id="{F20B3218-9CCE-2145-9963-A12E6849F8D1}"/>
+                <a16:creationId xmlns:a16="http://schemas.microsoft.com/office/drawing/2014/main" xmlns="" id="{F20B3218-9CCE-2145-9963-A12E6849F8D1}"/>
               </a:ext>
             </a:extLst>
           </p:cNvPr>
@@ -20088,7 +20095,7 @@
           <p:cNvPr id="2" name="Rectangle 1">
             <a:extLst>
               <a:ext uri="{FF2B5EF4-FFF2-40B4-BE49-F238E27FC236}">
-                <a16:creationId xmlns:a16="http://schemas.microsoft.com/office/drawing/2014/main" id="{457F0C94-1AA0-1142-B814-A0B56C12F7AE}"/>
+                <a16:creationId xmlns:a16="http://schemas.microsoft.com/office/drawing/2014/main" xmlns="" id="{457F0C94-1AA0-1142-B814-A0B56C12F7AE}"/>
               </a:ext>
             </a:extLst>
           </p:cNvPr>
@@ -20129,7 +20136,7 @@
           <p:cNvPr id="61" name="Rounded Rectangular Callout 60">
             <a:extLst>
               <a:ext uri="{FF2B5EF4-FFF2-40B4-BE49-F238E27FC236}">
-                <a16:creationId xmlns:a16="http://schemas.microsoft.com/office/drawing/2014/main" id="{D7E99A70-5439-BF45-8269-EEE528805121}"/>
+                <a16:creationId xmlns:a16="http://schemas.microsoft.com/office/drawing/2014/main" xmlns="" id="{D7E99A70-5439-BF45-8269-EEE528805121}"/>
               </a:ext>
             </a:extLst>
           </p:cNvPr>
@@ -20176,7 +20183,7 @@
           <p:cNvPr id="62" name="TextBox 61">
             <a:extLst>
               <a:ext uri="{FF2B5EF4-FFF2-40B4-BE49-F238E27FC236}">
-                <a16:creationId xmlns:a16="http://schemas.microsoft.com/office/drawing/2014/main" id="{B2FA279C-2389-314F-96A0-75C391BCED42}"/>
+                <a16:creationId xmlns:a16="http://schemas.microsoft.com/office/drawing/2014/main" xmlns="" id="{B2FA279C-2389-314F-96A0-75C391BCED42}"/>
               </a:ext>
             </a:extLst>
           </p:cNvPr>
@@ -20257,7 +20264,7 @@
           <p:cNvPr id="63" name="TextBox 62">
             <a:extLst>
               <a:ext uri="{FF2B5EF4-FFF2-40B4-BE49-F238E27FC236}">
-                <a16:creationId xmlns:a16="http://schemas.microsoft.com/office/drawing/2014/main" id="{B966C2C0-42A7-EB4F-A310-A4BBAE52C667}"/>
+                <a16:creationId xmlns:a16="http://schemas.microsoft.com/office/drawing/2014/main" xmlns="" id="{B966C2C0-42A7-EB4F-A310-A4BBAE52C667}"/>
               </a:ext>
             </a:extLst>
           </p:cNvPr>
@@ -20338,7 +20345,7 @@
           <p:cNvPr id="65" name="TextBox 64">
             <a:extLst>
               <a:ext uri="{FF2B5EF4-FFF2-40B4-BE49-F238E27FC236}">
-                <a16:creationId xmlns:a16="http://schemas.microsoft.com/office/drawing/2014/main" id="{1C0E4A92-BCD0-6041-8850-A0E492A35FB0}"/>
+                <a16:creationId xmlns:a16="http://schemas.microsoft.com/office/drawing/2014/main" xmlns="" id="{1C0E4A92-BCD0-6041-8850-A0E492A35FB0}"/>
               </a:ext>
             </a:extLst>
           </p:cNvPr>
@@ -20419,7 +20426,7 @@
           <p:cNvPr id="66" name="TextBox 65">
             <a:extLst>
               <a:ext uri="{FF2B5EF4-FFF2-40B4-BE49-F238E27FC236}">
-                <a16:creationId xmlns:a16="http://schemas.microsoft.com/office/drawing/2014/main" id="{42CA0D39-3AE2-874C-865B-36176AF42CCD}"/>
+                <a16:creationId xmlns:a16="http://schemas.microsoft.com/office/drawing/2014/main" xmlns="" id="{42CA0D39-3AE2-874C-865B-36176AF42CCD}"/>
               </a:ext>
             </a:extLst>
           </p:cNvPr>
@@ -20505,7 +20512,7 @@
   <p:clrMapOvr>
     <a:masterClrMapping/>
   </p:clrMapOvr>
-  <p:transition spd="med"/>
+  <p:transition xmlns:p14="http://schemas.microsoft.com/office/powerpoint/2010/main" spd="med"/>
 </p:sld>
 </file>
 
@@ -20531,7 +20538,7 @@
           <p:cNvPr id="108" name="Rectangle 107">
             <a:extLst>
               <a:ext uri="{FF2B5EF4-FFF2-40B4-BE49-F238E27FC236}">
-                <a16:creationId xmlns:a16="http://schemas.microsoft.com/office/drawing/2014/main" id="{DD3A4E38-E7B5-F444-A041-B81D31F9BE1A}"/>
+                <a16:creationId xmlns:a16="http://schemas.microsoft.com/office/drawing/2014/main" xmlns="" id="{DD3A4E38-E7B5-F444-A041-B81D31F9BE1A}"/>
               </a:ext>
             </a:extLst>
           </p:cNvPr>
@@ -20576,7 +20583,7 @@
           <p:cNvPr id="141" name="Rectangle 140">
             <a:extLst>
               <a:ext uri="{FF2B5EF4-FFF2-40B4-BE49-F238E27FC236}">
-                <a16:creationId xmlns:a16="http://schemas.microsoft.com/office/drawing/2014/main" id="{3C097F3C-09AD-4C48-89F5-8F6682E2A9C7}"/>
+                <a16:creationId xmlns:a16="http://schemas.microsoft.com/office/drawing/2014/main" xmlns="" id="{3C097F3C-09AD-4C48-89F5-8F6682E2A9C7}"/>
               </a:ext>
             </a:extLst>
           </p:cNvPr>
@@ -20619,7 +20626,7 @@
           <p:cNvPr id="132" name="Rectangle 131">
             <a:extLst>
               <a:ext uri="{FF2B5EF4-FFF2-40B4-BE49-F238E27FC236}">
-                <a16:creationId xmlns:a16="http://schemas.microsoft.com/office/drawing/2014/main" id="{A4F70669-E49F-6042-AC95-A1CF22FC2F0E}"/>
+                <a16:creationId xmlns:a16="http://schemas.microsoft.com/office/drawing/2014/main" xmlns="" id="{A4F70669-E49F-6042-AC95-A1CF22FC2F0E}"/>
               </a:ext>
             </a:extLst>
           </p:cNvPr>
@@ -20662,7 +20669,7 @@
           <p:cNvPr id="46" name="Straight Connector 45">
             <a:extLst>
               <a:ext uri="{FF2B5EF4-FFF2-40B4-BE49-F238E27FC236}">
-                <a16:creationId xmlns:a16="http://schemas.microsoft.com/office/drawing/2014/main" id="{B3EF6D8D-E093-9C43-8F06-6465AF5A1A76}"/>
+                <a16:creationId xmlns:a16="http://schemas.microsoft.com/office/drawing/2014/main" xmlns="" id="{B3EF6D8D-E093-9C43-8F06-6465AF5A1A76}"/>
               </a:ext>
             </a:extLst>
           </p:cNvPr>
@@ -20711,7 +20718,7 @@
           <p:cNvPr id="105" name="Rectangle 104">
             <a:extLst>
               <a:ext uri="{FF2B5EF4-FFF2-40B4-BE49-F238E27FC236}">
-                <a16:creationId xmlns:a16="http://schemas.microsoft.com/office/drawing/2014/main" id="{416C123A-D118-B348-B68E-4541B0A407FB}"/>
+                <a16:creationId xmlns:a16="http://schemas.microsoft.com/office/drawing/2014/main" xmlns="" id="{416C123A-D118-B348-B68E-4541B0A407FB}"/>
               </a:ext>
             </a:extLst>
           </p:cNvPr>
@@ -20758,7 +20765,7 @@
           <p:cNvPr id="115" name="Straight Connector 114">
             <a:extLst>
               <a:ext uri="{FF2B5EF4-FFF2-40B4-BE49-F238E27FC236}">
-                <a16:creationId xmlns:a16="http://schemas.microsoft.com/office/drawing/2014/main" id="{8AC6BC2D-6C06-F541-9BC0-006845DF1EA7}"/>
+                <a16:creationId xmlns:a16="http://schemas.microsoft.com/office/drawing/2014/main" xmlns="" id="{8AC6BC2D-6C06-F541-9BC0-006845DF1EA7}"/>
               </a:ext>
             </a:extLst>
           </p:cNvPr>
@@ -20807,7 +20814,7 @@
           <p:cNvPr id="103" name="Rectangle 102">
             <a:extLst>
               <a:ext uri="{FF2B5EF4-FFF2-40B4-BE49-F238E27FC236}">
-                <a16:creationId xmlns:a16="http://schemas.microsoft.com/office/drawing/2014/main" id="{89D06888-A322-F944-B8CD-1354DB6E9863}"/>
+                <a16:creationId xmlns:a16="http://schemas.microsoft.com/office/drawing/2014/main" xmlns="" id="{89D06888-A322-F944-B8CD-1354DB6E9863}"/>
               </a:ext>
             </a:extLst>
           </p:cNvPr>
@@ -20850,7 +20857,7 @@
           <p:cNvPr id="88" name="Rectangle 87">
             <a:extLst>
               <a:ext uri="{FF2B5EF4-FFF2-40B4-BE49-F238E27FC236}">
-                <a16:creationId xmlns:a16="http://schemas.microsoft.com/office/drawing/2014/main" id="{52568BAA-8263-FC4A-AB69-A9AE503EA338}"/>
+                <a16:creationId xmlns:a16="http://schemas.microsoft.com/office/drawing/2014/main" xmlns="" id="{52568BAA-8263-FC4A-AB69-A9AE503EA338}"/>
               </a:ext>
             </a:extLst>
           </p:cNvPr>
@@ -20919,7 +20926,7 @@
           <p:cNvPr id="47" name="Rectangle 46">
             <a:extLst>
               <a:ext uri="{FF2B5EF4-FFF2-40B4-BE49-F238E27FC236}">
-                <a16:creationId xmlns:a16="http://schemas.microsoft.com/office/drawing/2014/main" id="{962939E0-A05A-3A44-9ADE-6B594560263B}"/>
+                <a16:creationId xmlns:a16="http://schemas.microsoft.com/office/drawing/2014/main" xmlns="" id="{962939E0-A05A-3A44-9ADE-6B594560263B}"/>
               </a:ext>
             </a:extLst>
           </p:cNvPr>
@@ -21074,7 +21081,7 @@
             </a:ln>
             <a:extLst>
               <a:ext uri="{C572A759-6A51-4108-AA02-DFA0A04FC94B}">
-                <ma14:wrappingTextBoxFlag xmlns:ma14="http://schemas.microsoft.com/office/mac/drawingml/2011/main" xmlns="" val="1"/>
+                <ma14:wrappingTextBoxFlag xmlns:ma14="http://schemas.microsoft.com/office/mac/drawingml/2011/main" val="1"/>
               </a:ext>
             </a:extLst>
           </p:spPr>
@@ -21313,7 +21320,7 @@
           </a:ln>
           <a:extLst>
             <a:ext uri="{C572A759-6A51-4108-AA02-DFA0A04FC94B}">
-              <ma14:wrappingTextBoxFlag xmlns:ma14="http://schemas.microsoft.com/office/mac/drawingml/2011/main" xmlns="" val="1"/>
+              <ma14:wrappingTextBoxFlag xmlns:ma14="http://schemas.microsoft.com/office/mac/drawingml/2011/main" val="1"/>
             </a:ext>
           </a:extLst>
         </p:spPr>
@@ -21381,7 +21388,7 @@
           </a:ln>
           <a:extLst>
             <a:ext uri="{C572A759-6A51-4108-AA02-DFA0A04FC94B}">
-              <ma14:wrappingTextBoxFlag xmlns:ma14="http://schemas.microsoft.com/office/mac/drawingml/2011/main" xmlns="" val="1"/>
+              <ma14:wrappingTextBoxFlag xmlns:ma14="http://schemas.microsoft.com/office/mac/drawingml/2011/main" val="1"/>
             </a:ext>
           </a:extLst>
         </p:spPr>
@@ -21752,7 +21759,7 @@
             <a:effectLst/>
             <a:extLst>
               <a:ext uri="{C572A759-6A51-4108-AA02-DFA0A04FC94B}">
-                <ma14:wrappingTextBoxFlag xmlns:ma14="http://schemas.microsoft.com/office/mac/drawingml/2011/main" xmlns="" val="1"/>
+                <ma14:wrappingTextBoxFlag xmlns:ma14="http://schemas.microsoft.com/office/mac/drawingml/2011/main" val="1"/>
               </a:ext>
             </a:extLst>
           </p:spPr>
@@ -21843,7 +21850,7 @@
           <p:cNvPr id="188" name="Group 187">
             <a:extLst>
               <a:ext uri="{FF2B5EF4-FFF2-40B4-BE49-F238E27FC236}">
-                <a16:creationId xmlns:a16="http://schemas.microsoft.com/office/drawing/2014/main" id="{5938EDDB-B2B2-6642-9D20-6D7C5F9FED31}"/>
+                <a16:creationId xmlns:a16="http://schemas.microsoft.com/office/drawing/2014/main" xmlns="" id="{5938EDDB-B2B2-6642-9D20-6D7C5F9FED31}"/>
               </a:ext>
             </a:extLst>
           </p:cNvPr>
@@ -21863,7 +21870,7 @@
             <p:cNvPr id="189" name="Group 188">
               <a:extLst>
                 <a:ext uri="{FF2B5EF4-FFF2-40B4-BE49-F238E27FC236}">
-                  <a16:creationId xmlns:a16="http://schemas.microsoft.com/office/drawing/2014/main" id="{3527AD53-90A2-7D45-A4B7-509C2FD1C32F}"/>
+                  <a16:creationId xmlns:a16="http://schemas.microsoft.com/office/drawing/2014/main" xmlns="" id="{3527AD53-90A2-7D45-A4B7-509C2FD1C32F}"/>
                 </a:ext>
               </a:extLst>
             </p:cNvPr>
@@ -21883,7 +21890,7 @@
               <p:cNvPr id="191" name="Oval 190">
                 <a:extLst>
                   <a:ext uri="{FF2B5EF4-FFF2-40B4-BE49-F238E27FC236}">
-                    <a16:creationId xmlns:a16="http://schemas.microsoft.com/office/drawing/2014/main" id="{38BE8895-77F2-3F48-BDC0-E7E0559BA7AD}"/>
+                    <a16:creationId xmlns:a16="http://schemas.microsoft.com/office/drawing/2014/main" xmlns="" id="{38BE8895-77F2-3F48-BDC0-E7E0559BA7AD}"/>
                   </a:ext>
                 </a:extLst>
               </p:cNvPr>
@@ -21939,7 +21946,7 @@
               <p:cNvPr id="192" name="Picture 191">
                 <a:extLst>
                   <a:ext uri="{FF2B5EF4-FFF2-40B4-BE49-F238E27FC236}">
-                    <a16:creationId xmlns:a16="http://schemas.microsoft.com/office/drawing/2014/main" id="{1E774A8B-C5DB-534E-8EE3-5D936B2F1BDA}"/>
+                    <a16:creationId xmlns:a16="http://schemas.microsoft.com/office/drawing/2014/main" xmlns="" id="{1E774A8B-C5DB-534E-8EE3-5D936B2F1BDA}"/>
                   </a:ext>
                 </a:extLst>
               </p:cNvPr>
@@ -21976,7 +21983,7 @@
             <p:cNvPr id="190" name="Shape 576">
               <a:extLst>
                 <a:ext uri="{FF2B5EF4-FFF2-40B4-BE49-F238E27FC236}">
-                  <a16:creationId xmlns:a16="http://schemas.microsoft.com/office/drawing/2014/main" id="{8D66F62C-0857-0C4E-B8A3-3F8DBC721692}"/>
+                  <a16:creationId xmlns:a16="http://schemas.microsoft.com/office/drawing/2014/main" xmlns="" id="{8D66F62C-0857-0C4E-B8A3-3F8DBC721692}"/>
                 </a:ext>
               </a:extLst>
             </p:cNvPr>
@@ -21996,7 +22003,7 @@
             </a:ln>
             <a:extLst>
               <a:ext uri="{C572A759-6A51-4108-AA02-DFA0A04FC94B}">
-                <ma14:wrappingTextBoxFlag xmlns:ma14="http://schemas.microsoft.com/office/mac/drawingml/2011/main" xmlns="" val="1"/>
+                <ma14:wrappingTextBoxFlag xmlns:ma14="http://schemas.microsoft.com/office/mac/drawingml/2011/main" val="1"/>
               </a:ext>
             </a:extLst>
           </p:spPr>
@@ -22132,7 +22139,7 @@
           </a:ln>
           <a:extLst>
             <a:ext uri="{C572A759-6A51-4108-AA02-DFA0A04FC94B}">
-              <ma14:wrappingTextBoxFlag xmlns:ma14="http://schemas.microsoft.com/office/mac/drawingml/2011/main" xmlns="" val="1"/>
+              <ma14:wrappingTextBoxFlag xmlns:ma14="http://schemas.microsoft.com/office/mac/drawingml/2011/main" val="1"/>
             </a:ext>
           </a:extLst>
         </p:spPr>
@@ -22421,7 +22428,7 @@
           <p:cNvPr id="58" name="Picture 57">
             <a:extLst>
               <a:ext uri="{FF2B5EF4-FFF2-40B4-BE49-F238E27FC236}">
-                <a16:creationId xmlns:a16="http://schemas.microsoft.com/office/drawing/2014/main" id="{66E030FF-10BA-3E4A-9604-7ADABD19B5C7}"/>
+                <a16:creationId xmlns:a16="http://schemas.microsoft.com/office/drawing/2014/main" xmlns="" id="{66E030FF-10BA-3E4A-9604-7ADABD19B5C7}"/>
               </a:ext>
             </a:extLst>
           </p:cNvPr>
@@ -22451,7 +22458,7 @@
           <p:cNvPr id="64" name="Straight Connector 63">
             <a:extLst>
               <a:ext uri="{FF2B5EF4-FFF2-40B4-BE49-F238E27FC236}">
-                <a16:creationId xmlns:a16="http://schemas.microsoft.com/office/drawing/2014/main" id="{7A922166-BCEA-2342-A0C7-D9B6D48E76B5}"/>
+                <a16:creationId xmlns:a16="http://schemas.microsoft.com/office/drawing/2014/main" xmlns="" id="{7A922166-BCEA-2342-A0C7-D9B6D48E76B5}"/>
               </a:ext>
             </a:extLst>
           </p:cNvPr>
@@ -22499,7 +22506,7 @@
           <p:cNvPr id="102" name="TextBox 101">
             <a:extLst>
               <a:ext uri="{FF2B5EF4-FFF2-40B4-BE49-F238E27FC236}">
-                <a16:creationId xmlns:a16="http://schemas.microsoft.com/office/drawing/2014/main" id="{049DDE7D-2EFF-7541-B9F7-19BEEA5515BE}"/>
+                <a16:creationId xmlns:a16="http://schemas.microsoft.com/office/drawing/2014/main" xmlns="" id="{049DDE7D-2EFF-7541-B9F7-19BEEA5515BE}"/>
               </a:ext>
             </a:extLst>
           </p:cNvPr>
@@ -22580,7 +22587,7 @@
           <p:cNvPr id="107" name="TextBox 106">
             <a:extLst>
               <a:ext uri="{FF2B5EF4-FFF2-40B4-BE49-F238E27FC236}">
-                <a16:creationId xmlns:a16="http://schemas.microsoft.com/office/drawing/2014/main" id="{F073A3D8-220E-7144-A600-F0641A71F37F}"/>
+                <a16:creationId xmlns:a16="http://schemas.microsoft.com/office/drawing/2014/main" xmlns="" id="{F073A3D8-220E-7144-A600-F0641A71F37F}"/>
               </a:ext>
             </a:extLst>
           </p:cNvPr>
@@ -22661,7 +22668,7 @@
           <p:cNvPr id="109" name="TextBox 108">
             <a:extLst>
               <a:ext uri="{FF2B5EF4-FFF2-40B4-BE49-F238E27FC236}">
-                <a16:creationId xmlns:a16="http://schemas.microsoft.com/office/drawing/2014/main" id="{E4BD00C3-AD29-1848-B72C-ABB297C80A44}"/>
+                <a16:creationId xmlns:a16="http://schemas.microsoft.com/office/drawing/2014/main" xmlns="" id="{E4BD00C3-AD29-1848-B72C-ABB297C80A44}"/>
               </a:ext>
             </a:extLst>
           </p:cNvPr>
@@ -22743,7 +22750,7 @@
           <p:cNvPr id="67" name="Picture 66">
             <a:extLst>
               <a:ext uri="{FF2B5EF4-FFF2-40B4-BE49-F238E27FC236}">
-                <a16:creationId xmlns:a16="http://schemas.microsoft.com/office/drawing/2014/main" id="{2CBB9EC6-1F4D-A544-B955-509A162728C6}"/>
+                <a16:creationId xmlns:a16="http://schemas.microsoft.com/office/drawing/2014/main" xmlns="" id="{2CBB9EC6-1F4D-A544-B955-509A162728C6}"/>
               </a:ext>
             </a:extLst>
           </p:cNvPr>
@@ -22779,7 +22786,7 @@
           <p:cNvPr id="116" name="Straight Connector 115">
             <a:extLst>
               <a:ext uri="{FF2B5EF4-FFF2-40B4-BE49-F238E27FC236}">
-                <a16:creationId xmlns:a16="http://schemas.microsoft.com/office/drawing/2014/main" id="{5DA5D267-4395-9C48-8B25-87844AB53687}"/>
+                <a16:creationId xmlns:a16="http://schemas.microsoft.com/office/drawing/2014/main" xmlns="" id="{5DA5D267-4395-9C48-8B25-87844AB53687}"/>
               </a:ext>
             </a:extLst>
           </p:cNvPr>
@@ -22826,7 +22833,7 @@
           <p:cNvPr id="119" name="TextBox 118">
             <a:extLst>
               <a:ext uri="{FF2B5EF4-FFF2-40B4-BE49-F238E27FC236}">
-                <a16:creationId xmlns:a16="http://schemas.microsoft.com/office/drawing/2014/main" id="{2A942E01-9F5A-F646-B3ED-A608F871CF24}"/>
+                <a16:creationId xmlns:a16="http://schemas.microsoft.com/office/drawing/2014/main" xmlns="" id="{2A942E01-9F5A-F646-B3ED-A608F871CF24}"/>
               </a:ext>
             </a:extLst>
           </p:cNvPr>
@@ -22907,7 +22914,7 @@
           <p:cNvPr id="79" name="Picture 78">
             <a:extLst>
               <a:ext uri="{FF2B5EF4-FFF2-40B4-BE49-F238E27FC236}">
-                <a16:creationId xmlns:a16="http://schemas.microsoft.com/office/drawing/2014/main" id="{702BB94C-F70C-5E4B-94D9-B69FE9F302C8}"/>
+                <a16:creationId xmlns:a16="http://schemas.microsoft.com/office/drawing/2014/main" xmlns="" id="{702BB94C-F70C-5E4B-94D9-B69FE9F302C8}"/>
               </a:ext>
             </a:extLst>
           </p:cNvPr>
@@ -22943,7 +22950,7 @@
           <p:cNvPr id="131" name="Straight Connector 130">
             <a:extLst>
               <a:ext uri="{FF2B5EF4-FFF2-40B4-BE49-F238E27FC236}">
-                <a16:creationId xmlns:a16="http://schemas.microsoft.com/office/drawing/2014/main" id="{EA8E957C-3AA4-2547-B191-BA32AA3F3AF2}"/>
+                <a16:creationId xmlns:a16="http://schemas.microsoft.com/office/drawing/2014/main" xmlns="" id="{EA8E957C-3AA4-2547-B191-BA32AA3F3AF2}"/>
               </a:ext>
             </a:extLst>
           </p:cNvPr>
@@ -22991,7 +22998,7 @@
           <p:cNvPr id="134" name="Straight Connector 133">
             <a:extLst>
               <a:ext uri="{FF2B5EF4-FFF2-40B4-BE49-F238E27FC236}">
-                <a16:creationId xmlns:a16="http://schemas.microsoft.com/office/drawing/2014/main" id="{5BE986ED-64D7-A046-BE28-021C8C920B48}"/>
+                <a16:creationId xmlns:a16="http://schemas.microsoft.com/office/drawing/2014/main" xmlns="" id="{5BE986ED-64D7-A046-BE28-021C8C920B48}"/>
               </a:ext>
             </a:extLst>
           </p:cNvPr>
@@ -23039,7 +23046,7 @@
           <p:cNvPr id="138" name="Straight Connector 137">
             <a:extLst>
               <a:ext uri="{FF2B5EF4-FFF2-40B4-BE49-F238E27FC236}">
-                <a16:creationId xmlns:a16="http://schemas.microsoft.com/office/drawing/2014/main" id="{8E1453EF-7DB3-E54F-9665-9C837DE98445}"/>
+                <a16:creationId xmlns:a16="http://schemas.microsoft.com/office/drawing/2014/main" xmlns="" id="{8E1453EF-7DB3-E54F-9665-9C837DE98445}"/>
               </a:ext>
             </a:extLst>
           </p:cNvPr>
@@ -23086,7 +23093,7 @@
           <p:cNvPr id="4" name="TextBox 3">
             <a:extLst>
               <a:ext uri="{FF2B5EF4-FFF2-40B4-BE49-F238E27FC236}">
-                <a16:creationId xmlns:a16="http://schemas.microsoft.com/office/drawing/2014/main" id="{B36E56F0-CDF9-6644-BF16-C03BDAA1914C}"/>
+                <a16:creationId xmlns:a16="http://schemas.microsoft.com/office/drawing/2014/main" xmlns="" id="{B36E56F0-CDF9-6644-BF16-C03BDAA1914C}"/>
               </a:ext>
             </a:extLst>
           </p:cNvPr>
@@ -23167,7 +23174,7 @@
           <p:cNvPr id="62" name="Rectangle 61">
             <a:extLst>
               <a:ext uri="{FF2B5EF4-FFF2-40B4-BE49-F238E27FC236}">
-                <a16:creationId xmlns:a16="http://schemas.microsoft.com/office/drawing/2014/main" id="{500A7179-A62E-1F47-8EAE-B56A36D87A89}"/>
+                <a16:creationId xmlns:a16="http://schemas.microsoft.com/office/drawing/2014/main" xmlns="" id="{500A7179-A62E-1F47-8EAE-B56A36D87A89}"/>
               </a:ext>
             </a:extLst>
           </p:cNvPr>
@@ -23208,7 +23215,7 @@
           <p:cNvPr id="65" name="Rounded Rectangular Callout 64">
             <a:extLst>
               <a:ext uri="{FF2B5EF4-FFF2-40B4-BE49-F238E27FC236}">
-                <a16:creationId xmlns:a16="http://schemas.microsoft.com/office/drawing/2014/main" id="{C44345DB-F74B-FF42-9EB7-3CBE195CD4F8}"/>
+                <a16:creationId xmlns:a16="http://schemas.microsoft.com/office/drawing/2014/main" xmlns="" id="{C44345DB-F74B-FF42-9EB7-3CBE195CD4F8}"/>
               </a:ext>
             </a:extLst>
           </p:cNvPr>
@@ -23255,7 +23262,7 @@
           <p:cNvPr id="66" name="TextBox 65">
             <a:extLst>
               <a:ext uri="{FF2B5EF4-FFF2-40B4-BE49-F238E27FC236}">
-                <a16:creationId xmlns:a16="http://schemas.microsoft.com/office/drawing/2014/main" id="{2267DF7E-8C5A-4C47-B0A9-0BB8AB712538}"/>
+                <a16:creationId xmlns:a16="http://schemas.microsoft.com/office/drawing/2014/main" xmlns="" id="{2267DF7E-8C5A-4C47-B0A9-0BB8AB712538}"/>
               </a:ext>
             </a:extLst>
           </p:cNvPr>
@@ -23336,7 +23343,7 @@
           <p:cNvPr id="68" name="TextBox 67">
             <a:extLst>
               <a:ext uri="{FF2B5EF4-FFF2-40B4-BE49-F238E27FC236}">
-                <a16:creationId xmlns:a16="http://schemas.microsoft.com/office/drawing/2014/main" id="{01979ACF-D7A0-5B4F-9ACA-94A20BC0BF3D}"/>
+                <a16:creationId xmlns:a16="http://schemas.microsoft.com/office/drawing/2014/main" xmlns="" id="{01979ACF-D7A0-5B4F-9ACA-94A20BC0BF3D}"/>
               </a:ext>
             </a:extLst>
           </p:cNvPr>
@@ -23417,7 +23424,7 @@
           <p:cNvPr id="69" name="TextBox 68">
             <a:extLst>
               <a:ext uri="{FF2B5EF4-FFF2-40B4-BE49-F238E27FC236}">
-                <a16:creationId xmlns:a16="http://schemas.microsoft.com/office/drawing/2014/main" id="{B657F783-5383-0846-8E9C-E3A00EDBA592}"/>
+                <a16:creationId xmlns:a16="http://schemas.microsoft.com/office/drawing/2014/main" xmlns="" id="{B657F783-5383-0846-8E9C-E3A00EDBA592}"/>
               </a:ext>
             </a:extLst>
           </p:cNvPr>
@@ -23498,7 +23505,7 @@
           <p:cNvPr id="70" name="TextBox 69">
             <a:extLst>
               <a:ext uri="{FF2B5EF4-FFF2-40B4-BE49-F238E27FC236}">
-                <a16:creationId xmlns:a16="http://schemas.microsoft.com/office/drawing/2014/main" id="{BA12F770-EC95-3649-832F-ADDDD75EEAAF}"/>
+                <a16:creationId xmlns:a16="http://schemas.microsoft.com/office/drawing/2014/main" xmlns="" id="{BA12F770-EC95-3649-832F-ADDDD75EEAAF}"/>
               </a:ext>
             </a:extLst>
           </p:cNvPr>
@@ -23584,7 +23591,7 @@
   <p:clrMapOvr>
     <a:masterClrMapping/>
   </p:clrMapOvr>
-  <p:transition spd="med"/>
+  <p:transition xmlns:p14="http://schemas.microsoft.com/office/powerpoint/2010/main" spd="med"/>
 </p:sld>
 </file>
 
@@ -23610,7 +23617,7 @@
           <p:cNvPr id="108" name="Rectangle 107">
             <a:extLst>
               <a:ext uri="{FF2B5EF4-FFF2-40B4-BE49-F238E27FC236}">
-                <a16:creationId xmlns:a16="http://schemas.microsoft.com/office/drawing/2014/main" id="{DD3A4E38-E7B5-F444-A041-B81D31F9BE1A}"/>
+                <a16:creationId xmlns:a16="http://schemas.microsoft.com/office/drawing/2014/main" xmlns="" id="{DD3A4E38-E7B5-F444-A041-B81D31F9BE1A}"/>
               </a:ext>
             </a:extLst>
           </p:cNvPr>
@@ -23655,7 +23662,7 @@
           <p:cNvPr id="141" name="Rectangle 140">
             <a:extLst>
               <a:ext uri="{FF2B5EF4-FFF2-40B4-BE49-F238E27FC236}">
-                <a16:creationId xmlns:a16="http://schemas.microsoft.com/office/drawing/2014/main" id="{3C097F3C-09AD-4C48-89F5-8F6682E2A9C7}"/>
+                <a16:creationId xmlns:a16="http://schemas.microsoft.com/office/drawing/2014/main" xmlns="" id="{3C097F3C-09AD-4C48-89F5-8F6682E2A9C7}"/>
               </a:ext>
             </a:extLst>
           </p:cNvPr>
@@ -23698,7 +23705,7 @@
           <p:cNvPr id="132" name="Rectangle 131">
             <a:extLst>
               <a:ext uri="{FF2B5EF4-FFF2-40B4-BE49-F238E27FC236}">
-                <a16:creationId xmlns:a16="http://schemas.microsoft.com/office/drawing/2014/main" id="{A4F70669-E49F-6042-AC95-A1CF22FC2F0E}"/>
+                <a16:creationId xmlns:a16="http://schemas.microsoft.com/office/drawing/2014/main" xmlns="" id="{A4F70669-E49F-6042-AC95-A1CF22FC2F0E}"/>
               </a:ext>
             </a:extLst>
           </p:cNvPr>
@@ -23741,7 +23748,7 @@
           <p:cNvPr id="46" name="Straight Connector 45">
             <a:extLst>
               <a:ext uri="{FF2B5EF4-FFF2-40B4-BE49-F238E27FC236}">
-                <a16:creationId xmlns:a16="http://schemas.microsoft.com/office/drawing/2014/main" id="{B3EF6D8D-E093-9C43-8F06-6465AF5A1A76}"/>
+                <a16:creationId xmlns:a16="http://schemas.microsoft.com/office/drawing/2014/main" xmlns="" id="{B3EF6D8D-E093-9C43-8F06-6465AF5A1A76}"/>
               </a:ext>
             </a:extLst>
           </p:cNvPr>
@@ -23790,7 +23797,7 @@
           <p:cNvPr id="105" name="Rectangle 104">
             <a:extLst>
               <a:ext uri="{FF2B5EF4-FFF2-40B4-BE49-F238E27FC236}">
-                <a16:creationId xmlns:a16="http://schemas.microsoft.com/office/drawing/2014/main" id="{416C123A-D118-B348-B68E-4541B0A407FB}"/>
+                <a16:creationId xmlns:a16="http://schemas.microsoft.com/office/drawing/2014/main" xmlns="" id="{416C123A-D118-B348-B68E-4541B0A407FB}"/>
               </a:ext>
             </a:extLst>
           </p:cNvPr>
@@ -23837,7 +23844,7 @@
           <p:cNvPr id="115" name="Straight Connector 114">
             <a:extLst>
               <a:ext uri="{FF2B5EF4-FFF2-40B4-BE49-F238E27FC236}">
-                <a16:creationId xmlns:a16="http://schemas.microsoft.com/office/drawing/2014/main" id="{8AC6BC2D-6C06-F541-9BC0-006845DF1EA7}"/>
+                <a16:creationId xmlns:a16="http://schemas.microsoft.com/office/drawing/2014/main" xmlns="" id="{8AC6BC2D-6C06-F541-9BC0-006845DF1EA7}"/>
               </a:ext>
             </a:extLst>
           </p:cNvPr>
@@ -23886,7 +23893,7 @@
           <p:cNvPr id="103" name="Rectangle 102">
             <a:extLst>
               <a:ext uri="{FF2B5EF4-FFF2-40B4-BE49-F238E27FC236}">
-                <a16:creationId xmlns:a16="http://schemas.microsoft.com/office/drawing/2014/main" id="{89D06888-A322-F944-B8CD-1354DB6E9863}"/>
+                <a16:creationId xmlns:a16="http://schemas.microsoft.com/office/drawing/2014/main" xmlns="" id="{89D06888-A322-F944-B8CD-1354DB6E9863}"/>
               </a:ext>
             </a:extLst>
           </p:cNvPr>
@@ -23929,7 +23936,7 @@
           <p:cNvPr id="97" name="Rectangle 96">
             <a:extLst>
               <a:ext uri="{FF2B5EF4-FFF2-40B4-BE49-F238E27FC236}">
-                <a16:creationId xmlns:a16="http://schemas.microsoft.com/office/drawing/2014/main" id="{C6F860F7-F7BF-E549-968B-81EB1B326379}"/>
+                <a16:creationId xmlns:a16="http://schemas.microsoft.com/office/drawing/2014/main" xmlns="" id="{C6F860F7-F7BF-E549-968B-81EB1B326379}"/>
               </a:ext>
             </a:extLst>
           </p:cNvPr>
@@ -23974,7 +23981,7 @@
           <p:cNvPr id="88" name="Rectangle 87">
             <a:extLst>
               <a:ext uri="{FF2B5EF4-FFF2-40B4-BE49-F238E27FC236}">
-                <a16:creationId xmlns:a16="http://schemas.microsoft.com/office/drawing/2014/main" id="{52568BAA-8263-FC4A-AB69-A9AE503EA338}"/>
+                <a16:creationId xmlns:a16="http://schemas.microsoft.com/office/drawing/2014/main" xmlns="" id="{52568BAA-8263-FC4A-AB69-A9AE503EA338}"/>
               </a:ext>
             </a:extLst>
           </p:cNvPr>
@@ -24043,7 +24050,7 @@
           <p:cNvPr id="47" name="Rectangle 46">
             <a:extLst>
               <a:ext uri="{FF2B5EF4-FFF2-40B4-BE49-F238E27FC236}">
-                <a16:creationId xmlns:a16="http://schemas.microsoft.com/office/drawing/2014/main" id="{962939E0-A05A-3A44-9ADE-6B594560263B}"/>
+                <a16:creationId xmlns:a16="http://schemas.microsoft.com/office/drawing/2014/main" xmlns="" id="{962939E0-A05A-3A44-9ADE-6B594560263B}"/>
               </a:ext>
             </a:extLst>
           </p:cNvPr>
@@ -24198,7 +24205,7 @@
             </a:ln>
             <a:extLst>
               <a:ext uri="{C572A759-6A51-4108-AA02-DFA0A04FC94B}">
-                <ma14:wrappingTextBoxFlag xmlns:ma14="http://schemas.microsoft.com/office/mac/drawingml/2011/main" xmlns="" val="1"/>
+                <ma14:wrappingTextBoxFlag xmlns:ma14="http://schemas.microsoft.com/office/mac/drawingml/2011/main" val="1"/>
               </a:ext>
             </a:extLst>
           </p:spPr>
@@ -24437,7 +24444,7 @@
           </a:ln>
           <a:extLst>
             <a:ext uri="{C572A759-6A51-4108-AA02-DFA0A04FC94B}">
-              <ma14:wrappingTextBoxFlag xmlns:ma14="http://schemas.microsoft.com/office/mac/drawingml/2011/main" xmlns="" val="1"/>
+              <ma14:wrappingTextBoxFlag xmlns:ma14="http://schemas.microsoft.com/office/mac/drawingml/2011/main" val="1"/>
             </a:ext>
           </a:extLst>
         </p:spPr>
@@ -24505,7 +24512,7 @@
           </a:ln>
           <a:extLst>
             <a:ext uri="{C572A759-6A51-4108-AA02-DFA0A04FC94B}">
-              <ma14:wrappingTextBoxFlag xmlns:ma14="http://schemas.microsoft.com/office/mac/drawingml/2011/main" xmlns="" val="1"/>
+              <ma14:wrappingTextBoxFlag xmlns:ma14="http://schemas.microsoft.com/office/mac/drawingml/2011/main" val="1"/>
             </a:ext>
           </a:extLst>
         </p:spPr>
@@ -24876,7 +24883,7 @@
             <a:effectLst/>
             <a:extLst>
               <a:ext uri="{C572A759-6A51-4108-AA02-DFA0A04FC94B}">
-                <ma14:wrappingTextBoxFlag xmlns:ma14="http://schemas.microsoft.com/office/mac/drawingml/2011/main" xmlns="" val="1"/>
+                <ma14:wrappingTextBoxFlag xmlns:ma14="http://schemas.microsoft.com/office/mac/drawingml/2011/main" val="1"/>
               </a:ext>
             </a:extLst>
           </p:spPr>
@@ -24967,7 +24974,7 @@
           <p:cNvPr id="188" name="Group 187">
             <a:extLst>
               <a:ext uri="{FF2B5EF4-FFF2-40B4-BE49-F238E27FC236}">
-                <a16:creationId xmlns:a16="http://schemas.microsoft.com/office/drawing/2014/main" id="{5938EDDB-B2B2-6642-9D20-6D7C5F9FED31}"/>
+                <a16:creationId xmlns:a16="http://schemas.microsoft.com/office/drawing/2014/main" xmlns="" id="{5938EDDB-B2B2-6642-9D20-6D7C5F9FED31}"/>
               </a:ext>
             </a:extLst>
           </p:cNvPr>
@@ -24987,7 +24994,7 @@
             <p:cNvPr id="189" name="Group 188">
               <a:extLst>
                 <a:ext uri="{FF2B5EF4-FFF2-40B4-BE49-F238E27FC236}">
-                  <a16:creationId xmlns:a16="http://schemas.microsoft.com/office/drawing/2014/main" id="{3527AD53-90A2-7D45-A4B7-509C2FD1C32F}"/>
+                  <a16:creationId xmlns:a16="http://schemas.microsoft.com/office/drawing/2014/main" xmlns="" id="{3527AD53-90A2-7D45-A4B7-509C2FD1C32F}"/>
                 </a:ext>
               </a:extLst>
             </p:cNvPr>
@@ -25007,7 +25014,7 @@
               <p:cNvPr id="191" name="Oval 190">
                 <a:extLst>
                   <a:ext uri="{FF2B5EF4-FFF2-40B4-BE49-F238E27FC236}">
-                    <a16:creationId xmlns:a16="http://schemas.microsoft.com/office/drawing/2014/main" id="{38BE8895-77F2-3F48-BDC0-E7E0559BA7AD}"/>
+                    <a16:creationId xmlns:a16="http://schemas.microsoft.com/office/drawing/2014/main" xmlns="" id="{38BE8895-77F2-3F48-BDC0-E7E0559BA7AD}"/>
                   </a:ext>
                 </a:extLst>
               </p:cNvPr>
@@ -25063,7 +25070,7 @@
               <p:cNvPr id="192" name="Picture 191">
                 <a:extLst>
                   <a:ext uri="{FF2B5EF4-FFF2-40B4-BE49-F238E27FC236}">
-                    <a16:creationId xmlns:a16="http://schemas.microsoft.com/office/drawing/2014/main" id="{1E774A8B-C5DB-534E-8EE3-5D936B2F1BDA}"/>
+                    <a16:creationId xmlns:a16="http://schemas.microsoft.com/office/drawing/2014/main" xmlns="" id="{1E774A8B-C5DB-534E-8EE3-5D936B2F1BDA}"/>
                   </a:ext>
                 </a:extLst>
               </p:cNvPr>
@@ -25100,7 +25107,7 @@
             <p:cNvPr id="190" name="Shape 576">
               <a:extLst>
                 <a:ext uri="{FF2B5EF4-FFF2-40B4-BE49-F238E27FC236}">
-                  <a16:creationId xmlns:a16="http://schemas.microsoft.com/office/drawing/2014/main" id="{8D66F62C-0857-0C4E-B8A3-3F8DBC721692}"/>
+                  <a16:creationId xmlns:a16="http://schemas.microsoft.com/office/drawing/2014/main" xmlns="" id="{8D66F62C-0857-0C4E-B8A3-3F8DBC721692}"/>
                 </a:ext>
               </a:extLst>
             </p:cNvPr>
@@ -25120,7 +25127,7 @@
             </a:ln>
             <a:extLst>
               <a:ext uri="{C572A759-6A51-4108-AA02-DFA0A04FC94B}">
-                <ma14:wrappingTextBoxFlag xmlns:ma14="http://schemas.microsoft.com/office/mac/drawingml/2011/main" xmlns="" val="1"/>
+                <ma14:wrappingTextBoxFlag xmlns:ma14="http://schemas.microsoft.com/office/mac/drawingml/2011/main" val="1"/>
               </a:ext>
             </a:extLst>
           </p:spPr>
@@ -25333,7 +25340,7 @@
           </a:ln>
           <a:extLst>
             <a:ext uri="{C572A759-6A51-4108-AA02-DFA0A04FC94B}">
-              <ma14:wrappingTextBoxFlag xmlns:ma14="http://schemas.microsoft.com/office/mac/drawingml/2011/main" xmlns="" val="1"/>
+              <ma14:wrappingTextBoxFlag xmlns:ma14="http://schemas.microsoft.com/office/mac/drawingml/2011/main" val="1"/>
             </a:ext>
           </a:extLst>
         </p:spPr>
@@ -25622,7 +25629,7 @@
           <p:cNvPr id="58" name="Picture 57">
             <a:extLst>
               <a:ext uri="{FF2B5EF4-FFF2-40B4-BE49-F238E27FC236}">
-                <a16:creationId xmlns:a16="http://schemas.microsoft.com/office/drawing/2014/main" id="{66E030FF-10BA-3E4A-9604-7ADABD19B5C7}"/>
+                <a16:creationId xmlns:a16="http://schemas.microsoft.com/office/drawing/2014/main" xmlns="" id="{66E030FF-10BA-3E4A-9604-7ADABD19B5C7}"/>
               </a:ext>
             </a:extLst>
           </p:cNvPr>
@@ -25652,7 +25659,7 @@
           <p:cNvPr id="64" name="Straight Connector 63">
             <a:extLst>
               <a:ext uri="{FF2B5EF4-FFF2-40B4-BE49-F238E27FC236}">
-                <a16:creationId xmlns:a16="http://schemas.microsoft.com/office/drawing/2014/main" id="{7A922166-BCEA-2342-A0C7-D9B6D48E76B5}"/>
+                <a16:creationId xmlns:a16="http://schemas.microsoft.com/office/drawing/2014/main" xmlns="" id="{7A922166-BCEA-2342-A0C7-D9B6D48E76B5}"/>
               </a:ext>
             </a:extLst>
           </p:cNvPr>
@@ -25701,7 +25708,7 @@
           <p:cNvPr id="83" name="Straight Connector 82">
             <a:extLst>
               <a:ext uri="{FF2B5EF4-FFF2-40B4-BE49-F238E27FC236}">
-                <a16:creationId xmlns:a16="http://schemas.microsoft.com/office/drawing/2014/main" id="{BA3AC09A-2568-7A40-8619-27C921ACE99B}"/>
+                <a16:creationId xmlns:a16="http://schemas.microsoft.com/office/drawing/2014/main" xmlns="" id="{BA3AC09A-2568-7A40-8619-27C921ACE99B}"/>
               </a:ext>
             </a:extLst>
           </p:cNvPr>
@@ -25749,7 +25756,7 @@
           <p:cNvPr id="100" name="TextBox 99">
             <a:extLst>
               <a:ext uri="{FF2B5EF4-FFF2-40B4-BE49-F238E27FC236}">
-                <a16:creationId xmlns:a16="http://schemas.microsoft.com/office/drawing/2014/main" id="{3C80F502-9384-CB47-BE5F-B15677F163F5}"/>
+                <a16:creationId xmlns:a16="http://schemas.microsoft.com/office/drawing/2014/main" xmlns="" id="{3C80F502-9384-CB47-BE5F-B15677F163F5}"/>
               </a:ext>
             </a:extLst>
           </p:cNvPr>
@@ -25830,7 +25837,7 @@
           <p:cNvPr id="102" name="TextBox 101">
             <a:extLst>
               <a:ext uri="{FF2B5EF4-FFF2-40B4-BE49-F238E27FC236}">
-                <a16:creationId xmlns:a16="http://schemas.microsoft.com/office/drawing/2014/main" id="{049DDE7D-2EFF-7541-B9F7-19BEEA5515BE}"/>
+                <a16:creationId xmlns:a16="http://schemas.microsoft.com/office/drawing/2014/main" xmlns="" id="{049DDE7D-2EFF-7541-B9F7-19BEEA5515BE}"/>
               </a:ext>
             </a:extLst>
           </p:cNvPr>
@@ -25911,7 +25918,7 @@
           <p:cNvPr id="107" name="TextBox 106">
             <a:extLst>
               <a:ext uri="{FF2B5EF4-FFF2-40B4-BE49-F238E27FC236}">
-                <a16:creationId xmlns:a16="http://schemas.microsoft.com/office/drawing/2014/main" id="{F073A3D8-220E-7144-A600-F0641A71F37F}"/>
+                <a16:creationId xmlns:a16="http://schemas.microsoft.com/office/drawing/2014/main" xmlns="" id="{F073A3D8-220E-7144-A600-F0641A71F37F}"/>
               </a:ext>
             </a:extLst>
           </p:cNvPr>
@@ -25992,7 +25999,7 @@
           <p:cNvPr id="109" name="TextBox 108">
             <a:extLst>
               <a:ext uri="{FF2B5EF4-FFF2-40B4-BE49-F238E27FC236}">
-                <a16:creationId xmlns:a16="http://schemas.microsoft.com/office/drawing/2014/main" id="{E4BD00C3-AD29-1848-B72C-ABB297C80A44}"/>
+                <a16:creationId xmlns:a16="http://schemas.microsoft.com/office/drawing/2014/main" xmlns="" id="{E4BD00C3-AD29-1848-B72C-ABB297C80A44}"/>
               </a:ext>
             </a:extLst>
           </p:cNvPr>
@@ -26074,7 +26081,7 @@
           <p:cNvPr id="67" name="Picture 66">
             <a:extLst>
               <a:ext uri="{FF2B5EF4-FFF2-40B4-BE49-F238E27FC236}">
-                <a16:creationId xmlns:a16="http://schemas.microsoft.com/office/drawing/2014/main" id="{2CBB9EC6-1F4D-A544-B955-509A162728C6}"/>
+                <a16:creationId xmlns:a16="http://schemas.microsoft.com/office/drawing/2014/main" xmlns="" id="{2CBB9EC6-1F4D-A544-B955-509A162728C6}"/>
               </a:ext>
             </a:extLst>
           </p:cNvPr>
@@ -26110,7 +26117,7 @@
           <p:cNvPr id="116" name="Straight Connector 115">
             <a:extLst>
               <a:ext uri="{FF2B5EF4-FFF2-40B4-BE49-F238E27FC236}">
-                <a16:creationId xmlns:a16="http://schemas.microsoft.com/office/drawing/2014/main" id="{5DA5D267-4395-9C48-8B25-87844AB53687}"/>
+                <a16:creationId xmlns:a16="http://schemas.microsoft.com/office/drawing/2014/main" xmlns="" id="{5DA5D267-4395-9C48-8B25-87844AB53687}"/>
               </a:ext>
             </a:extLst>
           </p:cNvPr>
@@ -26157,7 +26164,7 @@
           <p:cNvPr id="119" name="TextBox 118">
             <a:extLst>
               <a:ext uri="{FF2B5EF4-FFF2-40B4-BE49-F238E27FC236}">
-                <a16:creationId xmlns:a16="http://schemas.microsoft.com/office/drawing/2014/main" id="{2A942E01-9F5A-F646-B3ED-A608F871CF24}"/>
+                <a16:creationId xmlns:a16="http://schemas.microsoft.com/office/drawing/2014/main" xmlns="" id="{2A942E01-9F5A-F646-B3ED-A608F871CF24}"/>
               </a:ext>
             </a:extLst>
           </p:cNvPr>
@@ -26238,7 +26245,7 @@
           <p:cNvPr id="79" name="Picture 78">
             <a:extLst>
               <a:ext uri="{FF2B5EF4-FFF2-40B4-BE49-F238E27FC236}">
-                <a16:creationId xmlns:a16="http://schemas.microsoft.com/office/drawing/2014/main" id="{702BB94C-F70C-5E4B-94D9-B69FE9F302C8}"/>
+                <a16:creationId xmlns:a16="http://schemas.microsoft.com/office/drawing/2014/main" xmlns="" id="{702BB94C-F70C-5E4B-94D9-B69FE9F302C8}"/>
               </a:ext>
             </a:extLst>
           </p:cNvPr>
@@ -26274,7 +26281,7 @@
           <p:cNvPr id="131" name="Straight Connector 130">
             <a:extLst>
               <a:ext uri="{FF2B5EF4-FFF2-40B4-BE49-F238E27FC236}">
-                <a16:creationId xmlns:a16="http://schemas.microsoft.com/office/drawing/2014/main" id="{EA8E957C-3AA4-2547-B191-BA32AA3F3AF2}"/>
+                <a16:creationId xmlns:a16="http://schemas.microsoft.com/office/drawing/2014/main" xmlns="" id="{EA8E957C-3AA4-2547-B191-BA32AA3F3AF2}"/>
               </a:ext>
             </a:extLst>
           </p:cNvPr>
@@ -26322,7 +26329,7 @@
           <p:cNvPr id="134" name="Straight Connector 133">
             <a:extLst>
               <a:ext uri="{FF2B5EF4-FFF2-40B4-BE49-F238E27FC236}">
-                <a16:creationId xmlns:a16="http://schemas.microsoft.com/office/drawing/2014/main" id="{5BE986ED-64D7-A046-BE28-021C8C920B48}"/>
+                <a16:creationId xmlns:a16="http://schemas.microsoft.com/office/drawing/2014/main" xmlns="" id="{5BE986ED-64D7-A046-BE28-021C8C920B48}"/>
               </a:ext>
             </a:extLst>
           </p:cNvPr>
@@ -26370,7 +26377,7 @@
           <p:cNvPr id="138" name="Straight Connector 137">
             <a:extLst>
               <a:ext uri="{FF2B5EF4-FFF2-40B4-BE49-F238E27FC236}">
-                <a16:creationId xmlns:a16="http://schemas.microsoft.com/office/drawing/2014/main" id="{8E1453EF-7DB3-E54F-9665-9C837DE98445}"/>
+                <a16:creationId xmlns:a16="http://schemas.microsoft.com/office/drawing/2014/main" xmlns="" id="{8E1453EF-7DB3-E54F-9665-9C837DE98445}"/>
               </a:ext>
             </a:extLst>
           </p:cNvPr>
@@ -26417,7 +26424,7 @@
           <p:cNvPr id="144" name="TextBox 143">
             <a:extLst>
               <a:ext uri="{FF2B5EF4-FFF2-40B4-BE49-F238E27FC236}">
-                <a16:creationId xmlns:a16="http://schemas.microsoft.com/office/drawing/2014/main" id="{F20B3218-9CCE-2145-9963-A12E6849F8D1}"/>
+                <a16:creationId xmlns:a16="http://schemas.microsoft.com/office/drawing/2014/main" xmlns="" id="{F20B3218-9CCE-2145-9963-A12E6849F8D1}"/>
               </a:ext>
             </a:extLst>
           </p:cNvPr>
@@ -26498,7 +26505,7 @@
           <p:cNvPr id="2" name="Rectangle 1">
             <a:extLst>
               <a:ext uri="{FF2B5EF4-FFF2-40B4-BE49-F238E27FC236}">
-                <a16:creationId xmlns:a16="http://schemas.microsoft.com/office/drawing/2014/main" id="{457F0C94-1AA0-1142-B814-A0B56C12F7AE}"/>
+                <a16:creationId xmlns:a16="http://schemas.microsoft.com/office/drawing/2014/main" xmlns="" id="{457F0C94-1AA0-1142-B814-A0B56C12F7AE}"/>
               </a:ext>
             </a:extLst>
           </p:cNvPr>
@@ -26539,7 +26546,7 @@
           <p:cNvPr id="61" name="Rounded Rectangular Callout 60">
             <a:extLst>
               <a:ext uri="{FF2B5EF4-FFF2-40B4-BE49-F238E27FC236}">
-                <a16:creationId xmlns:a16="http://schemas.microsoft.com/office/drawing/2014/main" id="{D7E99A70-5439-BF45-8269-EEE528805121}"/>
+                <a16:creationId xmlns:a16="http://schemas.microsoft.com/office/drawing/2014/main" xmlns="" id="{D7E99A70-5439-BF45-8269-EEE528805121}"/>
               </a:ext>
             </a:extLst>
           </p:cNvPr>
@@ -26586,7 +26593,7 @@
           <p:cNvPr id="62" name="TextBox 61">
             <a:extLst>
               <a:ext uri="{FF2B5EF4-FFF2-40B4-BE49-F238E27FC236}">
-                <a16:creationId xmlns:a16="http://schemas.microsoft.com/office/drawing/2014/main" id="{B2FA279C-2389-314F-96A0-75C391BCED42}"/>
+                <a16:creationId xmlns:a16="http://schemas.microsoft.com/office/drawing/2014/main" xmlns="" id="{B2FA279C-2389-314F-96A0-75C391BCED42}"/>
               </a:ext>
             </a:extLst>
           </p:cNvPr>
@@ -26667,7 +26674,7 @@
           <p:cNvPr id="63" name="TextBox 62">
             <a:extLst>
               <a:ext uri="{FF2B5EF4-FFF2-40B4-BE49-F238E27FC236}">
-                <a16:creationId xmlns:a16="http://schemas.microsoft.com/office/drawing/2014/main" id="{CCC8B027-4074-C041-B567-8879BBEAE9F0}"/>
+                <a16:creationId xmlns:a16="http://schemas.microsoft.com/office/drawing/2014/main" xmlns="" id="{CCC8B027-4074-C041-B567-8879BBEAE9F0}"/>
               </a:ext>
             </a:extLst>
           </p:cNvPr>
@@ -26748,7 +26755,7 @@
           <p:cNvPr id="65" name="TextBox 64">
             <a:extLst>
               <a:ext uri="{FF2B5EF4-FFF2-40B4-BE49-F238E27FC236}">
-                <a16:creationId xmlns:a16="http://schemas.microsoft.com/office/drawing/2014/main" id="{E313D3AB-A03B-F44F-B0CC-29A68B6112F1}"/>
+                <a16:creationId xmlns:a16="http://schemas.microsoft.com/office/drawing/2014/main" xmlns="" id="{E313D3AB-A03B-F44F-B0CC-29A68B6112F1}"/>
               </a:ext>
             </a:extLst>
           </p:cNvPr>
@@ -26829,7 +26836,7 @@
           <p:cNvPr id="66" name="TextBox 65">
             <a:extLst>
               <a:ext uri="{FF2B5EF4-FFF2-40B4-BE49-F238E27FC236}">
-                <a16:creationId xmlns:a16="http://schemas.microsoft.com/office/drawing/2014/main" id="{A90B4428-252A-874A-A27C-612D5FC7102A}"/>
+                <a16:creationId xmlns:a16="http://schemas.microsoft.com/office/drawing/2014/main" xmlns="" id="{A90B4428-252A-874A-A27C-612D5FC7102A}"/>
               </a:ext>
             </a:extLst>
           </p:cNvPr>
@@ -26915,7 +26922,7 @@
   <p:clrMapOvr>
     <a:masterClrMapping/>
   </p:clrMapOvr>
-  <p:transition spd="med"/>
+  <p:transition xmlns:p14="http://schemas.microsoft.com/office/powerpoint/2010/main" spd="med"/>
 </p:sld>
 </file>
 
@@ -26955,7 +26962,7 @@
           </a:ln>
           <a:extLst>
             <a:ext uri="{C572A759-6A51-4108-AA02-DFA0A04FC94B}">
-              <ma14:wrappingTextBoxFlag xmlns:ma14="http://schemas.microsoft.com/office/mac/drawingml/2011/main" xmlns="" val="1"/>
+              <ma14:wrappingTextBoxFlag xmlns:ma14="http://schemas.microsoft.com/office/mac/drawingml/2011/main" val="1"/>
             </a:ext>
           </a:extLst>
         </p:spPr>
@@ -27023,7 +27030,7 @@
           </a:ln>
           <a:extLst>
             <a:ext uri="{C572A759-6A51-4108-AA02-DFA0A04FC94B}">
-              <ma14:wrappingTextBoxFlag xmlns:ma14="http://schemas.microsoft.com/office/mac/drawingml/2011/main" xmlns="" val="1"/>
+              <ma14:wrappingTextBoxFlag xmlns:ma14="http://schemas.microsoft.com/office/mac/drawingml/2011/main" val="1"/>
             </a:ext>
           </a:extLst>
         </p:spPr>
@@ -27252,7 +27259,7 @@
       </p:pic>
       <p:pic>
         <p:nvPicPr>
-          <p:cNvPr id="14" name="Picture 13"/>
+          <p:cNvPr id="15" name="Picture 14"/>
           <p:cNvPicPr>
             <a:picLocks noChangeAspect="1"/>
           </p:cNvPicPr>
@@ -27266,8 +27273,8 @@
         </p:blipFill>
         <p:spPr>
           <a:xfrm>
-            <a:off x="8549846" y="2970114"/>
-            <a:ext cx="1016837" cy="667864"/>
+            <a:off x="9394533" y="1229430"/>
+            <a:ext cx="493198" cy="439067"/>
           </a:xfrm>
           <a:prstGeom prst="rect">
             <a:avLst/>
@@ -27276,7 +27283,7 @@
       </p:pic>
       <p:pic>
         <p:nvPicPr>
-          <p:cNvPr id="15" name="Picture 14"/>
+          <p:cNvPr id="16" name="Picture 15"/>
           <p:cNvPicPr>
             <a:picLocks noChangeAspect="1"/>
           </p:cNvPicPr>
@@ -27290,8 +27297,8 @@
         </p:blipFill>
         <p:spPr>
           <a:xfrm>
-            <a:off x="9394533" y="1229430"/>
-            <a:ext cx="493198" cy="439067"/>
+            <a:off x="4875669" y="6494968"/>
+            <a:ext cx="1056452" cy="1018036"/>
           </a:xfrm>
           <a:prstGeom prst="rect">
             <a:avLst/>
@@ -27300,7 +27307,7 @@
       </p:pic>
       <p:pic>
         <p:nvPicPr>
-          <p:cNvPr id="16" name="Picture 15"/>
+          <p:cNvPr id="17" name="Picture 16"/>
           <p:cNvPicPr>
             <a:picLocks noChangeAspect="1"/>
           </p:cNvPicPr>
@@ -27314,30 +27321,6 @@
         </p:blipFill>
         <p:spPr>
           <a:xfrm>
-            <a:off x="4875669" y="6494968"/>
-            <a:ext cx="1056452" cy="1018036"/>
-          </a:xfrm>
-          <a:prstGeom prst="rect">
-            <a:avLst/>
-          </a:prstGeom>
-        </p:spPr>
-      </p:pic>
-      <p:pic>
-        <p:nvPicPr>
-          <p:cNvPr id="17" name="Picture 16"/>
-          <p:cNvPicPr>
-            <a:picLocks noChangeAspect="1"/>
-          </p:cNvPicPr>
-          <p:nvPr/>
-        </p:nvPicPr>
-        <p:blipFill>
-          <a:blip r:embed="rId11"/>
-          <a:stretch>
-            <a:fillRect/>
-          </a:stretch>
-        </p:blipFill>
-        <p:spPr>
-          <a:xfrm>
             <a:off x="607618" y="1869493"/>
             <a:ext cx="648599" cy="674396"/>
           </a:xfrm>
@@ -27355,7 +27338,7 @@
           <p:nvPr/>
         </p:nvPicPr>
         <p:blipFill>
-          <a:blip r:embed="rId12"/>
+          <a:blip r:embed="rId11"/>
           <a:stretch>
             <a:fillRect/>
           </a:stretch>
@@ -27496,7 +27479,7 @@
           <p:nvPr/>
         </p:nvPicPr>
         <p:blipFill>
-          <a:blip r:embed="rId13"/>
+          <a:blip r:embed="rId12"/>
           <a:stretch>
             <a:fillRect/>
           </a:stretch>
@@ -27665,7 +27648,7 @@
           </a:ln>
           <a:extLst>
             <a:ext uri="{C572A759-6A51-4108-AA02-DFA0A04FC94B}">
-              <ma14:wrappingTextBoxFlag xmlns:ma14="http://schemas.microsoft.com/office/mac/drawingml/2011/main" xmlns="" val="1"/>
+              <ma14:wrappingTextBoxFlag xmlns:ma14="http://schemas.microsoft.com/office/mac/drawingml/2011/main" val="1"/>
             </a:ext>
           </a:extLst>
         </p:spPr>
@@ -27852,7 +27835,7 @@
           <p:nvPr/>
         </p:nvPicPr>
         <p:blipFill>
-          <a:blip r:embed="rId11"/>
+          <a:blip r:embed="rId10"/>
           <a:stretch>
             <a:fillRect/>
           </a:stretch>
@@ -28151,7 +28134,7 @@
           </a:ln>
           <a:extLst>
             <a:ext uri="{C572A759-6A51-4108-AA02-DFA0A04FC94B}">
-              <ma14:wrappingTextBoxFlag xmlns:ma14="http://schemas.microsoft.com/office/mac/drawingml/2011/main" xmlns="" val="1"/>
+              <ma14:wrappingTextBoxFlag xmlns:ma14="http://schemas.microsoft.com/office/mac/drawingml/2011/main" val="1"/>
             </a:ext>
           </a:extLst>
         </p:spPr>
@@ -28691,81 +28674,6 @@
       </p:sp>
       <p:sp>
         <p:nvSpPr>
-          <p:cNvPr id="141" name="TextBox 140"/>
-          <p:cNvSpPr txBox="1"/>
-          <p:nvPr/>
-        </p:nvSpPr>
-        <p:spPr>
-          <a:xfrm>
-            <a:off x="8428028" y="3602945"/>
-            <a:ext cx="1211956" cy="264013"/>
-          </a:xfrm>
-          <a:prstGeom prst="rect">
-            <a:avLst/>
-          </a:prstGeom>
-          <a:noFill/>
-          <a:ln w="3175" cap="flat">
-            <a:noFill/>
-            <a:miter lim="400000"/>
-          </a:ln>
-          <a:effectLst/>
-        </p:spPr>
-        <p:style>
-          <a:lnRef idx="0">
-            <a:scrgbClr r="0" g="0" b="0"/>
-          </a:lnRef>
-          <a:fillRef idx="0">
-            <a:scrgbClr r="0" g="0" b="0"/>
-          </a:fillRef>
-          <a:effectRef idx="0">
-            <a:scrgbClr r="0" g="0" b="0"/>
-          </a:effectRef>
-          <a:fontRef idx="none"/>
-        </p:style>
-        <p:txBody>
-          <a:bodyPr rot="0" spcFirstLastPara="1" vertOverflow="overflow" horzOverflow="overflow" vert="horz" wrap="square" lIns="39290" tIns="39290" rIns="39290" bIns="39290" numCol="1" spcCol="38100" rtlCol="0" anchor="ctr">
-            <a:spAutoFit/>
-          </a:bodyPr>
-          <a:lstStyle/>
-          <a:p>
-            <a:pPr marL="0" marR="0" indent="0" defTabSz="584200" rtl="0" fontAlgn="auto" latinLnBrk="1" hangingPunct="0">
-              <a:lnSpc>
-                <a:spcPct val="100000"/>
-              </a:lnSpc>
-              <a:spcBef>
-                <a:spcPts val="0"/>
-              </a:spcBef>
-              <a:spcAft>
-                <a:spcPts val="0"/>
-              </a:spcAft>
-              <a:buClrTx/>
-              <a:buSzTx/>
-              <a:buFontTx/>
-              <a:buNone/>
-              <a:tabLst/>
-            </a:pPr>
-            <a:r>
-              <a:rPr kumimoji="0" lang="en-US" sz="1200" b="0" i="0" u="none" strike="noStrike" cap="none" spc="0" normalizeH="0" baseline="0" dirty="0">
-                <a:ln>
-                  <a:noFill/>
-                </a:ln>
-                <a:solidFill>
-                  <a:srgbClr val="000000"/>
-                </a:solidFill>
-                <a:effectLst/>
-                <a:uFillTx/>
-                <a:latin typeface="Arial"/>
-                <a:ea typeface="+mn-ea"/>
-                <a:cs typeface="Arial"/>
-                <a:sym typeface="Helvetica Light"/>
-              </a:rPr>
-              <a:t>Docker</a:t>
-            </a:r>
-          </a:p>
-        </p:txBody>
-      </p:sp>
-      <p:sp>
-        <p:nvSpPr>
           <p:cNvPr id="23" name="Shape 65"/>
           <p:cNvSpPr/>
           <p:nvPr/>
@@ -28783,7 +28691,7 @@
           </a:ln>
           <a:extLst>
             <a:ext uri="{C572A759-6A51-4108-AA02-DFA0A04FC94B}">
-              <ma14:wrappingTextBoxFlag xmlns:ma14="http://schemas.microsoft.com/office/mac/drawingml/2011/main" xmlns="" val="1"/>
+              <ma14:wrappingTextBoxFlag xmlns:ma14="http://schemas.microsoft.com/office/mac/drawingml/2011/main" val="1"/>
             </a:ext>
           </a:extLst>
         </p:spPr>
@@ -29067,7 +28975,7 @@
           </a:ln>
           <a:extLst>
             <a:ext uri="{C572A759-6A51-4108-AA02-DFA0A04FC94B}">
-              <ma14:wrappingTextBoxFlag xmlns:ma14="http://schemas.microsoft.com/office/mac/drawingml/2011/main" xmlns="" val="1"/>
+              <ma14:wrappingTextBoxFlag xmlns:ma14="http://schemas.microsoft.com/office/mac/drawingml/2011/main" val="1"/>
             </a:ext>
           </a:extLst>
         </p:spPr>
@@ -29209,7 +29117,7 @@
           </a:ln>
           <a:extLst>
             <a:ext uri="{C572A759-6A51-4108-AA02-DFA0A04FC94B}">
-              <ma14:wrappingTextBoxFlag xmlns:ma14="http://schemas.microsoft.com/office/mac/drawingml/2011/main" xmlns="" val="1"/>
+              <ma14:wrappingTextBoxFlag xmlns:ma14="http://schemas.microsoft.com/office/mac/drawingml/2011/main" val="1"/>
             </a:ext>
           </a:extLst>
         </p:spPr>
@@ -29385,7 +29293,7 @@
           </a:ln>
           <a:extLst>
             <a:ext uri="{C572A759-6A51-4108-AA02-DFA0A04FC94B}">
-              <ma14:wrappingTextBoxFlag xmlns:ma14="http://schemas.microsoft.com/office/mac/drawingml/2011/main" xmlns="" val="1"/>
+              <ma14:wrappingTextBoxFlag xmlns:ma14="http://schemas.microsoft.com/office/mac/drawingml/2011/main" val="1"/>
             </a:ext>
           </a:extLst>
         </p:spPr>
@@ -29488,7 +29396,7 @@
           </a:ln>
           <a:extLst>
             <a:ext uri="{C572A759-6A51-4108-AA02-DFA0A04FC94B}">
-              <ma14:wrappingTextBoxFlag xmlns:ma14="http://schemas.microsoft.com/office/mac/drawingml/2011/main" xmlns="" val="1"/>
+              <ma14:wrappingTextBoxFlag xmlns:ma14="http://schemas.microsoft.com/office/mac/drawingml/2011/main" val="1"/>
             </a:ext>
           </a:extLst>
         </p:spPr>
@@ -29605,7 +29513,7 @@
           <p:nvPr/>
         </p:nvPicPr>
         <p:blipFill>
-          <a:blip r:embed="rId13"/>
+          <a:blip r:embed="rId12"/>
           <a:stretch>
             <a:fillRect/>
           </a:stretch>
@@ -30122,7 +30030,7 @@
           <p:nvPr/>
         </p:nvPicPr>
         <p:blipFill>
-          <a:blip r:embed="rId14"/>
+          <a:blip r:embed="rId13"/>
           <a:stretch>
             <a:fillRect/>
           </a:stretch>
@@ -30146,7 +30054,7 @@
           <p:nvPr/>
         </p:nvPicPr>
         <p:blipFill>
-          <a:blip r:embed="rId15"/>
+          <a:blip r:embed="rId14"/>
           <a:stretch>
             <a:fillRect/>
           </a:stretch>
@@ -30170,6 +30078,112 @@
           <p:nvPr/>
         </p:nvPicPr>
         <p:blipFill>
+          <a:blip r:embed="rId14"/>
+          <a:stretch>
+            <a:fillRect/>
+          </a:stretch>
+        </p:blipFill>
+        <p:spPr>
+          <a:xfrm>
+            <a:off x="3844321" y="5459821"/>
+            <a:ext cx="618125" cy="769222"/>
+          </a:xfrm>
+          <a:prstGeom prst="rect">
+            <a:avLst/>
+          </a:prstGeom>
+        </p:spPr>
+      </p:pic>
+      <p:sp>
+        <p:nvSpPr>
+          <p:cNvPr id="70" name="TextBox 69"/>
+          <p:cNvSpPr txBox="1"/>
+          <p:nvPr/>
+        </p:nvSpPr>
+        <p:spPr>
+          <a:xfrm>
+            <a:off x="8428028" y="3602945"/>
+            <a:ext cx="1211956" cy="264013"/>
+          </a:xfrm>
+          <a:prstGeom prst="rect">
+            <a:avLst/>
+          </a:prstGeom>
+          <a:noFill/>
+          <a:ln w="3175" cap="flat">
+            <a:noFill/>
+            <a:miter lim="400000"/>
+          </a:ln>
+          <a:effectLst/>
+        </p:spPr>
+        <p:style>
+          <a:lnRef idx="0">
+            <a:scrgbClr r="0" g="0" b="0"/>
+          </a:lnRef>
+          <a:fillRef idx="0">
+            <a:scrgbClr r="0" g="0" b="0"/>
+          </a:fillRef>
+          <a:effectRef idx="0">
+            <a:scrgbClr r="0" g="0" b="0"/>
+          </a:effectRef>
+          <a:fontRef idx="none"/>
+        </p:style>
+        <p:txBody>
+          <a:bodyPr rot="0" spcFirstLastPara="1" vertOverflow="overflow" horzOverflow="overflow" vert="horz" wrap="square" lIns="39290" tIns="39290" rIns="39290" bIns="39290" numCol="1" spcCol="38100" rtlCol="0" anchor="ctr">
+            <a:spAutoFit/>
+          </a:bodyPr>
+          <a:lstStyle/>
+          <a:p>
+            <a:pPr marL="0" marR="0" indent="0" defTabSz="584200" rtl="0" fontAlgn="auto" latinLnBrk="1" hangingPunct="0">
+              <a:lnSpc>
+                <a:spcPct val="100000"/>
+              </a:lnSpc>
+              <a:spcBef>
+                <a:spcPts val="0"/>
+              </a:spcBef>
+              <a:spcAft>
+                <a:spcPts val="0"/>
+              </a:spcAft>
+              <a:buClrTx/>
+              <a:buSzTx/>
+              <a:buFontTx/>
+              <a:buNone/>
+              <a:tabLst/>
+            </a:pPr>
+            <a:r>
+              <a:rPr lang="en-US" sz="1200" dirty="0" smtClean="0">
+                <a:solidFill>
+                  <a:srgbClr val="000000"/>
+                </a:solidFill>
+                <a:latin typeface="Arial"/>
+                <a:cs typeface="Arial"/>
+              </a:rPr>
+              <a:t>Node.js</a:t>
+            </a:r>
+            <a:endParaRPr kumimoji="0" lang="en-US" sz="1200" b="0" i="0" u="none" strike="noStrike" cap="none" spc="0" normalizeH="0" baseline="0" dirty="0">
+              <a:ln>
+                <a:noFill/>
+              </a:ln>
+              <a:solidFill>
+                <a:srgbClr val="000000"/>
+              </a:solidFill>
+              <a:effectLst/>
+              <a:uFillTx/>
+              <a:latin typeface="Arial"/>
+              <a:ea typeface="+mn-ea"/>
+              <a:cs typeface="Arial"/>
+              <a:sym typeface="Helvetica Light"/>
+            </a:endParaRPr>
+          </a:p>
+        </p:txBody>
+      </p:sp>
+      <p:pic>
+        <p:nvPicPr>
+          <p:cNvPr id="71" name="Picture 70"/>
+          <p:cNvPicPr>
+            <a:picLocks noChangeAspect="1"/>
+          </p:cNvPicPr>
+          <p:nvPr/>
+        </p:nvPicPr>
+        <p:blipFill>
           <a:blip r:embed="rId15"/>
           <a:stretch>
             <a:fillRect/>
@@ -30177,8 +30191,8 @@
         </p:blipFill>
         <p:spPr>
           <a:xfrm>
-            <a:off x="3844321" y="5459821"/>
-            <a:ext cx="618125" cy="769222"/>
+            <a:off x="8482428" y="2984011"/>
+            <a:ext cx="1047556" cy="640755"/>
           </a:xfrm>
           <a:prstGeom prst="rect">
             <a:avLst/>
@@ -30195,7 +30209,7 @@
   <p:clrMapOvr>
     <a:masterClrMapping/>
   </p:clrMapOvr>
-  <p:transition spd="med"/>
+  <p:transition xmlns:p14="http://schemas.microsoft.com/office/powerpoint/2010/main" spd="med"/>
 </p:sld>
 </file>
 
@@ -30282,7 +30296,7 @@
             <a:effectLst/>
             <a:extLst>
               <a:ext uri="{C572A759-6A51-4108-AA02-DFA0A04FC94B}">
-                <ma14:wrappingTextBoxFlag xmlns:ma14="http://schemas.microsoft.com/office/mac/drawingml/2011/main" xmlns="" val="1"/>
+                <ma14:wrappingTextBoxFlag xmlns:ma14="http://schemas.microsoft.com/office/mac/drawingml/2011/main" val="1"/>
               </a:ext>
             </a:extLst>
           </p:spPr>
@@ -30356,7 +30370,7 @@
           <p:cNvPr id="34" name="Group 33">
             <a:extLst>
               <a:ext uri="{FF2B5EF4-FFF2-40B4-BE49-F238E27FC236}">
-                <a16:creationId xmlns:a16="http://schemas.microsoft.com/office/drawing/2014/main" id="{5938EDDB-B2B2-6642-9D20-6D7C5F9FED31}"/>
+                <a16:creationId xmlns:a16="http://schemas.microsoft.com/office/drawing/2014/main" xmlns="" id="{5938EDDB-B2B2-6642-9D20-6D7C5F9FED31}"/>
               </a:ext>
             </a:extLst>
           </p:cNvPr>
@@ -30376,7 +30390,7 @@
             <p:cNvPr id="35" name="Group 34">
               <a:extLst>
                 <a:ext uri="{FF2B5EF4-FFF2-40B4-BE49-F238E27FC236}">
-                  <a16:creationId xmlns:a16="http://schemas.microsoft.com/office/drawing/2014/main" id="{3527AD53-90A2-7D45-A4B7-509C2FD1C32F}"/>
+                  <a16:creationId xmlns:a16="http://schemas.microsoft.com/office/drawing/2014/main" xmlns="" id="{3527AD53-90A2-7D45-A4B7-509C2FD1C32F}"/>
                 </a:ext>
               </a:extLst>
             </p:cNvPr>
@@ -30396,7 +30410,7 @@
               <p:cNvPr id="37" name="Oval 36">
                 <a:extLst>
                   <a:ext uri="{FF2B5EF4-FFF2-40B4-BE49-F238E27FC236}">
-                    <a16:creationId xmlns:a16="http://schemas.microsoft.com/office/drawing/2014/main" id="{38BE8895-77F2-3F48-BDC0-E7E0559BA7AD}"/>
+                    <a16:creationId xmlns:a16="http://schemas.microsoft.com/office/drawing/2014/main" xmlns="" id="{38BE8895-77F2-3F48-BDC0-E7E0559BA7AD}"/>
                   </a:ext>
                 </a:extLst>
               </p:cNvPr>
@@ -30452,7 +30466,7 @@
               <p:cNvPr id="38" name="Picture 37">
                 <a:extLst>
                   <a:ext uri="{FF2B5EF4-FFF2-40B4-BE49-F238E27FC236}">
-                    <a16:creationId xmlns:a16="http://schemas.microsoft.com/office/drawing/2014/main" id="{1E774A8B-C5DB-534E-8EE3-5D936B2F1BDA}"/>
+                    <a16:creationId xmlns:a16="http://schemas.microsoft.com/office/drawing/2014/main" xmlns="" id="{1E774A8B-C5DB-534E-8EE3-5D936B2F1BDA}"/>
                   </a:ext>
                 </a:extLst>
               </p:cNvPr>
@@ -30489,7 +30503,7 @@
             <p:cNvPr id="36" name="Shape 576">
               <a:extLst>
                 <a:ext uri="{FF2B5EF4-FFF2-40B4-BE49-F238E27FC236}">
-                  <a16:creationId xmlns:a16="http://schemas.microsoft.com/office/drawing/2014/main" id="{8D66F62C-0857-0C4E-B8A3-3F8DBC721692}"/>
+                  <a16:creationId xmlns:a16="http://schemas.microsoft.com/office/drawing/2014/main" xmlns="" id="{8D66F62C-0857-0C4E-B8A3-3F8DBC721692}"/>
                 </a:ext>
               </a:extLst>
             </p:cNvPr>
@@ -30509,7 +30523,7 @@
             </a:ln>
             <a:extLst>
               <a:ext uri="{C572A759-6A51-4108-AA02-DFA0A04FC94B}">
-                <ma14:wrappingTextBoxFlag xmlns:ma14="http://schemas.microsoft.com/office/mac/drawingml/2011/main" xmlns="" val="1"/>
+                <ma14:wrappingTextBoxFlag xmlns:ma14="http://schemas.microsoft.com/office/mac/drawingml/2011/main" val="1"/>
               </a:ext>
             </a:extLst>
           </p:spPr>
@@ -30660,7 +30674,7 @@
             </a:ln>
             <a:extLst>
               <a:ext uri="{C572A759-6A51-4108-AA02-DFA0A04FC94B}">
-                <ma14:wrappingTextBoxFlag xmlns:ma14="http://schemas.microsoft.com/office/mac/drawingml/2011/main" xmlns="" val="1"/>
+                <ma14:wrappingTextBoxFlag xmlns:ma14="http://schemas.microsoft.com/office/mac/drawingml/2011/main" val="1"/>
               </a:ext>
             </a:extLst>
           </p:spPr>
@@ -30724,7 +30738,7 @@
           <p:cNvPr id="43" name="Group 42">
             <a:extLst>
               <a:ext uri="{FF2B5EF4-FFF2-40B4-BE49-F238E27FC236}">
-                <a16:creationId xmlns:a16="http://schemas.microsoft.com/office/drawing/2014/main" id="{414AC93B-86D8-5345-93C9-AD53BB74E355}"/>
+                <a16:creationId xmlns:a16="http://schemas.microsoft.com/office/drawing/2014/main" xmlns="" id="{414AC93B-86D8-5345-93C9-AD53BB74E355}"/>
               </a:ext>
             </a:extLst>
           </p:cNvPr>
@@ -30744,7 +30758,7 @@
             <p:cNvPr id="44" name="Shape 576">
               <a:extLst>
                 <a:ext uri="{FF2B5EF4-FFF2-40B4-BE49-F238E27FC236}">
-                  <a16:creationId xmlns:a16="http://schemas.microsoft.com/office/drawing/2014/main" id="{B830E1BD-415C-1647-B429-63A4B5950908}"/>
+                  <a16:creationId xmlns:a16="http://schemas.microsoft.com/office/drawing/2014/main" xmlns="" id="{B830E1BD-415C-1647-B429-63A4B5950908}"/>
                 </a:ext>
               </a:extLst>
             </p:cNvPr>
@@ -30764,7 +30778,7 @@
             </a:ln>
             <a:extLst>
               <a:ext uri="{C572A759-6A51-4108-AA02-DFA0A04FC94B}">
-                <ma14:wrappingTextBoxFlag xmlns:ma14="http://schemas.microsoft.com/office/mac/drawingml/2011/main" xmlns="" val="1"/>
+                <ma14:wrappingTextBoxFlag xmlns:ma14="http://schemas.microsoft.com/office/mac/drawingml/2011/main" val="1"/>
               </a:ext>
             </a:extLst>
           </p:spPr>
@@ -30801,7 +30815,7 @@
             <p:cNvPr id="45" name="Group 44">
               <a:extLst>
                 <a:ext uri="{FF2B5EF4-FFF2-40B4-BE49-F238E27FC236}">
-                  <a16:creationId xmlns:a16="http://schemas.microsoft.com/office/drawing/2014/main" id="{58675086-411D-5640-BC91-9D51D514E9D5}"/>
+                  <a16:creationId xmlns:a16="http://schemas.microsoft.com/office/drawing/2014/main" xmlns="" id="{58675086-411D-5640-BC91-9D51D514E9D5}"/>
                 </a:ext>
               </a:extLst>
             </p:cNvPr>
@@ -30821,7 +30835,7 @@
               <p:cNvPr id="46" name="Oval 45">
                 <a:extLst>
                   <a:ext uri="{FF2B5EF4-FFF2-40B4-BE49-F238E27FC236}">
-                    <a16:creationId xmlns:a16="http://schemas.microsoft.com/office/drawing/2014/main" id="{D2571F00-6E2C-1248-B833-819BA9F96071}"/>
+                    <a16:creationId xmlns:a16="http://schemas.microsoft.com/office/drawing/2014/main" xmlns="" id="{D2571F00-6E2C-1248-B833-819BA9F96071}"/>
                   </a:ext>
                 </a:extLst>
               </p:cNvPr>
@@ -30877,7 +30891,7 @@
               <p:cNvPr id="47" name="Picture 46">
                 <a:extLst>
                   <a:ext uri="{FF2B5EF4-FFF2-40B4-BE49-F238E27FC236}">
-                    <a16:creationId xmlns:a16="http://schemas.microsoft.com/office/drawing/2014/main" id="{EC8979B1-1A53-464F-82E9-1858F6AE5E53}"/>
+                    <a16:creationId xmlns:a16="http://schemas.microsoft.com/office/drawing/2014/main" xmlns="" id="{EC8979B1-1A53-464F-82E9-1858F6AE5E53}"/>
                   </a:ext>
                 </a:extLst>
               </p:cNvPr>
@@ -30915,7 +30929,7 @@
           <p:cNvPr id="48" name="Group 47">
             <a:extLst>
               <a:ext uri="{FF2B5EF4-FFF2-40B4-BE49-F238E27FC236}">
-                <a16:creationId xmlns:a16="http://schemas.microsoft.com/office/drawing/2014/main" id="{5938EDDB-B2B2-6642-9D20-6D7C5F9FED31}"/>
+                <a16:creationId xmlns:a16="http://schemas.microsoft.com/office/drawing/2014/main" xmlns="" id="{5938EDDB-B2B2-6642-9D20-6D7C5F9FED31}"/>
               </a:ext>
             </a:extLst>
           </p:cNvPr>
@@ -30935,7 +30949,7 @@
             <p:cNvPr id="49" name="Group 48">
               <a:extLst>
                 <a:ext uri="{FF2B5EF4-FFF2-40B4-BE49-F238E27FC236}">
-                  <a16:creationId xmlns:a16="http://schemas.microsoft.com/office/drawing/2014/main" id="{3527AD53-90A2-7D45-A4B7-509C2FD1C32F}"/>
+                  <a16:creationId xmlns:a16="http://schemas.microsoft.com/office/drawing/2014/main" xmlns="" id="{3527AD53-90A2-7D45-A4B7-509C2FD1C32F}"/>
                 </a:ext>
               </a:extLst>
             </p:cNvPr>
@@ -30955,7 +30969,7 @@
               <p:cNvPr id="51" name="Oval 50">
                 <a:extLst>
                   <a:ext uri="{FF2B5EF4-FFF2-40B4-BE49-F238E27FC236}">
-                    <a16:creationId xmlns:a16="http://schemas.microsoft.com/office/drawing/2014/main" id="{38BE8895-77F2-3F48-BDC0-E7E0559BA7AD}"/>
+                    <a16:creationId xmlns:a16="http://schemas.microsoft.com/office/drawing/2014/main" xmlns="" id="{38BE8895-77F2-3F48-BDC0-E7E0559BA7AD}"/>
                   </a:ext>
                 </a:extLst>
               </p:cNvPr>
@@ -31011,7 +31025,7 @@
               <p:cNvPr id="52" name="Picture 51">
                 <a:extLst>
                   <a:ext uri="{FF2B5EF4-FFF2-40B4-BE49-F238E27FC236}">
-                    <a16:creationId xmlns:a16="http://schemas.microsoft.com/office/drawing/2014/main" id="{1E774A8B-C5DB-534E-8EE3-5D936B2F1BDA}"/>
+                    <a16:creationId xmlns:a16="http://schemas.microsoft.com/office/drawing/2014/main" xmlns="" id="{1E774A8B-C5DB-534E-8EE3-5D936B2F1BDA}"/>
                   </a:ext>
                 </a:extLst>
               </p:cNvPr>
@@ -31048,7 +31062,7 @@
             <p:cNvPr id="50" name="Shape 576">
               <a:extLst>
                 <a:ext uri="{FF2B5EF4-FFF2-40B4-BE49-F238E27FC236}">
-                  <a16:creationId xmlns:a16="http://schemas.microsoft.com/office/drawing/2014/main" id="{8D66F62C-0857-0C4E-B8A3-3F8DBC721692}"/>
+                  <a16:creationId xmlns:a16="http://schemas.microsoft.com/office/drawing/2014/main" xmlns="" id="{8D66F62C-0857-0C4E-B8A3-3F8DBC721692}"/>
                 </a:ext>
               </a:extLst>
             </p:cNvPr>
@@ -31068,7 +31082,7 @@
             </a:ln>
             <a:extLst>
               <a:ext uri="{C572A759-6A51-4108-AA02-DFA0A04FC94B}">
-                <ma14:wrappingTextBoxFlag xmlns:ma14="http://schemas.microsoft.com/office/mac/drawingml/2011/main" xmlns="" val="1"/>
+                <ma14:wrappingTextBoxFlag xmlns:ma14="http://schemas.microsoft.com/office/mac/drawingml/2011/main" val="1"/>
               </a:ext>
             </a:extLst>
           </p:spPr>
@@ -31669,7 +31683,7 @@
             <a:effectLst/>
             <a:extLst>
               <a:ext uri="{C572A759-6A51-4108-AA02-DFA0A04FC94B}">
-                <ma14:wrappingTextBoxFlag xmlns:ma14="http://schemas.microsoft.com/office/mac/drawingml/2011/main" xmlns="" val="1"/>
+                <ma14:wrappingTextBoxFlag xmlns:ma14="http://schemas.microsoft.com/office/mac/drawingml/2011/main" val="1"/>
               </a:ext>
             </a:extLst>
           </p:spPr>
@@ -31821,7 +31835,7 @@
             <a:effectLst/>
             <a:extLst>
               <a:ext uri="{C572A759-6A51-4108-AA02-DFA0A04FC94B}">
-                <ma14:wrappingTextBoxFlag xmlns:ma14="http://schemas.microsoft.com/office/mac/drawingml/2011/main" xmlns="" val="1"/>
+                <ma14:wrappingTextBoxFlag xmlns:ma14="http://schemas.microsoft.com/office/mac/drawingml/2011/main" val="1"/>
               </a:ext>
             </a:extLst>
           </p:spPr>
@@ -31929,7 +31943,7 @@
           <a:effectLst/>
           <a:extLst>
             <a:ext uri="{C572A759-6A51-4108-AA02-DFA0A04FC94B}">
-              <ma14:wrappingTextBoxFlag xmlns:ma14="http://schemas.microsoft.com/office/mac/drawingml/2011/main" xmlns="" val="1"/>
+              <ma14:wrappingTextBoxFlag xmlns:ma14="http://schemas.microsoft.com/office/mac/drawingml/2011/main" val="1"/>
             </a:ext>
           </a:extLst>
         </p:spPr>
@@ -32129,7 +32143,7 @@
           <p:cNvPr id="170" name="Group 169">
             <a:extLst>
               <a:ext uri="{FF2B5EF4-FFF2-40B4-BE49-F238E27FC236}">
-                <a16:creationId xmlns:a16="http://schemas.microsoft.com/office/drawing/2014/main" id="{5938EDDB-B2B2-6642-9D20-6D7C5F9FED31}"/>
+                <a16:creationId xmlns:a16="http://schemas.microsoft.com/office/drawing/2014/main" xmlns="" id="{5938EDDB-B2B2-6642-9D20-6D7C5F9FED31}"/>
               </a:ext>
             </a:extLst>
           </p:cNvPr>
@@ -32149,7 +32163,7 @@
             <p:cNvPr id="171" name="Group 170">
               <a:extLst>
                 <a:ext uri="{FF2B5EF4-FFF2-40B4-BE49-F238E27FC236}">
-                  <a16:creationId xmlns:a16="http://schemas.microsoft.com/office/drawing/2014/main" id="{3527AD53-90A2-7D45-A4B7-509C2FD1C32F}"/>
+                  <a16:creationId xmlns:a16="http://schemas.microsoft.com/office/drawing/2014/main" xmlns="" id="{3527AD53-90A2-7D45-A4B7-509C2FD1C32F}"/>
                 </a:ext>
               </a:extLst>
             </p:cNvPr>
@@ -32169,7 +32183,7 @@
               <p:cNvPr id="173" name="Oval 172">
                 <a:extLst>
                   <a:ext uri="{FF2B5EF4-FFF2-40B4-BE49-F238E27FC236}">
-                    <a16:creationId xmlns:a16="http://schemas.microsoft.com/office/drawing/2014/main" id="{38BE8895-77F2-3F48-BDC0-E7E0559BA7AD}"/>
+                    <a16:creationId xmlns:a16="http://schemas.microsoft.com/office/drawing/2014/main" xmlns="" id="{38BE8895-77F2-3F48-BDC0-E7E0559BA7AD}"/>
                   </a:ext>
                 </a:extLst>
               </p:cNvPr>
@@ -32225,7 +32239,7 @@
               <p:cNvPr id="174" name="Picture 173">
                 <a:extLst>
                   <a:ext uri="{FF2B5EF4-FFF2-40B4-BE49-F238E27FC236}">
-                    <a16:creationId xmlns:a16="http://schemas.microsoft.com/office/drawing/2014/main" id="{1E774A8B-C5DB-534E-8EE3-5D936B2F1BDA}"/>
+                    <a16:creationId xmlns:a16="http://schemas.microsoft.com/office/drawing/2014/main" xmlns="" id="{1E774A8B-C5DB-534E-8EE3-5D936B2F1BDA}"/>
                   </a:ext>
                 </a:extLst>
               </p:cNvPr>
@@ -32262,7 +32276,7 @@
             <p:cNvPr id="172" name="Shape 576">
               <a:extLst>
                 <a:ext uri="{FF2B5EF4-FFF2-40B4-BE49-F238E27FC236}">
-                  <a16:creationId xmlns:a16="http://schemas.microsoft.com/office/drawing/2014/main" id="{8D66F62C-0857-0C4E-B8A3-3F8DBC721692}"/>
+                  <a16:creationId xmlns:a16="http://schemas.microsoft.com/office/drawing/2014/main" xmlns="" id="{8D66F62C-0857-0C4E-B8A3-3F8DBC721692}"/>
                 </a:ext>
               </a:extLst>
             </p:cNvPr>
@@ -32282,7 +32296,7 @@
             </a:ln>
             <a:extLst>
               <a:ext uri="{C572A759-6A51-4108-AA02-DFA0A04FC94B}">
-                <ma14:wrappingTextBoxFlag xmlns:ma14="http://schemas.microsoft.com/office/mac/drawingml/2011/main" xmlns="" val="1"/>
+                <ma14:wrappingTextBoxFlag xmlns:ma14="http://schemas.microsoft.com/office/mac/drawingml/2011/main" val="1"/>
               </a:ext>
             </a:extLst>
           </p:spPr>
@@ -32361,7 +32375,7 @@
           <p:cNvPr id="177" name="Group 176">
             <a:extLst>
               <a:ext uri="{FF2B5EF4-FFF2-40B4-BE49-F238E27FC236}">
-                <a16:creationId xmlns:a16="http://schemas.microsoft.com/office/drawing/2014/main" id="{5938EDDB-B2B2-6642-9D20-6D7C5F9FED31}"/>
+                <a16:creationId xmlns:a16="http://schemas.microsoft.com/office/drawing/2014/main" xmlns="" id="{5938EDDB-B2B2-6642-9D20-6D7C5F9FED31}"/>
               </a:ext>
             </a:extLst>
           </p:cNvPr>
@@ -32381,7 +32395,7 @@
             <p:cNvPr id="178" name="Group 177">
               <a:extLst>
                 <a:ext uri="{FF2B5EF4-FFF2-40B4-BE49-F238E27FC236}">
-                  <a16:creationId xmlns:a16="http://schemas.microsoft.com/office/drawing/2014/main" id="{3527AD53-90A2-7D45-A4B7-509C2FD1C32F}"/>
+                  <a16:creationId xmlns:a16="http://schemas.microsoft.com/office/drawing/2014/main" xmlns="" id="{3527AD53-90A2-7D45-A4B7-509C2FD1C32F}"/>
                 </a:ext>
               </a:extLst>
             </p:cNvPr>
@@ -32401,7 +32415,7 @@
               <p:cNvPr id="180" name="Oval 179">
                 <a:extLst>
                   <a:ext uri="{FF2B5EF4-FFF2-40B4-BE49-F238E27FC236}">
-                    <a16:creationId xmlns:a16="http://schemas.microsoft.com/office/drawing/2014/main" id="{38BE8895-77F2-3F48-BDC0-E7E0559BA7AD}"/>
+                    <a16:creationId xmlns:a16="http://schemas.microsoft.com/office/drawing/2014/main" xmlns="" id="{38BE8895-77F2-3F48-BDC0-E7E0559BA7AD}"/>
                   </a:ext>
                 </a:extLst>
               </p:cNvPr>
@@ -32457,7 +32471,7 @@
               <p:cNvPr id="181" name="Picture 180">
                 <a:extLst>
                   <a:ext uri="{FF2B5EF4-FFF2-40B4-BE49-F238E27FC236}">
-                    <a16:creationId xmlns:a16="http://schemas.microsoft.com/office/drawing/2014/main" id="{1E774A8B-C5DB-534E-8EE3-5D936B2F1BDA}"/>
+                    <a16:creationId xmlns:a16="http://schemas.microsoft.com/office/drawing/2014/main" xmlns="" id="{1E774A8B-C5DB-534E-8EE3-5D936B2F1BDA}"/>
                   </a:ext>
                 </a:extLst>
               </p:cNvPr>
@@ -32494,7 +32508,7 @@
             <p:cNvPr id="179" name="Shape 576">
               <a:extLst>
                 <a:ext uri="{FF2B5EF4-FFF2-40B4-BE49-F238E27FC236}">
-                  <a16:creationId xmlns:a16="http://schemas.microsoft.com/office/drawing/2014/main" id="{8D66F62C-0857-0C4E-B8A3-3F8DBC721692}"/>
+                  <a16:creationId xmlns:a16="http://schemas.microsoft.com/office/drawing/2014/main" xmlns="" id="{8D66F62C-0857-0C4E-B8A3-3F8DBC721692}"/>
                 </a:ext>
               </a:extLst>
             </p:cNvPr>
@@ -32514,7 +32528,7 @@
             </a:ln>
             <a:extLst>
               <a:ext uri="{C572A759-6A51-4108-AA02-DFA0A04FC94B}">
-                <ma14:wrappingTextBoxFlag xmlns:ma14="http://schemas.microsoft.com/office/mac/drawingml/2011/main" xmlns="" val="1"/>
+                <ma14:wrappingTextBoxFlag xmlns:ma14="http://schemas.microsoft.com/office/mac/drawingml/2011/main" val="1"/>
               </a:ext>
             </a:extLst>
           </p:spPr>
@@ -32761,7 +32775,7 @@
           </a:ln>
           <a:extLst>
             <a:ext uri="{C572A759-6A51-4108-AA02-DFA0A04FC94B}">
-              <ma14:wrappingTextBoxFlag xmlns:ma14="http://schemas.microsoft.com/office/mac/drawingml/2011/main" xmlns="" val="1"/>
+              <ma14:wrappingTextBoxFlag xmlns:ma14="http://schemas.microsoft.com/office/mac/drawingml/2011/main" val="1"/>
             </a:ext>
           </a:extLst>
         </p:spPr>
@@ -32829,7 +32843,7 @@
           </a:ln>
           <a:extLst>
             <a:ext uri="{C572A759-6A51-4108-AA02-DFA0A04FC94B}">
-              <ma14:wrappingTextBoxFlag xmlns:ma14="http://schemas.microsoft.com/office/mac/drawingml/2011/main" xmlns="" val="1"/>
+              <ma14:wrappingTextBoxFlag xmlns:ma14="http://schemas.microsoft.com/office/mac/drawingml/2011/main" val="1"/>
             </a:ext>
           </a:extLst>
         </p:spPr>
@@ -33040,7 +33054,7 @@
           <p:cNvPr id="81" name="Group 80">
             <a:extLst>
               <a:ext uri="{FF2B5EF4-FFF2-40B4-BE49-F238E27FC236}">
-                <a16:creationId xmlns:a16="http://schemas.microsoft.com/office/drawing/2014/main" id="{5938EDDB-B2B2-6642-9D20-6D7C5F9FED31}"/>
+                <a16:creationId xmlns:a16="http://schemas.microsoft.com/office/drawing/2014/main" xmlns="" id="{5938EDDB-B2B2-6642-9D20-6D7C5F9FED31}"/>
               </a:ext>
             </a:extLst>
           </p:cNvPr>
@@ -33060,7 +33074,7 @@
             <p:cNvPr id="82" name="Group 81">
               <a:extLst>
                 <a:ext uri="{FF2B5EF4-FFF2-40B4-BE49-F238E27FC236}">
-                  <a16:creationId xmlns:a16="http://schemas.microsoft.com/office/drawing/2014/main" id="{3527AD53-90A2-7D45-A4B7-509C2FD1C32F}"/>
+                  <a16:creationId xmlns:a16="http://schemas.microsoft.com/office/drawing/2014/main" xmlns="" id="{3527AD53-90A2-7D45-A4B7-509C2FD1C32F}"/>
                 </a:ext>
               </a:extLst>
             </p:cNvPr>
@@ -33080,7 +33094,7 @@
               <p:cNvPr id="84" name="Oval 83">
                 <a:extLst>
                   <a:ext uri="{FF2B5EF4-FFF2-40B4-BE49-F238E27FC236}">
-                    <a16:creationId xmlns:a16="http://schemas.microsoft.com/office/drawing/2014/main" id="{38BE8895-77F2-3F48-BDC0-E7E0559BA7AD}"/>
+                    <a16:creationId xmlns:a16="http://schemas.microsoft.com/office/drawing/2014/main" xmlns="" id="{38BE8895-77F2-3F48-BDC0-E7E0559BA7AD}"/>
                   </a:ext>
                 </a:extLst>
               </p:cNvPr>
@@ -33136,7 +33150,7 @@
               <p:cNvPr id="85" name="Picture 84">
                 <a:extLst>
                   <a:ext uri="{FF2B5EF4-FFF2-40B4-BE49-F238E27FC236}">
-                    <a16:creationId xmlns:a16="http://schemas.microsoft.com/office/drawing/2014/main" id="{1E774A8B-C5DB-534E-8EE3-5D936B2F1BDA}"/>
+                    <a16:creationId xmlns:a16="http://schemas.microsoft.com/office/drawing/2014/main" xmlns="" id="{1E774A8B-C5DB-534E-8EE3-5D936B2F1BDA}"/>
                   </a:ext>
                 </a:extLst>
               </p:cNvPr>
@@ -33173,7 +33187,7 @@
             <p:cNvPr id="83" name="Shape 576">
               <a:extLst>
                 <a:ext uri="{FF2B5EF4-FFF2-40B4-BE49-F238E27FC236}">
-                  <a16:creationId xmlns:a16="http://schemas.microsoft.com/office/drawing/2014/main" id="{8D66F62C-0857-0C4E-B8A3-3F8DBC721692}"/>
+                  <a16:creationId xmlns:a16="http://schemas.microsoft.com/office/drawing/2014/main" xmlns="" id="{8D66F62C-0857-0C4E-B8A3-3F8DBC721692}"/>
                 </a:ext>
               </a:extLst>
             </p:cNvPr>
@@ -33193,7 +33207,7 @@
             </a:ln>
             <a:extLst>
               <a:ext uri="{C572A759-6A51-4108-AA02-DFA0A04FC94B}">
-                <ma14:wrappingTextBoxFlag xmlns:ma14="http://schemas.microsoft.com/office/mac/drawingml/2011/main" xmlns="" val="1"/>
+                <ma14:wrappingTextBoxFlag xmlns:ma14="http://schemas.microsoft.com/office/mac/drawingml/2011/main" val="1"/>
               </a:ext>
             </a:extLst>
           </p:spPr>
@@ -33371,7 +33385,7 @@
           <p:cNvPr id="91" name="Shape 488">
             <a:extLst>
               <a:ext uri="{FF2B5EF4-FFF2-40B4-BE49-F238E27FC236}">
-                <a16:creationId xmlns:a16="http://schemas.microsoft.com/office/drawing/2014/main" id="{AF461A76-EF63-EB4C-86A4-1C81FEDE6E02}"/>
+                <a16:creationId xmlns:a16="http://schemas.microsoft.com/office/drawing/2014/main" xmlns="" id="{AF461A76-EF63-EB4C-86A4-1C81FEDE6E02}"/>
               </a:ext>
             </a:extLst>
           </p:cNvPr>
@@ -33394,7 +33408,7 @@
           <a:effectLst/>
           <a:extLst>
             <a:ext uri="{C572A759-6A51-4108-AA02-DFA0A04FC94B}">
-              <ma14:wrappingTextBoxFlag xmlns:ma14="http://schemas.microsoft.com/office/mac/drawingml/2011/main" xmlns="" val="1"/>
+              <ma14:wrappingTextBoxFlag xmlns:ma14="http://schemas.microsoft.com/office/mac/drawingml/2011/main" val="1"/>
             </a:ext>
           </a:extLst>
         </p:spPr>
@@ -33578,7 +33592,7 @@
   <p:clrMapOvr>
     <a:masterClrMapping/>
   </p:clrMapOvr>
-  <p:transition spd="med"/>
+  <p:transition xmlns:p14="http://schemas.microsoft.com/office/powerpoint/2010/main" spd="med"/>
 </p:sld>
 </file>
 
@@ -33665,7 +33679,7 @@
             <a:effectLst/>
             <a:extLst>
               <a:ext uri="{C572A759-6A51-4108-AA02-DFA0A04FC94B}">
-                <ma14:wrappingTextBoxFlag xmlns:ma14="http://schemas.microsoft.com/office/mac/drawingml/2011/main" xmlns="" val="1"/>
+                <ma14:wrappingTextBoxFlag xmlns:ma14="http://schemas.microsoft.com/office/mac/drawingml/2011/main" val="1"/>
               </a:ext>
             </a:extLst>
           </p:spPr>
@@ -33739,7 +33753,7 @@
           <p:cNvPr id="34" name="Group 33">
             <a:extLst>
               <a:ext uri="{FF2B5EF4-FFF2-40B4-BE49-F238E27FC236}">
-                <a16:creationId xmlns:a16="http://schemas.microsoft.com/office/drawing/2014/main" id="{5938EDDB-B2B2-6642-9D20-6D7C5F9FED31}"/>
+                <a16:creationId xmlns:a16="http://schemas.microsoft.com/office/drawing/2014/main" xmlns="" id="{5938EDDB-B2B2-6642-9D20-6D7C5F9FED31}"/>
               </a:ext>
             </a:extLst>
           </p:cNvPr>
@@ -33759,7 +33773,7 @@
             <p:cNvPr id="35" name="Group 34">
               <a:extLst>
                 <a:ext uri="{FF2B5EF4-FFF2-40B4-BE49-F238E27FC236}">
-                  <a16:creationId xmlns:a16="http://schemas.microsoft.com/office/drawing/2014/main" id="{3527AD53-90A2-7D45-A4B7-509C2FD1C32F}"/>
+                  <a16:creationId xmlns:a16="http://schemas.microsoft.com/office/drawing/2014/main" xmlns="" id="{3527AD53-90A2-7D45-A4B7-509C2FD1C32F}"/>
                 </a:ext>
               </a:extLst>
             </p:cNvPr>
@@ -33779,7 +33793,7 @@
               <p:cNvPr id="37" name="Oval 36">
                 <a:extLst>
                   <a:ext uri="{FF2B5EF4-FFF2-40B4-BE49-F238E27FC236}">
-                    <a16:creationId xmlns:a16="http://schemas.microsoft.com/office/drawing/2014/main" id="{38BE8895-77F2-3F48-BDC0-E7E0559BA7AD}"/>
+                    <a16:creationId xmlns:a16="http://schemas.microsoft.com/office/drawing/2014/main" xmlns="" id="{38BE8895-77F2-3F48-BDC0-E7E0559BA7AD}"/>
                   </a:ext>
                 </a:extLst>
               </p:cNvPr>
@@ -33835,7 +33849,7 @@
               <p:cNvPr id="38" name="Picture 37">
                 <a:extLst>
                   <a:ext uri="{FF2B5EF4-FFF2-40B4-BE49-F238E27FC236}">
-                    <a16:creationId xmlns:a16="http://schemas.microsoft.com/office/drawing/2014/main" id="{1E774A8B-C5DB-534E-8EE3-5D936B2F1BDA}"/>
+                    <a16:creationId xmlns:a16="http://schemas.microsoft.com/office/drawing/2014/main" xmlns="" id="{1E774A8B-C5DB-534E-8EE3-5D936B2F1BDA}"/>
                   </a:ext>
                 </a:extLst>
               </p:cNvPr>
@@ -33872,7 +33886,7 @@
             <p:cNvPr id="36" name="Shape 576">
               <a:extLst>
                 <a:ext uri="{FF2B5EF4-FFF2-40B4-BE49-F238E27FC236}">
-                  <a16:creationId xmlns:a16="http://schemas.microsoft.com/office/drawing/2014/main" id="{8D66F62C-0857-0C4E-B8A3-3F8DBC721692}"/>
+                  <a16:creationId xmlns:a16="http://schemas.microsoft.com/office/drawing/2014/main" xmlns="" id="{8D66F62C-0857-0C4E-B8A3-3F8DBC721692}"/>
                 </a:ext>
               </a:extLst>
             </p:cNvPr>
@@ -33892,7 +33906,7 @@
             </a:ln>
             <a:extLst>
               <a:ext uri="{C572A759-6A51-4108-AA02-DFA0A04FC94B}">
-                <ma14:wrappingTextBoxFlag xmlns:ma14="http://schemas.microsoft.com/office/mac/drawingml/2011/main" xmlns="" val="1"/>
+                <ma14:wrappingTextBoxFlag xmlns:ma14="http://schemas.microsoft.com/office/mac/drawingml/2011/main" val="1"/>
               </a:ext>
             </a:extLst>
           </p:spPr>
@@ -34043,7 +34057,7 @@
             </a:ln>
             <a:extLst>
               <a:ext uri="{C572A759-6A51-4108-AA02-DFA0A04FC94B}">
-                <ma14:wrappingTextBoxFlag xmlns:ma14="http://schemas.microsoft.com/office/mac/drawingml/2011/main" xmlns="" val="1"/>
+                <ma14:wrappingTextBoxFlag xmlns:ma14="http://schemas.microsoft.com/office/mac/drawingml/2011/main" val="1"/>
               </a:ext>
             </a:extLst>
           </p:spPr>
@@ -34107,7 +34121,7 @@
           <p:cNvPr id="43" name="Group 42">
             <a:extLst>
               <a:ext uri="{FF2B5EF4-FFF2-40B4-BE49-F238E27FC236}">
-                <a16:creationId xmlns:a16="http://schemas.microsoft.com/office/drawing/2014/main" id="{414AC93B-86D8-5345-93C9-AD53BB74E355}"/>
+                <a16:creationId xmlns:a16="http://schemas.microsoft.com/office/drawing/2014/main" xmlns="" id="{414AC93B-86D8-5345-93C9-AD53BB74E355}"/>
               </a:ext>
             </a:extLst>
           </p:cNvPr>
@@ -34127,7 +34141,7 @@
             <p:cNvPr id="44" name="Shape 576">
               <a:extLst>
                 <a:ext uri="{FF2B5EF4-FFF2-40B4-BE49-F238E27FC236}">
-                  <a16:creationId xmlns:a16="http://schemas.microsoft.com/office/drawing/2014/main" id="{B830E1BD-415C-1647-B429-63A4B5950908}"/>
+                  <a16:creationId xmlns:a16="http://schemas.microsoft.com/office/drawing/2014/main" xmlns="" id="{B830E1BD-415C-1647-B429-63A4B5950908}"/>
                 </a:ext>
               </a:extLst>
             </p:cNvPr>
@@ -34147,7 +34161,7 @@
             </a:ln>
             <a:extLst>
               <a:ext uri="{C572A759-6A51-4108-AA02-DFA0A04FC94B}">
-                <ma14:wrappingTextBoxFlag xmlns:ma14="http://schemas.microsoft.com/office/mac/drawingml/2011/main" xmlns="" val="1"/>
+                <ma14:wrappingTextBoxFlag xmlns:ma14="http://schemas.microsoft.com/office/mac/drawingml/2011/main" val="1"/>
               </a:ext>
             </a:extLst>
           </p:spPr>
@@ -34184,7 +34198,7 @@
             <p:cNvPr id="45" name="Group 44">
               <a:extLst>
                 <a:ext uri="{FF2B5EF4-FFF2-40B4-BE49-F238E27FC236}">
-                  <a16:creationId xmlns:a16="http://schemas.microsoft.com/office/drawing/2014/main" id="{58675086-411D-5640-BC91-9D51D514E9D5}"/>
+                  <a16:creationId xmlns:a16="http://schemas.microsoft.com/office/drawing/2014/main" xmlns="" id="{58675086-411D-5640-BC91-9D51D514E9D5}"/>
                 </a:ext>
               </a:extLst>
             </p:cNvPr>
@@ -34204,7 +34218,7 @@
               <p:cNvPr id="46" name="Oval 45">
                 <a:extLst>
                   <a:ext uri="{FF2B5EF4-FFF2-40B4-BE49-F238E27FC236}">
-                    <a16:creationId xmlns:a16="http://schemas.microsoft.com/office/drawing/2014/main" id="{D2571F00-6E2C-1248-B833-819BA9F96071}"/>
+                    <a16:creationId xmlns:a16="http://schemas.microsoft.com/office/drawing/2014/main" xmlns="" id="{D2571F00-6E2C-1248-B833-819BA9F96071}"/>
                   </a:ext>
                 </a:extLst>
               </p:cNvPr>
@@ -34260,7 +34274,7 @@
               <p:cNvPr id="47" name="Picture 46">
                 <a:extLst>
                   <a:ext uri="{FF2B5EF4-FFF2-40B4-BE49-F238E27FC236}">
-                    <a16:creationId xmlns:a16="http://schemas.microsoft.com/office/drawing/2014/main" id="{EC8979B1-1A53-464F-82E9-1858F6AE5E53}"/>
+                    <a16:creationId xmlns:a16="http://schemas.microsoft.com/office/drawing/2014/main" xmlns="" id="{EC8979B1-1A53-464F-82E9-1858F6AE5E53}"/>
                   </a:ext>
                 </a:extLst>
               </p:cNvPr>
@@ -34298,7 +34312,7 @@
           <p:cNvPr id="48" name="Group 47">
             <a:extLst>
               <a:ext uri="{FF2B5EF4-FFF2-40B4-BE49-F238E27FC236}">
-                <a16:creationId xmlns:a16="http://schemas.microsoft.com/office/drawing/2014/main" id="{5938EDDB-B2B2-6642-9D20-6D7C5F9FED31}"/>
+                <a16:creationId xmlns:a16="http://schemas.microsoft.com/office/drawing/2014/main" xmlns="" id="{5938EDDB-B2B2-6642-9D20-6D7C5F9FED31}"/>
               </a:ext>
             </a:extLst>
           </p:cNvPr>
@@ -34318,7 +34332,7 @@
             <p:cNvPr id="49" name="Group 48">
               <a:extLst>
                 <a:ext uri="{FF2B5EF4-FFF2-40B4-BE49-F238E27FC236}">
-                  <a16:creationId xmlns:a16="http://schemas.microsoft.com/office/drawing/2014/main" id="{3527AD53-90A2-7D45-A4B7-509C2FD1C32F}"/>
+                  <a16:creationId xmlns:a16="http://schemas.microsoft.com/office/drawing/2014/main" xmlns="" id="{3527AD53-90A2-7D45-A4B7-509C2FD1C32F}"/>
                 </a:ext>
               </a:extLst>
             </p:cNvPr>
@@ -34338,7 +34352,7 @@
               <p:cNvPr id="51" name="Oval 50">
                 <a:extLst>
                   <a:ext uri="{FF2B5EF4-FFF2-40B4-BE49-F238E27FC236}">
-                    <a16:creationId xmlns:a16="http://schemas.microsoft.com/office/drawing/2014/main" id="{38BE8895-77F2-3F48-BDC0-E7E0559BA7AD}"/>
+                    <a16:creationId xmlns:a16="http://schemas.microsoft.com/office/drawing/2014/main" xmlns="" id="{38BE8895-77F2-3F48-BDC0-E7E0559BA7AD}"/>
                   </a:ext>
                 </a:extLst>
               </p:cNvPr>
@@ -34394,7 +34408,7 @@
               <p:cNvPr id="52" name="Picture 51">
                 <a:extLst>
                   <a:ext uri="{FF2B5EF4-FFF2-40B4-BE49-F238E27FC236}">
-                    <a16:creationId xmlns:a16="http://schemas.microsoft.com/office/drawing/2014/main" id="{1E774A8B-C5DB-534E-8EE3-5D936B2F1BDA}"/>
+                    <a16:creationId xmlns:a16="http://schemas.microsoft.com/office/drawing/2014/main" xmlns="" id="{1E774A8B-C5DB-534E-8EE3-5D936B2F1BDA}"/>
                   </a:ext>
                 </a:extLst>
               </p:cNvPr>
@@ -34431,7 +34445,7 @@
             <p:cNvPr id="50" name="Shape 576">
               <a:extLst>
                 <a:ext uri="{FF2B5EF4-FFF2-40B4-BE49-F238E27FC236}">
-                  <a16:creationId xmlns:a16="http://schemas.microsoft.com/office/drawing/2014/main" id="{8D66F62C-0857-0C4E-B8A3-3F8DBC721692}"/>
+                  <a16:creationId xmlns:a16="http://schemas.microsoft.com/office/drawing/2014/main" xmlns="" id="{8D66F62C-0857-0C4E-B8A3-3F8DBC721692}"/>
                 </a:ext>
               </a:extLst>
             </p:cNvPr>
@@ -34451,7 +34465,7 @@
             </a:ln>
             <a:extLst>
               <a:ext uri="{C572A759-6A51-4108-AA02-DFA0A04FC94B}">
-                <ma14:wrappingTextBoxFlag xmlns:ma14="http://schemas.microsoft.com/office/mac/drawingml/2011/main" xmlns="" val="1"/>
+                <ma14:wrappingTextBoxFlag xmlns:ma14="http://schemas.microsoft.com/office/mac/drawingml/2011/main" val="1"/>
               </a:ext>
             </a:extLst>
           </p:spPr>
@@ -34977,7 +34991,7 @@
             <a:effectLst/>
             <a:extLst>
               <a:ext uri="{C572A759-6A51-4108-AA02-DFA0A04FC94B}">
-                <ma14:wrappingTextBoxFlag xmlns:ma14="http://schemas.microsoft.com/office/mac/drawingml/2011/main" xmlns="" val="1"/>
+                <ma14:wrappingTextBoxFlag xmlns:ma14="http://schemas.microsoft.com/office/mac/drawingml/2011/main" val="1"/>
               </a:ext>
             </a:extLst>
           </p:spPr>
@@ -35129,7 +35143,7 @@
             <a:effectLst/>
             <a:extLst>
               <a:ext uri="{C572A759-6A51-4108-AA02-DFA0A04FC94B}">
-                <ma14:wrappingTextBoxFlag xmlns:ma14="http://schemas.microsoft.com/office/mac/drawingml/2011/main" xmlns="" val="1"/>
+                <ma14:wrappingTextBoxFlag xmlns:ma14="http://schemas.microsoft.com/office/mac/drawingml/2011/main" val="1"/>
               </a:ext>
             </a:extLst>
           </p:spPr>
@@ -35237,7 +35251,7 @@
           <a:effectLst/>
           <a:extLst>
             <a:ext uri="{C572A759-6A51-4108-AA02-DFA0A04FC94B}">
-              <ma14:wrappingTextBoxFlag xmlns:ma14="http://schemas.microsoft.com/office/mac/drawingml/2011/main" xmlns="" val="1"/>
+              <ma14:wrappingTextBoxFlag xmlns:ma14="http://schemas.microsoft.com/office/mac/drawingml/2011/main" val="1"/>
             </a:ext>
           </a:extLst>
         </p:spPr>
@@ -35437,7 +35451,7 @@
           <p:cNvPr id="170" name="Group 169">
             <a:extLst>
               <a:ext uri="{FF2B5EF4-FFF2-40B4-BE49-F238E27FC236}">
-                <a16:creationId xmlns:a16="http://schemas.microsoft.com/office/drawing/2014/main" id="{5938EDDB-B2B2-6642-9D20-6D7C5F9FED31}"/>
+                <a16:creationId xmlns:a16="http://schemas.microsoft.com/office/drawing/2014/main" xmlns="" id="{5938EDDB-B2B2-6642-9D20-6D7C5F9FED31}"/>
               </a:ext>
             </a:extLst>
           </p:cNvPr>
@@ -35457,7 +35471,7 @@
             <p:cNvPr id="171" name="Group 170">
               <a:extLst>
                 <a:ext uri="{FF2B5EF4-FFF2-40B4-BE49-F238E27FC236}">
-                  <a16:creationId xmlns:a16="http://schemas.microsoft.com/office/drawing/2014/main" id="{3527AD53-90A2-7D45-A4B7-509C2FD1C32F}"/>
+                  <a16:creationId xmlns:a16="http://schemas.microsoft.com/office/drawing/2014/main" xmlns="" id="{3527AD53-90A2-7D45-A4B7-509C2FD1C32F}"/>
                 </a:ext>
               </a:extLst>
             </p:cNvPr>
@@ -35477,7 +35491,7 @@
               <p:cNvPr id="173" name="Oval 172">
                 <a:extLst>
                   <a:ext uri="{FF2B5EF4-FFF2-40B4-BE49-F238E27FC236}">
-                    <a16:creationId xmlns:a16="http://schemas.microsoft.com/office/drawing/2014/main" id="{38BE8895-77F2-3F48-BDC0-E7E0559BA7AD}"/>
+                    <a16:creationId xmlns:a16="http://schemas.microsoft.com/office/drawing/2014/main" xmlns="" id="{38BE8895-77F2-3F48-BDC0-E7E0559BA7AD}"/>
                   </a:ext>
                 </a:extLst>
               </p:cNvPr>
@@ -35533,7 +35547,7 @@
               <p:cNvPr id="174" name="Picture 173">
                 <a:extLst>
                   <a:ext uri="{FF2B5EF4-FFF2-40B4-BE49-F238E27FC236}">
-                    <a16:creationId xmlns:a16="http://schemas.microsoft.com/office/drawing/2014/main" id="{1E774A8B-C5DB-534E-8EE3-5D936B2F1BDA}"/>
+                    <a16:creationId xmlns:a16="http://schemas.microsoft.com/office/drawing/2014/main" xmlns="" id="{1E774A8B-C5DB-534E-8EE3-5D936B2F1BDA}"/>
                   </a:ext>
                 </a:extLst>
               </p:cNvPr>
@@ -35570,7 +35584,7 @@
             <p:cNvPr id="172" name="Shape 576">
               <a:extLst>
                 <a:ext uri="{FF2B5EF4-FFF2-40B4-BE49-F238E27FC236}">
-                  <a16:creationId xmlns:a16="http://schemas.microsoft.com/office/drawing/2014/main" id="{8D66F62C-0857-0C4E-B8A3-3F8DBC721692}"/>
+                  <a16:creationId xmlns:a16="http://schemas.microsoft.com/office/drawing/2014/main" xmlns="" id="{8D66F62C-0857-0C4E-B8A3-3F8DBC721692}"/>
                 </a:ext>
               </a:extLst>
             </p:cNvPr>
@@ -35590,7 +35604,7 @@
             </a:ln>
             <a:extLst>
               <a:ext uri="{C572A759-6A51-4108-AA02-DFA0A04FC94B}">
-                <ma14:wrappingTextBoxFlag xmlns:ma14="http://schemas.microsoft.com/office/mac/drawingml/2011/main" xmlns="" val="1"/>
+                <ma14:wrappingTextBoxFlag xmlns:ma14="http://schemas.microsoft.com/office/mac/drawingml/2011/main" val="1"/>
               </a:ext>
             </a:extLst>
           </p:spPr>
@@ -35669,7 +35683,7 @@
           <p:cNvPr id="177" name="Group 176">
             <a:extLst>
               <a:ext uri="{FF2B5EF4-FFF2-40B4-BE49-F238E27FC236}">
-                <a16:creationId xmlns:a16="http://schemas.microsoft.com/office/drawing/2014/main" id="{5938EDDB-B2B2-6642-9D20-6D7C5F9FED31}"/>
+                <a16:creationId xmlns:a16="http://schemas.microsoft.com/office/drawing/2014/main" xmlns="" id="{5938EDDB-B2B2-6642-9D20-6D7C5F9FED31}"/>
               </a:ext>
             </a:extLst>
           </p:cNvPr>
@@ -35689,7 +35703,7 @@
             <p:cNvPr id="178" name="Group 177">
               <a:extLst>
                 <a:ext uri="{FF2B5EF4-FFF2-40B4-BE49-F238E27FC236}">
-                  <a16:creationId xmlns:a16="http://schemas.microsoft.com/office/drawing/2014/main" id="{3527AD53-90A2-7D45-A4B7-509C2FD1C32F}"/>
+                  <a16:creationId xmlns:a16="http://schemas.microsoft.com/office/drawing/2014/main" xmlns="" id="{3527AD53-90A2-7D45-A4B7-509C2FD1C32F}"/>
                 </a:ext>
               </a:extLst>
             </p:cNvPr>
@@ -35709,7 +35723,7 @@
               <p:cNvPr id="180" name="Oval 179">
                 <a:extLst>
                   <a:ext uri="{FF2B5EF4-FFF2-40B4-BE49-F238E27FC236}">
-                    <a16:creationId xmlns:a16="http://schemas.microsoft.com/office/drawing/2014/main" id="{38BE8895-77F2-3F48-BDC0-E7E0559BA7AD}"/>
+                    <a16:creationId xmlns:a16="http://schemas.microsoft.com/office/drawing/2014/main" xmlns="" id="{38BE8895-77F2-3F48-BDC0-E7E0559BA7AD}"/>
                   </a:ext>
                 </a:extLst>
               </p:cNvPr>
@@ -35765,7 +35779,7 @@
               <p:cNvPr id="181" name="Picture 180">
                 <a:extLst>
                   <a:ext uri="{FF2B5EF4-FFF2-40B4-BE49-F238E27FC236}">
-                    <a16:creationId xmlns:a16="http://schemas.microsoft.com/office/drawing/2014/main" id="{1E774A8B-C5DB-534E-8EE3-5D936B2F1BDA}"/>
+                    <a16:creationId xmlns:a16="http://schemas.microsoft.com/office/drawing/2014/main" xmlns="" id="{1E774A8B-C5DB-534E-8EE3-5D936B2F1BDA}"/>
                   </a:ext>
                 </a:extLst>
               </p:cNvPr>
@@ -35802,7 +35816,7 @@
             <p:cNvPr id="179" name="Shape 576">
               <a:extLst>
                 <a:ext uri="{FF2B5EF4-FFF2-40B4-BE49-F238E27FC236}">
-                  <a16:creationId xmlns:a16="http://schemas.microsoft.com/office/drawing/2014/main" id="{8D66F62C-0857-0C4E-B8A3-3F8DBC721692}"/>
+                  <a16:creationId xmlns:a16="http://schemas.microsoft.com/office/drawing/2014/main" xmlns="" id="{8D66F62C-0857-0C4E-B8A3-3F8DBC721692}"/>
                 </a:ext>
               </a:extLst>
             </p:cNvPr>
@@ -35822,7 +35836,7 @@
             </a:ln>
             <a:extLst>
               <a:ext uri="{C572A759-6A51-4108-AA02-DFA0A04FC94B}">
-                <ma14:wrappingTextBoxFlag xmlns:ma14="http://schemas.microsoft.com/office/mac/drawingml/2011/main" xmlns="" val="1"/>
+                <ma14:wrappingTextBoxFlag xmlns:ma14="http://schemas.microsoft.com/office/mac/drawingml/2011/main" val="1"/>
               </a:ext>
             </a:extLst>
           </p:spPr>
@@ -36069,7 +36083,7 @@
           </a:ln>
           <a:extLst>
             <a:ext uri="{C572A759-6A51-4108-AA02-DFA0A04FC94B}">
-              <ma14:wrappingTextBoxFlag xmlns:ma14="http://schemas.microsoft.com/office/mac/drawingml/2011/main" xmlns="" val="1"/>
+              <ma14:wrappingTextBoxFlag xmlns:ma14="http://schemas.microsoft.com/office/mac/drawingml/2011/main" val="1"/>
             </a:ext>
           </a:extLst>
         </p:spPr>
@@ -36137,7 +36151,7 @@
           </a:ln>
           <a:extLst>
             <a:ext uri="{C572A759-6A51-4108-AA02-DFA0A04FC94B}">
-              <ma14:wrappingTextBoxFlag xmlns:ma14="http://schemas.microsoft.com/office/mac/drawingml/2011/main" xmlns="" val="1"/>
+              <ma14:wrappingTextBoxFlag xmlns:ma14="http://schemas.microsoft.com/office/mac/drawingml/2011/main" val="1"/>
             </a:ext>
           </a:extLst>
         </p:spPr>
@@ -36510,7 +36524,7 @@
   <p:clrMapOvr>
     <a:masterClrMapping/>
   </p:clrMapOvr>
-  <p:transition spd="med"/>
+  <p:transition xmlns:p14="http://schemas.microsoft.com/office/powerpoint/2010/main" spd="med"/>
 </p:sld>
 </file>
 
@@ -36581,30 +36595,6 @@
       </p:pic>
       <p:pic>
         <p:nvPicPr>
-          <p:cNvPr id="106" name="Picture 105"/>
-          <p:cNvPicPr>
-            <a:picLocks noChangeAspect="1"/>
-          </p:cNvPicPr>
-          <p:nvPr/>
-        </p:nvPicPr>
-        <p:blipFill>
-          <a:blip r:embed="rId4"/>
-          <a:stretch>
-            <a:fillRect/>
-          </a:stretch>
-        </p:blipFill>
-        <p:spPr>
-          <a:xfrm>
-            <a:off x="7049821" y="3549859"/>
-            <a:ext cx="1016837" cy="667864"/>
-          </a:xfrm>
-          <a:prstGeom prst="rect">
-            <a:avLst/>
-          </a:prstGeom>
-        </p:spPr>
-      </p:pic>
-      <p:pic>
-        <p:nvPicPr>
           <p:cNvPr id="112" name="Picture 111"/>
           <p:cNvPicPr>
             <a:picLocks noChangeAspect="1"/>
@@ -36612,7 +36602,7 @@
           <p:nvPr/>
         </p:nvPicPr>
         <p:blipFill>
-          <a:blip r:embed="rId5"/>
+          <a:blip r:embed="rId4"/>
           <a:stretch>
             <a:fillRect/>
           </a:stretch>
@@ -37007,7 +36997,7 @@
           </a:ln>
           <a:extLst>
             <a:ext uri="{C572A759-6A51-4108-AA02-DFA0A04FC94B}">
-              <ma14:wrappingTextBoxFlag xmlns:ma14="http://schemas.microsoft.com/office/mac/drawingml/2011/main" xmlns="" val="1"/>
+              <ma14:wrappingTextBoxFlag xmlns:ma14="http://schemas.microsoft.com/office/mac/drawingml/2011/main" val="1"/>
             </a:ext>
           </a:extLst>
         </p:spPr>
@@ -37099,7 +37089,7 @@
           <p:nvPr/>
         </p:nvPicPr>
         <p:blipFill>
-          <a:blip r:embed="rId6"/>
+          <a:blip r:embed="rId5"/>
           <a:stretch>
             <a:fillRect/>
           </a:stretch>
@@ -37133,7 +37123,7 @@
           </a:ln>
           <a:extLst>
             <a:ext uri="{C572A759-6A51-4108-AA02-DFA0A04FC94B}">
-              <ma14:wrappingTextBoxFlag xmlns:ma14="http://schemas.microsoft.com/office/mac/drawingml/2011/main" xmlns="" val="1"/>
+              <ma14:wrappingTextBoxFlag xmlns:ma14="http://schemas.microsoft.com/office/mac/drawingml/2011/main" val="1"/>
             </a:ext>
           </a:extLst>
         </p:spPr>
@@ -37260,2672 +37250,6 @@
         </p:nvPicPr>
         <p:blipFill>
           <a:blip r:embed="rId3"/>
-          <a:stretch>
-            <a:fillRect/>
-          </a:stretch>
-        </p:blipFill>
-        <p:spPr>
-          <a:xfrm>
-            <a:off x="7650905" y="636723"/>
-            <a:ext cx="991378" cy="937303"/>
-          </a:xfrm>
-          <a:prstGeom prst="rect">
-            <a:avLst/>
-          </a:prstGeom>
-        </p:spPr>
-      </p:pic>
-      <p:sp>
-        <p:nvSpPr>
-          <p:cNvPr id="193" name="TextBox 192"/>
-          <p:cNvSpPr txBox="1"/>
-          <p:nvPr/>
-        </p:nvSpPr>
-        <p:spPr>
-          <a:xfrm>
-            <a:off x="4966179" y="1487039"/>
-            <a:ext cx="737736" cy="448679"/>
-          </a:xfrm>
-          <a:prstGeom prst="rect">
-            <a:avLst/>
-          </a:prstGeom>
-          <a:noFill/>
-          <a:ln w="3175" cap="flat">
-            <a:noFill/>
-            <a:miter lim="400000"/>
-          </a:ln>
-          <a:effectLst/>
-        </p:spPr>
-        <p:style>
-          <a:lnRef idx="0">
-            <a:scrgbClr r="0" g="0" b="0"/>
-          </a:lnRef>
-          <a:fillRef idx="0">
-            <a:scrgbClr r="0" g="0" b="0"/>
-          </a:fillRef>
-          <a:effectRef idx="0">
-            <a:scrgbClr r="0" g="0" b="0"/>
-          </a:effectRef>
-          <a:fontRef idx="none"/>
-        </p:style>
-        <p:txBody>
-          <a:bodyPr rot="0" spcFirstLastPara="1" vertOverflow="overflow" horzOverflow="overflow" vert="horz" wrap="square" lIns="39290" tIns="39290" rIns="39290" bIns="39290" numCol="1" spcCol="38100" rtlCol="0" anchor="ctr">
-            <a:spAutoFit/>
-          </a:bodyPr>
-          <a:lstStyle/>
-          <a:p>
-            <a:pPr marL="0" marR="0" indent="0" defTabSz="584200" rtl="0" fontAlgn="auto" latinLnBrk="1" hangingPunct="0">
-              <a:lnSpc>
-                <a:spcPct val="100000"/>
-              </a:lnSpc>
-              <a:spcBef>
-                <a:spcPts val="0"/>
-              </a:spcBef>
-              <a:spcAft>
-                <a:spcPts val="0"/>
-              </a:spcAft>
-              <a:buClrTx/>
-              <a:buSzTx/>
-              <a:buFontTx/>
-              <a:buNone/>
-              <a:tabLst/>
-            </a:pPr>
-            <a:r>
-              <a:rPr kumimoji="0" lang="en-US" sz="1200" b="0" i="0" u="none" strike="noStrike" cap="none" spc="0" normalizeH="0" baseline="0" dirty="0">
-                <a:ln>
-                  <a:noFill/>
-                </a:ln>
-                <a:solidFill>
-                  <a:srgbClr val="000000"/>
-                </a:solidFill>
-                <a:effectLst/>
-                <a:uFillTx/>
-                <a:latin typeface="Arial"/>
-                <a:ea typeface="+mn-ea"/>
-                <a:cs typeface="Arial"/>
-                <a:sym typeface="Helvetica Light"/>
-              </a:rPr>
-              <a:t>Secure </a:t>
-            </a:r>
-          </a:p>
-          <a:p>
-            <a:pPr marL="0" marR="0" indent="0" defTabSz="584200" rtl="0" fontAlgn="auto" latinLnBrk="1" hangingPunct="0">
-              <a:lnSpc>
-                <a:spcPct val="100000"/>
-              </a:lnSpc>
-              <a:spcBef>
-                <a:spcPts val="0"/>
-              </a:spcBef>
-              <a:spcAft>
-                <a:spcPts val="0"/>
-              </a:spcAft>
-              <a:buClrTx/>
-              <a:buSzTx/>
-              <a:buFontTx/>
-              <a:buNone/>
-              <a:tabLst/>
-            </a:pPr>
-            <a:r>
-              <a:rPr lang="en-US" sz="1200" dirty="0">
-                <a:solidFill>
-                  <a:srgbClr val="000000"/>
-                </a:solidFill>
-                <a:latin typeface="Arial"/>
-                <a:cs typeface="Arial"/>
-              </a:rPr>
-              <a:t>Gateway</a:t>
-            </a:r>
-            <a:endParaRPr kumimoji="0" lang="en-US" sz="1200" b="0" i="0" u="none" strike="noStrike" cap="none" spc="0" normalizeH="0" baseline="0" dirty="0">
-              <a:ln>
-                <a:noFill/>
-              </a:ln>
-              <a:solidFill>
-                <a:srgbClr val="000000"/>
-              </a:solidFill>
-              <a:effectLst/>
-              <a:uFillTx/>
-              <a:latin typeface="Arial"/>
-              <a:ea typeface="+mn-ea"/>
-              <a:cs typeface="Arial"/>
-              <a:sym typeface="Helvetica Light"/>
-            </a:endParaRPr>
-          </a:p>
-        </p:txBody>
-      </p:sp>
-      <p:grpSp>
-        <p:nvGrpSpPr>
-          <p:cNvPr id="2" name="Group 1"/>
-          <p:cNvGrpSpPr/>
-          <p:nvPr/>
-        </p:nvGrpSpPr>
-        <p:grpSpPr>
-          <a:xfrm>
-            <a:off x="7875466" y="2439748"/>
-            <a:ext cx="707233" cy="707234"/>
-            <a:chOff x="3587103" y="3636248"/>
-            <a:chExt cx="707233" cy="707234"/>
-          </a:xfrm>
-        </p:grpSpPr>
-        <p:sp>
-          <p:nvSpPr>
-            <p:cNvPr id="200" name="Shape 529"/>
-            <p:cNvSpPr/>
-            <p:nvPr/>
-          </p:nvSpPr>
-          <p:spPr>
-            <a:xfrm>
-              <a:off x="3587103" y="3636248"/>
-              <a:ext cx="707233" cy="707234"/>
-            </a:xfrm>
-            <a:custGeom>
-              <a:avLst/>
-              <a:gdLst/>
-              <a:ahLst/>
-              <a:cxnLst>
-                <a:cxn ang="0">
-                  <a:pos x="wd2" y="hd2"/>
-                </a:cxn>
-                <a:cxn ang="5400000">
-                  <a:pos x="wd2" y="hd2"/>
-                </a:cxn>
-                <a:cxn ang="10800000">
-                  <a:pos x="wd2" y="hd2"/>
-                </a:cxn>
-                <a:cxn ang="16200000">
-                  <a:pos x="wd2" y="hd2"/>
-                </a:cxn>
-              </a:cxnLst>
-              <a:rect l="0" t="0" r="r" b="b"/>
-              <a:pathLst>
-                <a:path w="19679" h="19679" extrusionOk="0">
-                  <a:moveTo>
-                    <a:pt x="16796" y="2882"/>
-                  </a:moveTo>
-                  <a:cubicBezTo>
-                    <a:pt x="20639" y="6724"/>
-                    <a:pt x="20639" y="12954"/>
-                    <a:pt x="16796" y="16796"/>
-                  </a:cubicBezTo>
-                  <a:cubicBezTo>
-                    <a:pt x="12954" y="20639"/>
-                    <a:pt x="6724" y="20639"/>
-                    <a:pt x="2882" y="16796"/>
-                  </a:cubicBezTo>
-                  <a:cubicBezTo>
-                    <a:pt x="-961" y="12954"/>
-                    <a:pt x="-961" y="6724"/>
-                    <a:pt x="2882" y="2882"/>
-                  </a:cubicBezTo>
-                  <a:cubicBezTo>
-                    <a:pt x="6724" y="-961"/>
-                    <a:pt x="12954" y="-961"/>
-                    <a:pt x="16796" y="2882"/>
-                  </a:cubicBezTo>
-                  <a:close/>
-                </a:path>
-              </a:pathLst>
-            </a:custGeom>
-            <a:solidFill>
-              <a:srgbClr val="196970"/>
-            </a:solidFill>
-            <a:ln w="3175" cap="flat">
-              <a:noFill/>
-              <a:miter lim="400000"/>
-            </a:ln>
-            <a:effectLst/>
-          </p:spPr>
-          <p:txBody>
-            <a:bodyPr wrap="square" lIns="0" tIns="0" rIns="0" bIns="0" numCol="1" anchor="ctr">
-              <a:noAutofit/>
-            </a:bodyPr>
-            <a:lstStyle/>
-            <a:p>
-              <a:pPr lvl="0">
-                <a:defRPr sz="1800">
-                  <a:solidFill>
-                    <a:srgbClr val="FFFFFF"/>
-                  </a:solidFill>
-                </a:defRPr>
-              </a:pPr>
-              <a:endParaRPr/>
-            </a:p>
-          </p:txBody>
-        </p:sp>
-        <p:pic>
-          <p:nvPicPr>
-            <p:cNvPr id="198" name="_-47.png"/>
-            <p:cNvPicPr/>
-            <p:nvPr/>
-          </p:nvPicPr>
-          <p:blipFill>
-            <a:blip r:embed="rId7">
-              <a:extLst/>
-            </a:blip>
-            <a:srcRect l="17032" t="20462" r="17032" b="20462"/>
-            <a:stretch>
-              <a:fillRect/>
-            </a:stretch>
-          </p:blipFill>
-          <p:spPr>
-            <a:xfrm>
-              <a:off x="3723113" y="3770499"/>
-              <a:ext cx="466313" cy="417807"/>
-            </a:xfrm>
-            <a:prstGeom prst="rect">
-              <a:avLst/>
-            </a:prstGeom>
-            <a:ln w="3175" cap="flat">
-              <a:noFill/>
-              <a:miter lim="400000"/>
-            </a:ln>
-            <a:effectLst/>
-          </p:spPr>
-        </p:pic>
-      </p:grpSp>
-      <p:sp>
-        <p:nvSpPr>
-          <p:cNvPr id="210" name="Shape 64"/>
-          <p:cNvSpPr/>
-          <p:nvPr/>
-        </p:nvSpPr>
-        <p:spPr>
-          <a:xfrm>
-            <a:off x="1979114" y="155452"/>
-            <a:ext cx="1014300" cy="246221"/>
-          </a:xfrm>
-          <a:prstGeom prst="rect">
-            <a:avLst/>
-          </a:prstGeom>
-          <a:ln w="3175">
-            <a:miter lim="400000"/>
-          </a:ln>
-          <a:extLst>
-            <a:ext uri="{C572A759-6A51-4108-AA02-DFA0A04FC94B}">
-              <ma14:wrappingTextBoxFlag xmlns:ma14="http://schemas.microsoft.com/office/mac/drawingml/2011/main" xmlns="" val="1"/>
-            </a:ext>
-          </a:extLst>
-        </p:spPr>
-        <p:txBody>
-          <a:bodyPr wrap="none" lIns="0" tIns="0" rIns="0" bIns="0">
-            <a:spAutoFit/>
-          </a:bodyPr>
-          <a:lstStyle>
-            <a:lvl1pPr algn="l">
-              <a:defRPr sz="1000" b="1">
-                <a:solidFill>
-                  <a:srgbClr val="4277BB"/>
-                </a:solidFill>
-                <a:latin typeface="Helvetica"/>
-                <a:ea typeface="Helvetica"/>
-                <a:cs typeface="Helvetica"/>
-                <a:sym typeface="Helvetica"/>
-              </a:defRPr>
-            </a:lvl1pPr>
-          </a:lstStyle>
-          <a:p>
-            <a:pPr lvl="0">
-              <a:defRPr sz="1800" b="0">
-                <a:solidFill>
-                  <a:srgbClr val="000000"/>
-                </a:solidFill>
-              </a:defRPr>
-            </a:pPr>
-            <a:r>
-              <a:rPr lang="de-DE" sz="1600" b="1" dirty="0">
-                <a:solidFill>
-                  <a:srgbClr val="000000"/>
-                </a:solidFill>
-                <a:latin typeface="Arial"/>
-                <a:cs typeface="Arial"/>
-              </a:rPr>
-              <a:t>IBM Cloud</a:t>
-            </a:r>
-            <a:endParaRPr sz="1600" dirty="0">
-              <a:solidFill>
-                <a:srgbClr val="000000"/>
-              </a:solidFill>
-              <a:latin typeface="Arial"/>
-              <a:cs typeface="Arial"/>
-            </a:endParaRPr>
-          </a:p>
-        </p:txBody>
-      </p:sp>
-      <p:pic>
-        <p:nvPicPr>
-          <p:cNvPr id="211" name="Picture 210"/>
-          <p:cNvPicPr>
-            <a:picLocks noChangeAspect="1"/>
-          </p:cNvPicPr>
-          <p:nvPr/>
-        </p:nvPicPr>
-        <p:blipFill>
-          <a:blip r:embed="rId8"/>
-          <a:stretch>
-            <a:fillRect/>
-          </a:stretch>
-        </p:blipFill>
-        <p:spPr>
-          <a:xfrm>
-            <a:off x="560056" y="2053349"/>
-            <a:ext cx="803034" cy="701972"/>
-          </a:xfrm>
-          <a:prstGeom prst="rect">
-            <a:avLst/>
-          </a:prstGeom>
-        </p:spPr>
-      </p:pic>
-      <p:sp>
-        <p:nvSpPr>
-          <p:cNvPr id="212" name="TextBox 211"/>
-          <p:cNvSpPr txBox="1"/>
-          <p:nvPr/>
-        </p:nvSpPr>
-        <p:spPr>
-          <a:xfrm>
-            <a:off x="375641" y="2763070"/>
-            <a:ext cx="1181319" cy="264013"/>
-          </a:xfrm>
-          <a:prstGeom prst="rect">
-            <a:avLst/>
-          </a:prstGeom>
-          <a:noFill/>
-          <a:ln w="3175" cap="flat">
-            <a:noFill/>
-            <a:miter lim="400000"/>
-          </a:ln>
-          <a:effectLst/>
-        </p:spPr>
-        <p:style>
-          <a:lnRef idx="0">
-            <a:scrgbClr r="0" g="0" b="0"/>
-          </a:lnRef>
-          <a:fillRef idx="0">
-            <a:scrgbClr r="0" g="0" b="0"/>
-          </a:fillRef>
-          <a:effectRef idx="0">
-            <a:scrgbClr r="0" g="0" b="0"/>
-          </a:effectRef>
-          <a:fontRef idx="none"/>
-        </p:style>
-        <p:txBody>
-          <a:bodyPr rot="0" spcFirstLastPara="1" vertOverflow="overflow" horzOverflow="overflow" vert="horz" wrap="square" lIns="39290" tIns="39290" rIns="39290" bIns="39290" numCol="1" spcCol="38100" rtlCol="0" anchor="ctr">
-            <a:spAutoFit/>
-          </a:bodyPr>
-          <a:lstStyle/>
-          <a:p>
-            <a:pPr marL="0" marR="0" indent="0" defTabSz="584200" rtl="0" fontAlgn="auto" latinLnBrk="1" hangingPunct="0">
-              <a:lnSpc>
-                <a:spcPct val="100000"/>
-              </a:lnSpc>
-              <a:spcBef>
-                <a:spcPts val="0"/>
-              </a:spcBef>
-              <a:spcAft>
-                <a:spcPts val="0"/>
-              </a:spcAft>
-              <a:buClrTx/>
-              <a:buSzTx/>
-              <a:buFontTx/>
-              <a:buNone/>
-              <a:tabLst/>
-            </a:pPr>
-            <a:r>
-              <a:rPr kumimoji="0" lang="en-US" sz="1200" b="0" i="0" u="none" strike="noStrike" cap="none" spc="0" normalizeH="0" baseline="0" dirty="0">
-                <a:ln>
-                  <a:noFill/>
-                </a:ln>
-                <a:solidFill>
-                  <a:srgbClr val="000000"/>
-                </a:solidFill>
-                <a:effectLst/>
-                <a:uFillTx/>
-                <a:latin typeface="Arial"/>
-                <a:ea typeface="+mn-ea"/>
-                <a:cs typeface="Arial"/>
-                <a:sym typeface="Helvetica Light"/>
-              </a:rPr>
-              <a:t>Game</a:t>
-            </a:r>
-          </a:p>
-        </p:txBody>
-      </p:sp>
-      <p:grpSp>
-        <p:nvGrpSpPr>
-          <p:cNvPr id="213" name="Group 378"/>
-          <p:cNvGrpSpPr/>
-          <p:nvPr/>
-        </p:nvGrpSpPr>
-        <p:grpSpPr>
-          <a:xfrm>
-            <a:off x="2427307" y="2184154"/>
-            <a:ext cx="1175441" cy="792932"/>
-            <a:chOff x="0" y="130399"/>
-            <a:chExt cx="1175438" cy="792929"/>
-          </a:xfrm>
-        </p:grpSpPr>
-        <p:pic>
-          <p:nvPicPr>
-            <p:cNvPr id="214" name="_-19.png"/>
-            <p:cNvPicPr/>
-            <p:nvPr/>
-          </p:nvPicPr>
-          <p:blipFill>
-            <a:blip r:embed="rId9">
-              <a:extLst/>
-            </a:blip>
-            <a:srcRect l="11328" t="18438" r="11328" b="18438"/>
-            <a:stretch>
-              <a:fillRect/>
-            </a:stretch>
-          </p:blipFill>
-          <p:spPr>
-            <a:xfrm>
-              <a:off x="306810" y="130399"/>
-              <a:ext cx="547001" cy="446433"/>
-            </a:xfrm>
-            <a:prstGeom prst="rect">
-              <a:avLst/>
-            </a:prstGeom>
-            <a:ln w="3175" cap="flat">
-              <a:noFill/>
-              <a:miter lim="400000"/>
-            </a:ln>
-            <a:effectLst/>
-          </p:spPr>
-        </p:pic>
-        <p:sp>
-          <p:nvSpPr>
-            <p:cNvPr id="215" name="Shape 377"/>
-            <p:cNvSpPr/>
-            <p:nvPr/>
-          </p:nvSpPr>
-          <p:spPr>
-            <a:xfrm>
-              <a:off x="0" y="707231"/>
-              <a:ext cx="1175439" cy="216099"/>
-            </a:xfrm>
-            <a:prstGeom prst="rect">
-              <a:avLst/>
-            </a:prstGeom>
-            <a:noFill/>
-            <a:ln w="3175" cap="flat">
-              <a:noFill/>
-              <a:miter lim="400000"/>
-            </a:ln>
-            <a:effectLst/>
-            <a:extLst>
-              <a:ext uri="{C572A759-6A51-4108-AA02-DFA0A04FC94B}">
-                <ma14:wrappingTextBoxFlag xmlns:ma14="http://schemas.microsoft.com/office/mac/drawingml/2011/main" xmlns="" val="1"/>
-              </a:ext>
-            </a:extLst>
-          </p:spPr>
-          <p:txBody>
-            <a:bodyPr wrap="square" lIns="0" tIns="0" rIns="0" bIns="0" numCol="1" anchor="t">
-              <a:noAutofit/>
-            </a:bodyPr>
-            <a:lstStyle>
-              <a:lvl1pPr>
-                <a:defRPr sz="800" b="1">
-                  <a:solidFill>
-                    <a:srgbClr val="4277BB"/>
-                  </a:solidFill>
-                  <a:latin typeface="Helvetica"/>
-                  <a:ea typeface="Helvetica"/>
-                  <a:cs typeface="Helvetica"/>
-                  <a:sym typeface="Helvetica"/>
-                </a:defRPr>
-              </a:lvl1pPr>
-            </a:lstStyle>
-            <a:p>
-              <a:pPr lvl="0">
-                <a:defRPr sz="1800" b="0">
-                  <a:solidFill>
-                    <a:srgbClr val="000000"/>
-                  </a:solidFill>
-                </a:defRPr>
-              </a:pPr>
-              <a:r>
-                <a:rPr lang="de-DE" sz="1200" b="0" dirty="0">
-                  <a:solidFill>
-                    <a:srgbClr val="000000"/>
-                  </a:solidFill>
-                  <a:latin typeface="Arial"/>
-                  <a:cs typeface="Arial"/>
-                </a:rPr>
-                <a:t>Lite API</a:t>
-              </a:r>
-            </a:p>
-            <a:p>
-              <a:pPr lvl="0">
-                <a:defRPr sz="1800" b="0">
-                  <a:solidFill>
-                    <a:srgbClr val="000000"/>
-                  </a:solidFill>
-                </a:defRPr>
-              </a:pPr>
-              <a:r>
-                <a:rPr lang="de-DE" sz="1200" b="0" dirty="0">
-                  <a:solidFill>
-                    <a:srgbClr val="000000"/>
-                  </a:solidFill>
-                  <a:latin typeface="Arial"/>
-                  <a:cs typeface="Arial"/>
-                </a:rPr>
-                <a:t>Management</a:t>
-              </a:r>
-            </a:p>
-          </p:txBody>
-        </p:sp>
-      </p:grpSp>
-      <p:pic>
-        <p:nvPicPr>
-          <p:cNvPr id="216" name="Picture 215"/>
-          <p:cNvPicPr>
-            <a:picLocks noChangeAspect="1"/>
-          </p:cNvPicPr>
-          <p:nvPr/>
-        </p:nvPicPr>
-        <p:blipFill>
-          <a:blip r:embed="rId10"/>
-          <a:stretch>
-            <a:fillRect/>
-          </a:stretch>
-        </p:blipFill>
-        <p:spPr>
-          <a:xfrm>
-            <a:off x="2548298" y="2006090"/>
-            <a:ext cx="819405" cy="786629"/>
-          </a:xfrm>
-          <a:prstGeom prst="rect">
-            <a:avLst/>
-          </a:prstGeom>
-        </p:spPr>
-      </p:pic>
-      <p:sp>
-        <p:nvSpPr>
-          <p:cNvPr id="217" name="TextBox 216"/>
-          <p:cNvSpPr txBox="1"/>
-          <p:nvPr/>
-        </p:nvSpPr>
-        <p:spPr>
-          <a:xfrm>
-            <a:off x="1867638" y="2178512"/>
-            <a:ext cx="649370" cy="233236"/>
-          </a:xfrm>
-          <a:prstGeom prst="rect">
-            <a:avLst/>
-          </a:prstGeom>
-          <a:noFill/>
-          <a:ln w="3175" cap="flat">
-            <a:noFill/>
-            <a:miter lim="400000"/>
-          </a:ln>
-          <a:effectLst/>
-        </p:spPr>
-        <p:style>
-          <a:lnRef idx="0">
-            <a:scrgbClr r="0" g="0" b="0"/>
-          </a:lnRef>
-          <a:fillRef idx="0">
-            <a:scrgbClr r="0" g="0" b="0"/>
-          </a:fillRef>
-          <a:effectRef idx="0">
-            <a:scrgbClr r="0" g="0" b="0"/>
-          </a:effectRef>
-          <a:fontRef idx="none"/>
-        </p:style>
-        <p:txBody>
-          <a:bodyPr rot="0" spcFirstLastPara="1" vertOverflow="overflow" horzOverflow="overflow" vert="horz" wrap="none" lIns="39290" tIns="39290" rIns="39290" bIns="39290" numCol="1" spcCol="38100" rtlCol="0" anchor="ctr">
-            <a:spAutoFit/>
-          </a:bodyPr>
-          <a:lstStyle/>
-          <a:p>
-            <a:pPr marL="0" marR="0" indent="0" algn="ctr" defTabSz="584200" rtl="0" fontAlgn="auto" latinLnBrk="1" hangingPunct="0">
-              <a:lnSpc>
-                <a:spcPct val="100000"/>
-              </a:lnSpc>
-              <a:spcBef>
-                <a:spcPts val="0"/>
-              </a:spcBef>
-              <a:spcAft>
-                <a:spcPts val="0"/>
-              </a:spcAft>
-              <a:buClrTx/>
-              <a:buSzTx/>
-              <a:buFontTx/>
-              <a:buNone/>
-              <a:tabLst/>
-            </a:pPr>
-            <a:r>
-              <a:rPr kumimoji="0" lang="en-US" sz="1000" b="0" i="0" u="none" strike="noStrike" cap="none" spc="0" normalizeH="0" baseline="0" dirty="0">
-                <a:ln>
-                  <a:noFill/>
-                </a:ln>
-                <a:solidFill>
-                  <a:srgbClr val="000000"/>
-                </a:solidFill>
-                <a:effectLst/>
-                <a:uFillTx/>
-                <a:latin typeface="+mn-lt"/>
-                <a:ea typeface="+mn-ea"/>
-                <a:cs typeface="+mn-cs"/>
-                <a:sym typeface="Helvetica Light"/>
-              </a:rPr>
-              <a:t>Users API</a:t>
-            </a:r>
-          </a:p>
-        </p:txBody>
-      </p:sp>
-      <p:grpSp>
-        <p:nvGrpSpPr>
-          <p:cNvPr id="218" name="Group 217">
-            <a:extLst>
-              <a:ext uri="{FF2B5EF4-FFF2-40B4-BE49-F238E27FC236}">
-                <a16:creationId xmlns:a16="http://schemas.microsoft.com/office/drawing/2014/main" id="{5938EDDB-B2B2-6642-9D20-6D7C5F9FED31}"/>
-              </a:ext>
-            </a:extLst>
-          </p:cNvPr>
-          <p:cNvGrpSpPr/>
-          <p:nvPr/>
-        </p:nvGrpSpPr>
-        <p:grpSpPr>
-          <a:xfrm>
-            <a:off x="3849727" y="2103593"/>
-            <a:ext cx="724719" cy="932636"/>
-            <a:chOff x="7232632" y="4768804"/>
-            <a:chExt cx="724719" cy="932636"/>
-          </a:xfrm>
-        </p:grpSpPr>
-        <p:grpSp>
-          <p:nvGrpSpPr>
-            <p:cNvPr id="219" name="Group 218">
-              <a:extLst>
-                <a:ext uri="{FF2B5EF4-FFF2-40B4-BE49-F238E27FC236}">
-                  <a16:creationId xmlns:a16="http://schemas.microsoft.com/office/drawing/2014/main" id="{3527AD53-90A2-7D45-A4B7-509C2FD1C32F}"/>
-                </a:ext>
-              </a:extLst>
-            </p:cNvPr>
-            <p:cNvGrpSpPr/>
-            <p:nvPr/>
-          </p:nvGrpSpPr>
-          <p:grpSpPr>
-            <a:xfrm>
-              <a:off x="7232632" y="4768804"/>
-              <a:ext cx="724719" cy="724719"/>
-              <a:chOff x="1258442" y="3837918"/>
-              <a:chExt cx="502920" cy="502920"/>
-            </a:xfrm>
-          </p:grpSpPr>
-          <p:sp>
-            <p:nvSpPr>
-              <p:cNvPr id="221" name="Oval 220">
-                <a:extLst>
-                  <a:ext uri="{FF2B5EF4-FFF2-40B4-BE49-F238E27FC236}">
-                    <a16:creationId xmlns:a16="http://schemas.microsoft.com/office/drawing/2014/main" id="{38BE8895-77F2-3F48-BDC0-E7E0559BA7AD}"/>
-                  </a:ext>
-                </a:extLst>
-              </p:cNvPr>
-              <p:cNvSpPr>
-                <a:spLocks noChangeAspect="1"/>
-              </p:cNvSpPr>
-              <p:nvPr/>
-            </p:nvSpPr>
-            <p:spPr>
-              <a:xfrm>
-                <a:off x="1258442" y="3837918"/>
-                <a:ext cx="502920" cy="502920"/>
-              </a:xfrm>
-              <a:prstGeom prst="ellipse">
-                <a:avLst/>
-              </a:prstGeom>
-              <a:solidFill>
-                <a:schemeClr val="bg1"/>
-              </a:solidFill>
-              <a:ln w="25400">
-                <a:solidFill>
-                  <a:srgbClr val="4277BB"/>
-                </a:solidFill>
-              </a:ln>
-            </p:spPr>
-            <p:style>
-              <a:lnRef idx="2">
-                <a:schemeClr val="accent1">
-                  <a:shade val="50000"/>
-                </a:schemeClr>
-              </a:lnRef>
-              <a:fillRef idx="1">
-                <a:schemeClr val="accent1"/>
-              </a:fillRef>
-              <a:effectRef idx="0">
-                <a:schemeClr val="accent1"/>
-              </a:effectRef>
-              <a:fontRef idx="minor">
-                <a:schemeClr val="lt1"/>
-              </a:fontRef>
-            </p:style>
-            <p:txBody>
-              <a:bodyPr rtlCol="0" anchor="ctr"/>
-              <a:lstStyle/>
-              <a:p>
-                <a:pPr algn="ctr"/>
-                <a:endParaRPr lang="en-US"/>
-              </a:p>
-            </p:txBody>
-          </p:sp>
-          <p:pic>
-            <p:nvPicPr>
-              <p:cNvPr id="222" name="Picture 221">
-                <a:extLst>
-                  <a:ext uri="{FF2B5EF4-FFF2-40B4-BE49-F238E27FC236}">
-                    <a16:creationId xmlns:a16="http://schemas.microsoft.com/office/drawing/2014/main" id="{1E774A8B-C5DB-534E-8EE3-5D936B2F1BDA}"/>
-                  </a:ext>
-                </a:extLst>
-              </p:cNvPr>
-              <p:cNvPicPr>
-                <a:picLocks noChangeAspect="1"/>
-              </p:cNvPicPr>
-              <p:nvPr/>
-            </p:nvPicPr>
-            <p:blipFill>
-              <a:blip r:embed="rId11">
-                <a:extLst>
-                  <a:ext uri="{28A0092B-C50C-407E-A947-70E740481C1C}">
-                    <a14:useLocalDpi xmlns:a14="http://schemas.microsoft.com/office/drawing/2010/main" val="0"/>
-                  </a:ext>
-                </a:extLst>
-              </a:blip>
-              <a:stretch>
-                <a:fillRect/>
-              </a:stretch>
-            </p:blipFill>
-            <p:spPr>
-              <a:xfrm>
-                <a:off x="1357502" y="3936978"/>
-                <a:ext cx="304800" cy="304800"/>
-              </a:xfrm>
-              <a:prstGeom prst="rect">
-                <a:avLst/>
-              </a:prstGeom>
-            </p:spPr>
-          </p:pic>
-        </p:grpSp>
-        <p:sp>
-          <p:nvSpPr>
-            <p:cNvPr id="220" name="Shape 576">
-              <a:extLst>
-                <a:ext uri="{FF2B5EF4-FFF2-40B4-BE49-F238E27FC236}">
-                  <a16:creationId xmlns:a16="http://schemas.microsoft.com/office/drawing/2014/main" id="{8D66F62C-0857-0C4E-B8A3-3F8DBC721692}"/>
-                </a:ext>
-              </a:extLst>
-            </p:cNvPr>
-            <p:cNvSpPr/>
-            <p:nvPr/>
-          </p:nvSpPr>
-          <p:spPr>
-            <a:xfrm>
-              <a:off x="7261407" y="5516774"/>
-              <a:ext cx="667175" cy="184666"/>
-            </a:xfrm>
-            <a:prstGeom prst="rect">
-              <a:avLst/>
-            </a:prstGeom>
-            <a:ln w="3175">
-              <a:miter lim="400000"/>
-            </a:ln>
-            <a:extLst>
-              <a:ext uri="{C572A759-6A51-4108-AA02-DFA0A04FC94B}">
-                <ma14:wrappingTextBoxFlag xmlns:ma14="http://schemas.microsoft.com/office/mac/drawingml/2011/main" xmlns="" val="1"/>
-              </a:ext>
-            </a:extLst>
-          </p:spPr>
-          <p:txBody>
-            <a:bodyPr wrap="none" lIns="0" tIns="0" rIns="0" bIns="0">
-              <a:spAutoFit/>
-            </a:bodyPr>
-            <a:lstStyle>
-              <a:lvl1pPr>
-                <a:defRPr sz="900" b="1">
-                  <a:latin typeface="Helvetica"/>
-                  <a:ea typeface="Helvetica"/>
-                  <a:cs typeface="Helvetica"/>
-                  <a:sym typeface="Helvetica"/>
-                </a:defRPr>
-              </a:lvl1pPr>
-            </a:lstStyle>
-            <a:p>
-              <a:pPr lvl="0">
-                <a:defRPr sz="1800" b="0"/>
-              </a:pPr>
-              <a:r>
-                <a:rPr lang="en-US" sz="1200" b="0" dirty="0">
-                  <a:latin typeface="Arial"/>
-                  <a:cs typeface="Arial"/>
-                </a:rPr>
-                <a:t>Functions</a:t>
-              </a:r>
-            </a:p>
-          </p:txBody>
-        </p:sp>
-      </p:grpSp>
-      <p:cxnSp>
-        <p:nvCxnSpPr>
-          <p:cNvPr id="223" name="Straight Arrow Connector 62"/>
-          <p:cNvCxnSpPr/>
-          <p:nvPr/>
-        </p:nvCxnSpPr>
-        <p:spPr>
-          <a:xfrm>
-            <a:off x="3432556" y="2438879"/>
-            <a:ext cx="276076" cy="0"/>
-          </a:xfrm>
-          <a:prstGeom prst="straightConnector1">
-            <a:avLst/>
-          </a:prstGeom>
-          <a:noFill/>
-          <a:ln w="12700" cap="flat" cmpd="sng">
-            <a:solidFill>
-              <a:schemeClr val="bg1">
-                <a:lumMod val="85000"/>
-              </a:schemeClr>
-            </a:solidFill>
-            <a:prstDash val="solid"/>
-            <a:miter lim="400000"/>
-            <a:headEnd type="none"/>
-            <a:tailEnd type="none"/>
-          </a:ln>
-          <a:effectLst/>
-        </p:spPr>
-        <p:style>
-          <a:lnRef idx="0">
-            <a:scrgbClr r="0" g="0" b="0"/>
-          </a:lnRef>
-          <a:fillRef idx="0">
-            <a:scrgbClr r="0" g="0" b="0"/>
-          </a:fillRef>
-          <a:effectRef idx="0">
-            <a:scrgbClr r="0" g="0" b="0"/>
-          </a:effectRef>
-          <a:fontRef idx="none"/>
-        </p:style>
-      </p:cxnSp>
-      <p:pic>
-        <p:nvPicPr>
-          <p:cNvPr id="224" name="Picture 223"/>
-          <p:cNvPicPr>
-            <a:picLocks noChangeAspect="1"/>
-          </p:cNvPicPr>
-          <p:nvPr/>
-        </p:nvPicPr>
-        <p:blipFill>
-          <a:blip r:embed="rId10"/>
-          <a:stretch>
-            <a:fillRect/>
-          </a:stretch>
-        </p:blipFill>
-        <p:spPr>
-          <a:xfrm>
-            <a:off x="3778571" y="699213"/>
-            <a:ext cx="819405" cy="786629"/>
-          </a:xfrm>
-          <a:prstGeom prst="rect">
-            <a:avLst/>
-          </a:prstGeom>
-        </p:spPr>
-      </p:pic>
-      <p:sp>
-        <p:nvSpPr>
-          <p:cNvPr id="225" name="TextBox 224"/>
-          <p:cNvSpPr txBox="1"/>
-          <p:nvPr/>
-        </p:nvSpPr>
-        <p:spPr>
-          <a:xfrm>
-            <a:off x="3593686" y="1398189"/>
-            <a:ext cx="1218324" cy="264013"/>
-          </a:xfrm>
-          <a:prstGeom prst="rect">
-            <a:avLst/>
-          </a:prstGeom>
-          <a:noFill/>
-          <a:ln w="3175" cap="flat">
-            <a:noFill/>
-            <a:miter lim="400000"/>
-          </a:ln>
-          <a:effectLst/>
-        </p:spPr>
-        <p:style>
-          <a:lnRef idx="0">
-            <a:scrgbClr r="0" g="0" b="0"/>
-          </a:lnRef>
-          <a:fillRef idx="0">
-            <a:scrgbClr r="0" g="0" b="0"/>
-          </a:fillRef>
-          <a:effectRef idx="0">
-            <a:scrgbClr r="0" g="0" b="0"/>
-          </a:effectRef>
-          <a:fontRef idx="none"/>
-        </p:style>
-        <p:txBody>
-          <a:bodyPr rot="0" spcFirstLastPara="1" vertOverflow="overflow" horzOverflow="overflow" vert="horz" wrap="square" lIns="39290" tIns="39290" rIns="39290" bIns="39290" numCol="1" spcCol="38100" rtlCol="0" anchor="ctr">
-            <a:spAutoFit/>
-          </a:bodyPr>
-          <a:lstStyle/>
-          <a:p>
-            <a:pPr rtl="0" latinLnBrk="1" hangingPunct="0"/>
-            <a:r>
-              <a:rPr lang="en-US" sz="1200" dirty="0">
-                <a:solidFill>
-                  <a:srgbClr val="000000"/>
-                </a:solidFill>
-                <a:latin typeface="Arial"/>
-                <a:cs typeface="Arial"/>
-              </a:rPr>
-              <a:t>API Connect</a:t>
-            </a:r>
-          </a:p>
-        </p:txBody>
-      </p:sp>
-      <p:grpSp>
-        <p:nvGrpSpPr>
-          <p:cNvPr id="10" name="Group 9"/>
-          <p:cNvGrpSpPr/>
-          <p:nvPr/>
-        </p:nvGrpSpPr>
-        <p:grpSpPr>
-          <a:xfrm>
-            <a:off x="5835019" y="759138"/>
-            <a:ext cx="1218324" cy="963372"/>
-            <a:chOff x="6470026" y="1523070"/>
-            <a:chExt cx="1218324" cy="963372"/>
-          </a:xfrm>
-        </p:grpSpPr>
-        <p:sp>
-          <p:nvSpPr>
-            <p:cNvPr id="99" name="Shape 472"/>
-            <p:cNvSpPr/>
-            <p:nvPr/>
-          </p:nvSpPr>
-          <p:spPr>
-            <a:xfrm>
-              <a:off x="6716008" y="1523070"/>
-              <a:ext cx="707234" cy="707233"/>
-            </a:xfrm>
-            <a:custGeom>
-              <a:avLst/>
-              <a:gdLst/>
-              <a:ahLst/>
-              <a:cxnLst>
-                <a:cxn ang="0">
-                  <a:pos x="wd2" y="hd2"/>
-                </a:cxn>
-                <a:cxn ang="5400000">
-                  <a:pos x="wd2" y="hd2"/>
-                </a:cxn>
-                <a:cxn ang="10800000">
-                  <a:pos x="wd2" y="hd2"/>
-                </a:cxn>
-                <a:cxn ang="16200000">
-                  <a:pos x="wd2" y="hd2"/>
-                </a:cxn>
-              </a:cxnLst>
-              <a:rect l="0" t="0" r="r" b="b"/>
-              <a:pathLst>
-                <a:path w="19679" h="19679" extrusionOk="0">
-                  <a:moveTo>
-                    <a:pt x="16796" y="2882"/>
-                  </a:moveTo>
-                  <a:cubicBezTo>
-                    <a:pt x="20639" y="6724"/>
-                    <a:pt x="20639" y="12954"/>
-                    <a:pt x="16796" y="16796"/>
-                  </a:cubicBezTo>
-                  <a:cubicBezTo>
-                    <a:pt x="12954" y="20639"/>
-                    <a:pt x="6724" y="20639"/>
-                    <a:pt x="2882" y="16796"/>
-                  </a:cubicBezTo>
-                  <a:cubicBezTo>
-                    <a:pt x="-961" y="12954"/>
-                    <a:pt x="-961" y="6724"/>
-                    <a:pt x="2882" y="2882"/>
-                  </a:cubicBezTo>
-                  <a:cubicBezTo>
-                    <a:pt x="6724" y="-961"/>
-                    <a:pt x="12954" y="-961"/>
-                    <a:pt x="16796" y="2882"/>
-                  </a:cubicBezTo>
-                  <a:close/>
-                </a:path>
-              </a:pathLst>
-            </a:custGeom>
-            <a:solidFill>
-              <a:srgbClr val="E42233"/>
-            </a:solidFill>
-            <a:ln w="3175" cap="flat">
-              <a:noFill/>
-              <a:miter lim="400000"/>
-            </a:ln>
-            <a:effectLst/>
-          </p:spPr>
-          <p:txBody>
-            <a:bodyPr wrap="square" lIns="0" tIns="0" rIns="0" bIns="0" numCol="1" anchor="ctr">
-              <a:noAutofit/>
-            </a:bodyPr>
-            <a:lstStyle/>
-            <a:p>
-              <a:pPr lvl="0">
-                <a:defRPr sz="1800">
-                  <a:solidFill>
-                    <a:srgbClr val="FFFFFF"/>
-                  </a:solidFill>
-                </a:defRPr>
-              </a:pPr>
-              <a:endParaRPr/>
-            </a:p>
-          </p:txBody>
-        </p:sp>
-        <p:pic>
-          <p:nvPicPr>
-            <p:cNvPr id="103" name="_-48.png"/>
-            <p:cNvPicPr/>
-            <p:nvPr/>
-          </p:nvPicPr>
-          <p:blipFill>
-            <a:blip r:embed="rId12">
-              <a:extLst/>
-            </a:blip>
-            <a:srcRect l="15658" t="30618" r="15658" b="30618"/>
-            <a:stretch>
-              <a:fillRect/>
-            </a:stretch>
-          </p:blipFill>
-          <p:spPr>
-            <a:xfrm>
-              <a:off x="6825226" y="1738574"/>
-              <a:ext cx="485752" cy="273055"/>
-            </a:xfrm>
-            <a:prstGeom prst="rect">
-              <a:avLst/>
-            </a:prstGeom>
-            <a:ln w="3175" cap="flat">
-              <a:noFill/>
-              <a:miter lim="400000"/>
-            </a:ln>
-            <a:effectLst/>
-          </p:spPr>
-        </p:pic>
-        <p:sp>
-          <p:nvSpPr>
-            <p:cNvPr id="227" name="TextBox 226"/>
-            <p:cNvSpPr txBox="1"/>
-            <p:nvPr/>
-          </p:nvSpPr>
-          <p:spPr>
-            <a:xfrm>
-              <a:off x="6470026" y="2222429"/>
-              <a:ext cx="1218324" cy="264013"/>
-            </a:xfrm>
-            <a:prstGeom prst="rect">
-              <a:avLst/>
-            </a:prstGeom>
-            <a:noFill/>
-            <a:ln w="3175" cap="flat">
-              <a:noFill/>
-              <a:miter lim="400000"/>
-            </a:ln>
-            <a:effectLst/>
-          </p:spPr>
-          <p:style>
-            <a:lnRef idx="0">
-              <a:scrgbClr r="0" g="0" b="0"/>
-            </a:lnRef>
-            <a:fillRef idx="0">
-              <a:scrgbClr r="0" g="0" b="0"/>
-            </a:fillRef>
-            <a:effectRef idx="0">
-              <a:scrgbClr r="0" g="0" b="0"/>
-            </a:effectRef>
-            <a:fontRef idx="none"/>
-          </p:style>
-          <p:txBody>
-            <a:bodyPr rot="0" spcFirstLastPara="1" vertOverflow="overflow" horzOverflow="overflow" vert="horz" wrap="square" lIns="39290" tIns="39290" rIns="39290" bIns="39290" numCol="1" spcCol="38100" rtlCol="0" anchor="ctr">
-              <a:spAutoFit/>
-            </a:bodyPr>
-            <a:lstStyle/>
-            <a:p>
-              <a:pPr rtl="0" latinLnBrk="1" hangingPunct="0"/>
-              <a:r>
-                <a:rPr lang="en-US" sz="1200" dirty="0">
-                  <a:solidFill>
-                    <a:srgbClr val="000000"/>
-                  </a:solidFill>
-                  <a:latin typeface="Arial"/>
-                  <a:cs typeface="Arial"/>
-                </a:rPr>
-                <a:t>Firewall</a:t>
-              </a:r>
-            </a:p>
-          </p:txBody>
-        </p:sp>
-      </p:grpSp>
-      <p:sp>
-        <p:nvSpPr>
-          <p:cNvPr id="228" name="TextBox 227"/>
-          <p:cNvSpPr txBox="1"/>
-          <p:nvPr/>
-        </p:nvSpPr>
-        <p:spPr>
-          <a:xfrm>
-            <a:off x="7647955" y="3133536"/>
-            <a:ext cx="1218324" cy="264013"/>
-          </a:xfrm>
-          <a:prstGeom prst="rect">
-            <a:avLst/>
-          </a:prstGeom>
-          <a:noFill/>
-          <a:ln w="3175" cap="flat">
-            <a:noFill/>
-            <a:miter lim="400000"/>
-          </a:ln>
-          <a:effectLst/>
-        </p:spPr>
-        <p:style>
-          <a:lnRef idx="0">
-            <a:scrgbClr r="0" g="0" b="0"/>
-          </a:lnRef>
-          <a:fillRef idx="0">
-            <a:scrgbClr r="0" g="0" b="0"/>
-          </a:fillRef>
-          <a:effectRef idx="0">
-            <a:scrgbClr r="0" g="0" b="0"/>
-          </a:effectRef>
-          <a:fontRef idx="none"/>
-        </p:style>
-        <p:txBody>
-          <a:bodyPr rot="0" spcFirstLastPara="1" vertOverflow="overflow" horzOverflow="overflow" vert="horz" wrap="square" lIns="39290" tIns="39290" rIns="39290" bIns="39290" numCol="1" spcCol="38100" rtlCol="0" anchor="ctr">
-            <a:spAutoFit/>
-          </a:bodyPr>
-          <a:lstStyle/>
-          <a:p>
-            <a:pPr rtl="0" latinLnBrk="1" hangingPunct="0"/>
-            <a:r>
-              <a:rPr lang="en-US" sz="1200" dirty="0">
-                <a:solidFill>
-                  <a:srgbClr val="000000"/>
-                </a:solidFill>
-                <a:latin typeface="Arial"/>
-                <a:cs typeface="Arial"/>
-              </a:rPr>
-              <a:t>Ingress</a:t>
-            </a:r>
-          </a:p>
-        </p:txBody>
-      </p:sp>
-      <p:cxnSp>
-        <p:nvCxnSpPr>
-          <p:cNvPr id="229" name="Straight Arrow Connector 62"/>
-          <p:cNvCxnSpPr/>
-          <p:nvPr/>
-        </p:nvCxnSpPr>
-        <p:spPr>
-          <a:xfrm flipV="1">
-            <a:off x="1376340" y="2434818"/>
-            <a:ext cx="1108352" cy="1"/>
-          </a:xfrm>
-          <a:prstGeom prst="straightConnector1">
-            <a:avLst/>
-          </a:prstGeom>
-          <a:noFill/>
-          <a:ln w="12700" cap="flat" cmpd="sng">
-            <a:solidFill>
-              <a:schemeClr val="bg1">
-                <a:lumMod val="85000"/>
-              </a:schemeClr>
-            </a:solidFill>
-            <a:prstDash val="solid"/>
-            <a:miter lim="400000"/>
-            <a:headEnd type="none"/>
-            <a:tailEnd type="none"/>
-          </a:ln>
-          <a:effectLst/>
-        </p:spPr>
-        <p:style>
-          <a:lnRef idx="0">
-            <a:scrgbClr r="0" g="0" b="0"/>
-          </a:lnRef>
-          <a:fillRef idx="0">
-            <a:scrgbClr r="0" g="0" b="0"/>
-          </a:fillRef>
-          <a:effectRef idx="0">
-            <a:scrgbClr r="0" g="0" b="0"/>
-          </a:effectRef>
-          <a:fontRef idx="none"/>
-        </p:style>
-      </p:cxnSp>
-      <p:sp>
-        <p:nvSpPr>
-          <p:cNvPr id="230" name="Rectangle 229"/>
-          <p:cNvSpPr/>
-          <p:nvPr/>
-        </p:nvSpPr>
-        <p:spPr>
-          <a:xfrm>
-            <a:off x="6681060" y="2291648"/>
-            <a:ext cx="3138066" cy="3939120"/>
-          </a:xfrm>
-          <a:prstGeom prst="rect">
-            <a:avLst/>
-          </a:prstGeom>
-          <a:ln w="12700">
-            <a:solidFill>
-              <a:schemeClr val="bg1">
-                <a:lumMod val="75000"/>
-              </a:schemeClr>
-            </a:solidFill>
-            <a:miter lim="400000"/>
-          </a:ln>
-        </p:spPr>
-        <p:txBody>
-          <a:bodyPr lIns="0" tIns="0" rIns="0" bIns="0" rtlCol="0" anchor="ctr"/>
-          <a:lstStyle/>
-          <a:p>
-            <a:pPr algn="ctr"/>
-            <a:endParaRPr lang="en-US" sz="1800">
-              <a:solidFill>
-                <a:srgbClr val="4277BB"/>
-              </a:solidFill>
-            </a:endParaRPr>
-          </a:p>
-        </p:txBody>
-      </p:sp>
-      <p:sp>
-        <p:nvSpPr>
-          <p:cNvPr id="231" name="Shape 65"/>
-          <p:cNvSpPr/>
-          <p:nvPr/>
-        </p:nvSpPr>
-        <p:spPr>
-          <a:xfrm>
-            <a:off x="6791046" y="5842627"/>
-            <a:ext cx="1755689" cy="246221"/>
-          </a:xfrm>
-          <a:prstGeom prst="rect">
-            <a:avLst/>
-          </a:prstGeom>
-          <a:ln w="3175">
-            <a:miter lim="400000"/>
-          </a:ln>
-          <a:extLst>
-            <a:ext uri="{C572A759-6A51-4108-AA02-DFA0A04FC94B}">
-              <ma14:wrappingTextBoxFlag xmlns:ma14="http://schemas.microsoft.com/office/mac/drawingml/2011/main" xmlns="" val="1"/>
-            </a:ext>
-          </a:extLst>
-        </p:spPr>
-        <p:txBody>
-          <a:bodyPr wrap="none" lIns="0" tIns="0" rIns="0" bIns="0">
-            <a:spAutoFit/>
-          </a:bodyPr>
-          <a:lstStyle>
-            <a:lvl1pPr algn="l">
-              <a:defRPr sz="1000" b="1">
-                <a:solidFill>
-                  <a:srgbClr val="4277BB"/>
-                </a:solidFill>
-                <a:latin typeface="Helvetica"/>
-                <a:ea typeface="Helvetica"/>
-                <a:cs typeface="Helvetica"/>
-                <a:sym typeface="Helvetica"/>
-              </a:defRPr>
-            </a:lvl1pPr>
-          </a:lstStyle>
-          <a:p>
-            <a:pPr lvl="0">
-              <a:defRPr sz="1800" b="0">
-                <a:solidFill>
-                  <a:srgbClr val="000000"/>
-                </a:solidFill>
-              </a:defRPr>
-            </a:pPr>
-            <a:r>
-              <a:rPr lang="de-DE" sz="1600" b="1" dirty="0">
-                <a:solidFill>
-                  <a:srgbClr val="000000"/>
-                </a:solidFill>
-                <a:latin typeface="Arial"/>
-                <a:cs typeface="Arial"/>
-              </a:rPr>
-              <a:t>IBM Cloud Private</a:t>
-            </a:r>
-            <a:endParaRPr sz="1600" b="1" dirty="0">
-              <a:solidFill>
-                <a:srgbClr val="000000"/>
-              </a:solidFill>
-              <a:latin typeface="Arial"/>
-              <a:cs typeface="Arial"/>
-            </a:endParaRPr>
-          </a:p>
-        </p:txBody>
-      </p:sp>
-      <p:cxnSp>
-        <p:nvCxnSpPr>
-          <p:cNvPr id="233" name="Straight Arrow Connector 62"/>
-          <p:cNvCxnSpPr/>
-          <p:nvPr/>
-        </p:nvCxnSpPr>
-        <p:spPr>
-          <a:xfrm>
-            <a:off x="4615642" y="1109507"/>
-            <a:ext cx="276076" cy="0"/>
-          </a:xfrm>
-          <a:prstGeom prst="straightConnector1">
-            <a:avLst/>
-          </a:prstGeom>
-          <a:noFill/>
-          <a:ln w="12700" cap="flat" cmpd="sng">
-            <a:solidFill>
-              <a:schemeClr val="bg1">
-                <a:lumMod val="85000"/>
-              </a:schemeClr>
-            </a:solidFill>
-            <a:prstDash val="solid"/>
-            <a:miter lim="400000"/>
-            <a:headEnd type="none"/>
-            <a:tailEnd type="none"/>
-          </a:ln>
-          <a:effectLst/>
-        </p:spPr>
-        <p:style>
-          <a:lnRef idx="0">
-            <a:scrgbClr r="0" g="0" b="0"/>
-          </a:lnRef>
-          <a:fillRef idx="0">
-            <a:scrgbClr r="0" g="0" b="0"/>
-          </a:fillRef>
-          <a:effectRef idx="0">
-            <a:scrgbClr r="0" g="0" b="0"/>
-          </a:effectRef>
-          <a:fontRef idx="none"/>
-        </p:style>
-      </p:cxnSp>
-      <p:cxnSp>
-        <p:nvCxnSpPr>
-          <p:cNvPr id="234" name="Straight Arrow Connector 62"/>
-          <p:cNvCxnSpPr/>
-          <p:nvPr/>
-        </p:nvCxnSpPr>
-        <p:spPr>
-          <a:xfrm>
-            <a:off x="5738355" y="1127914"/>
-            <a:ext cx="276076" cy="0"/>
-          </a:xfrm>
-          <a:prstGeom prst="straightConnector1">
-            <a:avLst/>
-          </a:prstGeom>
-          <a:noFill/>
-          <a:ln w="12700" cap="flat" cmpd="sng">
-            <a:solidFill>
-              <a:schemeClr val="bg1">
-                <a:lumMod val="85000"/>
-              </a:schemeClr>
-            </a:solidFill>
-            <a:prstDash val="solid"/>
-            <a:miter lim="400000"/>
-            <a:headEnd type="none"/>
-            <a:tailEnd type="none"/>
-          </a:ln>
-          <a:effectLst/>
-        </p:spPr>
-        <p:style>
-          <a:lnRef idx="0">
-            <a:scrgbClr r="0" g="0" b="0"/>
-          </a:lnRef>
-          <a:fillRef idx="0">
-            <a:scrgbClr r="0" g="0" b="0"/>
-          </a:fillRef>
-          <a:effectRef idx="0">
-            <a:scrgbClr r="0" g="0" b="0"/>
-          </a:effectRef>
-          <a:fontRef idx="none"/>
-        </p:style>
-      </p:cxnSp>
-      <p:cxnSp>
-        <p:nvCxnSpPr>
-          <p:cNvPr id="235" name="Straight Arrow Connector 62"/>
-          <p:cNvCxnSpPr>
-            <a:endCxn id="192" idx="1"/>
-          </p:cNvCxnSpPr>
-          <p:nvPr/>
-        </p:nvCxnSpPr>
-        <p:spPr>
-          <a:xfrm>
-            <a:off x="6879473" y="1100304"/>
-            <a:ext cx="771432" cy="5071"/>
-          </a:xfrm>
-          <a:prstGeom prst="straightConnector1">
-            <a:avLst/>
-          </a:prstGeom>
-          <a:noFill/>
-          <a:ln w="12700" cap="flat" cmpd="sng">
-            <a:solidFill>
-              <a:schemeClr val="bg1">
-                <a:lumMod val="85000"/>
-              </a:schemeClr>
-            </a:solidFill>
-            <a:prstDash val="solid"/>
-            <a:miter lim="400000"/>
-            <a:headEnd type="none"/>
-            <a:tailEnd type="none"/>
-          </a:ln>
-          <a:effectLst/>
-        </p:spPr>
-        <p:style>
-          <a:lnRef idx="0">
-            <a:scrgbClr r="0" g="0" b="0"/>
-          </a:lnRef>
-          <a:fillRef idx="0">
-            <a:scrgbClr r="0" g="0" b="0"/>
-          </a:fillRef>
-          <a:effectRef idx="0">
-            <a:scrgbClr r="0" g="0" b="0"/>
-          </a:effectRef>
-          <a:fontRef idx="none"/>
-        </p:style>
-      </p:cxnSp>
-      <p:cxnSp>
-        <p:nvCxnSpPr>
-          <p:cNvPr id="236" name="Straight Arrow Connector 62"/>
-          <p:cNvCxnSpPr/>
-          <p:nvPr/>
-        </p:nvCxnSpPr>
-        <p:spPr>
-          <a:xfrm>
-            <a:off x="8135065" y="3953405"/>
-            <a:ext cx="515343" cy="0"/>
-          </a:xfrm>
-          <a:prstGeom prst="straightConnector1">
-            <a:avLst/>
-          </a:prstGeom>
-          <a:noFill/>
-          <a:ln w="12700" cap="flat" cmpd="sng">
-            <a:solidFill>
-              <a:schemeClr val="bg1">
-                <a:lumMod val="85000"/>
-              </a:schemeClr>
-            </a:solidFill>
-            <a:prstDash val="solid"/>
-            <a:miter lim="400000"/>
-            <a:headEnd type="none"/>
-            <a:tailEnd type="none"/>
-          </a:ln>
-          <a:effectLst/>
-        </p:spPr>
-        <p:style>
-          <a:lnRef idx="0">
-            <a:scrgbClr r="0" g="0" b="0"/>
-          </a:lnRef>
-          <a:fillRef idx="0">
-            <a:scrgbClr r="0" g="0" b="0"/>
-          </a:fillRef>
-          <a:effectRef idx="0">
-            <a:scrgbClr r="0" g="0" b="0"/>
-          </a:effectRef>
-          <a:fontRef idx="none"/>
-        </p:style>
-      </p:cxnSp>
-      <p:cxnSp>
-        <p:nvCxnSpPr>
-          <p:cNvPr id="237" name="Straight Arrow Connector 62"/>
-          <p:cNvCxnSpPr/>
-          <p:nvPr/>
-        </p:nvCxnSpPr>
-        <p:spPr>
-          <a:xfrm flipV="1">
-            <a:off x="7601316" y="3055542"/>
-            <a:ext cx="266874" cy="404957"/>
-          </a:xfrm>
-          <a:prstGeom prst="straightConnector1">
-            <a:avLst/>
-          </a:prstGeom>
-          <a:noFill/>
-          <a:ln w="12700" cap="flat" cmpd="sng">
-            <a:solidFill>
-              <a:schemeClr val="bg1">
-                <a:lumMod val="85000"/>
-              </a:schemeClr>
-            </a:solidFill>
-            <a:prstDash val="solid"/>
-            <a:miter lim="400000"/>
-            <a:headEnd type="none"/>
-            <a:tailEnd type="none"/>
-          </a:ln>
-          <a:effectLst/>
-        </p:spPr>
-        <p:style>
-          <a:lnRef idx="0">
-            <a:scrgbClr r="0" g="0" b="0"/>
-          </a:lnRef>
-          <a:fillRef idx="0">
-            <a:scrgbClr r="0" g="0" b="0"/>
-          </a:fillRef>
-          <a:effectRef idx="0">
-            <a:scrgbClr r="0" g="0" b="0"/>
-          </a:effectRef>
-          <a:fontRef idx="none"/>
-        </p:style>
-      </p:cxnSp>
-      <p:cxnSp>
-        <p:nvCxnSpPr>
-          <p:cNvPr id="30" name="Straight Connector 29"/>
-          <p:cNvCxnSpPr/>
-          <p:nvPr/>
-        </p:nvCxnSpPr>
-        <p:spPr>
-          <a:xfrm>
-            <a:off x="4196368" y="1656605"/>
-            <a:ext cx="0" cy="368142"/>
-          </a:xfrm>
-          <a:prstGeom prst="line">
-            <a:avLst/>
-          </a:prstGeom>
-          <a:noFill/>
-          <a:ln w="12700" cap="flat">
-            <a:solidFill>
-              <a:schemeClr val="bg1">
-                <a:lumMod val="85000"/>
-              </a:schemeClr>
-            </a:solidFill>
-            <a:prstDash val="solid"/>
-            <a:miter lim="400000"/>
-          </a:ln>
-          <a:effectLst/>
-        </p:spPr>
-        <p:style>
-          <a:lnRef idx="0">
-            <a:scrgbClr r="0" g="0" b="0"/>
-          </a:lnRef>
-          <a:fillRef idx="0">
-            <a:scrgbClr r="0" g="0" b="0"/>
-          </a:fillRef>
-          <a:effectRef idx="0">
-            <a:scrgbClr r="0" g="0" b="0"/>
-          </a:effectRef>
-          <a:fontRef idx="none"/>
-        </p:style>
-      </p:cxnSp>
-      <p:cxnSp>
-        <p:nvCxnSpPr>
-          <p:cNvPr id="238" name="Straight Connector 237"/>
-          <p:cNvCxnSpPr/>
-          <p:nvPr/>
-        </p:nvCxnSpPr>
-        <p:spPr>
-          <a:xfrm>
-            <a:off x="8213845" y="2125981"/>
-            <a:ext cx="0" cy="253641"/>
-          </a:xfrm>
-          <a:prstGeom prst="line">
-            <a:avLst/>
-          </a:prstGeom>
-          <a:noFill/>
-          <a:ln w="12700" cap="flat">
-            <a:solidFill>
-              <a:schemeClr val="bg1">
-                <a:lumMod val="85000"/>
-              </a:schemeClr>
-            </a:solidFill>
-            <a:prstDash val="solid"/>
-            <a:miter lim="400000"/>
-          </a:ln>
-          <a:effectLst/>
-        </p:spPr>
-        <p:style>
-          <a:lnRef idx="0">
-            <a:scrgbClr r="0" g="0" b="0"/>
-          </a:lnRef>
-          <a:fillRef idx="0">
-            <a:scrgbClr r="0" g="0" b="0"/>
-          </a:fillRef>
-          <a:effectRef idx="0">
-            <a:scrgbClr r="0" g="0" b="0"/>
-          </a:effectRef>
-          <a:fontRef idx="none"/>
-        </p:style>
-      </p:cxnSp>
-      <p:sp>
-        <p:nvSpPr>
-          <p:cNvPr id="241" name="TextBox 240"/>
-          <p:cNvSpPr txBox="1"/>
-          <p:nvPr/>
-        </p:nvSpPr>
-        <p:spPr>
-          <a:xfrm>
-            <a:off x="7057762" y="876754"/>
-            <a:ext cx="328643" cy="233236"/>
-          </a:xfrm>
-          <a:prstGeom prst="rect">
-            <a:avLst/>
-          </a:prstGeom>
-          <a:noFill/>
-          <a:ln w="3175" cap="flat">
-            <a:noFill/>
-            <a:miter lim="400000"/>
-          </a:ln>
-          <a:effectLst/>
-        </p:spPr>
-        <p:style>
-          <a:lnRef idx="0">
-            <a:scrgbClr r="0" g="0" b="0"/>
-          </a:lnRef>
-          <a:fillRef idx="0">
-            <a:scrgbClr r="0" g="0" b="0"/>
-          </a:fillRef>
-          <a:effectRef idx="0">
-            <a:scrgbClr r="0" g="0" b="0"/>
-          </a:effectRef>
-          <a:fontRef idx="none"/>
-        </p:style>
-        <p:txBody>
-          <a:bodyPr rot="0" spcFirstLastPara="1" vertOverflow="overflow" horzOverflow="overflow" vert="horz" wrap="none" lIns="39290" tIns="39290" rIns="39290" bIns="39290" numCol="1" spcCol="38100" rtlCol="0" anchor="ctr">
-            <a:spAutoFit/>
-          </a:bodyPr>
-          <a:lstStyle/>
-          <a:p>
-            <a:pPr marL="0" marR="0" indent="0" algn="ctr" defTabSz="584200" rtl="0" fontAlgn="auto" latinLnBrk="1" hangingPunct="0">
-              <a:lnSpc>
-                <a:spcPct val="100000"/>
-              </a:lnSpc>
-              <a:spcBef>
-                <a:spcPts val="0"/>
-              </a:spcBef>
-              <a:spcAft>
-                <a:spcPts val="0"/>
-              </a:spcAft>
-              <a:buClrTx/>
-              <a:buSzTx/>
-              <a:buFontTx/>
-              <a:buNone/>
-              <a:tabLst/>
-            </a:pPr>
-            <a:r>
-              <a:rPr kumimoji="0" lang="en-US" sz="1000" b="0" i="0" u="none" strike="noStrike" cap="none" spc="0" normalizeH="0" baseline="0" dirty="0">
-                <a:ln>
-                  <a:noFill/>
-                </a:ln>
-                <a:solidFill>
-                  <a:srgbClr val="000000"/>
-                </a:solidFill>
-                <a:effectLst/>
-                <a:uFillTx/>
-                <a:latin typeface="+mn-lt"/>
-                <a:ea typeface="+mn-ea"/>
-                <a:cs typeface="+mn-cs"/>
-                <a:sym typeface="Helvetica Light"/>
-              </a:rPr>
-              <a:t>VPN</a:t>
-            </a:r>
-          </a:p>
-        </p:txBody>
-      </p:sp>
-      <p:sp>
-        <p:nvSpPr>
-          <p:cNvPr id="242" name="TextBox 241"/>
-          <p:cNvSpPr txBox="1"/>
-          <p:nvPr/>
-        </p:nvSpPr>
-        <p:spPr>
-          <a:xfrm>
-            <a:off x="5737752" y="891101"/>
-            <a:ext cx="328643" cy="233236"/>
-          </a:xfrm>
-          <a:prstGeom prst="rect">
-            <a:avLst/>
-          </a:prstGeom>
-          <a:noFill/>
-          <a:ln w="3175" cap="flat">
-            <a:noFill/>
-            <a:miter lim="400000"/>
-          </a:ln>
-          <a:effectLst/>
-        </p:spPr>
-        <p:style>
-          <a:lnRef idx="0">
-            <a:scrgbClr r="0" g="0" b="0"/>
-          </a:lnRef>
-          <a:fillRef idx="0">
-            <a:scrgbClr r="0" g="0" b="0"/>
-          </a:fillRef>
-          <a:effectRef idx="0">
-            <a:scrgbClr r="0" g="0" b="0"/>
-          </a:effectRef>
-          <a:fontRef idx="none"/>
-        </p:style>
-        <p:txBody>
-          <a:bodyPr rot="0" spcFirstLastPara="1" vertOverflow="overflow" horzOverflow="overflow" vert="horz" wrap="none" lIns="39290" tIns="39290" rIns="39290" bIns="39290" numCol="1" spcCol="38100" rtlCol="0" anchor="ctr">
-            <a:spAutoFit/>
-          </a:bodyPr>
-          <a:lstStyle/>
-          <a:p>
-            <a:pPr marL="0" marR="0" indent="0" algn="ctr" defTabSz="584200" rtl="0" fontAlgn="auto" latinLnBrk="1" hangingPunct="0">
-              <a:lnSpc>
-                <a:spcPct val="100000"/>
-              </a:lnSpc>
-              <a:spcBef>
-                <a:spcPts val="0"/>
-              </a:spcBef>
-              <a:spcAft>
-                <a:spcPts val="0"/>
-              </a:spcAft>
-              <a:buClrTx/>
-              <a:buSzTx/>
-              <a:buFontTx/>
-              <a:buNone/>
-              <a:tabLst/>
-            </a:pPr>
-            <a:r>
-              <a:rPr kumimoji="0" lang="en-US" sz="1000" b="0" i="0" u="none" strike="noStrike" cap="none" spc="0" normalizeH="0" baseline="0" dirty="0">
-                <a:ln>
-                  <a:noFill/>
-                </a:ln>
-                <a:solidFill>
-                  <a:srgbClr val="000000"/>
-                </a:solidFill>
-                <a:effectLst/>
-                <a:uFillTx/>
-                <a:latin typeface="+mn-lt"/>
-                <a:ea typeface="+mn-ea"/>
-                <a:cs typeface="+mn-cs"/>
-                <a:sym typeface="Helvetica Light"/>
-              </a:rPr>
-              <a:t>VPN</a:t>
-            </a:r>
-          </a:p>
-        </p:txBody>
-      </p:sp>
-      <p:sp>
-        <p:nvSpPr>
-          <p:cNvPr id="243" name="TextBox 242"/>
-          <p:cNvSpPr txBox="1"/>
-          <p:nvPr/>
-        </p:nvSpPr>
-        <p:spPr>
-          <a:xfrm>
-            <a:off x="8218021" y="2069157"/>
-            <a:ext cx="374300" cy="233236"/>
-          </a:xfrm>
-          <a:prstGeom prst="rect">
-            <a:avLst/>
-          </a:prstGeom>
-          <a:noFill/>
-          <a:ln w="3175" cap="flat">
-            <a:noFill/>
-            <a:miter lim="400000"/>
-          </a:ln>
-          <a:effectLst/>
-        </p:spPr>
-        <p:style>
-          <a:lnRef idx="0">
-            <a:scrgbClr r="0" g="0" b="0"/>
-          </a:lnRef>
-          <a:fillRef idx="0">
-            <a:scrgbClr r="0" g="0" b="0"/>
-          </a:fillRef>
-          <a:effectRef idx="0">
-            <a:scrgbClr r="0" g="0" b="0"/>
-          </a:effectRef>
-          <a:fontRef idx="none"/>
-        </p:style>
-        <p:txBody>
-          <a:bodyPr rot="0" spcFirstLastPara="1" vertOverflow="overflow" horzOverflow="overflow" vert="horz" wrap="none" lIns="39290" tIns="39290" rIns="39290" bIns="39290" numCol="1" spcCol="38100" rtlCol="0" anchor="ctr">
-            <a:spAutoFit/>
-          </a:bodyPr>
-          <a:lstStyle/>
-          <a:p>
-            <a:pPr marL="0" marR="0" indent="0" algn="ctr" defTabSz="584200" rtl="0" fontAlgn="auto" latinLnBrk="1" hangingPunct="0">
-              <a:lnSpc>
-                <a:spcPct val="100000"/>
-              </a:lnSpc>
-              <a:spcBef>
-                <a:spcPts val="0"/>
-              </a:spcBef>
-              <a:spcAft>
-                <a:spcPts val="0"/>
-              </a:spcAft>
-              <a:buClrTx/>
-              <a:buSzTx/>
-              <a:buFontTx/>
-              <a:buNone/>
-              <a:tabLst/>
-            </a:pPr>
-            <a:r>
-              <a:rPr kumimoji="0" lang="en-US" sz="1000" b="0" i="0" u="none" strike="noStrike" cap="none" spc="0" normalizeH="0" baseline="0" dirty="0">
-                <a:ln>
-                  <a:noFill/>
-                </a:ln>
-                <a:solidFill>
-                  <a:srgbClr val="000000"/>
-                </a:solidFill>
-                <a:effectLst/>
-                <a:uFillTx/>
-                <a:latin typeface="+mn-lt"/>
-                <a:ea typeface="+mn-ea"/>
-                <a:cs typeface="+mn-cs"/>
-                <a:sym typeface="Helvetica Light"/>
-              </a:rPr>
-              <a:t>https</a:t>
-            </a:r>
-          </a:p>
-        </p:txBody>
-      </p:sp>
-      <p:sp>
-        <p:nvSpPr>
-          <p:cNvPr id="244" name="TextBox 243"/>
-          <p:cNvSpPr txBox="1"/>
-          <p:nvPr/>
-        </p:nvSpPr>
-        <p:spPr>
-          <a:xfrm>
-            <a:off x="4597371" y="877839"/>
-            <a:ext cx="374300" cy="233236"/>
-          </a:xfrm>
-          <a:prstGeom prst="rect">
-            <a:avLst/>
-          </a:prstGeom>
-          <a:noFill/>
-          <a:ln w="3175" cap="flat">
-            <a:noFill/>
-            <a:miter lim="400000"/>
-          </a:ln>
-          <a:effectLst/>
-        </p:spPr>
-        <p:style>
-          <a:lnRef idx="0">
-            <a:scrgbClr r="0" g="0" b="0"/>
-          </a:lnRef>
-          <a:fillRef idx="0">
-            <a:scrgbClr r="0" g="0" b="0"/>
-          </a:fillRef>
-          <a:effectRef idx="0">
-            <a:scrgbClr r="0" g="0" b="0"/>
-          </a:effectRef>
-          <a:fontRef idx="none"/>
-        </p:style>
-        <p:txBody>
-          <a:bodyPr rot="0" spcFirstLastPara="1" vertOverflow="overflow" horzOverflow="overflow" vert="horz" wrap="none" lIns="39290" tIns="39290" rIns="39290" bIns="39290" numCol="1" spcCol="38100" rtlCol="0" anchor="ctr">
-            <a:spAutoFit/>
-          </a:bodyPr>
-          <a:lstStyle/>
-          <a:p>
-            <a:pPr marL="0" marR="0" indent="0" algn="ctr" defTabSz="584200" rtl="0" fontAlgn="auto" latinLnBrk="1" hangingPunct="0">
-              <a:lnSpc>
-                <a:spcPct val="100000"/>
-              </a:lnSpc>
-              <a:spcBef>
-                <a:spcPts val="0"/>
-              </a:spcBef>
-              <a:spcAft>
-                <a:spcPts val="0"/>
-              </a:spcAft>
-              <a:buClrTx/>
-              <a:buSzTx/>
-              <a:buFontTx/>
-              <a:buNone/>
-              <a:tabLst/>
-            </a:pPr>
-            <a:r>
-              <a:rPr kumimoji="0" lang="en-US" sz="1000" b="0" i="0" u="none" strike="noStrike" cap="none" spc="0" normalizeH="0" baseline="0" dirty="0">
-                <a:ln>
-                  <a:noFill/>
-                </a:ln>
-                <a:solidFill>
-                  <a:srgbClr val="000000"/>
-                </a:solidFill>
-                <a:effectLst/>
-                <a:uFillTx/>
-                <a:latin typeface="+mn-lt"/>
-                <a:ea typeface="+mn-ea"/>
-                <a:cs typeface="+mn-cs"/>
-                <a:sym typeface="Helvetica Light"/>
-              </a:rPr>
-              <a:t>https</a:t>
-            </a:r>
-          </a:p>
-        </p:txBody>
-      </p:sp>
-    </p:spTree>
-    <p:extLst>
-      <p:ext uri="{BB962C8B-B14F-4D97-AF65-F5344CB8AC3E}">
-        <p14:creationId xmlns:p14="http://schemas.microsoft.com/office/powerpoint/2010/main" val="1123314655"/>
-      </p:ext>
-    </p:extLst>
-  </p:cSld>
-  <p:clrMapOvr>
-    <a:masterClrMapping/>
-  </p:clrMapOvr>
-  <p:transition spd="med"/>
-</p:sld>
-</file>
-
-<file path=ppt/slides/slide6.xml><?xml version="1.0" encoding="utf-8"?>
-<p:sld xmlns:a="http://schemas.openxmlformats.org/drawingml/2006/main" xmlns:r="http://schemas.openxmlformats.org/officeDocument/2006/relationships" xmlns:p="http://schemas.openxmlformats.org/presentationml/2006/main">
-  <p:cSld>
-    <p:spTree>
-      <p:nvGrpSpPr>
-        <p:cNvPr id="1" name=""/>
-        <p:cNvGrpSpPr/>
-        <p:nvPr/>
-      </p:nvGrpSpPr>
-      <p:grpSpPr>
-        <a:xfrm>
-          <a:off x="0" y="0"/>
-          <a:ext cx="0" cy="0"/>
-          <a:chOff x="0" y="0"/>
-          <a:chExt cx="0" cy="0"/>
-        </a:xfrm>
-      </p:grpSpPr>
-      <p:pic>
-        <p:nvPicPr>
-          <p:cNvPr id="104" name="Picture 103"/>
-          <p:cNvPicPr>
-            <a:picLocks noChangeAspect="1"/>
-          </p:cNvPicPr>
-          <p:nvPr/>
-        </p:nvPicPr>
-        <p:blipFill>
-          <a:blip r:embed="rId2"/>
-          <a:stretch>
-            <a:fillRect/>
-          </a:stretch>
-        </p:blipFill>
-        <p:spPr>
-          <a:xfrm>
-            <a:off x="4793983" y="646945"/>
-            <a:ext cx="991378" cy="937303"/>
-          </a:xfrm>
-          <a:prstGeom prst="rect">
-            <a:avLst/>
-          </a:prstGeom>
-        </p:spPr>
-      </p:pic>
-      <p:pic>
-        <p:nvPicPr>
-          <p:cNvPr id="106" name="Picture 105"/>
-          <p:cNvPicPr>
-            <a:picLocks noChangeAspect="1"/>
-          </p:cNvPicPr>
-          <p:nvPr/>
-        </p:nvPicPr>
-        <p:blipFill>
-          <a:blip r:embed="rId3"/>
-          <a:stretch>
-            <a:fillRect/>
-          </a:stretch>
-        </p:blipFill>
-        <p:spPr>
-          <a:xfrm>
-            <a:off x="7049821" y="3549859"/>
-            <a:ext cx="1016837" cy="667864"/>
-          </a:xfrm>
-          <a:prstGeom prst="rect">
-            <a:avLst/>
-          </a:prstGeom>
-        </p:spPr>
-      </p:pic>
-      <p:pic>
-        <p:nvPicPr>
-          <p:cNvPr id="112" name="Picture 111"/>
-          <p:cNvPicPr>
-            <a:picLocks noChangeAspect="1"/>
-          </p:cNvPicPr>
-          <p:nvPr/>
-        </p:nvPicPr>
-        <p:blipFill>
-          <a:blip r:embed="rId4"/>
-          <a:stretch>
-            <a:fillRect/>
-          </a:stretch>
-        </p:blipFill>
-        <p:spPr>
-          <a:xfrm>
-            <a:off x="8713867" y="3555831"/>
-            <a:ext cx="904187" cy="1017211"/>
-          </a:xfrm>
-          <a:prstGeom prst="rect">
-            <a:avLst/>
-          </a:prstGeom>
-        </p:spPr>
-      </p:pic>
-      <p:sp>
-        <p:nvSpPr>
-          <p:cNvPr id="113" name="TextBox 112"/>
-          <p:cNvSpPr txBox="1"/>
-          <p:nvPr/>
-        </p:nvSpPr>
-        <p:spPr>
-          <a:xfrm>
-            <a:off x="7851721" y="1487788"/>
-            <a:ext cx="737736" cy="633345"/>
-          </a:xfrm>
-          <a:prstGeom prst="rect">
-            <a:avLst/>
-          </a:prstGeom>
-          <a:noFill/>
-          <a:ln w="3175" cap="flat">
-            <a:noFill/>
-            <a:miter lim="400000"/>
-          </a:ln>
-          <a:effectLst/>
-        </p:spPr>
-        <p:style>
-          <a:lnRef idx="0">
-            <a:scrgbClr r="0" g="0" b="0"/>
-          </a:lnRef>
-          <a:fillRef idx="0">
-            <a:scrgbClr r="0" g="0" b="0"/>
-          </a:fillRef>
-          <a:effectRef idx="0">
-            <a:scrgbClr r="0" g="0" b="0"/>
-          </a:effectRef>
-          <a:fontRef idx="none"/>
-        </p:style>
-        <p:txBody>
-          <a:bodyPr rot="0" spcFirstLastPara="1" vertOverflow="overflow" horzOverflow="overflow" vert="horz" wrap="square" lIns="39290" tIns="39290" rIns="39290" bIns="39290" numCol="1" spcCol="38100" rtlCol="0" anchor="ctr">
-            <a:spAutoFit/>
-          </a:bodyPr>
-          <a:lstStyle/>
-          <a:p>
-            <a:pPr marL="0" marR="0" indent="0" defTabSz="584200" rtl="0" fontAlgn="auto" latinLnBrk="1" hangingPunct="0">
-              <a:lnSpc>
-                <a:spcPct val="100000"/>
-              </a:lnSpc>
-              <a:spcBef>
-                <a:spcPts val="0"/>
-              </a:spcBef>
-              <a:spcAft>
-                <a:spcPts val="0"/>
-              </a:spcAft>
-              <a:buClrTx/>
-              <a:buSzTx/>
-              <a:buFontTx/>
-              <a:buNone/>
-              <a:tabLst/>
-            </a:pPr>
-            <a:r>
-              <a:rPr kumimoji="0" lang="en-US" sz="1200" b="0" i="0" u="none" strike="noStrike" cap="none" spc="0" normalizeH="0" baseline="0" dirty="0">
-                <a:ln>
-                  <a:noFill/>
-                </a:ln>
-                <a:solidFill>
-                  <a:srgbClr val="000000"/>
-                </a:solidFill>
-                <a:effectLst/>
-                <a:uFillTx/>
-                <a:latin typeface="Arial"/>
-                <a:ea typeface="+mn-ea"/>
-                <a:cs typeface="Arial"/>
-                <a:sym typeface="Helvetica Light"/>
-              </a:rPr>
-              <a:t>Secure </a:t>
-            </a:r>
-          </a:p>
-          <a:p>
-            <a:pPr marL="0" marR="0" indent="0" defTabSz="584200" rtl="0" fontAlgn="auto" latinLnBrk="1" hangingPunct="0">
-              <a:lnSpc>
-                <a:spcPct val="100000"/>
-              </a:lnSpc>
-              <a:spcBef>
-                <a:spcPts val="0"/>
-              </a:spcBef>
-              <a:spcAft>
-                <a:spcPts val="0"/>
-              </a:spcAft>
-              <a:buClrTx/>
-              <a:buSzTx/>
-              <a:buFontTx/>
-              <a:buNone/>
-              <a:tabLst/>
-            </a:pPr>
-            <a:r>
-              <a:rPr lang="en-US" sz="1200" dirty="0">
-                <a:solidFill>
-                  <a:srgbClr val="000000"/>
-                </a:solidFill>
-                <a:latin typeface="Arial"/>
-                <a:cs typeface="Arial"/>
-              </a:rPr>
-              <a:t>Gateway</a:t>
-            </a:r>
-          </a:p>
-          <a:p>
-            <a:pPr marL="0" marR="0" indent="0" defTabSz="584200" rtl="0" fontAlgn="auto" latinLnBrk="1" hangingPunct="0">
-              <a:lnSpc>
-                <a:spcPct val="100000"/>
-              </a:lnSpc>
-              <a:spcBef>
-                <a:spcPts val="0"/>
-              </a:spcBef>
-              <a:spcAft>
-                <a:spcPts val="0"/>
-              </a:spcAft>
-              <a:buClrTx/>
-              <a:buSzTx/>
-              <a:buFontTx/>
-              <a:buNone/>
-              <a:tabLst/>
-            </a:pPr>
-            <a:r>
-              <a:rPr kumimoji="0" lang="en-US" sz="1200" b="0" i="0" u="none" strike="noStrike" cap="none" spc="0" normalizeH="0" baseline="0" dirty="0">
-                <a:ln>
-                  <a:noFill/>
-                </a:ln>
-                <a:solidFill>
-                  <a:srgbClr val="000000"/>
-                </a:solidFill>
-                <a:effectLst/>
-                <a:uFillTx/>
-                <a:latin typeface="Arial"/>
-                <a:ea typeface="+mn-ea"/>
-                <a:cs typeface="Arial"/>
-                <a:sym typeface="Helvetica Light"/>
-              </a:rPr>
-              <a:t>Client</a:t>
-            </a:r>
-          </a:p>
-        </p:txBody>
-      </p:sp>
-      <p:sp>
-        <p:nvSpPr>
-          <p:cNvPr id="114" name="TextBox 113"/>
-          <p:cNvSpPr txBox="1"/>
-          <p:nvPr/>
-        </p:nvSpPr>
-        <p:spPr>
-          <a:xfrm>
-            <a:off x="8817041" y="4218620"/>
-            <a:ext cx="737736" cy="264013"/>
-          </a:xfrm>
-          <a:prstGeom prst="rect">
-            <a:avLst/>
-          </a:prstGeom>
-          <a:noFill/>
-          <a:ln w="3175" cap="flat">
-            <a:noFill/>
-            <a:miter lim="400000"/>
-          </a:ln>
-          <a:effectLst/>
-        </p:spPr>
-        <p:style>
-          <a:lnRef idx="0">
-            <a:scrgbClr r="0" g="0" b="0"/>
-          </a:lnRef>
-          <a:fillRef idx="0">
-            <a:scrgbClr r="0" g="0" b="0"/>
-          </a:fillRef>
-          <a:effectRef idx="0">
-            <a:scrgbClr r="0" g="0" b="0"/>
-          </a:effectRef>
-          <a:fontRef idx="none"/>
-        </p:style>
-        <p:txBody>
-          <a:bodyPr rot="0" spcFirstLastPara="1" vertOverflow="overflow" horzOverflow="overflow" vert="horz" wrap="square" lIns="39290" tIns="39290" rIns="39290" bIns="39290" numCol="1" spcCol="38100" rtlCol="0" anchor="ctr">
-            <a:spAutoFit/>
-          </a:bodyPr>
-          <a:lstStyle/>
-          <a:p>
-            <a:pPr marL="0" marR="0" indent="0" defTabSz="584200" rtl="0" fontAlgn="auto" latinLnBrk="1" hangingPunct="0">
-              <a:lnSpc>
-                <a:spcPct val="100000"/>
-              </a:lnSpc>
-              <a:spcBef>
-                <a:spcPts val="0"/>
-              </a:spcBef>
-              <a:spcAft>
-                <a:spcPts val="0"/>
-              </a:spcAft>
-              <a:buClrTx/>
-              <a:buSzTx/>
-              <a:buFontTx/>
-              <a:buNone/>
-              <a:tabLst/>
-            </a:pPr>
-            <a:r>
-              <a:rPr kumimoji="0" lang="en-US" sz="1200" b="0" i="0" u="none" strike="noStrike" cap="none" spc="0" normalizeH="0" baseline="0" dirty="0">
-                <a:ln>
-                  <a:noFill/>
-                </a:ln>
-                <a:solidFill>
-                  <a:srgbClr val="000000"/>
-                </a:solidFill>
-                <a:effectLst/>
-                <a:uFillTx/>
-                <a:latin typeface="Arial"/>
-                <a:ea typeface="+mn-ea"/>
-                <a:cs typeface="Arial"/>
-                <a:sym typeface="Helvetica Light"/>
-              </a:rPr>
-              <a:t>Couch</a:t>
-            </a:r>
-            <a:r>
-              <a:rPr kumimoji="0" lang="en-US" sz="1200" b="0" i="0" u="none" strike="noStrike" cap="none" spc="0" normalizeH="0" dirty="0">
-                <a:ln>
-                  <a:noFill/>
-                </a:ln>
-                <a:solidFill>
-                  <a:srgbClr val="000000"/>
-                </a:solidFill>
-                <a:effectLst/>
-                <a:uFillTx/>
-                <a:latin typeface="Arial"/>
-                <a:ea typeface="+mn-ea"/>
-                <a:cs typeface="Arial"/>
-                <a:sym typeface="Helvetica Light"/>
-              </a:rPr>
-              <a:t>DB</a:t>
-            </a:r>
-            <a:endParaRPr kumimoji="0" lang="en-US" sz="1200" b="0" i="0" u="none" strike="noStrike" cap="none" spc="0" normalizeH="0" baseline="0" dirty="0">
-              <a:ln>
-                <a:noFill/>
-              </a:ln>
-              <a:solidFill>
-                <a:srgbClr val="000000"/>
-              </a:solidFill>
-              <a:effectLst/>
-              <a:uFillTx/>
-              <a:latin typeface="Arial"/>
-              <a:ea typeface="+mn-ea"/>
-              <a:cs typeface="Arial"/>
-              <a:sym typeface="Helvetica Light"/>
-            </a:endParaRPr>
-          </a:p>
-        </p:txBody>
-      </p:sp>
-      <p:sp>
-        <p:nvSpPr>
-          <p:cNvPr id="115" name="TextBox 114"/>
-          <p:cNvSpPr txBox="1"/>
-          <p:nvPr/>
-        </p:nvSpPr>
-        <p:spPr>
-          <a:xfrm>
-            <a:off x="6854379" y="4154785"/>
-            <a:ext cx="1400308" cy="448679"/>
-          </a:xfrm>
-          <a:prstGeom prst="rect">
-            <a:avLst/>
-          </a:prstGeom>
-          <a:noFill/>
-          <a:ln w="3175" cap="flat">
-            <a:noFill/>
-            <a:miter lim="400000"/>
-          </a:ln>
-          <a:effectLst/>
-        </p:spPr>
-        <p:style>
-          <a:lnRef idx="0">
-            <a:scrgbClr r="0" g="0" b="0"/>
-          </a:lnRef>
-          <a:fillRef idx="0">
-            <a:scrgbClr r="0" g="0" b="0"/>
-          </a:fillRef>
-          <a:effectRef idx="0">
-            <a:scrgbClr r="0" g="0" b="0"/>
-          </a:effectRef>
-          <a:fontRef idx="none"/>
-        </p:style>
-        <p:txBody>
-          <a:bodyPr rot="0" spcFirstLastPara="1" vertOverflow="overflow" horzOverflow="overflow" vert="horz" wrap="square" lIns="39290" tIns="39290" rIns="39290" bIns="39290" numCol="1" spcCol="38100" rtlCol="0" anchor="ctr">
-            <a:spAutoFit/>
-          </a:bodyPr>
-          <a:lstStyle/>
-          <a:p>
-            <a:pPr marL="0" marR="0" indent="0" defTabSz="584200" rtl="0" fontAlgn="auto" latinLnBrk="1" hangingPunct="0">
-              <a:lnSpc>
-                <a:spcPct val="100000"/>
-              </a:lnSpc>
-              <a:spcBef>
-                <a:spcPts val="0"/>
-              </a:spcBef>
-              <a:spcAft>
-                <a:spcPts val="0"/>
-              </a:spcAft>
-              <a:buClrTx/>
-              <a:buSzTx/>
-              <a:buFontTx/>
-              <a:buNone/>
-              <a:tabLst/>
-            </a:pPr>
-            <a:r>
-              <a:rPr kumimoji="0" lang="en-US" sz="1200" b="0" i="0" u="none" strike="noStrike" cap="none" spc="0" normalizeH="0" baseline="0" dirty="0">
-                <a:ln>
-                  <a:noFill/>
-                </a:ln>
-                <a:solidFill>
-                  <a:srgbClr val="000000"/>
-                </a:solidFill>
-                <a:effectLst/>
-                <a:uFillTx/>
-                <a:latin typeface="Arial"/>
-                <a:ea typeface="+mn-ea"/>
-                <a:cs typeface="Arial"/>
-                <a:sym typeface="Helvetica Light"/>
-              </a:rPr>
-              <a:t>Docker</a:t>
-            </a:r>
-          </a:p>
-          <a:p>
-            <a:pPr marL="0" marR="0" indent="0" defTabSz="584200" rtl="0" fontAlgn="auto" latinLnBrk="1" hangingPunct="0">
-              <a:lnSpc>
-                <a:spcPct val="100000"/>
-              </a:lnSpc>
-              <a:spcBef>
-                <a:spcPts val="0"/>
-              </a:spcBef>
-              <a:spcAft>
-                <a:spcPts val="0"/>
-              </a:spcAft>
-              <a:buClrTx/>
-              <a:buSzTx/>
-              <a:buFontTx/>
-              <a:buNone/>
-              <a:tabLst/>
-            </a:pPr>
-            <a:r>
-              <a:rPr lang="en-US" sz="1200" dirty="0">
-                <a:solidFill>
-                  <a:srgbClr val="000000"/>
-                </a:solidFill>
-                <a:latin typeface="Arial"/>
-                <a:cs typeface="Arial"/>
-              </a:rPr>
-              <a:t>Users Core Service</a:t>
-            </a:r>
-            <a:endParaRPr kumimoji="0" lang="en-US" sz="1200" b="0" i="0" u="none" strike="noStrike" cap="none" spc="0" normalizeH="0" baseline="0" dirty="0">
-              <a:ln>
-                <a:noFill/>
-              </a:ln>
-              <a:solidFill>
-                <a:srgbClr val="000000"/>
-              </a:solidFill>
-              <a:effectLst/>
-              <a:uFillTx/>
-              <a:latin typeface="Arial"/>
-              <a:ea typeface="+mn-ea"/>
-              <a:cs typeface="Arial"/>
-              <a:sym typeface="Helvetica Light"/>
-            </a:endParaRPr>
-          </a:p>
-        </p:txBody>
-      </p:sp>
-      <p:sp>
-        <p:nvSpPr>
-          <p:cNvPr id="144" name="Shape 63"/>
-          <p:cNvSpPr/>
-          <p:nvPr/>
-        </p:nvSpPr>
-        <p:spPr>
-          <a:xfrm>
-            <a:off x="205499" y="166838"/>
-            <a:ext cx="752410" cy="246221"/>
-          </a:xfrm>
-          <a:prstGeom prst="rect">
-            <a:avLst/>
-          </a:prstGeom>
-          <a:ln w="3175">
-            <a:miter lim="400000"/>
-          </a:ln>
-          <a:extLst>
-            <a:ext uri="{C572A759-6A51-4108-AA02-DFA0A04FC94B}">
-              <ma14:wrappingTextBoxFlag xmlns:ma14="http://schemas.microsoft.com/office/mac/drawingml/2011/main" xmlns="" val="1"/>
-            </a:ext>
-          </a:extLst>
-        </p:spPr>
-        <p:txBody>
-          <a:bodyPr wrap="none" lIns="0" tIns="0" rIns="0" bIns="0">
-            <a:spAutoFit/>
-          </a:bodyPr>
-          <a:lstStyle>
-            <a:lvl1pPr algn="l">
-              <a:defRPr sz="1000" b="1">
-                <a:solidFill>
-                  <a:srgbClr val="4277BB"/>
-                </a:solidFill>
-                <a:latin typeface="Helvetica"/>
-                <a:ea typeface="Helvetica"/>
-                <a:cs typeface="Helvetica"/>
-                <a:sym typeface="Helvetica"/>
-              </a:defRPr>
-            </a:lvl1pPr>
-          </a:lstStyle>
-          <a:p>
-            <a:pPr lvl="0">
-              <a:defRPr sz="1800" b="0">
-                <a:solidFill>
-                  <a:srgbClr val="000000"/>
-                </a:solidFill>
-              </a:defRPr>
-            </a:pPr>
-            <a:r>
-              <a:rPr lang="de-DE" sz="1600" b="1" dirty="0">
-                <a:solidFill>
-                  <a:schemeClr val="tx1"/>
-                </a:solidFill>
-                <a:latin typeface="Arial"/>
-                <a:cs typeface="Arial"/>
-              </a:rPr>
-              <a:t>Internet</a:t>
-            </a:r>
-            <a:endParaRPr sz="1600" b="1" dirty="0">
-              <a:solidFill>
-                <a:schemeClr val="tx1"/>
-              </a:solidFill>
-              <a:latin typeface="Arial"/>
-              <a:cs typeface="Arial"/>
-            </a:endParaRPr>
-          </a:p>
-        </p:txBody>
-      </p:sp>
-      <p:sp>
-        <p:nvSpPr>
-          <p:cNvPr id="148" name="Shape 62"/>
-          <p:cNvSpPr/>
-          <p:nvPr/>
-        </p:nvSpPr>
-        <p:spPr>
-          <a:xfrm flipV="1">
-            <a:off x="1848138" y="89918"/>
-            <a:ext cx="0" cy="6140887"/>
-          </a:xfrm>
-          <a:prstGeom prst="line">
-            <a:avLst/>
-          </a:prstGeom>
-          <a:ln w="25400">
-            <a:solidFill>
-              <a:schemeClr val="bg1">
-                <a:lumMod val="85000"/>
-              </a:schemeClr>
-            </a:solidFill>
-            <a:miter lim="400000"/>
-          </a:ln>
-        </p:spPr>
-        <p:txBody>
-          <a:bodyPr lIns="0" tIns="0" rIns="0" bIns="0" anchor="ctr"/>
-          <a:lstStyle/>
-          <a:p>
-            <a:pPr lvl="0">
-              <a:defRPr sz="1800"/>
-            </a:pPr>
-            <a:endParaRPr/>
-          </a:p>
-        </p:txBody>
-      </p:sp>
-      <p:pic>
-        <p:nvPicPr>
-          <p:cNvPr id="166" name="Picture 165"/>
-          <p:cNvPicPr>
-            <a:picLocks noChangeAspect="1"/>
-          </p:cNvPicPr>
-          <p:nvPr/>
-        </p:nvPicPr>
-        <p:blipFill>
-          <a:blip r:embed="rId5"/>
-          <a:stretch>
-            <a:fillRect/>
-          </a:stretch>
-        </p:blipFill>
-        <p:spPr>
-          <a:xfrm>
-            <a:off x="5182151" y="5205949"/>
-            <a:ext cx="1098574" cy="996165"/>
-          </a:xfrm>
-          <a:prstGeom prst="rect">
-            <a:avLst/>
-          </a:prstGeom>
-        </p:spPr>
-      </p:pic>
-      <p:sp>
-        <p:nvSpPr>
-          <p:cNvPr id="189" name="Shape 65"/>
-          <p:cNvSpPr/>
-          <p:nvPr/>
-        </p:nvSpPr>
-        <p:spPr>
-          <a:xfrm>
-            <a:off x="6555772" y="168153"/>
-            <a:ext cx="1254550" cy="246221"/>
-          </a:xfrm>
-          <a:prstGeom prst="rect">
-            <a:avLst/>
-          </a:prstGeom>
-          <a:ln w="3175">
-            <a:miter lim="400000"/>
-          </a:ln>
-          <a:extLst>
-            <a:ext uri="{C572A759-6A51-4108-AA02-DFA0A04FC94B}">
-              <ma14:wrappingTextBoxFlag xmlns:ma14="http://schemas.microsoft.com/office/mac/drawingml/2011/main" xmlns="" val="1"/>
-            </a:ext>
-          </a:extLst>
-        </p:spPr>
-        <p:txBody>
-          <a:bodyPr wrap="none" lIns="0" tIns="0" rIns="0" bIns="0">
-            <a:spAutoFit/>
-          </a:bodyPr>
-          <a:lstStyle>
-            <a:lvl1pPr algn="l">
-              <a:defRPr sz="1000" b="1">
-                <a:solidFill>
-                  <a:srgbClr val="4277BB"/>
-                </a:solidFill>
-                <a:latin typeface="Helvetica"/>
-                <a:ea typeface="Helvetica"/>
-                <a:cs typeface="Helvetica"/>
-                <a:sym typeface="Helvetica"/>
-              </a:defRPr>
-            </a:lvl1pPr>
-          </a:lstStyle>
-          <a:p>
-            <a:pPr lvl="0">
-              <a:defRPr sz="1800" b="0">
-                <a:solidFill>
-                  <a:srgbClr val="000000"/>
-                </a:solidFill>
-              </a:defRPr>
-            </a:pPr>
-            <a:r>
-              <a:rPr lang="de-DE" sz="1600" b="1" dirty="0">
-                <a:solidFill>
-                  <a:srgbClr val="000000"/>
-                </a:solidFill>
-                <a:latin typeface="Arial"/>
-                <a:cs typeface="Arial"/>
-              </a:rPr>
-              <a:t>On Premises</a:t>
-            </a:r>
-            <a:endParaRPr sz="1600" b="1" dirty="0">
-              <a:solidFill>
-                <a:srgbClr val="000000"/>
-              </a:solidFill>
-              <a:latin typeface="Arial"/>
-              <a:cs typeface="Arial"/>
-            </a:endParaRPr>
-          </a:p>
-        </p:txBody>
-      </p:sp>
-      <p:sp>
-        <p:nvSpPr>
-          <p:cNvPr id="190" name="Shape 66"/>
-          <p:cNvSpPr/>
-          <p:nvPr/>
-        </p:nvSpPr>
-        <p:spPr>
-          <a:xfrm flipV="1">
-            <a:off x="6435808" y="89915"/>
-            <a:ext cx="0" cy="1309024"/>
-          </a:xfrm>
-          <a:prstGeom prst="line">
-            <a:avLst/>
-          </a:prstGeom>
-          <a:ln w="25400">
-            <a:solidFill>
-              <a:schemeClr val="bg1">
-                <a:lumMod val="85000"/>
-              </a:schemeClr>
-            </a:solidFill>
-            <a:miter lim="400000"/>
-          </a:ln>
-        </p:spPr>
-        <p:txBody>
-          <a:bodyPr lIns="0" tIns="0" rIns="0" bIns="0" anchor="ctr"/>
-          <a:lstStyle/>
-          <a:p>
-            <a:pPr lvl="0">
-              <a:defRPr sz="1800"/>
-            </a:pPr>
-            <a:endParaRPr/>
-          </a:p>
-        </p:txBody>
-      </p:sp>
-      <p:sp>
-        <p:nvSpPr>
-          <p:cNvPr id="191" name="Shape 66"/>
-          <p:cNvSpPr/>
-          <p:nvPr/>
-        </p:nvSpPr>
-        <p:spPr>
-          <a:xfrm flipV="1">
-            <a:off x="6442114" y="1757840"/>
-            <a:ext cx="0" cy="4472965"/>
-          </a:xfrm>
-          <a:prstGeom prst="line">
-            <a:avLst/>
-          </a:prstGeom>
-          <a:ln w="25400">
-            <a:solidFill>
-              <a:schemeClr val="bg1">
-                <a:lumMod val="85000"/>
-              </a:schemeClr>
-            </a:solidFill>
-            <a:miter lim="400000"/>
-          </a:ln>
-        </p:spPr>
-        <p:txBody>
-          <a:bodyPr lIns="0" tIns="0" rIns="0" bIns="0" anchor="ctr"/>
-          <a:lstStyle/>
-          <a:p>
-            <a:pPr lvl="0">
-              <a:defRPr sz="1800"/>
-            </a:pPr>
-            <a:endParaRPr/>
-          </a:p>
-        </p:txBody>
-      </p:sp>
-      <p:pic>
-        <p:nvPicPr>
-          <p:cNvPr id="192" name="Picture 191"/>
-          <p:cNvPicPr>
-            <a:picLocks noChangeAspect="1"/>
-          </p:cNvPicPr>
-          <p:nvPr/>
-        </p:nvPicPr>
-        <p:blipFill>
-          <a:blip r:embed="rId2"/>
           <a:stretch>
             <a:fillRect/>
           </a:stretch>
@@ -40206,7 +37530,7 @@
           </a:ln>
           <a:extLst>
             <a:ext uri="{C572A759-6A51-4108-AA02-DFA0A04FC94B}">
-              <ma14:wrappingTextBoxFlag xmlns:ma14="http://schemas.microsoft.com/office/mac/drawingml/2011/main" xmlns="" val="1"/>
+              <ma14:wrappingTextBoxFlag xmlns:ma14="http://schemas.microsoft.com/office/mac/drawingml/2011/main" val="1"/>
             </a:ext>
           </a:extLst>
         </p:spPr>
@@ -40420,7 +37744,7 @@
             <a:effectLst/>
             <a:extLst>
               <a:ext uri="{C572A759-6A51-4108-AA02-DFA0A04FC94B}">
-                <ma14:wrappingTextBoxFlag xmlns:ma14="http://schemas.microsoft.com/office/mac/drawingml/2011/main" xmlns="" val="1"/>
+                <ma14:wrappingTextBoxFlag xmlns:ma14="http://schemas.microsoft.com/office/mac/drawingml/2011/main" val="1"/>
               </a:ext>
             </a:extLst>
           </p:spPr>
@@ -40586,7 +37910,7 @@
           <p:cNvPr id="218" name="Group 217">
             <a:extLst>
               <a:ext uri="{FF2B5EF4-FFF2-40B4-BE49-F238E27FC236}">
-                <a16:creationId xmlns:a16="http://schemas.microsoft.com/office/drawing/2014/main" id="{5938EDDB-B2B2-6642-9D20-6D7C5F9FED31}"/>
+                <a16:creationId xmlns:a16="http://schemas.microsoft.com/office/drawing/2014/main" xmlns="" id="{5938EDDB-B2B2-6642-9D20-6D7C5F9FED31}"/>
               </a:ext>
             </a:extLst>
           </p:cNvPr>
@@ -40606,7 +37930,7 @@
             <p:cNvPr id="219" name="Group 218">
               <a:extLst>
                 <a:ext uri="{FF2B5EF4-FFF2-40B4-BE49-F238E27FC236}">
-                  <a16:creationId xmlns:a16="http://schemas.microsoft.com/office/drawing/2014/main" id="{3527AD53-90A2-7D45-A4B7-509C2FD1C32F}"/>
+                  <a16:creationId xmlns:a16="http://schemas.microsoft.com/office/drawing/2014/main" xmlns="" id="{3527AD53-90A2-7D45-A4B7-509C2FD1C32F}"/>
                 </a:ext>
               </a:extLst>
             </p:cNvPr>
@@ -40626,7 +37950,7 @@
               <p:cNvPr id="221" name="Oval 220">
                 <a:extLst>
                   <a:ext uri="{FF2B5EF4-FFF2-40B4-BE49-F238E27FC236}">
-                    <a16:creationId xmlns:a16="http://schemas.microsoft.com/office/drawing/2014/main" id="{38BE8895-77F2-3F48-BDC0-E7E0559BA7AD}"/>
+                    <a16:creationId xmlns:a16="http://schemas.microsoft.com/office/drawing/2014/main" xmlns="" id="{38BE8895-77F2-3F48-BDC0-E7E0559BA7AD}"/>
                   </a:ext>
                 </a:extLst>
               </p:cNvPr>
@@ -40682,7 +38006,7 @@
               <p:cNvPr id="222" name="Picture 221">
                 <a:extLst>
                   <a:ext uri="{FF2B5EF4-FFF2-40B4-BE49-F238E27FC236}">
-                    <a16:creationId xmlns:a16="http://schemas.microsoft.com/office/drawing/2014/main" id="{1E774A8B-C5DB-534E-8EE3-5D936B2F1BDA}"/>
+                    <a16:creationId xmlns:a16="http://schemas.microsoft.com/office/drawing/2014/main" xmlns="" id="{1E774A8B-C5DB-534E-8EE3-5D936B2F1BDA}"/>
                   </a:ext>
                 </a:extLst>
               </p:cNvPr>
@@ -40719,7 +38043,7 @@
             <p:cNvPr id="220" name="Shape 576">
               <a:extLst>
                 <a:ext uri="{FF2B5EF4-FFF2-40B4-BE49-F238E27FC236}">
-                  <a16:creationId xmlns:a16="http://schemas.microsoft.com/office/drawing/2014/main" id="{8D66F62C-0857-0C4E-B8A3-3F8DBC721692}"/>
+                  <a16:creationId xmlns:a16="http://schemas.microsoft.com/office/drawing/2014/main" xmlns="" id="{8D66F62C-0857-0C4E-B8A3-3F8DBC721692}"/>
                 </a:ext>
               </a:extLst>
             </p:cNvPr>
@@ -40739,7 +38063,7 @@
             </a:ln>
             <a:extLst>
               <a:ext uri="{C572A759-6A51-4108-AA02-DFA0A04FC94B}">
-                <ma14:wrappingTextBoxFlag xmlns:ma14="http://schemas.microsoft.com/office/mac/drawingml/2011/main" xmlns="" val="1"/>
+                <ma14:wrappingTextBoxFlag xmlns:ma14="http://schemas.microsoft.com/office/mac/drawingml/2011/main" val="1"/>
               </a:ext>
             </a:extLst>
           </p:spPr>
@@ -41212,7 +38536,7 @@
         <p:spPr>
           <a:xfrm>
             <a:off x="6791046" y="5842627"/>
-            <a:ext cx="889166" cy="246221"/>
+            <a:ext cx="1755689" cy="246221"/>
           </a:xfrm>
           <a:prstGeom prst="rect">
             <a:avLst/>
@@ -41222,7 +38546,7 @@
           </a:ln>
           <a:extLst>
             <a:ext uri="{C572A759-6A51-4108-AA02-DFA0A04FC94B}">
-              <ma14:wrappingTextBoxFlag xmlns:ma14="http://schemas.microsoft.com/office/mac/drawingml/2011/main" xmlns="" val="1"/>
+              <ma14:wrappingTextBoxFlag xmlns:ma14="http://schemas.microsoft.com/office/mac/drawingml/2011/main" val="1"/>
             </a:ext>
           </a:extLst>
         </p:spPr>
@@ -41259,7 +38583,7 @@
                 <a:latin typeface="Arial"/>
                 <a:cs typeface="Arial"/>
               </a:rPr>
-              <a:t>Minikube</a:t>
+              <a:t>IBM Cloud Private</a:t>
             </a:r>
             <a:endParaRPr sz="1600" b="1" dirty="0">
               <a:solidFill>
@@ -41872,8 +39196,2698 @@
         </p:blipFill>
         <p:spPr>
           <a:xfrm>
+            <a:off x="7054785" y="3540175"/>
+            <a:ext cx="1047556" cy="640755"/>
+          </a:xfrm>
+          <a:prstGeom prst="rect">
+            <a:avLst/>
+          </a:prstGeom>
+        </p:spPr>
+      </p:pic>
+    </p:spTree>
+    <p:extLst>
+      <p:ext uri="{BB962C8B-B14F-4D97-AF65-F5344CB8AC3E}">
+        <p14:creationId xmlns:p14="http://schemas.microsoft.com/office/powerpoint/2010/main" val="1123314655"/>
+      </p:ext>
+    </p:extLst>
+  </p:cSld>
+  <p:clrMapOvr>
+    <a:masterClrMapping/>
+  </p:clrMapOvr>
+  <p:transition xmlns:p14="http://schemas.microsoft.com/office/powerpoint/2010/main" spd="med"/>
+</p:sld>
+</file>
+
+<file path=ppt/slides/slide6.xml><?xml version="1.0" encoding="utf-8"?>
+<p:sld xmlns:a="http://schemas.openxmlformats.org/drawingml/2006/main" xmlns:r="http://schemas.openxmlformats.org/officeDocument/2006/relationships" xmlns:p="http://schemas.openxmlformats.org/presentationml/2006/main">
+  <p:cSld>
+    <p:spTree>
+      <p:nvGrpSpPr>
+        <p:cNvPr id="1" name=""/>
+        <p:cNvGrpSpPr/>
+        <p:nvPr/>
+      </p:nvGrpSpPr>
+      <p:grpSpPr>
+        <a:xfrm>
+          <a:off x="0" y="0"/>
+          <a:ext cx="0" cy="0"/>
+          <a:chOff x="0" y="0"/>
+          <a:chExt cx="0" cy="0"/>
+        </a:xfrm>
+      </p:grpSpPr>
+      <p:pic>
+        <p:nvPicPr>
+          <p:cNvPr id="104" name="Picture 103"/>
+          <p:cNvPicPr>
+            <a:picLocks noChangeAspect="1"/>
+          </p:cNvPicPr>
+          <p:nvPr/>
+        </p:nvPicPr>
+        <p:blipFill>
+          <a:blip r:embed="rId2"/>
+          <a:stretch>
+            <a:fillRect/>
+          </a:stretch>
+        </p:blipFill>
+        <p:spPr>
+          <a:xfrm>
+            <a:off x="4793983" y="646945"/>
+            <a:ext cx="991378" cy="937303"/>
+          </a:xfrm>
+          <a:prstGeom prst="rect">
+            <a:avLst/>
+          </a:prstGeom>
+        </p:spPr>
+      </p:pic>
+      <p:pic>
+        <p:nvPicPr>
+          <p:cNvPr id="112" name="Picture 111"/>
+          <p:cNvPicPr>
+            <a:picLocks noChangeAspect="1"/>
+          </p:cNvPicPr>
+          <p:nvPr/>
+        </p:nvPicPr>
+        <p:blipFill>
+          <a:blip r:embed="rId3"/>
+          <a:stretch>
+            <a:fillRect/>
+          </a:stretch>
+        </p:blipFill>
+        <p:spPr>
+          <a:xfrm>
+            <a:off x="8713867" y="3555831"/>
+            <a:ext cx="904187" cy="1017211"/>
+          </a:xfrm>
+          <a:prstGeom prst="rect">
+            <a:avLst/>
+          </a:prstGeom>
+        </p:spPr>
+      </p:pic>
+      <p:sp>
+        <p:nvSpPr>
+          <p:cNvPr id="113" name="TextBox 112"/>
+          <p:cNvSpPr txBox="1"/>
+          <p:nvPr/>
+        </p:nvSpPr>
+        <p:spPr>
+          <a:xfrm>
+            <a:off x="7851721" y="1487788"/>
+            <a:ext cx="737736" cy="633345"/>
+          </a:xfrm>
+          <a:prstGeom prst="rect">
+            <a:avLst/>
+          </a:prstGeom>
+          <a:noFill/>
+          <a:ln w="3175" cap="flat">
+            <a:noFill/>
+            <a:miter lim="400000"/>
+          </a:ln>
+          <a:effectLst/>
+        </p:spPr>
+        <p:style>
+          <a:lnRef idx="0">
+            <a:scrgbClr r="0" g="0" b="0"/>
+          </a:lnRef>
+          <a:fillRef idx="0">
+            <a:scrgbClr r="0" g="0" b="0"/>
+          </a:fillRef>
+          <a:effectRef idx="0">
+            <a:scrgbClr r="0" g="0" b="0"/>
+          </a:effectRef>
+          <a:fontRef idx="none"/>
+        </p:style>
+        <p:txBody>
+          <a:bodyPr rot="0" spcFirstLastPara="1" vertOverflow="overflow" horzOverflow="overflow" vert="horz" wrap="square" lIns="39290" tIns="39290" rIns="39290" bIns="39290" numCol="1" spcCol="38100" rtlCol="0" anchor="ctr">
+            <a:spAutoFit/>
+          </a:bodyPr>
+          <a:lstStyle/>
+          <a:p>
+            <a:pPr marL="0" marR="0" indent="0" defTabSz="584200" rtl="0" fontAlgn="auto" latinLnBrk="1" hangingPunct="0">
+              <a:lnSpc>
+                <a:spcPct val="100000"/>
+              </a:lnSpc>
+              <a:spcBef>
+                <a:spcPts val="0"/>
+              </a:spcBef>
+              <a:spcAft>
+                <a:spcPts val="0"/>
+              </a:spcAft>
+              <a:buClrTx/>
+              <a:buSzTx/>
+              <a:buFontTx/>
+              <a:buNone/>
+              <a:tabLst/>
+            </a:pPr>
+            <a:r>
+              <a:rPr kumimoji="0" lang="en-US" sz="1200" b="0" i="0" u="none" strike="noStrike" cap="none" spc="0" normalizeH="0" baseline="0" dirty="0">
+                <a:ln>
+                  <a:noFill/>
+                </a:ln>
+                <a:solidFill>
+                  <a:srgbClr val="000000"/>
+                </a:solidFill>
+                <a:effectLst/>
+                <a:uFillTx/>
+                <a:latin typeface="Arial"/>
+                <a:ea typeface="+mn-ea"/>
+                <a:cs typeface="Arial"/>
+                <a:sym typeface="Helvetica Light"/>
+              </a:rPr>
+              <a:t>Secure </a:t>
+            </a:r>
+          </a:p>
+          <a:p>
+            <a:pPr marL="0" marR="0" indent="0" defTabSz="584200" rtl="0" fontAlgn="auto" latinLnBrk="1" hangingPunct="0">
+              <a:lnSpc>
+                <a:spcPct val="100000"/>
+              </a:lnSpc>
+              <a:spcBef>
+                <a:spcPts val="0"/>
+              </a:spcBef>
+              <a:spcAft>
+                <a:spcPts val="0"/>
+              </a:spcAft>
+              <a:buClrTx/>
+              <a:buSzTx/>
+              <a:buFontTx/>
+              <a:buNone/>
+              <a:tabLst/>
+            </a:pPr>
+            <a:r>
+              <a:rPr lang="en-US" sz="1200" dirty="0">
+                <a:solidFill>
+                  <a:srgbClr val="000000"/>
+                </a:solidFill>
+                <a:latin typeface="Arial"/>
+                <a:cs typeface="Arial"/>
+              </a:rPr>
+              <a:t>Gateway</a:t>
+            </a:r>
+          </a:p>
+          <a:p>
+            <a:pPr marL="0" marR="0" indent="0" defTabSz="584200" rtl="0" fontAlgn="auto" latinLnBrk="1" hangingPunct="0">
+              <a:lnSpc>
+                <a:spcPct val="100000"/>
+              </a:lnSpc>
+              <a:spcBef>
+                <a:spcPts val="0"/>
+              </a:spcBef>
+              <a:spcAft>
+                <a:spcPts val="0"/>
+              </a:spcAft>
+              <a:buClrTx/>
+              <a:buSzTx/>
+              <a:buFontTx/>
+              <a:buNone/>
+              <a:tabLst/>
+            </a:pPr>
+            <a:r>
+              <a:rPr kumimoji="0" lang="en-US" sz="1200" b="0" i="0" u="none" strike="noStrike" cap="none" spc="0" normalizeH="0" baseline="0" dirty="0">
+                <a:ln>
+                  <a:noFill/>
+                </a:ln>
+                <a:solidFill>
+                  <a:srgbClr val="000000"/>
+                </a:solidFill>
+                <a:effectLst/>
+                <a:uFillTx/>
+                <a:latin typeface="Arial"/>
+                <a:ea typeface="+mn-ea"/>
+                <a:cs typeface="Arial"/>
+                <a:sym typeface="Helvetica Light"/>
+              </a:rPr>
+              <a:t>Client</a:t>
+            </a:r>
+          </a:p>
+        </p:txBody>
+      </p:sp>
+      <p:sp>
+        <p:nvSpPr>
+          <p:cNvPr id="114" name="TextBox 113"/>
+          <p:cNvSpPr txBox="1"/>
+          <p:nvPr/>
+        </p:nvSpPr>
+        <p:spPr>
+          <a:xfrm>
+            <a:off x="8817041" y="4218620"/>
+            <a:ext cx="737736" cy="264013"/>
+          </a:xfrm>
+          <a:prstGeom prst="rect">
+            <a:avLst/>
+          </a:prstGeom>
+          <a:noFill/>
+          <a:ln w="3175" cap="flat">
+            <a:noFill/>
+            <a:miter lim="400000"/>
+          </a:ln>
+          <a:effectLst/>
+        </p:spPr>
+        <p:style>
+          <a:lnRef idx="0">
+            <a:scrgbClr r="0" g="0" b="0"/>
+          </a:lnRef>
+          <a:fillRef idx="0">
+            <a:scrgbClr r="0" g="0" b="0"/>
+          </a:fillRef>
+          <a:effectRef idx="0">
+            <a:scrgbClr r="0" g="0" b="0"/>
+          </a:effectRef>
+          <a:fontRef idx="none"/>
+        </p:style>
+        <p:txBody>
+          <a:bodyPr rot="0" spcFirstLastPara="1" vertOverflow="overflow" horzOverflow="overflow" vert="horz" wrap="square" lIns="39290" tIns="39290" rIns="39290" bIns="39290" numCol="1" spcCol="38100" rtlCol="0" anchor="ctr">
+            <a:spAutoFit/>
+          </a:bodyPr>
+          <a:lstStyle/>
+          <a:p>
+            <a:pPr marL="0" marR="0" indent="0" defTabSz="584200" rtl="0" fontAlgn="auto" latinLnBrk="1" hangingPunct="0">
+              <a:lnSpc>
+                <a:spcPct val="100000"/>
+              </a:lnSpc>
+              <a:spcBef>
+                <a:spcPts val="0"/>
+              </a:spcBef>
+              <a:spcAft>
+                <a:spcPts val="0"/>
+              </a:spcAft>
+              <a:buClrTx/>
+              <a:buSzTx/>
+              <a:buFontTx/>
+              <a:buNone/>
+              <a:tabLst/>
+            </a:pPr>
+            <a:r>
+              <a:rPr kumimoji="0" lang="en-US" sz="1200" b="0" i="0" u="none" strike="noStrike" cap="none" spc="0" normalizeH="0" baseline="0" dirty="0">
+                <a:ln>
+                  <a:noFill/>
+                </a:ln>
+                <a:solidFill>
+                  <a:srgbClr val="000000"/>
+                </a:solidFill>
+                <a:effectLst/>
+                <a:uFillTx/>
+                <a:latin typeface="Arial"/>
+                <a:ea typeface="+mn-ea"/>
+                <a:cs typeface="Arial"/>
+                <a:sym typeface="Helvetica Light"/>
+              </a:rPr>
+              <a:t>Couch</a:t>
+            </a:r>
+            <a:r>
+              <a:rPr kumimoji="0" lang="en-US" sz="1200" b="0" i="0" u="none" strike="noStrike" cap="none" spc="0" normalizeH="0" dirty="0">
+                <a:ln>
+                  <a:noFill/>
+                </a:ln>
+                <a:solidFill>
+                  <a:srgbClr val="000000"/>
+                </a:solidFill>
+                <a:effectLst/>
+                <a:uFillTx/>
+                <a:latin typeface="Arial"/>
+                <a:ea typeface="+mn-ea"/>
+                <a:cs typeface="Arial"/>
+                <a:sym typeface="Helvetica Light"/>
+              </a:rPr>
+              <a:t>DB</a:t>
+            </a:r>
+            <a:endParaRPr kumimoji="0" lang="en-US" sz="1200" b="0" i="0" u="none" strike="noStrike" cap="none" spc="0" normalizeH="0" baseline="0" dirty="0">
+              <a:ln>
+                <a:noFill/>
+              </a:ln>
+              <a:solidFill>
+                <a:srgbClr val="000000"/>
+              </a:solidFill>
+              <a:effectLst/>
+              <a:uFillTx/>
+              <a:latin typeface="Arial"/>
+              <a:ea typeface="+mn-ea"/>
+              <a:cs typeface="Arial"/>
+              <a:sym typeface="Helvetica Light"/>
+            </a:endParaRPr>
+          </a:p>
+        </p:txBody>
+      </p:sp>
+      <p:sp>
+        <p:nvSpPr>
+          <p:cNvPr id="115" name="TextBox 114"/>
+          <p:cNvSpPr txBox="1"/>
+          <p:nvPr/>
+        </p:nvSpPr>
+        <p:spPr>
+          <a:xfrm>
+            <a:off x="6854379" y="4154785"/>
+            <a:ext cx="1400308" cy="448679"/>
+          </a:xfrm>
+          <a:prstGeom prst="rect">
+            <a:avLst/>
+          </a:prstGeom>
+          <a:noFill/>
+          <a:ln w="3175" cap="flat">
+            <a:noFill/>
+            <a:miter lim="400000"/>
+          </a:ln>
+          <a:effectLst/>
+        </p:spPr>
+        <p:style>
+          <a:lnRef idx="0">
+            <a:scrgbClr r="0" g="0" b="0"/>
+          </a:lnRef>
+          <a:fillRef idx="0">
+            <a:scrgbClr r="0" g="0" b="0"/>
+          </a:fillRef>
+          <a:effectRef idx="0">
+            <a:scrgbClr r="0" g="0" b="0"/>
+          </a:effectRef>
+          <a:fontRef idx="none"/>
+        </p:style>
+        <p:txBody>
+          <a:bodyPr rot="0" spcFirstLastPara="1" vertOverflow="overflow" horzOverflow="overflow" vert="horz" wrap="square" lIns="39290" tIns="39290" rIns="39290" bIns="39290" numCol="1" spcCol="38100" rtlCol="0" anchor="ctr">
+            <a:spAutoFit/>
+          </a:bodyPr>
+          <a:lstStyle/>
+          <a:p>
+            <a:pPr marL="0" marR="0" indent="0" defTabSz="584200" rtl="0" fontAlgn="auto" latinLnBrk="1" hangingPunct="0">
+              <a:lnSpc>
+                <a:spcPct val="100000"/>
+              </a:lnSpc>
+              <a:spcBef>
+                <a:spcPts val="0"/>
+              </a:spcBef>
+              <a:spcAft>
+                <a:spcPts val="0"/>
+              </a:spcAft>
+              <a:buClrTx/>
+              <a:buSzTx/>
+              <a:buFontTx/>
+              <a:buNone/>
+              <a:tabLst/>
+            </a:pPr>
+            <a:r>
+              <a:rPr kumimoji="0" lang="en-US" sz="1200" b="0" i="0" u="none" strike="noStrike" cap="none" spc="0" normalizeH="0" baseline="0" dirty="0">
+                <a:ln>
+                  <a:noFill/>
+                </a:ln>
+                <a:solidFill>
+                  <a:srgbClr val="000000"/>
+                </a:solidFill>
+                <a:effectLst/>
+                <a:uFillTx/>
+                <a:latin typeface="Arial"/>
+                <a:ea typeface="+mn-ea"/>
+                <a:cs typeface="Arial"/>
+                <a:sym typeface="Helvetica Light"/>
+              </a:rPr>
+              <a:t>Docker</a:t>
+            </a:r>
+          </a:p>
+          <a:p>
+            <a:pPr marL="0" marR="0" indent="0" defTabSz="584200" rtl="0" fontAlgn="auto" latinLnBrk="1" hangingPunct="0">
+              <a:lnSpc>
+                <a:spcPct val="100000"/>
+              </a:lnSpc>
+              <a:spcBef>
+                <a:spcPts val="0"/>
+              </a:spcBef>
+              <a:spcAft>
+                <a:spcPts val="0"/>
+              </a:spcAft>
+              <a:buClrTx/>
+              <a:buSzTx/>
+              <a:buFontTx/>
+              <a:buNone/>
+              <a:tabLst/>
+            </a:pPr>
+            <a:r>
+              <a:rPr lang="en-US" sz="1200" dirty="0">
+                <a:solidFill>
+                  <a:srgbClr val="000000"/>
+                </a:solidFill>
+                <a:latin typeface="Arial"/>
+                <a:cs typeface="Arial"/>
+              </a:rPr>
+              <a:t>Users Core Service</a:t>
+            </a:r>
+            <a:endParaRPr kumimoji="0" lang="en-US" sz="1200" b="0" i="0" u="none" strike="noStrike" cap="none" spc="0" normalizeH="0" baseline="0" dirty="0">
+              <a:ln>
+                <a:noFill/>
+              </a:ln>
+              <a:solidFill>
+                <a:srgbClr val="000000"/>
+              </a:solidFill>
+              <a:effectLst/>
+              <a:uFillTx/>
+              <a:latin typeface="Arial"/>
+              <a:ea typeface="+mn-ea"/>
+              <a:cs typeface="Arial"/>
+              <a:sym typeface="Helvetica Light"/>
+            </a:endParaRPr>
+          </a:p>
+        </p:txBody>
+      </p:sp>
+      <p:sp>
+        <p:nvSpPr>
+          <p:cNvPr id="144" name="Shape 63"/>
+          <p:cNvSpPr/>
+          <p:nvPr/>
+        </p:nvSpPr>
+        <p:spPr>
+          <a:xfrm>
+            <a:off x="205499" y="166838"/>
+            <a:ext cx="752410" cy="246221"/>
+          </a:xfrm>
+          <a:prstGeom prst="rect">
+            <a:avLst/>
+          </a:prstGeom>
+          <a:ln w="3175">
+            <a:miter lim="400000"/>
+          </a:ln>
+          <a:extLst>
+            <a:ext uri="{C572A759-6A51-4108-AA02-DFA0A04FC94B}">
+              <ma14:wrappingTextBoxFlag xmlns:ma14="http://schemas.microsoft.com/office/mac/drawingml/2011/main" val="1"/>
+            </a:ext>
+          </a:extLst>
+        </p:spPr>
+        <p:txBody>
+          <a:bodyPr wrap="none" lIns="0" tIns="0" rIns="0" bIns="0">
+            <a:spAutoFit/>
+          </a:bodyPr>
+          <a:lstStyle>
+            <a:lvl1pPr algn="l">
+              <a:defRPr sz="1000" b="1">
+                <a:solidFill>
+                  <a:srgbClr val="4277BB"/>
+                </a:solidFill>
+                <a:latin typeface="Helvetica"/>
+                <a:ea typeface="Helvetica"/>
+                <a:cs typeface="Helvetica"/>
+                <a:sym typeface="Helvetica"/>
+              </a:defRPr>
+            </a:lvl1pPr>
+          </a:lstStyle>
+          <a:p>
+            <a:pPr lvl="0">
+              <a:defRPr sz="1800" b="0">
+                <a:solidFill>
+                  <a:srgbClr val="000000"/>
+                </a:solidFill>
+              </a:defRPr>
+            </a:pPr>
+            <a:r>
+              <a:rPr lang="de-DE" sz="1600" b="1" dirty="0">
+                <a:solidFill>
+                  <a:schemeClr val="tx1"/>
+                </a:solidFill>
+                <a:latin typeface="Arial"/>
+                <a:cs typeface="Arial"/>
+              </a:rPr>
+              <a:t>Internet</a:t>
+            </a:r>
+            <a:endParaRPr sz="1600" b="1" dirty="0">
+              <a:solidFill>
+                <a:schemeClr val="tx1"/>
+              </a:solidFill>
+              <a:latin typeface="Arial"/>
+              <a:cs typeface="Arial"/>
+            </a:endParaRPr>
+          </a:p>
+        </p:txBody>
+      </p:sp>
+      <p:sp>
+        <p:nvSpPr>
+          <p:cNvPr id="148" name="Shape 62"/>
+          <p:cNvSpPr/>
+          <p:nvPr/>
+        </p:nvSpPr>
+        <p:spPr>
+          <a:xfrm flipV="1">
+            <a:off x="1848138" y="89918"/>
+            <a:ext cx="0" cy="6140887"/>
+          </a:xfrm>
+          <a:prstGeom prst="line">
+            <a:avLst/>
+          </a:prstGeom>
+          <a:ln w="25400">
+            <a:solidFill>
+              <a:schemeClr val="bg1">
+                <a:lumMod val="85000"/>
+              </a:schemeClr>
+            </a:solidFill>
+            <a:miter lim="400000"/>
+          </a:ln>
+        </p:spPr>
+        <p:txBody>
+          <a:bodyPr lIns="0" tIns="0" rIns="0" bIns="0" anchor="ctr"/>
+          <a:lstStyle/>
+          <a:p>
+            <a:pPr lvl="0">
+              <a:defRPr sz="1800"/>
+            </a:pPr>
+            <a:endParaRPr/>
+          </a:p>
+        </p:txBody>
+      </p:sp>
+      <p:pic>
+        <p:nvPicPr>
+          <p:cNvPr id="166" name="Picture 165"/>
+          <p:cNvPicPr>
+            <a:picLocks noChangeAspect="1"/>
+          </p:cNvPicPr>
+          <p:nvPr/>
+        </p:nvPicPr>
+        <p:blipFill>
+          <a:blip r:embed="rId4"/>
+          <a:stretch>
+            <a:fillRect/>
+          </a:stretch>
+        </p:blipFill>
+        <p:spPr>
+          <a:xfrm>
+            <a:off x="5182151" y="5205949"/>
+            <a:ext cx="1098574" cy="996165"/>
+          </a:xfrm>
+          <a:prstGeom prst="rect">
+            <a:avLst/>
+          </a:prstGeom>
+        </p:spPr>
+      </p:pic>
+      <p:sp>
+        <p:nvSpPr>
+          <p:cNvPr id="189" name="Shape 65"/>
+          <p:cNvSpPr/>
+          <p:nvPr/>
+        </p:nvSpPr>
+        <p:spPr>
+          <a:xfrm>
+            <a:off x="6555772" y="168153"/>
+            <a:ext cx="1254550" cy="246221"/>
+          </a:xfrm>
+          <a:prstGeom prst="rect">
+            <a:avLst/>
+          </a:prstGeom>
+          <a:ln w="3175">
+            <a:miter lim="400000"/>
+          </a:ln>
+          <a:extLst>
+            <a:ext uri="{C572A759-6A51-4108-AA02-DFA0A04FC94B}">
+              <ma14:wrappingTextBoxFlag xmlns:ma14="http://schemas.microsoft.com/office/mac/drawingml/2011/main" val="1"/>
+            </a:ext>
+          </a:extLst>
+        </p:spPr>
+        <p:txBody>
+          <a:bodyPr wrap="none" lIns="0" tIns="0" rIns="0" bIns="0">
+            <a:spAutoFit/>
+          </a:bodyPr>
+          <a:lstStyle>
+            <a:lvl1pPr algn="l">
+              <a:defRPr sz="1000" b="1">
+                <a:solidFill>
+                  <a:srgbClr val="4277BB"/>
+                </a:solidFill>
+                <a:latin typeface="Helvetica"/>
+                <a:ea typeface="Helvetica"/>
+                <a:cs typeface="Helvetica"/>
+                <a:sym typeface="Helvetica"/>
+              </a:defRPr>
+            </a:lvl1pPr>
+          </a:lstStyle>
+          <a:p>
+            <a:pPr lvl="0">
+              <a:defRPr sz="1800" b="0">
+                <a:solidFill>
+                  <a:srgbClr val="000000"/>
+                </a:solidFill>
+              </a:defRPr>
+            </a:pPr>
+            <a:r>
+              <a:rPr lang="de-DE" sz="1600" b="1" dirty="0">
+                <a:solidFill>
+                  <a:srgbClr val="000000"/>
+                </a:solidFill>
+                <a:latin typeface="Arial"/>
+                <a:cs typeface="Arial"/>
+              </a:rPr>
+              <a:t>On Premises</a:t>
+            </a:r>
+            <a:endParaRPr sz="1600" b="1" dirty="0">
+              <a:solidFill>
+                <a:srgbClr val="000000"/>
+              </a:solidFill>
+              <a:latin typeface="Arial"/>
+              <a:cs typeface="Arial"/>
+            </a:endParaRPr>
+          </a:p>
+        </p:txBody>
+      </p:sp>
+      <p:sp>
+        <p:nvSpPr>
+          <p:cNvPr id="190" name="Shape 66"/>
+          <p:cNvSpPr/>
+          <p:nvPr/>
+        </p:nvSpPr>
+        <p:spPr>
+          <a:xfrm flipV="1">
+            <a:off x="6435808" y="89915"/>
+            <a:ext cx="0" cy="1309024"/>
+          </a:xfrm>
+          <a:prstGeom prst="line">
+            <a:avLst/>
+          </a:prstGeom>
+          <a:ln w="25400">
+            <a:solidFill>
+              <a:schemeClr val="bg1">
+                <a:lumMod val="85000"/>
+              </a:schemeClr>
+            </a:solidFill>
+            <a:miter lim="400000"/>
+          </a:ln>
+        </p:spPr>
+        <p:txBody>
+          <a:bodyPr lIns="0" tIns="0" rIns="0" bIns="0" anchor="ctr"/>
+          <a:lstStyle/>
+          <a:p>
+            <a:pPr lvl="0">
+              <a:defRPr sz="1800"/>
+            </a:pPr>
+            <a:endParaRPr/>
+          </a:p>
+        </p:txBody>
+      </p:sp>
+      <p:sp>
+        <p:nvSpPr>
+          <p:cNvPr id="191" name="Shape 66"/>
+          <p:cNvSpPr/>
+          <p:nvPr/>
+        </p:nvSpPr>
+        <p:spPr>
+          <a:xfrm flipV="1">
+            <a:off x="6442114" y="1757840"/>
+            <a:ext cx="0" cy="4472965"/>
+          </a:xfrm>
+          <a:prstGeom prst="line">
+            <a:avLst/>
+          </a:prstGeom>
+          <a:ln w="25400">
+            <a:solidFill>
+              <a:schemeClr val="bg1">
+                <a:lumMod val="85000"/>
+              </a:schemeClr>
+            </a:solidFill>
+            <a:miter lim="400000"/>
+          </a:ln>
+        </p:spPr>
+        <p:txBody>
+          <a:bodyPr lIns="0" tIns="0" rIns="0" bIns="0" anchor="ctr"/>
+          <a:lstStyle/>
+          <a:p>
+            <a:pPr lvl="0">
+              <a:defRPr sz="1800"/>
+            </a:pPr>
+            <a:endParaRPr/>
+          </a:p>
+        </p:txBody>
+      </p:sp>
+      <p:pic>
+        <p:nvPicPr>
+          <p:cNvPr id="192" name="Picture 191"/>
+          <p:cNvPicPr>
+            <a:picLocks noChangeAspect="1"/>
+          </p:cNvPicPr>
+          <p:nvPr/>
+        </p:nvPicPr>
+        <p:blipFill>
+          <a:blip r:embed="rId2"/>
+          <a:stretch>
+            <a:fillRect/>
+          </a:stretch>
+        </p:blipFill>
+        <p:spPr>
+          <a:xfrm>
+            <a:off x="7650905" y="636723"/>
+            <a:ext cx="991378" cy="937303"/>
+          </a:xfrm>
+          <a:prstGeom prst="rect">
+            <a:avLst/>
+          </a:prstGeom>
+        </p:spPr>
+      </p:pic>
+      <p:sp>
+        <p:nvSpPr>
+          <p:cNvPr id="193" name="TextBox 192"/>
+          <p:cNvSpPr txBox="1"/>
+          <p:nvPr/>
+        </p:nvSpPr>
+        <p:spPr>
+          <a:xfrm>
+            <a:off x="4966179" y="1487039"/>
+            <a:ext cx="737736" cy="448679"/>
+          </a:xfrm>
+          <a:prstGeom prst="rect">
+            <a:avLst/>
+          </a:prstGeom>
+          <a:noFill/>
+          <a:ln w="3175" cap="flat">
+            <a:noFill/>
+            <a:miter lim="400000"/>
+          </a:ln>
+          <a:effectLst/>
+        </p:spPr>
+        <p:style>
+          <a:lnRef idx="0">
+            <a:scrgbClr r="0" g="0" b="0"/>
+          </a:lnRef>
+          <a:fillRef idx="0">
+            <a:scrgbClr r="0" g="0" b="0"/>
+          </a:fillRef>
+          <a:effectRef idx="0">
+            <a:scrgbClr r="0" g="0" b="0"/>
+          </a:effectRef>
+          <a:fontRef idx="none"/>
+        </p:style>
+        <p:txBody>
+          <a:bodyPr rot="0" spcFirstLastPara="1" vertOverflow="overflow" horzOverflow="overflow" vert="horz" wrap="square" lIns="39290" tIns="39290" rIns="39290" bIns="39290" numCol="1" spcCol="38100" rtlCol="0" anchor="ctr">
+            <a:spAutoFit/>
+          </a:bodyPr>
+          <a:lstStyle/>
+          <a:p>
+            <a:pPr marL="0" marR="0" indent="0" defTabSz="584200" rtl="0" fontAlgn="auto" latinLnBrk="1" hangingPunct="0">
+              <a:lnSpc>
+                <a:spcPct val="100000"/>
+              </a:lnSpc>
+              <a:spcBef>
+                <a:spcPts val="0"/>
+              </a:spcBef>
+              <a:spcAft>
+                <a:spcPts val="0"/>
+              </a:spcAft>
+              <a:buClrTx/>
+              <a:buSzTx/>
+              <a:buFontTx/>
+              <a:buNone/>
+              <a:tabLst/>
+            </a:pPr>
+            <a:r>
+              <a:rPr kumimoji="0" lang="en-US" sz="1200" b="0" i="0" u="none" strike="noStrike" cap="none" spc="0" normalizeH="0" baseline="0" dirty="0">
+                <a:ln>
+                  <a:noFill/>
+                </a:ln>
+                <a:solidFill>
+                  <a:srgbClr val="000000"/>
+                </a:solidFill>
+                <a:effectLst/>
+                <a:uFillTx/>
+                <a:latin typeface="Arial"/>
+                <a:ea typeface="+mn-ea"/>
+                <a:cs typeface="Arial"/>
+                <a:sym typeface="Helvetica Light"/>
+              </a:rPr>
+              <a:t>Secure </a:t>
+            </a:r>
+          </a:p>
+          <a:p>
+            <a:pPr marL="0" marR="0" indent="0" defTabSz="584200" rtl="0" fontAlgn="auto" latinLnBrk="1" hangingPunct="0">
+              <a:lnSpc>
+                <a:spcPct val="100000"/>
+              </a:lnSpc>
+              <a:spcBef>
+                <a:spcPts val="0"/>
+              </a:spcBef>
+              <a:spcAft>
+                <a:spcPts val="0"/>
+              </a:spcAft>
+              <a:buClrTx/>
+              <a:buSzTx/>
+              <a:buFontTx/>
+              <a:buNone/>
+              <a:tabLst/>
+            </a:pPr>
+            <a:r>
+              <a:rPr lang="en-US" sz="1200" dirty="0">
+                <a:solidFill>
+                  <a:srgbClr val="000000"/>
+                </a:solidFill>
+                <a:latin typeface="Arial"/>
+                <a:cs typeface="Arial"/>
+              </a:rPr>
+              <a:t>Gateway</a:t>
+            </a:r>
+            <a:endParaRPr kumimoji="0" lang="en-US" sz="1200" b="0" i="0" u="none" strike="noStrike" cap="none" spc="0" normalizeH="0" baseline="0" dirty="0">
+              <a:ln>
+                <a:noFill/>
+              </a:ln>
+              <a:solidFill>
+                <a:srgbClr val="000000"/>
+              </a:solidFill>
+              <a:effectLst/>
+              <a:uFillTx/>
+              <a:latin typeface="Arial"/>
+              <a:ea typeface="+mn-ea"/>
+              <a:cs typeface="Arial"/>
+              <a:sym typeface="Helvetica Light"/>
+            </a:endParaRPr>
+          </a:p>
+        </p:txBody>
+      </p:sp>
+      <p:grpSp>
+        <p:nvGrpSpPr>
+          <p:cNvPr id="2" name="Group 1"/>
+          <p:cNvGrpSpPr/>
+          <p:nvPr/>
+        </p:nvGrpSpPr>
+        <p:grpSpPr>
+          <a:xfrm>
+            <a:off x="7875466" y="2439748"/>
+            <a:ext cx="707233" cy="707234"/>
+            <a:chOff x="3587103" y="3636248"/>
+            <a:chExt cx="707233" cy="707234"/>
+          </a:xfrm>
+        </p:grpSpPr>
+        <p:sp>
+          <p:nvSpPr>
+            <p:cNvPr id="200" name="Shape 529"/>
+            <p:cNvSpPr/>
+            <p:nvPr/>
+          </p:nvSpPr>
+          <p:spPr>
+            <a:xfrm>
+              <a:off x="3587103" y="3636248"/>
+              <a:ext cx="707233" cy="707234"/>
+            </a:xfrm>
+            <a:custGeom>
+              <a:avLst/>
+              <a:gdLst/>
+              <a:ahLst/>
+              <a:cxnLst>
+                <a:cxn ang="0">
+                  <a:pos x="wd2" y="hd2"/>
+                </a:cxn>
+                <a:cxn ang="5400000">
+                  <a:pos x="wd2" y="hd2"/>
+                </a:cxn>
+                <a:cxn ang="10800000">
+                  <a:pos x="wd2" y="hd2"/>
+                </a:cxn>
+                <a:cxn ang="16200000">
+                  <a:pos x="wd2" y="hd2"/>
+                </a:cxn>
+              </a:cxnLst>
+              <a:rect l="0" t="0" r="r" b="b"/>
+              <a:pathLst>
+                <a:path w="19679" h="19679" extrusionOk="0">
+                  <a:moveTo>
+                    <a:pt x="16796" y="2882"/>
+                  </a:moveTo>
+                  <a:cubicBezTo>
+                    <a:pt x="20639" y="6724"/>
+                    <a:pt x="20639" y="12954"/>
+                    <a:pt x="16796" y="16796"/>
+                  </a:cubicBezTo>
+                  <a:cubicBezTo>
+                    <a:pt x="12954" y="20639"/>
+                    <a:pt x="6724" y="20639"/>
+                    <a:pt x="2882" y="16796"/>
+                  </a:cubicBezTo>
+                  <a:cubicBezTo>
+                    <a:pt x="-961" y="12954"/>
+                    <a:pt x="-961" y="6724"/>
+                    <a:pt x="2882" y="2882"/>
+                  </a:cubicBezTo>
+                  <a:cubicBezTo>
+                    <a:pt x="6724" y="-961"/>
+                    <a:pt x="12954" y="-961"/>
+                    <a:pt x="16796" y="2882"/>
+                  </a:cubicBezTo>
+                  <a:close/>
+                </a:path>
+              </a:pathLst>
+            </a:custGeom>
+            <a:solidFill>
+              <a:srgbClr val="196970"/>
+            </a:solidFill>
+            <a:ln w="3175" cap="flat">
+              <a:noFill/>
+              <a:miter lim="400000"/>
+            </a:ln>
+            <a:effectLst/>
+          </p:spPr>
+          <p:txBody>
+            <a:bodyPr wrap="square" lIns="0" tIns="0" rIns="0" bIns="0" numCol="1" anchor="ctr">
+              <a:noAutofit/>
+            </a:bodyPr>
+            <a:lstStyle/>
+            <a:p>
+              <a:pPr lvl="0">
+                <a:defRPr sz="1800">
+                  <a:solidFill>
+                    <a:srgbClr val="FFFFFF"/>
+                  </a:solidFill>
+                </a:defRPr>
+              </a:pPr>
+              <a:endParaRPr/>
+            </a:p>
+          </p:txBody>
+        </p:sp>
+        <p:pic>
+          <p:nvPicPr>
+            <p:cNvPr id="198" name="_-47.png"/>
+            <p:cNvPicPr/>
+            <p:nvPr/>
+          </p:nvPicPr>
+          <p:blipFill>
+            <a:blip r:embed="rId5">
+              <a:extLst/>
+            </a:blip>
+            <a:srcRect l="17032" t="20462" r="17032" b="20462"/>
+            <a:stretch>
+              <a:fillRect/>
+            </a:stretch>
+          </p:blipFill>
+          <p:spPr>
+            <a:xfrm>
+              <a:off x="3723113" y="3770499"/>
+              <a:ext cx="466313" cy="417807"/>
+            </a:xfrm>
+            <a:prstGeom prst="rect">
+              <a:avLst/>
+            </a:prstGeom>
+            <a:ln w="3175" cap="flat">
+              <a:noFill/>
+              <a:miter lim="400000"/>
+            </a:ln>
+            <a:effectLst/>
+          </p:spPr>
+        </p:pic>
+      </p:grpSp>
+      <p:sp>
+        <p:nvSpPr>
+          <p:cNvPr id="210" name="Shape 64"/>
+          <p:cNvSpPr/>
+          <p:nvPr/>
+        </p:nvSpPr>
+        <p:spPr>
+          <a:xfrm>
+            <a:off x="1979114" y="155452"/>
+            <a:ext cx="1014300" cy="246221"/>
+          </a:xfrm>
+          <a:prstGeom prst="rect">
+            <a:avLst/>
+          </a:prstGeom>
+          <a:ln w="3175">
+            <a:miter lim="400000"/>
+          </a:ln>
+          <a:extLst>
+            <a:ext uri="{C572A759-6A51-4108-AA02-DFA0A04FC94B}">
+              <ma14:wrappingTextBoxFlag xmlns:ma14="http://schemas.microsoft.com/office/mac/drawingml/2011/main" val="1"/>
+            </a:ext>
+          </a:extLst>
+        </p:spPr>
+        <p:txBody>
+          <a:bodyPr wrap="none" lIns="0" tIns="0" rIns="0" bIns="0">
+            <a:spAutoFit/>
+          </a:bodyPr>
+          <a:lstStyle>
+            <a:lvl1pPr algn="l">
+              <a:defRPr sz="1000" b="1">
+                <a:solidFill>
+                  <a:srgbClr val="4277BB"/>
+                </a:solidFill>
+                <a:latin typeface="Helvetica"/>
+                <a:ea typeface="Helvetica"/>
+                <a:cs typeface="Helvetica"/>
+                <a:sym typeface="Helvetica"/>
+              </a:defRPr>
+            </a:lvl1pPr>
+          </a:lstStyle>
+          <a:p>
+            <a:pPr lvl="0">
+              <a:defRPr sz="1800" b="0">
+                <a:solidFill>
+                  <a:srgbClr val="000000"/>
+                </a:solidFill>
+              </a:defRPr>
+            </a:pPr>
+            <a:r>
+              <a:rPr lang="de-DE" sz="1600" b="1" dirty="0">
+                <a:solidFill>
+                  <a:srgbClr val="000000"/>
+                </a:solidFill>
+                <a:latin typeface="Arial"/>
+                <a:cs typeface="Arial"/>
+              </a:rPr>
+              <a:t>IBM Cloud</a:t>
+            </a:r>
+            <a:endParaRPr sz="1600" dirty="0">
+              <a:solidFill>
+                <a:srgbClr val="000000"/>
+              </a:solidFill>
+              <a:latin typeface="Arial"/>
+              <a:cs typeface="Arial"/>
+            </a:endParaRPr>
+          </a:p>
+        </p:txBody>
+      </p:sp>
+      <p:pic>
+        <p:nvPicPr>
+          <p:cNvPr id="211" name="Picture 210"/>
+          <p:cNvPicPr>
+            <a:picLocks noChangeAspect="1"/>
+          </p:cNvPicPr>
+          <p:nvPr/>
+        </p:nvPicPr>
+        <p:blipFill>
+          <a:blip r:embed="rId6"/>
+          <a:stretch>
+            <a:fillRect/>
+          </a:stretch>
+        </p:blipFill>
+        <p:spPr>
+          <a:xfrm>
+            <a:off x="560056" y="2053349"/>
+            <a:ext cx="803034" cy="701972"/>
+          </a:xfrm>
+          <a:prstGeom prst="rect">
+            <a:avLst/>
+          </a:prstGeom>
+        </p:spPr>
+      </p:pic>
+      <p:sp>
+        <p:nvSpPr>
+          <p:cNvPr id="212" name="TextBox 211"/>
+          <p:cNvSpPr txBox="1"/>
+          <p:nvPr/>
+        </p:nvSpPr>
+        <p:spPr>
+          <a:xfrm>
+            <a:off x="375641" y="2763070"/>
+            <a:ext cx="1181319" cy="264013"/>
+          </a:xfrm>
+          <a:prstGeom prst="rect">
+            <a:avLst/>
+          </a:prstGeom>
+          <a:noFill/>
+          <a:ln w="3175" cap="flat">
+            <a:noFill/>
+            <a:miter lim="400000"/>
+          </a:ln>
+          <a:effectLst/>
+        </p:spPr>
+        <p:style>
+          <a:lnRef idx="0">
+            <a:scrgbClr r="0" g="0" b="0"/>
+          </a:lnRef>
+          <a:fillRef idx="0">
+            <a:scrgbClr r="0" g="0" b="0"/>
+          </a:fillRef>
+          <a:effectRef idx="0">
+            <a:scrgbClr r="0" g="0" b="0"/>
+          </a:effectRef>
+          <a:fontRef idx="none"/>
+        </p:style>
+        <p:txBody>
+          <a:bodyPr rot="0" spcFirstLastPara="1" vertOverflow="overflow" horzOverflow="overflow" vert="horz" wrap="square" lIns="39290" tIns="39290" rIns="39290" bIns="39290" numCol="1" spcCol="38100" rtlCol="0" anchor="ctr">
+            <a:spAutoFit/>
+          </a:bodyPr>
+          <a:lstStyle/>
+          <a:p>
+            <a:pPr marL="0" marR="0" indent="0" defTabSz="584200" rtl="0" fontAlgn="auto" latinLnBrk="1" hangingPunct="0">
+              <a:lnSpc>
+                <a:spcPct val="100000"/>
+              </a:lnSpc>
+              <a:spcBef>
+                <a:spcPts val="0"/>
+              </a:spcBef>
+              <a:spcAft>
+                <a:spcPts val="0"/>
+              </a:spcAft>
+              <a:buClrTx/>
+              <a:buSzTx/>
+              <a:buFontTx/>
+              <a:buNone/>
+              <a:tabLst/>
+            </a:pPr>
+            <a:r>
+              <a:rPr kumimoji="0" lang="en-US" sz="1200" b="0" i="0" u="none" strike="noStrike" cap="none" spc="0" normalizeH="0" baseline="0" dirty="0">
+                <a:ln>
+                  <a:noFill/>
+                </a:ln>
+                <a:solidFill>
+                  <a:srgbClr val="000000"/>
+                </a:solidFill>
+                <a:effectLst/>
+                <a:uFillTx/>
+                <a:latin typeface="Arial"/>
+                <a:ea typeface="+mn-ea"/>
+                <a:cs typeface="Arial"/>
+                <a:sym typeface="Helvetica Light"/>
+              </a:rPr>
+              <a:t>Game</a:t>
+            </a:r>
+          </a:p>
+        </p:txBody>
+      </p:sp>
+      <p:grpSp>
+        <p:nvGrpSpPr>
+          <p:cNvPr id="213" name="Group 378"/>
+          <p:cNvGrpSpPr/>
+          <p:nvPr/>
+        </p:nvGrpSpPr>
+        <p:grpSpPr>
+          <a:xfrm>
+            <a:off x="2427307" y="2184154"/>
+            <a:ext cx="1175441" cy="792932"/>
+            <a:chOff x="0" y="130399"/>
+            <a:chExt cx="1175438" cy="792929"/>
+          </a:xfrm>
+        </p:grpSpPr>
+        <p:pic>
+          <p:nvPicPr>
+            <p:cNvPr id="214" name="_-19.png"/>
+            <p:cNvPicPr/>
+            <p:nvPr/>
+          </p:nvPicPr>
+          <p:blipFill>
+            <a:blip r:embed="rId7">
+              <a:extLst/>
+            </a:blip>
+            <a:srcRect l="11328" t="18438" r="11328" b="18438"/>
+            <a:stretch>
+              <a:fillRect/>
+            </a:stretch>
+          </p:blipFill>
+          <p:spPr>
+            <a:xfrm>
+              <a:off x="306810" y="130399"/>
+              <a:ext cx="547001" cy="446433"/>
+            </a:xfrm>
+            <a:prstGeom prst="rect">
+              <a:avLst/>
+            </a:prstGeom>
+            <a:ln w="3175" cap="flat">
+              <a:noFill/>
+              <a:miter lim="400000"/>
+            </a:ln>
+            <a:effectLst/>
+          </p:spPr>
+        </p:pic>
+        <p:sp>
+          <p:nvSpPr>
+            <p:cNvPr id="215" name="Shape 377"/>
+            <p:cNvSpPr/>
+            <p:nvPr/>
+          </p:nvSpPr>
+          <p:spPr>
+            <a:xfrm>
+              <a:off x="0" y="707231"/>
+              <a:ext cx="1175439" cy="216099"/>
+            </a:xfrm>
+            <a:prstGeom prst="rect">
+              <a:avLst/>
+            </a:prstGeom>
+            <a:noFill/>
+            <a:ln w="3175" cap="flat">
+              <a:noFill/>
+              <a:miter lim="400000"/>
+            </a:ln>
+            <a:effectLst/>
+            <a:extLst>
+              <a:ext uri="{C572A759-6A51-4108-AA02-DFA0A04FC94B}">
+                <ma14:wrappingTextBoxFlag xmlns:ma14="http://schemas.microsoft.com/office/mac/drawingml/2011/main" val="1"/>
+              </a:ext>
+            </a:extLst>
+          </p:spPr>
+          <p:txBody>
+            <a:bodyPr wrap="square" lIns="0" tIns="0" rIns="0" bIns="0" numCol="1" anchor="t">
+              <a:noAutofit/>
+            </a:bodyPr>
+            <a:lstStyle>
+              <a:lvl1pPr>
+                <a:defRPr sz="800" b="1">
+                  <a:solidFill>
+                    <a:srgbClr val="4277BB"/>
+                  </a:solidFill>
+                  <a:latin typeface="Helvetica"/>
+                  <a:ea typeface="Helvetica"/>
+                  <a:cs typeface="Helvetica"/>
+                  <a:sym typeface="Helvetica"/>
+                </a:defRPr>
+              </a:lvl1pPr>
+            </a:lstStyle>
+            <a:p>
+              <a:pPr lvl="0">
+                <a:defRPr sz="1800" b="0">
+                  <a:solidFill>
+                    <a:srgbClr val="000000"/>
+                  </a:solidFill>
+                </a:defRPr>
+              </a:pPr>
+              <a:r>
+                <a:rPr lang="de-DE" sz="1200" b="0" dirty="0">
+                  <a:solidFill>
+                    <a:srgbClr val="000000"/>
+                  </a:solidFill>
+                  <a:latin typeface="Arial"/>
+                  <a:cs typeface="Arial"/>
+                </a:rPr>
+                <a:t>Lite API</a:t>
+              </a:r>
+            </a:p>
+            <a:p>
+              <a:pPr lvl="0">
+                <a:defRPr sz="1800" b="0">
+                  <a:solidFill>
+                    <a:srgbClr val="000000"/>
+                  </a:solidFill>
+                </a:defRPr>
+              </a:pPr>
+              <a:r>
+                <a:rPr lang="de-DE" sz="1200" b="0" dirty="0">
+                  <a:solidFill>
+                    <a:srgbClr val="000000"/>
+                  </a:solidFill>
+                  <a:latin typeface="Arial"/>
+                  <a:cs typeface="Arial"/>
+                </a:rPr>
+                <a:t>Management</a:t>
+              </a:r>
+            </a:p>
+          </p:txBody>
+        </p:sp>
+      </p:grpSp>
+      <p:pic>
+        <p:nvPicPr>
+          <p:cNvPr id="216" name="Picture 215"/>
+          <p:cNvPicPr>
+            <a:picLocks noChangeAspect="1"/>
+          </p:cNvPicPr>
+          <p:nvPr/>
+        </p:nvPicPr>
+        <p:blipFill>
+          <a:blip r:embed="rId8"/>
+          <a:stretch>
+            <a:fillRect/>
+          </a:stretch>
+        </p:blipFill>
+        <p:spPr>
+          <a:xfrm>
+            <a:off x="2548298" y="2006090"/>
+            <a:ext cx="819405" cy="786629"/>
+          </a:xfrm>
+          <a:prstGeom prst="rect">
+            <a:avLst/>
+          </a:prstGeom>
+        </p:spPr>
+      </p:pic>
+      <p:sp>
+        <p:nvSpPr>
+          <p:cNvPr id="217" name="TextBox 216"/>
+          <p:cNvSpPr txBox="1"/>
+          <p:nvPr/>
+        </p:nvSpPr>
+        <p:spPr>
+          <a:xfrm>
+            <a:off x="1867638" y="2178512"/>
+            <a:ext cx="649370" cy="233236"/>
+          </a:xfrm>
+          <a:prstGeom prst="rect">
+            <a:avLst/>
+          </a:prstGeom>
+          <a:noFill/>
+          <a:ln w="3175" cap="flat">
+            <a:noFill/>
+            <a:miter lim="400000"/>
+          </a:ln>
+          <a:effectLst/>
+        </p:spPr>
+        <p:style>
+          <a:lnRef idx="0">
+            <a:scrgbClr r="0" g="0" b="0"/>
+          </a:lnRef>
+          <a:fillRef idx="0">
+            <a:scrgbClr r="0" g="0" b="0"/>
+          </a:fillRef>
+          <a:effectRef idx="0">
+            <a:scrgbClr r="0" g="0" b="0"/>
+          </a:effectRef>
+          <a:fontRef idx="none"/>
+        </p:style>
+        <p:txBody>
+          <a:bodyPr rot="0" spcFirstLastPara="1" vertOverflow="overflow" horzOverflow="overflow" vert="horz" wrap="none" lIns="39290" tIns="39290" rIns="39290" bIns="39290" numCol="1" spcCol="38100" rtlCol="0" anchor="ctr">
+            <a:spAutoFit/>
+          </a:bodyPr>
+          <a:lstStyle/>
+          <a:p>
+            <a:pPr marL="0" marR="0" indent="0" algn="ctr" defTabSz="584200" rtl="0" fontAlgn="auto" latinLnBrk="1" hangingPunct="0">
+              <a:lnSpc>
+                <a:spcPct val="100000"/>
+              </a:lnSpc>
+              <a:spcBef>
+                <a:spcPts val="0"/>
+              </a:spcBef>
+              <a:spcAft>
+                <a:spcPts val="0"/>
+              </a:spcAft>
+              <a:buClrTx/>
+              <a:buSzTx/>
+              <a:buFontTx/>
+              <a:buNone/>
+              <a:tabLst/>
+            </a:pPr>
+            <a:r>
+              <a:rPr kumimoji="0" lang="en-US" sz="1000" b="0" i="0" u="none" strike="noStrike" cap="none" spc="0" normalizeH="0" baseline="0" dirty="0">
+                <a:ln>
+                  <a:noFill/>
+                </a:ln>
+                <a:solidFill>
+                  <a:srgbClr val="000000"/>
+                </a:solidFill>
+                <a:effectLst/>
+                <a:uFillTx/>
+                <a:latin typeface="+mn-lt"/>
+                <a:ea typeface="+mn-ea"/>
+                <a:cs typeface="+mn-cs"/>
+                <a:sym typeface="Helvetica Light"/>
+              </a:rPr>
+              <a:t>Users API</a:t>
+            </a:r>
+          </a:p>
+        </p:txBody>
+      </p:sp>
+      <p:grpSp>
+        <p:nvGrpSpPr>
+          <p:cNvPr id="218" name="Group 217">
+            <a:extLst>
+              <a:ext uri="{FF2B5EF4-FFF2-40B4-BE49-F238E27FC236}">
+                <a16:creationId xmlns:a16="http://schemas.microsoft.com/office/drawing/2014/main" xmlns="" id="{5938EDDB-B2B2-6642-9D20-6D7C5F9FED31}"/>
+              </a:ext>
+            </a:extLst>
+          </p:cNvPr>
+          <p:cNvGrpSpPr/>
+          <p:nvPr/>
+        </p:nvGrpSpPr>
+        <p:grpSpPr>
+          <a:xfrm>
+            <a:off x="3849727" y="2103593"/>
+            <a:ext cx="724719" cy="932636"/>
+            <a:chOff x="7232632" y="4768804"/>
+            <a:chExt cx="724719" cy="932636"/>
+          </a:xfrm>
+        </p:grpSpPr>
+        <p:grpSp>
+          <p:nvGrpSpPr>
+            <p:cNvPr id="219" name="Group 218">
+              <a:extLst>
+                <a:ext uri="{FF2B5EF4-FFF2-40B4-BE49-F238E27FC236}">
+                  <a16:creationId xmlns:a16="http://schemas.microsoft.com/office/drawing/2014/main" xmlns="" id="{3527AD53-90A2-7D45-A4B7-509C2FD1C32F}"/>
+                </a:ext>
+              </a:extLst>
+            </p:cNvPr>
+            <p:cNvGrpSpPr/>
+            <p:nvPr/>
+          </p:nvGrpSpPr>
+          <p:grpSpPr>
+            <a:xfrm>
+              <a:off x="7232632" y="4768804"/>
+              <a:ext cx="724719" cy="724719"/>
+              <a:chOff x="1258442" y="3837918"/>
+              <a:chExt cx="502920" cy="502920"/>
+            </a:xfrm>
+          </p:grpSpPr>
+          <p:sp>
+            <p:nvSpPr>
+              <p:cNvPr id="221" name="Oval 220">
+                <a:extLst>
+                  <a:ext uri="{FF2B5EF4-FFF2-40B4-BE49-F238E27FC236}">
+                    <a16:creationId xmlns:a16="http://schemas.microsoft.com/office/drawing/2014/main" xmlns="" id="{38BE8895-77F2-3F48-BDC0-E7E0559BA7AD}"/>
+                  </a:ext>
+                </a:extLst>
+              </p:cNvPr>
+              <p:cNvSpPr>
+                <a:spLocks noChangeAspect="1"/>
+              </p:cNvSpPr>
+              <p:nvPr/>
+            </p:nvSpPr>
+            <p:spPr>
+              <a:xfrm>
+                <a:off x="1258442" y="3837918"/>
+                <a:ext cx="502920" cy="502920"/>
+              </a:xfrm>
+              <a:prstGeom prst="ellipse">
+                <a:avLst/>
+              </a:prstGeom>
+              <a:solidFill>
+                <a:schemeClr val="bg1"/>
+              </a:solidFill>
+              <a:ln w="25400">
+                <a:solidFill>
+                  <a:srgbClr val="4277BB"/>
+                </a:solidFill>
+              </a:ln>
+            </p:spPr>
+            <p:style>
+              <a:lnRef idx="2">
+                <a:schemeClr val="accent1">
+                  <a:shade val="50000"/>
+                </a:schemeClr>
+              </a:lnRef>
+              <a:fillRef idx="1">
+                <a:schemeClr val="accent1"/>
+              </a:fillRef>
+              <a:effectRef idx="0">
+                <a:schemeClr val="accent1"/>
+              </a:effectRef>
+              <a:fontRef idx="minor">
+                <a:schemeClr val="lt1"/>
+              </a:fontRef>
+            </p:style>
+            <p:txBody>
+              <a:bodyPr rtlCol="0" anchor="ctr"/>
+              <a:lstStyle/>
+              <a:p>
+                <a:pPr algn="ctr"/>
+                <a:endParaRPr lang="en-US"/>
+              </a:p>
+            </p:txBody>
+          </p:sp>
+          <p:pic>
+            <p:nvPicPr>
+              <p:cNvPr id="222" name="Picture 221">
+                <a:extLst>
+                  <a:ext uri="{FF2B5EF4-FFF2-40B4-BE49-F238E27FC236}">
+                    <a16:creationId xmlns:a16="http://schemas.microsoft.com/office/drawing/2014/main" xmlns="" id="{1E774A8B-C5DB-534E-8EE3-5D936B2F1BDA}"/>
+                  </a:ext>
+                </a:extLst>
+              </p:cNvPr>
+              <p:cNvPicPr>
+                <a:picLocks noChangeAspect="1"/>
+              </p:cNvPicPr>
+              <p:nvPr/>
+            </p:nvPicPr>
+            <p:blipFill>
+              <a:blip r:embed="rId9">
+                <a:extLst>
+                  <a:ext uri="{28A0092B-C50C-407E-A947-70E740481C1C}">
+                    <a14:useLocalDpi xmlns:a14="http://schemas.microsoft.com/office/drawing/2010/main" val="0"/>
+                  </a:ext>
+                </a:extLst>
+              </a:blip>
+              <a:stretch>
+                <a:fillRect/>
+              </a:stretch>
+            </p:blipFill>
+            <p:spPr>
+              <a:xfrm>
+                <a:off x="1357502" y="3936978"/>
+                <a:ext cx="304800" cy="304800"/>
+              </a:xfrm>
+              <a:prstGeom prst="rect">
+                <a:avLst/>
+              </a:prstGeom>
+            </p:spPr>
+          </p:pic>
+        </p:grpSp>
+        <p:sp>
+          <p:nvSpPr>
+            <p:cNvPr id="220" name="Shape 576">
+              <a:extLst>
+                <a:ext uri="{FF2B5EF4-FFF2-40B4-BE49-F238E27FC236}">
+                  <a16:creationId xmlns:a16="http://schemas.microsoft.com/office/drawing/2014/main" xmlns="" id="{8D66F62C-0857-0C4E-B8A3-3F8DBC721692}"/>
+                </a:ext>
+              </a:extLst>
+            </p:cNvPr>
+            <p:cNvSpPr/>
+            <p:nvPr/>
+          </p:nvSpPr>
+          <p:spPr>
+            <a:xfrm>
+              <a:off x="7261407" y="5516774"/>
+              <a:ext cx="667175" cy="184666"/>
+            </a:xfrm>
+            <a:prstGeom prst="rect">
+              <a:avLst/>
+            </a:prstGeom>
+            <a:ln w="3175">
+              <a:miter lim="400000"/>
+            </a:ln>
+            <a:extLst>
+              <a:ext uri="{C572A759-6A51-4108-AA02-DFA0A04FC94B}">
+                <ma14:wrappingTextBoxFlag xmlns:ma14="http://schemas.microsoft.com/office/mac/drawingml/2011/main" val="1"/>
+              </a:ext>
+            </a:extLst>
+          </p:spPr>
+          <p:txBody>
+            <a:bodyPr wrap="none" lIns="0" tIns="0" rIns="0" bIns="0">
+              <a:spAutoFit/>
+            </a:bodyPr>
+            <a:lstStyle>
+              <a:lvl1pPr>
+                <a:defRPr sz="900" b="1">
+                  <a:latin typeface="Helvetica"/>
+                  <a:ea typeface="Helvetica"/>
+                  <a:cs typeface="Helvetica"/>
+                  <a:sym typeface="Helvetica"/>
+                </a:defRPr>
+              </a:lvl1pPr>
+            </a:lstStyle>
+            <a:p>
+              <a:pPr lvl="0">
+                <a:defRPr sz="1800" b="0"/>
+              </a:pPr>
+              <a:r>
+                <a:rPr lang="en-US" sz="1200" b="0" dirty="0">
+                  <a:latin typeface="Arial"/>
+                  <a:cs typeface="Arial"/>
+                </a:rPr>
+                <a:t>Functions</a:t>
+              </a:r>
+            </a:p>
+          </p:txBody>
+        </p:sp>
+      </p:grpSp>
+      <p:cxnSp>
+        <p:nvCxnSpPr>
+          <p:cNvPr id="223" name="Straight Arrow Connector 62"/>
+          <p:cNvCxnSpPr/>
+          <p:nvPr/>
+        </p:nvCxnSpPr>
+        <p:spPr>
+          <a:xfrm>
+            <a:off x="3432556" y="2438879"/>
+            <a:ext cx="276076" cy="0"/>
+          </a:xfrm>
+          <a:prstGeom prst="straightConnector1">
+            <a:avLst/>
+          </a:prstGeom>
+          <a:noFill/>
+          <a:ln w="12700" cap="flat" cmpd="sng">
+            <a:solidFill>
+              <a:schemeClr val="bg1">
+                <a:lumMod val="85000"/>
+              </a:schemeClr>
+            </a:solidFill>
+            <a:prstDash val="solid"/>
+            <a:miter lim="400000"/>
+            <a:headEnd type="none"/>
+            <a:tailEnd type="none"/>
+          </a:ln>
+          <a:effectLst/>
+        </p:spPr>
+        <p:style>
+          <a:lnRef idx="0">
+            <a:scrgbClr r="0" g="0" b="0"/>
+          </a:lnRef>
+          <a:fillRef idx="0">
+            <a:scrgbClr r="0" g="0" b="0"/>
+          </a:fillRef>
+          <a:effectRef idx="0">
+            <a:scrgbClr r="0" g="0" b="0"/>
+          </a:effectRef>
+          <a:fontRef idx="none"/>
+        </p:style>
+      </p:cxnSp>
+      <p:pic>
+        <p:nvPicPr>
+          <p:cNvPr id="224" name="Picture 223"/>
+          <p:cNvPicPr>
+            <a:picLocks noChangeAspect="1"/>
+          </p:cNvPicPr>
+          <p:nvPr/>
+        </p:nvPicPr>
+        <p:blipFill>
+          <a:blip r:embed="rId8"/>
+          <a:stretch>
+            <a:fillRect/>
+          </a:stretch>
+        </p:blipFill>
+        <p:spPr>
+          <a:xfrm>
+            <a:off x="3778571" y="699213"/>
+            <a:ext cx="819405" cy="786629"/>
+          </a:xfrm>
+          <a:prstGeom prst="rect">
+            <a:avLst/>
+          </a:prstGeom>
+        </p:spPr>
+      </p:pic>
+      <p:sp>
+        <p:nvSpPr>
+          <p:cNvPr id="225" name="TextBox 224"/>
+          <p:cNvSpPr txBox="1"/>
+          <p:nvPr/>
+        </p:nvSpPr>
+        <p:spPr>
+          <a:xfrm>
+            <a:off x="3593686" y="1398189"/>
+            <a:ext cx="1218324" cy="264013"/>
+          </a:xfrm>
+          <a:prstGeom prst="rect">
+            <a:avLst/>
+          </a:prstGeom>
+          <a:noFill/>
+          <a:ln w="3175" cap="flat">
+            <a:noFill/>
+            <a:miter lim="400000"/>
+          </a:ln>
+          <a:effectLst/>
+        </p:spPr>
+        <p:style>
+          <a:lnRef idx="0">
+            <a:scrgbClr r="0" g="0" b="0"/>
+          </a:lnRef>
+          <a:fillRef idx="0">
+            <a:scrgbClr r="0" g="0" b="0"/>
+          </a:fillRef>
+          <a:effectRef idx="0">
+            <a:scrgbClr r="0" g="0" b="0"/>
+          </a:effectRef>
+          <a:fontRef idx="none"/>
+        </p:style>
+        <p:txBody>
+          <a:bodyPr rot="0" spcFirstLastPara="1" vertOverflow="overflow" horzOverflow="overflow" vert="horz" wrap="square" lIns="39290" tIns="39290" rIns="39290" bIns="39290" numCol="1" spcCol="38100" rtlCol="0" anchor="ctr">
+            <a:spAutoFit/>
+          </a:bodyPr>
+          <a:lstStyle/>
+          <a:p>
+            <a:pPr rtl="0" latinLnBrk="1" hangingPunct="0"/>
+            <a:r>
+              <a:rPr lang="en-US" sz="1200" dirty="0">
+                <a:solidFill>
+                  <a:srgbClr val="000000"/>
+                </a:solidFill>
+                <a:latin typeface="Arial"/>
+                <a:cs typeface="Arial"/>
+              </a:rPr>
+              <a:t>API Connect</a:t>
+            </a:r>
+          </a:p>
+        </p:txBody>
+      </p:sp>
+      <p:grpSp>
+        <p:nvGrpSpPr>
+          <p:cNvPr id="10" name="Group 9"/>
+          <p:cNvGrpSpPr/>
+          <p:nvPr/>
+        </p:nvGrpSpPr>
+        <p:grpSpPr>
+          <a:xfrm>
+            <a:off x="5835019" y="759138"/>
+            <a:ext cx="1218324" cy="963372"/>
+            <a:chOff x="6470026" y="1523070"/>
+            <a:chExt cx="1218324" cy="963372"/>
+          </a:xfrm>
+        </p:grpSpPr>
+        <p:sp>
+          <p:nvSpPr>
+            <p:cNvPr id="99" name="Shape 472"/>
+            <p:cNvSpPr/>
+            <p:nvPr/>
+          </p:nvSpPr>
+          <p:spPr>
+            <a:xfrm>
+              <a:off x="6716008" y="1523070"/>
+              <a:ext cx="707234" cy="707233"/>
+            </a:xfrm>
+            <a:custGeom>
+              <a:avLst/>
+              <a:gdLst/>
+              <a:ahLst/>
+              <a:cxnLst>
+                <a:cxn ang="0">
+                  <a:pos x="wd2" y="hd2"/>
+                </a:cxn>
+                <a:cxn ang="5400000">
+                  <a:pos x="wd2" y="hd2"/>
+                </a:cxn>
+                <a:cxn ang="10800000">
+                  <a:pos x="wd2" y="hd2"/>
+                </a:cxn>
+                <a:cxn ang="16200000">
+                  <a:pos x="wd2" y="hd2"/>
+                </a:cxn>
+              </a:cxnLst>
+              <a:rect l="0" t="0" r="r" b="b"/>
+              <a:pathLst>
+                <a:path w="19679" h="19679" extrusionOk="0">
+                  <a:moveTo>
+                    <a:pt x="16796" y="2882"/>
+                  </a:moveTo>
+                  <a:cubicBezTo>
+                    <a:pt x="20639" y="6724"/>
+                    <a:pt x="20639" y="12954"/>
+                    <a:pt x="16796" y="16796"/>
+                  </a:cubicBezTo>
+                  <a:cubicBezTo>
+                    <a:pt x="12954" y="20639"/>
+                    <a:pt x="6724" y="20639"/>
+                    <a:pt x="2882" y="16796"/>
+                  </a:cubicBezTo>
+                  <a:cubicBezTo>
+                    <a:pt x="-961" y="12954"/>
+                    <a:pt x="-961" y="6724"/>
+                    <a:pt x="2882" y="2882"/>
+                  </a:cubicBezTo>
+                  <a:cubicBezTo>
+                    <a:pt x="6724" y="-961"/>
+                    <a:pt x="12954" y="-961"/>
+                    <a:pt x="16796" y="2882"/>
+                  </a:cubicBezTo>
+                  <a:close/>
+                </a:path>
+              </a:pathLst>
+            </a:custGeom>
+            <a:solidFill>
+              <a:srgbClr val="E42233"/>
+            </a:solidFill>
+            <a:ln w="3175" cap="flat">
+              <a:noFill/>
+              <a:miter lim="400000"/>
+            </a:ln>
+            <a:effectLst/>
+          </p:spPr>
+          <p:txBody>
+            <a:bodyPr wrap="square" lIns="0" tIns="0" rIns="0" bIns="0" numCol="1" anchor="ctr">
+              <a:noAutofit/>
+            </a:bodyPr>
+            <a:lstStyle/>
+            <a:p>
+              <a:pPr lvl="0">
+                <a:defRPr sz="1800">
+                  <a:solidFill>
+                    <a:srgbClr val="FFFFFF"/>
+                  </a:solidFill>
+                </a:defRPr>
+              </a:pPr>
+              <a:endParaRPr/>
+            </a:p>
+          </p:txBody>
+        </p:sp>
+        <p:pic>
+          <p:nvPicPr>
+            <p:cNvPr id="103" name="_-48.png"/>
+            <p:cNvPicPr/>
+            <p:nvPr/>
+          </p:nvPicPr>
+          <p:blipFill>
+            <a:blip r:embed="rId10">
+              <a:extLst/>
+            </a:blip>
+            <a:srcRect l="15658" t="30618" r="15658" b="30618"/>
+            <a:stretch>
+              <a:fillRect/>
+            </a:stretch>
+          </p:blipFill>
+          <p:spPr>
+            <a:xfrm>
+              <a:off x="6825226" y="1738574"/>
+              <a:ext cx="485752" cy="273055"/>
+            </a:xfrm>
+            <a:prstGeom prst="rect">
+              <a:avLst/>
+            </a:prstGeom>
+            <a:ln w="3175" cap="flat">
+              <a:noFill/>
+              <a:miter lim="400000"/>
+            </a:ln>
+            <a:effectLst/>
+          </p:spPr>
+        </p:pic>
+        <p:sp>
+          <p:nvSpPr>
+            <p:cNvPr id="227" name="TextBox 226"/>
+            <p:cNvSpPr txBox="1"/>
+            <p:nvPr/>
+          </p:nvSpPr>
+          <p:spPr>
+            <a:xfrm>
+              <a:off x="6470026" y="2222429"/>
+              <a:ext cx="1218324" cy="264013"/>
+            </a:xfrm>
+            <a:prstGeom prst="rect">
+              <a:avLst/>
+            </a:prstGeom>
+            <a:noFill/>
+            <a:ln w="3175" cap="flat">
+              <a:noFill/>
+              <a:miter lim="400000"/>
+            </a:ln>
+            <a:effectLst/>
+          </p:spPr>
+          <p:style>
+            <a:lnRef idx="0">
+              <a:scrgbClr r="0" g="0" b="0"/>
+            </a:lnRef>
+            <a:fillRef idx="0">
+              <a:scrgbClr r="0" g="0" b="0"/>
+            </a:fillRef>
+            <a:effectRef idx="0">
+              <a:scrgbClr r="0" g="0" b="0"/>
+            </a:effectRef>
+            <a:fontRef idx="none"/>
+          </p:style>
+          <p:txBody>
+            <a:bodyPr rot="0" spcFirstLastPara="1" vertOverflow="overflow" horzOverflow="overflow" vert="horz" wrap="square" lIns="39290" tIns="39290" rIns="39290" bIns="39290" numCol="1" spcCol="38100" rtlCol="0" anchor="ctr">
+              <a:spAutoFit/>
+            </a:bodyPr>
+            <a:lstStyle/>
+            <a:p>
+              <a:pPr rtl="0" latinLnBrk="1" hangingPunct="0"/>
+              <a:r>
+                <a:rPr lang="en-US" sz="1200" dirty="0">
+                  <a:solidFill>
+                    <a:srgbClr val="000000"/>
+                  </a:solidFill>
+                  <a:latin typeface="Arial"/>
+                  <a:cs typeface="Arial"/>
+                </a:rPr>
+                <a:t>Firewall</a:t>
+              </a:r>
+            </a:p>
+          </p:txBody>
+        </p:sp>
+      </p:grpSp>
+      <p:sp>
+        <p:nvSpPr>
+          <p:cNvPr id="228" name="TextBox 227"/>
+          <p:cNvSpPr txBox="1"/>
+          <p:nvPr/>
+        </p:nvSpPr>
+        <p:spPr>
+          <a:xfrm>
+            <a:off x="7647955" y="3133536"/>
+            <a:ext cx="1218324" cy="264013"/>
+          </a:xfrm>
+          <a:prstGeom prst="rect">
+            <a:avLst/>
+          </a:prstGeom>
+          <a:noFill/>
+          <a:ln w="3175" cap="flat">
+            <a:noFill/>
+            <a:miter lim="400000"/>
+          </a:ln>
+          <a:effectLst/>
+        </p:spPr>
+        <p:style>
+          <a:lnRef idx="0">
+            <a:scrgbClr r="0" g="0" b="0"/>
+          </a:lnRef>
+          <a:fillRef idx="0">
+            <a:scrgbClr r="0" g="0" b="0"/>
+          </a:fillRef>
+          <a:effectRef idx="0">
+            <a:scrgbClr r="0" g="0" b="0"/>
+          </a:effectRef>
+          <a:fontRef idx="none"/>
+        </p:style>
+        <p:txBody>
+          <a:bodyPr rot="0" spcFirstLastPara="1" vertOverflow="overflow" horzOverflow="overflow" vert="horz" wrap="square" lIns="39290" tIns="39290" rIns="39290" bIns="39290" numCol="1" spcCol="38100" rtlCol="0" anchor="ctr">
+            <a:spAutoFit/>
+          </a:bodyPr>
+          <a:lstStyle/>
+          <a:p>
+            <a:pPr rtl="0" latinLnBrk="1" hangingPunct="0"/>
+            <a:r>
+              <a:rPr lang="en-US" sz="1200" dirty="0">
+                <a:solidFill>
+                  <a:srgbClr val="000000"/>
+                </a:solidFill>
+                <a:latin typeface="Arial"/>
+                <a:cs typeface="Arial"/>
+              </a:rPr>
+              <a:t>Ingress</a:t>
+            </a:r>
+          </a:p>
+        </p:txBody>
+      </p:sp>
+      <p:cxnSp>
+        <p:nvCxnSpPr>
+          <p:cNvPr id="229" name="Straight Arrow Connector 62"/>
+          <p:cNvCxnSpPr/>
+          <p:nvPr/>
+        </p:nvCxnSpPr>
+        <p:spPr>
+          <a:xfrm flipV="1">
+            <a:off x="1376340" y="2434818"/>
+            <a:ext cx="1108352" cy="1"/>
+          </a:xfrm>
+          <a:prstGeom prst="straightConnector1">
+            <a:avLst/>
+          </a:prstGeom>
+          <a:noFill/>
+          <a:ln w="12700" cap="flat" cmpd="sng">
+            <a:solidFill>
+              <a:schemeClr val="bg1">
+                <a:lumMod val="85000"/>
+              </a:schemeClr>
+            </a:solidFill>
+            <a:prstDash val="solid"/>
+            <a:miter lim="400000"/>
+            <a:headEnd type="none"/>
+            <a:tailEnd type="none"/>
+          </a:ln>
+          <a:effectLst/>
+        </p:spPr>
+        <p:style>
+          <a:lnRef idx="0">
+            <a:scrgbClr r="0" g="0" b="0"/>
+          </a:lnRef>
+          <a:fillRef idx="0">
+            <a:scrgbClr r="0" g="0" b="0"/>
+          </a:fillRef>
+          <a:effectRef idx="0">
+            <a:scrgbClr r="0" g="0" b="0"/>
+          </a:effectRef>
+          <a:fontRef idx="none"/>
+        </p:style>
+      </p:cxnSp>
+      <p:sp>
+        <p:nvSpPr>
+          <p:cNvPr id="230" name="Rectangle 229"/>
+          <p:cNvSpPr/>
+          <p:nvPr/>
+        </p:nvSpPr>
+        <p:spPr>
+          <a:xfrm>
+            <a:off x="6681060" y="2291648"/>
+            <a:ext cx="3138066" cy="3939120"/>
+          </a:xfrm>
+          <a:prstGeom prst="rect">
+            <a:avLst/>
+          </a:prstGeom>
+          <a:ln w="12700">
+            <a:solidFill>
+              <a:schemeClr val="bg1">
+                <a:lumMod val="75000"/>
+              </a:schemeClr>
+            </a:solidFill>
+            <a:miter lim="400000"/>
+          </a:ln>
+        </p:spPr>
+        <p:txBody>
+          <a:bodyPr lIns="0" tIns="0" rIns="0" bIns="0" rtlCol="0" anchor="ctr"/>
+          <a:lstStyle/>
+          <a:p>
+            <a:pPr algn="ctr"/>
+            <a:endParaRPr lang="en-US" sz="1800">
+              <a:solidFill>
+                <a:srgbClr val="4277BB"/>
+              </a:solidFill>
+            </a:endParaRPr>
+          </a:p>
+        </p:txBody>
+      </p:sp>
+      <p:sp>
+        <p:nvSpPr>
+          <p:cNvPr id="231" name="Shape 65"/>
+          <p:cNvSpPr/>
+          <p:nvPr/>
+        </p:nvSpPr>
+        <p:spPr>
+          <a:xfrm>
+            <a:off x="6791046" y="5842627"/>
+            <a:ext cx="889166" cy="246221"/>
+          </a:xfrm>
+          <a:prstGeom prst="rect">
+            <a:avLst/>
+          </a:prstGeom>
+          <a:ln w="3175">
+            <a:miter lim="400000"/>
+          </a:ln>
+          <a:extLst>
+            <a:ext uri="{C572A759-6A51-4108-AA02-DFA0A04FC94B}">
+              <ma14:wrappingTextBoxFlag xmlns:ma14="http://schemas.microsoft.com/office/mac/drawingml/2011/main" val="1"/>
+            </a:ext>
+          </a:extLst>
+        </p:spPr>
+        <p:txBody>
+          <a:bodyPr wrap="none" lIns="0" tIns="0" rIns="0" bIns="0">
+            <a:spAutoFit/>
+          </a:bodyPr>
+          <a:lstStyle>
+            <a:lvl1pPr algn="l">
+              <a:defRPr sz="1000" b="1">
+                <a:solidFill>
+                  <a:srgbClr val="4277BB"/>
+                </a:solidFill>
+                <a:latin typeface="Helvetica"/>
+                <a:ea typeface="Helvetica"/>
+                <a:cs typeface="Helvetica"/>
+                <a:sym typeface="Helvetica"/>
+              </a:defRPr>
+            </a:lvl1pPr>
+          </a:lstStyle>
+          <a:p>
+            <a:pPr lvl="0">
+              <a:defRPr sz="1800" b="0">
+                <a:solidFill>
+                  <a:srgbClr val="000000"/>
+                </a:solidFill>
+              </a:defRPr>
+            </a:pPr>
+            <a:r>
+              <a:rPr lang="de-DE" sz="1600" b="1" dirty="0">
+                <a:solidFill>
+                  <a:srgbClr val="000000"/>
+                </a:solidFill>
+                <a:latin typeface="Arial"/>
+                <a:cs typeface="Arial"/>
+              </a:rPr>
+              <a:t>Minikube</a:t>
+            </a:r>
+            <a:endParaRPr sz="1600" b="1" dirty="0">
+              <a:solidFill>
+                <a:srgbClr val="000000"/>
+              </a:solidFill>
+              <a:latin typeface="Arial"/>
+              <a:cs typeface="Arial"/>
+            </a:endParaRPr>
+          </a:p>
+        </p:txBody>
+      </p:sp>
+      <p:cxnSp>
+        <p:nvCxnSpPr>
+          <p:cNvPr id="233" name="Straight Arrow Connector 62"/>
+          <p:cNvCxnSpPr/>
+          <p:nvPr/>
+        </p:nvCxnSpPr>
+        <p:spPr>
+          <a:xfrm>
+            <a:off x="4615642" y="1109507"/>
+            <a:ext cx="276076" cy="0"/>
+          </a:xfrm>
+          <a:prstGeom prst="straightConnector1">
+            <a:avLst/>
+          </a:prstGeom>
+          <a:noFill/>
+          <a:ln w="12700" cap="flat" cmpd="sng">
+            <a:solidFill>
+              <a:schemeClr val="bg1">
+                <a:lumMod val="85000"/>
+              </a:schemeClr>
+            </a:solidFill>
+            <a:prstDash val="solid"/>
+            <a:miter lim="400000"/>
+            <a:headEnd type="none"/>
+            <a:tailEnd type="none"/>
+          </a:ln>
+          <a:effectLst/>
+        </p:spPr>
+        <p:style>
+          <a:lnRef idx="0">
+            <a:scrgbClr r="0" g="0" b="0"/>
+          </a:lnRef>
+          <a:fillRef idx="0">
+            <a:scrgbClr r="0" g="0" b="0"/>
+          </a:fillRef>
+          <a:effectRef idx="0">
+            <a:scrgbClr r="0" g="0" b="0"/>
+          </a:effectRef>
+          <a:fontRef idx="none"/>
+        </p:style>
+      </p:cxnSp>
+      <p:cxnSp>
+        <p:nvCxnSpPr>
+          <p:cNvPr id="234" name="Straight Arrow Connector 62"/>
+          <p:cNvCxnSpPr/>
+          <p:nvPr/>
+        </p:nvCxnSpPr>
+        <p:spPr>
+          <a:xfrm>
+            <a:off x="5738355" y="1127914"/>
+            <a:ext cx="276076" cy="0"/>
+          </a:xfrm>
+          <a:prstGeom prst="straightConnector1">
+            <a:avLst/>
+          </a:prstGeom>
+          <a:noFill/>
+          <a:ln w="12700" cap="flat" cmpd="sng">
+            <a:solidFill>
+              <a:schemeClr val="bg1">
+                <a:lumMod val="85000"/>
+              </a:schemeClr>
+            </a:solidFill>
+            <a:prstDash val="solid"/>
+            <a:miter lim="400000"/>
+            <a:headEnd type="none"/>
+            <a:tailEnd type="none"/>
+          </a:ln>
+          <a:effectLst/>
+        </p:spPr>
+        <p:style>
+          <a:lnRef idx="0">
+            <a:scrgbClr r="0" g="0" b="0"/>
+          </a:lnRef>
+          <a:fillRef idx="0">
+            <a:scrgbClr r="0" g="0" b="0"/>
+          </a:fillRef>
+          <a:effectRef idx="0">
+            <a:scrgbClr r="0" g="0" b="0"/>
+          </a:effectRef>
+          <a:fontRef idx="none"/>
+        </p:style>
+      </p:cxnSp>
+      <p:cxnSp>
+        <p:nvCxnSpPr>
+          <p:cNvPr id="235" name="Straight Arrow Connector 62"/>
+          <p:cNvCxnSpPr>
+            <a:endCxn id="192" idx="1"/>
+          </p:cNvCxnSpPr>
+          <p:nvPr/>
+        </p:nvCxnSpPr>
+        <p:spPr>
+          <a:xfrm>
+            <a:off x="6879473" y="1100304"/>
+            <a:ext cx="771432" cy="5071"/>
+          </a:xfrm>
+          <a:prstGeom prst="straightConnector1">
+            <a:avLst/>
+          </a:prstGeom>
+          <a:noFill/>
+          <a:ln w="12700" cap="flat" cmpd="sng">
+            <a:solidFill>
+              <a:schemeClr val="bg1">
+                <a:lumMod val="85000"/>
+              </a:schemeClr>
+            </a:solidFill>
+            <a:prstDash val="solid"/>
+            <a:miter lim="400000"/>
+            <a:headEnd type="none"/>
+            <a:tailEnd type="none"/>
+          </a:ln>
+          <a:effectLst/>
+        </p:spPr>
+        <p:style>
+          <a:lnRef idx="0">
+            <a:scrgbClr r="0" g="0" b="0"/>
+          </a:lnRef>
+          <a:fillRef idx="0">
+            <a:scrgbClr r="0" g="0" b="0"/>
+          </a:fillRef>
+          <a:effectRef idx="0">
+            <a:scrgbClr r="0" g="0" b="0"/>
+          </a:effectRef>
+          <a:fontRef idx="none"/>
+        </p:style>
+      </p:cxnSp>
+      <p:cxnSp>
+        <p:nvCxnSpPr>
+          <p:cNvPr id="236" name="Straight Arrow Connector 62"/>
+          <p:cNvCxnSpPr/>
+          <p:nvPr/>
+        </p:nvCxnSpPr>
+        <p:spPr>
+          <a:xfrm>
+            <a:off x="8135065" y="3953405"/>
+            <a:ext cx="515343" cy="0"/>
+          </a:xfrm>
+          <a:prstGeom prst="straightConnector1">
+            <a:avLst/>
+          </a:prstGeom>
+          <a:noFill/>
+          <a:ln w="12700" cap="flat" cmpd="sng">
+            <a:solidFill>
+              <a:schemeClr val="bg1">
+                <a:lumMod val="85000"/>
+              </a:schemeClr>
+            </a:solidFill>
+            <a:prstDash val="solid"/>
+            <a:miter lim="400000"/>
+            <a:headEnd type="none"/>
+            <a:tailEnd type="none"/>
+          </a:ln>
+          <a:effectLst/>
+        </p:spPr>
+        <p:style>
+          <a:lnRef idx="0">
+            <a:scrgbClr r="0" g="0" b="0"/>
+          </a:lnRef>
+          <a:fillRef idx="0">
+            <a:scrgbClr r="0" g="0" b="0"/>
+          </a:fillRef>
+          <a:effectRef idx="0">
+            <a:scrgbClr r="0" g="0" b="0"/>
+          </a:effectRef>
+          <a:fontRef idx="none"/>
+        </p:style>
+      </p:cxnSp>
+      <p:cxnSp>
+        <p:nvCxnSpPr>
+          <p:cNvPr id="237" name="Straight Arrow Connector 62"/>
+          <p:cNvCxnSpPr/>
+          <p:nvPr/>
+        </p:nvCxnSpPr>
+        <p:spPr>
+          <a:xfrm flipV="1">
+            <a:off x="7601316" y="3055542"/>
+            <a:ext cx="266874" cy="404957"/>
+          </a:xfrm>
+          <a:prstGeom prst="straightConnector1">
+            <a:avLst/>
+          </a:prstGeom>
+          <a:noFill/>
+          <a:ln w="12700" cap="flat" cmpd="sng">
+            <a:solidFill>
+              <a:schemeClr val="bg1">
+                <a:lumMod val="85000"/>
+              </a:schemeClr>
+            </a:solidFill>
+            <a:prstDash val="solid"/>
+            <a:miter lim="400000"/>
+            <a:headEnd type="none"/>
+            <a:tailEnd type="none"/>
+          </a:ln>
+          <a:effectLst/>
+        </p:spPr>
+        <p:style>
+          <a:lnRef idx="0">
+            <a:scrgbClr r="0" g="0" b="0"/>
+          </a:lnRef>
+          <a:fillRef idx="0">
+            <a:scrgbClr r="0" g="0" b="0"/>
+          </a:fillRef>
+          <a:effectRef idx="0">
+            <a:scrgbClr r="0" g="0" b="0"/>
+          </a:effectRef>
+          <a:fontRef idx="none"/>
+        </p:style>
+      </p:cxnSp>
+      <p:cxnSp>
+        <p:nvCxnSpPr>
+          <p:cNvPr id="30" name="Straight Connector 29"/>
+          <p:cNvCxnSpPr/>
+          <p:nvPr/>
+        </p:nvCxnSpPr>
+        <p:spPr>
+          <a:xfrm>
+            <a:off x="4196368" y="1656605"/>
+            <a:ext cx="0" cy="368142"/>
+          </a:xfrm>
+          <a:prstGeom prst="line">
+            <a:avLst/>
+          </a:prstGeom>
+          <a:noFill/>
+          <a:ln w="12700" cap="flat">
+            <a:solidFill>
+              <a:schemeClr val="bg1">
+                <a:lumMod val="85000"/>
+              </a:schemeClr>
+            </a:solidFill>
+            <a:prstDash val="solid"/>
+            <a:miter lim="400000"/>
+          </a:ln>
+          <a:effectLst/>
+        </p:spPr>
+        <p:style>
+          <a:lnRef idx="0">
+            <a:scrgbClr r="0" g="0" b="0"/>
+          </a:lnRef>
+          <a:fillRef idx="0">
+            <a:scrgbClr r="0" g="0" b="0"/>
+          </a:fillRef>
+          <a:effectRef idx="0">
+            <a:scrgbClr r="0" g="0" b="0"/>
+          </a:effectRef>
+          <a:fontRef idx="none"/>
+        </p:style>
+      </p:cxnSp>
+      <p:cxnSp>
+        <p:nvCxnSpPr>
+          <p:cNvPr id="238" name="Straight Connector 237"/>
+          <p:cNvCxnSpPr/>
+          <p:nvPr/>
+        </p:nvCxnSpPr>
+        <p:spPr>
+          <a:xfrm>
+            <a:off x="8213845" y="2125981"/>
+            <a:ext cx="0" cy="253641"/>
+          </a:xfrm>
+          <a:prstGeom prst="line">
+            <a:avLst/>
+          </a:prstGeom>
+          <a:noFill/>
+          <a:ln w="12700" cap="flat">
+            <a:solidFill>
+              <a:schemeClr val="bg1">
+                <a:lumMod val="85000"/>
+              </a:schemeClr>
+            </a:solidFill>
+            <a:prstDash val="solid"/>
+            <a:miter lim="400000"/>
+          </a:ln>
+          <a:effectLst/>
+        </p:spPr>
+        <p:style>
+          <a:lnRef idx="0">
+            <a:scrgbClr r="0" g="0" b="0"/>
+          </a:lnRef>
+          <a:fillRef idx="0">
+            <a:scrgbClr r="0" g="0" b="0"/>
+          </a:fillRef>
+          <a:effectRef idx="0">
+            <a:scrgbClr r="0" g="0" b="0"/>
+          </a:effectRef>
+          <a:fontRef idx="none"/>
+        </p:style>
+      </p:cxnSp>
+      <p:sp>
+        <p:nvSpPr>
+          <p:cNvPr id="241" name="TextBox 240"/>
+          <p:cNvSpPr txBox="1"/>
+          <p:nvPr/>
+        </p:nvSpPr>
+        <p:spPr>
+          <a:xfrm>
+            <a:off x="7057762" y="876754"/>
+            <a:ext cx="328643" cy="233236"/>
+          </a:xfrm>
+          <a:prstGeom prst="rect">
+            <a:avLst/>
+          </a:prstGeom>
+          <a:noFill/>
+          <a:ln w="3175" cap="flat">
+            <a:noFill/>
+            <a:miter lim="400000"/>
+          </a:ln>
+          <a:effectLst/>
+        </p:spPr>
+        <p:style>
+          <a:lnRef idx="0">
+            <a:scrgbClr r="0" g="0" b="0"/>
+          </a:lnRef>
+          <a:fillRef idx="0">
+            <a:scrgbClr r="0" g="0" b="0"/>
+          </a:fillRef>
+          <a:effectRef idx="0">
+            <a:scrgbClr r="0" g="0" b="0"/>
+          </a:effectRef>
+          <a:fontRef idx="none"/>
+        </p:style>
+        <p:txBody>
+          <a:bodyPr rot="0" spcFirstLastPara="1" vertOverflow="overflow" horzOverflow="overflow" vert="horz" wrap="none" lIns="39290" tIns="39290" rIns="39290" bIns="39290" numCol="1" spcCol="38100" rtlCol="0" anchor="ctr">
+            <a:spAutoFit/>
+          </a:bodyPr>
+          <a:lstStyle/>
+          <a:p>
+            <a:pPr marL="0" marR="0" indent="0" algn="ctr" defTabSz="584200" rtl="0" fontAlgn="auto" latinLnBrk="1" hangingPunct="0">
+              <a:lnSpc>
+                <a:spcPct val="100000"/>
+              </a:lnSpc>
+              <a:spcBef>
+                <a:spcPts val="0"/>
+              </a:spcBef>
+              <a:spcAft>
+                <a:spcPts val="0"/>
+              </a:spcAft>
+              <a:buClrTx/>
+              <a:buSzTx/>
+              <a:buFontTx/>
+              <a:buNone/>
+              <a:tabLst/>
+            </a:pPr>
+            <a:r>
+              <a:rPr kumimoji="0" lang="en-US" sz="1000" b="0" i="0" u="none" strike="noStrike" cap="none" spc="0" normalizeH="0" baseline="0" dirty="0">
+                <a:ln>
+                  <a:noFill/>
+                </a:ln>
+                <a:solidFill>
+                  <a:srgbClr val="000000"/>
+                </a:solidFill>
+                <a:effectLst/>
+                <a:uFillTx/>
+                <a:latin typeface="+mn-lt"/>
+                <a:ea typeface="+mn-ea"/>
+                <a:cs typeface="+mn-cs"/>
+                <a:sym typeface="Helvetica Light"/>
+              </a:rPr>
+              <a:t>VPN</a:t>
+            </a:r>
+          </a:p>
+        </p:txBody>
+      </p:sp>
+      <p:sp>
+        <p:nvSpPr>
+          <p:cNvPr id="242" name="TextBox 241"/>
+          <p:cNvSpPr txBox="1"/>
+          <p:nvPr/>
+        </p:nvSpPr>
+        <p:spPr>
+          <a:xfrm>
+            <a:off x="5737752" y="891101"/>
+            <a:ext cx="328643" cy="233236"/>
+          </a:xfrm>
+          <a:prstGeom prst="rect">
+            <a:avLst/>
+          </a:prstGeom>
+          <a:noFill/>
+          <a:ln w="3175" cap="flat">
+            <a:noFill/>
+            <a:miter lim="400000"/>
+          </a:ln>
+          <a:effectLst/>
+        </p:spPr>
+        <p:style>
+          <a:lnRef idx="0">
+            <a:scrgbClr r="0" g="0" b="0"/>
+          </a:lnRef>
+          <a:fillRef idx="0">
+            <a:scrgbClr r="0" g="0" b="0"/>
+          </a:fillRef>
+          <a:effectRef idx="0">
+            <a:scrgbClr r="0" g="0" b="0"/>
+          </a:effectRef>
+          <a:fontRef idx="none"/>
+        </p:style>
+        <p:txBody>
+          <a:bodyPr rot="0" spcFirstLastPara="1" vertOverflow="overflow" horzOverflow="overflow" vert="horz" wrap="none" lIns="39290" tIns="39290" rIns="39290" bIns="39290" numCol="1" spcCol="38100" rtlCol="0" anchor="ctr">
+            <a:spAutoFit/>
+          </a:bodyPr>
+          <a:lstStyle/>
+          <a:p>
+            <a:pPr marL="0" marR="0" indent="0" algn="ctr" defTabSz="584200" rtl="0" fontAlgn="auto" latinLnBrk="1" hangingPunct="0">
+              <a:lnSpc>
+                <a:spcPct val="100000"/>
+              </a:lnSpc>
+              <a:spcBef>
+                <a:spcPts val="0"/>
+              </a:spcBef>
+              <a:spcAft>
+                <a:spcPts val="0"/>
+              </a:spcAft>
+              <a:buClrTx/>
+              <a:buSzTx/>
+              <a:buFontTx/>
+              <a:buNone/>
+              <a:tabLst/>
+            </a:pPr>
+            <a:r>
+              <a:rPr kumimoji="0" lang="en-US" sz="1000" b="0" i="0" u="none" strike="noStrike" cap="none" spc="0" normalizeH="0" baseline="0" dirty="0">
+                <a:ln>
+                  <a:noFill/>
+                </a:ln>
+                <a:solidFill>
+                  <a:srgbClr val="000000"/>
+                </a:solidFill>
+                <a:effectLst/>
+                <a:uFillTx/>
+                <a:latin typeface="+mn-lt"/>
+                <a:ea typeface="+mn-ea"/>
+                <a:cs typeface="+mn-cs"/>
+                <a:sym typeface="Helvetica Light"/>
+              </a:rPr>
+              <a:t>VPN</a:t>
+            </a:r>
+          </a:p>
+        </p:txBody>
+      </p:sp>
+      <p:sp>
+        <p:nvSpPr>
+          <p:cNvPr id="243" name="TextBox 242"/>
+          <p:cNvSpPr txBox="1"/>
+          <p:nvPr/>
+        </p:nvSpPr>
+        <p:spPr>
+          <a:xfrm>
+            <a:off x="8218021" y="2069157"/>
+            <a:ext cx="374300" cy="233236"/>
+          </a:xfrm>
+          <a:prstGeom prst="rect">
+            <a:avLst/>
+          </a:prstGeom>
+          <a:noFill/>
+          <a:ln w="3175" cap="flat">
+            <a:noFill/>
+            <a:miter lim="400000"/>
+          </a:ln>
+          <a:effectLst/>
+        </p:spPr>
+        <p:style>
+          <a:lnRef idx="0">
+            <a:scrgbClr r="0" g="0" b="0"/>
+          </a:lnRef>
+          <a:fillRef idx="0">
+            <a:scrgbClr r="0" g="0" b="0"/>
+          </a:fillRef>
+          <a:effectRef idx="0">
+            <a:scrgbClr r="0" g="0" b="0"/>
+          </a:effectRef>
+          <a:fontRef idx="none"/>
+        </p:style>
+        <p:txBody>
+          <a:bodyPr rot="0" spcFirstLastPara="1" vertOverflow="overflow" horzOverflow="overflow" vert="horz" wrap="none" lIns="39290" tIns="39290" rIns="39290" bIns="39290" numCol="1" spcCol="38100" rtlCol="0" anchor="ctr">
+            <a:spAutoFit/>
+          </a:bodyPr>
+          <a:lstStyle/>
+          <a:p>
+            <a:pPr marL="0" marR="0" indent="0" algn="ctr" defTabSz="584200" rtl="0" fontAlgn="auto" latinLnBrk="1" hangingPunct="0">
+              <a:lnSpc>
+                <a:spcPct val="100000"/>
+              </a:lnSpc>
+              <a:spcBef>
+                <a:spcPts val="0"/>
+              </a:spcBef>
+              <a:spcAft>
+                <a:spcPts val="0"/>
+              </a:spcAft>
+              <a:buClrTx/>
+              <a:buSzTx/>
+              <a:buFontTx/>
+              <a:buNone/>
+              <a:tabLst/>
+            </a:pPr>
+            <a:r>
+              <a:rPr kumimoji="0" lang="en-US" sz="1000" b="0" i="0" u="none" strike="noStrike" cap="none" spc="0" normalizeH="0" baseline="0" dirty="0">
+                <a:ln>
+                  <a:noFill/>
+                </a:ln>
+                <a:solidFill>
+                  <a:srgbClr val="000000"/>
+                </a:solidFill>
+                <a:effectLst/>
+                <a:uFillTx/>
+                <a:latin typeface="+mn-lt"/>
+                <a:ea typeface="+mn-ea"/>
+                <a:cs typeface="+mn-cs"/>
+                <a:sym typeface="Helvetica Light"/>
+              </a:rPr>
+              <a:t>https</a:t>
+            </a:r>
+          </a:p>
+        </p:txBody>
+      </p:sp>
+      <p:sp>
+        <p:nvSpPr>
+          <p:cNvPr id="244" name="TextBox 243"/>
+          <p:cNvSpPr txBox="1"/>
+          <p:nvPr/>
+        </p:nvSpPr>
+        <p:spPr>
+          <a:xfrm>
+            <a:off x="4597371" y="877839"/>
+            <a:ext cx="374300" cy="233236"/>
+          </a:xfrm>
+          <a:prstGeom prst="rect">
+            <a:avLst/>
+          </a:prstGeom>
+          <a:noFill/>
+          <a:ln w="3175" cap="flat">
+            <a:noFill/>
+            <a:miter lim="400000"/>
+          </a:ln>
+          <a:effectLst/>
+        </p:spPr>
+        <p:style>
+          <a:lnRef idx="0">
+            <a:scrgbClr r="0" g="0" b="0"/>
+          </a:lnRef>
+          <a:fillRef idx="0">
+            <a:scrgbClr r="0" g="0" b="0"/>
+          </a:fillRef>
+          <a:effectRef idx="0">
+            <a:scrgbClr r="0" g="0" b="0"/>
+          </a:effectRef>
+          <a:fontRef idx="none"/>
+        </p:style>
+        <p:txBody>
+          <a:bodyPr rot="0" spcFirstLastPara="1" vertOverflow="overflow" horzOverflow="overflow" vert="horz" wrap="none" lIns="39290" tIns="39290" rIns="39290" bIns="39290" numCol="1" spcCol="38100" rtlCol="0" anchor="ctr">
+            <a:spAutoFit/>
+          </a:bodyPr>
+          <a:lstStyle/>
+          <a:p>
+            <a:pPr marL="0" marR="0" indent="0" algn="ctr" defTabSz="584200" rtl="0" fontAlgn="auto" latinLnBrk="1" hangingPunct="0">
+              <a:lnSpc>
+                <a:spcPct val="100000"/>
+              </a:lnSpc>
+              <a:spcBef>
+                <a:spcPts val="0"/>
+              </a:spcBef>
+              <a:spcAft>
+                <a:spcPts val="0"/>
+              </a:spcAft>
+              <a:buClrTx/>
+              <a:buSzTx/>
+              <a:buFontTx/>
+              <a:buNone/>
+              <a:tabLst/>
+            </a:pPr>
+            <a:r>
+              <a:rPr kumimoji="0" lang="en-US" sz="1000" b="0" i="0" u="none" strike="noStrike" cap="none" spc="0" normalizeH="0" baseline="0" dirty="0">
+                <a:ln>
+                  <a:noFill/>
+                </a:ln>
+                <a:solidFill>
+                  <a:srgbClr val="000000"/>
+                </a:solidFill>
+                <a:effectLst/>
+                <a:uFillTx/>
+                <a:latin typeface="+mn-lt"/>
+                <a:ea typeface="+mn-ea"/>
+                <a:cs typeface="+mn-cs"/>
+                <a:sym typeface="Helvetica Light"/>
+              </a:rPr>
+              <a:t>https</a:t>
+            </a:r>
+          </a:p>
+        </p:txBody>
+      </p:sp>
+      <p:pic>
+        <p:nvPicPr>
+          <p:cNvPr id="55" name="Picture 54"/>
+          <p:cNvPicPr>
+            <a:picLocks noChangeAspect="1"/>
+          </p:cNvPicPr>
+          <p:nvPr/>
+        </p:nvPicPr>
+        <p:blipFill>
+          <a:blip r:embed="rId11"/>
+          <a:stretch>
+            <a:fillRect/>
+          </a:stretch>
+        </p:blipFill>
+        <p:spPr>
+          <a:xfrm>
             <a:off x="8595193" y="4971363"/>
             <a:ext cx="1164760" cy="1129818"/>
+          </a:xfrm>
+          <a:prstGeom prst="rect">
+            <a:avLst/>
+          </a:prstGeom>
+        </p:spPr>
+      </p:pic>
+      <p:pic>
+        <p:nvPicPr>
+          <p:cNvPr id="56" name="Picture 55"/>
+          <p:cNvPicPr>
+            <a:picLocks noChangeAspect="1"/>
+          </p:cNvPicPr>
+          <p:nvPr/>
+        </p:nvPicPr>
+        <p:blipFill>
+          <a:blip r:embed="rId12"/>
+          <a:stretch>
+            <a:fillRect/>
+          </a:stretch>
+        </p:blipFill>
+        <p:spPr>
+          <a:xfrm>
+            <a:off x="7054785" y="3540175"/>
+            <a:ext cx="1047556" cy="640755"/>
           </a:xfrm>
           <a:prstGeom prst="rect">
             <a:avLst/>
@@ -41890,7 +41904,7 @@
   <p:clrMapOvr>
     <a:masterClrMapping/>
   </p:clrMapOvr>
-  <p:transition spd="med"/>
+  <p:transition xmlns:p14="http://schemas.microsoft.com/office/powerpoint/2010/main" spd="med"/>
 </p:sld>
 </file>
 
@@ -42028,7 +42042,7 @@
             </a:ln>
             <a:extLst>
               <a:ext uri="{C572A759-6A51-4108-AA02-DFA0A04FC94B}">
-                <ma14:wrappingTextBoxFlag xmlns:ma14="http://schemas.microsoft.com/office/mac/drawingml/2011/main" xmlns="" val="1"/>
+                <ma14:wrappingTextBoxFlag xmlns:ma14="http://schemas.microsoft.com/office/mac/drawingml/2011/main" val="1"/>
               </a:ext>
             </a:extLst>
           </p:spPr>
@@ -42222,7 +42236,7 @@
           </a:ln>
           <a:extLst>
             <a:ext uri="{C572A759-6A51-4108-AA02-DFA0A04FC94B}">
-              <ma14:wrappingTextBoxFlag xmlns:ma14="http://schemas.microsoft.com/office/mac/drawingml/2011/main" xmlns="" val="1"/>
+              <ma14:wrappingTextBoxFlag xmlns:ma14="http://schemas.microsoft.com/office/mac/drawingml/2011/main" val="1"/>
             </a:ext>
           </a:extLst>
         </p:spPr>
@@ -42290,7 +42304,7 @@
           </a:ln>
           <a:extLst>
             <a:ext uri="{C572A759-6A51-4108-AA02-DFA0A04FC94B}">
-              <ma14:wrappingTextBoxFlag xmlns:ma14="http://schemas.microsoft.com/office/mac/drawingml/2011/main" xmlns="" val="1"/>
+              <ma14:wrappingTextBoxFlag xmlns:ma14="http://schemas.microsoft.com/office/mac/drawingml/2011/main" val="1"/>
             </a:ext>
           </a:extLst>
         </p:spPr>
@@ -42751,7 +42765,7 @@
             <a:effectLst/>
             <a:extLst>
               <a:ext uri="{C572A759-6A51-4108-AA02-DFA0A04FC94B}">
-                <ma14:wrappingTextBoxFlag xmlns:ma14="http://schemas.microsoft.com/office/mac/drawingml/2011/main" xmlns="" val="1"/>
+                <ma14:wrappingTextBoxFlag xmlns:ma14="http://schemas.microsoft.com/office/mac/drawingml/2011/main" val="1"/>
               </a:ext>
             </a:extLst>
           </p:spPr>
@@ -42842,7 +42856,7 @@
           <p:cNvPr id="188" name="Group 187">
             <a:extLst>
               <a:ext uri="{FF2B5EF4-FFF2-40B4-BE49-F238E27FC236}">
-                <a16:creationId xmlns:a16="http://schemas.microsoft.com/office/drawing/2014/main" id="{5938EDDB-B2B2-6642-9D20-6D7C5F9FED31}"/>
+                <a16:creationId xmlns:a16="http://schemas.microsoft.com/office/drawing/2014/main" xmlns="" id="{5938EDDB-B2B2-6642-9D20-6D7C5F9FED31}"/>
               </a:ext>
             </a:extLst>
           </p:cNvPr>
@@ -42862,7 +42876,7 @@
             <p:cNvPr id="189" name="Group 188">
               <a:extLst>
                 <a:ext uri="{FF2B5EF4-FFF2-40B4-BE49-F238E27FC236}">
-                  <a16:creationId xmlns:a16="http://schemas.microsoft.com/office/drawing/2014/main" id="{3527AD53-90A2-7D45-A4B7-509C2FD1C32F}"/>
+                  <a16:creationId xmlns:a16="http://schemas.microsoft.com/office/drawing/2014/main" xmlns="" id="{3527AD53-90A2-7D45-A4B7-509C2FD1C32F}"/>
                 </a:ext>
               </a:extLst>
             </p:cNvPr>
@@ -42882,7 +42896,7 @@
               <p:cNvPr id="191" name="Oval 190">
                 <a:extLst>
                   <a:ext uri="{FF2B5EF4-FFF2-40B4-BE49-F238E27FC236}">
-                    <a16:creationId xmlns:a16="http://schemas.microsoft.com/office/drawing/2014/main" id="{38BE8895-77F2-3F48-BDC0-E7E0559BA7AD}"/>
+                    <a16:creationId xmlns:a16="http://schemas.microsoft.com/office/drawing/2014/main" xmlns="" id="{38BE8895-77F2-3F48-BDC0-E7E0559BA7AD}"/>
                   </a:ext>
                 </a:extLst>
               </p:cNvPr>
@@ -42938,7 +42952,7 @@
               <p:cNvPr id="192" name="Picture 191">
                 <a:extLst>
                   <a:ext uri="{FF2B5EF4-FFF2-40B4-BE49-F238E27FC236}">
-                    <a16:creationId xmlns:a16="http://schemas.microsoft.com/office/drawing/2014/main" id="{1E774A8B-C5DB-534E-8EE3-5D936B2F1BDA}"/>
+                    <a16:creationId xmlns:a16="http://schemas.microsoft.com/office/drawing/2014/main" xmlns="" id="{1E774A8B-C5DB-534E-8EE3-5D936B2F1BDA}"/>
                   </a:ext>
                 </a:extLst>
               </p:cNvPr>
@@ -42975,7 +42989,7 @@
             <p:cNvPr id="190" name="Shape 576">
               <a:extLst>
                 <a:ext uri="{FF2B5EF4-FFF2-40B4-BE49-F238E27FC236}">
-                  <a16:creationId xmlns:a16="http://schemas.microsoft.com/office/drawing/2014/main" id="{8D66F62C-0857-0C4E-B8A3-3F8DBC721692}"/>
+                  <a16:creationId xmlns:a16="http://schemas.microsoft.com/office/drawing/2014/main" xmlns="" id="{8D66F62C-0857-0C4E-B8A3-3F8DBC721692}"/>
                 </a:ext>
               </a:extLst>
             </p:cNvPr>
@@ -42995,7 +43009,7 @@
             </a:ln>
             <a:extLst>
               <a:ext uri="{C572A759-6A51-4108-AA02-DFA0A04FC94B}">
-                <ma14:wrappingTextBoxFlag xmlns:ma14="http://schemas.microsoft.com/office/mac/drawingml/2011/main" xmlns="" val="1"/>
+                <ma14:wrappingTextBoxFlag xmlns:ma14="http://schemas.microsoft.com/office/mac/drawingml/2011/main" val="1"/>
               </a:ext>
             </a:extLst>
           </p:spPr>
@@ -43326,7 +43340,7 @@
           </a:ln>
           <a:extLst>
             <a:ext uri="{C572A759-6A51-4108-AA02-DFA0A04FC94B}">
-              <ma14:wrappingTextBoxFlag xmlns:ma14="http://schemas.microsoft.com/office/mac/drawingml/2011/main" xmlns="" val="1"/>
+              <ma14:wrappingTextBoxFlag xmlns:ma14="http://schemas.microsoft.com/office/mac/drawingml/2011/main" val="1"/>
             </a:ext>
           </a:extLst>
         </p:spPr>
@@ -43694,7 +43708,7 @@
   <p:clrMapOvr>
     <a:masterClrMapping/>
   </p:clrMapOvr>
-  <p:transition spd="med"/>
+  <p:transition xmlns:p14="http://schemas.microsoft.com/office/powerpoint/2010/main" spd="med"/>
 </p:sld>
 </file>
 
@@ -43880,7 +43894,7 @@
             </a:ln>
             <a:extLst>
               <a:ext uri="{C572A759-6A51-4108-AA02-DFA0A04FC94B}">
-                <ma14:wrappingTextBoxFlag xmlns:ma14="http://schemas.microsoft.com/office/mac/drawingml/2011/main" xmlns="" val="1"/>
+                <ma14:wrappingTextBoxFlag xmlns:ma14="http://schemas.microsoft.com/office/mac/drawingml/2011/main" val="1"/>
               </a:ext>
             </a:extLst>
           </p:spPr>
@@ -44086,7 +44100,7 @@
           </a:ln>
           <a:extLst>
             <a:ext uri="{C572A759-6A51-4108-AA02-DFA0A04FC94B}">
-              <ma14:wrappingTextBoxFlag xmlns:ma14="http://schemas.microsoft.com/office/mac/drawingml/2011/main" xmlns="" val="1"/>
+              <ma14:wrappingTextBoxFlag xmlns:ma14="http://schemas.microsoft.com/office/mac/drawingml/2011/main" val="1"/>
             </a:ext>
           </a:extLst>
         </p:spPr>
@@ -44154,7 +44168,7 @@
           </a:ln>
           <a:extLst>
             <a:ext uri="{C572A759-6A51-4108-AA02-DFA0A04FC94B}">
-              <ma14:wrappingTextBoxFlag xmlns:ma14="http://schemas.microsoft.com/office/mac/drawingml/2011/main" xmlns="" val="1"/>
+              <ma14:wrappingTextBoxFlag xmlns:ma14="http://schemas.microsoft.com/office/mac/drawingml/2011/main" val="1"/>
             </a:ext>
           </a:extLst>
         </p:spPr>
@@ -44525,7 +44539,7 @@
             <a:effectLst/>
             <a:extLst>
               <a:ext uri="{C572A759-6A51-4108-AA02-DFA0A04FC94B}">
-                <ma14:wrappingTextBoxFlag xmlns:ma14="http://schemas.microsoft.com/office/mac/drawingml/2011/main" xmlns="" val="1"/>
+                <ma14:wrappingTextBoxFlag xmlns:ma14="http://schemas.microsoft.com/office/mac/drawingml/2011/main" val="1"/>
               </a:ext>
             </a:extLst>
           </p:spPr>
@@ -44616,7 +44630,7 @@
           <p:cNvPr id="188" name="Group 187">
             <a:extLst>
               <a:ext uri="{FF2B5EF4-FFF2-40B4-BE49-F238E27FC236}">
-                <a16:creationId xmlns:a16="http://schemas.microsoft.com/office/drawing/2014/main" id="{5938EDDB-B2B2-6642-9D20-6D7C5F9FED31}"/>
+                <a16:creationId xmlns:a16="http://schemas.microsoft.com/office/drawing/2014/main" xmlns="" id="{5938EDDB-B2B2-6642-9D20-6D7C5F9FED31}"/>
               </a:ext>
             </a:extLst>
           </p:cNvPr>
@@ -44636,7 +44650,7 @@
             <p:cNvPr id="189" name="Group 188">
               <a:extLst>
                 <a:ext uri="{FF2B5EF4-FFF2-40B4-BE49-F238E27FC236}">
-                  <a16:creationId xmlns:a16="http://schemas.microsoft.com/office/drawing/2014/main" id="{3527AD53-90A2-7D45-A4B7-509C2FD1C32F}"/>
+                  <a16:creationId xmlns:a16="http://schemas.microsoft.com/office/drawing/2014/main" xmlns="" id="{3527AD53-90A2-7D45-A4B7-509C2FD1C32F}"/>
                 </a:ext>
               </a:extLst>
             </p:cNvPr>
@@ -44656,7 +44670,7 @@
               <p:cNvPr id="191" name="Oval 190">
                 <a:extLst>
                   <a:ext uri="{FF2B5EF4-FFF2-40B4-BE49-F238E27FC236}">
-                    <a16:creationId xmlns:a16="http://schemas.microsoft.com/office/drawing/2014/main" id="{38BE8895-77F2-3F48-BDC0-E7E0559BA7AD}"/>
+                    <a16:creationId xmlns:a16="http://schemas.microsoft.com/office/drawing/2014/main" xmlns="" id="{38BE8895-77F2-3F48-BDC0-E7E0559BA7AD}"/>
                   </a:ext>
                 </a:extLst>
               </p:cNvPr>
@@ -44712,7 +44726,7 @@
               <p:cNvPr id="192" name="Picture 191">
                 <a:extLst>
                   <a:ext uri="{FF2B5EF4-FFF2-40B4-BE49-F238E27FC236}">
-                    <a16:creationId xmlns:a16="http://schemas.microsoft.com/office/drawing/2014/main" id="{1E774A8B-C5DB-534E-8EE3-5D936B2F1BDA}"/>
+                    <a16:creationId xmlns:a16="http://schemas.microsoft.com/office/drawing/2014/main" xmlns="" id="{1E774A8B-C5DB-534E-8EE3-5D936B2F1BDA}"/>
                   </a:ext>
                 </a:extLst>
               </p:cNvPr>
@@ -44749,7 +44763,7 @@
             <p:cNvPr id="190" name="Shape 576">
               <a:extLst>
                 <a:ext uri="{FF2B5EF4-FFF2-40B4-BE49-F238E27FC236}">
-                  <a16:creationId xmlns:a16="http://schemas.microsoft.com/office/drawing/2014/main" id="{8D66F62C-0857-0C4E-B8A3-3F8DBC721692}"/>
+                  <a16:creationId xmlns:a16="http://schemas.microsoft.com/office/drawing/2014/main" xmlns="" id="{8D66F62C-0857-0C4E-B8A3-3F8DBC721692}"/>
                 </a:ext>
               </a:extLst>
             </p:cNvPr>
@@ -44769,7 +44783,7 @@
             </a:ln>
             <a:extLst>
               <a:ext uri="{C572A759-6A51-4108-AA02-DFA0A04FC94B}">
-                <ma14:wrappingTextBoxFlag xmlns:ma14="http://schemas.microsoft.com/office/mac/drawingml/2011/main" xmlns="" val="1"/>
+                <ma14:wrappingTextBoxFlag xmlns:ma14="http://schemas.microsoft.com/office/mac/drawingml/2011/main" val="1"/>
               </a:ext>
             </a:extLst>
           </p:spPr>
@@ -45064,7 +45078,7 @@
           </a:ln>
           <a:extLst>
             <a:ext uri="{C572A759-6A51-4108-AA02-DFA0A04FC94B}">
-              <ma14:wrappingTextBoxFlag xmlns:ma14="http://schemas.microsoft.com/office/mac/drawingml/2011/main" xmlns="" val="1"/>
+              <ma14:wrappingTextBoxFlag xmlns:ma14="http://schemas.microsoft.com/office/mac/drawingml/2011/main" val="1"/>
             </a:ext>
           </a:extLst>
         </p:spPr>
@@ -45439,7 +45453,7 @@
   <p:clrMapOvr>
     <a:masterClrMapping/>
   </p:clrMapOvr>
-  <p:transition spd="med"/>
+  <p:transition xmlns:p14="http://schemas.microsoft.com/office/powerpoint/2010/main" spd="med"/>
 </p:sld>
 </file>
 
@@ -45465,7 +45479,7 @@
           <p:cNvPr id="2" name="TextBox 1">
             <a:extLst>
               <a:ext uri="{FF2B5EF4-FFF2-40B4-BE49-F238E27FC236}">
-                <a16:creationId xmlns:a16="http://schemas.microsoft.com/office/drawing/2014/main" id="{87C07FF8-CBD9-BE44-A19C-3A5A734DAEA8}"/>
+                <a16:creationId xmlns:a16="http://schemas.microsoft.com/office/drawing/2014/main" xmlns="" id="{87C07FF8-CBD9-BE44-A19C-3A5A734DAEA8}"/>
               </a:ext>
             </a:extLst>
           </p:cNvPr>
@@ -45551,7 +45565,7 @@
   <p:clrMapOvr>
     <a:masterClrMapping/>
   </p:clrMapOvr>
-  <p:transition spd="med"/>
+  <p:transition xmlns:p14="http://schemas.microsoft.com/office/powerpoint/2010/main" spd="med"/>
 </p:sld>
 </file>
 

--- a/images/architecture.pptx
+++ b/images/architecture.pptx
@@ -5,7 +5,7 @@
     <p:sldMasterId id="2147483648" r:id="rId1"/>
   </p:sldMasterIdLst>
   <p:notesMasterIdLst>
-    <p:notesMasterId r:id="rId18"/>
+    <p:notesMasterId r:id="rId20"/>
   </p:notesMasterIdLst>
   <p:sldIdLst>
     <p:sldId id="325" r:id="rId2"/>
@@ -24,6 +24,8 @@
     <p:sldId id="343" r:id="rId15"/>
     <p:sldId id="342" r:id="rId16"/>
     <p:sldId id="346" r:id="rId17"/>
+    <p:sldId id="349" r:id="rId18"/>
+    <p:sldId id="350" r:id="rId19"/>
   </p:sldIdLst>
   <p:sldSz cx="10058400" cy="7772400"/>
   <p:notesSz cx="6858000" cy="9144000"/>
@@ -103,7 +105,7 @@
   </p:defaultTextStyle>
   <p:extLst>
     <p:ext uri="{EFAFB233-063F-42B5-8137-9DF3F51BA10A}">
-      <p15:sldGuideLst xmlns:p15="http://schemas.microsoft.com/office/powerpoint/2012/main" xmlns="">
+      <p15:sldGuideLst xmlns:p15="http://schemas.microsoft.com/office/powerpoint/2012/main">
         <p15:guide id="1" orient="horz" pos="2112" userDrawn="1">
           <p15:clr>
             <a:srgbClr val="A4A3A4"/>
@@ -525,7 +527,7 @@
   <p:clrMapOvr>
     <a:masterClrMapping/>
   </p:clrMapOvr>
-  <p:transition xmlns:p14="http://schemas.microsoft.com/office/powerpoint/2010/main" spd="med"/>
+  <p:transition spd="med"/>
 </p:sldLayout>
 </file>
 
@@ -565,7 +567,7 @@
           </a:ln>
           <a:extLst>
             <a:ext uri="{C572A759-6A51-4108-AA02-DFA0A04FC94B}">
-              <ma14:wrappingTextBoxFlag xmlns:ma14="http://schemas.microsoft.com/office/mac/drawingml/2011/main" val="1"/>
+              <ma14:wrappingTextBoxFlag xmlns:ma14="http://schemas.microsoft.com/office/mac/drawingml/2011/main" xmlns="" val="1"/>
             </a:ext>
           </a:extLst>
         </p:spPr>
@@ -618,7 +620,7 @@
           </a:ln>
           <a:extLst>
             <a:ext uri="{C572A759-6A51-4108-AA02-DFA0A04FC94B}">
-              <ma14:wrappingTextBoxFlag xmlns:ma14="http://schemas.microsoft.com/office/mac/drawingml/2011/main" val="1"/>
+              <ma14:wrappingTextBoxFlag xmlns:ma14="http://schemas.microsoft.com/office/mac/drawingml/2011/main" xmlns="" val="1"/>
             </a:ext>
           </a:extLst>
         </p:spPr>
@@ -666,7 +668,7 @@
           </a:ln>
           <a:extLst>
             <a:ext uri="{C572A759-6A51-4108-AA02-DFA0A04FC94B}">
-              <ma14:wrappingTextBoxFlag xmlns:ma14="http://schemas.microsoft.com/office/mac/drawingml/2011/main" val="1"/>
+              <ma14:wrappingTextBoxFlag xmlns:ma14="http://schemas.microsoft.com/office/mac/drawingml/2011/main" xmlns="" val="1"/>
             </a:ext>
           </a:extLst>
         </p:spPr>
@@ -790,7 +792,7 @@
   <p:clrMapOvr>
     <a:masterClrMapping/>
   </p:clrMapOvr>
-  <p:transition xmlns:p14="http://schemas.microsoft.com/office/powerpoint/2010/main" spd="med"/>
+  <p:transition spd="med"/>
 </p:sldLayout>
 </file>
 
@@ -830,7 +832,7 @@
           </a:ln>
           <a:extLst>
             <a:ext uri="{C572A759-6A51-4108-AA02-DFA0A04FC94B}">
-              <ma14:wrappingTextBoxFlag xmlns:ma14="http://schemas.microsoft.com/office/mac/drawingml/2011/main" val="1"/>
+              <ma14:wrappingTextBoxFlag xmlns:ma14="http://schemas.microsoft.com/office/mac/drawingml/2011/main" xmlns="" val="1"/>
             </a:ext>
           </a:extLst>
         </p:spPr>
@@ -883,7 +885,7 @@
           </a:ln>
           <a:extLst>
             <a:ext uri="{C572A759-6A51-4108-AA02-DFA0A04FC94B}">
-              <ma14:wrappingTextBoxFlag xmlns:ma14="http://schemas.microsoft.com/office/mac/drawingml/2011/main" val="1"/>
+              <ma14:wrappingTextBoxFlag xmlns:ma14="http://schemas.microsoft.com/office/mac/drawingml/2011/main" xmlns="" val="1"/>
             </a:ext>
           </a:extLst>
         </p:spPr>
@@ -931,7 +933,7 @@
           </a:ln>
           <a:extLst>
             <a:ext uri="{C572A759-6A51-4108-AA02-DFA0A04FC94B}">
-              <ma14:wrappingTextBoxFlag xmlns:ma14="http://schemas.microsoft.com/office/mac/drawingml/2011/main" val="1"/>
+              <ma14:wrappingTextBoxFlag xmlns:ma14="http://schemas.microsoft.com/office/mac/drawingml/2011/main" xmlns="" val="1"/>
             </a:ext>
           </a:extLst>
         </p:spPr>
@@ -1055,7 +1057,7 @@
   <p:clrMapOvr>
     <a:masterClrMapping/>
   </p:clrMapOvr>
-  <p:transition xmlns:p14="http://schemas.microsoft.com/office/powerpoint/2010/main" spd="med"/>
+  <p:transition spd="med"/>
 </p:sldLayout>
 </file>
 
@@ -1081,7 +1083,7 @@
   <p:clrMapOvr>
     <a:masterClrMapping/>
   </p:clrMapOvr>
-  <p:transition xmlns:p14="http://schemas.microsoft.com/office/powerpoint/2010/main" spd="med"/>
+  <p:transition spd="med"/>
 </p:sldLayout>
 </file>
 
@@ -1121,7 +1123,7 @@
           </a:ln>
           <a:extLst>
             <a:ext uri="{C572A759-6A51-4108-AA02-DFA0A04FC94B}">
-              <ma14:wrappingTextBoxFlag xmlns:ma14="http://schemas.microsoft.com/office/mac/drawingml/2011/main" val="1"/>
+              <ma14:wrappingTextBoxFlag xmlns:ma14="http://schemas.microsoft.com/office/mac/drawingml/2011/main" xmlns="" val="1"/>
             </a:ext>
           </a:extLst>
         </p:spPr>
@@ -1259,7 +1261,7 @@
           </a:ln>
           <a:extLst>
             <a:ext uri="{C572A759-6A51-4108-AA02-DFA0A04FC94B}">
-              <ma14:wrappingTextBoxFlag xmlns:ma14="http://schemas.microsoft.com/office/mac/drawingml/2011/main" val="1"/>
+              <ma14:wrappingTextBoxFlag xmlns:ma14="http://schemas.microsoft.com/office/mac/drawingml/2011/main" xmlns="" val="1"/>
             </a:ext>
           </a:extLst>
         </p:spPr>
@@ -1312,7 +1314,7 @@
           </a:ln>
           <a:extLst>
             <a:ext uri="{C572A759-6A51-4108-AA02-DFA0A04FC94B}">
-              <ma14:wrappingTextBoxFlag xmlns:ma14="http://schemas.microsoft.com/office/mac/drawingml/2011/main" val="1"/>
+              <ma14:wrappingTextBoxFlag xmlns:ma14="http://schemas.microsoft.com/office/mac/drawingml/2011/main" xmlns="" val="1"/>
             </a:ext>
           </a:extLst>
         </p:spPr>
@@ -1346,7 +1348,7 @@
   <p:clrMapOvr>
     <a:masterClrMapping/>
   </p:clrMapOvr>
-  <p:transition xmlns:p14="http://schemas.microsoft.com/office/powerpoint/2010/main" spd="med"/>
+  <p:transition spd="med"/>
 </p:sldLayout>
 </file>
 
@@ -1372,7 +1374,7 @@
   <p:clrMapOvr>
     <a:masterClrMapping/>
   </p:clrMapOvr>
-  <p:transition xmlns:p14="http://schemas.microsoft.com/office/powerpoint/2010/main" spd="med"/>
+  <p:transition spd="med"/>
 </p:sldLayout>
 </file>
 
@@ -1541,7 +1543,7 @@
   <p:clrMapOvr>
     <a:masterClrMapping/>
   </p:clrMapOvr>
-  <p:transition xmlns:p14="http://schemas.microsoft.com/office/powerpoint/2010/main" spd="med"/>
+  <p:transition spd="med"/>
 </p:sldLayout>
 </file>
 
@@ -1600,7 +1602,7 @@
   <p:clrMapOvr>
     <a:masterClrMapping/>
   </p:clrMapOvr>
-  <p:transition xmlns:p14="http://schemas.microsoft.com/office/powerpoint/2010/main" spd="med"/>
+  <p:transition spd="med"/>
 </p:sldLayout>
 </file>
 
@@ -1773,7 +1775,7 @@
   <p:clrMapOvr>
     <a:masterClrMapping/>
   </p:clrMapOvr>
-  <p:transition xmlns:p14="http://schemas.microsoft.com/office/powerpoint/2010/main" spd="med"/>
+  <p:transition spd="med"/>
 </p:sldLayout>
 </file>
 
@@ -1828,7 +1830,7 @@
   <p:clrMapOvr>
     <a:masterClrMapping/>
   </p:clrMapOvr>
-  <p:transition xmlns:p14="http://schemas.microsoft.com/office/powerpoint/2010/main" spd="med"/>
+  <p:transition spd="med"/>
 </p:sldLayout>
 </file>
 
@@ -1948,7 +1950,7 @@
   <p:clrMapOvr>
     <a:masterClrMapping/>
   </p:clrMapOvr>
-  <p:transition xmlns:p14="http://schemas.microsoft.com/office/powerpoint/2010/main" spd="med"/>
+  <p:transition spd="med"/>
 </p:sldLayout>
 </file>
 
@@ -2103,7 +2105,7 @@
   <p:clrMapOvr>
     <a:masterClrMapping/>
   </p:clrMapOvr>
-  <p:transition xmlns:p14="http://schemas.microsoft.com/office/powerpoint/2010/main" spd="med"/>
+  <p:transition spd="med"/>
 </p:sldLayout>
 </file>
 
@@ -2129,7 +2131,7 @@
   <p:clrMapOvr>
     <a:masterClrMapping/>
   </p:clrMapOvr>
-  <p:transition xmlns:p14="http://schemas.microsoft.com/office/powerpoint/2010/main" spd="med"/>
+  <p:transition spd="med"/>
 </p:sldLayout>
 </file>
 
@@ -2245,7 +2247,7 @@
           </a:ln>
           <a:extLst>
             <a:ext uri="{C572A759-6A51-4108-AA02-DFA0A04FC94B}">
-              <ma14:wrappingTextBoxFlag xmlns:ma14="http://schemas.microsoft.com/office/mac/drawingml/2011/main" val="1"/>
+              <ma14:wrappingTextBoxFlag xmlns:ma14="http://schemas.microsoft.com/office/mac/drawingml/2011/main" xmlns="" val="1"/>
             </a:ext>
           </a:extLst>
         </p:spPr>
@@ -2298,7 +2300,7 @@
           </a:ln>
           <a:extLst>
             <a:ext uri="{C572A759-6A51-4108-AA02-DFA0A04FC94B}">
-              <ma14:wrappingTextBoxFlag xmlns:ma14="http://schemas.microsoft.com/office/mac/drawingml/2011/main" val="1"/>
+              <ma14:wrappingTextBoxFlag xmlns:ma14="http://schemas.microsoft.com/office/mac/drawingml/2011/main" xmlns="" val="1"/>
             </a:ext>
           </a:extLst>
         </p:spPr>
@@ -2346,7 +2348,7 @@
           </a:ln>
           <a:extLst>
             <a:ext uri="{C572A759-6A51-4108-AA02-DFA0A04FC94B}">
-              <ma14:wrappingTextBoxFlag xmlns:ma14="http://schemas.microsoft.com/office/mac/drawingml/2011/main" val="1"/>
+              <ma14:wrappingTextBoxFlag xmlns:ma14="http://schemas.microsoft.com/office/mac/drawingml/2011/main" xmlns="" val="1"/>
             </a:ext>
           </a:extLst>
         </p:spPr>
@@ -2394,7 +2396,7 @@
   <p:clrMapOvr>
     <a:masterClrMapping/>
   </p:clrMapOvr>
-  <p:transition xmlns:p14="http://schemas.microsoft.com/office/powerpoint/2010/main" spd="med"/>
+  <p:transition spd="med"/>
 </p:sldLayout>
 </file>
 
@@ -2446,7 +2448,7 @@
           </a:ln>
           <a:extLst>
             <a:ext uri="{C572A759-6A51-4108-AA02-DFA0A04FC94B}">
-              <ma14:wrappingTextBoxFlag xmlns:ma14="http://schemas.microsoft.com/office/mac/drawingml/2011/main" val="1"/>
+              <ma14:wrappingTextBoxFlag xmlns:ma14="http://schemas.microsoft.com/office/mac/drawingml/2011/main" xmlns="" val="1"/>
             </a:ext>
           </a:extLst>
         </p:spPr>
@@ -2489,7 +2491,7 @@
           </a:ln>
           <a:extLst>
             <a:ext uri="{C572A759-6A51-4108-AA02-DFA0A04FC94B}">
-              <ma14:wrappingTextBoxFlag xmlns:ma14="http://schemas.microsoft.com/office/mac/drawingml/2011/main" val="1"/>
+              <ma14:wrappingTextBoxFlag xmlns:ma14="http://schemas.microsoft.com/office/mac/drawingml/2011/main" xmlns="" val="1"/>
             </a:ext>
           </a:extLst>
         </p:spPr>
@@ -2564,7 +2566,7 @@
     <p:sldLayoutId id="2147483662" r:id="rId13"/>
     <p:sldLayoutId id="2147483663" r:id="rId14"/>
   </p:sldLayoutIdLst>
-  <p:transition xmlns:p14="http://schemas.microsoft.com/office/powerpoint/2010/main" spd="med"/>
+  <p:transition spd="med"/>
   <p:txStyles>
     <p:titleStyle>
       <a:lvl1pPr algn="ctr" defTabSz="584200">
@@ -2900,7 +2902,7 @@
           </a:ln>
           <a:extLst>
             <a:ext uri="{C572A759-6A51-4108-AA02-DFA0A04FC94B}">
-              <ma14:wrappingTextBoxFlag xmlns:ma14="http://schemas.microsoft.com/office/mac/drawingml/2011/main" val="1"/>
+              <ma14:wrappingTextBoxFlag xmlns:ma14="http://schemas.microsoft.com/office/mac/drawingml/2011/main" xmlns="" val="1"/>
             </a:ext>
           </a:extLst>
         </p:spPr>
@@ -2968,7 +2970,7 @@
           </a:ln>
           <a:extLst>
             <a:ext uri="{C572A759-6A51-4108-AA02-DFA0A04FC94B}">
-              <ma14:wrappingTextBoxFlag xmlns:ma14="http://schemas.microsoft.com/office/mac/drawingml/2011/main" val="1"/>
+              <ma14:wrappingTextBoxFlag xmlns:ma14="http://schemas.microsoft.com/office/mac/drawingml/2011/main" xmlns="" val="1"/>
             </a:ext>
           </a:extLst>
         </p:spPr>
@@ -3634,7 +3636,7 @@
           </a:ln>
           <a:extLst>
             <a:ext uri="{C572A759-6A51-4108-AA02-DFA0A04FC94B}">
-              <ma14:wrappingTextBoxFlag xmlns:ma14="http://schemas.microsoft.com/office/mac/drawingml/2011/main" val="1"/>
+              <ma14:wrappingTextBoxFlag xmlns:ma14="http://schemas.microsoft.com/office/mac/drawingml/2011/main" xmlns="" val="1"/>
             </a:ext>
           </a:extLst>
         </p:spPr>
@@ -4120,7 +4122,7 @@
           </a:ln>
           <a:extLst>
             <a:ext uri="{C572A759-6A51-4108-AA02-DFA0A04FC94B}">
-              <ma14:wrappingTextBoxFlag xmlns:ma14="http://schemas.microsoft.com/office/mac/drawingml/2011/main" val="1"/>
+              <ma14:wrappingTextBoxFlag xmlns:ma14="http://schemas.microsoft.com/office/mac/drawingml/2011/main" xmlns="" val="1"/>
             </a:ext>
           </a:extLst>
         </p:spPr>
@@ -4789,7 +4791,7 @@
               <a:tabLst/>
             </a:pPr>
             <a:r>
-              <a:rPr lang="en-US" sz="1200" dirty="0" smtClean="0">
+              <a:rPr lang="en-US" sz="1200" dirty="0">
                 <a:solidFill>
                   <a:srgbClr val="000000"/>
                 </a:solidFill>
@@ -4834,7 +4836,7 @@
           </a:ln>
           <a:extLst>
             <a:ext uri="{C572A759-6A51-4108-AA02-DFA0A04FC94B}">
-              <ma14:wrappingTextBoxFlag xmlns:ma14="http://schemas.microsoft.com/office/mac/drawingml/2011/main" val="1"/>
+              <ma14:wrappingTextBoxFlag xmlns:ma14="http://schemas.microsoft.com/office/mac/drawingml/2011/main" xmlns="" val="1"/>
             </a:ext>
           </a:extLst>
         </p:spPr>
@@ -5118,7 +5120,7 @@
           </a:ln>
           <a:extLst>
             <a:ext uri="{C572A759-6A51-4108-AA02-DFA0A04FC94B}">
-              <ma14:wrappingTextBoxFlag xmlns:ma14="http://schemas.microsoft.com/office/mac/drawingml/2011/main" val="1"/>
+              <ma14:wrappingTextBoxFlag xmlns:ma14="http://schemas.microsoft.com/office/mac/drawingml/2011/main" xmlns="" val="1"/>
             </a:ext>
           </a:extLst>
         </p:spPr>
@@ -5260,7 +5262,7 @@
           </a:ln>
           <a:extLst>
             <a:ext uri="{C572A759-6A51-4108-AA02-DFA0A04FC94B}">
-              <ma14:wrappingTextBoxFlag xmlns:ma14="http://schemas.microsoft.com/office/mac/drawingml/2011/main" val="1"/>
+              <ma14:wrappingTextBoxFlag xmlns:ma14="http://schemas.microsoft.com/office/mac/drawingml/2011/main" xmlns="" val="1"/>
             </a:ext>
           </a:extLst>
         </p:spPr>
@@ -5436,7 +5438,7 @@
           </a:ln>
           <a:extLst>
             <a:ext uri="{C572A759-6A51-4108-AA02-DFA0A04FC94B}">
-              <ma14:wrappingTextBoxFlag xmlns:ma14="http://schemas.microsoft.com/office/mac/drawingml/2011/main" val="1"/>
+              <ma14:wrappingTextBoxFlag xmlns:ma14="http://schemas.microsoft.com/office/mac/drawingml/2011/main" xmlns="" val="1"/>
             </a:ext>
           </a:extLst>
         </p:spPr>
@@ -5539,7 +5541,7 @@
           </a:ln>
           <a:extLst>
             <a:ext uri="{C572A759-6A51-4108-AA02-DFA0A04FC94B}">
-              <ma14:wrappingTextBoxFlag xmlns:ma14="http://schemas.microsoft.com/office/mac/drawingml/2011/main" val="1"/>
+              <ma14:wrappingTextBoxFlag xmlns:ma14="http://schemas.microsoft.com/office/mac/drawingml/2011/main" xmlns="" val="1"/>
             </a:ext>
           </a:extLst>
         </p:spPr>
@@ -6246,7 +6248,7 @@
   <p:clrMapOvr>
     <a:masterClrMapping/>
   </p:clrMapOvr>
-  <p:transition xmlns:p14="http://schemas.microsoft.com/office/powerpoint/2010/main" spd="med"/>
+  <p:transition spd="med"/>
 </p:sld>
 </file>
 
@@ -6272,7 +6274,7 @@
           <p:cNvPr id="108" name="Rectangle 107">
             <a:extLst>
               <a:ext uri="{FF2B5EF4-FFF2-40B4-BE49-F238E27FC236}">
-                <a16:creationId xmlns:a16="http://schemas.microsoft.com/office/drawing/2014/main" xmlns="" id="{DD3A4E38-E7B5-F444-A041-B81D31F9BE1A}"/>
+                <a16:creationId xmlns:a16="http://schemas.microsoft.com/office/drawing/2014/main" id="{DD3A4E38-E7B5-F444-A041-B81D31F9BE1A}"/>
               </a:ext>
             </a:extLst>
           </p:cNvPr>
@@ -6317,7 +6319,7 @@
           <p:cNvPr id="141" name="Rectangle 140">
             <a:extLst>
               <a:ext uri="{FF2B5EF4-FFF2-40B4-BE49-F238E27FC236}">
-                <a16:creationId xmlns:a16="http://schemas.microsoft.com/office/drawing/2014/main" xmlns="" id="{3C097F3C-09AD-4C48-89F5-8F6682E2A9C7}"/>
+                <a16:creationId xmlns:a16="http://schemas.microsoft.com/office/drawing/2014/main" id="{3C097F3C-09AD-4C48-89F5-8F6682E2A9C7}"/>
               </a:ext>
             </a:extLst>
           </p:cNvPr>
@@ -6360,7 +6362,7 @@
           <p:cNvPr id="132" name="Rectangle 131">
             <a:extLst>
               <a:ext uri="{FF2B5EF4-FFF2-40B4-BE49-F238E27FC236}">
-                <a16:creationId xmlns:a16="http://schemas.microsoft.com/office/drawing/2014/main" xmlns="" id="{A4F70669-E49F-6042-AC95-A1CF22FC2F0E}"/>
+                <a16:creationId xmlns:a16="http://schemas.microsoft.com/office/drawing/2014/main" id="{A4F70669-E49F-6042-AC95-A1CF22FC2F0E}"/>
               </a:ext>
             </a:extLst>
           </p:cNvPr>
@@ -6403,7 +6405,7 @@
           <p:cNvPr id="46" name="Straight Connector 45">
             <a:extLst>
               <a:ext uri="{FF2B5EF4-FFF2-40B4-BE49-F238E27FC236}">
-                <a16:creationId xmlns:a16="http://schemas.microsoft.com/office/drawing/2014/main" xmlns="" id="{B3EF6D8D-E093-9C43-8F06-6465AF5A1A76}"/>
+                <a16:creationId xmlns:a16="http://schemas.microsoft.com/office/drawing/2014/main" id="{B3EF6D8D-E093-9C43-8F06-6465AF5A1A76}"/>
               </a:ext>
             </a:extLst>
           </p:cNvPr>
@@ -6452,7 +6454,7 @@
           <p:cNvPr id="105" name="Rectangle 104">
             <a:extLst>
               <a:ext uri="{FF2B5EF4-FFF2-40B4-BE49-F238E27FC236}">
-                <a16:creationId xmlns:a16="http://schemas.microsoft.com/office/drawing/2014/main" xmlns="" id="{416C123A-D118-B348-B68E-4541B0A407FB}"/>
+                <a16:creationId xmlns:a16="http://schemas.microsoft.com/office/drawing/2014/main" id="{416C123A-D118-B348-B68E-4541B0A407FB}"/>
               </a:ext>
             </a:extLst>
           </p:cNvPr>
@@ -6499,7 +6501,7 @@
           <p:cNvPr id="115" name="Straight Connector 114">
             <a:extLst>
               <a:ext uri="{FF2B5EF4-FFF2-40B4-BE49-F238E27FC236}">
-                <a16:creationId xmlns:a16="http://schemas.microsoft.com/office/drawing/2014/main" xmlns="" id="{8AC6BC2D-6C06-F541-9BC0-006845DF1EA7}"/>
+                <a16:creationId xmlns:a16="http://schemas.microsoft.com/office/drawing/2014/main" id="{8AC6BC2D-6C06-F541-9BC0-006845DF1EA7}"/>
               </a:ext>
             </a:extLst>
           </p:cNvPr>
@@ -6548,7 +6550,7 @@
           <p:cNvPr id="103" name="Rectangle 102">
             <a:extLst>
               <a:ext uri="{FF2B5EF4-FFF2-40B4-BE49-F238E27FC236}">
-                <a16:creationId xmlns:a16="http://schemas.microsoft.com/office/drawing/2014/main" xmlns="" id="{89D06888-A322-F944-B8CD-1354DB6E9863}"/>
+                <a16:creationId xmlns:a16="http://schemas.microsoft.com/office/drawing/2014/main" id="{89D06888-A322-F944-B8CD-1354DB6E9863}"/>
               </a:ext>
             </a:extLst>
           </p:cNvPr>
@@ -6591,7 +6593,7 @@
           <p:cNvPr id="97" name="Rectangle 96">
             <a:extLst>
               <a:ext uri="{FF2B5EF4-FFF2-40B4-BE49-F238E27FC236}">
-                <a16:creationId xmlns:a16="http://schemas.microsoft.com/office/drawing/2014/main" xmlns="" id="{C6F860F7-F7BF-E549-968B-81EB1B326379}"/>
+                <a16:creationId xmlns:a16="http://schemas.microsoft.com/office/drawing/2014/main" id="{C6F860F7-F7BF-E549-968B-81EB1B326379}"/>
               </a:ext>
             </a:extLst>
           </p:cNvPr>
@@ -6636,7 +6638,7 @@
           <p:cNvPr id="88" name="Rectangle 87">
             <a:extLst>
               <a:ext uri="{FF2B5EF4-FFF2-40B4-BE49-F238E27FC236}">
-                <a16:creationId xmlns:a16="http://schemas.microsoft.com/office/drawing/2014/main" xmlns="" id="{52568BAA-8263-FC4A-AB69-A9AE503EA338}"/>
+                <a16:creationId xmlns:a16="http://schemas.microsoft.com/office/drawing/2014/main" id="{52568BAA-8263-FC4A-AB69-A9AE503EA338}"/>
               </a:ext>
             </a:extLst>
           </p:cNvPr>
@@ -6705,7 +6707,7 @@
           <p:cNvPr id="47" name="Rectangle 46">
             <a:extLst>
               <a:ext uri="{FF2B5EF4-FFF2-40B4-BE49-F238E27FC236}">
-                <a16:creationId xmlns:a16="http://schemas.microsoft.com/office/drawing/2014/main" xmlns="" id="{962939E0-A05A-3A44-9ADE-6B594560263B}"/>
+                <a16:creationId xmlns:a16="http://schemas.microsoft.com/office/drawing/2014/main" id="{962939E0-A05A-3A44-9ADE-6B594560263B}"/>
               </a:ext>
             </a:extLst>
           </p:cNvPr>
@@ -6860,7 +6862,7 @@
             </a:ln>
             <a:extLst>
               <a:ext uri="{C572A759-6A51-4108-AA02-DFA0A04FC94B}">
-                <ma14:wrappingTextBoxFlag xmlns:ma14="http://schemas.microsoft.com/office/mac/drawingml/2011/main" val="1"/>
+                <ma14:wrappingTextBoxFlag xmlns:ma14="http://schemas.microsoft.com/office/mac/drawingml/2011/main" xmlns="" val="1"/>
               </a:ext>
             </a:extLst>
           </p:spPr>
@@ -7099,7 +7101,7 @@
           </a:ln>
           <a:extLst>
             <a:ext uri="{C572A759-6A51-4108-AA02-DFA0A04FC94B}">
-              <ma14:wrappingTextBoxFlag xmlns:ma14="http://schemas.microsoft.com/office/mac/drawingml/2011/main" val="1"/>
+              <ma14:wrappingTextBoxFlag xmlns:ma14="http://schemas.microsoft.com/office/mac/drawingml/2011/main" xmlns="" val="1"/>
             </a:ext>
           </a:extLst>
         </p:spPr>
@@ -7167,7 +7169,7 @@
           </a:ln>
           <a:extLst>
             <a:ext uri="{C572A759-6A51-4108-AA02-DFA0A04FC94B}">
-              <ma14:wrappingTextBoxFlag xmlns:ma14="http://schemas.microsoft.com/office/mac/drawingml/2011/main" val="1"/>
+              <ma14:wrappingTextBoxFlag xmlns:ma14="http://schemas.microsoft.com/office/mac/drawingml/2011/main" xmlns="" val="1"/>
             </a:ext>
           </a:extLst>
         </p:spPr>
@@ -7538,7 +7540,7 @@
             <a:effectLst/>
             <a:extLst>
               <a:ext uri="{C572A759-6A51-4108-AA02-DFA0A04FC94B}">
-                <ma14:wrappingTextBoxFlag xmlns:ma14="http://schemas.microsoft.com/office/mac/drawingml/2011/main" val="1"/>
+                <ma14:wrappingTextBoxFlag xmlns:ma14="http://schemas.microsoft.com/office/mac/drawingml/2011/main" xmlns="" val="1"/>
               </a:ext>
             </a:extLst>
           </p:spPr>
@@ -7629,7 +7631,7 @@
           <p:cNvPr id="188" name="Group 187">
             <a:extLst>
               <a:ext uri="{FF2B5EF4-FFF2-40B4-BE49-F238E27FC236}">
-                <a16:creationId xmlns:a16="http://schemas.microsoft.com/office/drawing/2014/main" xmlns="" id="{5938EDDB-B2B2-6642-9D20-6D7C5F9FED31}"/>
+                <a16:creationId xmlns:a16="http://schemas.microsoft.com/office/drawing/2014/main" id="{5938EDDB-B2B2-6642-9D20-6D7C5F9FED31}"/>
               </a:ext>
             </a:extLst>
           </p:cNvPr>
@@ -7649,7 +7651,7 @@
             <p:cNvPr id="189" name="Group 188">
               <a:extLst>
                 <a:ext uri="{FF2B5EF4-FFF2-40B4-BE49-F238E27FC236}">
-                  <a16:creationId xmlns:a16="http://schemas.microsoft.com/office/drawing/2014/main" xmlns="" id="{3527AD53-90A2-7D45-A4B7-509C2FD1C32F}"/>
+                  <a16:creationId xmlns:a16="http://schemas.microsoft.com/office/drawing/2014/main" id="{3527AD53-90A2-7D45-A4B7-509C2FD1C32F}"/>
                 </a:ext>
               </a:extLst>
             </p:cNvPr>
@@ -7669,7 +7671,7 @@
               <p:cNvPr id="191" name="Oval 190">
                 <a:extLst>
                   <a:ext uri="{FF2B5EF4-FFF2-40B4-BE49-F238E27FC236}">
-                    <a16:creationId xmlns:a16="http://schemas.microsoft.com/office/drawing/2014/main" xmlns="" id="{38BE8895-77F2-3F48-BDC0-E7E0559BA7AD}"/>
+                    <a16:creationId xmlns:a16="http://schemas.microsoft.com/office/drawing/2014/main" id="{38BE8895-77F2-3F48-BDC0-E7E0559BA7AD}"/>
                   </a:ext>
                 </a:extLst>
               </p:cNvPr>
@@ -7725,7 +7727,7 @@
               <p:cNvPr id="192" name="Picture 191">
                 <a:extLst>
                   <a:ext uri="{FF2B5EF4-FFF2-40B4-BE49-F238E27FC236}">
-                    <a16:creationId xmlns:a16="http://schemas.microsoft.com/office/drawing/2014/main" xmlns="" id="{1E774A8B-C5DB-534E-8EE3-5D936B2F1BDA}"/>
+                    <a16:creationId xmlns:a16="http://schemas.microsoft.com/office/drawing/2014/main" id="{1E774A8B-C5DB-534E-8EE3-5D936B2F1BDA}"/>
                   </a:ext>
                 </a:extLst>
               </p:cNvPr>
@@ -7762,7 +7764,7 @@
             <p:cNvPr id="190" name="Shape 576">
               <a:extLst>
                 <a:ext uri="{FF2B5EF4-FFF2-40B4-BE49-F238E27FC236}">
-                  <a16:creationId xmlns:a16="http://schemas.microsoft.com/office/drawing/2014/main" xmlns="" id="{8D66F62C-0857-0C4E-B8A3-3F8DBC721692}"/>
+                  <a16:creationId xmlns:a16="http://schemas.microsoft.com/office/drawing/2014/main" id="{8D66F62C-0857-0C4E-B8A3-3F8DBC721692}"/>
                 </a:ext>
               </a:extLst>
             </p:cNvPr>
@@ -7782,7 +7784,7 @@
             </a:ln>
             <a:extLst>
               <a:ext uri="{C572A759-6A51-4108-AA02-DFA0A04FC94B}">
-                <ma14:wrappingTextBoxFlag xmlns:ma14="http://schemas.microsoft.com/office/mac/drawingml/2011/main" val="1"/>
+                <ma14:wrappingTextBoxFlag xmlns:ma14="http://schemas.microsoft.com/office/mac/drawingml/2011/main" xmlns="" val="1"/>
               </a:ext>
             </a:extLst>
           </p:spPr>
@@ -7995,7 +7997,7 @@
           </a:ln>
           <a:extLst>
             <a:ext uri="{C572A759-6A51-4108-AA02-DFA0A04FC94B}">
-              <ma14:wrappingTextBoxFlag xmlns:ma14="http://schemas.microsoft.com/office/mac/drawingml/2011/main" val="1"/>
+              <ma14:wrappingTextBoxFlag xmlns:ma14="http://schemas.microsoft.com/office/mac/drawingml/2011/main" xmlns="" val="1"/>
             </a:ext>
           </a:extLst>
         </p:spPr>
@@ -8284,7 +8286,7 @@
           <p:cNvPr id="58" name="Picture 57">
             <a:extLst>
               <a:ext uri="{FF2B5EF4-FFF2-40B4-BE49-F238E27FC236}">
-                <a16:creationId xmlns:a16="http://schemas.microsoft.com/office/drawing/2014/main" xmlns="" id="{66E030FF-10BA-3E4A-9604-7ADABD19B5C7}"/>
+                <a16:creationId xmlns:a16="http://schemas.microsoft.com/office/drawing/2014/main" id="{66E030FF-10BA-3E4A-9604-7ADABD19B5C7}"/>
               </a:ext>
             </a:extLst>
           </p:cNvPr>
@@ -8314,7 +8316,7 @@
           <p:cNvPr id="64" name="Straight Connector 63">
             <a:extLst>
               <a:ext uri="{FF2B5EF4-FFF2-40B4-BE49-F238E27FC236}">
-                <a16:creationId xmlns:a16="http://schemas.microsoft.com/office/drawing/2014/main" xmlns="" id="{7A922166-BCEA-2342-A0C7-D9B6D48E76B5}"/>
+                <a16:creationId xmlns:a16="http://schemas.microsoft.com/office/drawing/2014/main" id="{7A922166-BCEA-2342-A0C7-D9B6D48E76B5}"/>
               </a:ext>
             </a:extLst>
           </p:cNvPr>
@@ -8363,7 +8365,7 @@
           <p:cNvPr id="83" name="Straight Connector 82">
             <a:extLst>
               <a:ext uri="{FF2B5EF4-FFF2-40B4-BE49-F238E27FC236}">
-                <a16:creationId xmlns:a16="http://schemas.microsoft.com/office/drawing/2014/main" xmlns="" id="{BA3AC09A-2568-7A40-8619-27C921ACE99B}"/>
+                <a16:creationId xmlns:a16="http://schemas.microsoft.com/office/drawing/2014/main" id="{BA3AC09A-2568-7A40-8619-27C921ACE99B}"/>
               </a:ext>
             </a:extLst>
           </p:cNvPr>
@@ -8411,7 +8413,7 @@
           <p:cNvPr id="100" name="TextBox 99">
             <a:extLst>
               <a:ext uri="{FF2B5EF4-FFF2-40B4-BE49-F238E27FC236}">
-                <a16:creationId xmlns:a16="http://schemas.microsoft.com/office/drawing/2014/main" xmlns="" id="{3C80F502-9384-CB47-BE5F-B15677F163F5}"/>
+                <a16:creationId xmlns:a16="http://schemas.microsoft.com/office/drawing/2014/main" id="{3C80F502-9384-CB47-BE5F-B15677F163F5}"/>
               </a:ext>
             </a:extLst>
           </p:cNvPr>
@@ -8492,7 +8494,7 @@
           <p:cNvPr id="102" name="TextBox 101">
             <a:extLst>
               <a:ext uri="{FF2B5EF4-FFF2-40B4-BE49-F238E27FC236}">
-                <a16:creationId xmlns:a16="http://schemas.microsoft.com/office/drawing/2014/main" xmlns="" id="{049DDE7D-2EFF-7541-B9F7-19BEEA5515BE}"/>
+                <a16:creationId xmlns:a16="http://schemas.microsoft.com/office/drawing/2014/main" id="{049DDE7D-2EFF-7541-B9F7-19BEEA5515BE}"/>
               </a:ext>
             </a:extLst>
           </p:cNvPr>
@@ -8573,7 +8575,7 @@
           <p:cNvPr id="107" name="TextBox 106">
             <a:extLst>
               <a:ext uri="{FF2B5EF4-FFF2-40B4-BE49-F238E27FC236}">
-                <a16:creationId xmlns:a16="http://schemas.microsoft.com/office/drawing/2014/main" xmlns="" id="{F073A3D8-220E-7144-A600-F0641A71F37F}"/>
+                <a16:creationId xmlns:a16="http://schemas.microsoft.com/office/drawing/2014/main" id="{F073A3D8-220E-7144-A600-F0641A71F37F}"/>
               </a:ext>
             </a:extLst>
           </p:cNvPr>
@@ -8654,7 +8656,7 @@
           <p:cNvPr id="109" name="TextBox 108">
             <a:extLst>
               <a:ext uri="{FF2B5EF4-FFF2-40B4-BE49-F238E27FC236}">
-                <a16:creationId xmlns:a16="http://schemas.microsoft.com/office/drawing/2014/main" xmlns="" id="{E4BD00C3-AD29-1848-B72C-ABB297C80A44}"/>
+                <a16:creationId xmlns:a16="http://schemas.microsoft.com/office/drawing/2014/main" id="{E4BD00C3-AD29-1848-B72C-ABB297C80A44}"/>
               </a:ext>
             </a:extLst>
           </p:cNvPr>
@@ -8736,7 +8738,7 @@
           <p:cNvPr id="67" name="Picture 66">
             <a:extLst>
               <a:ext uri="{FF2B5EF4-FFF2-40B4-BE49-F238E27FC236}">
-                <a16:creationId xmlns:a16="http://schemas.microsoft.com/office/drawing/2014/main" xmlns="" id="{2CBB9EC6-1F4D-A544-B955-509A162728C6}"/>
+                <a16:creationId xmlns:a16="http://schemas.microsoft.com/office/drawing/2014/main" id="{2CBB9EC6-1F4D-A544-B955-509A162728C6}"/>
               </a:ext>
             </a:extLst>
           </p:cNvPr>
@@ -8772,7 +8774,7 @@
           <p:cNvPr id="116" name="Straight Connector 115">
             <a:extLst>
               <a:ext uri="{FF2B5EF4-FFF2-40B4-BE49-F238E27FC236}">
-                <a16:creationId xmlns:a16="http://schemas.microsoft.com/office/drawing/2014/main" xmlns="" id="{5DA5D267-4395-9C48-8B25-87844AB53687}"/>
+                <a16:creationId xmlns:a16="http://schemas.microsoft.com/office/drawing/2014/main" id="{5DA5D267-4395-9C48-8B25-87844AB53687}"/>
               </a:ext>
             </a:extLst>
           </p:cNvPr>
@@ -8819,7 +8821,7 @@
           <p:cNvPr id="119" name="TextBox 118">
             <a:extLst>
               <a:ext uri="{FF2B5EF4-FFF2-40B4-BE49-F238E27FC236}">
-                <a16:creationId xmlns:a16="http://schemas.microsoft.com/office/drawing/2014/main" xmlns="" id="{2A942E01-9F5A-F646-B3ED-A608F871CF24}"/>
+                <a16:creationId xmlns:a16="http://schemas.microsoft.com/office/drawing/2014/main" id="{2A942E01-9F5A-F646-B3ED-A608F871CF24}"/>
               </a:ext>
             </a:extLst>
           </p:cNvPr>
@@ -8900,7 +8902,7 @@
           <p:cNvPr id="79" name="Picture 78">
             <a:extLst>
               <a:ext uri="{FF2B5EF4-FFF2-40B4-BE49-F238E27FC236}">
-                <a16:creationId xmlns:a16="http://schemas.microsoft.com/office/drawing/2014/main" xmlns="" id="{702BB94C-F70C-5E4B-94D9-B69FE9F302C8}"/>
+                <a16:creationId xmlns:a16="http://schemas.microsoft.com/office/drawing/2014/main" id="{702BB94C-F70C-5E4B-94D9-B69FE9F302C8}"/>
               </a:ext>
             </a:extLst>
           </p:cNvPr>
@@ -8936,7 +8938,7 @@
           <p:cNvPr id="131" name="Straight Connector 130">
             <a:extLst>
               <a:ext uri="{FF2B5EF4-FFF2-40B4-BE49-F238E27FC236}">
-                <a16:creationId xmlns:a16="http://schemas.microsoft.com/office/drawing/2014/main" xmlns="" id="{EA8E957C-3AA4-2547-B191-BA32AA3F3AF2}"/>
+                <a16:creationId xmlns:a16="http://schemas.microsoft.com/office/drawing/2014/main" id="{EA8E957C-3AA4-2547-B191-BA32AA3F3AF2}"/>
               </a:ext>
             </a:extLst>
           </p:cNvPr>
@@ -8984,7 +8986,7 @@
           <p:cNvPr id="134" name="Straight Connector 133">
             <a:extLst>
               <a:ext uri="{FF2B5EF4-FFF2-40B4-BE49-F238E27FC236}">
-                <a16:creationId xmlns:a16="http://schemas.microsoft.com/office/drawing/2014/main" xmlns="" id="{5BE986ED-64D7-A046-BE28-021C8C920B48}"/>
+                <a16:creationId xmlns:a16="http://schemas.microsoft.com/office/drawing/2014/main" id="{5BE986ED-64D7-A046-BE28-021C8C920B48}"/>
               </a:ext>
             </a:extLst>
           </p:cNvPr>
@@ -9032,7 +9034,7 @@
           <p:cNvPr id="138" name="Straight Connector 137">
             <a:extLst>
               <a:ext uri="{FF2B5EF4-FFF2-40B4-BE49-F238E27FC236}">
-                <a16:creationId xmlns:a16="http://schemas.microsoft.com/office/drawing/2014/main" xmlns="" id="{8E1453EF-7DB3-E54F-9665-9C837DE98445}"/>
+                <a16:creationId xmlns:a16="http://schemas.microsoft.com/office/drawing/2014/main" id="{8E1453EF-7DB3-E54F-9665-9C837DE98445}"/>
               </a:ext>
             </a:extLst>
           </p:cNvPr>
@@ -9079,7 +9081,7 @@
           <p:cNvPr id="144" name="TextBox 143">
             <a:extLst>
               <a:ext uri="{FF2B5EF4-FFF2-40B4-BE49-F238E27FC236}">
-                <a16:creationId xmlns:a16="http://schemas.microsoft.com/office/drawing/2014/main" xmlns="" id="{F20B3218-9CCE-2145-9963-A12E6849F8D1}"/>
+                <a16:creationId xmlns:a16="http://schemas.microsoft.com/office/drawing/2014/main" id="{F20B3218-9CCE-2145-9963-A12E6849F8D1}"/>
               </a:ext>
             </a:extLst>
           </p:cNvPr>
@@ -9160,7 +9162,7 @@
           <p:cNvPr id="145" name="TextBox 144">
             <a:extLst>
               <a:ext uri="{FF2B5EF4-FFF2-40B4-BE49-F238E27FC236}">
-                <a16:creationId xmlns:a16="http://schemas.microsoft.com/office/drawing/2014/main" xmlns="" id="{32942C70-4F7F-BB41-A5A2-DABAE9CFA331}"/>
+                <a16:creationId xmlns:a16="http://schemas.microsoft.com/office/drawing/2014/main" id="{32942C70-4F7F-BB41-A5A2-DABAE9CFA331}"/>
               </a:ext>
             </a:extLst>
           </p:cNvPr>
@@ -9241,7 +9243,7 @@
           <p:cNvPr id="146" name="TextBox 145">
             <a:extLst>
               <a:ext uri="{FF2B5EF4-FFF2-40B4-BE49-F238E27FC236}">
-                <a16:creationId xmlns:a16="http://schemas.microsoft.com/office/drawing/2014/main" xmlns="" id="{F3C1C38B-9338-6F4F-B2D5-BD83A6070AEC}"/>
+                <a16:creationId xmlns:a16="http://schemas.microsoft.com/office/drawing/2014/main" id="{F3C1C38B-9338-6F4F-B2D5-BD83A6070AEC}"/>
               </a:ext>
             </a:extLst>
           </p:cNvPr>
@@ -9322,7 +9324,7 @@
           <p:cNvPr id="147" name="TextBox 146">
             <a:extLst>
               <a:ext uri="{FF2B5EF4-FFF2-40B4-BE49-F238E27FC236}">
-                <a16:creationId xmlns:a16="http://schemas.microsoft.com/office/drawing/2014/main" xmlns="" id="{344253DC-9D16-6148-8775-F290DB495E5E}"/>
+                <a16:creationId xmlns:a16="http://schemas.microsoft.com/office/drawing/2014/main" id="{344253DC-9D16-6148-8775-F290DB495E5E}"/>
               </a:ext>
             </a:extLst>
           </p:cNvPr>
@@ -9408,7 +9410,7 @@
   <p:clrMapOvr>
     <a:masterClrMapping/>
   </p:clrMapOvr>
-  <p:transition xmlns:p14="http://schemas.microsoft.com/office/powerpoint/2010/main" spd="med"/>
+  <p:transition spd="med"/>
 </p:sld>
 </file>
 
@@ -9434,7 +9436,7 @@
           <p:cNvPr id="108" name="Rectangle 107">
             <a:extLst>
               <a:ext uri="{FF2B5EF4-FFF2-40B4-BE49-F238E27FC236}">
-                <a16:creationId xmlns:a16="http://schemas.microsoft.com/office/drawing/2014/main" xmlns="" id="{DD3A4E38-E7B5-F444-A041-B81D31F9BE1A}"/>
+                <a16:creationId xmlns:a16="http://schemas.microsoft.com/office/drawing/2014/main" id="{DD3A4E38-E7B5-F444-A041-B81D31F9BE1A}"/>
               </a:ext>
             </a:extLst>
           </p:cNvPr>
@@ -9479,7 +9481,7 @@
           <p:cNvPr id="141" name="Rectangle 140">
             <a:extLst>
               <a:ext uri="{FF2B5EF4-FFF2-40B4-BE49-F238E27FC236}">
-                <a16:creationId xmlns:a16="http://schemas.microsoft.com/office/drawing/2014/main" xmlns="" id="{3C097F3C-09AD-4C48-89F5-8F6682E2A9C7}"/>
+                <a16:creationId xmlns:a16="http://schemas.microsoft.com/office/drawing/2014/main" id="{3C097F3C-09AD-4C48-89F5-8F6682E2A9C7}"/>
               </a:ext>
             </a:extLst>
           </p:cNvPr>
@@ -9522,7 +9524,7 @@
           <p:cNvPr id="132" name="Rectangle 131">
             <a:extLst>
               <a:ext uri="{FF2B5EF4-FFF2-40B4-BE49-F238E27FC236}">
-                <a16:creationId xmlns:a16="http://schemas.microsoft.com/office/drawing/2014/main" xmlns="" id="{A4F70669-E49F-6042-AC95-A1CF22FC2F0E}"/>
+                <a16:creationId xmlns:a16="http://schemas.microsoft.com/office/drawing/2014/main" id="{A4F70669-E49F-6042-AC95-A1CF22FC2F0E}"/>
               </a:ext>
             </a:extLst>
           </p:cNvPr>
@@ -9565,7 +9567,7 @@
           <p:cNvPr id="46" name="Straight Connector 45">
             <a:extLst>
               <a:ext uri="{FF2B5EF4-FFF2-40B4-BE49-F238E27FC236}">
-                <a16:creationId xmlns:a16="http://schemas.microsoft.com/office/drawing/2014/main" xmlns="" id="{B3EF6D8D-E093-9C43-8F06-6465AF5A1A76}"/>
+                <a16:creationId xmlns:a16="http://schemas.microsoft.com/office/drawing/2014/main" id="{B3EF6D8D-E093-9C43-8F06-6465AF5A1A76}"/>
               </a:ext>
             </a:extLst>
           </p:cNvPr>
@@ -9614,7 +9616,7 @@
           <p:cNvPr id="105" name="Rectangle 104">
             <a:extLst>
               <a:ext uri="{FF2B5EF4-FFF2-40B4-BE49-F238E27FC236}">
-                <a16:creationId xmlns:a16="http://schemas.microsoft.com/office/drawing/2014/main" xmlns="" id="{416C123A-D118-B348-B68E-4541B0A407FB}"/>
+                <a16:creationId xmlns:a16="http://schemas.microsoft.com/office/drawing/2014/main" id="{416C123A-D118-B348-B68E-4541B0A407FB}"/>
               </a:ext>
             </a:extLst>
           </p:cNvPr>
@@ -9661,7 +9663,7 @@
           <p:cNvPr id="115" name="Straight Connector 114">
             <a:extLst>
               <a:ext uri="{FF2B5EF4-FFF2-40B4-BE49-F238E27FC236}">
-                <a16:creationId xmlns:a16="http://schemas.microsoft.com/office/drawing/2014/main" xmlns="" id="{8AC6BC2D-6C06-F541-9BC0-006845DF1EA7}"/>
+                <a16:creationId xmlns:a16="http://schemas.microsoft.com/office/drawing/2014/main" id="{8AC6BC2D-6C06-F541-9BC0-006845DF1EA7}"/>
               </a:ext>
             </a:extLst>
           </p:cNvPr>
@@ -9710,7 +9712,7 @@
           <p:cNvPr id="103" name="Rectangle 102">
             <a:extLst>
               <a:ext uri="{FF2B5EF4-FFF2-40B4-BE49-F238E27FC236}">
-                <a16:creationId xmlns:a16="http://schemas.microsoft.com/office/drawing/2014/main" xmlns="" id="{89D06888-A322-F944-B8CD-1354DB6E9863}"/>
+                <a16:creationId xmlns:a16="http://schemas.microsoft.com/office/drawing/2014/main" id="{89D06888-A322-F944-B8CD-1354DB6E9863}"/>
               </a:ext>
             </a:extLst>
           </p:cNvPr>
@@ -9753,7 +9755,7 @@
           <p:cNvPr id="97" name="Rectangle 96">
             <a:extLst>
               <a:ext uri="{FF2B5EF4-FFF2-40B4-BE49-F238E27FC236}">
-                <a16:creationId xmlns:a16="http://schemas.microsoft.com/office/drawing/2014/main" xmlns="" id="{C6F860F7-F7BF-E549-968B-81EB1B326379}"/>
+                <a16:creationId xmlns:a16="http://schemas.microsoft.com/office/drawing/2014/main" id="{C6F860F7-F7BF-E549-968B-81EB1B326379}"/>
               </a:ext>
             </a:extLst>
           </p:cNvPr>
@@ -9798,7 +9800,7 @@
           <p:cNvPr id="88" name="Rectangle 87">
             <a:extLst>
               <a:ext uri="{FF2B5EF4-FFF2-40B4-BE49-F238E27FC236}">
-                <a16:creationId xmlns:a16="http://schemas.microsoft.com/office/drawing/2014/main" xmlns="" id="{52568BAA-8263-FC4A-AB69-A9AE503EA338}"/>
+                <a16:creationId xmlns:a16="http://schemas.microsoft.com/office/drawing/2014/main" id="{52568BAA-8263-FC4A-AB69-A9AE503EA338}"/>
               </a:ext>
             </a:extLst>
           </p:cNvPr>
@@ -9867,7 +9869,7 @@
           <p:cNvPr id="47" name="Rectangle 46">
             <a:extLst>
               <a:ext uri="{FF2B5EF4-FFF2-40B4-BE49-F238E27FC236}">
-                <a16:creationId xmlns:a16="http://schemas.microsoft.com/office/drawing/2014/main" xmlns="" id="{962939E0-A05A-3A44-9ADE-6B594560263B}"/>
+                <a16:creationId xmlns:a16="http://schemas.microsoft.com/office/drawing/2014/main" id="{962939E0-A05A-3A44-9ADE-6B594560263B}"/>
               </a:ext>
             </a:extLst>
           </p:cNvPr>
@@ -10022,7 +10024,7 @@
             </a:ln>
             <a:extLst>
               <a:ext uri="{C572A759-6A51-4108-AA02-DFA0A04FC94B}">
-                <ma14:wrappingTextBoxFlag xmlns:ma14="http://schemas.microsoft.com/office/mac/drawingml/2011/main" val="1"/>
+                <ma14:wrappingTextBoxFlag xmlns:ma14="http://schemas.microsoft.com/office/mac/drawingml/2011/main" xmlns="" val="1"/>
               </a:ext>
             </a:extLst>
           </p:spPr>
@@ -10261,7 +10263,7 @@
           </a:ln>
           <a:extLst>
             <a:ext uri="{C572A759-6A51-4108-AA02-DFA0A04FC94B}">
-              <ma14:wrappingTextBoxFlag xmlns:ma14="http://schemas.microsoft.com/office/mac/drawingml/2011/main" val="1"/>
+              <ma14:wrappingTextBoxFlag xmlns:ma14="http://schemas.microsoft.com/office/mac/drawingml/2011/main" xmlns="" val="1"/>
             </a:ext>
           </a:extLst>
         </p:spPr>
@@ -10329,7 +10331,7 @@
           </a:ln>
           <a:extLst>
             <a:ext uri="{C572A759-6A51-4108-AA02-DFA0A04FC94B}">
-              <ma14:wrappingTextBoxFlag xmlns:ma14="http://schemas.microsoft.com/office/mac/drawingml/2011/main" val="1"/>
+              <ma14:wrappingTextBoxFlag xmlns:ma14="http://schemas.microsoft.com/office/mac/drawingml/2011/main" xmlns="" val="1"/>
             </a:ext>
           </a:extLst>
         </p:spPr>
@@ -10700,7 +10702,7 @@
             <a:effectLst/>
             <a:extLst>
               <a:ext uri="{C572A759-6A51-4108-AA02-DFA0A04FC94B}">
-                <ma14:wrappingTextBoxFlag xmlns:ma14="http://schemas.microsoft.com/office/mac/drawingml/2011/main" val="1"/>
+                <ma14:wrappingTextBoxFlag xmlns:ma14="http://schemas.microsoft.com/office/mac/drawingml/2011/main" xmlns="" val="1"/>
               </a:ext>
             </a:extLst>
           </p:spPr>
@@ -10791,7 +10793,7 @@
           <p:cNvPr id="188" name="Group 187">
             <a:extLst>
               <a:ext uri="{FF2B5EF4-FFF2-40B4-BE49-F238E27FC236}">
-                <a16:creationId xmlns:a16="http://schemas.microsoft.com/office/drawing/2014/main" xmlns="" id="{5938EDDB-B2B2-6642-9D20-6D7C5F9FED31}"/>
+                <a16:creationId xmlns:a16="http://schemas.microsoft.com/office/drawing/2014/main" id="{5938EDDB-B2B2-6642-9D20-6D7C5F9FED31}"/>
               </a:ext>
             </a:extLst>
           </p:cNvPr>
@@ -10811,7 +10813,7 @@
             <p:cNvPr id="189" name="Group 188">
               <a:extLst>
                 <a:ext uri="{FF2B5EF4-FFF2-40B4-BE49-F238E27FC236}">
-                  <a16:creationId xmlns:a16="http://schemas.microsoft.com/office/drawing/2014/main" xmlns="" id="{3527AD53-90A2-7D45-A4B7-509C2FD1C32F}"/>
+                  <a16:creationId xmlns:a16="http://schemas.microsoft.com/office/drawing/2014/main" id="{3527AD53-90A2-7D45-A4B7-509C2FD1C32F}"/>
                 </a:ext>
               </a:extLst>
             </p:cNvPr>
@@ -10831,7 +10833,7 @@
               <p:cNvPr id="191" name="Oval 190">
                 <a:extLst>
                   <a:ext uri="{FF2B5EF4-FFF2-40B4-BE49-F238E27FC236}">
-                    <a16:creationId xmlns:a16="http://schemas.microsoft.com/office/drawing/2014/main" xmlns="" id="{38BE8895-77F2-3F48-BDC0-E7E0559BA7AD}"/>
+                    <a16:creationId xmlns:a16="http://schemas.microsoft.com/office/drawing/2014/main" id="{38BE8895-77F2-3F48-BDC0-E7E0559BA7AD}"/>
                   </a:ext>
                 </a:extLst>
               </p:cNvPr>
@@ -10887,7 +10889,7 @@
               <p:cNvPr id="192" name="Picture 191">
                 <a:extLst>
                   <a:ext uri="{FF2B5EF4-FFF2-40B4-BE49-F238E27FC236}">
-                    <a16:creationId xmlns:a16="http://schemas.microsoft.com/office/drawing/2014/main" xmlns="" id="{1E774A8B-C5DB-534E-8EE3-5D936B2F1BDA}"/>
+                    <a16:creationId xmlns:a16="http://schemas.microsoft.com/office/drawing/2014/main" id="{1E774A8B-C5DB-534E-8EE3-5D936B2F1BDA}"/>
                   </a:ext>
                 </a:extLst>
               </p:cNvPr>
@@ -10924,7 +10926,7 @@
             <p:cNvPr id="190" name="Shape 576">
               <a:extLst>
                 <a:ext uri="{FF2B5EF4-FFF2-40B4-BE49-F238E27FC236}">
-                  <a16:creationId xmlns:a16="http://schemas.microsoft.com/office/drawing/2014/main" xmlns="" id="{8D66F62C-0857-0C4E-B8A3-3F8DBC721692}"/>
+                  <a16:creationId xmlns:a16="http://schemas.microsoft.com/office/drawing/2014/main" id="{8D66F62C-0857-0C4E-B8A3-3F8DBC721692}"/>
                 </a:ext>
               </a:extLst>
             </p:cNvPr>
@@ -10944,7 +10946,7 @@
             </a:ln>
             <a:extLst>
               <a:ext uri="{C572A759-6A51-4108-AA02-DFA0A04FC94B}">
-                <ma14:wrappingTextBoxFlag xmlns:ma14="http://schemas.microsoft.com/office/mac/drawingml/2011/main" val="1"/>
+                <ma14:wrappingTextBoxFlag xmlns:ma14="http://schemas.microsoft.com/office/mac/drawingml/2011/main" xmlns="" val="1"/>
               </a:ext>
             </a:extLst>
           </p:spPr>
@@ -11157,7 +11159,7 @@
           </a:ln>
           <a:extLst>
             <a:ext uri="{C572A759-6A51-4108-AA02-DFA0A04FC94B}">
-              <ma14:wrappingTextBoxFlag xmlns:ma14="http://schemas.microsoft.com/office/mac/drawingml/2011/main" val="1"/>
+              <ma14:wrappingTextBoxFlag xmlns:ma14="http://schemas.microsoft.com/office/mac/drawingml/2011/main" xmlns="" val="1"/>
             </a:ext>
           </a:extLst>
         </p:spPr>
@@ -11446,7 +11448,7 @@
           <p:cNvPr id="58" name="Picture 57">
             <a:extLst>
               <a:ext uri="{FF2B5EF4-FFF2-40B4-BE49-F238E27FC236}">
-                <a16:creationId xmlns:a16="http://schemas.microsoft.com/office/drawing/2014/main" xmlns="" id="{66E030FF-10BA-3E4A-9604-7ADABD19B5C7}"/>
+                <a16:creationId xmlns:a16="http://schemas.microsoft.com/office/drawing/2014/main" id="{66E030FF-10BA-3E4A-9604-7ADABD19B5C7}"/>
               </a:ext>
             </a:extLst>
           </p:cNvPr>
@@ -11476,7 +11478,7 @@
           <p:cNvPr id="64" name="Straight Connector 63">
             <a:extLst>
               <a:ext uri="{FF2B5EF4-FFF2-40B4-BE49-F238E27FC236}">
-                <a16:creationId xmlns:a16="http://schemas.microsoft.com/office/drawing/2014/main" xmlns="" id="{7A922166-BCEA-2342-A0C7-D9B6D48E76B5}"/>
+                <a16:creationId xmlns:a16="http://schemas.microsoft.com/office/drawing/2014/main" id="{7A922166-BCEA-2342-A0C7-D9B6D48E76B5}"/>
               </a:ext>
             </a:extLst>
           </p:cNvPr>
@@ -11525,7 +11527,7 @@
           <p:cNvPr id="83" name="Straight Connector 82">
             <a:extLst>
               <a:ext uri="{FF2B5EF4-FFF2-40B4-BE49-F238E27FC236}">
-                <a16:creationId xmlns:a16="http://schemas.microsoft.com/office/drawing/2014/main" xmlns="" id="{BA3AC09A-2568-7A40-8619-27C921ACE99B}"/>
+                <a16:creationId xmlns:a16="http://schemas.microsoft.com/office/drawing/2014/main" id="{BA3AC09A-2568-7A40-8619-27C921ACE99B}"/>
               </a:ext>
             </a:extLst>
           </p:cNvPr>
@@ -11573,7 +11575,7 @@
           <p:cNvPr id="100" name="TextBox 99">
             <a:extLst>
               <a:ext uri="{FF2B5EF4-FFF2-40B4-BE49-F238E27FC236}">
-                <a16:creationId xmlns:a16="http://schemas.microsoft.com/office/drawing/2014/main" xmlns="" id="{3C80F502-9384-CB47-BE5F-B15677F163F5}"/>
+                <a16:creationId xmlns:a16="http://schemas.microsoft.com/office/drawing/2014/main" id="{3C80F502-9384-CB47-BE5F-B15677F163F5}"/>
               </a:ext>
             </a:extLst>
           </p:cNvPr>
@@ -11654,7 +11656,7 @@
           <p:cNvPr id="102" name="TextBox 101">
             <a:extLst>
               <a:ext uri="{FF2B5EF4-FFF2-40B4-BE49-F238E27FC236}">
-                <a16:creationId xmlns:a16="http://schemas.microsoft.com/office/drawing/2014/main" xmlns="" id="{049DDE7D-2EFF-7541-B9F7-19BEEA5515BE}"/>
+                <a16:creationId xmlns:a16="http://schemas.microsoft.com/office/drawing/2014/main" id="{049DDE7D-2EFF-7541-B9F7-19BEEA5515BE}"/>
               </a:ext>
             </a:extLst>
           </p:cNvPr>
@@ -11735,7 +11737,7 @@
           <p:cNvPr id="107" name="TextBox 106">
             <a:extLst>
               <a:ext uri="{FF2B5EF4-FFF2-40B4-BE49-F238E27FC236}">
-                <a16:creationId xmlns:a16="http://schemas.microsoft.com/office/drawing/2014/main" xmlns="" id="{F073A3D8-220E-7144-A600-F0641A71F37F}"/>
+                <a16:creationId xmlns:a16="http://schemas.microsoft.com/office/drawing/2014/main" id="{F073A3D8-220E-7144-A600-F0641A71F37F}"/>
               </a:ext>
             </a:extLst>
           </p:cNvPr>
@@ -11816,7 +11818,7 @@
           <p:cNvPr id="109" name="TextBox 108">
             <a:extLst>
               <a:ext uri="{FF2B5EF4-FFF2-40B4-BE49-F238E27FC236}">
-                <a16:creationId xmlns:a16="http://schemas.microsoft.com/office/drawing/2014/main" xmlns="" id="{E4BD00C3-AD29-1848-B72C-ABB297C80A44}"/>
+                <a16:creationId xmlns:a16="http://schemas.microsoft.com/office/drawing/2014/main" id="{E4BD00C3-AD29-1848-B72C-ABB297C80A44}"/>
               </a:ext>
             </a:extLst>
           </p:cNvPr>
@@ -11898,7 +11900,7 @@
           <p:cNvPr id="67" name="Picture 66">
             <a:extLst>
               <a:ext uri="{FF2B5EF4-FFF2-40B4-BE49-F238E27FC236}">
-                <a16:creationId xmlns:a16="http://schemas.microsoft.com/office/drawing/2014/main" xmlns="" id="{2CBB9EC6-1F4D-A544-B955-509A162728C6}"/>
+                <a16:creationId xmlns:a16="http://schemas.microsoft.com/office/drawing/2014/main" id="{2CBB9EC6-1F4D-A544-B955-509A162728C6}"/>
               </a:ext>
             </a:extLst>
           </p:cNvPr>
@@ -11934,7 +11936,7 @@
           <p:cNvPr id="116" name="Straight Connector 115">
             <a:extLst>
               <a:ext uri="{FF2B5EF4-FFF2-40B4-BE49-F238E27FC236}">
-                <a16:creationId xmlns:a16="http://schemas.microsoft.com/office/drawing/2014/main" xmlns="" id="{5DA5D267-4395-9C48-8B25-87844AB53687}"/>
+                <a16:creationId xmlns:a16="http://schemas.microsoft.com/office/drawing/2014/main" id="{5DA5D267-4395-9C48-8B25-87844AB53687}"/>
               </a:ext>
             </a:extLst>
           </p:cNvPr>
@@ -11981,7 +11983,7 @@
           <p:cNvPr id="119" name="TextBox 118">
             <a:extLst>
               <a:ext uri="{FF2B5EF4-FFF2-40B4-BE49-F238E27FC236}">
-                <a16:creationId xmlns:a16="http://schemas.microsoft.com/office/drawing/2014/main" xmlns="" id="{2A942E01-9F5A-F646-B3ED-A608F871CF24}"/>
+                <a16:creationId xmlns:a16="http://schemas.microsoft.com/office/drawing/2014/main" id="{2A942E01-9F5A-F646-B3ED-A608F871CF24}"/>
               </a:ext>
             </a:extLst>
           </p:cNvPr>
@@ -12062,7 +12064,7 @@
           <p:cNvPr id="79" name="Picture 78">
             <a:extLst>
               <a:ext uri="{FF2B5EF4-FFF2-40B4-BE49-F238E27FC236}">
-                <a16:creationId xmlns:a16="http://schemas.microsoft.com/office/drawing/2014/main" xmlns="" id="{702BB94C-F70C-5E4B-94D9-B69FE9F302C8}"/>
+                <a16:creationId xmlns:a16="http://schemas.microsoft.com/office/drawing/2014/main" id="{702BB94C-F70C-5E4B-94D9-B69FE9F302C8}"/>
               </a:ext>
             </a:extLst>
           </p:cNvPr>
@@ -12098,7 +12100,7 @@
           <p:cNvPr id="131" name="Straight Connector 130">
             <a:extLst>
               <a:ext uri="{FF2B5EF4-FFF2-40B4-BE49-F238E27FC236}">
-                <a16:creationId xmlns:a16="http://schemas.microsoft.com/office/drawing/2014/main" xmlns="" id="{EA8E957C-3AA4-2547-B191-BA32AA3F3AF2}"/>
+                <a16:creationId xmlns:a16="http://schemas.microsoft.com/office/drawing/2014/main" id="{EA8E957C-3AA4-2547-B191-BA32AA3F3AF2}"/>
               </a:ext>
             </a:extLst>
           </p:cNvPr>
@@ -12146,7 +12148,7 @@
           <p:cNvPr id="134" name="Straight Connector 133">
             <a:extLst>
               <a:ext uri="{FF2B5EF4-FFF2-40B4-BE49-F238E27FC236}">
-                <a16:creationId xmlns:a16="http://schemas.microsoft.com/office/drawing/2014/main" xmlns="" id="{5BE986ED-64D7-A046-BE28-021C8C920B48}"/>
+                <a16:creationId xmlns:a16="http://schemas.microsoft.com/office/drawing/2014/main" id="{5BE986ED-64D7-A046-BE28-021C8C920B48}"/>
               </a:ext>
             </a:extLst>
           </p:cNvPr>
@@ -12194,7 +12196,7 @@
           <p:cNvPr id="138" name="Straight Connector 137">
             <a:extLst>
               <a:ext uri="{FF2B5EF4-FFF2-40B4-BE49-F238E27FC236}">
-                <a16:creationId xmlns:a16="http://schemas.microsoft.com/office/drawing/2014/main" xmlns="" id="{8E1453EF-7DB3-E54F-9665-9C837DE98445}"/>
+                <a16:creationId xmlns:a16="http://schemas.microsoft.com/office/drawing/2014/main" id="{8E1453EF-7DB3-E54F-9665-9C837DE98445}"/>
               </a:ext>
             </a:extLst>
           </p:cNvPr>
@@ -12241,7 +12243,7 @@
           <p:cNvPr id="144" name="TextBox 143">
             <a:extLst>
               <a:ext uri="{FF2B5EF4-FFF2-40B4-BE49-F238E27FC236}">
-                <a16:creationId xmlns:a16="http://schemas.microsoft.com/office/drawing/2014/main" xmlns="" id="{F20B3218-9CCE-2145-9963-A12E6849F8D1}"/>
+                <a16:creationId xmlns:a16="http://schemas.microsoft.com/office/drawing/2014/main" id="{F20B3218-9CCE-2145-9963-A12E6849F8D1}"/>
               </a:ext>
             </a:extLst>
           </p:cNvPr>
@@ -12322,7 +12324,7 @@
           <p:cNvPr id="2" name="Rectangle 1">
             <a:extLst>
               <a:ext uri="{FF2B5EF4-FFF2-40B4-BE49-F238E27FC236}">
-                <a16:creationId xmlns:a16="http://schemas.microsoft.com/office/drawing/2014/main" xmlns="" id="{457F0C94-1AA0-1142-B814-A0B56C12F7AE}"/>
+                <a16:creationId xmlns:a16="http://schemas.microsoft.com/office/drawing/2014/main" id="{457F0C94-1AA0-1142-B814-A0B56C12F7AE}"/>
               </a:ext>
             </a:extLst>
           </p:cNvPr>
@@ -12363,7 +12365,7 @@
           <p:cNvPr id="3" name="Rounded Rectangular Callout 2">
             <a:extLst>
               <a:ext uri="{FF2B5EF4-FFF2-40B4-BE49-F238E27FC236}">
-                <a16:creationId xmlns:a16="http://schemas.microsoft.com/office/drawing/2014/main" xmlns="" id="{63DAE306-87BE-DC43-AD20-7EEF4394EF2D}"/>
+                <a16:creationId xmlns:a16="http://schemas.microsoft.com/office/drawing/2014/main" id="{63DAE306-87BE-DC43-AD20-7EEF4394EF2D}"/>
               </a:ext>
             </a:extLst>
           </p:cNvPr>
@@ -12410,7 +12412,7 @@
           <p:cNvPr id="4" name="TextBox 3">
             <a:extLst>
               <a:ext uri="{FF2B5EF4-FFF2-40B4-BE49-F238E27FC236}">
-                <a16:creationId xmlns:a16="http://schemas.microsoft.com/office/drawing/2014/main" xmlns="" id="{87A33B23-79D2-8C45-85BC-26BA3EBE5E09}"/>
+                <a16:creationId xmlns:a16="http://schemas.microsoft.com/office/drawing/2014/main" id="{87A33B23-79D2-8C45-85BC-26BA3EBE5E09}"/>
               </a:ext>
             </a:extLst>
           </p:cNvPr>
@@ -12491,7 +12493,7 @@
           <p:cNvPr id="63" name="TextBox 62">
             <a:extLst>
               <a:ext uri="{FF2B5EF4-FFF2-40B4-BE49-F238E27FC236}">
-                <a16:creationId xmlns:a16="http://schemas.microsoft.com/office/drawing/2014/main" xmlns="" id="{DF7CBF41-809E-E246-9424-6E940E6F0F01}"/>
+                <a16:creationId xmlns:a16="http://schemas.microsoft.com/office/drawing/2014/main" id="{DF7CBF41-809E-E246-9424-6E940E6F0F01}"/>
               </a:ext>
             </a:extLst>
           </p:cNvPr>
@@ -12572,7 +12574,7 @@
           <p:cNvPr id="65" name="TextBox 64">
             <a:extLst>
               <a:ext uri="{FF2B5EF4-FFF2-40B4-BE49-F238E27FC236}">
-                <a16:creationId xmlns:a16="http://schemas.microsoft.com/office/drawing/2014/main" xmlns="" id="{5241D4CE-929F-D243-9A44-1D0138E4A79E}"/>
+                <a16:creationId xmlns:a16="http://schemas.microsoft.com/office/drawing/2014/main" id="{5241D4CE-929F-D243-9A44-1D0138E4A79E}"/>
               </a:ext>
             </a:extLst>
           </p:cNvPr>
@@ -12653,7 +12655,7 @@
           <p:cNvPr id="66" name="TextBox 65">
             <a:extLst>
               <a:ext uri="{FF2B5EF4-FFF2-40B4-BE49-F238E27FC236}">
-                <a16:creationId xmlns:a16="http://schemas.microsoft.com/office/drawing/2014/main" xmlns="" id="{76BA1A68-812A-9342-8B07-D0FC0DD29AB1}"/>
+                <a16:creationId xmlns:a16="http://schemas.microsoft.com/office/drawing/2014/main" id="{76BA1A68-812A-9342-8B07-D0FC0DD29AB1}"/>
               </a:ext>
             </a:extLst>
           </p:cNvPr>
@@ -12739,7 +12741,7 @@
   <p:clrMapOvr>
     <a:masterClrMapping/>
   </p:clrMapOvr>
-  <p:transition xmlns:p14="http://schemas.microsoft.com/office/powerpoint/2010/main" spd="med"/>
+  <p:transition spd="med"/>
 </p:sld>
 </file>
 
@@ -12765,7 +12767,7 @@
           <p:cNvPr id="108" name="Rectangle 107">
             <a:extLst>
               <a:ext uri="{FF2B5EF4-FFF2-40B4-BE49-F238E27FC236}">
-                <a16:creationId xmlns:a16="http://schemas.microsoft.com/office/drawing/2014/main" xmlns="" id="{DD3A4E38-E7B5-F444-A041-B81D31F9BE1A}"/>
+                <a16:creationId xmlns:a16="http://schemas.microsoft.com/office/drawing/2014/main" id="{DD3A4E38-E7B5-F444-A041-B81D31F9BE1A}"/>
               </a:ext>
             </a:extLst>
           </p:cNvPr>
@@ -12810,7 +12812,7 @@
           <p:cNvPr id="138" name="Straight Connector 137">
             <a:extLst>
               <a:ext uri="{FF2B5EF4-FFF2-40B4-BE49-F238E27FC236}">
-                <a16:creationId xmlns:a16="http://schemas.microsoft.com/office/drawing/2014/main" xmlns="" id="{8E1453EF-7DB3-E54F-9665-9C837DE98445}"/>
+                <a16:creationId xmlns:a16="http://schemas.microsoft.com/office/drawing/2014/main" id="{8E1453EF-7DB3-E54F-9665-9C837DE98445}"/>
               </a:ext>
             </a:extLst>
           </p:cNvPr>
@@ -12858,7 +12860,7 @@
           <p:cNvPr id="55" name="Picture 54">
             <a:extLst>
               <a:ext uri="{FF2B5EF4-FFF2-40B4-BE49-F238E27FC236}">
-                <a16:creationId xmlns:a16="http://schemas.microsoft.com/office/drawing/2014/main" xmlns="" id="{CE881D18-4919-AC4A-8C4E-67FC236952BB}"/>
+                <a16:creationId xmlns:a16="http://schemas.microsoft.com/office/drawing/2014/main" id="{CE881D18-4919-AC4A-8C4E-67FC236952BB}"/>
               </a:ext>
             </a:extLst>
           </p:cNvPr>
@@ -12888,7 +12890,7 @@
           <p:cNvPr id="141" name="Rectangle 140">
             <a:extLst>
               <a:ext uri="{FF2B5EF4-FFF2-40B4-BE49-F238E27FC236}">
-                <a16:creationId xmlns:a16="http://schemas.microsoft.com/office/drawing/2014/main" xmlns="" id="{3C097F3C-09AD-4C48-89F5-8F6682E2A9C7}"/>
+                <a16:creationId xmlns:a16="http://schemas.microsoft.com/office/drawing/2014/main" id="{3C097F3C-09AD-4C48-89F5-8F6682E2A9C7}"/>
               </a:ext>
             </a:extLst>
           </p:cNvPr>
@@ -13067,7 +13069,7 @@
             </a:ln>
             <a:extLst>
               <a:ext uri="{C572A759-6A51-4108-AA02-DFA0A04FC94B}">
-                <ma14:wrappingTextBoxFlag xmlns:ma14="http://schemas.microsoft.com/office/mac/drawingml/2011/main" val="1"/>
+                <ma14:wrappingTextBoxFlag xmlns:ma14="http://schemas.microsoft.com/office/mac/drawingml/2011/main" xmlns="" val="1"/>
               </a:ext>
             </a:extLst>
           </p:spPr>
@@ -13174,7 +13176,7 @@
           </a:ln>
           <a:extLst>
             <a:ext uri="{C572A759-6A51-4108-AA02-DFA0A04FC94B}">
-              <ma14:wrappingTextBoxFlag xmlns:ma14="http://schemas.microsoft.com/office/mac/drawingml/2011/main" val="1"/>
+              <ma14:wrappingTextBoxFlag xmlns:ma14="http://schemas.microsoft.com/office/mac/drawingml/2011/main" xmlns="" val="1"/>
             </a:ext>
           </a:extLst>
         </p:spPr>
@@ -13242,7 +13244,7 @@
           </a:ln>
           <a:extLst>
             <a:ext uri="{C572A759-6A51-4108-AA02-DFA0A04FC94B}">
-              <ma14:wrappingTextBoxFlag xmlns:ma14="http://schemas.microsoft.com/office/mac/drawingml/2011/main" val="1"/>
+              <ma14:wrappingTextBoxFlag xmlns:ma14="http://schemas.microsoft.com/office/mac/drawingml/2011/main" xmlns="" val="1"/>
             </a:ext>
           </a:extLst>
         </p:spPr>
@@ -13453,7 +13455,7 @@
           <p:cNvPr id="109" name="TextBox 108">
             <a:extLst>
               <a:ext uri="{FF2B5EF4-FFF2-40B4-BE49-F238E27FC236}">
-                <a16:creationId xmlns:a16="http://schemas.microsoft.com/office/drawing/2014/main" xmlns="" id="{E4BD00C3-AD29-1848-B72C-ABB297C80A44}"/>
+                <a16:creationId xmlns:a16="http://schemas.microsoft.com/office/drawing/2014/main" id="{E4BD00C3-AD29-1848-B72C-ABB297C80A44}"/>
               </a:ext>
             </a:extLst>
           </p:cNvPr>
@@ -13534,7 +13536,7 @@
           <p:cNvPr id="67" name="Picture 66">
             <a:extLst>
               <a:ext uri="{FF2B5EF4-FFF2-40B4-BE49-F238E27FC236}">
-                <a16:creationId xmlns:a16="http://schemas.microsoft.com/office/drawing/2014/main" xmlns="" id="{2CBB9EC6-1F4D-A544-B955-509A162728C6}"/>
+                <a16:creationId xmlns:a16="http://schemas.microsoft.com/office/drawing/2014/main" id="{2CBB9EC6-1F4D-A544-B955-509A162728C6}"/>
               </a:ext>
             </a:extLst>
           </p:cNvPr>
@@ -13570,7 +13572,7 @@
           <p:cNvPr id="116" name="Straight Connector 115">
             <a:extLst>
               <a:ext uri="{FF2B5EF4-FFF2-40B4-BE49-F238E27FC236}">
-                <a16:creationId xmlns:a16="http://schemas.microsoft.com/office/drawing/2014/main" xmlns="" id="{5DA5D267-4395-9C48-8B25-87844AB53687}"/>
+                <a16:creationId xmlns:a16="http://schemas.microsoft.com/office/drawing/2014/main" id="{5DA5D267-4395-9C48-8B25-87844AB53687}"/>
               </a:ext>
             </a:extLst>
           </p:cNvPr>
@@ -13617,7 +13619,7 @@
           <p:cNvPr id="119" name="TextBox 118">
             <a:extLst>
               <a:ext uri="{FF2B5EF4-FFF2-40B4-BE49-F238E27FC236}">
-                <a16:creationId xmlns:a16="http://schemas.microsoft.com/office/drawing/2014/main" xmlns="" id="{2A942E01-9F5A-F646-B3ED-A608F871CF24}"/>
+                <a16:creationId xmlns:a16="http://schemas.microsoft.com/office/drawing/2014/main" id="{2A942E01-9F5A-F646-B3ED-A608F871CF24}"/>
               </a:ext>
             </a:extLst>
           </p:cNvPr>
@@ -13698,7 +13700,7 @@
           <p:cNvPr id="79" name="Picture 78">
             <a:extLst>
               <a:ext uri="{FF2B5EF4-FFF2-40B4-BE49-F238E27FC236}">
-                <a16:creationId xmlns:a16="http://schemas.microsoft.com/office/drawing/2014/main" xmlns="" id="{702BB94C-F70C-5E4B-94D9-B69FE9F302C8}"/>
+                <a16:creationId xmlns:a16="http://schemas.microsoft.com/office/drawing/2014/main" id="{702BB94C-F70C-5E4B-94D9-B69FE9F302C8}"/>
               </a:ext>
             </a:extLst>
           </p:cNvPr>
@@ -13734,7 +13736,7 @@
           <p:cNvPr id="56" name="TextBox 55">
             <a:extLst>
               <a:ext uri="{FF2B5EF4-FFF2-40B4-BE49-F238E27FC236}">
-                <a16:creationId xmlns:a16="http://schemas.microsoft.com/office/drawing/2014/main" xmlns="" id="{EC9D555A-9361-8C4D-B121-23370991E14A}"/>
+                <a16:creationId xmlns:a16="http://schemas.microsoft.com/office/drawing/2014/main" id="{EC9D555A-9361-8C4D-B121-23370991E14A}"/>
               </a:ext>
             </a:extLst>
           </p:cNvPr>
@@ -13815,7 +13817,7 @@
           <p:cNvPr id="57" name="Picture 56">
             <a:extLst>
               <a:ext uri="{FF2B5EF4-FFF2-40B4-BE49-F238E27FC236}">
-                <a16:creationId xmlns:a16="http://schemas.microsoft.com/office/drawing/2014/main" xmlns="" id="{0E7372C8-1262-6840-B431-DDDFC66573C0}"/>
+                <a16:creationId xmlns:a16="http://schemas.microsoft.com/office/drawing/2014/main" id="{0E7372C8-1262-6840-B431-DDDFC66573C0}"/>
               </a:ext>
             </a:extLst>
           </p:cNvPr>
@@ -13850,7 +13852,7 @@
   <p:clrMapOvr>
     <a:masterClrMapping/>
   </p:clrMapOvr>
-  <p:transition xmlns:p14="http://schemas.microsoft.com/office/powerpoint/2010/main" spd="med"/>
+  <p:transition spd="med"/>
 </p:sld>
 </file>
 
@@ -13876,7 +13878,7 @@
           <p:cNvPr id="108" name="Rectangle 107">
             <a:extLst>
               <a:ext uri="{FF2B5EF4-FFF2-40B4-BE49-F238E27FC236}">
-                <a16:creationId xmlns:a16="http://schemas.microsoft.com/office/drawing/2014/main" xmlns="" id="{DD3A4E38-E7B5-F444-A041-B81D31F9BE1A}"/>
+                <a16:creationId xmlns:a16="http://schemas.microsoft.com/office/drawing/2014/main" id="{DD3A4E38-E7B5-F444-A041-B81D31F9BE1A}"/>
               </a:ext>
             </a:extLst>
           </p:cNvPr>
@@ -13921,7 +13923,7 @@
           <p:cNvPr id="141" name="Rectangle 140">
             <a:extLst>
               <a:ext uri="{FF2B5EF4-FFF2-40B4-BE49-F238E27FC236}">
-                <a16:creationId xmlns:a16="http://schemas.microsoft.com/office/drawing/2014/main" xmlns="" id="{3C097F3C-09AD-4C48-89F5-8F6682E2A9C7}"/>
+                <a16:creationId xmlns:a16="http://schemas.microsoft.com/office/drawing/2014/main" id="{3C097F3C-09AD-4C48-89F5-8F6682E2A9C7}"/>
               </a:ext>
             </a:extLst>
           </p:cNvPr>
@@ -13964,7 +13966,7 @@
           <p:cNvPr id="132" name="Rectangle 131">
             <a:extLst>
               <a:ext uri="{FF2B5EF4-FFF2-40B4-BE49-F238E27FC236}">
-                <a16:creationId xmlns:a16="http://schemas.microsoft.com/office/drawing/2014/main" xmlns="" id="{A4F70669-E49F-6042-AC95-A1CF22FC2F0E}"/>
+                <a16:creationId xmlns:a16="http://schemas.microsoft.com/office/drawing/2014/main" id="{A4F70669-E49F-6042-AC95-A1CF22FC2F0E}"/>
               </a:ext>
             </a:extLst>
           </p:cNvPr>
@@ -14007,7 +14009,7 @@
           <p:cNvPr id="46" name="Straight Connector 45">
             <a:extLst>
               <a:ext uri="{FF2B5EF4-FFF2-40B4-BE49-F238E27FC236}">
-                <a16:creationId xmlns:a16="http://schemas.microsoft.com/office/drawing/2014/main" xmlns="" id="{B3EF6D8D-E093-9C43-8F06-6465AF5A1A76}"/>
+                <a16:creationId xmlns:a16="http://schemas.microsoft.com/office/drawing/2014/main" id="{B3EF6D8D-E093-9C43-8F06-6465AF5A1A76}"/>
               </a:ext>
             </a:extLst>
           </p:cNvPr>
@@ -14056,7 +14058,7 @@
           <p:cNvPr id="105" name="Rectangle 104">
             <a:extLst>
               <a:ext uri="{FF2B5EF4-FFF2-40B4-BE49-F238E27FC236}">
-                <a16:creationId xmlns:a16="http://schemas.microsoft.com/office/drawing/2014/main" xmlns="" id="{416C123A-D118-B348-B68E-4541B0A407FB}"/>
+                <a16:creationId xmlns:a16="http://schemas.microsoft.com/office/drawing/2014/main" id="{416C123A-D118-B348-B68E-4541B0A407FB}"/>
               </a:ext>
             </a:extLst>
           </p:cNvPr>
@@ -14103,7 +14105,7 @@
           <p:cNvPr id="115" name="Straight Connector 114">
             <a:extLst>
               <a:ext uri="{FF2B5EF4-FFF2-40B4-BE49-F238E27FC236}">
-                <a16:creationId xmlns:a16="http://schemas.microsoft.com/office/drawing/2014/main" xmlns="" id="{8AC6BC2D-6C06-F541-9BC0-006845DF1EA7}"/>
+                <a16:creationId xmlns:a16="http://schemas.microsoft.com/office/drawing/2014/main" id="{8AC6BC2D-6C06-F541-9BC0-006845DF1EA7}"/>
               </a:ext>
             </a:extLst>
           </p:cNvPr>
@@ -14152,7 +14154,7 @@
           <p:cNvPr id="103" name="Rectangle 102">
             <a:extLst>
               <a:ext uri="{FF2B5EF4-FFF2-40B4-BE49-F238E27FC236}">
-                <a16:creationId xmlns:a16="http://schemas.microsoft.com/office/drawing/2014/main" xmlns="" id="{89D06888-A322-F944-B8CD-1354DB6E9863}"/>
+                <a16:creationId xmlns:a16="http://schemas.microsoft.com/office/drawing/2014/main" id="{89D06888-A322-F944-B8CD-1354DB6E9863}"/>
               </a:ext>
             </a:extLst>
           </p:cNvPr>
@@ -14195,7 +14197,7 @@
           <p:cNvPr id="97" name="Rectangle 96">
             <a:extLst>
               <a:ext uri="{FF2B5EF4-FFF2-40B4-BE49-F238E27FC236}">
-                <a16:creationId xmlns:a16="http://schemas.microsoft.com/office/drawing/2014/main" xmlns="" id="{C6F860F7-F7BF-E549-968B-81EB1B326379}"/>
+                <a16:creationId xmlns:a16="http://schemas.microsoft.com/office/drawing/2014/main" id="{C6F860F7-F7BF-E549-968B-81EB1B326379}"/>
               </a:ext>
             </a:extLst>
           </p:cNvPr>
@@ -14240,7 +14242,7 @@
           <p:cNvPr id="88" name="Rectangle 87">
             <a:extLst>
               <a:ext uri="{FF2B5EF4-FFF2-40B4-BE49-F238E27FC236}">
-                <a16:creationId xmlns:a16="http://schemas.microsoft.com/office/drawing/2014/main" xmlns="" id="{52568BAA-8263-FC4A-AB69-A9AE503EA338}"/>
+                <a16:creationId xmlns:a16="http://schemas.microsoft.com/office/drawing/2014/main" id="{52568BAA-8263-FC4A-AB69-A9AE503EA338}"/>
               </a:ext>
             </a:extLst>
           </p:cNvPr>
@@ -14309,7 +14311,7 @@
           <p:cNvPr id="47" name="Rectangle 46">
             <a:extLst>
               <a:ext uri="{FF2B5EF4-FFF2-40B4-BE49-F238E27FC236}">
-                <a16:creationId xmlns:a16="http://schemas.microsoft.com/office/drawing/2014/main" xmlns="" id="{962939E0-A05A-3A44-9ADE-6B594560263B}"/>
+                <a16:creationId xmlns:a16="http://schemas.microsoft.com/office/drawing/2014/main" id="{962939E0-A05A-3A44-9ADE-6B594560263B}"/>
               </a:ext>
             </a:extLst>
           </p:cNvPr>
@@ -14464,7 +14466,7 @@
             </a:ln>
             <a:extLst>
               <a:ext uri="{C572A759-6A51-4108-AA02-DFA0A04FC94B}">
-                <ma14:wrappingTextBoxFlag xmlns:ma14="http://schemas.microsoft.com/office/mac/drawingml/2011/main" val="1"/>
+                <ma14:wrappingTextBoxFlag xmlns:ma14="http://schemas.microsoft.com/office/mac/drawingml/2011/main" xmlns="" val="1"/>
               </a:ext>
             </a:extLst>
           </p:spPr>
@@ -14703,7 +14705,7 @@
           </a:ln>
           <a:extLst>
             <a:ext uri="{C572A759-6A51-4108-AA02-DFA0A04FC94B}">
-              <ma14:wrappingTextBoxFlag xmlns:ma14="http://schemas.microsoft.com/office/mac/drawingml/2011/main" val="1"/>
+              <ma14:wrappingTextBoxFlag xmlns:ma14="http://schemas.microsoft.com/office/mac/drawingml/2011/main" xmlns="" val="1"/>
             </a:ext>
           </a:extLst>
         </p:spPr>
@@ -14771,7 +14773,7 @@
           </a:ln>
           <a:extLst>
             <a:ext uri="{C572A759-6A51-4108-AA02-DFA0A04FC94B}">
-              <ma14:wrappingTextBoxFlag xmlns:ma14="http://schemas.microsoft.com/office/mac/drawingml/2011/main" val="1"/>
+              <ma14:wrappingTextBoxFlag xmlns:ma14="http://schemas.microsoft.com/office/mac/drawingml/2011/main" xmlns="" val="1"/>
             </a:ext>
           </a:extLst>
         </p:spPr>
@@ -15142,7 +15144,7 @@
             <a:effectLst/>
             <a:extLst>
               <a:ext uri="{C572A759-6A51-4108-AA02-DFA0A04FC94B}">
-                <ma14:wrappingTextBoxFlag xmlns:ma14="http://schemas.microsoft.com/office/mac/drawingml/2011/main" val="1"/>
+                <ma14:wrappingTextBoxFlag xmlns:ma14="http://schemas.microsoft.com/office/mac/drawingml/2011/main" xmlns="" val="1"/>
               </a:ext>
             </a:extLst>
           </p:spPr>
@@ -15233,7 +15235,7 @@
           <p:cNvPr id="188" name="Group 187">
             <a:extLst>
               <a:ext uri="{FF2B5EF4-FFF2-40B4-BE49-F238E27FC236}">
-                <a16:creationId xmlns:a16="http://schemas.microsoft.com/office/drawing/2014/main" xmlns="" id="{5938EDDB-B2B2-6642-9D20-6D7C5F9FED31}"/>
+                <a16:creationId xmlns:a16="http://schemas.microsoft.com/office/drawing/2014/main" id="{5938EDDB-B2B2-6642-9D20-6D7C5F9FED31}"/>
               </a:ext>
             </a:extLst>
           </p:cNvPr>
@@ -15253,7 +15255,7 @@
             <p:cNvPr id="189" name="Group 188">
               <a:extLst>
                 <a:ext uri="{FF2B5EF4-FFF2-40B4-BE49-F238E27FC236}">
-                  <a16:creationId xmlns:a16="http://schemas.microsoft.com/office/drawing/2014/main" xmlns="" id="{3527AD53-90A2-7D45-A4B7-509C2FD1C32F}"/>
+                  <a16:creationId xmlns:a16="http://schemas.microsoft.com/office/drawing/2014/main" id="{3527AD53-90A2-7D45-A4B7-509C2FD1C32F}"/>
                 </a:ext>
               </a:extLst>
             </p:cNvPr>
@@ -15273,7 +15275,7 @@
               <p:cNvPr id="191" name="Oval 190">
                 <a:extLst>
                   <a:ext uri="{FF2B5EF4-FFF2-40B4-BE49-F238E27FC236}">
-                    <a16:creationId xmlns:a16="http://schemas.microsoft.com/office/drawing/2014/main" xmlns="" id="{38BE8895-77F2-3F48-BDC0-E7E0559BA7AD}"/>
+                    <a16:creationId xmlns:a16="http://schemas.microsoft.com/office/drawing/2014/main" id="{38BE8895-77F2-3F48-BDC0-E7E0559BA7AD}"/>
                   </a:ext>
                 </a:extLst>
               </p:cNvPr>
@@ -15329,7 +15331,7 @@
               <p:cNvPr id="192" name="Picture 191">
                 <a:extLst>
                   <a:ext uri="{FF2B5EF4-FFF2-40B4-BE49-F238E27FC236}">
-                    <a16:creationId xmlns:a16="http://schemas.microsoft.com/office/drawing/2014/main" xmlns="" id="{1E774A8B-C5DB-534E-8EE3-5D936B2F1BDA}"/>
+                    <a16:creationId xmlns:a16="http://schemas.microsoft.com/office/drawing/2014/main" id="{1E774A8B-C5DB-534E-8EE3-5D936B2F1BDA}"/>
                   </a:ext>
                 </a:extLst>
               </p:cNvPr>
@@ -15366,7 +15368,7 @@
             <p:cNvPr id="190" name="Shape 576">
               <a:extLst>
                 <a:ext uri="{FF2B5EF4-FFF2-40B4-BE49-F238E27FC236}">
-                  <a16:creationId xmlns:a16="http://schemas.microsoft.com/office/drawing/2014/main" xmlns="" id="{8D66F62C-0857-0C4E-B8A3-3F8DBC721692}"/>
+                  <a16:creationId xmlns:a16="http://schemas.microsoft.com/office/drawing/2014/main" id="{8D66F62C-0857-0C4E-B8A3-3F8DBC721692}"/>
                 </a:ext>
               </a:extLst>
             </p:cNvPr>
@@ -15386,7 +15388,7 @@
             </a:ln>
             <a:extLst>
               <a:ext uri="{C572A759-6A51-4108-AA02-DFA0A04FC94B}">
-                <ma14:wrappingTextBoxFlag xmlns:ma14="http://schemas.microsoft.com/office/mac/drawingml/2011/main" val="1"/>
+                <ma14:wrappingTextBoxFlag xmlns:ma14="http://schemas.microsoft.com/office/mac/drawingml/2011/main" xmlns="" val="1"/>
               </a:ext>
             </a:extLst>
           </p:spPr>
@@ -15599,7 +15601,7 @@
           </a:ln>
           <a:extLst>
             <a:ext uri="{C572A759-6A51-4108-AA02-DFA0A04FC94B}">
-              <ma14:wrappingTextBoxFlag xmlns:ma14="http://schemas.microsoft.com/office/mac/drawingml/2011/main" val="1"/>
+              <ma14:wrappingTextBoxFlag xmlns:ma14="http://schemas.microsoft.com/office/mac/drawingml/2011/main" xmlns="" val="1"/>
             </a:ext>
           </a:extLst>
         </p:spPr>
@@ -15888,7 +15890,7 @@
           <p:cNvPr id="58" name="Picture 57">
             <a:extLst>
               <a:ext uri="{FF2B5EF4-FFF2-40B4-BE49-F238E27FC236}">
-                <a16:creationId xmlns:a16="http://schemas.microsoft.com/office/drawing/2014/main" xmlns="" id="{66E030FF-10BA-3E4A-9604-7ADABD19B5C7}"/>
+                <a16:creationId xmlns:a16="http://schemas.microsoft.com/office/drawing/2014/main" id="{66E030FF-10BA-3E4A-9604-7ADABD19B5C7}"/>
               </a:ext>
             </a:extLst>
           </p:cNvPr>
@@ -15918,7 +15920,7 @@
           <p:cNvPr id="64" name="Straight Connector 63">
             <a:extLst>
               <a:ext uri="{FF2B5EF4-FFF2-40B4-BE49-F238E27FC236}">
-                <a16:creationId xmlns:a16="http://schemas.microsoft.com/office/drawing/2014/main" xmlns="" id="{7A922166-BCEA-2342-A0C7-D9B6D48E76B5}"/>
+                <a16:creationId xmlns:a16="http://schemas.microsoft.com/office/drawing/2014/main" id="{7A922166-BCEA-2342-A0C7-D9B6D48E76B5}"/>
               </a:ext>
             </a:extLst>
           </p:cNvPr>
@@ -15967,7 +15969,7 @@
           <p:cNvPr id="83" name="Straight Connector 82">
             <a:extLst>
               <a:ext uri="{FF2B5EF4-FFF2-40B4-BE49-F238E27FC236}">
-                <a16:creationId xmlns:a16="http://schemas.microsoft.com/office/drawing/2014/main" xmlns="" id="{BA3AC09A-2568-7A40-8619-27C921ACE99B}"/>
+                <a16:creationId xmlns:a16="http://schemas.microsoft.com/office/drawing/2014/main" id="{BA3AC09A-2568-7A40-8619-27C921ACE99B}"/>
               </a:ext>
             </a:extLst>
           </p:cNvPr>
@@ -16015,7 +16017,7 @@
           <p:cNvPr id="100" name="TextBox 99">
             <a:extLst>
               <a:ext uri="{FF2B5EF4-FFF2-40B4-BE49-F238E27FC236}">
-                <a16:creationId xmlns:a16="http://schemas.microsoft.com/office/drawing/2014/main" xmlns="" id="{3C80F502-9384-CB47-BE5F-B15677F163F5}"/>
+                <a16:creationId xmlns:a16="http://schemas.microsoft.com/office/drawing/2014/main" id="{3C80F502-9384-CB47-BE5F-B15677F163F5}"/>
               </a:ext>
             </a:extLst>
           </p:cNvPr>
@@ -16096,7 +16098,7 @@
           <p:cNvPr id="102" name="TextBox 101">
             <a:extLst>
               <a:ext uri="{FF2B5EF4-FFF2-40B4-BE49-F238E27FC236}">
-                <a16:creationId xmlns:a16="http://schemas.microsoft.com/office/drawing/2014/main" xmlns="" id="{049DDE7D-2EFF-7541-B9F7-19BEEA5515BE}"/>
+                <a16:creationId xmlns:a16="http://schemas.microsoft.com/office/drawing/2014/main" id="{049DDE7D-2EFF-7541-B9F7-19BEEA5515BE}"/>
               </a:ext>
             </a:extLst>
           </p:cNvPr>
@@ -16177,7 +16179,7 @@
           <p:cNvPr id="107" name="TextBox 106">
             <a:extLst>
               <a:ext uri="{FF2B5EF4-FFF2-40B4-BE49-F238E27FC236}">
-                <a16:creationId xmlns:a16="http://schemas.microsoft.com/office/drawing/2014/main" xmlns="" id="{F073A3D8-220E-7144-A600-F0641A71F37F}"/>
+                <a16:creationId xmlns:a16="http://schemas.microsoft.com/office/drawing/2014/main" id="{F073A3D8-220E-7144-A600-F0641A71F37F}"/>
               </a:ext>
             </a:extLst>
           </p:cNvPr>
@@ -16258,7 +16260,7 @@
           <p:cNvPr id="109" name="TextBox 108">
             <a:extLst>
               <a:ext uri="{FF2B5EF4-FFF2-40B4-BE49-F238E27FC236}">
-                <a16:creationId xmlns:a16="http://schemas.microsoft.com/office/drawing/2014/main" xmlns="" id="{E4BD00C3-AD29-1848-B72C-ABB297C80A44}"/>
+                <a16:creationId xmlns:a16="http://schemas.microsoft.com/office/drawing/2014/main" id="{E4BD00C3-AD29-1848-B72C-ABB297C80A44}"/>
               </a:ext>
             </a:extLst>
           </p:cNvPr>
@@ -16340,7 +16342,7 @@
           <p:cNvPr id="67" name="Picture 66">
             <a:extLst>
               <a:ext uri="{FF2B5EF4-FFF2-40B4-BE49-F238E27FC236}">
-                <a16:creationId xmlns:a16="http://schemas.microsoft.com/office/drawing/2014/main" xmlns="" id="{2CBB9EC6-1F4D-A544-B955-509A162728C6}"/>
+                <a16:creationId xmlns:a16="http://schemas.microsoft.com/office/drawing/2014/main" id="{2CBB9EC6-1F4D-A544-B955-509A162728C6}"/>
               </a:ext>
             </a:extLst>
           </p:cNvPr>
@@ -16376,7 +16378,7 @@
           <p:cNvPr id="116" name="Straight Connector 115">
             <a:extLst>
               <a:ext uri="{FF2B5EF4-FFF2-40B4-BE49-F238E27FC236}">
-                <a16:creationId xmlns:a16="http://schemas.microsoft.com/office/drawing/2014/main" xmlns="" id="{5DA5D267-4395-9C48-8B25-87844AB53687}"/>
+                <a16:creationId xmlns:a16="http://schemas.microsoft.com/office/drawing/2014/main" id="{5DA5D267-4395-9C48-8B25-87844AB53687}"/>
               </a:ext>
             </a:extLst>
           </p:cNvPr>
@@ -16423,7 +16425,7 @@
           <p:cNvPr id="119" name="TextBox 118">
             <a:extLst>
               <a:ext uri="{FF2B5EF4-FFF2-40B4-BE49-F238E27FC236}">
-                <a16:creationId xmlns:a16="http://schemas.microsoft.com/office/drawing/2014/main" xmlns="" id="{2A942E01-9F5A-F646-B3ED-A608F871CF24}"/>
+                <a16:creationId xmlns:a16="http://schemas.microsoft.com/office/drawing/2014/main" id="{2A942E01-9F5A-F646-B3ED-A608F871CF24}"/>
               </a:ext>
             </a:extLst>
           </p:cNvPr>
@@ -16504,7 +16506,7 @@
           <p:cNvPr id="79" name="Picture 78">
             <a:extLst>
               <a:ext uri="{FF2B5EF4-FFF2-40B4-BE49-F238E27FC236}">
-                <a16:creationId xmlns:a16="http://schemas.microsoft.com/office/drawing/2014/main" xmlns="" id="{702BB94C-F70C-5E4B-94D9-B69FE9F302C8}"/>
+                <a16:creationId xmlns:a16="http://schemas.microsoft.com/office/drawing/2014/main" id="{702BB94C-F70C-5E4B-94D9-B69FE9F302C8}"/>
               </a:ext>
             </a:extLst>
           </p:cNvPr>
@@ -16540,7 +16542,7 @@
           <p:cNvPr id="131" name="Straight Connector 130">
             <a:extLst>
               <a:ext uri="{FF2B5EF4-FFF2-40B4-BE49-F238E27FC236}">
-                <a16:creationId xmlns:a16="http://schemas.microsoft.com/office/drawing/2014/main" xmlns="" id="{EA8E957C-3AA4-2547-B191-BA32AA3F3AF2}"/>
+                <a16:creationId xmlns:a16="http://schemas.microsoft.com/office/drawing/2014/main" id="{EA8E957C-3AA4-2547-B191-BA32AA3F3AF2}"/>
               </a:ext>
             </a:extLst>
           </p:cNvPr>
@@ -16588,7 +16590,7 @@
           <p:cNvPr id="134" name="Straight Connector 133">
             <a:extLst>
               <a:ext uri="{FF2B5EF4-FFF2-40B4-BE49-F238E27FC236}">
-                <a16:creationId xmlns:a16="http://schemas.microsoft.com/office/drawing/2014/main" xmlns="" id="{5BE986ED-64D7-A046-BE28-021C8C920B48}"/>
+                <a16:creationId xmlns:a16="http://schemas.microsoft.com/office/drawing/2014/main" id="{5BE986ED-64D7-A046-BE28-021C8C920B48}"/>
               </a:ext>
             </a:extLst>
           </p:cNvPr>
@@ -16636,7 +16638,7 @@
           <p:cNvPr id="138" name="Straight Connector 137">
             <a:extLst>
               <a:ext uri="{FF2B5EF4-FFF2-40B4-BE49-F238E27FC236}">
-                <a16:creationId xmlns:a16="http://schemas.microsoft.com/office/drawing/2014/main" xmlns="" id="{8E1453EF-7DB3-E54F-9665-9C837DE98445}"/>
+                <a16:creationId xmlns:a16="http://schemas.microsoft.com/office/drawing/2014/main" id="{8E1453EF-7DB3-E54F-9665-9C837DE98445}"/>
               </a:ext>
             </a:extLst>
           </p:cNvPr>
@@ -16683,7 +16685,7 @@
           <p:cNvPr id="144" name="TextBox 143">
             <a:extLst>
               <a:ext uri="{FF2B5EF4-FFF2-40B4-BE49-F238E27FC236}">
-                <a16:creationId xmlns:a16="http://schemas.microsoft.com/office/drawing/2014/main" xmlns="" id="{F20B3218-9CCE-2145-9963-A12E6849F8D1}"/>
+                <a16:creationId xmlns:a16="http://schemas.microsoft.com/office/drawing/2014/main" id="{F20B3218-9CCE-2145-9963-A12E6849F8D1}"/>
               </a:ext>
             </a:extLst>
           </p:cNvPr>
@@ -16764,7 +16766,7 @@
           <p:cNvPr id="2" name="Rectangle 1">
             <a:extLst>
               <a:ext uri="{FF2B5EF4-FFF2-40B4-BE49-F238E27FC236}">
-                <a16:creationId xmlns:a16="http://schemas.microsoft.com/office/drawing/2014/main" xmlns="" id="{457F0C94-1AA0-1142-B814-A0B56C12F7AE}"/>
+                <a16:creationId xmlns:a16="http://schemas.microsoft.com/office/drawing/2014/main" id="{457F0C94-1AA0-1142-B814-A0B56C12F7AE}"/>
               </a:ext>
             </a:extLst>
           </p:cNvPr>
@@ -16805,7 +16807,7 @@
           <p:cNvPr id="3" name="Rounded Rectangular Callout 2">
             <a:extLst>
               <a:ext uri="{FF2B5EF4-FFF2-40B4-BE49-F238E27FC236}">
-                <a16:creationId xmlns:a16="http://schemas.microsoft.com/office/drawing/2014/main" xmlns="" id="{63DAE306-87BE-DC43-AD20-7EEF4394EF2D}"/>
+                <a16:creationId xmlns:a16="http://schemas.microsoft.com/office/drawing/2014/main" id="{63DAE306-87BE-DC43-AD20-7EEF4394EF2D}"/>
               </a:ext>
             </a:extLst>
           </p:cNvPr>
@@ -16852,7 +16854,7 @@
           <p:cNvPr id="4" name="TextBox 3">
             <a:extLst>
               <a:ext uri="{FF2B5EF4-FFF2-40B4-BE49-F238E27FC236}">
-                <a16:creationId xmlns:a16="http://schemas.microsoft.com/office/drawing/2014/main" xmlns="" id="{87A33B23-79D2-8C45-85BC-26BA3EBE5E09}"/>
+                <a16:creationId xmlns:a16="http://schemas.microsoft.com/office/drawing/2014/main" id="{87A33B23-79D2-8C45-85BC-26BA3EBE5E09}"/>
               </a:ext>
             </a:extLst>
           </p:cNvPr>
@@ -16933,7 +16935,7 @@
           <p:cNvPr id="63" name="TextBox 62">
             <a:extLst>
               <a:ext uri="{FF2B5EF4-FFF2-40B4-BE49-F238E27FC236}">
-                <a16:creationId xmlns:a16="http://schemas.microsoft.com/office/drawing/2014/main" xmlns="" id="{306CF3AF-E59E-8546-B957-80629FF6D5D6}"/>
+                <a16:creationId xmlns:a16="http://schemas.microsoft.com/office/drawing/2014/main" id="{306CF3AF-E59E-8546-B957-80629FF6D5D6}"/>
               </a:ext>
             </a:extLst>
           </p:cNvPr>
@@ -17014,7 +17016,7 @@
           <p:cNvPr id="65" name="TextBox 64">
             <a:extLst>
               <a:ext uri="{FF2B5EF4-FFF2-40B4-BE49-F238E27FC236}">
-                <a16:creationId xmlns:a16="http://schemas.microsoft.com/office/drawing/2014/main" xmlns="" id="{51EA37F3-23D9-7444-8208-BC61C81C897E}"/>
+                <a16:creationId xmlns:a16="http://schemas.microsoft.com/office/drawing/2014/main" id="{51EA37F3-23D9-7444-8208-BC61C81C897E}"/>
               </a:ext>
             </a:extLst>
           </p:cNvPr>
@@ -17095,7 +17097,7 @@
           <p:cNvPr id="66" name="TextBox 65">
             <a:extLst>
               <a:ext uri="{FF2B5EF4-FFF2-40B4-BE49-F238E27FC236}">
-                <a16:creationId xmlns:a16="http://schemas.microsoft.com/office/drawing/2014/main" xmlns="" id="{6C5C9E8F-6618-2548-8398-7834573A2827}"/>
+                <a16:creationId xmlns:a16="http://schemas.microsoft.com/office/drawing/2014/main" id="{6C5C9E8F-6618-2548-8398-7834573A2827}"/>
               </a:ext>
             </a:extLst>
           </p:cNvPr>
@@ -17181,7 +17183,7 @@
   <p:clrMapOvr>
     <a:masterClrMapping/>
   </p:clrMapOvr>
-  <p:transition xmlns:p14="http://schemas.microsoft.com/office/powerpoint/2010/main" spd="med"/>
+  <p:transition spd="med"/>
 </p:sld>
 </file>
 
@@ -17207,7 +17209,7 @@
           <p:cNvPr id="108" name="Rectangle 107">
             <a:extLst>
               <a:ext uri="{FF2B5EF4-FFF2-40B4-BE49-F238E27FC236}">
-                <a16:creationId xmlns:a16="http://schemas.microsoft.com/office/drawing/2014/main" xmlns="" id="{DD3A4E38-E7B5-F444-A041-B81D31F9BE1A}"/>
+                <a16:creationId xmlns:a16="http://schemas.microsoft.com/office/drawing/2014/main" id="{DD3A4E38-E7B5-F444-A041-B81D31F9BE1A}"/>
               </a:ext>
             </a:extLst>
           </p:cNvPr>
@@ -17252,7 +17254,7 @@
           <p:cNvPr id="141" name="Rectangle 140">
             <a:extLst>
               <a:ext uri="{FF2B5EF4-FFF2-40B4-BE49-F238E27FC236}">
-                <a16:creationId xmlns:a16="http://schemas.microsoft.com/office/drawing/2014/main" xmlns="" id="{3C097F3C-09AD-4C48-89F5-8F6682E2A9C7}"/>
+                <a16:creationId xmlns:a16="http://schemas.microsoft.com/office/drawing/2014/main" id="{3C097F3C-09AD-4C48-89F5-8F6682E2A9C7}"/>
               </a:ext>
             </a:extLst>
           </p:cNvPr>
@@ -17295,7 +17297,7 @@
           <p:cNvPr id="132" name="Rectangle 131">
             <a:extLst>
               <a:ext uri="{FF2B5EF4-FFF2-40B4-BE49-F238E27FC236}">
-                <a16:creationId xmlns:a16="http://schemas.microsoft.com/office/drawing/2014/main" xmlns="" id="{A4F70669-E49F-6042-AC95-A1CF22FC2F0E}"/>
+                <a16:creationId xmlns:a16="http://schemas.microsoft.com/office/drawing/2014/main" id="{A4F70669-E49F-6042-AC95-A1CF22FC2F0E}"/>
               </a:ext>
             </a:extLst>
           </p:cNvPr>
@@ -17338,7 +17340,7 @@
           <p:cNvPr id="46" name="Straight Connector 45">
             <a:extLst>
               <a:ext uri="{FF2B5EF4-FFF2-40B4-BE49-F238E27FC236}">
-                <a16:creationId xmlns:a16="http://schemas.microsoft.com/office/drawing/2014/main" xmlns="" id="{B3EF6D8D-E093-9C43-8F06-6465AF5A1A76}"/>
+                <a16:creationId xmlns:a16="http://schemas.microsoft.com/office/drawing/2014/main" id="{B3EF6D8D-E093-9C43-8F06-6465AF5A1A76}"/>
               </a:ext>
             </a:extLst>
           </p:cNvPr>
@@ -17387,7 +17389,7 @@
           <p:cNvPr id="105" name="Rectangle 104">
             <a:extLst>
               <a:ext uri="{FF2B5EF4-FFF2-40B4-BE49-F238E27FC236}">
-                <a16:creationId xmlns:a16="http://schemas.microsoft.com/office/drawing/2014/main" xmlns="" id="{416C123A-D118-B348-B68E-4541B0A407FB}"/>
+                <a16:creationId xmlns:a16="http://schemas.microsoft.com/office/drawing/2014/main" id="{416C123A-D118-B348-B68E-4541B0A407FB}"/>
               </a:ext>
             </a:extLst>
           </p:cNvPr>
@@ -17434,7 +17436,7 @@
           <p:cNvPr id="115" name="Straight Connector 114">
             <a:extLst>
               <a:ext uri="{FF2B5EF4-FFF2-40B4-BE49-F238E27FC236}">
-                <a16:creationId xmlns:a16="http://schemas.microsoft.com/office/drawing/2014/main" xmlns="" id="{8AC6BC2D-6C06-F541-9BC0-006845DF1EA7}"/>
+                <a16:creationId xmlns:a16="http://schemas.microsoft.com/office/drawing/2014/main" id="{8AC6BC2D-6C06-F541-9BC0-006845DF1EA7}"/>
               </a:ext>
             </a:extLst>
           </p:cNvPr>
@@ -17483,7 +17485,7 @@
           <p:cNvPr id="103" name="Rectangle 102">
             <a:extLst>
               <a:ext uri="{FF2B5EF4-FFF2-40B4-BE49-F238E27FC236}">
-                <a16:creationId xmlns:a16="http://schemas.microsoft.com/office/drawing/2014/main" xmlns="" id="{89D06888-A322-F944-B8CD-1354DB6E9863}"/>
+                <a16:creationId xmlns:a16="http://schemas.microsoft.com/office/drawing/2014/main" id="{89D06888-A322-F944-B8CD-1354DB6E9863}"/>
               </a:ext>
             </a:extLst>
           </p:cNvPr>
@@ -17526,7 +17528,7 @@
           <p:cNvPr id="97" name="Rectangle 96">
             <a:extLst>
               <a:ext uri="{FF2B5EF4-FFF2-40B4-BE49-F238E27FC236}">
-                <a16:creationId xmlns:a16="http://schemas.microsoft.com/office/drawing/2014/main" xmlns="" id="{C6F860F7-F7BF-E549-968B-81EB1B326379}"/>
+                <a16:creationId xmlns:a16="http://schemas.microsoft.com/office/drawing/2014/main" id="{C6F860F7-F7BF-E549-968B-81EB1B326379}"/>
               </a:ext>
             </a:extLst>
           </p:cNvPr>
@@ -17571,7 +17573,7 @@
           <p:cNvPr id="88" name="Rectangle 87">
             <a:extLst>
               <a:ext uri="{FF2B5EF4-FFF2-40B4-BE49-F238E27FC236}">
-                <a16:creationId xmlns:a16="http://schemas.microsoft.com/office/drawing/2014/main" xmlns="" id="{52568BAA-8263-FC4A-AB69-A9AE503EA338}"/>
+                <a16:creationId xmlns:a16="http://schemas.microsoft.com/office/drawing/2014/main" id="{52568BAA-8263-FC4A-AB69-A9AE503EA338}"/>
               </a:ext>
             </a:extLst>
           </p:cNvPr>
@@ -17640,7 +17642,7 @@
           <p:cNvPr id="47" name="Rectangle 46">
             <a:extLst>
               <a:ext uri="{FF2B5EF4-FFF2-40B4-BE49-F238E27FC236}">
-                <a16:creationId xmlns:a16="http://schemas.microsoft.com/office/drawing/2014/main" xmlns="" id="{962939E0-A05A-3A44-9ADE-6B594560263B}"/>
+                <a16:creationId xmlns:a16="http://schemas.microsoft.com/office/drawing/2014/main" id="{962939E0-A05A-3A44-9ADE-6B594560263B}"/>
               </a:ext>
             </a:extLst>
           </p:cNvPr>
@@ -17795,7 +17797,7 @@
             </a:ln>
             <a:extLst>
               <a:ext uri="{C572A759-6A51-4108-AA02-DFA0A04FC94B}">
-                <ma14:wrappingTextBoxFlag xmlns:ma14="http://schemas.microsoft.com/office/mac/drawingml/2011/main" val="1"/>
+                <ma14:wrappingTextBoxFlag xmlns:ma14="http://schemas.microsoft.com/office/mac/drawingml/2011/main" xmlns="" val="1"/>
               </a:ext>
             </a:extLst>
           </p:spPr>
@@ -18034,7 +18036,7 @@
           </a:ln>
           <a:extLst>
             <a:ext uri="{C572A759-6A51-4108-AA02-DFA0A04FC94B}">
-              <ma14:wrappingTextBoxFlag xmlns:ma14="http://schemas.microsoft.com/office/mac/drawingml/2011/main" val="1"/>
+              <ma14:wrappingTextBoxFlag xmlns:ma14="http://schemas.microsoft.com/office/mac/drawingml/2011/main" xmlns="" val="1"/>
             </a:ext>
           </a:extLst>
         </p:spPr>
@@ -18102,7 +18104,7 @@
           </a:ln>
           <a:extLst>
             <a:ext uri="{C572A759-6A51-4108-AA02-DFA0A04FC94B}">
-              <ma14:wrappingTextBoxFlag xmlns:ma14="http://schemas.microsoft.com/office/mac/drawingml/2011/main" val="1"/>
+              <ma14:wrappingTextBoxFlag xmlns:ma14="http://schemas.microsoft.com/office/mac/drawingml/2011/main" xmlns="" val="1"/>
             </a:ext>
           </a:extLst>
         </p:spPr>
@@ -18473,7 +18475,7 @@
             <a:effectLst/>
             <a:extLst>
               <a:ext uri="{C572A759-6A51-4108-AA02-DFA0A04FC94B}">
-                <ma14:wrappingTextBoxFlag xmlns:ma14="http://schemas.microsoft.com/office/mac/drawingml/2011/main" val="1"/>
+                <ma14:wrappingTextBoxFlag xmlns:ma14="http://schemas.microsoft.com/office/mac/drawingml/2011/main" xmlns="" val="1"/>
               </a:ext>
             </a:extLst>
           </p:spPr>
@@ -18564,7 +18566,7 @@
           <p:cNvPr id="188" name="Group 187">
             <a:extLst>
               <a:ext uri="{FF2B5EF4-FFF2-40B4-BE49-F238E27FC236}">
-                <a16:creationId xmlns:a16="http://schemas.microsoft.com/office/drawing/2014/main" xmlns="" id="{5938EDDB-B2B2-6642-9D20-6D7C5F9FED31}"/>
+                <a16:creationId xmlns:a16="http://schemas.microsoft.com/office/drawing/2014/main" id="{5938EDDB-B2B2-6642-9D20-6D7C5F9FED31}"/>
               </a:ext>
             </a:extLst>
           </p:cNvPr>
@@ -18584,7 +18586,7 @@
             <p:cNvPr id="189" name="Group 188">
               <a:extLst>
                 <a:ext uri="{FF2B5EF4-FFF2-40B4-BE49-F238E27FC236}">
-                  <a16:creationId xmlns:a16="http://schemas.microsoft.com/office/drawing/2014/main" xmlns="" id="{3527AD53-90A2-7D45-A4B7-509C2FD1C32F}"/>
+                  <a16:creationId xmlns:a16="http://schemas.microsoft.com/office/drawing/2014/main" id="{3527AD53-90A2-7D45-A4B7-509C2FD1C32F}"/>
                 </a:ext>
               </a:extLst>
             </p:cNvPr>
@@ -18604,7 +18606,7 @@
               <p:cNvPr id="191" name="Oval 190">
                 <a:extLst>
                   <a:ext uri="{FF2B5EF4-FFF2-40B4-BE49-F238E27FC236}">
-                    <a16:creationId xmlns:a16="http://schemas.microsoft.com/office/drawing/2014/main" xmlns="" id="{38BE8895-77F2-3F48-BDC0-E7E0559BA7AD}"/>
+                    <a16:creationId xmlns:a16="http://schemas.microsoft.com/office/drawing/2014/main" id="{38BE8895-77F2-3F48-BDC0-E7E0559BA7AD}"/>
                   </a:ext>
                 </a:extLst>
               </p:cNvPr>
@@ -18660,7 +18662,7 @@
               <p:cNvPr id="192" name="Picture 191">
                 <a:extLst>
                   <a:ext uri="{FF2B5EF4-FFF2-40B4-BE49-F238E27FC236}">
-                    <a16:creationId xmlns:a16="http://schemas.microsoft.com/office/drawing/2014/main" xmlns="" id="{1E774A8B-C5DB-534E-8EE3-5D936B2F1BDA}"/>
+                    <a16:creationId xmlns:a16="http://schemas.microsoft.com/office/drawing/2014/main" id="{1E774A8B-C5DB-534E-8EE3-5D936B2F1BDA}"/>
                   </a:ext>
                 </a:extLst>
               </p:cNvPr>
@@ -18697,7 +18699,7 @@
             <p:cNvPr id="190" name="Shape 576">
               <a:extLst>
                 <a:ext uri="{FF2B5EF4-FFF2-40B4-BE49-F238E27FC236}">
-                  <a16:creationId xmlns:a16="http://schemas.microsoft.com/office/drawing/2014/main" xmlns="" id="{8D66F62C-0857-0C4E-B8A3-3F8DBC721692}"/>
+                  <a16:creationId xmlns:a16="http://schemas.microsoft.com/office/drawing/2014/main" id="{8D66F62C-0857-0C4E-B8A3-3F8DBC721692}"/>
                 </a:ext>
               </a:extLst>
             </p:cNvPr>
@@ -18717,7 +18719,7 @@
             </a:ln>
             <a:extLst>
               <a:ext uri="{C572A759-6A51-4108-AA02-DFA0A04FC94B}">
-                <ma14:wrappingTextBoxFlag xmlns:ma14="http://schemas.microsoft.com/office/mac/drawingml/2011/main" val="1"/>
+                <ma14:wrappingTextBoxFlag xmlns:ma14="http://schemas.microsoft.com/office/mac/drawingml/2011/main" xmlns="" val="1"/>
               </a:ext>
             </a:extLst>
           </p:spPr>
@@ -18930,7 +18932,7 @@
           </a:ln>
           <a:extLst>
             <a:ext uri="{C572A759-6A51-4108-AA02-DFA0A04FC94B}">
-              <ma14:wrappingTextBoxFlag xmlns:ma14="http://schemas.microsoft.com/office/mac/drawingml/2011/main" val="1"/>
+              <ma14:wrappingTextBoxFlag xmlns:ma14="http://schemas.microsoft.com/office/mac/drawingml/2011/main" xmlns="" val="1"/>
             </a:ext>
           </a:extLst>
         </p:spPr>
@@ -19219,7 +19221,7 @@
           <p:cNvPr id="58" name="Picture 57">
             <a:extLst>
               <a:ext uri="{FF2B5EF4-FFF2-40B4-BE49-F238E27FC236}">
-                <a16:creationId xmlns:a16="http://schemas.microsoft.com/office/drawing/2014/main" xmlns="" id="{66E030FF-10BA-3E4A-9604-7ADABD19B5C7}"/>
+                <a16:creationId xmlns:a16="http://schemas.microsoft.com/office/drawing/2014/main" id="{66E030FF-10BA-3E4A-9604-7ADABD19B5C7}"/>
               </a:ext>
             </a:extLst>
           </p:cNvPr>
@@ -19249,7 +19251,7 @@
           <p:cNvPr id="64" name="Straight Connector 63">
             <a:extLst>
               <a:ext uri="{FF2B5EF4-FFF2-40B4-BE49-F238E27FC236}">
-                <a16:creationId xmlns:a16="http://schemas.microsoft.com/office/drawing/2014/main" xmlns="" id="{7A922166-BCEA-2342-A0C7-D9B6D48E76B5}"/>
+                <a16:creationId xmlns:a16="http://schemas.microsoft.com/office/drawing/2014/main" id="{7A922166-BCEA-2342-A0C7-D9B6D48E76B5}"/>
               </a:ext>
             </a:extLst>
           </p:cNvPr>
@@ -19298,7 +19300,7 @@
           <p:cNvPr id="83" name="Straight Connector 82">
             <a:extLst>
               <a:ext uri="{FF2B5EF4-FFF2-40B4-BE49-F238E27FC236}">
-                <a16:creationId xmlns:a16="http://schemas.microsoft.com/office/drawing/2014/main" xmlns="" id="{BA3AC09A-2568-7A40-8619-27C921ACE99B}"/>
+                <a16:creationId xmlns:a16="http://schemas.microsoft.com/office/drawing/2014/main" id="{BA3AC09A-2568-7A40-8619-27C921ACE99B}"/>
               </a:ext>
             </a:extLst>
           </p:cNvPr>
@@ -19346,7 +19348,7 @@
           <p:cNvPr id="100" name="TextBox 99">
             <a:extLst>
               <a:ext uri="{FF2B5EF4-FFF2-40B4-BE49-F238E27FC236}">
-                <a16:creationId xmlns:a16="http://schemas.microsoft.com/office/drawing/2014/main" xmlns="" id="{3C80F502-9384-CB47-BE5F-B15677F163F5}"/>
+                <a16:creationId xmlns:a16="http://schemas.microsoft.com/office/drawing/2014/main" id="{3C80F502-9384-CB47-BE5F-B15677F163F5}"/>
               </a:ext>
             </a:extLst>
           </p:cNvPr>
@@ -19427,7 +19429,7 @@
           <p:cNvPr id="102" name="TextBox 101">
             <a:extLst>
               <a:ext uri="{FF2B5EF4-FFF2-40B4-BE49-F238E27FC236}">
-                <a16:creationId xmlns:a16="http://schemas.microsoft.com/office/drawing/2014/main" xmlns="" id="{049DDE7D-2EFF-7541-B9F7-19BEEA5515BE}"/>
+                <a16:creationId xmlns:a16="http://schemas.microsoft.com/office/drawing/2014/main" id="{049DDE7D-2EFF-7541-B9F7-19BEEA5515BE}"/>
               </a:ext>
             </a:extLst>
           </p:cNvPr>
@@ -19508,7 +19510,7 @@
           <p:cNvPr id="107" name="TextBox 106">
             <a:extLst>
               <a:ext uri="{FF2B5EF4-FFF2-40B4-BE49-F238E27FC236}">
-                <a16:creationId xmlns:a16="http://schemas.microsoft.com/office/drawing/2014/main" xmlns="" id="{F073A3D8-220E-7144-A600-F0641A71F37F}"/>
+                <a16:creationId xmlns:a16="http://schemas.microsoft.com/office/drawing/2014/main" id="{F073A3D8-220E-7144-A600-F0641A71F37F}"/>
               </a:ext>
             </a:extLst>
           </p:cNvPr>
@@ -19589,7 +19591,7 @@
           <p:cNvPr id="109" name="TextBox 108">
             <a:extLst>
               <a:ext uri="{FF2B5EF4-FFF2-40B4-BE49-F238E27FC236}">
-                <a16:creationId xmlns:a16="http://schemas.microsoft.com/office/drawing/2014/main" xmlns="" id="{E4BD00C3-AD29-1848-B72C-ABB297C80A44}"/>
+                <a16:creationId xmlns:a16="http://schemas.microsoft.com/office/drawing/2014/main" id="{E4BD00C3-AD29-1848-B72C-ABB297C80A44}"/>
               </a:ext>
             </a:extLst>
           </p:cNvPr>
@@ -19671,7 +19673,7 @@
           <p:cNvPr id="67" name="Picture 66">
             <a:extLst>
               <a:ext uri="{FF2B5EF4-FFF2-40B4-BE49-F238E27FC236}">
-                <a16:creationId xmlns:a16="http://schemas.microsoft.com/office/drawing/2014/main" xmlns="" id="{2CBB9EC6-1F4D-A544-B955-509A162728C6}"/>
+                <a16:creationId xmlns:a16="http://schemas.microsoft.com/office/drawing/2014/main" id="{2CBB9EC6-1F4D-A544-B955-509A162728C6}"/>
               </a:ext>
             </a:extLst>
           </p:cNvPr>
@@ -19707,7 +19709,7 @@
           <p:cNvPr id="116" name="Straight Connector 115">
             <a:extLst>
               <a:ext uri="{FF2B5EF4-FFF2-40B4-BE49-F238E27FC236}">
-                <a16:creationId xmlns:a16="http://schemas.microsoft.com/office/drawing/2014/main" xmlns="" id="{5DA5D267-4395-9C48-8B25-87844AB53687}"/>
+                <a16:creationId xmlns:a16="http://schemas.microsoft.com/office/drawing/2014/main" id="{5DA5D267-4395-9C48-8B25-87844AB53687}"/>
               </a:ext>
             </a:extLst>
           </p:cNvPr>
@@ -19754,7 +19756,7 @@
           <p:cNvPr id="119" name="TextBox 118">
             <a:extLst>
               <a:ext uri="{FF2B5EF4-FFF2-40B4-BE49-F238E27FC236}">
-                <a16:creationId xmlns:a16="http://schemas.microsoft.com/office/drawing/2014/main" xmlns="" id="{2A942E01-9F5A-F646-B3ED-A608F871CF24}"/>
+                <a16:creationId xmlns:a16="http://schemas.microsoft.com/office/drawing/2014/main" id="{2A942E01-9F5A-F646-B3ED-A608F871CF24}"/>
               </a:ext>
             </a:extLst>
           </p:cNvPr>
@@ -19835,7 +19837,7 @@
           <p:cNvPr id="79" name="Picture 78">
             <a:extLst>
               <a:ext uri="{FF2B5EF4-FFF2-40B4-BE49-F238E27FC236}">
-                <a16:creationId xmlns:a16="http://schemas.microsoft.com/office/drawing/2014/main" xmlns="" id="{702BB94C-F70C-5E4B-94D9-B69FE9F302C8}"/>
+                <a16:creationId xmlns:a16="http://schemas.microsoft.com/office/drawing/2014/main" id="{702BB94C-F70C-5E4B-94D9-B69FE9F302C8}"/>
               </a:ext>
             </a:extLst>
           </p:cNvPr>
@@ -19871,7 +19873,7 @@
           <p:cNvPr id="131" name="Straight Connector 130">
             <a:extLst>
               <a:ext uri="{FF2B5EF4-FFF2-40B4-BE49-F238E27FC236}">
-                <a16:creationId xmlns:a16="http://schemas.microsoft.com/office/drawing/2014/main" xmlns="" id="{EA8E957C-3AA4-2547-B191-BA32AA3F3AF2}"/>
+                <a16:creationId xmlns:a16="http://schemas.microsoft.com/office/drawing/2014/main" id="{EA8E957C-3AA4-2547-B191-BA32AA3F3AF2}"/>
               </a:ext>
             </a:extLst>
           </p:cNvPr>
@@ -19919,7 +19921,7 @@
           <p:cNvPr id="134" name="Straight Connector 133">
             <a:extLst>
               <a:ext uri="{FF2B5EF4-FFF2-40B4-BE49-F238E27FC236}">
-                <a16:creationId xmlns:a16="http://schemas.microsoft.com/office/drawing/2014/main" xmlns="" id="{5BE986ED-64D7-A046-BE28-021C8C920B48}"/>
+                <a16:creationId xmlns:a16="http://schemas.microsoft.com/office/drawing/2014/main" id="{5BE986ED-64D7-A046-BE28-021C8C920B48}"/>
               </a:ext>
             </a:extLst>
           </p:cNvPr>
@@ -19967,7 +19969,7 @@
           <p:cNvPr id="138" name="Straight Connector 137">
             <a:extLst>
               <a:ext uri="{FF2B5EF4-FFF2-40B4-BE49-F238E27FC236}">
-                <a16:creationId xmlns:a16="http://schemas.microsoft.com/office/drawing/2014/main" xmlns="" id="{8E1453EF-7DB3-E54F-9665-9C837DE98445}"/>
+                <a16:creationId xmlns:a16="http://schemas.microsoft.com/office/drawing/2014/main" id="{8E1453EF-7DB3-E54F-9665-9C837DE98445}"/>
               </a:ext>
             </a:extLst>
           </p:cNvPr>
@@ -20014,7 +20016,7 @@
           <p:cNvPr id="144" name="TextBox 143">
             <a:extLst>
               <a:ext uri="{FF2B5EF4-FFF2-40B4-BE49-F238E27FC236}">
-                <a16:creationId xmlns:a16="http://schemas.microsoft.com/office/drawing/2014/main" xmlns="" id="{F20B3218-9CCE-2145-9963-A12E6849F8D1}"/>
+                <a16:creationId xmlns:a16="http://schemas.microsoft.com/office/drawing/2014/main" id="{F20B3218-9CCE-2145-9963-A12E6849F8D1}"/>
               </a:ext>
             </a:extLst>
           </p:cNvPr>
@@ -20095,7 +20097,7 @@
           <p:cNvPr id="2" name="Rectangle 1">
             <a:extLst>
               <a:ext uri="{FF2B5EF4-FFF2-40B4-BE49-F238E27FC236}">
-                <a16:creationId xmlns:a16="http://schemas.microsoft.com/office/drawing/2014/main" xmlns="" id="{457F0C94-1AA0-1142-B814-A0B56C12F7AE}"/>
+                <a16:creationId xmlns:a16="http://schemas.microsoft.com/office/drawing/2014/main" id="{457F0C94-1AA0-1142-B814-A0B56C12F7AE}"/>
               </a:ext>
             </a:extLst>
           </p:cNvPr>
@@ -20136,7 +20138,7 @@
           <p:cNvPr id="61" name="Rounded Rectangular Callout 60">
             <a:extLst>
               <a:ext uri="{FF2B5EF4-FFF2-40B4-BE49-F238E27FC236}">
-                <a16:creationId xmlns:a16="http://schemas.microsoft.com/office/drawing/2014/main" xmlns="" id="{D7E99A70-5439-BF45-8269-EEE528805121}"/>
+                <a16:creationId xmlns:a16="http://schemas.microsoft.com/office/drawing/2014/main" id="{D7E99A70-5439-BF45-8269-EEE528805121}"/>
               </a:ext>
             </a:extLst>
           </p:cNvPr>
@@ -20183,7 +20185,7 @@
           <p:cNvPr id="62" name="TextBox 61">
             <a:extLst>
               <a:ext uri="{FF2B5EF4-FFF2-40B4-BE49-F238E27FC236}">
-                <a16:creationId xmlns:a16="http://schemas.microsoft.com/office/drawing/2014/main" xmlns="" id="{B2FA279C-2389-314F-96A0-75C391BCED42}"/>
+                <a16:creationId xmlns:a16="http://schemas.microsoft.com/office/drawing/2014/main" id="{B2FA279C-2389-314F-96A0-75C391BCED42}"/>
               </a:ext>
             </a:extLst>
           </p:cNvPr>
@@ -20264,7 +20266,7 @@
           <p:cNvPr id="63" name="TextBox 62">
             <a:extLst>
               <a:ext uri="{FF2B5EF4-FFF2-40B4-BE49-F238E27FC236}">
-                <a16:creationId xmlns:a16="http://schemas.microsoft.com/office/drawing/2014/main" xmlns="" id="{B966C2C0-42A7-EB4F-A310-A4BBAE52C667}"/>
+                <a16:creationId xmlns:a16="http://schemas.microsoft.com/office/drawing/2014/main" id="{B966C2C0-42A7-EB4F-A310-A4BBAE52C667}"/>
               </a:ext>
             </a:extLst>
           </p:cNvPr>
@@ -20345,7 +20347,7 @@
           <p:cNvPr id="65" name="TextBox 64">
             <a:extLst>
               <a:ext uri="{FF2B5EF4-FFF2-40B4-BE49-F238E27FC236}">
-                <a16:creationId xmlns:a16="http://schemas.microsoft.com/office/drawing/2014/main" xmlns="" id="{1C0E4A92-BCD0-6041-8850-A0E492A35FB0}"/>
+                <a16:creationId xmlns:a16="http://schemas.microsoft.com/office/drawing/2014/main" id="{1C0E4A92-BCD0-6041-8850-A0E492A35FB0}"/>
               </a:ext>
             </a:extLst>
           </p:cNvPr>
@@ -20426,7 +20428,7 @@
           <p:cNvPr id="66" name="TextBox 65">
             <a:extLst>
               <a:ext uri="{FF2B5EF4-FFF2-40B4-BE49-F238E27FC236}">
-                <a16:creationId xmlns:a16="http://schemas.microsoft.com/office/drawing/2014/main" xmlns="" id="{42CA0D39-3AE2-874C-865B-36176AF42CCD}"/>
+                <a16:creationId xmlns:a16="http://schemas.microsoft.com/office/drawing/2014/main" id="{42CA0D39-3AE2-874C-865B-36176AF42CCD}"/>
               </a:ext>
             </a:extLst>
           </p:cNvPr>
@@ -20512,7 +20514,7 @@
   <p:clrMapOvr>
     <a:masterClrMapping/>
   </p:clrMapOvr>
-  <p:transition xmlns:p14="http://schemas.microsoft.com/office/powerpoint/2010/main" spd="med"/>
+  <p:transition spd="med"/>
 </p:sld>
 </file>
 
@@ -20538,7 +20540,7 @@
           <p:cNvPr id="108" name="Rectangle 107">
             <a:extLst>
               <a:ext uri="{FF2B5EF4-FFF2-40B4-BE49-F238E27FC236}">
-                <a16:creationId xmlns:a16="http://schemas.microsoft.com/office/drawing/2014/main" xmlns="" id="{DD3A4E38-E7B5-F444-A041-B81D31F9BE1A}"/>
+                <a16:creationId xmlns:a16="http://schemas.microsoft.com/office/drawing/2014/main" id="{DD3A4E38-E7B5-F444-A041-B81D31F9BE1A}"/>
               </a:ext>
             </a:extLst>
           </p:cNvPr>
@@ -20583,7 +20585,7 @@
           <p:cNvPr id="141" name="Rectangle 140">
             <a:extLst>
               <a:ext uri="{FF2B5EF4-FFF2-40B4-BE49-F238E27FC236}">
-                <a16:creationId xmlns:a16="http://schemas.microsoft.com/office/drawing/2014/main" xmlns="" id="{3C097F3C-09AD-4C48-89F5-8F6682E2A9C7}"/>
+                <a16:creationId xmlns:a16="http://schemas.microsoft.com/office/drawing/2014/main" id="{3C097F3C-09AD-4C48-89F5-8F6682E2A9C7}"/>
               </a:ext>
             </a:extLst>
           </p:cNvPr>
@@ -20626,7 +20628,7 @@
           <p:cNvPr id="132" name="Rectangle 131">
             <a:extLst>
               <a:ext uri="{FF2B5EF4-FFF2-40B4-BE49-F238E27FC236}">
-                <a16:creationId xmlns:a16="http://schemas.microsoft.com/office/drawing/2014/main" xmlns="" id="{A4F70669-E49F-6042-AC95-A1CF22FC2F0E}"/>
+                <a16:creationId xmlns:a16="http://schemas.microsoft.com/office/drawing/2014/main" id="{A4F70669-E49F-6042-AC95-A1CF22FC2F0E}"/>
               </a:ext>
             </a:extLst>
           </p:cNvPr>
@@ -20669,7 +20671,7 @@
           <p:cNvPr id="46" name="Straight Connector 45">
             <a:extLst>
               <a:ext uri="{FF2B5EF4-FFF2-40B4-BE49-F238E27FC236}">
-                <a16:creationId xmlns:a16="http://schemas.microsoft.com/office/drawing/2014/main" xmlns="" id="{B3EF6D8D-E093-9C43-8F06-6465AF5A1A76}"/>
+                <a16:creationId xmlns:a16="http://schemas.microsoft.com/office/drawing/2014/main" id="{B3EF6D8D-E093-9C43-8F06-6465AF5A1A76}"/>
               </a:ext>
             </a:extLst>
           </p:cNvPr>
@@ -20718,7 +20720,7 @@
           <p:cNvPr id="105" name="Rectangle 104">
             <a:extLst>
               <a:ext uri="{FF2B5EF4-FFF2-40B4-BE49-F238E27FC236}">
-                <a16:creationId xmlns:a16="http://schemas.microsoft.com/office/drawing/2014/main" xmlns="" id="{416C123A-D118-B348-B68E-4541B0A407FB}"/>
+                <a16:creationId xmlns:a16="http://schemas.microsoft.com/office/drawing/2014/main" id="{416C123A-D118-B348-B68E-4541B0A407FB}"/>
               </a:ext>
             </a:extLst>
           </p:cNvPr>
@@ -20765,7 +20767,7 @@
           <p:cNvPr id="115" name="Straight Connector 114">
             <a:extLst>
               <a:ext uri="{FF2B5EF4-FFF2-40B4-BE49-F238E27FC236}">
-                <a16:creationId xmlns:a16="http://schemas.microsoft.com/office/drawing/2014/main" xmlns="" id="{8AC6BC2D-6C06-F541-9BC0-006845DF1EA7}"/>
+                <a16:creationId xmlns:a16="http://schemas.microsoft.com/office/drawing/2014/main" id="{8AC6BC2D-6C06-F541-9BC0-006845DF1EA7}"/>
               </a:ext>
             </a:extLst>
           </p:cNvPr>
@@ -20814,7 +20816,7 @@
           <p:cNvPr id="103" name="Rectangle 102">
             <a:extLst>
               <a:ext uri="{FF2B5EF4-FFF2-40B4-BE49-F238E27FC236}">
-                <a16:creationId xmlns:a16="http://schemas.microsoft.com/office/drawing/2014/main" xmlns="" id="{89D06888-A322-F944-B8CD-1354DB6E9863}"/>
+                <a16:creationId xmlns:a16="http://schemas.microsoft.com/office/drawing/2014/main" id="{89D06888-A322-F944-B8CD-1354DB6E9863}"/>
               </a:ext>
             </a:extLst>
           </p:cNvPr>
@@ -20857,7 +20859,7 @@
           <p:cNvPr id="88" name="Rectangle 87">
             <a:extLst>
               <a:ext uri="{FF2B5EF4-FFF2-40B4-BE49-F238E27FC236}">
-                <a16:creationId xmlns:a16="http://schemas.microsoft.com/office/drawing/2014/main" xmlns="" id="{52568BAA-8263-FC4A-AB69-A9AE503EA338}"/>
+                <a16:creationId xmlns:a16="http://schemas.microsoft.com/office/drawing/2014/main" id="{52568BAA-8263-FC4A-AB69-A9AE503EA338}"/>
               </a:ext>
             </a:extLst>
           </p:cNvPr>
@@ -20926,7 +20928,7 @@
           <p:cNvPr id="47" name="Rectangle 46">
             <a:extLst>
               <a:ext uri="{FF2B5EF4-FFF2-40B4-BE49-F238E27FC236}">
-                <a16:creationId xmlns:a16="http://schemas.microsoft.com/office/drawing/2014/main" xmlns="" id="{962939E0-A05A-3A44-9ADE-6B594560263B}"/>
+                <a16:creationId xmlns:a16="http://schemas.microsoft.com/office/drawing/2014/main" id="{962939E0-A05A-3A44-9ADE-6B594560263B}"/>
               </a:ext>
             </a:extLst>
           </p:cNvPr>
@@ -21081,7 +21083,7 @@
             </a:ln>
             <a:extLst>
               <a:ext uri="{C572A759-6A51-4108-AA02-DFA0A04FC94B}">
-                <ma14:wrappingTextBoxFlag xmlns:ma14="http://schemas.microsoft.com/office/mac/drawingml/2011/main" val="1"/>
+                <ma14:wrappingTextBoxFlag xmlns:ma14="http://schemas.microsoft.com/office/mac/drawingml/2011/main" xmlns="" val="1"/>
               </a:ext>
             </a:extLst>
           </p:spPr>
@@ -21320,7 +21322,7 @@
           </a:ln>
           <a:extLst>
             <a:ext uri="{C572A759-6A51-4108-AA02-DFA0A04FC94B}">
-              <ma14:wrappingTextBoxFlag xmlns:ma14="http://schemas.microsoft.com/office/mac/drawingml/2011/main" val="1"/>
+              <ma14:wrappingTextBoxFlag xmlns:ma14="http://schemas.microsoft.com/office/mac/drawingml/2011/main" xmlns="" val="1"/>
             </a:ext>
           </a:extLst>
         </p:spPr>
@@ -21388,7 +21390,7 @@
           </a:ln>
           <a:extLst>
             <a:ext uri="{C572A759-6A51-4108-AA02-DFA0A04FC94B}">
-              <ma14:wrappingTextBoxFlag xmlns:ma14="http://schemas.microsoft.com/office/mac/drawingml/2011/main" val="1"/>
+              <ma14:wrappingTextBoxFlag xmlns:ma14="http://schemas.microsoft.com/office/mac/drawingml/2011/main" xmlns="" val="1"/>
             </a:ext>
           </a:extLst>
         </p:spPr>
@@ -21759,7 +21761,7 @@
             <a:effectLst/>
             <a:extLst>
               <a:ext uri="{C572A759-6A51-4108-AA02-DFA0A04FC94B}">
-                <ma14:wrappingTextBoxFlag xmlns:ma14="http://schemas.microsoft.com/office/mac/drawingml/2011/main" val="1"/>
+                <ma14:wrappingTextBoxFlag xmlns:ma14="http://schemas.microsoft.com/office/mac/drawingml/2011/main" xmlns="" val="1"/>
               </a:ext>
             </a:extLst>
           </p:spPr>
@@ -21850,7 +21852,7 @@
           <p:cNvPr id="188" name="Group 187">
             <a:extLst>
               <a:ext uri="{FF2B5EF4-FFF2-40B4-BE49-F238E27FC236}">
-                <a16:creationId xmlns:a16="http://schemas.microsoft.com/office/drawing/2014/main" xmlns="" id="{5938EDDB-B2B2-6642-9D20-6D7C5F9FED31}"/>
+                <a16:creationId xmlns:a16="http://schemas.microsoft.com/office/drawing/2014/main" id="{5938EDDB-B2B2-6642-9D20-6D7C5F9FED31}"/>
               </a:ext>
             </a:extLst>
           </p:cNvPr>
@@ -21870,7 +21872,7 @@
             <p:cNvPr id="189" name="Group 188">
               <a:extLst>
                 <a:ext uri="{FF2B5EF4-FFF2-40B4-BE49-F238E27FC236}">
-                  <a16:creationId xmlns:a16="http://schemas.microsoft.com/office/drawing/2014/main" xmlns="" id="{3527AD53-90A2-7D45-A4B7-509C2FD1C32F}"/>
+                  <a16:creationId xmlns:a16="http://schemas.microsoft.com/office/drawing/2014/main" id="{3527AD53-90A2-7D45-A4B7-509C2FD1C32F}"/>
                 </a:ext>
               </a:extLst>
             </p:cNvPr>
@@ -21890,7 +21892,7 @@
               <p:cNvPr id="191" name="Oval 190">
                 <a:extLst>
                   <a:ext uri="{FF2B5EF4-FFF2-40B4-BE49-F238E27FC236}">
-                    <a16:creationId xmlns:a16="http://schemas.microsoft.com/office/drawing/2014/main" xmlns="" id="{38BE8895-77F2-3F48-BDC0-E7E0559BA7AD}"/>
+                    <a16:creationId xmlns:a16="http://schemas.microsoft.com/office/drawing/2014/main" id="{38BE8895-77F2-3F48-BDC0-E7E0559BA7AD}"/>
                   </a:ext>
                 </a:extLst>
               </p:cNvPr>
@@ -21946,7 +21948,7 @@
               <p:cNvPr id="192" name="Picture 191">
                 <a:extLst>
                   <a:ext uri="{FF2B5EF4-FFF2-40B4-BE49-F238E27FC236}">
-                    <a16:creationId xmlns:a16="http://schemas.microsoft.com/office/drawing/2014/main" xmlns="" id="{1E774A8B-C5DB-534E-8EE3-5D936B2F1BDA}"/>
+                    <a16:creationId xmlns:a16="http://schemas.microsoft.com/office/drawing/2014/main" id="{1E774A8B-C5DB-534E-8EE3-5D936B2F1BDA}"/>
                   </a:ext>
                 </a:extLst>
               </p:cNvPr>
@@ -21983,7 +21985,7 @@
             <p:cNvPr id="190" name="Shape 576">
               <a:extLst>
                 <a:ext uri="{FF2B5EF4-FFF2-40B4-BE49-F238E27FC236}">
-                  <a16:creationId xmlns:a16="http://schemas.microsoft.com/office/drawing/2014/main" xmlns="" id="{8D66F62C-0857-0C4E-B8A3-3F8DBC721692}"/>
+                  <a16:creationId xmlns:a16="http://schemas.microsoft.com/office/drawing/2014/main" id="{8D66F62C-0857-0C4E-B8A3-3F8DBC721692}"/>
                 </a:ext>
               </a:extLst>
             </p:cNvPr>
@@ -22003,7 +22005,7 @@
             </a:ln>
             <a:extLst>
               <a:ext uri="{C572A759-6A51-4108-AA02-DFA0A04FC94B}">
-                <ma14:wrappingTextBoxFlag xmlns:ma14="http://schemas.microsoft.com/office/mac/drawingml/2011/main" val="1"/>
+                <ma14:wrappingTextBoxFlag xmlns:ma14="http://schemas.microsoft.com/office/mac/drawingml/2011/main" xmlns="" val="1"/>
               </a:ext>
             </a:extLst>
           </p:spPr>
@@ -22139,7 +22141,7 @@
           </a:ln>
           <a:extLst>
             <a:ext uri="{C572A759-6A51-4108-AA02-DFA0A04FC94B}">
-              <ma14:wrappingTextBoxFlag xmlns:ma14="http://schemas.microsoft.com/office/mac/drawingml/2011/main" val="1"/>
+              <ma14:wrappingTextBoxFlag xmlns:ma14="http://schemas.microsoft.com/office/mac/drawingml/2011/main" xmlns="" val="1"/>
             </a:ext>
           </a:extLst>
         </p:spPr>
@@ -22428,7 +22430,7 @@
           <p:cNvPr id="58" name="Picture 57">
             <a:extLst>
               <a:ext uri="{FF2B5EF4-FFF2-40B4-BE49-F238E27FC236}">
-                <a16:creationId xmlns:a16="http://schemas.microsoft.com/office/drawing/2014/main" xmlns="" id="{66E030FF-10BA-3E4A-9604-7ADABD19B5C7}"/>
+                <a16:creationId xmlns:a16="http://schemas.microsoft.com/office/drawing/2014/main" id="{66E030FF-10BA-3E4A-9604-7ADABD19B5C7}"/>
               </a:ext>
             </a:extLst>
           </p:cNvPr>
@@ -22458,7 +22460,7 @@
           <p:cNvPr id="64" name="Straight Connector 63">
             <a:extLst>
               <a:ext uri="{FF2B5EF4-FFF2-40B4-BE49-F238E27FC236}">
-                <a16:creationId xmlns:a16="http://schemas.microsoft.com/office/drawing/2014/main" xmlns="" id="{7A922166-BCEA-2342-A0C7-D9B6D48E76B5}"/>
+                <a16:creationId xmlns:a16="http://schemas.microsoft.com/office/drawing/2014/main" id="{7A922166-BCEA-2342-A0C7-D9B6D48E76B5}"/>
               </a:ext>
             </a:extLst>
           </p:cNvPr>
@@ -22506,7 +22508,7 @@
           <p:cNvPr id="102" name="TextBox 101">
             <a:extLst>
               <a:ext uri="{FF2B5EF4-FFF2-40B4-BE49-F238E27FC236}">
-                <a16:creationId xmlns:a16="http://schemas.microsoft.com/office/drawing/2014/main" xmlns="" id="{049DDE7D-2EFF-7541-B9F7-19BEEA5515BE}"/>
+                <a16:creationId xmlns:a16="http://schemas.microsoft.com/office/drawing/2014/main" id="{049DDE7D-2EFF-7541-B9F7-19BEEA5515BE}"/>
               </a:ext>
             </a:extLst>
           </p:cNvPr>
@@ -22587,7 +22589,7 @@
           <p:cNvPr id="107" name="TextBox 106">
             <a:extLst>
               <a:ext uri="{FF2B5EF4-FFF2-40B4-BE49-F238E27FC236}">
-                <a16:creationId xmlns:a16="http://schemas.microsoft.com/office/drawing/2014/main" xmlns="" id="{F073A3D8-220E-7144-A600-F0641A71F37F}"/>
+                <a16:creationId xmlns:a16="http://schemas.microsoft.com/office/drawing/2014/main" id="{F073A3D8-220E-7144-A600-F0641A71F37F}"/>
               </a:ext>
             </a:extLst>
           </p:cNvPr>
@@ -22668,7 +22670,7 @@
           <p:cNvPr id="109" name="TextBox 108">
             <a:extLst>
               <a:ext uri="{FF2B5EF4-FFF2-40B4-BE49-F238E27FC236}">
-                <a16:creationId xmlns:a16="http://schemas.microsoft.com/office/drawing/2014/main" xmlns="" id="{E4BD00C3-AD29-1848-B72C-ABB297C80A44}"/>
+                <a16:creationId xmlns:a16="http://schemas.microsoft.com/office/drawing/2014/main" id="{E4BD00C3-AD29-1848-B72C-ABB297C80A44}"/>
               </a:ext>
             </a:extLst>
           </p:cNvPr>
@@ -22750,7 +22752,7 @@
           <p:cNvPr id="67" name="Picture 66">
             <a:extLst>
               <a:ext uri="{FF2B5EF4-FFF2-40B4-BE49-F238E27FC236}">
-                <a16:creationId xmlns:a16="http://schemas.microsoft.com/office/drawing/2014/main" xmlns="" id="{2CBB9EC6-1F4D-A544-B955-509A162728C6}"/>
+                <a16:creationId xmlns:a16="http://schemas.microsoft.com/office/drawing/2014/main" id="{2CBB9EC6-1F4D-A544-B955-509A162728C6}"/>
               </a:ext>
             </a:extLst>
           </p:cNvPr>
@@ -22786,7 +22788,7 @@
           <p:cNvPr id="116" name="Straight Connector 115">
             <a:extLst>
               <a:ext uri="{FF2B5EF4-FFF2-40B4-BE49-F238E27FC236}">
-                <a16:creationId xmlns:a16="http://schemas.microsoft.com/office/drawing/2014/main" xmlns="" id="{5DA5D267-4395-9C48-8B25-87844AB53687}"/>
+                <a16:creationId xmlns:a16="http://schemas.microsoft.com/office/drawing/2014/main" id="{5DA5D267-4395-9C48-8B25-87844AB53687}"/>
               </a:ext>
             </a:extLst>
           </p:cNvPr>
@@ -22833,7 +22835,7 @@
           <p:cNvPr id="119" name="TextBox 118">
             <a:extLst>
               <a:ext uri="{FF2B5EF4-FFF2-40B4-BE49-F238E27FC236}">
-                <a16:creationId xmlns:a16="http://schemas.microsoft.com/office/drawing/2014/main" xmlns="" id="{2A942E01-9F5A-F646-B3ED-A608F871CF24}"/>
+                <a16:creationId xmlns:a16="http://schemas.microsoft.com/office/drawing/2014/main" id="{2A942E01-9F5A-F646-B3ED-A608F871CF24}"/>
               </a:ext>
             </a:extLst>
           </p:cNvPr>
@@ -22914,7 +22916,7 @@
           <p:cNvPr id="79" name="Picture 78">
             <a:extLst>
               <a:ext uri="{FF2B5EF4-FFF2-40B4-BE49-F238E27FC236}">
-                <a16:creationId xmlns:a16="http://schemas.microsoft.com/office/drawing/2014/main" xmlns="" id="{702BB94C-F70C-5E4B-94D9-B69FE9F302C8}"/>
+                <a16:creationId xmlns:a16="http://schemas.microsoft.com/office/drawing/2014/main" id="{702BB94C-F70C-5E4B-94D9-B69FE9F302C8}"/>
               </a:ext>
             </a:extLst>
           </p:cNvPr>
@@ -22950,7 +22952,7 @@
           <p:cNvPr id="131" name="Straight Connector 130">
             <a:extLst>
               <a:ext uri="{FF2B5EF4-FFF2-40B4-BE49-F238E27FC236}">
-                <a16:creationId xmlns:a16="http://schemas.microsoft.com/office/drawing/2014/main" xmlns="" id="{EA8E957C-3AA4-2547-B191-BA32AA3F3AF2}"/>
+                <a16:creationId xmlns:a16="http://schemas.microsoft.com/office/drawing/2014/main" id="{EA8E957C-3AA4-2547-B191-BA32AA3F3AF2}"/>
               </a:ext>
             </a:extLst>
           </p:cNvPr>
@@ -22998,7 +23000,7 @@
           <p:cNvPr id="134" name="Straight Connector 133">
             <a:extLst>
               <a:ext uri="{FF2B5EF4-FFF2-40B4-BE49-F238E27FC236}">
-                <a16:creationId xmlns:a16="http://schemas.microsoft.com/office/drawing/2014/main" xmlns="" id="{5BE986ED-64D7-A046-BE28-021C8C920B48}"/>
+                <a16:creationId xmlns:a16="http://schemas.microsoft.com/office/drawing/2014/main" id="{5BE986ED-64D7-A046-BE28-021C8C920B48}"/>
               </a:ext>
             </a:extLst>
           </p:cNvPr>
@@ -23046,7 +23048,7 @@
           <p:cNvPr id="138" name="Straight Connector 137">
             <a:extLst>
               <a:ext uri="{FF2B5EF4-FFF2-40B4-BE49-F238E27FC236}">
-                <a16:creationId xmlns:a16="http://schemas.microsoft.com/office/drawing/2014/main" xmlns="" id="{8E1453EF-7DB3-E54F-9665-9C837DE98445}"/>
+                <a16:creationId xmlns:a16="http://schemas.microsoft.com/office/drawing/2014/main" id="{8E1453EF-7DB3-E54F-9665-9C837DE98445}"/>
               </a:ext>
             </a:extLst>
           </p:cNvPr>
@@ -23093,7 +23095,7 @@
           <p:cNvPr id="4" name="TextBox 3">
             <a:extLst>
               <a:ext uri="{FF2B5EF4-FFF2-40B4-BE49-F238E27FC236}">
-                <a16:creationId xmlns:a16="http://schemas.microsoft.com/office/drawing/2014/main" xmlns="" id="{B36E56F0-CDF9-6644-BF16-C03BDAA1914C}"/>
+                <a16:creationId xmlns:a16="http://schemas.microsoft.com/office/drawing/2014/main" id="{B36E56F0-CDF9-6644-BF16-C03BDAA1914C}"/>
               </a:ext>
             </a:extLst>
           </p:cNvPr>
@@ -23174,7 +23176,7 @@
           <p:cNvPr id="62" name="Rectangle 61">
             <a:extLst>
               <a:ext uri="{FF2B5EF4-FFF2-40B4-BE49-F238E27FC236}">
-                <a16:creationId xmlns:a16="http://schemas.microsoft.com/office/drawing/2014/main" xmlns="" id="{500A7179-A62E-1F47-8EAE-B56A36D87A89}"/>
+                <a16:creationId xmlns:a16="http://schemas.microsoft.com/office/drawing/2014/main" id="{500A7179-A62E-1F47-8EAE-B56A36D87A89}"/>
               </a:ext>
             </a:extLst>
           </p:cNvPr>
@@ -23215,7 +23217,7 @@
           <p:cNvPr id="65" name="Rounded Rectangular Callout 64">
             <a:extLst>
               <a:ext uri="{FF2B5EF4-FFF2-40B4-BE49-F238E27FC236}">
-                <a16:creationId xmlns:a16="http://schemas.microsoft.com/office/drawing/2014/main" xmlns="" id="{C44345DB-F74B-FF42-9EB7-3CBE195CD4F8}"/>
+                <a16:creationId xmlns:a16="http://schemas.microsoft.com/office/drawing/2014/main" id="{C44345DB-F74B-FF42-9EB7-3CBE195CD4F8}"/>
               </a:ext>
             </a:extLst>
           </p:cNvPr>
@@ -23262,7 +23264,7 @@
           <p:cNvPr id="66" name="TextBox 65">
             <a:extLst>
               <a:ext uri="{FF2B5EF4-FFF2-40B4-BE49-F238E27FC236}">
-                <a16:creationId xmlns:a16="http://schemas.microsoft.com/office/drawing/2014/main" xmlns="" id="{2267DF7E-8C5A-4C47-B0A9-0BB8AB712538}"/>
+                <a16:creationId xmlns:a16="http://schemas.microsoft.com/office/drawing/2014/main" id="{2267DF7E-8C5A-4C47-B0A9-0BB8AB712538}"/>
               </a:ext>
             </a:extLst>
           </p:cNvPr>
@@ -23343,7 +23345,7 @@
           <p:cNvPr id="68" name="TextBox 67">
             <a:extLst>
               <a:ext uri="{FF2B5EF4-FFF2-40B4-BE49-F238E27FC236}">
-                <a16:creationId xmlns:a16="http://schemas.microsoft.com/office/drawing/2014/main" xmlns="" id="{01979ACF-D7A0-5B4F-9ACA-94A20BC0BF3D}"/>
+                <a16:creationId xmlns:a16="http://schemas.microsoft.com/office/drawing/2014/main" id="{01979ACF-D7A0-5B4F-9ACA-94A20BC0BF3D}"/>
               </a:ext>
             </a:extLst>
           </p:cNvPr>
@@ -23424,7 +23426,7 @@
           <p:cNvPr id="69" name="TextBox 68">
             <a:extLst>
               <a:ext uri="{FF2B5EF4-FFF2-40B4-BE49-F238E27FC236}">
-                <a16:creationId xmlns:a16="http://schemas.microsoft.com/office/drawing/2014/main" xmlns="" id="{B657F783-5383-0846-8E9C-E3A00EDBA592}"/>
+                <a16:creationId xmlns:a16="http://schemas.microsoft.com/office/drawing/2014/main" id="{B657F783-5383-0846-8E9C-E3A00EDBA592}"/>
               </a:ext>
             </a:extLst>
           </p:cNvPr>
@@ -23505,7 +23507,7 @@
           <p:cNvPr id="70" name="TextBox 69">
             <a:extLst>
               <a:ext uri="{FF2B5EF4-FFF2-40B4-BE49-F238E27FC236}">
-                <a16:creationId xmlns:a16="http://schemas.microsoft.com/office/drawing/2014/main" xmlns="" id="{BA12F770-EC95-3649-832F-ADDDD75EEAAF}"/>
+                <a16:creationId xmlns:a16="http://schemas.microsoft.com/office/drawing/2014/main" id="{BA12F770-EC95-3649-832F-ADDDD75EEAAF}"/>
               </a:ext>
             </a:extLst>
           </p:cNvPr>
@@ -23591,7 +23593,7 @@
   <p:clrMapOvr>
     <a:masterClrMapping/>
   </p:clrMapOvr>
-  <p:transition xmlns:p14="http://schemas.microsoft.com/office/powerpoint/2010/main" spd="med"/>
+  <p:transition spd="med"/>
 </p:sld>
 </file>
 
@@ -23617,7 +23619,7 @@
           <p:cNvPr id="108" name="Rectangle 107">
             <a:extLst>
               <a:ext uri="{FF2B5EF4-FFF2-40B4-BE49-F238E27FC236}">
-                <a16:creationId xmlns:a16="http://schemas.microsoft.com/office/drawing/2014/main" xmlns="" id="{DD3A4E38-E7B5-F444-A041-B81D31F9BE1A}"/>
+                <a16:creationId xmlns:a16="http://schemas.microsoft.com/office/drawing/2014/main" id="{DD3A4E38-E7B5-F444-A041-B81D31F9BE1A}"/>
               </a:ext>
             </a:extLst>
           </p:cNvPr>
@@ -23662,7 +23664,7 @@
           <p:cNvPr id="141" name="Rectangle 140">
             <a:extLst>
               <a:ext uri="{FF2B5EF4-FFF2-40B4-BE49-F238E27FC236}">
-                <a16:creationId xmlns:a16="http://schemas.microsoft.com/office/drawing/2014/main" xmlns="" id="{3C097F3C-09AD-4C48-89F5-8F6682E2A9C7}"/>
+                <a16:creationId xmlns:a16="http://schemas.microsoft.com/office/drawing/2014/main" id="{3C097F3C-09AD-4C48-89F5-8F6682E2A9C7}"/>
               </a:ext>
             </a:extLst>
           </p:cNvPr>
@@ -23705,7 +23707,7 @@
           <p:cNvPr id="132" name="Rectangle 131">
             <a:extLst>
               <a:ext uri="{FF2B5EF4-FFF2-40B4-BE49-F238E27FC236}">
-                <a16:creationId xmlns:a16="http://schemas.microsoft.com/office/drawing/2014/main" xmlns="" id="{A4F70669-E49F-6042-AC95-A1CF22FC2F0E}"/>
+                <a16:creationId xmlns:a16="http://schemas.microsoft.com/office/drawing/2014/main" id="{A4F70669-E49F-6042-AC95-A1CF22FC2F0E}"/>
               </a:ext>
             </a:extLst>
           </p:cNvPr>
@@ -23748,7 +23750,7 @@
           <p:cNvPr id="46" name="Straight Connector 45">
             <a:extLst>
               <a:ext uri="{FF2B5EF4-FFF2-40B4-BE49-F238E27FC236}">
-                <a16:creationId xmlns:a16="http://schemas.microsoft.com/office/drawing/2014/main" xmlns="" id="{B3EF6D8D-E093-9C43-8F06-6465AF5A1A76}"/>
+                <a16:creationId xmlns:a16="http://schemas.microsoft.com/office/drawing/2014/main" id="{B3EF6D8D-E093-9C43-8F06-6465AF5A1A76}"/>
               </a:ext>
             </a:extLst>
           </p:cNvPr>
@@ -23797,7 +23799,7 @@
           <p:cNvPr id="105" name="Rectangle 104">
             <a:extLst>
               <a:ext uri="{FF2B5EF4-FFF2-40B4-BE49-F238E27FC236}">
-                <a16:creationId xmlns:a16="http://schemas.microsoft.com/office/drawing/2014/main" xmlns="" id="{416C123A-D118-B348-B68E-4541B0A407FB}"/>
+                <a16:creationId xmlns:a16="http://schemas.microsoft.com/office/drawing/2014/main" id="{416C123A-D118-B348-B68E-4541B0A407FB}"/>
               </a:ext>
             </a:extLst>
           </p:cNvPr>
@@ -23844,7 +23846,7 @@
           <p:cNvPr id="115" name="Straight Connector 114">
             <a:extLst>
               <a:ext uri="{FF2B5EF4-FFF2-40B4-BE49-F238E27FC236}">
-                <a16:creationId xmlns:a16="http://schemas.microsoft.com/office/drawing/2014/main" xmlns="" id="{8AC6BC2D-6C06-F541-9BC0-006845DF1EA7}"/>
+                <a16:creationId xmlns:a16="http://schemas.microsoft.com/office/drawing/2014/main" id="{8AC6BC2D-6C06-F541-9BC0-006845DF1EA7}"/>
               </a:ext>
             </a:extLst>
           </p:cNvPr>
@@ -23893,7 +23895,7 @@
           <p:cNvPr id="103" name="Rectangle 102">
             <a:extLst>
               <a:ext uri="{FF2B5EF4-FFF2-40B4-BE49-F238E27FC236}">
-                <a16:creationId xmlns:a16="http://schemas.microsoft.com/office/drawing/2014/main" xmlns="" id="{89D06888-A322-F944-B8CD-1354DB6E9863}"/>
+                <a16:creationId xmlns:a16="http://schemas.microsoft.com/office/drawing/2014/main" id="{89D06888-A322-F944-B8CD-1354DB6E9863}"/>
               </a:ext>
             </a:extLst>
           </p:cNvPr>
@@ -23936,7 +23938,7 @@
           <p:cNvPr id="97" name="Rectangle 96">
             <a:extLst>
               <a:ext uri="{FF2B5EF4-FFF2-40B4-BE49-F238E27FC236}">
-                <a16:creationId xmlns:a16="http://schemas.microsoft.com/office/drawing/2014/main" xmlns="" id="{C6F860F7-F7BF-E549-968B-81EB1B326379}"/>
+                <a16:creationId xmlns:a16="http://schemas.microsoft.com/office/drawing/2014/main" id="{C6F860F7-F7BF-E549-968B-81EB1B326379}"/>
               </a:ext>
             </a:extLst>
           </p:cNvPr>
@@ -23981,7 +23983,7 @@
           <p:cNvPr id="88" name="Rectangle 87">
             <a:extLst>
               <a:ext uri="{FF2B5EF4-FFF2-40B4-BE49-F238E27FC236}">
-                <a16:creationId xmlns:a16="http://schemas.microsoft.com/office/drawing/2014/main" xmlns="" id="{52568BAA-8263-FC4A-AB69-A9AE503EA338}"/>
+                <a16:creationId xmlns:a16="http://schemas.microsoft.com/office/drawing/2014/main" id="{52568BAA-8263-FC4A-AB69-A9AE503EA338}"/>
               </a:ext>
             </a:extLst>
           </p:cNvPr>
@@ -24050,7 +24052,7 @@
           <p:cNvPr id="47" name="Rectangle 46">
             <a:extLst>
               <a:ext uri="{FF2B5EF4-FFF2-40B4-BE49-F238E27FC236}">
-                <a16:creationId xmlns:a16="http://schemas.microsoft.com/office/drawing/2014/main" xmlns="" id="{962939E0-A05A-3A44-9ADE-6B594560263B}"/>
+                <a16:creationId xmlns:a16="http://schemas.microsoft.com/office/drawing/2014/main" id="{962939E0-A05A-3A44-9ADE-6B594560263B}"/>
               </a:ext>
             </a:extLst>
           </p:cNvPr>
@@ -24205,7 +24207,7 @@
             </a:ln>
             <a:extLst>
               <a:ext uri="{C572A759-6A51-4108-AA02-DFA0A04FC94B}">
-                <ma14:wrappingTextBoxFlag xmlns:ma14="http://schemas.microsoft.com/office/mac/drawingml/2011/main" val="1"/>
+                <ma14:wrappingTextBoxFlag xmlns:ma14="http://schemas.microsoft.com/office/mac/drawingml/2011/main" xmlns="" val="1"/>
               </a:ext>
             </a:extLst>
           </p:spPr>
@@ -24444,7 +24446,7 @@
           </a:ln>
           <a:extLst>
             <a:ext uri="{C572A759-6A51-4108-AA02-DFA0A04FC94B}">
-              <ma14:wrappingTextBoxFlag xmlns:ma14="http://schemas.microsoft.com/office/mac/drawingml/2011/main" val="1"/>
+              <ma14:wrappingTextBoxFlag xmlns:ma14="http://schemas.microsoft.com/office/mac/drawingml/2011/main" xmlns="" val="1"/>
             </a:ext>
           </a:extLst>
         </p:spPr>
@@ -24512,7 +24514,7 @@
           </a:ln>
           <a:extLst>
             <a:ext uri="{C572A759-6A51-4108-AA02-DFA0A04FC94B}">
-              <ma14:wrappingTextBoxFlag xmlns:ma14="http://schemas.microsoft.com/office/mac/drawingml/2011/main" val="1"/>
+              <ma14:wrappingTextBoxFlag xmlns:ma14="http://schemas.microsoft.com/office/mac/drawingml/2011/main" xmlns="" val="1"/>
             </a:ext>
           </a:extLst>
         </p:spPr>
@@ -24883,7 +24885,7 @@
             <a:effectLst/>
             <a:extLst>
               <a:ext uri="{C572A759-6A51-4108-AA02-DFA0A04FC94B}">
-                <ma14:wrappingTextBoxFlag xmlns:ma14="http://schemas.microsoft.com/office/mac/drawingml/2011/main" val="1"/>
+                <ma14:wrappingTextBoxFlag xmlns:ma14="http://schemas.microsoft.com/office/mac/drawingml/2011/main" xmlns="" val="1"/>
               </a:ext>
             </a:extLst>
           </p:spPr>
@@ -24974,7 +24976,7 @@
           <p:cNvPr id="188" name="Group 187">
             <a:extLst>
               <a:ext uri="{FF2B5EF4-FFF2-40B4-BE49-F238E27FC236}">
-                <a16:creationId xmlns:a16="http://schemas.microsoft.com/office/drawing/2014/main" xmlns="" id="{5938EDDB-B2B2-6642-9D20-6D7C5F9FED31}"/>
+                <a16:creationId xmlns:a16="http://schemas.microsoft.com/office/drawing/2014/main" id="{5938EDDB-B2B2-6642-9D20-6D7C5F9FED31}"/>
               </a:ext>
             </a:extLst>
           </p:cNvPr>
@@ -24994,7 +24996,7 @@
             <p:cNvPr id="189" name="Group 188">
               <a:extLst>
                 <a:ext uri="{FF2B5EF4-FFF2-40B4-BE49-F238E27FC236}">
-                  <a16:creationId xmlns:a16="http://schemas.microsoft.com/office/drawing/2014/main" xmlns="" id="{3527AD53-90A2-7D45-A4B7-509C2FD1C32F}"/>
+                  <a16:creationId xmlns:a16="http://schemas.microsoft.com/office/drawing/2014/main" id="{3527AD53-90A2-7D45-A4B7-509C2FD1C32F}"/>
                 </a:ext>
               </a:extLst>
             </p:cNvPr>
@@ -25014,7 +25016,7 @@
               <p:cNvPr id="191" name="Oval 190">
                 <a:extLst>
                   <a:ext uri="{FF2B5EF4-FFF2-40B4-BE49-F238E27FC236}">
-                    <a16:creationId xmlns:a16="http://schemas.microsoft.com/office/drawing/2014/main" xmlns="" id="{38BE8895-77F2-3F48-BDC0-E7E0559BA7AD}"/>
+                    <a16:creationId xmlns:a16="http://schemas.microsoft.com/office/drawing/2014/main" id="{38BE8895-77F2-3F48-BDC0-E7E0559BA7AD}"/>
                   </a:ext>
                 </a:extLst>
               </p:cNvPr>
@@ -25070,7 +25072,7 @@
               <p:cNvPr id="192" name="Picture 191">
                 <a:extLst>
                   <a:ext uri="{FF2B5EF4-FFF2-40B4-BE49-F238E27FC236}">
-                    <a16:creationId xmlns:a16="http://schemas.microsoft.com/office/drawing/2014/main" xmlns="" id="{1E774A8B-C5DB-534E-8EE3-5D936B2F1BDA}"/>
+                    <a16:creationId xmlns:a16="http://schemas.microsoft.com/office/drawing/2014/main" id="{1E774A8B-C5DB-534E-8EE3-5D936B2F1BDA}"/>
                   </a:ext>
                 </a:extLst>
               </p:cNvPr>
@@ -25107,7 +25109,7 @@
             <p:cNvPr id="190" name="Shape 576">
               <a:extLst>
                 <a:ext uri="{FF2B5EF4-FFF2-40B4-BE49-F238E27FC236}">
-                  <a16:creationId xmlns:a16="http://schemas.microsoft.com/office/drawing/2014/main" xmlns="" id="{8D66F62C-0857-0C4E-B8A3-3F8DBC721692}"/>
+                  <a16:creationId xmlns:a16="http://schemas.microsoft.com/office/drawing/2014/main" id="{8D66F62C-0857-0C4E-B8A3-3F8DBC721692}"/>
                 </a:ext>
               </a:extLst>
             </p:cNvPr>
@@ -25127,7 +25129,7 @@
             </a:ln>
             <a:extLst>
               <a:ext uri="{C572A759-6A51-4108-AA02-DFA0A04FC94B}">
-                <ma14:wrappingTextBoxFlag xmlns:ma14="http://schemas.microsoft.com/office/mac/drawingml/2011/main" val="1"/>
+                <ma14:wrappingTextBoxFlag xmlns:ma14="http://schemas.microsoft.com/office/mac/drawingml/2011/main" xmlns="" val="1"/>
               </a:ext>
             </a:extLst>
           </p:spPr>
@@ -25340,7 +25342,7 @@
           </a:ln>
           <a:extLst>
             <a:ext uri="{C572A759-6A51-4108-AA02-DFA0A04FC94B}">
-              <ma14:wrappingTextBoxFlag xmlns:ma14="http://schemas.microsoft.com/office/mac/drawingml/2011/main" val="1"/>
+              <ma14:wrappingTextBoxFlag xmlns:ma14="http://schemas.microsoft.com/office/mac/drawingml/2011/main" xmlns="" val="1"/>
             </a:ext>
           </a:extLst>
         </p:spPr>
@@ -25629,7 +25631,7 @@
           <p:cNvPr id="58" name="Picture 57">
             <a:extLst>
               <a:ext uri="{FF2B5EF4-FFF2-40B4-BE49-F238E27FC236}">
-                <a16:creationId xmlns:a16="http://schemas.microsoft.com/office/drawing/2014/main" xmlns="" id="{66E030FF-10BA-3E4A-9604-7ADABD19B5C7}"/>
+                <a16:creationId xmlns:a16="http://schemas.microsoft.com/office/drawing/2014/main" id="{66E030FF-10BA-3E4A-9604-7ADABD19B5C7}"/>
               </a:ext>
             </a:extLst>
           </p:cNvPr>
@@ -25659,7 +25661,7 @@
           <p:cNvPr id="64" name="Straight Connector 63">
             <a:extLst>
               <a:ext uri="{FF2B5EF4-FFF2-40B4-BE49-F238E27FC236}">
-                <a16:creationId xmlns:a16="http://schemas.microsoft.com/office/drawing/2014/main" xmlns="" id="{7A922166-BCEA-2342-A0C7-D9B6D48E76B5}"/>
+                <a16:creationId xmlns:a16="http://schemas.microsoft.com/office/drawing/2014/main" id="{7A922166-BCEA-2342-A0C7-D9B6D48E76B5}"/>
               </a:ext>
             </a:extLst>
           </p:cNvPr>
@@ -25708,7 +25710,7 @@
           <p:cNvPr id="83" name="Straight Connector 82">
             <a:extLst>
               <a:ext uri="{FF2B5EF4-FFF2-40B4-BE49-F238E27FC236}">
-                <a16:creationId xmlns:a16="http://schemas.microsoft.com/office/drawing/2014/main" xmlns="" id="{BA3AC09A-2568-7A40-8619-27C921ACE99B}"/>
+                <a16:creationId xmlns:a16="http://schemas.microsoft.com/office/drawing/2014/main" id="{BA3AC09A-2568-7A40-8619-27C921ACE99B}"/>
               </a:ext>
             </a:extLst>
           </p:cNvPr>
@@ -25756,7 +25758,7 @@
           <p:cNvPr id="100" name="TextBox 99">
             <a:extLst>
               <a:ext uri="{FF2B5EF4-FFF2-40B4-BE49-F238E27FC236}">
-                <a16:creationId xmlns:a16="http://schemas.microsoft.com/office/drawing/2014/main" xmlns="" id="{3C80F502-9384-CB47-BE5F-B15677F163F5}"/>
+                <a16:creationId xmlns:a16="http://schemas.microsoft.com/office/drawing/2014/main" id="{3C80F502-9384-CB47-BE5F-B15677F163F5}"/>
               </a:ext>
             </a:extLst>
           </p:cNvPr>
@@ -25837,7 +25839,7 @@
           <p:cNvPr id="102" name="TextBox 101">
             <a:extLst>
               <a:ext uri="{FF2B5EF4-FFF2-40B4-BE49-F238E27FC236}">
-                <a16:creationId xmlns:a16="http://schemas.microsoft.com/office/drawing/2014/main" xmlns="" id="{049DDE7D-2EFF-7541-B9F7-19BEEA5515BE}"/>
+                <a16:creationId xmlns:a16="http://schemas.microsoft.com/office/drawing/2014/main" id="{049DDE7D-2EFF-7541-B9F7-19BEEA5515BE}"/>
               </a:ext>
             </a:extLst>
           </p:cNvPr>
@@ -25918,7 +25920,7 @@
           <p:cNvPr id="107" name="TextBox 106">
             <a:extLst>
               <a:ext uri="{FF2B5EF4-FFF2-40B4-BE49-F238E27FC236}">
-                <a16:creationId xmlns:a16="http://schemas.microsoft.com/office/drawing/2014/main" xmlns="" id="{F073A3D8-220E-7144-A600-F0641A71F37F}"/>
+                <a16:creationId xmlns:a16="http://schemas.microsoft.com/office/drawing/2014/main" id="{F073A3D8-220E-7144-A600-F0641A71F37F}"/>
               </a:ext>
             </a:extLst>
           </p:cNvPr>
@@ -25999,7 +26001,7 @@
           <p:cNvPr id="109" name="TextBox 108">
             <a:extLst>
               <a:ext uri="{FF2B5EF4-FFF2-40B4-BE49-F238E27FC236}">
-                <a16:creationId xmlns:a16="http://schemas.microsoft.com/office/drawing/2014/main" xmlns="" id="{E4BD00C3-AD29-1848-B72C-ABB297C80A44}"/>
+                <a16:creationId xmlns:a16="http://schemas.microsoft.com/office/drawing/2014/main" id="{E4BD00C3-AD29-1848-B72C-ABB297C80A44}"/>
               </a:ext>
             </a:extLst>
           </p:cNvPr>
@@ -26081,7 +26083,7 @@
           <p:cNvPr id="67" name="Picture 66">
             <a:extLst>
               <a:ext uri="{FF2B5EF4-FFF2-40B4-BE49-F238E27FC236}">
-                <a16:creationId xmlns:a16="http://schemas.microsoft.com/office/drawing/2014/main" xmlns="" id="{2CBB9EC6-1F4D-A544-B955-509A162728C6}"/>
+                <a16:creationId xmlns:a16="http://schemas.microsoft.com/office/drawing/2014/main" id="{2CBB9EC6-1F4D-A544-B955-509A162728C6}"/>
               </a:ext>
             </a:extLst>
           </p:cNvPr>
@@ -26117,7 +26119,7 @@
           <p:cNvPr id="116" name="Straight Connector 115">
             <a:extLst>
               <a:ext uri="{FF2B5EF4-FFF2-40B4-BE49-F238E27FC236}">
-                <a16:creationId xmlns:a16="http://schemas.microsoft.com/office/drawing/2014/main" xmlns="" id="{5DA5D267-4395-9C48-8B25-87844AB53687}"/>
+                <a16:creationId xmlns:a16="http://schemas.microsoft.com/office/drawing/2014/main" id="{5DA5D267-4395-9C48-8B25-87844AB53687}"/>
               </a:ext>
             </a:extLst>
           </p:cNvPr>
@@ -26164,7 +26166,7 @@
           <p:cNvPr id="119" name="TextBox 118">
             <a:extLst>
               <a:ext uri="{FF2B5EF4-FFF2-40B4-BE49-F238E27FC236}">
-                <a16:creationId xmlns:a16="http://schemas.microsoft.com/office/drawing/2014/main" xmlns="" id="{2A942E01-9F5A-F646-B3ED-A608F871CF24}"/>
+                <a16:creationId xmlns:a16="http://schemas.microsoft.com/office/drawing/2014/main" id="{2A942E01-9F5A-F646-B3ED-A608F871CF24}"/>
               </a:ext>
             </a:extLst>
           </p:cNvPr>
@@ -26245,7 +26247,7 @@
           <p:cNvPr id="79" name="Picture 78">
             <a:extLst>
               <a:ext uri="{FF2B5EF4-FFF2-40B4-BE49-F238E27FC236}">
-                <a16:creationId xmlns:a16="http://schemas.microsoft.com/office/drawing/2014/main" xmlns="" id="{702BB94C-F70C-5E4B-94D9-B69FE9F302C8}"/>
+                <a16:creationId xmlns:a16="http://schemas.microsoft.com/office/drawing/2014/main" id="{702BB94C-F70C-5E4B-94D9-B69FE9F302C8}"/>
               </a:ext>
             </a:extLst>
           </p:cNvPr>
@@ -26281,7 +26283,7 @@
           <p:cNvPr id="131" name="Straight Connector 130">
             <a:extLst>
               <a:ext uri="{FF2B5EF4-FFF2-40B4-BE49-F238E27FC236}">
-                <a16:creationId xmlns:a16="http://schemas.microsoft.com/office/drawing/2014/main" xmlns="" id="{EA8E957C-3AA4-2547-B191-BA32AA3F3AF2}"/>
+                <a16:creationId xmlns:a16="http://schemas.microsoft.com/office/drawing/2014/main" id="{EA8E957C-3AA4-2547-B191-BA32AA3F3AF2}"/>
               </a:ext>
             </a:extLst>
           </p:cNvPr>
@@ -26329,7 +26331,7 @@
           <p:cNvPr id="134" name="Straight Connector 133">
             <a:extLst>
               <a:ext uri="{FF2B5EF4-FFF2-40B4-BE49-F238E27FC236}">
-                <a16:creationId xmlns:a16="http://schemas.microsoft.com/office/drawing/2014/main" xmlns="" id="{5BE986ED-64D7-A046-BE28-021C8C920B48}"/>
+                <a16:creationId xmlns:a16="http://schemas.microsoft.com/office/drawing/2014/main" id="{5BE986ED-64D7-A046-BE28-021C8C920B48}"/>
               </a:ext>
             </a:extLst>
           </p:cNvPr>
@@ -26377,7 +26379,7 @@
           <p:cNvPr id="138" name="Straight Connector 137">
             <a:extLst>
               <a:ext uri="{FF2B5EF4-FFF2-40B4-BE49-F238E27FC236}">
-                <a16:creationId xmlns:a16="http://schemas.microsoft.com/office/drawing/2014/main" xmlns="" id="{8E1453EF-7DB3-E54F-9665-9C837DE98445}"/>
+                <a16:creationId xmlns:a16="http://schemas.microsoft.com/office/drawing/2014/main" id="{8E1453EF-7DB3-E54F-9665-9C837DE98445}"/>
               </a:ext>
             </a:extLst>
           </p:cNvPr>
@@ -26424,7 +26426,7 @@
           <p:cNvPr id="144" name="TextBox 143">
             <a:extLst>
               <a:ext uri="{FF2B5EF4-FFF2-40B4-BE49-F238E27FC236}">
-                <a16:creationId xmlns:a16="http://schemas.microsoft.com/office/drawing/2014/main" xmlns="" id="{F20B3218-9CCE-2145-9963-A12E6849F8D1}"/>
+                <a16:creationId xmlns:a16="http://schemas.microsoft.com/office/drawing/2014/main" id="{F20B3218-9CCE-2145-9963-A12E6849F8D1}"/>
               </a:ext>
             </a:extLst>
           </p:cNvPr>
@@ -26505,7 +26507,7 @@
           <p:cNvPr id="2" name="Rectangle 1">
             <a:extLst>
               <a:ext uri="{FF2B5EF4-FFF2-40B4-BE49-F238E27FC236}">
-                <a16:creationId xmlns:a16="http://schemas.microsoft.com/office/drawing/2014/main" xmlns="" id="{457F0C94-1AA0-1142-B814-A0B56C12F7AE}"/>
+                <a16:creationId xmlns:a16="http://schemas.microsoft.com/office/drawing/2014/main" id="{457F0C94-1AA0-1142-B814-A0B56C12F7AE}"/>
               </a:ext>
             </a:extLst>
           </p:cNvPr>
@@ -26546,7 +26548,7 @@
           <p:cNvPr id="61" name="Rounded Rectangular Callout 60">
             <a:extLst>
               <a:ext uri="{FF2B5EF4-FFF2-40B4-BE49-F238E27FC236}">
-                <a16:creationId xmlns:a16="http://schemas.microsoft.com/office/drawing/2014/main" xmlns="" id="{D7E99A70-5439-BF45-8269-EEE528805121}"/>
+                <a16:creationId xmlns:a16="http://schemas.microsoft.com/office/drawing/2014/main" id="{D7E99A70-5439-BF45-8269-EEE528805121}"/>
               </a:ext>
             </a:extLst>
           </p:cNvPr>
@@ -26593,7 +26595,7 @@
           <p:cNvPr id="62" name="TextBox 61">
             <a:extLst>
               <a:ext uri="{FF2B5EF4-FFF2-40B4-BE49-F238E27FC236}">
-                <a16:creationId xmlns:a16="http://schemas.microsoft.com/office/drawing/2014/main" xmlns="" id="{B2FA279C-2389-314F-96A0-75C391BCED42}"/>
+                <a16:creationId xmlns:a16="http://schemas.microsoft.com/office/drawing/2014/main" id="{B2FA279C-2389-314F-96A0-75C391BCED42}"/>
               </a:ext>
             </a:extLst>
           </p:cNvPr>
@@ -26674,7 +26676,7 @@
           <p:cNvPr id="63" name="TextBox 62">
             <a:extLst>
               <a:ext uri="{FF2B5EF4-FFF2-40B4-BE49-F238E27FC236}">
-                <a16:creationId xmlns:a16="http://schemas.microsoft.com/office/drawing/2014/main" xmlns="" id="{CCC8B027-4074-C041-B567-8879BBEAE9F0}"/>
+                <a16:creationId xmlns:a16="http://schemas.microsoft.com/office/drawing/2014/main" id="{CCC8B027-4074-C041-B567-8879BBEAE9F0}"/>
               </a:ext>
             </a:extLst>
           </p:cNvPr>
@@ -26755,7 +26757,7 @@
           <p:cNvPr id="65" name="TextBox 64">
             <a:extLst>
               <a:ext uri="{FF2B5EF4-FFF2-40B4-BE49-F238E27FC236}">
-                <a16:creationId xmlns:a16="http://schemas.microsoft.com/office/drawing/2014/main" xmlns="" id="{E313D3AB-A03B-F44F-B0CC-29A68B6112F1}"/>
+                <a16:creationId xmlns:a16="http://schemas.microsoft.com/office/drawing/2014/main" id="{E313D3AB-A03B-F44F-B0CC-29A68B6112F1}"/>
               </a:ext>
             </a:extLst>
           </p:cNvPr>
@@ -26836,7 +26838,7 @@
           <p:cNvPr id="66" name="TextBox 65">
             <a:extLst>
               <a:ext uri="{FF2B5EF4-FFF2-40B4-BE49-F238E27FC236}">
-                <a16:creationId xmlns:a16="http://schemas.microsoft.com/office/drawing/2014/main" xmlns="" id="{A90B4428-252A-874A-A27C-612D5FC7102A}"/>
+                <a16:creationId xmlns:a16="http://schemas.microsoft.com/office/drawing/2014/main" id="{A90B4428-252A-874A-A27C-612D5FC7102A}"/>
               </a:ext>
             </a:extLst>
           </p:cNvPr>
@@ -26922,7 +26924,901 @@
   <p:clrMapOvr>
     <a:masterClrMapping/>
   </p:clrMapOvr>
-  <p:transition xmlns:p14="http://schemas.microsoft.com/office/powerpoint/2010/main" spd="med"/>
+  <p:transition spd="med"/>
+</p:sld>
+</file>
+
+<file path=ppt/slides/slide17.xml><?xml version="1.0" encoding="utf-8"?>
+<p:sld xmlns:a="http://schemas.openxmlformats.org/drawingml/2006/main" xmlns:r="http://schemas.openxmlformats.org/officeDocument/2006/relationships" xmlns:p="http://schemas.openxmlformats.org/presentationml/2006/main">
+  <p:cSld>
+    <p:spTree>
+      <p:nvGrpSpPr>
+        <p:cNvPr id="1" name=""/>
+        <p:cNvGrpSpPr/>
+        <p:nvPr/>
+      </p:nvGrpSpPr>
+      <p:grpSpPr>
+        <a:xfrm>
+          <a:off x="0" y="0"/>
+          <a:ext cx="0" cy="0"/>
+          <a:chOff x="0" y="0"/>
+          <a:chExt cx="0" cy="0"/>
+        </a:xfrm>
+      </p:grpSpPr>
+      <p:sp>
+        <p:nvSpPr>
+          <p:cNvPr id="2" name="TextBox 1">
+            <a:extLst>
+              <a:ext uri="{FF2B5EF4-FFF2-40B4-BE49-F238E27FC236}">
+                <a16:creationId xmlns:a16="http://schemas.microsoft.com/office/drawing/2014/main" id="{87C07FF8-CBD9-BE44-A19C-3A5A734DAEA8}"/>
+              </a:ext>
+            </a:extLst>
+          </p:cNvPr>
+          <p:cNvSpPr txBox="1"/>
+          <p:nvPr/>
+        </p:nvSpPr>
+        <p:spPr>
+          <a:xfrm>
+            <a:off x="2519300" y="3083578"/>
+            <a:ext cx="5019803" cy="1095010"/>
+          </a:xfrm>
+          <a:prstGeom prst="rect">
+            <a:avLst/>
+          </a:prstGeom>
+          <a:noFill/>
+          <a:ln w="3175" cap="flat">
+            <a:noFill/>
+            <a:miter lim="400000"/>
+          </a:ln>
+          <a:effectLst/>
+        </p:spPr>
+        <p:style>
+          <a:lnRef idx="0">
+            <a:scrgbClr r="0" g="0" b="0"/>
+          </a:lnRef>
+          <a:fillRef idx="0">
+            <a:scrgbClr r="0" g="0" b="0"/>
+          </a:fillRef>
+          <a:effectRef idx="0">
+            <a:scrgbClr r="0" g="0" b="0"/>
+          </a:effectRef>
+          <a:fontRef idx="none"/>
+        </p:style>
+        <p:txBody>
+          <a:bodyPr rot="0" spcFirstLastPara="1" vertOverflow="overflow" horzOverflow="overflow" vert="horz" wrap="none" lIns="39290" tIns="39290" rIns="39290" bIns="39290" numCol="1" spcCol="38100" rtlCol="0" anchor="ctr">
+            <a:spAutoFit/>
+          </a:bodyPr>
+          <a:lstStyle/>
+          <a:p>
+            <a:pPr marL="0" marR="0" indent="0" algn="ctr" defTabSz="584200" rtl="0" fontAlgn="auto" latinLnBrk="1" hangingPunct="0">
+              <a:lnSpc>
+                <a:spcPct val="100000"/>
+              </a:lnSpc>
+              <a:spcBef>
+                <a:spcPts val="0"/>
+              </a:spcBef>
+              <a:spcAft>
+                <a:spcPts val="0"/>
+              </a:spcAft>
+              <a:buClrTx/>
+              <a:buSzTx/>
+              <a:buFontTx/>
+              <a:buNone/>
+              <a:tabLst/>
+            </a:pPr>
+            <a:r>
+              <a:rPr kumimoji="0" lang="de-DE" sz="6600" b="0" i="0" u="none" strike="noStrike" cap="none" spc="0" normalizeH="0" baseline="0" dirty="0">
+                <a:ln>
+                  <a:noFill/>
+                </a:ln>
+                <a:solidFill>
+                  <a:srgbClr val="000000"/>
+                </a:solidFill>
+                <a:effectLst/>
+                <a:uFillTx/>
+                <a:latin typeface="+mn-lt"/>
+                <a:ea typeface="+mn-ea"/>
+                <a:cs typeface="+mn-cs"/>
+                <a:sym typeface="Helvetica Light"/>
+              </a:rPr>
+              <a:t>SCORES API</a:t>
+            </a:r>
+          </a:p>
+        </p:txBody>
+      </p:sp>
+    </p:spTree>
+    <p:extLst>
+      <p:ext uri="{BB962C8B-B14F-4D97-AF65-F5344CB8AC3E}">
+        <p14:creationId xmlns:p14="http://schemas.microsoft.com/office/powerpoint/2010/main" val="413445721"/>
+      </p:ext>
+    </p:extLst>
+  </p:cSld>
+  <p:clrMapOvr>
+    <a:masterClrMapping/>
+  </p:clrMapOvr>
+  <p:transition spd="med"/>
+</p:sld>
+</file>
+
+<file path=ppt/slides/slide18.xml><?xml version="1.0" encoding="utf-8"?>
+<p:sld xmlns:a="http://schemas.openxmlformats.org/drawingml/2006/main" xmlns:r="http://schemas.openxmlformats.org/officeDocument/2006/relationships" xmlns:p="http://schemas.openxmlformats.org/presentationml/2006/main">
+  <p:cSld>
+    <p:spTree>
+      <p:nvGrpSpPr>
+        <p:cNvPr id="1" name=""/>
+        <p:cNvGrpSpPr/>
+        <p:nvPr/>
+      </p:nvGrpSpPr>
+      <p:grpSpPr>
+        <a:xfrm>
+          <a:off x="0" y="0"/>
+          <a:ext cx="0" cy="0"/>
+          <a:chOff x="0" y="0"/>
+          <a:chExt cx="0" cy="0"/>
+        </a:xfrm>
+      </p:grpSpPr>
+      <p:sp>
+        <p:nvSpPr>
+          <p:cNvPr id="2" name="TextBox 1">
+            <a:extLst>
+              <a:ext uri="{FF2B5EF4-FFF2-40B4-BE49-F238E27FC236}">
+                <a16:creationId xmlns:a16="http://schemas.microsoft.com/office/drawing/2014/main" id="{D02B0D28-6CA7-284D-960D-6AB0F1F43675}"/>
+              </a:ext>
+            </a:extLst>
+          </p:cNvPr>
+          <p:cNvSpPr txBox="1"/>
+          <p:nvPr/>
+        </p:nvSpPr>
+        <p:spPr>
+          <a:xfrm>
+            <a:off x="1556068" y="2584495"/>
+            <a:ext cx="2248525" cy="510235"/>
+          </a:xfrm>
+          <a:prstGeom prst="rect">
+            <a:avLst/>
+          </a:prstGeom>
+          <a:solidFill>
+            <a:schemeClr val="accent1">
+              <a:lumMod val="20000"/>
+              <a:lumOff val="80000"/>
+            </a:schemeClr>
+          </a:solidFill>
+          <a:ln w="3175" cap="flat">
+            <a:solidFill>
+              <a:schemeClr val="accent1"/>
+            </a:solidFill>
+            <a:miter lim="400000"/>
+          </a:ln>
+          <a:effectLst/>
+        </p:spPr>
+        <p:style>
+          <a:lnRef idx="0">
+            <a:scrgbClr r="0" g="0" b="0"/>
+          </a:lnRef>
+          <a:fillRef idx="0">
+            <a:scrgbClr r="0" g="0" b="0"/>
+          </a:fillRef>
+          <a:effectRef idx="0">
+            <a:scrgbClr r="0" g="0" b="0"/>
+          </a:effectRef>
+          <a:fontRef idx="none"/>
+        </p:style>
+        <p:txBody>
+          <a:bodyPr rot="0" spcFirstLastPara="1" vertOverflow="overflow" horzOverflow="overflow" vert="horz" wrap="square" lIns="39290" tIns="39290" rIns="39290" bIns="39290" numCol="1" spcCol="38100" rtlCol="0" anchor="ctr">
+            <a:spAutoFit/>
+          </a:bodyPr>
+          <a:lstStyle/>
+          <a:p>
+            <a:pPr marL="0" marR="0" indent="0" algn="ctr" defTabSz="584200" rtl="0" fontAlgn="auto" latinLnBrk="1" hangingPunct="0">
+              <a:lnSpc>
+                <a:spcPct val="100000"/>
+              </a:lnSpc>
+              <a:spcBef>
+                <a:spcPts val="0"/>
+              </a:spcBef>
+              <a:spcAft>
+                <a:spcPts val="0"/>
+              </a:spcAft>
+              <a:buClrTx/>
+              <a:buSzTx/>
+              <a:buFontTx/>
+              <a:buNone/>
+              <a:tabLst/>
+            </a:pPr>
+            <a:r>
+              <a:rPr kumimoji="0" lang="en-US" sz="2800" b="0" i="0" u="none" strike="noStrike" cap="none" spc="0" normalizeH="0" baseline="0" dirty="0">
+                <a:ln>
+                  <a:noFill/>
+                </a:ln>
+                <a:solidFill>
+                  <a:srgbClr val="000000"/>
+                </a:solidFill>
+                <a:effectLst/>
+                <a:uFillTx/>
+                <a:latin typeface="Arial" panose="020B0604020202020204" pitchFamily="34" charset="0"/>
+                <a:cs typeface="Arial" panose="020B0604020202020204" pitchFamily="34" charset="0"/>
+                <a:sym typeface="Helvetica Light"/>
+              </a:rPr>
+              <a:t>Catalog</a:t>
+            </a:r>
+          </a:p>
+        </p:txBody>
+      </p:sp>
+      <p:sp>
+        <p:nvSpPr>
+          <p:cNvPr id="3" name="TextBox 2">
+            <a:extLst>
+              <a:ext uri="{FF2B5EF4-FFF2-40B4-BE49-F238E27FC236}">
+                <a16:creationId xmlns:a16="http://schemas.microsoft.com/office/drawing/2014/main" id="{BC579910-9B59-4241-ADD8-EA21DC5380DB}"/>
+              </a:ext>
+            </a:extLst>
+          </p:cNvPr>
+          <p:cNvSpPr txBox="1"/>
+          <p:nvPr/>
+        </p:nvSpPr>
+        <p:spPr>
+          <a:xfrm>
+            <a:off x="1556069" y="3375965"/>
+            <a:ext cx="2248525" cy="510235"/>
+          </a:xfrm>
+          <a:prstGeom prst="rect">
+            <a:avLst/>
+          </a:prstGeom>
+          <a:solidFill>
+            <a:schemeClr val="accent1">
+              <a:lumMod val="20000"/>
+              <a:lumOff val="80000"/>
+            </a:schemeClr>
+          </a:solidFill>
+          <a:ln w="3175" cap="flat">
+            <a:solidFill>
+              <a:schemeClr val="accent1"/>
+            </a:solidFill>
+            <a:miter lim="400000"/>
+          </a:ln>
+          <a:effectLst/>
+        </p:spPr>
+        <p:style>
+          <a:lnRef idx="0">
+            <a:scrgbClr r="0" g="0" b="0"/>
+          </a:lnRef>
+          <a:fillRef idx="0">
+            <a:scrgbClr r="0" g="0" b="0"/>
+          </a:fillRef>
+          <a:effectRef idx="0">
+            <a:scrgbClr r="0" g="0" b="0"/>
+          </a:effectRef>
+          <a:fontRef idx="none"/>
+        </p:style>
+        <p:txBody>
+          <a:bodyPr rot="0" spcFirstLastPara="1" vertOverflow="overflow" horzOverflow="overflow" vert="horz" wrap="square" lIns="39290" tIns="39290" rIns="39290" bIns="39290" numCol="1" spcCol="38100" rtlCol="0" anchor="ctr">
+            <a:spAutoFit/>
+          </a:bodyPr>
+          <a:lstStyle/>
+          <a:p>
+            <a:pPr marL="0" marR="0" indent="0" algn="ctr" defTabSz="584200" rtl="0" fontAlgn="auto" latinLnBrk="1" hangingPunct="0">
+              <a:lnSpc>
+                <a:spcPct val="100000"/>
+              </a:lnSpc>
+              <a:spcBef>
+                <a:spcPts val="0"/>
+              </a:spcBef>
+              <a:spcAft>
+                <a:spcPts val="0"/>
+              </a:spcAft>
+              <a:buClrTx/>
+              <a:buSzTx/>
+              <a:buFontTx/>
+              <a:buNone/>
+              <a:tabLst/>
+            </a:pPr>
+            <a:r>
+              <a:rPr kumimoji="0" lang="en-US" sz="2800" b="0" i="0" u="none" strike="noStrike" cap="none" spc="0" normalizeH="0" baseline="0" dirty="0">
+                <a:ln>
+                  <a:noFill/>
+                </a:ln>
+                <a:solidFill>
+                  <a:srgbClr val="000000"/>
+                </a:solidFill>
+                <a:effectLst/>
+                <a:uFillTx/>
+                <a:latin typeface="Arial" panose="020B0604020202020204" pitchFamily="34" charset="0"/>
+                <a:cs typeface="Arial" panose="020B0604020202020204" pitchFamily="34" charset="0"/>
+                <a:sym typeface="Helvetica Light"/>
+              </a:rPr>
+              <a:t>Product</a:t>
+            </a:r>
+          </a:p>
+        </p:txBody>
+      </p:sp>
+      <p:sp>
+        <p:nvSpPr>
+          <p:cNvPr id="4" name="TextBox 3">
+            <a:extLst>
+              <a:ext uri="{FF2B5EF4-FFF2-40B4-BE49-F238E27FC236}">
+                <a16:creationId xmlns:a16="http://schemas.microsoft.com/office/drawing/2014/main" id="{47FE1031-25FA-9941-B441-4A18DB67457D}"/>
+              </a:ext>
+            </a:extLst>
+          </p:cNvPr>
+          <p:cNvSpPr txBox="1"/>
+          <p:nvPr/>
+        </p:nvSpPr>
+        <p:spPr>
+          <a:xfrm>
+            <a:off x="1556068" y="4167435"/>
+            <a:ext cx="2248525" cy="510235"/>
+          </a:xfrm>
+          <a:prstGeom prst="rect">
+            <a:avLst/>
+          </a:prstGeom>
+          <a:solidFill>
+            <a:schemeClr val="accent1">
+              <a:lumMod val="20000"/>
+              <a:lumOff val="80000"/>
+            </a:schemeClr>
+          </a:solidFill>
+          <a:ln w="3175" cap="flat">
+            <a:solidFill>
+              <a:schemeClr val="accent1"/>
+            </a:solidFill>
+            <a:miter lim="400000"/>
+          </a:ln>
+          <a:effectLst/>
+        </p:spPr>
+        <p:style>
+          <a:lnRef idx="0">
+            <a:scrgbClr r="0" g="0" b="0"/>
+          </a:lnRef>
+          <a:fillRef idx="0">
+            <a:scrgbClr r="0" g="0" b="0"/>
+          </a:fillRef>
+          <a:effectRef idx="0">
+            <a:scrgbClr r="0" g="0" b="0"/>
+          </a:effectRef>
+          <a:fontRef idx="none"/>
+        </p:style>
+        <p:txBody>
+          <a:bodyPr rot="0" spcFirstLastPara="1" vertOverflow="overflow" horzOverflow="overflow" vert="horz" wrap="square" lIns="39290" tIns="39290" rIns="39290" bIns="39290" numCol="1" spcCol="38100" rtlCol="0" anchor="ctr">
+            <a:spAutoFit/>
+          </a:bodyPr>
+          <a:lstStyle/>
+          <a:p>
+            <a:pPr marL="0" marR="0" indent="0" algn="ctr" defTabSz="584200" rtl="0" fontAlgn="auto" latinLnBrk="1" hangingPunct="0">
+              <a:lnSpc>
+                <a:spcPct val="100000"/>
+              </a:lnSpc>
+              <a:spcBef>
+                <a:spcPts val="0"/>
+              </a:spcBef>
+              <a:spcAft>
+                <a:spcPts val="0"/>
+              </a:spcAft>
+              <a:buClrTx/>
+              <a:buSzTx/>
+              <a:buFontTx/>
+              <a:buNone/>
+              <a:tabLst/>
+            </a:pPr>
+            <a:r>
+              <a:rPr lang="en-US" dirty="0">
+                <a:solidFill>
+                  <a:srgbClr val="000000"/>
+                </a:solidFill>
+                <a:latin typeface="Arial" panose="020B0604020202020204" pitchFamily="34" charset="0"/>
+                <a:cs typeface="Arial" panose="020B0604020202020204" pitchFamily="34" charset="0"/>
+              </a:rPr>
+              <a:t>API</a:t>
+            </a:r>
+            <a:endParaRPr kumimoji="0" lang="en-US" sz="2800" b="0" i="0" u="none" strike="noStrike" cap="none" spc="0" normalizeH="0" baseline="0" dirty="0">
+              <a:ln>
+                <a:noFill/>
+              </a:ln>
+              <a:solidFill>
+                <a:srgbClr val="000000"/>
+              </a:solidFill>
+              <a:effectLst/>
+              <a:uFillTx/>
+              <a:latin typeface="Arial" panose="020B0604020202020204" pitchFamily="34" charset="0"/>
+              <a:cs typeface="Arial" panose="020B0604020202020204" pitchFamily="34" charset="0"/>
+              <a:sym typeface="Helvetica Light"/>
+            </a:endParaRPr>
+          </a:p>
+        </p:txBody>
+      </p:sp>
+      <p:cxnSp>
+        <p:nvCxnSpPr>
+          <p:cNvPr id="6" name="Straight Connector 5">
+            <a:extLst>
+              <a:ext uri="{FF2B5EF4-FFF2-40B4-BE49-F238E27FC236}">
+                <a16:creationId xmlns:a16="http://schemas.microsoft.com/office/drawing/2014/main" id="{C4E28FE1-BEEC-0E4A-B9A5-548541176037}"/>
+              </a:ext>
+            </a:extLst>
+          </p:cNvPr>
+          <p:cNvCxnSpPr>
+            <a:cxnSpLocks/>
+            <a:stCxn id="2" idx="2"/>
+            <a:endCxn id="3" idx="0"/>
+          </p:cNvCxnSpPr>
+          <p:nvPr/>
+        </p:nvCxnSpPr>
+        <p:spPr>
+          <a:xfrm>
+            <a:off x="2680331" y="3094730"/>
+            <a:ext cx="1" cy="281235"/>
+          </a:xfrm>
+          <a:prstGeom prst="line">
+            <a:avLst/>
+          </a:prstGeom>
+          <a:noFill/>
+          <a:ln w="12700" cap="flat">
+            <a:solidFill>
+              <a:srgbClr val="000000"/>
+            </a:solidFill>
+            <a:prstDash val="solid"/>
+            <a:miter lim="400000"/>
+          </a:ln>
+          <a:effectLst/>
+        </p:spPr>
+        <p:style>
+          <a:lnRef idx="0">
+            <a:scrgbClr r="0" g="0" b="0"/>
+          </a:lnRef>
+          <a:fillRef idx="0">
+            <a:scrgbClr r="0" g="0" b="0"/>
+          </a:fillRef>
+          <a:effectRef idx="0">
+            <a:scrgbClr r="0" g="0" b="0"/>
+          </a:effectRef>
+          <a:fontRef idx="none"/>
+        </p:style>
+      </p:cxnSp>
+      <p:cxnSp>
+        <p:nvCxnSpPr>
+          <p:cNvPr id="7" name="Straight Connector 6">
+            <a:extLst>
+              <a:ext uri="{FF2B5EF4-FFF2-40B4-BE49-F238E27FC236}">
+                <a16:creationId xmlns:a16="http://schemas.microsoft.com/office/drawing/2014/main" id="{27305FF6-6BBB-C94E-A789-B4FA2F474E8F}"/>
+              </a:ext>
+            </a:extLst>
+          </p:cNvPr>
+          <p:cNvCxnSpPr>
+            <a:cxnSpLocks/>
+            <a:stCxn id="3" idx="2"/>
+            <a:endCxn id="4" idx="0"/>
+          </p:cNvCxnSpPr>
+          <p:nvPr/>
+        </p:nvCxnSpPr>
+        <p:spPr>
+          <a:xfrm flipH="1">
+            <a:off x="2680331" y="3886200"/>
+            <a:ext cx="1" cy="281235"/>
+          </a:xfrm>
+          <a:prstGeom prst="line">
+            <a:avLst/>
+          </a:prstGeom>
+          <a:noFill/>
+          <a:ln w="12700" cap="flat">
+            <a:solidFill>
+              <a:srgbClr val="000000"/>
+            </a:solidFill>
+            <a:prstDash val="solid"/>
+            <a:miter lim="400000"/>
+          </a:ln>
+          <a:effectLst/>
+        </p:spPr>
+        <p:style>
+          <a:lnRef idx="0">
+            <a:scrgbClr r="0" g="0" b="0"/>
+          </a:lnRef>
+          <a:fillRef idx="0">
+            <a:scrgbClr r="0" g="0" b="0"/>
+          </a:fillRef>
+          <a:effectRef idx="0">
+            <a:scrgbClr r="0" g="0" b="0"/>
+          </a:effectRef>
+          <a:fontRef idx="none"/>
+        </p:style>
+      </p:cxnSp>
+      <p:sp>
+        <p:nvSpPr>
+          <p:cNvPr id="8" name="TextBox 7">
+            <a:extLst>
+              <a:ext uri="{FF2B5EF4-FFF2-40B4-BE49-F238E27FC236}">
+                <a16:creationId xmlns:a16="http://schemas.microsoft.com/office/drawing/2014/main" id="{EEB51179-6F79-8342-B192-4AF78CAAF148}"/>
+              </a:ext>
+            </a:extLst>
+          </p:cNvPr>
+          <p:cNvSpPr txBox="1"/>
+          <p:nvPr/>
+        </p:nvSpPr>
+        <p:spPr>
+          <a:xfrm>
+            <a:off x="4007558" y="2553717"/>
+            <a:ext cx="2927884" cy="694901"/>
+          </a:xfrm>
+          <a:prstGeom prst="rect">
+            <a:avLst/>
+          </a:prstGeom>
+          <a:noFill/>
+          <a:ln w="3175" cap="flat">
+            <a:noFill/>
+            <a:miter lim="400000"/>
+          </a:ln>
+          <a:effectLst/>
+        </p:spPr>
+        <p:style>
+          <a:lnRef idx="0">
+            <a:scrgbClr r="0" g="0" b="0"/>
+          </a:lnRef>
+          <a:fillRef idx="0">
+            <a:scrgbClr r="0" g="0" b="0"/>
+          </a:fillRef>
+          <a:effectRef idx="0">
+            <a:scrgbClr r="0" g="0" b="0"/>
+          </a:effectRef>
+          <a:fontRef idx="none"/>
+        </p:style>
+        <p:txBody>
+          <a:bodyPr rot="0" spcFirstLastPara="1" vertOverflow="overflow" horzOverflow="overflow" vert="horz" wrap="square" lIns="39290" tIns="39290" rIns="39290" bIns="39290" numCol="1" spcCol="38100" rtlCol="0" anchor="ctr">
+            <a:spAutoFit/>
+          </a:bodyPr>
+          <a:lstStyle/>
+          <a:p>
+            <a:pPr marL="0" marR="0" indent="0" algn="l" defTabSz="584200" rtl="0" fontAlgn="auto" latinLnBrk="1" hangingPunct="0">
+              <a:lnSpc>
+                <a:spcPct val="100000"/>
+              </a:lnSpc>
+              <a:spcBef>
+                <a:spcPts val="0"/>
+              </a:spcBef>
+              <a:spcAft>
+                <a:spcPts val="0"/>
+              </a:spcAft>
+              <a:buClrTx/>
+              <a:buSzTx/>
+              <a:buFontTx/>
+              <a:buNone/>
+              <a:tabLst/>
+            </a:pPr>
+            <a:r>
+              <a:rPr kumimoji="0" lang="en-US" sz="2000" b="0" i="0" u="none" strike="noStrike" cap="none" spc="0" normalizeH="0" baseline="0" dirty="0">
+                <a:ln>
+                  <a:noFill/>
+                </a:ln>
+                <a:solidFill>
+                  <a:srgbClr val="000000"/>
+                </a:solidFill>
+                <a:effectLst/>
+                <a:uFillTx/>
+                <a:latin typeface="Arial" panose="020B0604020202020204" pitchFamily="34" charset="0"/>
+                <a:cs typeface="Arial" panose="020B0604020202020204" pitchFamily="34" charset="0"/>
+                <a:sym typeface="Helvetica Light"/>
+              </a:rPr>
+              <a:t>Contains products in </a:t>
+            </a:r>
+          </a:p>
+          <a:p>
+            <a:pPr marL="0" marR="0" indent="0" algn="l" defTabSz="584200" rtl="0" fontAlgn="auto" latinLnBrk="1" hangingPunct="0">
+              <a:lnSpc>
+                <a:spcPct val="100000"/>
+              </a:lnSpc>
+              <a:spcBef>
+                <a:spcPts val="0"/>
+              </a:spcBef>
+              <a:spcAft>
+                <a:spcPts val="0"/>
+              </a:spcAft>
+              <a:buClrTx/>
+              <a:buSzTx/>
+              <a:buFontTx/>
+              <a:buNone/>
+              <a:tabLst/>
+            </a:pPr>
+            <a:r>
+              <a:rPr kumimoji="0" lang="en-US" sz="2000" b="0" i="0" u="none" strike="noStrike" cap="none" spc="0" normalizeH="0" baseline="0" dirty="0">
+                <a:ln>
+                  <a:noFill/>
+                </a:ln>
+                <a:solidFill>
+                  <a:srgbClr val="000000"/>
+                </a:solidFill>
+                <a:effectLst/>
+                <a:uFillTx/>
+                <a:latin typeface="Arial" panose="020B0604020202020204" pitchFamily="34" charset="0"/>
+                <a:cs typeface="Arial" panose="020B0604020202020204" pitchFamily="34" charset="0"/>
+                <a:sym typeface="Helvetica Light"/>
+              </a:rPr>
+              <a:t>different publishing state </a:t>
+            </a:r>
+          </a:p>
+        </p:txBody>
+      </p:sp>
+      <p:sp>
+        <p:nvSpPr>
+          <p:cNvPr id="14" name="TextBox 13">
+            <a:extLst>
+              <a:ext uri="{FF2B5EF4-FFF2-40B4-BE49-F238E27FC236}">
+                <a16:creationId xmlns:a16="http://schemas.microsoft.com/office/drawing/2014/main" id="{1208B892-8B2A-B144-9733-0DC6353A520D}"/>
+              </a:ext>
+            </a:extLst>
+          </p:cNvPr>
+          <p:cNvSpPr txBox="1"/>
+          <p:nvPr/>
+        </p:nvSpPr>
+        <p:spPr>
+          <a:xfrm>
+            <a:off x="4007558" y="3499076"/>
+            <a:ext cx="1704792" cy="387124"/>
+          </a:xfrm>
+          <a:prstGeom prst="rect">
+            <a:avLst/>
+          </a:prstGeom>
+          <a:noFill/>
+          <a:ln w="3175" cap="flat">
+            <a:noFill/>
+            <a:miter lim="400000"/>
+          </a:ln>
+          <a:effectLst/>
+        </p:spPr>
+        <p:style>
+          <a:lnRef idx="0">
+            <a:scrgbClr r="0" g="0" b="0"/>
+          </a:lnRef>
+          <a:fillRef idx="0">
+            <a:scrgbClr r="0" g="0" b="0"/>
+          </a:fillRef>
+          <a:effectRef idx="0">
+            <a:scrgbClr r="0" g="0" b="0"/>
+          </a:effectRef>
+          <a:fontRef idx="none"/>
+        </p:style>
+        <p:txBody>
+          <a:bodyPr rot="0" spcFirstLastPara="1" vertOverflow="overflow" horzOverflow="overflow" vert="horz" wrap="none" lIns="39290" tIns="39290" rIns="39290" bIns="39290" numCol="1" spcCol="38100" rtlCol="0" anchor="ctr">
+            <a:spAutoFit/>
+          </a:bodyPr>
+          <a:lstStyle/>
+          <a:p>
+            <a:pPr marL="0" marR="0" indent="0" algn="l" defTabSz="584200" rtl="0" fontAlgn="auto" latinLnBrk="1" hangingPunct="0">
+              <a:lnSpc>
+                <a:spcPct val="100000"/>
+              </a:lnSpc>
+              <a:spcBef>
+                <a:spcPts val="0"/>
+              </a:spcBef>
+              <a:spcAft>
+                <a:spcPts val="0"/>
+              </a:spcAft>
+              <a:buClrTx/>
+              <a:buSzTx/>
+              <a:buFontTx/>
+              <a:buNone/>
+              <a:tabLst/>
+            </a:pPr>
+            <a:r>
+              <a:rPr kumimoji="0" lang="en-US" sz="2000" b="0" i="0" u="none" strike="noStrike" cap="none" spc="0" normalizeH="0" baseline="0" dirty="0">
+                <a:ln>
+                  <a:noFill/>
+                </a:ln>
+                <a:solidFill>
+                  <a:srgbClr val="000000"/>
+                </a:solidFill>
+                <a:effectLst/>
+                <a:uFillTx/>
+                <a:latin typeface="Arial" panose="020B0604020202020204" pitchFamily="34" charset="0"/>
+                <a:cs typeface="Arial" panose="020B0604020202020204" pitchFamily="34" charset="0"/>
+                <a:sym typeface="Helvetica Light"/>
+              </a:rPr>
+              <a:t>Contains APIs</a:t>
+            </a:r>
+          </a:p>
+        </p:txBody>
+      </p:sp>
+      <p:sp>
+        <p:nvSpPr>
+          <p:cNvPr id="15" name="TextBox 14">
+            <a:extLst>
+              <a:ext uri="{FF2B5EF4-FFF2-40B4-BE49-F238E27FC236}">
+                <a16:creationId xmlns:a16="http://schemas.microsoft.com/office/drawing/2014/main" id="{2C0830D2-6A0C-5B4C-9AA6-CDF7B6149415}"/>
+              </a:ext>
+            </a:extLst>
+          </p:cNvPr>
+          <p:cNvSpPr txBox="1"/>
+          <p:nvPr/>
+        </p:nvSpPr>
+        <p:spPr>
+          <a:xfrm>
+            <a:off x="4007557" y="4167435"/>
+            <a:ext cx="4253567" cy="387124"/>
+          </a:xfrm>
+          <a:prstGeom prst="rect">
+            <a:avLst/>
+          </a:prstGeom>
+          <a:noFill/>
+          <a:ln w="3175" cap="flat">
+            <a:noFill/>
+            <a:miter lim="400000"/>
+          </a:ln>
+          <a:effectLst/>
+        </p:spPr>
+        <p:style>
+          <a:lnRef idx="0">
+            <a:scrgbClr r="0" g="0" b="0"/>
+          </a:lnRef>
+          <a:fillRef idx="0">
+            <a:scrgbClr r="0" g="0" b="0"/>
+          </a:fillRef>
+          <a:effectRef idx="0">
+            <a:scrgbClr r="0" g="0" b="0"/>
+          </a:effectRef>
+          <a:fontRef idx="none"/>
+        </p:style>
+        <p:txBody>
+          <a:bodyPr rot="0" spcFirstLastPara="1" vertOverflow="overflow" horzOverflow="overflow" vert="horz" wrap="none" lIns="39290" tIns="39290" rIns="39290" bIns="39290" numCol="1" spcCol="38100" rtlCol="0" anchor="ctr">
+            <a:spAutoFit/>
+          </a:bodyPr>
+          <a:lstStyle/>
+          <a:p>
+            <a:pPr marL="0" marR="0" indent="0" algn="l" defTabSz="584200" rtl="0" fontAlgn="auto" latinLnBrk="1" hangingPunct="0">
+              <a:lnSpc>
+                <a:spcPct val="100000"/>
+              </a:lnSpc>
+              <a:spcBef>
+                <a:spcPts val="0"/>
+              </a:spcBef>
+              <a:spcAft>
+                <a:spcPts val="0"/>
+              </a:spcAft>
+              <a:buClrTx/>
+              <a:buSzTx/>
+              <a:buFontTx/>
+              <a:buNone/>
+              <a:tabLst/>
+            </a:pPr>
+            <a:r>
+              <a:rPr kumimoji="0" lang="en-US" sz="2000" b="0" i="0" u="none" strike="noStrike" cap="none" spc="0" normalizeH="0" baseline="0" dirty="0">
+                <a:ln>
+                  <a:noFill/>
+                </a:ln>
+                <a:solidFill>
+                  <a:srgbClr val="000000"/>
+                </a:solidFill>
+                <a:effectLst/>
+                <a:uFillTx/>
+                <a:latin typeface="Arial" panose="020B0604020202020204" pitchFamily="34" charset="0"/>
+                <a:cs typeface="Arial" panose="020B0604020202020204" pitchFamily="34" charset="0"/>
+                <a:sym typeface="Helvetica Light"/>
+              </a:rPr>
+              <a:t>Contains our imported API definition</a:t>
+            </a:r>
+          </a:p>
+        </p:txBody>
+      </p:sp>
+      <p:sp>
+        <p:nvSpPr>
+          <p:cNvPr id="20" name="TextBox 19">
+            <a:extLst>
+              <a:ext uri="{FF2B5EF4-FFF2-40B4-BE49-F238E27FC236}">
+                <a16:creationId xmlns:a16="http://schemas.microsoft.com/office/drawing/2014/main" id="{C6D5D6C3-A981-F848-AA55-15020187D309}"/>
+              </a:ext>
+            </a:extLst>
+          </p:cNvPr>
+          <p:cNvSpPr txBox="1"/>
+          <p:nvPr/>
+        </p:nvSpPr>
+        <p:spPr>
+          <a:xfrm>
+            <a:off x="1670180" y="1844841"/>
+            <a:ext cx="5495732" cy="510235"/>
+          </a:xfrm>
+          <a:prstGeom prst="rect">
+            <a:avLst/>
+          </a:prstGeom>
+          <a:noFill/>
+          <a:ln w="3175" cap="flat">
+            <a:noFill/>
+            <a:miter lim="400000"/>
+          </a:ln>
+          <a:effectLst/>
+        </p:spPr>
+        <p:style>
+          <a:lnRef idx="0">
+            <a:scrgbClr r="0" g="0" b="0"/>
+          </a:lnRef>
+          <a:fillRef idx="0">
+            <a:scrgbClr r="0" g="0" b="0"/>
+          </a:fillRef>
+          <a:effectRef idx="0">
+            <a:scrgbClr r="0" g="0" b="0"/>
+          </a:effectRef>
+          <a:fontRef idx="none"/>
+        </p:style>
+        <p:txBody>
+          <a:bodyPr rot="0" spcFirstLastPara="1" vertOverflow="overflow" horzOverflow="overflow" vert="horz" wrap="square" lIns="39290" tIns="39290" rIns="39290" bIns="39290" numCol="1" spcCol="38100" rtlCol="0" anchor="ctr">
+            <a:spAutoFit/>
+          </a:bodyPr>
+          <a:lstStyle/>
+          <a:p>
+            <a:pPr marL="0" marR="0" indent="0" algn="ctr" defTabSz="584200" rtl="0" fontAlgn="auto" latinLnBrk="1" hangingPunct="0">
+              <a:lnSpc>
+                <a:spcPct val="100000"/>
+              </a:lnSpc>
+              <a:spcBef>
+                <a:spcPts val="0"/>
+              </a:spcBef>
+              <a:spcAft>
+                <a:spcPts val="0"/>
+              </a:spcAft>
+              <a:buClrTx/>
+              <a:buSzTx/>
+              <a:buFontTx/>
+              <a:buNone/>
+              <a:tabLst/>
+            </a:pPr>
+            <a:r>
+              <a:rPr kumimoji="0" lang="de-DE" sz="2800" b="1" i="0" u="none" strike="noStrike" cap="none" spc="0" normalizeH="0" baseline="0" dirty="0">
+                <a:ln>
+                  <a:noFill/>
+                </a:ln>
+                <a:solidFill>
+                  <a:srgbClr val="000000"/>
+                </a:solidFill>
+                <a:effectLst/>
+                <a:uFillTx/>
+                <a:latin typeface="+mn-lt"/>
+                <a:ea typeface="+mn-ea"/>
+                <a:cs typeface="+mn-cs"/>
+                <a:sym typeface="Helvetica Light"/>
+              </a:rPr>
+              <a:t>Major </a:t>
+            </a:r>
+            <a:r>
+              <a:rPr kumimoji="0" lang="en-US" sz="2800" b="1" i="0" u="none" strike="noStrike" cap="none" spc="0" normalizeH="0" baseline="0" dirty="0">
+                <a:ln>
+                  <a:noFill/>
+                </a:ln>
+                <a:solidFill>
+                  <a:srgbClr val="000000"/>
+                </a:solidFill>
+                <a:effectLst/>
+                <a:uFillTx/>
+                <a:latin typeface="+mn-lt"/>
+                <a:ea typeface="+mn-ea"/>
+                <a:cs typeface="+mn-cs"/>
+                <a:sym typeface="Helvetica Light"/>
+              </a:rPr>
+              <a:t>elements</a:t>
+            </a:r>
+            <a:r>
+              <a:rPr kumimoji="0" lang="de-DE" sz="2800" b="1" i="0" u="none" strike="noStrike" cap="none" spc="0" normalizeH="0" baseline="0" dirty="0">
+                <a:ln>
+                  <a:noFill/>
+                </a:ln>
+                <a:solidFill>
+                  <a:srgbClr val="000000"/>
+                </a:solidFill>
+                <a:effectLst/>
+                <a:uFillTx/>
+                <a:latin typeface="+mn-lt"/>
+                <a:ea typeface="+mn-ea"/>
+                <a:cs typeface="+mn-cs"/>
+                <a:sym typeface="Helvetica Light"/>
+              </a:rPr>
+              <a:t> in API Connect</a:t>
+            </a:r>
+          </a:p>
+        </p:txBody>
+      </p:sp>
+    </p:spTree>
+    <p:extLst>
+      <p:ext uri="{BB962C8B-B14F-4D97-AF65-F5344CB8AC3E}">
+        <p14:creationId xmlns:p14="http://schemas.microsoft.com/office/powerpoint/2010/main" val="1234341700"/>
+      </p:ext>
+    </p:extLst>
+  </p:cSld>
+  <p:clrMapOvr>
+    <a:masterClrMapping/>
+  </p:clrMapOvr>
+  <p:transition spd="med"/>
 </p:sld>
 </file>
 
@@ -26962,7 +27858,7 @@
           </a:ln>
           <a:extLst>
             <a:ext uri="{C572A759-6A51-4108-AA02-DFA0A04FC94B}">
-              <ma14:wrappingTextBoxFlag xmlns:ma14="http://schemas.microsoft.com/office/mac/drawingml/2011/main" val="1"/>
+              <ma14:wrappingTextBoxFlag xmlns:ma14="http://schemas.microsoft.com/office/mac/drawingml/2011/main" xmlns="" val="1"/>
             </a:ext>
           </a:extLst>
         </p:spPr>
@@ -27030,7 +27926,7 @@
           </a:ln>
           <a:extLst>
             <a:ext uri="{C572A759-6A51-4108-AA02-DFA0A04FC94B}">
-              <ma14:wrappingTextBoxFlag xmlns:ma14="http://schemas.microsoft.com/office/mac/drawingml/2011/main" val="1"/>
+              <ma14:wrappingTextBoxFlag xmlns:ma14="http://schemas.microsoft.com/office/mac/drawingml/2011/main" xmlns="" val="1"/>
             </a:ext>
           </a:extLst>
         </p:spPr>
@@ -27648,7 +28544,7 @@
           </a:ln>
           <a:extLst>
             <a:ext uri="{C572A759-6A51-4108-AA02-DFA0A04FC94B}">
-              <ma14:wrappingTextBoxFlag xmlns:ma14="http://schemas.microsoft.com/office/mac/drawingml/2011/main" val="1"/>
+              <ma14:wrappingTextBoxFlag xmlns:ma14="http://schemas.microsoft.com/office/mac/drawingml/2011/main" xmlns="" val="1"/>
             </a:ext>
           </a:extLst>
         </p:spPr>
@@ -28134,7 +29030,7 @@
           </a:ln>
           <a:extLst>
             <a:ext uri="{C572A759-6A51-4108-AA02-DFA0A04FC94B}">
-              <ma14:wrappingTextBoxFlag xmlns:ma14="http://schemas.microsoft.com/office/mac/drawingml/2011/main" val="1"/>
+              <ma14:wrappingTextBoxFlag xmlns:ma14="http://schemas.microsoft.com/office/mac/drawingml/2011/main" xmlns="" val="1"/>
             </a:ext>
           </a:extLst>
         </p:spPr>
@@ -28691,7 +29587,7 @@
           </a:ln>
           <a:extLst>
             <a:ext uri="{C572A759-6A51-4108-AA02-DFA0A04FC94B}">
-              <ma14:wrappingTextBoxFlag xmlns:ma14="http://schemas.microsoft.com/office/mac/drawingml/2011/main" val="1"/>
+              <ma14:wrappingTextBoxFlag xmlns:ma14="http://schemas.microsoft.com/office/mac/drawingml/2011/main" xmlns="" val="1"/>
             </a:ext>
           </a:extLst>
         </p:spPr>
@@ -28975,7 +29871,7 @@
           </a:ln>
           <a:extLst>
             <a:ext uri="{C572A759-6A51-4108-AA02-DFA0A04FC94B}">
-              <ma14:wrappingTextBoxFlag xmlns:ma14="http://schemas.microsoft.com/office/mac/drawingml/2011/main" val="1"/>
+              <ma14:wrappingTextBoxFlag xmlns:ma14="http://schemas.microsoft.com/office/mac/drawingml/2011/main" xmlns="" val="1"/>
             </a:ext>
           </a:extLst>
         </p:spPr>
@@ -29117,7 +30013,7 @@
           </a:ln>
           <a:extLst>
             <a:ext uri="{C572A759-6A51-4108-AA02-DFA0A04FC94B}">
-              <ma14:wrappingTextBoxFlag xmlns:ma14="http://schemas.microsoft.com/office/mac/drawingml/2011/main" val="1"/>
+              <ma14:wrappingTextBoxFlag xmlns:ma14="http://schemas.microsoft.com/office/mac/drawingml/2011/main" xmlns="" val="1"/>
             </a:ext>
           </a:extLst>
         </p:spPr>
@@ -29293,7 +30189,7 @@
           </a:ln>
           <a:extLst>
             <a:ext uri="{C572A759-6A51-4108-AA02-DFA0A04FC94B}">
-              <ma14:wrappingTextBoxFlag xmlns:ma14="http://schemas.microsoft.com/office/mac/drawingml/2011/main" val="1"/>
+              <ma14:wrappingTextBoxFlag xmlns:ma14="http://schemas.microsoft.com/office/mac/drawingml/2011/main" xmlns="" val="1"/>
             </a:ext>
           </a:extLst>
         </p:spPr>
@@ -29396,7 +30292,7 @@
           </a:ln>
           <a:extLst>
             <a:ext uri="{C572A759-6A51-4108-AA02-DFA0A04FC94B}">
-              <ma14:wrappingTextBoxFlag xmlns:ma14="http://schemas.microsoft.com/office/mac/drawingml/2011/main" val="1"/>
+              <ma14:wrappingTextBoxFlag xmlns:ma14="http://schemas.microsoft.com/office/mac/drawingml/2011/main" xmlns="" val="1"/>
             </a:ext>
           </a:extLst>
         </p:spPr>
@@ -30149,7 +31045,7 @@
               <a:tabLst/>
             </a:pPr>
             <a:r>
-              <a:rPr lang="en-US" sz="1200" dirty="0" smtClean="0">
+              <a:rPr lang="en-US" sz="1200" dirty="0">
                 <a:solidFill>
                   <a:srgbClr val="000000"/>
                 </a:solidFill>
@@ -30209,7 +31105,7 @@
   <p:clrMapOvr>
     <a:masterClrMapping/>
   </p:clrMapOvr>
-  <p:transition xmlns:p14="http://schemas.microsoft.com/office/powerpoint/2010/main" spd="med"/>
+  <p:transition spd="med"/>
 </p:sld>
 </file>
 
@@ -30296,7 +31192,7 @@
             <a:effectLst/>
             <a:extLst>
               <a:ext uri="{C572A759-6A51-4108-AA02-DFA0A04FC94B}">
-                <ma14:wrappingTextBoxFlag xmlns:ma14="http://schemas.microsoft.com/office/mac/drawingml/2011/main" val="1"/>
+                <ma14:wrappingTextBoxFlag xmlns:ma14="http://schemas.microsoft.com/office/mac/drawingml/2011/main" xmlns="" val="1"/>
               </a:ext>
             </a:extLst>
           </p:spPr>
@@ -30370,7 +31266,7 @@
           <p:cNvPr id="34" name="Group 33">
             <a:extLst>
               <a:ext uri="{FF2B5EF4-FFF2-40B4-BE49-F238E27FC236}">
-                <a16:creationId xmlns:a16="http://schemas.microsoft.com/office/drawing/2014/main" xmlns="" id="{5938EDDB-B2B2-6642-9D20-6D7C5F9FED31}"/>
+                <a16:creationId xmlns:a16="http://schemas.microsoft.com/office/drawing/2014/main" id="{5938EDDB-B2B2-6642-9D20-6D7C5F9FED31}"/>
               </a:ext>
             </a:extLst>
           </p:cNvPr>
@@ -30390,7 +31286,7 @@
             <p:cNvPr id="35" name="Group 34">
               <a:extLst>
                 <a:ext uri="{FF2B5EF4-FFF2-40B4-BE49-F238E27FC236}">
-                  <a16:creationId xmlns:a16="http://schemas.microsoft.com/office/drawing/2014/main" xmlns="" id="{3527AD53-90A2-7D45-A4B7-509C2FD1C32F}"/>
+                  <a16:creationId xmlns:a16="http://schemas.microsoft.com/office/drawing/2014/main" id="{3527AD53-90A2-7D45-A4B7-509C2FD1C32F}"/>
                 </a:ext>
               </a:extLst>
             </p:cNvPr>
@@ -30410,7 +31306,7 @@
               <p:cNvPr id="37" name="Oval 36">
                 <a:extLst>
                   <a:ext uri="{FF2B5EF4-FFF2-40B4-BE49-F238E27FC236}">
-                    <a16:creationId xmlns:a16="http://schemas.microsoft.com/office/drawing/2014/main" xmlns="" id="{38BE8895-77F2-3F48-BDC0-E7E0559BA7AD}"/>
+                    <a16:creationId xmlns:a16="http://schemas.microsoft.com/office/drawing/2014/main" id="{38BE8895-77F2-3F48-BDC0-E7E0559BA7AD}"/>
                   </a:ext>
                 </a:extLst>
               </p:cNvPr>
@@ -30466,7 +31362,7 @@
               <p:cNvPr id="38" name="Picture 37">
                 <a:extLst>
                   <a:ext uri="{FF2B5EF4-FFF2-40B4-BE49-F238E27FC236}">
-                    <a16:creationId xmlns:a16="http://schemas.microsoft.com/office/drawing/2014/main" xmlns="" id="{1E774A8B-C5DB-534E-8EE3-5D936B2F1BDA}"/>
+                    <a16:creationId xmlns:a16="http://schemas.microsoft.com/office/drawing/2014/main" id="{1E774A8B-C5DB-534E-8EE3-5D936B2F1BDA}"/>
                   </a:ext>
                 </a:extLst>
               </p:cNvPr>
@@ -30503,7 +31399,7 @@
             <p:cNvPr id="36" name="Shape 576">
               <a:extLst>
                 <a:ext uri="{FF2B5EF4-FFF2-40B4-BE49-F238E27FC236}">
-                  <a16:creationId xmlns:a16="http://schemas.microsoft.com/office/drawing/2014/main" xmlns="" id="{8D66F62C-0857-0C4E-B8A3-3F8DBC721692}"/>
+                  <a16:creationId xmlns:a16="http://schemas.microsoft.com/office/drawing/2014/main" id="{8D66F62C-0857-0C4E-B8A3-3F8DBC721692}"/>
                 </a:ext>
               </a:extLst>
             </p:cNvPr>
@@ -30523,7 +31419,7 @@
             </a:ln>
             <a:extLst>
               <a:ext uri="{C572A759-6A51-4108-AA02-DFA0A04FC94B}">
-                <ma14:wrappingTextBoxFlag xmlns:ma14="http://schemas.microsoft.com/office/mac/drawingml/2011/main" val="1"/>
+                <ma14:wrappingTextBoxFlag xmlns:ma14="http://schemas.microsoft.com/office/mac/drawingml/2011/main" xmlns="" val="1"/>
               </a:ext>
             </a:extLst>
           </p:spPr>
@@ -30674,7 +31570,7 @@
             </a:ln>
             <a:extLst>
               <a:ext uri="{C572A759-6A51-4108-AA02-DFA0A04FC94B}">
-                <ma14:wrappingTextBoxFlag xmlns:ma14="http://schemas.microsoft.com/office/mac/drawingml/2011/main" val="1"/>
+                <ma14:wrappingTextBoxFlag xmlns:ma14="http://schemas.microsoft.com/office/mac/drawingml/2011/main" xmlns="" val="1"/>
               </a:ext>
             </a:extLst>
           </p:spPr>
@@ -30738,7 +31634,7 @@
           <p:cNvPr id="43" name="Group 42">
             <a:extLst>
               <a:ext uri="{FF2B5EF4-FFF2-40B4-BE49-F238E27FC236}">
-                <a16:creationId xmlns:a16="http://schemas.microsoft.com/office/drawing/2014/main" xmlns="" id="{414AC93B-86D8-5345-93C9-AD53BB74E355}"/>
+                <a16:creationId xmlns:a16="http://schemas.microsoft.com/office/drawing/2014/main" id="{414AC93B-86D8-5345-93C9-AD53BB74E355}"/>
               </a:ext>
             </a:extLst>
           </p:cNvPr>
@@ -30758,7 +31654,7 @@
             <p:cNvPr id="44" name="Shape 576">
               <a:extLst>
                 <a:ext uri="{FF2B5EF4-FFF2-40B4-BE49-F238E27FC236}">
-                  <a16:creationId xmlns:a16="http://schemas.microsoft.com/office/drawing/2014/main" xmlns="" id="{B830E1BD-415C-1647-B429-63A4B5950908}"/>
+                  <a16:creationId xmlns:a16="http://schemas.microsoft.com/office/drawing/2014/main" id="{B830E1BD-415C-1647-B429-63A4B5950908}"/>
                 </a:ext>
               </a:extLst>
             </p:cNvPr>
@@ -30778,7 +31674,7 @@
             </a:ln>
             <a:extLst>
               <a:ext uri="{C572A759-6A51-4108-AA02-DFA0A04FC94B}">
-                <ma14:wrappingTextBoxFlag xmlns:ma14="http://schemas.microsoft.com/office/mac/drawingml/2011/main" val="1"/>
+                <ma14:wrappingTextBoxFlag xmlns:ma14="http://schemas.microsoft.com/office/mac/drawingml/2011/main" xmlns="" val="1"/>
               </a:ext>
             </a:extLst>
           </p:spPr>
@@ -30815,7 +31711,7 @@
             <p:cNvPr id="45" name="Group 44">
               <a:extLst>
                 <a:ext uri="{FF2B5EF4-FFF2-40B4-BE49-F238E27FC236}">
-                  <a16:creationId xmlns:a16="http://schemas.microsoft.com/office/drawing/2014/main" xmlns="" id="{58675086-411D-5640-BC91-9D51D514E9D5}"/>
+                  <a16:creationId xmlns:a16="http://schemas.microsoft.com/office/drawing/2014/main" id="{58675086-411D-5640-BC91-9D51D514E9D5}"/>
                 </a:ext>
               </a:extLst>
             </p:cNvPr>
@@ -30835,7 +31731,7 @@
               <p:cNvPr id="46" name="Oval 45">
                 <a:extLst>
                   <a:ext uri="{FF2B5EF4-FFF2-40B4-BE49-F238E27FC236}">
-                    <a16:creationId xmlns:a16="http://schemas.microsoft.com/office/drawing/2014/main" xmlns="" id="{D2571F00-6E2C-1248-B833-819BA9F96071}"/>
+                    <a16:creationId xmlns:a16="http://schemas.microsoft.com/office/drawing/2014/main" id="{D2571F00-6E2C-1248-B833-819BA9F96071}"/>
                   </a:ext>
                 </a:extLst>
               </p:cNvPr>
@@ -30891,7 +31787,7 @@
               <p:cNvPr id="47" name="Picture 46">
                 <a:extLst>
                   <a:ext uri="{FF2B5EF4-FFF2-40B4-BE49-F238E27FC236}">
-                    <a16:creationId xmlns:a16="http://schemas.microsoft.com/office/drawing/2014/main" xmlns="" id="{EC8979B1-1A53-464F-82E9-1858F6AE5E53}"/>
+                    <a16:creationId xmlns:a16="http://schemas.microsoft.com/office/drawing/2014/main" id="{EC8979B1-1A53-464F-82E9-1858F6AE5E53}"/>
                   </a:ext>
                 </a:extLst>
               </p:cNvPr>
@@ -30929,7 +31825,7 @@
           <p:cNvPr id="48" name="Group 47">
             <a:extLst>
               <a:ext uri="{FF2B5EF4-FFF2-40B4-BE49-F238E27FC236}">
-                <a16:creationId xmlns:a16="http://schemas.microsoft.com/office/drawing/2014/main" xmlns="" id="{5938EDDB-B2B2-6642-9D20-6D7C5F9FED31}"/>
+                <a16:creationId xmlns:a16="http://schemas.microsoft.com/office/drawing/2014/main" id="{5938EDDB-B2B2-6642-9D20-6D7C5F9FED31}"/>
               </a:ext>
             </a:extLst>
           </p:cNvPr>
@@ -30949,7 +31845,7 @@
             <p:cNvPr id="49" name="Group 48">
               <a:extLst>
                 <a:ext uri="{FF2B5EF4-FFF2-40B4-BE49-F238E27FC236}">
-                  <a16:creationId xmlns:a16="http://schemas.microsoft.com/office/drawing/2014/main" xmlns="" id="{3527AD53-90A2-7D45-A4B7-509C2FD1C32F}"/>
+                  <a16:creationId xmlns:a16="http://schemas.microsoft.com/office/drawing/2014/main" id="{3527AD53-90A2-7D45-A4B7-509C2FD1C32F}"/>
                 </a:ext>
               </a:extLst>
             </p:cNvPr>
@@ -30969,7 +31865,7 @@
               <p:cNvPr id="51" name="Oval 50">
                 <a:extLst>
                   <a:ext uri="{FF2B5EF4-FFF2-40B4-BE49-F238E27FC236}">
-                    <a16:creationId xmlns:a16="http://schemas.microsoft.com/office/drawing/2014/main" xmlns="" id="{38BE8895-77F2-3F48-BDC0-E7E0559BA7AD}"/>
+                    <a16:creationId xmlns:a16="http://schemas.microsoft.com/office/drawing/2014/main" id="{38BE8895-77F2-3F48-BDC0-E7E0559BA7AD}"/>
                   </a:ext>
                 </a:extLst>
               </p:cNvPr>
@@ -31025,7 +31921,7 @@
               <p:cNvPr id="52" name="Picture 51">
                 <a:extLst>
                   <a:ext uri="{FF2B5EF4-FFF2-40B4-BE49-F238E27FC236}">
-                    <a16:creationId xmlns:a16="http://schemas.microsoft.com/office/drawing/2014/main" xmlns="" id="{1E774A8B-C5DB-534E-8EE3-5D936B2F1BDA}"/>
+                    <a16:creationId xmlns:a16="http://schemas.microsoft.com/office/drawing/2014/main" id="{1E774A8B-C5DB-534E-8EE3-5D936B2F1BDA}"/>
                   </a:ext>
                 </a:extLst>
               </p:cNvPr>
@@ -31062,7 +31958,7 @@
             <p:cNvPr id="50" name="Shape 576">
               <a:extLst>
                 <a:ext uri="{FF2B5EF4-FFF2-40B4-BE49-F238E27FC236}">
-                  <a16:creationId xmlns:a16="http://schemas.microsoft.com/office/drawing/2014/main" xmlns="" id="{8D66F62C-0857-0C4E-B8A3-3F8DBC721692}"/>
+                  <a16:creationId xmlns:a16="http://schemas.microsoft.com/office/drawing/2014/main" id="{8D66F62C-0857-0C4E-B8A3-3F8DBC721692}"/>
                 </a:ext>
               </a:extLst>
             </p:cNvPr>
@@ -31082,7 +31978,7 @@
             </a:ln>
             <a:extLst>
               <a:ext uri="{C572A759-6A51-4108-AA02-DFA0A04FC94B}">
-                <ma14:wrappingTextBoxFlag xmlns:ma14="http://schemas.microsoft.com/office/mac/drawingml/2011/main" val="1"/>
+                <ma14:wrappingTextBoxFlag xmlns:ma14="http://schemas.microsoft.com/office/mac/drawingml/2011/main" xmlns="" val="1"/>
               </a:ext>
             </a:extLst>
           </p:spPr>
@@ -31683,7 +32579,7 @@
             <a:effectLst/>
             <a:extLst>
               <a:ext uri="{C572A759-6A51-4108-AA02-DFA0A04FC94B}">
-                <ma14:wrappingTextBoxFlag xmlns:ma14="http://schemas.microsoft.com/office/mac/drawingml/2011/main" val="1"/>
+                <ma14:wrappingTextBoxFlag xmlns:ma14="http://schemas.microsoft.com/office/mac/drawingml/2011/main" xmlns="" val="1"/>
               </a:ext>
             </a:extLst>
           </p:spPr>
@@ -31835,7 +32731,7 @@
             <a:effectLst/>
             <a:extLst>
               <a:ext uri="{C572A759-6A51-4108-AA02-DFA0A04FC94B}">
-                <ma14:wrappingTextBoxFlag xmlns:ma14="http://schemas.microsoft.com/office/mac/drawingml/2011/main" val="1"/>
+                <ma14:wrappingTextBoxFlag xmlns:ma14="http://schemas.microsoft.com/office/mac/drawingml/2011/main" xmlns="" val="1"/>
               </a:ext>
             </a:extLst>
           </p:spPr>
@@ -31943,7 +32839,7 @@
           <a:effectLst/>
           <a:extLst>
             <a:ext uri="{C572A759-6A51-4108-AA02-DFA0A04FC94B}">
-              <ma14:wrappingTextBoxFlag xmlns:ma14="http://schemas.microsoft.com/office/mac/drawingml/2011/main" val="1"/>
+              <ma14:wrappingTextBoxFlag xmlns:ma14="http://schemas.microsoft.com/office/mac/drawingml/2011/main" xmlns="" val="1"/>
             </a:ext>
           </a:extLst>
         </p:spPr>
@@ -32143,7 +33039,7 @@
           <p:cNvPr id="170" name="Group 169">
             <a:extLst>
               <a:ext uri="{FF2B5EF4-FFF2-40B4-BE49-F238E27FC236}">
-                <a16:creationId xmlns:a16="http://schemas.microsoft.com/office/drawing/2014/main" xmlns="" id="{5938EDDB-B2B2-6642-9D20-6D7C5F9FED31}"/>
+                <a16:creationId xmlns:a16="http://schemas.microsoft.com/office/drawing/2014/main" id="{5938EDDB-B2B2-6642-9D20-6D7C5F9FED31}"/>
               </a:ext>
             </a:extLst>
           </p:cNvPr>
@@ -32163,7 +33059,7 @@
             <p:cNvPr id="171" name="Group 170">
               <a:extLst>
                 <a:ext uri="{FF2B5EF4-FFF2-40B4-BE49-F238E27FC236}">
-                  <a16:creationId xmlns:a16="http://schemas.microsoft.com/office/drawing/2014/main" xmlns="" id="{3527AD53-90A2-7D45-A4B7-509C2FD1C32F}"/>
+                  <a16:creationId xmlns:a16="http://schemas.microsoft.com/office/drawing/2014/main" id="{3527AD53-90A2-7D45-A4B7-509C2FD1C32F}"/>
                 </a:ext>
               </a:extLst>
             </p:cNvPr>
@@ -32183,7 +33079,7 @@
               <p:cNvPr id="173" name="Oval 172">
                 <a:extLst>
                   <a:ext uri="{FF2B5EF4-FFF2-40B4-BE49-F238E27FC236}">
-                    <a16:creationId xmlns:a16="http://schemas.microsoft.com/office/drawing/2014/main" xmlns="" id="{38BE8895-77F2-3F48-BDC0-E7E0559BA7AD}"/>
+                    <a16:creationId xmlns:a16="http://schemas.microsoft.com/office/drawing/2014/main" id="{38BE8895-77F2-3F48-BDC0-E7E0559BA7AD}"/>
                   </a:ext>
                 </a:extLst>
               </p:cNvPr>
@@ -32239,7 +33135,7 @@
               <p:cNvPr id="174" name="Picture 173">
                 <a:extLst>
                   <a:ext uri="{FF2B5EF4-FFF2-40B4-BE49-F238E27FC236}">
-                    <a16:creationId xmlns:a16="http://schemas.microsoft.com/office/drawing/2014/main" xmlns="" id="{1E774A8B-C5DB-534E-8EE3-5D936B2F1BDA}"/>
+                    <a16:creationId xmlns:a16="http://schemas.microsoft.com/office/drawing/2014/main" id="{1E774A8B-C5DB-534E-8EE3-5D936B2F1BDA}"/>
                   </a:ext>
                 </a:extLst>
               </p:cNvPr>
@@ -32276,7 +33172,7 @@
             <p:cNvPr id="172" name="Shape 576">
               <a:extLst>
                 <a:ext uri="{FF2B5EF4-FFF2-40B4-BE49-F238E27FC236}">
-                  <a16:creationId xmlns:a16="http://schemas.microsoft.com/office/drawing/2014/main" xmlns="" id="{8D66F62C-0857-0C4E-B8A3-3F8DBC721692}"/>
+                  <a16:creationId xmlns:a16="http://schemas.microsoft.com/office/drawing/2014/main" id="{8D66F62C-0857-0C4E-B8A3-3F8DBC721692}"/>
                 </a:ext>
               </a:extLst>
             </p:cNvPr>
@@ -32296,7 +33192,7 @@
             </a:ln>
             <a:extLst>
               <a:ext uri="{C572A759-6A51-4108-AA02-DFA0A04FC94B}">
-                <ma14:wrappingTextBoxFlag xmlns:ma14="http://schemas.microsoft.com/office/mac/drawingml/2011/main" val="1"/>
+                <ma14:wrappingTextBoxFlag xmlns:ma14="http://schemas.microsoft.com/office/mac/drawingml/2011/main" xmlns="" val="1"/>
               </a:ext>
             </a:extLst>
           </p:spPr>
@@ -32375,7 +33271,7 @@
           <p:cNvPr id="177" name="Group 176">
             <a:extLst>
               <a:ext uri="{FF2B5EF4-FFF2-40B4-BE49-F238E27FC236}">
-                <a16:creationId xmlns:a16="http://schemas.microsoft.com/office/drawing/2014/main" xmlns="" id="{5938EDDB-B2B2-6642-9D20-6D7C5F9FED31}"/>
+                <a16:creationId xmlns:a16="http://schemas.microsoft.com/office/drawing/2014/main" id="{5938EDDB-B2B2-6642-9D20-6D7C5F9FED31}"/>
               </a:ext>
             </a:extLst>
           </p:cNvPr>
@@ -32395,7 +33291,7 @@
             <p:cNvPr id="178" name="Group 177">
               <a:extLst>
                 <a:ext uri="{FF2B5EF4-FFF2-40B4-BE49-F238E27FC236}">
-                  <a16:creationId xmlns:a16="http://schemas.microsoft.com/office/drawing/2014/main" xmlns="" id="{3527AD53-90A2-7D45-A4B7-509C2FD1C32F}"/>
+                  <a16:creationId xmlns:a16="http://schemas.microsoft.com/office/drawing/2014/main" id="{3527AD53-90A2-7D45-A4B7-509C2FD1C32F}"/>
                 </a:ext>
               </a:extLst>
             </p:cNvPr>
@@ -32415,7 +33311,7 @@
               <p:cNvPr id="180" name="Oval 179">
                 <a:extLst>
                   <a:ext uri="{FF2B5EF4-FFF2-40B4-BE49-F238E27FC236}">
-                    <a16:creationId xmlns:a16="http://schemas.microsoft.com/office/drawing/2014/main" xmlns="" id="{38BE8895-77F2-3F48-BDC0-E7E0559BA7AD}"/>
+                    <a16:creationId xmlns:a16="http://schemas.microsoft.com/office/drawing/2014/main" id="{38BE8895-77F2-3F48-BDC0-E7E0559BA7AD}"/>
                   </a:ext>
                 </a:extLst>
               </p:cNvPr>
@@ -32471,7 +33367,7 @@
               <p:cNvPr id="181" name="Picture 180">
                 <a:extLst>
                   <a:ext uri="{FF2B5EF4-FFF2-40B4-BE49-F238E27FC236}">
-                    <a16:creationId xmlns:a16="http://schemas.microsoft.com/office/drawing/2014/main" xmlns="" id="{1E774A8B-C5DB-534E-8EE3-5D936B2F1BDA}"/>
+                    <a16:creationId xmlns:a16="http://schemas.microsoft.com/office/drawing/2014/main" id="{1E774A8B-C5DB-534E-8EE3-5D936B2F1BDA}"/>
                   </a:ext>
                 </a:extLst>
               </p:cNvPr>
@@ -32508,7 +33404,7 @@
             <p:cNvPr id="179" name="Shape 576">
               <a:extLst>
                 <a:ext uri="{FF2B5EF4-FFF2-40B4-BE49-F238E27FC236}">
-                  <a16:creationId xmlns:a16="http://schemas.microsoft.com/office/drawing/2014/main" xmlns="" id="{8D66F62C-0857-0C4E-B8A3-3F8DBC721692}"/>
+                  <a16:creationId xmlns:a16="http://schemas.microsoft.com/office/drawing/2014/main" id="{8D66F62C-0857-0C4E-B8A3-3F8DBC721692}"/>
                 </a:ext>
               </a:extLst>
             </p:cNvPr>
@@ -32528,7 +33424,7 @@
             </a:ln>
             <a:extLst>
               <a:ext uri="{C572A759-6A51-4108-AA02-DFA0A04FC94B}">
-                <ma14:wrappingTextBoxFlag xmlns:ma14="http://schemas.microsoft.com/office/mac/drawingml/2011/main" val="1"/>
+                <ma14:wrappingTextBoxFlag xmlns:ma14="http://schemas.microsoft.com/office/mac/drawingml/2011/main" xmlns="" val="1"/>
               </a:ext>
             </a:extLst>
           </p:spPr>
@@ -32775,7 +33671,7 @@
           </a:ln>
           <a:extLst>
             <a:ext uri="{C572A759-6A51-4108-AA02-DFA0A04FC94B}">
-              <ma14:wrappingTextBoxFlag xmlns:ma14="http://schemas.microsoft.com/office/mac/drawingml/2011/main" val="1"/>
+              <ma14:wrappingTextBoxFlag xmlns:ma14="http://schemas.microsoft.com/office/mac/drawingml/2011/main" xmlns="" val="1"/>
             </a:ext>
           </a:extLst>
         </p:spPr>
@@ -32843,7 +33739,7 @@
           </a:ln>
           <a:extLst>
             <a:ext uri="{C572A759-6A51-4108-AA02-DFA0A04FC94B}">
-              <ma14:wrappingTextBoxFlag xmlns:ma14="http://schemas.microsoft.com/office/mac/drawingml/2011/main" val="1"/>
+              <ma14:wrappingTextBoxFlag xmlns:ma14="http://schemas.microsoft.com/office/mac/drawingml/2011/main" xmlns="" val="1"/>
             </a:ext>
           </a:extLst>
         </p:spPr>
@@ -33054,7 +33950,7 @@
           <p:cNvPr id="81" name="Group 80">
             <a:extLst>
               <a:ext uri="{FF2B5EF4-FFF2-40B4-BE49-F238E27FC236}">
-                <a16:creationId xmlns:a16="http://schemas.microsoft.com/office/drawing/2014/main" xmlns="" id="{5938EDDB-B2B2-6642-9D20-6D7C5F9FED31}"/>
+                <a16:creationId xmlns:a16="http://schemas.microsoft.com/office/drawing/2014/main" id="{5938EDDB-B2B2-6642-9D20-6D7C5F9FED31}"/>
               </a:ext>
             </a:extLst>
           </p:cNvPr>
@@ -33074,7 +33970,7 @@
             <p:cNvPr id="82" name="Group 81">
               <a:extLst>
                 <a:ext uri="{FF2B5EF4-FFF2-40B4-BE49-F238E27FC236}">
-                  <a16:creationId xmlns:a16="http://schemas.microsoft.com/office/drawing/2014/main" xmlns="" id="{3527AD53-90A2-7D45-A4B7-509C2FD1C32F}"/>
+                  <a16:creationId xmlns:a16="http://schemas.microsoft.com/office/drawing/2014/main" id="{3527AD53-90A2-7D45-A4B7-509C2FD1C32F}"/>
                 </a:ext>
               </a:extLst>
             </p:cNvPr>
@@ -33094,7 +33990,7 @@
               <p:cNvPr id="84" name="Oval 83">
                 <a:extLst>
                   <a:ext uri="{FF2B5EF4-FFF2-40B4-BE49-F238E27FC236}">
-                    <a16:creationId xmlns:a16="http://schemas.microsoft.com/office/drawing/2014/main" xmlns="" id="{38BE8895-77F2-3F48-BDC0-E7E0559BA7AD}"/>
+                    <a16:creationId xmlns:a16="http://schemas.microsoft.com/office/drawing/2014/main" id="{38BE8895-77F2-3F48-BDC0-E7E0559BA7AD}"/>
                   </a:ext>
                 </a:extLst>
               </p:cNvPr>
@@ -33150,7 +34046,7 @@
               <p:cNvPr id="85" name="Picture 84">
                 <a:extLst>
                   <a:ext uri="{FF2B5EF4-FFF2-40B4-BE49-F238E27FC236}">
-                    <a16:creationId xmlns:a16="http://schemas.microsoft.com/office/drawing/2014/main" xmlns="" id="{1E774A8B-C5DB-534E-8EE3-5D936B2F1BDA}"/>
+                    <a16:creationId xmlns:a16="http://schemas.microsoft.com/office/drawing/2014/main" id="{1E774A8B-C5DB-534E-8EE3-5D936B2F1BDA}"/>
                   </a:ext>
                 </a:extLst>
               </p:cNvPr>
@@ -33187,7 +34083,7 @@
             <p:cNvPr id="83" name="Shape 576">
               <a:extLst>
                 <a:ext uri="{FF2B5EF4-FFF2-40B4-BE49-F238E27FC236}">
-                  <a16:creationId xmlns:a16="http://schemas.microsoft.com/office/drawing/2014/main" xmlns="" id="{8D66F62C-0857-0C4E-B8A3-3F8DBC721692}"/>
+                  <a16:creationId xmlns:a16="http://schemas.microsoft.com/office/drawing/2014/main" id="{8D66F62C-0857-0C4E-B8A3-3F8DBC721692}"/>
                 </a:ext>
               </a:extLst>
             </p:cNvPr>
@@ -33207,7 +34103,7 @@
             </a:ln>
             <a:extLst>
               <a:ext uri="{C572A759-6A51-4108-AA02-DFA0A04FC94B}">
-                <ma14:wrappingTextBoxFlag xmlns:ma14="http://schemas.microsoft.com/office/mac/drawingml/2011/main" val="1"/>
+                <ma14:wrappingTextBoxFlag xmlns:ma14="http://schemas.microsoft.com/office/mac/drawingml/2011/main" xmlns="" val="1"/>
               </a:ext>
             </a:extLst>
           </p:spPr>
@@ -33385,7 +34281,7 @@
           <p:cNvPr id="91" name="Shape 488">
             <a:extLst>
               <a:ext uri="{FF2B5EF4-FFF2-40B4-BE49-F238E27FC236}">
-                <a16:creationId xmlns:a16="http://schemas.microsoft.com/office/drawing/2014/main" xmlns="" id="{AF461A76-EF63-EB4C-86A4-1C81FEDE6E02}"/>
+                <a16:creationId xmlns:a16="http://schemas.microsoft.com/office/drawing/2014/main" id="{AF461A76-EF63-EB4C-86A4-1C81FEDE6E02}"/>
               </a:ext>
             </a:extLst>
           </p:cNvPr>
@@ -33408,7 +34304,7 @@
           <a:effectLst/>
           <a:extLst>
             <a:ext uri="{C572A759-6A51-4108-AA02-DFA0A04FC94B}">
-              <ma14:wrappingTextBoxFlag xmlns:ma14="http://schemas.microsoft.com/office/mac/drawingml/2011/main" val="1"/>
+              <ma14:wrappingTextBoxFlag xmlns:ma14="http://schemas.microsoft.com/office/mac/drawingml/2011/main" xmlns="" val="1"/>
             </a:ext>
           </a:extLst>
         </p:spPr>
@@ -33592,7 +34488,7 @@
   <p:clrMapOvr>
     <a:masterClrMapping/>
   </p:clrMapOvr>
-  <p:transition xmlns:p14="http://schemas.microsoft.com/office/powerpoint/2010/main" spd="med"/>
+  <p:transition spd="med"/>
 </p:sld>
 </file>
 
@@ -33679,7 +34575,7 @@
             <a:effectLst/>
             <a:extLst>
               <a:ext uri="{C572A759-6A51-4108-AA02-DFA0A04FC94B}">
-                <ma14:wrappingTextBoxFlag xmlns:ma14="http://schemas.microsoft.com/office/mac/drawingml/2011/main" val="1"/>
+                <ma14:wrappingTextBoxFlag xmlns:ma14="http://schemas.microsoft.com/office/mac/drawingml/2011/main" xmlns="" val="1"/>
               </a:ext>
             </a:extLst>
           </p:spPr>
@@ -33753,7 +34649,7 @@
           <p:cNvPr id="34" name="Group 33">
             <a:extLst>
               <a:ext uri="{FF2B5EF4-FFF2-40B4-BE49-F238E27FC236}">
-                <a16:creationId xmlns:a16="http://schemas.microsoft.com/office/drawing/2014/main" xmlns="" id="{5938EDDB-B2B2-6642-9D20-6D7C5F9FED31}"/>
+                <a16:creationId xmlns:a16="http://schemas.microsoft.com/office/drawing/2014/main" id="{5938EDDB-B2B2-6642-9D20-6D7C5F9FED31}"/>
               </a:ext>
             </a:extLst>
           </p:cNvPr>
@@ -33773,7 +34669,7 @@
             <p:cNvPr id="35" name="Group 34">
               <a:extLst>
                 <a:ext uri="{FF2B5EF4-FFF2-40B4-BE49-F238E27FC236}">
-                  <a16:creationId xmlns:a16="http://schemas.microsoft.com/office/drawing/2014/main" xmlns="" id="{3527AD53-90A2-7D45-A4B7-509C2FD1C32F}"/>
+                  <a16:creationId xmlns:a16="http://schemas.microsoft.com/office/drawing/2014/main" id="{3527AD53-90A2-7D45-A4B7-509C2FD1C32F}"/>
                 </a:ext>
               </a:extLst>
             </p:cNvPr>
@@ -33793,7 +34689,7 @@
               <p:cNvPr id="37" name="Oval 36">
                 <a:extLst>
                   <a:ext uri="{FF2B5EF4-FFF2-40B4-BE49-F238E27FC236}">
-                    <a16:creationId xmlns:a16="http://schemas.microsoft.com/office/drawing/2014/main" xmlns="" id="{38BE8895-77F2-3F48-BDC0-E7E0559BA7AD}"/>
+                    <a16:creationId xmlns:a16="http://schemas.microsoft.com/office/drawing/2014/main" id="{38BE8895-77F2-3F48-BDC0-E7E0559BA7AD}"/>
                   </a:ext>
                 </a:extLst>
               </p:cNvPr>
@@ -33849,7 +34745,7 @@
               <p:cNvPr id="38" name="Picture 37">
                 <a:extLst>
                   <a:ext uri="{FF2B5EF4-FFF2-40B4-BE49-F238E27FC236}">
-                    <a16:creationId xmlns:a16="http://schemas.microsoft.com/office/drawing/2014/main" xmlns="" id="{1E774A8B-C5DB-534E-8EE3-5D936B2F1BDA}"/>
+                    <a16:creationId xmlns:a16="http://schemas.microsoft.com/office/drawing/2014/main" id="{1E774A8B-C5DB-534E-8EE3-5D936B2F1BDA}"/>
                   </a:ext>
                 </a:extLst>
               </p:cNvPr>
@@ -33886,7 +34782,7 @@
             <p:cNvPr id="36" name="Shape 576">
               <a:extLst>
                 <a:ext uri="{FF2B5EF4-FFF2-40B4-BE49-F238E27FC236}">
-                  <a16:creationId xmlns:a16="http://schemas.microsoft.com/office/drawing/2014/main" xmlns="" id="{8D66F62C-0857-0C4E-B8A3-3F8DBC721692}"/>
+                  <a16:creationId xmlns:a16="http://schemas.microsoft.com/office/drawing/2014/main" id="{8D66F62C-0857-0C4E-B8A3-3F8DBC721692}"/>
                 </a:ext>
               </a:extLst>
             </p:cNvPr>
@@ -33906,7 +34802,7 @@
             </a:ln>
             <a:extLst>
               <a:ext uri="{C572A759-6A51-4108-AA02-DFA0A04FC94B}">
-                <ma14:wrappingTextBoxFlag xmlns:ma14="http://schemas.microsoft.com/office/mac/drawingml/2011/main" val="1"/>
+                <ma14:wrappingTextBoxFlag xmlns:ma14="http://schemas.microsoft.com/office/mac/drawingml/2011/main" xmlns="" val="1"/>
               </a:ext>
             </a:extLst>
           </p:spPr>
@@ -34057,7 +34953,7 @@
             </a:ln>
             <a:extLst>
               <a:ext uri="{C572A759-6A51-4108-AA02-DFA0A04FC94B}">
-                <ma14:wrappingTextBoxFlag xmlns:ma14="http://schemas.microsoft.com/office/mac/drawingml/2011/main" val="1"/>
+                <ma14:wrappingTextBoxFlag xmlns:ma14="http://schemas.microsoft.com/office/mac/drawingml/2011/main" xmlns="" val="1"/>
               </a:ext>
             </a:extLst>
           </p:spPr>
@@ -34121,7 +35017,7 @@
           <p:cNvPr id="43" name="Group 42">
             <a:extLst>
               <a:ext uri="{FF2B5EF4-FFF2-40B4-BE49-F238E27FC236}">
-                <a16:creationId xmlns:a16="http://schemas.microsoft.com/office/drawing/2014/main" xmlns="" id="{414AC93B-86D8-5345-93C9-AD53BB74E355}"/>
+                <a16:creationId xmlns:a16="http://schemas.microsoft.com/office/drawing/2014/main" id="{414AC93B-86D8-5345-93C9-AD53BB74E355}"/>
               </a:ext>
             </a:extLst>
           </p:cNvPr>
@@ -34141,7 +35037,7 @@
             <p:cNvPr id="44" name="Shape 576">
               <a:extLst>
                 <a:ext uri="{FF2B5EF4-FFF2-40B4-BE49-F238E27FC236}">
-                  <a16:creationId xmlns:a16="http://schemas.microsoft.com/office/drawing/2014/main" xmlns="" id="{B830E1BD-415C-1647-B429-63A4B5950908}"/>
+                  <a16:creationId xmlns:a16="http://schemas.microsoft.com/office/drawing/2014/main" id="{B830E1BD-415C-1647-B429-63A4B5950908}"/>
                 </a:ext>
               </a:extLst>
             </p:cNvPr>
@@ -34161,7 +35057,7 @@
             </a:ln>
             <a:extLst>
               <a:ext uri="{C572A759-6A51-4108-AA02-DFA0A04FC94B}">
-                <ma14:wrappingTextBoxFlag xmlns:ma14="http://schemas.microsoft.com/office/mac/drawingml/2011/main" val="1"/>
+                <ma14:wrappingTextBoxFlag xmlns:ma14="http://schemas.microsoft.com/office/mac/drawingml/2011/main" xmlns="" val="1"/>
               </a:ext>
             </a:extLst>
           </p:spPr>
@@ -34198,7 +35094,7 @@
             <p:cNvPr id="45" name="Group 44">
               <a:extLst>
                 <a:ext uri="{FF2B5EF4-FFF2-40B4-BE49-F238E27FC236}">
-                  <a16:creationId xmlns:a16="http://schemas.microsoft.com/office/drawing/2014/main" xmlns="" id="{58675086-411D-5640-BC91-9D51D514E9D5}"/>
+                  <a16:creationId xmlns:a16="http://schemas.microsoft.com/office/drawing/2014/main" id="{58675086-411D-5640-BC91-9D51D514E9D5}"/>
                 </a:ext>
               </a:extLst>
             </p:cNvPr>
@@ -34218,7 +35114,7 @@
               <p:cNvPr id="46" name="Oval 45">
                 <a:extLst>
                   <a:ext uri="{FF2B5EF4-FFF2-40B4-BE49-F238E27FC236}">
-                    <a16:creationId xmlns:a16="http://schemas.microsoft.com/office/drawing/2014/main" xmlns="" id="{D2571F00-6E2C-1248-B833-819BA9F96071}"/>
+                    <a16:creationId xmlns:a16="http://schemas.microsoft.com/office/drawing/2014/main" id="{D2571F00-6E2C-1248-B833-819BA9F96071}"/>
                   </a:ext>
                 </a:extLst>
               </p:cNvPr>
@@ -34274,7 +35170,7 @@
               <p:cNvPr id="47" name="Picture 46">
                 <a:extLst>
                   <a:ext uri="{FF2B5EF4-FFF2-40B4-BE49-F238E27FC236}">
-                    <a16:creationId xmlns:a16="http://schemas.microsoft.com/office/drawing/2014/main" xmlns="" id="{EC8979B1-1A53-464F-82E9-1858F6AE5E53}"/>
+                    <a16:creationId xmlns:a16="http://schemas.microsoft.com/office/drawing/2014/main" id="{EC8979B1-1A53-464F-82E9-1858F6AE5E53}"/>
                   </a:ext>
                 </a:extLst>
               </p:cNvPr>
@@ -34312,7 +35208,7 @@
           <p:cNvPr id="48" name="Group 47">
             <a:extLst>
               <a:ext uri="{FF2B5EF4-FFF2-40B4-BE49-F238E27FC236}">
-                <a16:creationId xmlns:a16="http://schemas.microsoft.com/office/drawing/2014/main" xmlns="" id="{5938EDDB-B2B2-6642-9D20-6D7C5F9FED31}"/>
+                <a16:creationId xmlns:a16="http://schemas.microsoft.com/office/drawing/2014/main" id="{5938EDDB-B2B2-6642-9D20-6D7C5F9FED31}"/>
               </a:ext>
             </a:extLst>
           </p:cNvPr>
@@ -34332,7 +35228,7 @@
             <p:cNvPr id="49" name="Group 48">
               <a:extLst>
                 <a:ext uri="{FF2B5EF4-FFF2-40B4-BE49-F238E27FC236}">
-                  <a16:creationId xmlns:a16="http://schemas.microsoft.com/office/drawing/2014/main" xmlns="" id="{3527AD53-90A2-7D45-A4B7-509C2FD1C32F}"/>
+                  <a16:creationId xmlns:a16="http://schemas.microsoft.com/office/drawing/2014/main" id="{3527AD53-90A2-7D45-A4B7-509C2FD1C32F}"/>
                 </a:ext>
               </a:extLst>
             </p:cNvPr>
@@ -34352,7 +35248,7 @@
               <p:cNvPr id="51" name="Oval 50">
                 <a:extLst>
                   <a:ext uri="{FF2B5EF4-FFF2-40B4-BE49-F238E27FC236}">
-                    <a16:creationId xmlns:a16="http://schemas.microsoft.com/office/drawing/2014/main" xmlns="" id="{38BE8895-77F2-3F48-BDC0-E7E0559BA7AD}"/>
+                    <a16:creationId xmlns:a16="http://schemas.microsoft.com/office/drawing/2014/main" id="{38BE8895-77F2-3F48-BDC0-E7E0559BA7AD}"/>
                   </a:ext>
                 </a:extLst>
               </p:cNvPr>
@@ -34408,7 +35304,7 @@
               <p:cNvPr id="52" name="Picture 51">
                 <a:extLst>
                   <a:ext uri="{FF2B5EF4-FFF2-40B4-BE49-F238E27FC236}">
-                    <a16:creationId xmlns:a16="http://schemas.microsoft.com/office/drawing/2014/main" xmlns="" id="{1E774A8B-C5DB-534E-8EE3-5D936B2F1BDA}"/>
+                    <a16:creationId xmlns:a16="http://schemas.microsoft.com/office/drawing/2014/main" id="{1E774A8B-C5DB-534E-8EE3-5D936B2F1BDA}"/>
                   </a:ext>
                 </a:extLst>
               </p:cNvPr>
@@ -34445,7 +35341,7 @@
             <p:cNvPr id="50" name="Shape 576">
               <a:extLst>
                 <a:ext uri="{FF2B5EF4-FFF2-40B4-BE49-F238E27FC236}">
-                  <a16:creationId xmlns:a16="http://schemas.microsoft.com/office/drawing/2014/main" xmlns="" id="{8D66F62C-0857-0C4E-B8A3-3F8DBC721692}"/>
+                  <a16:creationId xmlns:a16="http://schemas.microsoft.com/office/drawing/2014/main" id="{8D66F62C-0857-0C4E-B8A3-3F8DBC721692}"/>
                 </a:ext>
               </a:extLst>
             </p:cNvPr>
@@ -34465,7 +35361,7 @@
             </a:ln>
             <a:extLst>
               <a:ext uri="{C572A759-6A51-4108-AA02-DFA0A04FC94B}">
-                <ma14:wrappingTextBoxFlag xmlns:ma14="http://schemas.microsoft.com/office/mac/drawingml/2011/main" val="1"/>
+                <ma14:wrappingTextBoxFlag xmlns:ma14="http://schemas.microsoft.com/office/mac/drawingml/2011/main" xmlns="" val="1"/>
               </a:ext>
             </a:extLst>
           </p:spPr>
@@ -34991,7 +35887,7 @@
             <a:effectLst/>
             <a:extLst>
               <a:ext uri="{C572A759-6A51-4108-AA02-DFA0A04FC94B}">
-                <ma14:wrappingTextBoxFlag xmlns:ma14="http://schemas.microsoft.com/office/mac/drawingml/2011/main" val="1"/>
+                <ma14:wrappingTextBoxFlag xmlns:ma14="http://schemas.microsoft.com/office/mac/drawingml/2011/main" xmlns="" val="1"/>
               </a:ext>
             </a:extLst>
           </p:spPr>
@@ -35143,7 +36039,7 @@
             <a:effectLst/>
             <a:extLst>
               <a:ext uri="{C572A759-6A51-4108-AA02-DFA0A04FC94B}">
-                <ma14:wrappingTextBoxFlag xmlns:ma14="http://schemas.microsoft.com/office/mac/drawingml/2011/main" val="1"/>
+                <ma14:wrappingTextBoxFlag xmlns:ma14="http://schemas.microsoft.com/office/mac/drawingml/2011/main" xmlns="" val="1"/>
               </a:ext>
             </a:extLst>
           </p:spPr>
@@ -35251,7 +36147,7 @@
           <a:effectLst/>
           <a:extLst>
             <a:ext uri="{C572A759-6A51-4108-AA02-DFA0A04FC94B}">
-              <ma14:wrappingTextBoxFlag xmlns:ma14="http://schemas.microsoft.com/office/mac/drawingml/2011/main" val="1"/>
+              <ma14:wrappingTextBoxFlag xmlns:ma14="http://schemas.microsoft.com/office/mac/drawingml/2011/main" xmlns="" val="1"/>
             </a:ext>
           </a:extLst>
         </p:spPr>
@@ -35451,7 +36347,7 @@
           <p:cNvPr id="170" name="Group 169">
             <a:extLst>
               <a:ext uri="{FF2B5EF4-FFF2-40B4-BE49-F238E27FC236}">
-                <a16:creationId xmlns:a16="http://schemas.microsoft.com/office/drawing/2014/main" xmlns="" id="{5938EDDB-B2B2-6642-9D20-6D7C5F9FED31}"/>
+                <a16:creationId xmlns:a16="http://schemas.microsoft.com/office/drawing/2014/main" id="{5938EDDB-B2B2-6642-9D20-6D7C5F9FED31}"/>
               </a:ext>
             </a:extLst>
           </p:cNvPr>
@@ -35471,7 +36367,7 @@
             <p:cNvPr id="171" name="Group 170">
               <a:extLst>
                 <a:ext uri="{FF2B5EF4-FFF2-40B4-BE49-F238E27FC236}">
-                  <a16:creationId xmlns:a16="http://schemas.microsoft.com/office/drawing/2014/main" xmlns="" id="{3527AD53-90A2-7D45-A4B7-509C2FD1C32F}"/>
+                  <a16:creationId xmlns:a16="http://schemas.microsoft.com/office/drawing/2014/main" id="{3527AD53-90A2-7D45-A4B7-509C2FD1C32F}"/>
                 </a:ext>
               </a:extLst>
             </p:cNvPr>
@@ -35491,7 +36387,7 @@
               <p:cNvPr id="173" name="Oval 172">
                 <a:extLst>
                   <a:ext uri="{FF2B5EF4-FFF2-40B4-BE49-F238E27FC236}">
-                    <a16:creationId xmlns:a16="http://schemas.microsoft.com/office/drawing/2014/main" xmlns="" id="{38BE8895-77F2-3F48-BDC0-E7E0559BA7AD}"/>
+                    <a16:creationId xmlns:a16="http://schemas.microsoft.com/office/drawing/2014/main" id="{38BE8895-77F2-3F48-BDC0-E7E0559BA7AD}"/>
                   </a:ext>
                 </a:extLst>
               </p:cNvPr>
@@ -35547,7 +36443,7 @@
               <p:cNvPr id="174" name="Picture 173">
                 <a:extLst>
                   <a:ext uri="{FF2B5EF4-FFF2-40B4-BE49-F238E27FC236}">
-                    <a16:creationId xmlns:a16="http://schemas.microsoft.com/office/drawing/2014/main" xmlns="" id="{1E774A8B-C5DB-534E-8EE3-5D936B2F1BDA}"/>
+                    <a16:creationId xmlns:a16="http://schemas.microsoft.com/office/drawing/2014/main" id="{1E774A8B-C5DB-534E-8EE3-5D936B2F1BDA}"/>
                   </a:ext>
                 </a:extLst>
               </p:cNvPr>
@@ -35584,7 +36480,7 @@
             <p:cNvPr id="172" name="Shape 576">
               <a:extLst>
                 <a:ext uri="{FF2B5EF4-FFF2-40B4-BE49-F238E27FC236}">
-                  <a16:creationId xmlns:a16="http://schemas.microsoft.com/office/drawing/2014/main" xmlns="" id="{8D66F62C-0857-0C4E-B8A3-3F8DBC721692}"/>
+                  <a16:creationId xmlns:a16="http://schemas.microsoft.com/office/drawing/2014/main" id="{8D66F62C-0857-0C4E-B8A3-3F8DBC721692}"/>
                 </a:ext>
               </a:extLst>
             </p:cNvPr>
@@ -35604,7 +36500,7 @@
             </a:ln>
             <a:extLst>
               <a:ext uri="{C572A759-6A51-4108-AA02-DFA0A04FC94B}">
-                <ma14:wrappingTextBoxFlag xmlns:ma14="http://schemas.microsoft.com/office/mac/drawingml/2011/main" val="1"/>
+                <ma14:wrappingTextBoxFlag xmlns:ma14="http://schemas.microsoft.com/office/mac/drawingml/2011/main" xmlns="" val="1"/>
               </a:ext>
             </a:extLst>
           </p:spPr>
@@ -35683,7 +36579,7 @@
           <p:cNvPr id="177" name="Group 176">
             <a:extLst>
               <a:ext uri="{FF2B5EF4-FFF2-40B4-BE49-F238E27FC236}">
-                <a16:creationId xmlns:a16="http://schemas.microsoft.com/office/drawing/2014/main" xmlns="" id="{5938EDDB-B2B2-6642-9D20-6D7C5F9FED31}"/>
+                <a16:creationId xmlns:a16="http://schemas.microsoft.com/office/drawing/2014/main" id="{5938EDDB-B2B2-6642-9D20-6D7C5F9FED31}"/>
               </a:ext>
             </a:extLst>
           </p:cNvPr>
@@ -35703,7 +36599,7 @@
             <p:cNvPr id="178" name="Group 177">
               <a:extLst>
                 <a:ext uri="{FF2B5EF4-FFF2-40B4-BE49-F238E27FC236}">
-                  <a16:creationId xmlns:a16="http://schemas.microsoft.com/office/drawing/2014/main" xmlns="" id="{3527AD53-90A2-7D45-A4B7-509C2FD1C32F}"/>
+                  <a16:creationId xmlns:a16="http://schemas.microsoft.com/office/drawing/2014/main" id="{3527AD53-90A2-7D45-A4B7-509C2FD1C32F}"/>
                 </a:ext>
               </a:extLst>
             </p:cNvPr>
@@ -35723,7 +36619,7 @@
               <p:cNvPr id="180" name="Oval 179">
                 <a:extLst>
                   <a:ext uri="{FF2B5EF4-FFF2-40B4-BE49-F238E27FC236}">
-                    <a16:creationId xmlns:a16="http://schemas.microsoft.com/office/drawing/2014/main" xmlns="" id="{38BE8895-77F2-3F48-BDC0-E7E0559BA7AD}"/>
+                    <a16:creationId xmlns:a16="http://schemas.microsoft.com/office/drawing/2014/main" id="{38BE8895-77F2-3F48-BDC0-E7E0559BA7AD}"/>
                   </a:ext>
                 </a:extLst>
               </p:cNvPr>
@@ -35779,7 +36675,7 @@
               <p:cNvPr id="181" name="Picture 180">
                 <a:extLst>
                   <a:ext uri="{FF2B5EF4-FFF2-40B4-BE49-F238E27FC236}">
-                    <a16:creationId xmlns:a16="http://schemas.microsoft.com/office/drawing/2014/main" xmlns="" id="{1E774A8B-C5DB-534E-8EE3-5D936B2F1BDA}"/>
+                    <a16:creationId xmlns:a16="http://schemas.microsoft.com/office/drawing/2014/main" id="{1E774A8B-C5DB-534E-8EE3-5D936B2F1BDA}"/>
                   </a:ext>
                 </a:extLst>
               </p:cNvPr>
@@ -35816,7 +36712,7 @@
             <p:cNvPr id="179" name="Shape 576">
               <a:extLst>
                 <a:ext uri="{FF2B5EF4-FFF2-40B4-BE49-F238E27FC236}">
-                  <a16:creationId xmlns:a16="http://schemas.microsoft.com/office/drawing/2014/main" xmlns="" id="{8D66F62C-0857-0C4E-B8A3-3F8DBC721692}"/>
+                  <a16:creationId xmlns:a16="http://schemas.microsoft.com/office/drawing/2014/main" id="{8D66F62C-0857-0C4E-B8A3-3F8DBC721692}"/>
                 </a:ext>
               </a:extLst>
             </p:cNvPr>
@@ -35836,7 +36732,7 @@
             </a:ln>
             <a:extLst>
               <a:ext uri="{C572A759-6A51-4108-AA02-DFA0A04FC94B}">
-                <ma14:wrappingTextBoxFlag xmlns:ma14="http://schemas.microsoft.com/office/mac/drawingml/2011/main" val="1"/>
+                <ma14:wrappingTextBoxFlag xmlns:ma14="http://schemas.microsoft.com/office/mac/drawingml/2011/main" xmlns="" val="1"/>
               </a:ext>
             </a:extLst>
           </p:spPr>
@@ -36083,7 +36979,7 @@
           </a:ln>
           <a:extLst>
             <a:ext uri="{C572A759-6A51-4108-AA02-DFA0A04FC94B}">
-              <ma14:wrappingTextBoxFlag xmlns:ma14="http://schemas.microsoft.com/office/mac/drawingml/2011/main" val="1"/>
+              <ma14:wrappingTextBoxFlag xmlns:ma14="http://schemas.microsoft.com/office/mac/drawingml/2011/main" xmlns="" val="1"/>
             </a:ext>
           </a:extLst>
         </p:spPr>
@@ -36151,7 +37047,7 @@
           </a:ln>
           <a:extLst>
             <a:ext uri="{C572A759-6A51-4108-AA02-DFA0A04FC94B}">
-              <ma14:wrappingTextBoxFlag xmlns:ma14="http://schemas.microsoft.com/office/mac/drawingml/2011/main" val="1"/>
+              <ma14:wrappingTextBoxFlag xmlns:ma14="http://schemas.microsoft.com/office/mac/drawingml/2011/main" xmlns="" val="1"/>
             </a:ext>
           </a:extLst>
         </p:spPr>
@@ -36524,7 +37420,7 @@
   <p:clrMapOvr>
     <a:masterClrMapping/>
   </p:clrMapOvr>
-  <p:transition xmlns:p14="http://schemas.microsoft.com/office/powerpoint/2010/main" spd="med"/>
+  <p:transition spd="med"/>
 </p:sld>
 </file>
 
@@ -36997,7 +37893,7 @@
           </a:ln>
           <a:extLst>
             <a:ext uri="{C572A759-6A51-4108-AA02-DFA0A04FC94B}">
-              <ma14:wrappingTextBoxFlag xmlns:ma14="http://schemas.microsoft.com/office/mac/drawingml/2011/main" val="1"/>
+              <ma14:wrappingTextBoxFlag xmlns:ma14="http://schemas.microsoft.com/office/mac/drawingml/2011/main" xmlns="" val="1"/>
             </a:ext>
           </a:extLst>
         </p:spPr>
@@ -37123,7 +38019,7 @@
           </a:ln>
           <a:extLst>
             <a:ext uri="{C572A759-6A51-4108-AA02-DFA0A04FC94B}">
-              <ma14:wrappingTextBoxFlag xmlns:ma14="http://schemas.microsoft.com/office/mac/drawingml/2011/main" val="1"/>
+              <ma14:wrappingTextBoxFlag xmlns:ma14="http://schemas.microsoft.com/office/mac/drawingml/2011/main" xmlns="" val="1"/>
             </a:ext>
           </a:extLst>
         </p:spPr>
@@ -37530,7 +38426,7 @@
           </a:ln>
           <a:extLst>
             <a:ext uri="{C572A759-6A51-4108-AA02-DFA0A04FC94B}">
-              <ma14:wrappingTextBoxFlag xmlns:ma14="http://schemas.microsoft.com/office/mac/drawingml/2011/main" val="1"/>
+              <ma14:wrappingTextBoxFlag xmlns:ma14="http://schemas.microsoft.com/office/mac/drawingml/2011/main" xmlns="" val="1"/>
             </a:ext>
           </a:extLst>
         </p:spPr>
@@ -37744,7 +38640,7 @@
             <a:effectLst/>
             <a:extLst>
               <a:ext uri="{C572A759-6A51-4108-AA02-DFA0A04FC94B}">
-                <ma14:wrappingTextBoxFlag xmlns:ma14="http://schemas.microsoft.com/office/mac/drawingml/2011/main" val="1"/>
+                <ma14:wrappingTextBoxFlag xmlns:ma14="http://schemas.microsoft.com/office/mac/drawingml/2011/main" xmlns="" val="1"/>
               </a:ext>
             </a:extLst>
           </p:spPr>
@@ -37910,7 +38806,7 @@
           <p:cNvPr id="218" name="Group 217">
             <a:extLst>
               <a:ext uri="{FF2B5EF4-FFF2-40B4-BE49-F238E27FC236}">
-                <a16:creationId xmlns:a16="http://schemas.microsoft.com/office/drawing/2014/main" xmlns="" id="{5938EDDB-B2B2-6642-9D20-6D7C5F9FED31}"/>
+                <a16:creationId xmlns:a16="http://schemas.microsoft.com/office/drawing/2014/main" id="{5938EDDB-B2B2-6642-9D20-6D7C5F9FED31}"/>
               </a:ext>
             </a:extLst>
           </p:cNvPr>
@@ -37930,7 +38826,7 @@
             <p:cNvPr id="219" name="Group 218">
               <a:extLst>
                 <a:ext uri="{FF2B5EF4-FFF2-40B4-BE49-F238E27FC236}">
-                  <a16:creationId xmlns:a16="http://schemas.microsoft.com/office/drawing/2014/main" xmlns="" id="{3527AD53-90A2-7D45-A4B7-509C2FD1C32F}"/>
+                  <a16:creationId xmlns:a16="http://schemas.microsoft.com/office/drawing/2014/main" id="{3527AD53-90A2-7D45-A4B7-509C2FD1C32F}"/>
                 </a:ext>
               </a:extLst>
             </p:cNvPr>
@@ -37950,7 +38846,7 @@
               <p:cNvPr id="221" name="Oval 220">
                 <a:extLst>
                   <a:ext uri="{FF2B5EF4-FFF2-40B4-BE49-F238E27FC236}">
-                    <a16:creationId xmlns:a16="http://schemas.microsoft.com/office/drawing/2014/main" xmlns="" id="{38BE8895-77F2-3F48-BDC0-E7E0559BA7AD}"/>
+                    <a16:creationId xmlns:a16="http://schemas.microsoft.com/office/drawing/2014/main" id="{38BE8895-77F2-3F48-BDC0-E7E0559BA7AD}"/>
                   </a:ext>
                 </a:extLst>
               </p:cNvPr>
@@ -38006,7 +38902,7 @@
               <p:cNvPr id="222" name="Picture 221">
                 <a:extLst>
                   <a:ext uri="{FF2B5EF4-FFF2-40B4-BE49-F238E27FC236}">
-                    <a16:creationId xmlns:a16="http://schemas.microsoft.com/office/drawing/2014/main" xmlns="" id="{1E774A8B-C5DB-534E-8EE3-5D936B2F1BDA}"/>
+                    <a16:creationId xmlns:a16="http://schemas.microsoft.com/office/drawing/2014/main" id="{1E774A8B-C5DB-534E-8EE3-5D936B2F1BDA}"/>
                   </a:ext>
                 </a:extLst>
               </p:cNvPr>
@@ -38043,7 +38939,7 @@
             <p:cNvPr id="220" name="Shape 576">
               <a:extLst>
                 <a:ext uri="{FF2B5EF4-FFF2-40B4-BE49-F238E27FC236}">
-                  <a16:creationId xmlns:a16="http://schemas.microsoft.com/office/drawing/2014/main" xmlns="" id="{8D66F62C-0857-0C4E-B8A3-3F8DBC721692}"/>
+                  <a16:creationId xmlns:a16="http://schemas.microsoft.com/office/drawing/2014/main" id="{8D66F62C-0857-0C4E-B8A3-3F8DBC721692}"/>
                 </a:ext>
               </a:extLst>
             </p:cNvPr>
@@ -38063,7 +38959,7 @@
             </a:ln>
             <a:extLst>
               <a:ext uri="{C572A759-6A51-4108-AA02-DFA0A04FC94B}">
-                <ma14:wrappingTextBoxFlag xmlns:ma14="http://schemas.microsoft.com/office/mac/drawingml/2011/main" val="1"/>
+                <ma14:wrappingTextBoxFlag xmlns:ma14="http://schemas.microsoft.com/office/mac/drawingml/2011/main" xmlns="" val="1"/>
               </a:ext>
             </a:extLst>
           </p:spPr>
@@ -38546,7 +39442,7 @@
           </a:ln>
           <a:extLst>
             <a:ext uri="{C572A759-6A51-4108-AA02-DFA0A04FC94B}">
-              <ma14:wrappingTextBoxFlag xmlns:ma14="http://schemas.microsoft.com/office/mac/drawingml/2011/main" val="1"/>
+              <ma14:wrappingTextBoxFlag xmlns:ma14="http://schemas.microsoft.com/office/mac/drawingml/2011/main" xmlns="" val="1"/>
             </a:ext>
           </a:extLst>
         </p:spPr>
@@ -39214,7 +40110,7 @@
   <p:clrMapOvr>
     <a:masterClrMapping/>
   </p:clrMapOvr>
-  <p:transition xmlns:p14="http://schemas.microsoft.com/office/powerpoint/2010/main" spd="med"/>
+  <p:transition spd="med"/>
 </p:sld>
 </file>
 
@@ -39663,7 +40559,7 @@
           </a:ln>
           <a:extLst>
             <a:ext uri="{C572A759-6A51-4108-AA02-DFA0A04FC94B}">
-              <ma14:wrappingTextBoxFlag xmlns:ma14="http://schemas.microsoft.com/office/mac/drawingml/2011/main" val="1"/>
+              <ma14:wrappingTextBoxFlag xmlns:ma14="http://schemas.microsoft.com/office/mac/drawingml/2011/main" xmlns="" val="1"/>
             </a:ext>
           </a:extLst>
         </p:spPr>
@@ -39789,7 +40685,7 @@
           </a:ln>
           <a:extLst>
             <a:ext uri="{C572A759-6A51-4108-AA02-DFA0A04FC94B}">
-              <ma14:wrappingTextBoxFlag xmlns:ma14="http://schemas.microsoft.com/office/mac/drawingml/2011/main" val="1"/>
+              <ma14:wrappingTextBoxFlag xmlns:ma14="http://schemas.microsoft.com/office/mac/drawingml/2011/main" xmlns="" val="1"/>
             </a:ext>
           </a:extLst>
         </p:spPr>
@@ -40196,7 +41092,7 @@
           </a:ln>
           <a:extLst>
             <a:ext uri="{C572A759-6A51-4108-AA02-DFA0A04FC94B}">
-              <ma14:wrappingTextBoxFlag xmlns:ma14="http://schemas.microsoft.com/office/mac/drawingml/2011/main" val="1"/>
+              <ma14:wrappingTextBoxFlag xmlns:ma14="http://schemas.microsoft.com/office/mac/drawingml/2011/main" xmlns="" val="1"/>
             </a:ext>
           </a:extLst>
         </p:spPr>
@@ -40410,7 +41306,7 @@
             <a:effectLst/>
             <a:extLst>
               <a:ext uri="{C572A759-6A51-4108-AA02-DFA0A04FC94B}">
-                <ma14:wrappingTextBoxFlag xmlns:ma14="http://schemas.microsoft.com/office/mac/drawingml/2011/main" val="1"/>
+                <ma14:wrappingTextBoxFlag xmlns:ma14="http://schemas.microsoft.com/office/mac/drawingml/2011/main" xmlns="" val="1"/>
               </a:ext>
             </a:extLst>
           </p:spPr>
@@ -40576,7 +41472,7 @@
           <p:cNvPr id="218" name="Group 217">
             <a:extLst>
               <a:ext uri="{FF2B5EF4-FFF2-40B4-BE49-F238E27FC236}">
-                <a16:creationId xmlns:a16="http://schemas.microsoft.com/office/drawing/2014/main" xmlns="" id="{5938EDDB-B2B2-6642-9D20-6D7C5F9FED31}"/>
+                <a16:creationId xmlns:a16="http://schemas.microsoft.com/office/drawing/2014/main" id="{5938EDDB-B2B2-6642-9D20-6D7C5F9FED31}"/>
               </a:ext>
             </a:extLst>
           </p:cNvPr>
@@ -40596,7 +41492,7 @@
             <p:cNvPr id="219" name="Group 218">
               <a:extLst>
                 <a:ext uri="{FF2B5EF4-FFF2-40B4-BE49-F238E27FC236}">
-                  <a16:creationId xmlns:a16="http://schemas.microsoft.com/office/drawing/2014/main" xmlns="" id="{3527AD53-90A2-7D45-A4B7-509C2FD1C32F}"/>
+                  <a16:creationId xmlns:a16="http://schemas.microsoft.com/office/drawing/2014/main" id="{3527AD53-90A2-7D45-A4B7-509C2FD1C32F}"/>
                 </a:ext>
               </a:extLst>
             </p:cNvPr>
@@ -40616,7 +41512,7 @@
               <p:cNvPr id="221" name="Oval 220">
                 <a:extLst>
                   <a:ext uri="{FF2B5EF4-FFF2-40B4-BE49-F238E27FC236}">
-                    <a16:creationId xmlns:a16="http://schemas.microsoft.com/office/drawing/2014/main" xmlns="" id="{38BE8895-77F2-3F48-BDC0-E7E0559BA7AD}"/>
+                    <a16:creationId xmlns:a16="http://schemas.microsoft.com/office/drawing/2014/main" id="{38BE8895-77F2-3F48-BDC0-E7E0559BA7AD}"/>
                   </a:ext>
                 </a:extLst>
               </p:cNvPr>
@@ -40672,7 +41568,7 @@
               <p:cNvPr id="222" name="Picture 221">
                 <a:extLst>
                   <a:ext uri="{FF2B5EF4-FFF2-40B4-BE49-F238E27FC236}">
-                    <a16:creationId xmlns:a16="http://schemas.microsoft.com/office/drawing/2014/main" xmlns="" id="{1E774A8B-C5DB-534E-8EE3-5D936B2F1BDA}"/>
+                    <a16:creationId xmlns:a16="http://schemas.microsoft.com/office/drawing/2014/main" id="{1E774A8B-C5DB-534E-8EE3-5D936B2F1BDA}"/>
                   </a:ext>
                 </a:extLst>
               </p:cNvPr>
@@ -40709,7 +41605,7 @@
             <p:cNvPr id="220" name="Shape 576">
               <a:extLst>
                 <a:ext uri="{FF2B5EF4-FFF2-40B4-BE49-F238E27FC236}">
-                  <a16:creationId xmlns:a16="http://schemas.microsoft.com/office/drawing/2014/main" xmlns="" id="{8D66F62C-0857-0C4E-B8A3-3F8DBC721692}"/>
+                  <a16:creationId xmlns:a16="http://schemas.microsoft.com/office/drawing/2014/main" id="{8D66F62C-0857-0C4E-B8A3-3F8DBC721692}"/>
                 </a:ext>
               </a:extLst>
             </p:cNvPr>
@@ -40729,7 +41625,7 @@
             </a:ln>
             <a:extLst>
               <a:ext uri="{C572A759-6A51-4108-AA02-DFA0A04FC94B}">
-                <ma14:wrappingTextBoxFlag xmlns:ma14="http://schemas.microsoft.com/office/mac/drawingml/2011/main" val="1"/>
+                <ma14:wrappingTextBoxFlag xmlns:ma14="http://schemas.microsoft.com/office/mac/drawingml/2011/main" xmlns="" val="1"/>
               </a:ext>
             </a:extLst>
           </p:spPr>
@@ -41212,7 +42108,7 @@
           </a:ln>
           <a:extLst>
             <a:ext uri="{C572A759-6A51-4108-AA02-DFA0A04FC94B}">
-              <ma14:wrappingTextBoxFlag xmlns:ma14="http://schemas.microsoft.com/office/mac/drawingml/2011/main" val="1"/>
+              <ma14:wrappingTextBoxFlag xmlns:ma14="http://schemas.microsoft.com/office/mac/drawingml/2011/main" xmlns="" val="1"/>
             </a:ext>
           </a:extLst>
         </p:spPr>
@@ -41904,7 +42800,7 @@
   <p:clrMapOvr>
     <a:masterClrMapping/>
   </p:clrMapOvr>
-  <p:transition xmlns:p14="http://schemas.microsoft.com/office/powerpoint/2010/main" spd="med"/>
+  <p:transition spd="med"/>
 </p:sld>
 </file>
 
@@ -42042,7 +42938,7 @@
             </a:ln>
             <a:extLst>
               <a:ext uri="{C572A759-6A51-4108-AA02-DFA0A04FC94B}">
-                <ma14:wrappingTextBoxFlag xmlns:ma14="http://schemas.microsoft.com/office/mac/drawingml/2011/main" val="1"/>
+                <ma14:wrappingTextBoxFlag xmlns:ma14="http://schemas.microsoft.com/office/mac/drawingml/2011/main" xmlns="" val="1"/>
               </a:ext>
             </a:extLst>
           </p:spPr>
@@ -42236,7 +43132,7 @@
           </a:ln>
           <a:extLst>
             <a:ext uri="{C572A759-6A51-4108-AA02-DFA0A04FC94B}">
-              <ma14:wrappingTextBoxFlag xmlns:ma14="http://schemas.microsoft.com/office/mac/drawingml/2011/main" val="1"/>
+              <ma14:wrappingTextBoxFlag xmlns:ma14="http://schemas.microsoft.com/office/mac/drawingml/2011/main" xmlns="" val="1"/>
             </a:ext>
           </a:extLst>
         </p:spPr>
@@ -42304,7 +43200,7 @@
           </a:ln>
           <a:extLst>
             <a:ext uri="{C572A759-6A51-4108-AA02-DFA0A04FC94B}">
-              <ma14:wrappingTextBoxFlag xmlns:ma14="http://schemas.microsoft.com/office/mac/drawingml/2011/main" val="1"/>
+              <ma14:wrappingTextBoxFlag xmlns:ma14="http://schemas.microsoft.com/office/mac/drawingml/2011/main" xmlns="" val="1"/>
             </a:ext>
           </a:extLst>
         </p:spPr>
@@ -42765,7 +43661,7 @@
             <a:effectLst/>
             <a:extLst>
               <a:ext uri="{C572A759-6A51-4108-AA02-DFA0A04FC94B}">
-                <ma14:wrappingTextBoxFlag xmlns:ma14="http://schemas.microsoft.com/office/mac/drawingml/2011/main" val="1"/>
+                <ma14:wrappingTextBoxFlag xmlns:ma14="http://schemas.microsoft.com/office/mac/drawingml/2011/main" xmlns="" val="1"/>
               </a:ext>
             </a:extLst>
           </p:spPr>
@@ -42856,7 +43752,7 @@
           <p:cNvPr id="188" name="Group 187">
             <a:extLst>
               <a:ext uri="{FF2B5EF4-FFF2-40B4-BE49-F238E27FC236}">
-                <a16:creationId xmlns:a16="http://schemas.microsoft.com/office/drawing/2014/main" xmlns="" id="{5938EDDB-B2B2-6642-9D20-6D7C5F9FED31}"/>
+                <a16:creationId xmlns:a16="http://schemas.microsoft.com/office/drawing/2014/main" id="{5938EDDB-B2B2-6642-9D20-6D7C5F9FED31}"/>
               </a:ext>
             </a:extLst>
           </p:cNvPr>
@@ -42876,7 +43772,7 @@
             <p:cNvPr id="189" name="Group 188">
               <a:extLst>
                 <a:ext uri="{FF2B5EF4-FFF2-40B4-BE49-F238E27FC236}">
-                  <a16:creationId xmlns:a16="http://schemas.microsoft.com/office/drawing/2014/main" xmlns="" id="{3527AD53-90A2-7D45-A4B7-509C2FD1C32F}"/>
+                  <a16:creationId xmlns:a16="http://schemas.microsoft.com/office/drawing/2014/main" id="{3527AD53-90A2-7D45-A4B7-509C2FD1C32F}"/>
                 </a:ext>
               </a:extLst>
             </p:cNvPr>
@@ -42896,7 +43792,7 @@
               <p:cNvPr id="191" name="Oval 190">
                 <a:extLst>
                   <a:ext uri="{FF2B5EF4-FFF2-40B4-BE49-F238E27FC236}">
-                    <a16:creationId xmlns:a16="http://schemas.microsoft.com/office/drawing/2014/main" xmlns="" id="{38BE8895-77F2-3F48-BDC0-E7E0559BA7AD}"/>
+                    <a16:creationId xmlns:a16="http://schemas.microsoft.com/office/drawing/2014/main" id="{38BE8895-77F2-3F48-BDC0-E7E0559BA7AD}"/>
                   </a:ext>
                 </a:extLst>
               </p:cNvPr>
@@ -42952,7 +43848,7 @@
               <p:cNvPr id="192" name="Picture 191">
                 <a:extLst>
                   <a:ext uri="{FF2B5EF4-FFF2-40B4-BE49-F238E27FC236}">
-                    <a16:creationId xmlns:a16="http://schemas.microsoft.com/office/drawing/2014/main" xmlns="" id="{1E774A8B-C5DB-534E-8EE3-5D936B2F1BDA}"/>
+                    <a16:creationId xmlns:a16="http://schemas.microsoft.com/office/drawing/2014/main" id="{1E774A8B-C5DB-534E-8EE3-5D936B2F1BDA}"/>
                   </a:ext>
                 </a:extLst>
               </p:cNvPr>
@@ -42989,7 +43885,7 @@
             <p:cNvPr id="190" name="Shape 576">
               <a:extLst>
                 <a:ext uri="{FF2B5EF4-FFF2-40B4-BE49-F238E27FC236}">
-                  <a16:creationId xmlns:a16="http://schemas.microsoft.com/office/drawing/2014/main" xmlns="" id="{8D66F62C-0857-0C4E-B8A3-3F8DBC721692}"/>
+                  <a16:creationId xmlns:a16="http://schemas.microsoft.com/office/drawing/2014/main" id="{8D66F62C-0857-0C4E-B8A3-3F8DBC721692}"/>
                 </a:ext>
               </a:extLst>
             </p:cNvPr>
@@ -43009,7 +43905,7 @@
             </a:ln>
             <a:extLst>
               <a:ext uri="{C572A759-6A51-4108-AA02-DFA0A04FC94B}">
-                <ma14:wrappingTextBoxFlag xmlns:ma14="http://schemas.microsoft.com/office/mac/drawingml/2011/main" val="1"/>
+                <ma14:wrappingTextBoxFlag xmlns:ma14="http://schemas.microsoft.com/office/mac/drawingml/2011/main" xmlns="" val="1"/>
               </a:ext>
             </a:extLst>
           </p:spPr>
@@ -43340,7 +44236,7 @@
           </a:ln>
           <a:extLst>
             <a:ext uri="{C572A759-6A51-4108-AA02-DFA0A04FC94B}">
-              <ma14:wrappingTextBoxFlag xmlns:ma14="http://schemas.microsoft.com/office/mac/drawingml/2011/main" val="1"/>
+              <ma14:wrappingTextBoxFlag xmlns:ma14="http://schemas.microsoft.com/office/mac/drawingml/2011/main" xmlns="" val="1"/>
             </a:ext>
           </a:extLst>
         </p:spPr>
@@ -43708,7 +44604,7 @@
   <p:clrMapOvr>
     <a:masterClrMapping/>
   </p:clrMapOvr>
-  <p:transition xmlns:p14="http://schemas.microsoft.com/office/powerpoint/2010/main" spd="med"/>
+  <p:transition spd="med"/>
 </p:sld>
 </file>
 
@@ -43894,7 +44790,7 @@
             </a:ln>
             <a:extLst>
               <a:ext uri="{C572A759-6A51-4108-AA02-DFA0A04FC94B}">
-                <ma14:wrappingTextBoxFlag xmlns:ma14="http://schemas.microsoft.com/office/mac/drawingml/2011/main" val="1"/>
+                <ma14:wrappingTextBoxFlag xmlns:ma14="http://schemas.microsoft.com/office/mac/drawingml/2011/main" xmlns="" val="1"/>
               </a:ext>
             </a:extLst>
           </p:spPr>
@@ -44100,7 +44996,7 @@
           </a:ln>
           <a:extLst>
             <a:ext uri="{C572A759-6A51-4108-AA02-DFA0A04FC94B}">
-              <ma14:wrappingTextBoxFlag xmlns:ma14="http://schemas.microsoft.com/office/mac/drawingml/2011/main" val="1"/>
+              <ma14:wrappingTextBoxFlag xmlns:ma14="http://schemas.microsoft.com/office/mac/drawingml/2011/main" xmlns="" val="1"/>
             </a:ext>
           </a:extLst>
         </p:spPr>
@@ -44168,7 +45064,7 @@
           </a:ln>
           <a:extLst>
             <a:ext uri="{C572A759-6A51-4108-AA02-DFA0A04FC94B}">
-              <ma14:wrappingTextBoxFlag xmlns:ma14="http://schemas.microsoft.com/office/mac/drawingml/2011/main" val="1"/>
+              <ma14:wrappingTextBoxFlag xmlns:ma14="http://schemas.microsoft.com/office/mac/drawingml/2011/main" xmlns="" val="1"/>
             </a:ext>
           </a:extLst>
         </p:spPr>
@@ -44539,7 +45435,7 @@
             <a:effectLst/>
             <a:extLst>
               <a:ext uri="{C572A759-6A51-4108-AA02-DFA0A04FC94B}">
-                <ma14:wrappingTextBoxFlag xmlns:ma14="http://schemas.microsoft.com/office/mac/drawingml/2011/main" val="1"/>
+                <ma14:wrappingTextBoxFlag xmlns:ma14="http://schemas.microsoft.com/office/mac/drawingml/2011/main" xmlns="" val="1"/>
               </a:ext>
             </a:extLst>
           </p:spPr>
@@ -44630,7 +45526,7 @@
           <p:cNvPr id="188" name="Group 187">
             <a:extLst>
               <a:ext uri="{FF2B5EF4-FFF2-40B4-BE49-F238E27FC236}">
-                <a16:creationId xmlns:a16="http://schemas.microsoft.com/office/drawing/2014/main" xmlns="" id="{5938EDDB-B2B2-6642-9D20-6D7C5F9FED31}"/>
+                <a16:creationId xmlns:a16="http://schemas.microsoft.com/office/drawing/2014/main" id="{5938EDDB-B2B2-6642-9D20-6D7C5F9FED31}"/>
               </a:ext>
             </a:extLst>
           </p:cNvPr>
@@ -44650,7 +45546,7 @@
             <p:cNvPr id="189" name="Group 188">
               <a:extLst>
                 <a:ext uri="{FF2B5EF4-FFF2-40B4-BE49-F238E27FC236}">
-                  <a16:creationId xmlns:a16="http://schemas.microsoft.com/office/drawing/2014/main" xmlns="" id="{3527AD53-90A2-7D45-A4B7-509C2FD1C32F}"/>
+                  <a16:creationId xmlns:a16="http://schemas.microsoft.com/office/drawing/2014/main" id="{3527AD53-90A2-7D45-A4B7-509C2FD1C32F}"/>
                 </a:ext>
               </a:extLst>
             </p:cNvPr>
@@ -44670,7 +45566,7 @@
               <p:cNvPr id="191" name="Oval 190">
                 <a:extLst>
                   <a:ext uri="{FF2B5EF4-FFF2-40B4-BE49-F238E27FC236}">
-                    <a16:creationId xmlns:a16="http://schemas.microsoft.com/office/drawing/2014/main" xmlns="" id="{38BE8895-77F2-3F48-BDC0-E7E0559BA7AD}"/>
+                    <a16:creationId xmlns:a16="http://schemas.microsoft.com/office/drawing/2014/main" id="{38BE8895-77F2-3F48-BDC0-E7E0559BA7AD}"/>
                   </a:ext>
                 </a:extLst>
               </p:cNvPr>
@@ -44726,7 +45622,7 @@
               <p:cNvPr id="192" name="Picture 191">
                 <a:extLst>
                   <a:ext uri="{FF2B5EF4-FFF2-40B4-BE49-F238E27FC236}">
-                    <a16:creationId xmlns:a16="http://schemas.microsoft.com/office/drawing/2014/main" xmlns="" id="{1E774A8B-C5DB-534E-8EE3-5D936B2F1BDA}"/>
+                    <a16:creationId xmlns:a16="http://schemas.microsoft.com/office/drawing/2014/main" id="{1E774A8B-C5DB-534E-8EE3-5D936B2F1BDA}"/>
                   </a:ext>
                 </a:extLst>
               </p:cNvPr>
@@ -44763,7 +45659,7 @@
             <p:cNvPr id="190" name="Shape 576">
               <a:extLst>
                 <a:ext uri="{FF2B5EF4-FFF2-40B4-BE49-F238E27FC236}">
-                  <a16:creationId xmlns:a16="http://schemas.microsoft.com/office/drawing/2014/main" xmlns="" id="{8D66F62C-0857-0C4E-B8A3-3F8DBC721692}"/>
+                  <a16:creationId xmlns:a16="http://schemas.microsoft.com/office/drawing/2014/main" id="{8D66F62C-0857-0C4E-B8A3-3F8DBC721692}"/>
                 </a:ext>
               </a:extLst>
             </p:cNvPr>
@@ -44783,7 +45679,7 @@
             </a:ln>
             <a:extLst>
               <a:ext uri="{C572A759-6A51-4108-AA02-DFA0A04FC94B}">
-                <ma14:wrappingTextBoxFlag xmlns:ma14="http://schemas.microsoft.com/office/mac/drawingml/2011/main" val="1"/>
+                <ma14:wrappingTextBoxFlag xmlns:ma14="http://schemas.microsoft.com/office/mac/drawingml/2011/main" xmlns="" val="1"/>
               </a:ext>
             </a:extLst>
           </p:spPr>
@@ -45078,7 +45974,7 @@
           </a:ln>
           <a:extLst>
             <a:ext uri="{C572A759-6A51-4108-AA02-DFA0A04FC94B}">
-              <ma14:wrappingTextBoxFlag xmlns:ma14="http://schemas.microsoft.com/office/mac/drawingml/2011/main" val="1"/>
+              <ma14:wrappingTextBoxFlag xmlns:ma14="http://schemas.microsoft.com/office/mac/drawingml/2011/main" xmlns="" val="1"/>
             </a:ext>
           </a:extLst>
         </p:spPr>
@@ -45453,7 +46349,7 @@
   <p:clrMapOvr>
     <a:masterClrMapping/>
   </p:clrMapOvr>
-  <p:transition xmlns:p14="http://schemas.microsoft.com/office/powerpoint/2010/main" spd="med"/>
+  <p:transition spd="med"/>
 </p:sld>
 </file>
 
@@ -45479,7 +46375,7 @@
           <p:cNvPr id="2" name="TextBox 1">
             <a:extLst>
               <a:ext uri="{FF2B5EF4-FFF2-40B4-BE49-F238E27FC236}">
-                <a16:creationId xmlns:a16="http://schemas.microsoft.com/office/drawing/2014/main" xmlns="" id="{87C07FF8-CBD9-BE44-A19C-3A5A734DAEA8}"/>
+                <a16:creationId xmlns:a16="http://schemas.microsoft.com/office/drawing/2014/main" id="{87C07FF8-CBD9-BE44-A19C-3A5A734DAEA8}"/>
               </a:ext>
             </a:extLst>
           </p:cNvPr>
@@ -45565,7 +46461,7 @@
   <p:clrMapOvr>
     <a:masterClrMapping/>
   </p:clrMapOvr>
-  <p:transition xmlns:p14="http://schemas.microsoft.com/office/powerpoint/2010/main" spd="med"/>
+  <p:transition spd="med"/>
 </p:sld>
 </file>
 

--- a/images/architecture.pptx
+++ b/images/architecture.pptx
@@ -5,7 +5,7 @@
     <p:sldMasterId id="2147483648" r:id="rId1"/>
   </p:sldMasterIdLst>
   <p:notesMasterIdLst>
-    <p:notesMasterId r:id="rId20"/>
+    <p:notesMasterId r:id="rId22"/>
   </p:notesMasterIdLst>
   <p:sldIdLst>
     <p:sldId id="325" r:id="rId2"/>
@@ -26,6 +26,8 @@
     <p:sldId id="346" r:id="rId17"/>
     <p:sldId id="349" r:id="rId18"/>
     <p:sldId id="350" r:id="rId19"/>
+    <p:sldId id="352" r:id="rId20"/>
+    <p:sldId id="351" r:id="rId21"/>
   </p:sldIdLst>
   <p:sldSz cx="10058400" cy="7772400"/>
   <p:notesSz cx="6858000" cy="9144000"/>
@@ -27822,6 +27824,132 @@
 </p:sld>
 </file>
 
+<file path=ppt/slides/slide19.xml><?xml version="1.0" encoding="utf-8"?>
+<p:sld xmlns:a="http://schemas.openxmlformats.org/drawingml/2006/main" xmlns:r="http://schemas.openxmlformats.org/officeDocument/2006/relationships" xmlns:p="http://schemas.openxmlformats.org/presentationml/2006/main">
+  <p:cSld>
+    <p:spTree>
+      <p:nvGrpSpPr>
+        <p:cNvPr id="1" name=""/>
+        <p:cNvGrpSpPr/>
+        <p:nvPr/>
+      </p:nvGrpSpPr>
+      <p:grpSpPr>
+        <a:xfrm>
+          <a:off x="0" y="0"/>
+          <a:ext cx="0" cy="0"/>
+          <a:chOff x="0" y="0"/>
+          <a:chExt cx="0" cy="0"/>
+        </a:xfrm>
+      </p:grpSpPr>
+      <p:sp>
+        <p:nvSpPr>
+          <p:cNvPr id="2" name="TextBox 1">
+            <a:extLst>
+              <a:ext uri="{FF2B5EF4-FFF2-40B4-BE49-F238E27FC236}">
+                <a16:creationId xmlns:a16="http://schemas.microsoft.com/office/drawing/2014/main" id="{87C07FF8-CBD9-BE44-A19C-3A5A734DAEA8}"/>
+              </a:ext>
+            </a:extLst>
+          </p:cNvPr>
+          <p:cNvSpPr txBox="1"/>
+          <p:nvPr/>
+        </p:nvSpPr>
+        <p:spPr>
+          <a:xfrm>
+            <a:off x="873821" y="3083578"/>
+            <a:ext cx="8310768" cy="1095010"/>
+          </a:xfrm>
+          <a:prstGeom prst="rect">
+            <a:avLst/>
+          </a:prstGeom>
+          <a:noFill/>
+          <a:ln w="3175" cap="flat">
+            <a:noFill/>
+            <a:miter lim="400000"/>
+          </a:ln>
+          <a:effectLst/>
+        </p:spPr>
+        <p:style>
+          <a:lnRef idx="0">
+            <a:scrgbClr r="0" g="0" b="0"/>
+          </a:lnRef>
+          <a:fillRef idx="0">
+            <a:scrgbClr r="0" g="0" b="0"/>
+          </a:fillRef>
+          <a:effectRef idx="0">
+            <a:scrgbClr r="0" g="0" b="0"/>
+          </a:effectRef>
+          <a:fontRef idx="none"/>
+        </p:style>
+        <p:txBody>
+          <a:bodyPr rot="0" spcFirstLastPara="1" vertOverflow="overflow" horzOverflow="overflow" vert="horz" wrap="none" lIns="39290" tIns="39290" rIns="39290" bIns="39290" numCol="1" spcCol="38100" rtlCol="0" anchor="ctr">
+            <a:spAutoFit/>
+          </a:bodyPr>
+          <a:lstStyle/>
+          <a:p>
+            <a:pPr marL="0" marR="0" indent="0" algn="ctr" defTabSz="584200" rtl="0" fontAlgn="auto" latinLnBrk="1" hangingPunct="0">
+              <a:lnSpc>
+                <a:spcPct val="100000"/>
+              </a:lnSpc>
+              <a:spcBef>
+                <a:spcPts val="0"/>
+              </a:spcBef>
+              <a:spcAft>
+                <a:spcPts val="0"/>
+              </a:spcAft>
+              <a:buClrTx/>
+              <a:buSzTx/>
+              <a:buFontTx/>
+              <a:buNone/>
+              <a:tabLst/>
+            </a:pPr>
+            <a:r>
+              <a:rPr kumimoji="0" lang="de-DE" sz="6600" b="0" i="0" u="none" strike="noStrike" cap="none" spc="0" normalizeH="0" baseline="0">
+                <a:ln>
+                  <a:noFill/>
+                </a:ln>
+                <a:solidFill>
+                  <a:srgbClr val="000000"/>
+                </a:solidFill>
+                <a:effectLst/>
+                <a:uFillTx/>
+                <a:latin typeface="+mn-lt"/>
+                <a:ea typeface="+mn-ea"/>
+                <a:cs typeface="+mn-cs"/>
+                <a:sym typeface="Helvetica Light"/>
+              </a:rPr>
+              <a:t>SCORES IN DOCKER</a:t>
+            </a:r>
+            <a:endParaRPr kumimoji="0" lang="de-DE" sz="6600" b="0" i="0" u="none" strike="noStrike" cap="none" spc="0" normalizeH="0" baseline="0" dirty="0">
+              <a:ln>
+                <a:noFill/>
+              </a:ln>
+              <a:solidFill>
+                <a:srgbClr val="000000"/>
+              </a:solidFill>
+              <a:effectLst/>
+              <a:uFillTx/>
+              <a:latin typeface="+mn-lt"/>
+              <a:ea typeface="+mn-ea"/>
+              <a:cs typeface="+mn-cs"/>
+              <a:sym typeface="Helvetica Light"/>
+            </a:endParaRPr>
+          </a:p>
+        </p:txBody>
+      </p:sp>
+    </p:spTree>
+    <p:extLst>
+      <p:ext uri="{BB962C8B-B14F-4D97-AF65-F5344CB8AC3E}">
+        <p14:creationId xmlns:p14="http://schemas.microsoft.com/office/powerpoint/2010/main" val="4227854398"/>
+      </p:ext>
+    </p:extLst>
+  </p:cSld>
+  <p:clrMapOvr>
+    <a:masterClrMapping/>
+  </p:clrMapOvr>
+  <p:transition spd="med"/>
+</p:sld>
+</file>
+
 <file path=ppt/slides/slide2.xml><?xml version="1.0" encoding="utf-8"?>
 <p:sld xmlns:a="http://schemas.openxmlformats.org/drawingml/2006/main" xmlns:r="http://schemas.openxmlformats.org/officeDocument/2006/relationships" xmlns:p="http://schemas.openxmlformats.org/presentationml/2006/main">
   <p:cSld>
@@ -31099,6 +31227,695 @@
     <p:extLst>
       <p:ext uri="{BB962C8B-B14F-4D97-AF65-F5344CB8AC3E}">
         <p14:creationId xmlns:p14="http://schemas.microsoft.com/office/powerpoint/2010/main" val="3786448451"/>
+      </p:ext>
+    </p:extLst>
+  </p:cSld>
+  <p:clrMapOvr>
+    <a:masterClrMapping/>
+  </p:clrMapOvr>
+  <p:transition spd="med"/>
+</p:sld>
+</file>
+
+<file path=ppt/slides/slide20.xml><?xml version="1.0" encoding="utf-8"?>
+<p:sld xmlns:a="http://schemas.openxmlformats.org/drawingml/2006/main" xmlns:r="http://schemas.openxmlformats.org/officeDocument/2006/relationships" xmlns:p="http://schemas.openxmlformats.org/presentationml/2006/main">
+  <p:cSld>
+    <p:spTree>
+      <p:nvGrpSpPr>
+        <p:cNvPr id="1" name=""/>
+        <p:cNvGrpSpPr/>
+        <p:nvPr/>
+      </p:nvGrpSpPr>
+      <p:grpSpPr>
+        <a:xfrm>
+          <a:off x="0" y="0"/>
+          <a:ext cx="0" cy="0"/>
+          <a:chOff x="0" y="0"/>
+          <a:chExt cx="0" cy="0"/>
+        </a:xfrm>
+      </p:grpSpPr>
+      <p:sp>
+        <p:nvSpPr>
+          <p:cNvPr id="2" name="Rectangle 1">
+            <a:extLst>
+              <a:ext uri="{FF2B5EF4-FFF2-40B4-BE49-F238E27FC236}">
+                <a16:creationId xmlns:a16="http://schemas.microsoft.com/office/drawing/2014/main" id="{E4818AEB-5614-D543-ACD2-FAA9711F7DEE}"/>
+              </a:ext>
+            </a:extLst>
+          </p:cNvPr>
+          <p:cNvSpPr/>
+          <p:nvPr/>
+        </p:nvSpPr>
+        <p:spPr>
+          <a:xfrm>
+            <a:off x="1892177" y="2443499"/>
+            <a:ext cx="4590104" cy="2019860"/>
+          </a:xfrm>
+          <a:prstGeom prst="rect">
+            <a:avLst/>
+          </a:prstGeom>
+          <a:solidFill>
+            <a:srgbClr val="FFFFFF">
+              <a:alpha val="33000"/>
+            </a:srgbClr>
+          </a:solidFill>
+          <a:ln w="25400">
+            <a:solidFill>
+              <a:srgbClr val="4277BB"/>
+            </a:solidFill>
+            <a:miter lim="400000"/>
+          </a:ln>
+          <a:scene3d>
+            <a:camera prst="orthographicFront"/>
+            <a:lightRig rig="threePt" dir="t"/>
+          </a:scene3d>
+          <a:sp3d>
+            <a:bevelT w="133350" h="146050" prst="angle"/>
+          </a:sp3d>
+        </p:spPr>
+        <p:txBody>
+          <a:bodyPr lIns="0" tIns="0" rIns="0" bIns="0" rtlCol="0" anchor="ctr"/>
+          <a:lstStyle/>
+          <a:p>
+            <a:pPr algn="ctr"/>
+            <a:endParaRPr lang="de-DE" sz="1800">
+              <a:solidFill>
+                <a:srgbClr val="4277BB"/>
+              </a:solidFill>
+            </a:endParaRPr>
+          </a:p>
+        </p:txBody>
+      </p:sp>
+      <p:sp>
+        <p:nvSpPr>
+          <p:cNvPr id="3" name="Rectangle 2">
+            <a:extLst>
+              <a:ext uri="{FF2B5EF4-FFF2-40B4-BE49-F238E27FC236}">
+                <a16:creationId xmlns:a16="http://schemas.microsoft.com/office/drawing/2014/main" id="{83448774-E58B-5B40-91AE-6D2462D1D60D}"/>
+              </a:ext>
+            </a:extLst>
+          </p:cNvPr>
+          <p:cNvSpPr/>
+          <p:nvPr/>
+        </p:nvSpPr>
+        <p:spPr>
+          <a:xfrm>
+            <a:off x="2346431" y="2735140"/>
+            <a:ext cx="1461051" cy="1427487"/>
+          </a:xfrm>
+          <a:prstGeom prst="rect">
+            <a:avLst/>
+          </a:prstGeom>
+          <a:solidFill>
+            <a:schemeClr val="bg1"/>
+          </a:solidFill>
+          <a:ln w="25400">
+            <a:solidFill>
+              <a:srgbClr val="4277BB"/>
+            </a:solidFill>
+            <a:miter lim="400000"/>
+          </a:ln>
+        </p:spPr>
+        <p:txBody>
+          <a:bodyPr lIns="0" tIns="0" rIns="0" bIns="0" rtlCol="0" anchor="ctr"/>
+          <a:lstStyle/>
+          <a:p>
+            <a:pPr algn="ctr"/>
+            <a:endParaRPr lang="de-DE" sz="1800">
+              <a:solidFill>
+                <a:srgbClr val="4277BB"/>
+              </a:solidFill>
+            </a:endParaRPr>
+          </a:p>
+        </p:txBody>
+      </p:sp>
+      <p:sp>
+        <p:nvSpPr>
+          <p:cNvPr id="7" name="Shape 547">
+            <a:extLst>
+              <a:ext uri="{FF2B5EF4-FFF2-40B4-BE49-F238E27FC236}">
+                <a16:creationId xmlns:a16="http://schemas.microsoft.com/office/drawing/2014/main" id="{A84D3468-43D7-2B45-9576-127780443C39}"/>
+              </a:ext>
+            </a:extLst>
+          </p:cNvPr>
+          <p:cNvSpPr/>
+          <p:nvPr/>
+        </p:nvSpPr>
+        <p:spPr>
+          <a:xfrm>
+            <a:off x="4485555" y="2925134"/>
+            <a:ext cx="1407437" cy="184666"/>
+          </a:xfrm>
+          <a:prstGeom prst="rect">
+            <a:avLst/>
+          </a:prstGeom>
+          <a:ln w="3175">
+            <a:miter lim="400000"/>
+          </a:ln>
+          <a:extLst>
+            <a:ext uri="{C572A759-6A51-4108-AA02-DFA0A04FC94B}">
+              <ma14:wrappingTextBoxFlag xmlns:ma14="http://schemas.microsoft.com/office/mac/drawingml/2011/main" xmlns="" val="1"/>
+            </a:ext>
+          </a:extLst>
+        </p:spPr>
+        <p:txBody>
+          <a:bodyPr wrap="none" lIns="0" tIns="0" rIns="0" bIns="0">
+            <a:spAutoFit/>
+          </a:bodyPr>
+          <a:lstStyle>
+            <a:lvl1pPr>
+              <a:defRPr sz="900" b="1">
+                <a:latin typeface="Helvetica"/>
+                <a:ea typeface="Helvetica"/>
+                <a:cs typeface="Helvetica"/>
+                <a:sym typeface="Helvetica"/>
+              </a:defRPr>
+            </a:lvl1pPr>
+          </a:lstStyle>
+          <a:p>
+            <a:pPr lvl="0">
+              <a:defRPr sz="1800" b="0"/>
+            </a:pPr>
+            <a:r>
+              <a:rPr lang="en-US" sz="1200" b="0">
+                <a:latin typeface="Arial"/>
+                <a:cs typeface="Arial"/>
+              </a:rPr>
+              <a:t>Scores Core Service</a:t>
+            </a:r>
+          </a:p>
+        </p:txBody>
+      </p:sp>
+      <p:pic>
+        <p:nvPicPr>
+          <p:cNvPr id="9" name="Picture 8">
+            <a:extLst>
+              <a:ext uri="{FF2B5EF4-FFF2-40B4-BE49-F238E27FC236}">
+                <a16:creationId xmlns:a16="http://schemas.microsoft.com/office/drawing/2014/main" id="{AD9008AB-5948-3242-BDA2-08EF35F28222}"/>
+              </a:ext>
+            </a:extLst>
+          </p:cNvPr>
+          <p:cNvPicPr>
+            <a:picLocks noChangeAspect="1"/>
+          </p:cNvPicPr>
+          <p:nvPr/>
+        </p:nvPicPr>
+        <p:blipFill>
+          <a:blip r:embed="rId2"/>
+          <a:stretch>
+            <a:fillRect/>
+          </a:stretch>
+        </p:blipFill>
+        <p:spPr>
+          <a:xfrm>
+            <a:off x="7382155" y="2925134"/>
+            <a:ext cx="697633" cy="697633"/>
+          </a:xfrm>
+          <a:prstGeom prst="rect">
+            <a:avLst/>
+          </a:prstGeom>
+        </p:spPr>
+      </p:pic>
+      <p:sp>
+        <p:nvSpPr>
+          <p:cNvPr id="10" name="TextBox 9">
+            <a:extLst>
+              <a:ext uri="{FF2B5EF4-FFF2-40B4-BE49-F238E27FC236}">
+                <a16:creationId xmlns:a16="http://schemas.microsoft.com/office/drawing/2014/main" id="{A41299AB-026F-484F-AD49-382B5102AB5E}"/>
+              </a:ext>
+            </a:extLst>
+          </p:cNvPr>
+          <p:cNvSpPr txBox="1"/>
+          <p:nvPr/>
+        </p:nvSpPr>
+        <p:spPr>
+          <a:xfrm>
+            <a:off x="7117010" y="3694385"/>
+            <a:ext cx="1218324" cy="264013"/>
+          </a:xfrm>
+          <a:prstGeom prst="rect">
+            <a:avLst/>
+          </a:prstGeom>
+          <a:noFill/>
+          <a:ln w="3175" cap="flat">
+            <a:noFill/>
+            <a:miter lim="400000"/>
+          </a:ln>
+          <a:effectLst/>
+        </p:spPr>
+        <p:style>
+          <a:lnRef idx="0">
+            <a:scrgbClr r="0" g="0" b="0"/>
+          </a:lnRef>
+          <a:fillRef idx="0">
+            <a:scrgbClr r="0" g="0" b="0"/>
+          </a:fillRef>
+          <a:effectRef idx="0">
+            <a:scrgbClr r="0" g="0" b="0"/>
+          </a:effectRef>
+          <a:fontRef idx="none"/>
+        </p:style>
+        <p:txBody>
+          <a:bodyPr rot="0" spcFirstLastPara="1" vertOverflow="overflow" horzOverflow="overflow" vert="horz" wrap="square" lIns="39290" tIns="39290" rIns="39290" bIns="39290" numCol="1" spcCol="38100" rtlCol="0" anchor="ctr">
+            <a:spAutoFit/>
+          </a:bodyPr>
+          <a:lstStyle/>
+          <a:p>
+            <a:pPr marL="0" marR="0" indent="0" defTabSz="584200" rtl="0" fontAlgn="auto" latinLnBrk="1" hangingPunct="0">
+              <a:lnSpc>
+                <a:spcPct val="100000"/>
+              </a:lnSpc>
+              <a:spcBef>
+                <a:spcPts val="0"/>
+              </a:spcBef>
+              <a:spcAft>
+                <a:spcPts val="0"/>
+              </a:spcAft>
+              <a:buClrTx/>
+              <a:buSzTx/>
+              <a:buFontTx/>
+              <a:buNone/>
+              <a:tabLst/>
+            </a:pPr>
+            <a:r>
+              <a:rPr kumimoji="0" lang="en-US" sz="1200" b="0" i="0" u="none" strike="noStrike" cap="none" spc="0" normalizeH="0" baseline="0" dirty="0">
+                <a:ln>
+                  <a:noFill/>
+                </a:ln>
+                <a:solidFill>
+                  <a:srgbClr val="000000"/>
+                </a:solidFill>
+                <a:effectLst/>
+                <a:uFillTx/>
+                <a:latin typeface="Arial"/>
+                <a:ea typeface="+mn-ea"/>
+                <a:cs typeface="Arial"/>
+                <a:sym typeface="Helvetica Light"/>
+              </a:rPr>
+              <a:t>Cloudant</a:t>
+            </a:r>
+          </a:p>
+        </p:txBody>
+      </p:sp>
+      <p:cxnSp>
+        <p:nvCxnSpPr>
+          <p:cNvPr id="11" name="Straight Connector 10">
+            <a:extLst>
+              <a:ext uri="{FF2B5EF4-FFF2-40B4-BE49-F238E27FC236}">
+                <a16:creationId xmlns:a16="http://schemas.microsoft.com/office/drawing/2014/main" id="{6479DAB5-96D0-8240-B001-67D9EC5AFE1A}"/>
+              </a:ext>
+            </a:extLst>
+          </p:cNvPr>
+          <p:cNvCxnSpPr>
+            <a:cxnSpLocks/>
+          </p:cNvCxnSpPr>
+          <p:nvPr/>
+        </p:nvCxnSpPr>
+        <p:spPr>
+          <a:xfrm>
+            <a:off x="5762395" y="3361252"/>
+            <a:ext cx="1498484" cy="1"/>
+          </a:xfrm>
+          <a:prstGeom prst="line">
+            <a:avLst/>
+          </a:prstGeom>
+          <a:noFill/>
+          <a:ln w="34925" cap="flat">
+            <a:solidFill>
+              <a:schemeClr val="bg1">
+                <a:lumMod val="85000"/>
+              </a:schemeClr>
+            </a:solidFill>
+            <a:prstDash val="solid"/>
+            <a:miter lim="400000"/>
+          </a:ln>
+          <a:effectLst/>
+        </p:spPr>
+        <p:style>
+          <a:lnRef idx="0">
+            <a:scrgbClr r="0" g="0" b="0"/>
+          </a:lnRef>
+          <a:fillRef idx="0">
+            <a:scrgbClr r="0" g="0" b="0"/>
+          </a:fillRef>
+          <a:effectRef idx="0">
+            <a:scrgbClr r="0" g="0" b="0"/>
+          </a:effectRef>
+          <a:fontRef idx="none"/>
+        </p:style>
+      </p:cxnSp>
+      <p:sp>
+        <p:nvSpPr>
+          <p:cNvPr id="12" name="TextBox 11">
+            <a:extLst>
+              <a:ext uri="{FF2B5EF4-FFF2-40B4-BE49-F238E27FC236}">
+                <a16:creationId xmlns:a16="http://schemas.microsoft.com/office/drawing/2014/main" id="{09C8459E-2F2C-BC43-A791-514600CB744B}"/>
+              </a:ext>
+            </a:extLst>
+          </p:cNvPr>
+          <p:cNvSpPr txBox="1"/>
+          <p:nvPr/>
+        </p:nvSpPr>
+        <p:spPr>
+          <a:xfrm>
+            <a:off x="4410614" y="1909871"/>
+            <a:ext cx="1557317" cy="264013"/>
+          </a:xfrm>
+          <a:prstGeom prst="rect">
+            <a:avLst/>
+          </a:prstGeom>
+          <a:noFill/>
+          <a:ln w="3175" cap="flat">
+            <a:noFill/>
+            <a:miter lim="400000"/>
+          </a:ln>
+          <a:effectLst/>
+        </p:spPr>
+        <p:style>
+          <a:lnRef idx="0">
+            <a:scrgbClr r="0" g="0" b="0"/>
+          </a:lnRef>
+          <a:fillRef idx="0">
+            <a:scrgbClr r="0" g="0" b="0"/>
+          </a:fillRef>
+          <a:effectRef idx="0">
+            <a:scrgbClr r="0" g="0" b="0"/>
+          </a:effectRef>
+          <a:fontRef idx="none"/>
+        </p:style>
+        <p:txBody>
+          <a:bodyPr rot="0" spcFirstLastPara="1" vertOverflow="overflow" horzOverflow="overflow" vert="horz" wrap="square" lIns="39290" tIns="39290" rIns="39290" bIns="39290" numCol="1" spcCol="38100" rtlCol="0" anchor="ctr">
+            <a:spAutoFit/>
+          </a:bodyPr>
+          <a:lstStyle>
+            <a:lvl1pPr marL="0" marR="0" indent="0" rtl="0" fontAlgn="auto" latinLnBrk="1" hangingPunct="0">
+              <a:lnSpc>
+                <a:spcPct val="100000"/>
+              </a:lnSpc>
+              <a:spcBef>
+                <a:spcPts val="0"/>
+              </a:spcBef>
+              <a:spcAft>
+                <a:spcPts val="0"/>
+              </a:spcAft>
+              <a:buClrTx/>
+              <a:buSzTx/>
+              <a:buFontTx/>
+              <a:buNone/>
+              <a:tabLst/>
+              <a:defRPr kumimoji="0" sz="1400" b="1" i="0" u="none" strike="noStrike" cap="none" spc="0" normalizeH="0" baseline="0">
+                <a:ln>
+                  <a:noFill/>
+                </a:ln>
+                <a:solidFill>
+                  <a:srgbClr val="000000"/>
+                </a:solidFill>
+                <a:effectLst/>
+                <a:uFillTx/>
+                <a:latin typeface="Arial"/>
+                <a:cs typeface="Arial"/>
+              </a:defRPr>
+            </a:lvl1pPr>
+          </a:lstStyle>
+          <a:p>
+            <a:r>
+              <a:rPr lang="en-US" dirty="0"/>
+              <a:t>Scores Service</a:t>
+            </a:r>
+          </a:p>
+        </p:txBody>
+      </p:sp>
+      <p:pic>
+        <p:nvPicPr>
+          <p:cNvPr id="13" name="Picture 12">
+            <a:extLst>
+              <a:ext uri="{FF2B5EF4-FFF2-40B4-BE49-F238E27FC236}">
+                <a16:creationId xmlns:a16="http://schemas.microsoft.com/office/drawing/2014/main" id="{F92B54F2-A200-F44C-803F-99FF87911870}"/>
+              </a:ext>
+            </a:extLst>
+          </p:cNvPr>
+          <p:cNvPicPr>
+            <a:picLocks noChangeAspect="1"/>
+          </p:cNvPicPr>
+          <p:nvPr/>
+        </p:nvPicPr>
+        <p:blipFill>
+          <a:blip r:embed="rId3">
+            <a:extLst>
+              <a:ext uri="{28A0092B-C50C-407E-A947-70E740481C1C}">
+                <a14:useLocalDpi xmlns:a14="http://schemas.microsoft.com/office/drawing/2010/main" val="0"/>
+              </a:ext>
+            </a:extLst>
+          </a:blip>
+          <a:stretch>
+            <a:fillRect/>
+          </a:stretch>
+        </p:blipFill>
+        <p:spPr>
+          <a:xfrm>
+            <a:off x="2533377" y="2749688"/>
+            <a:ext cx="990895" cy="990895"/>
+          </a:xfrm>
+          <a:prstGeom prst="rect">
+            <a:avLst/>
+          </a:prstGeom>
+        </p:spPr>
+      </p:pic>
+      <p:cxnSp>
+        <p:nvCxnSpPr>
+          <p:cNvPr id="14" name="Straight Connector 13">
+            <a:extLst>
+              <a:ext uri="{FF2B5EF4-FFF2-40B4-BE49-F238E27FC236}">
+                <a16:creationId xmlns:a16="http://schemas.microsoft.com/office/drawing/2014/main" id="{C1D88E78-3F4D-1746-BA47-AB89ED25DF7C}"/>
+              </a:ext>
+            </a:extLst>
+          </p:cNvPr>
+          <p:cNvCxnSpPr>
+            <a:cxnSpLocks/>
+            <a:stCxn id="17" idx="1"/>
+          </p:cNvCxnSpPr>
+          <p:nvPr/>
+        </p:nvCxnSpPr>
+        <p:spPr>
+          <a:xfrm flipH="1">
+            <a:off x="3855614" y="3361252"/>
+            <a:ext cx="887967" cy="0"/>
+          </a:xfrm>
+          <a:prstGeom prst="line">
+            <a:avLst/>
+          </a:prstGeom>
+          <a:noFill/>
+          <a:ln w="34925" cap="flat">
+            <a:solidFill>
+              <a:schemeClr val="bg1">
+                <a:lumMod val="85000"/>
+              </a:schemeClr>
+            </a:solidFill>
+            <a:prstDash val="solid"/>
+            <a:miter lim="400000"/>
+          </a:ln>
+          <a:effectLst/>
+        </p:spPr>
+        <p:style>
+          <a:lnRef idx="0">
+            <a:scrgbClr r="0" g="0" b="0"/>
+          </a:lnRef>
+          <a:fillRef idx="0">
+            <a:scrgbClr r="0" g="0" b="0"/>
+          </a:fillRef>
+          <a:effectRef idx="0">
+            <a:scrgbClr r="0" g="0" b="0"/>
+          </a:effectRef>
+          <a:fontRef idx="none"/>
+        </p:style>
+      </p:cxnSp>
+      <p:sp>
+        <p:nvSpPr>
+          <p:cNvPr id="15" name="TextBox 14">
+            <a:extLst>
+              <a:ext uri="{FF2B5EF4-FFF2-40B4-BE49-F238E27FC236}">
+                <a16:creationId xmlns:a16="http://schemas.microsoft.com/office/drawing/2014/main" id="{919C2E5C-AB08-8B49-9C06-8B9735F8C13F}"/>
+              </a:ext>
+            </a:extLst>
+          </p:cNvPr>
+          <p:cNvSpPr txBox="1"/>
+          <p:nvPr/>
+        </p:nvSpPr>
+        <p:spPr>
+          <a:xfrm>
+            <a:off x="2250165" y="3843430"/>
+            <a:ext cx="1557317" cy="264013"/>
+          </a:xfrm>
+          <a:prstGeom prst="rect">
+            <a:avLst/>
+          </a:prstGeom>
+          <a:noFill/>
+          <a:ln w="3175" cap="flat">
+            <a:noFill/>
+            <a:miter lim="400000"/>
+          </a:ln>
+          <a:effectLst/>
+        </p:spPr>
+        <p:style>
+          <a:lnRef idx="0">
+            <a:scrgbClr r="0" g="0" b="0"/>
+          </a:lnRef>
+          <a:fillRef idx="0">
+            <a:scrgbClr r="0" g="0" b="0"/>
+          </a:fillRef>
+          <a:effectRef idx="0">
+            <a:scrgbClr r="0" g="0" b="0"/>
+          </a:effectRef>
+          <a:fontRef idx="none"/>
+        </p:style>
+        <p:txBody>
+          <a:bodyPr rot="0" spcFirstLastPara="1" vertOverflow="overflow" horzOverflow="overflow" vert="horz" wrap="square" lIns="39290" tIns="39290" rIns="39290" bIns="39290" numCol="1" spcCol="38100" rtlCol="0" anchor="ctr">
+            <a:spAutoFit/>
+          </a:bodyPr>
+          <a:lstStyle>
+            <a:lvl1pPr marL="0" marR="0" indent="0" rtl="0" fontAlgn="auto" latinLnBrk="1" hangingPunct="0">
+              <a:lnSpc>
+                <a:spcPct val="100000"/>
+              </a:lnSpc>
+              <a:spcBef>
+                <a:spcPts val="0"/>
+              </a:spcBef>
+              <a:spcAft>
+                <a:spcPts val="0"/>
+              </a:spcAft>
+              <a:buClrTx/>
+              <a:buSzTx/>
+              <a:buFontTx/>
+              <a:buNone/>
+              <a:tabLst/>
+              <a:defRPr kumimoji="0" sz="1200" i="0" u="none" strike="noStrike" cap="none" spc="0" normalizeH="0" baseline="0">
+                <a:ln>
+                  <a:noFill/>
+                </a:ln>
+                <a:solidFill>
+                  <a:srgbClr val="000000"/>
+                </a:solidFill>
+                <a:effectLst/>
+                <a:uFillTx/>
+                <a:latin typeface="Arial"/>
+                <a:cs typeface="Arial"/>
+              </a:defRPr>
+            </a:lvl1pPr>
+          </a:lstStyle>
+          <a:p>
+            <a:r>
+              <a:rPr lang="en-US" dirty="0"/>
+              <a:t>Scores Service UI</a:t>
+            </a:r>
+          </a:p>
+        </p:txBody>
+      </p:sp>
+      <p:pic>
+        <p:nvPicPr>
+          <p:cNvPr id="17" name="Picture 16">
+            <a:extLst>
+              <a:ext uri="{FF2B5EF4-FFF2-40B4-BE49-F238E27FC236}">
+                <a16:creationId xmlns:a16="http://schemas.microsoft.com/office/drawing/2014/main" id="{48CD3CFA-9665-4E4D-B1EC-4F4D048A3483}"/>
+              </a:ext>
+            </a:extLst>
+          </p:cNvPr>
+          <p:cNvPicPr>
+            <a:picLocks noChangeAspect="1"/>
+          </p:cNvPicPr>
+          <p:nvPr/>
+        </p:nvPicPr>
+        <p:blipFill>
+          <a:blip r:embed="rId4">
+            <a:extLst>
+              <a:ext uri="{28A0092B-C50C-407E-A947-70E740481C1C}">
+                <a14:useLocalDpi xmlns:a14="http://schemas.microsoft.com/office/drawing/2010/main" val="0"/>
+              </a:ext>
+            </a:extLst>
+          </a:blip>
+          <a:stretch>
+            <a:fillRect/>
+          </a:stretch>
+        </p:blipFill>
+        <p:spPr>
+          <a:xfrm>
+            <a:off x="4743581" y="3088225"/>
+            <a:ext cx="891387" cy="546053"/>
+          </a:xfrm>
+          <a:prstGeom prst="rect">
+            <a:avLst/>
+          </a:prstGeom>
+        </p:spPr>
+      </p:pic>
+      <p:pic>
+        <p:nvPicPr>
+          <p:cNvPr id="19" name="Picture 18">
+            <a:extLst>
+              <a:ext uri="{FF2B5EF4-FFF2-40B4-BE49-F238E27FC236}">
+                <a16:creationId xmlns:a16="http://schemas.microsoft.com/office/drawing/2014/main" id="{B0499EF2-B9C9-2945-8399-58BBCF695032}"/>
+              </a:ext>
+            </a:extLst>
+          </p:cNvPr>
+          <p:cNvPicPr>
+            <a:picLocks noChangeAspect="1"/>
+          </p:cNvPicPr>
+          <p:nvPr/>
+        </p:nvPicPr>
+        <p:blipFill>
+          <a:blip r:embed="rId5">
+            <a:extLst>
+              <a:ext uri="{28A0092B-C50C-407E-A947-70E740481C1C}">
+                <a14:useLocalDpi xmlns:a14="http://schemas.microsoft.com/office/drawing/2010/main" val="0"/>
+              </a:ext>
+            </a:extLst>
+          </a:blip>
+          <a:stretch>
+            <a:fillRect/>
+          </a:stretch>
+        </p:blipFill>
+        <p:spPr>
+          <a:xfrm>
+            <a:off x="1607515" y="1972690"/>
+            <a:ext cx="877730" cy="877730"/>
+          </a:xfrm>
+          <a:prstGeom prst="rect">
+            <a:avLst/>
+          </a:prstGeom>
+        </p:spPr>
+      </p:pic>
+      <p:pic>
+        <p:nvPicPr>
+          <p:cNvPr id="25" name="Picture 24">
+            <a:extLst>
+              <a:ext uri="{FF2B5EF4-FFF2-40B4-BE49-F238E27FC236}">
+                <a16:creationId xmlns:a16="http://schemas.microsoft.com/office/drawing/2014/main" id="{BB0CC76B-580A-634D-947C-190CDEDF38BB}"/>
+              </a:ext>
+            </a:extLst>
+          </p:cNvPr>
+          <p:cNvPicPr>
+            <a:picLocks noChangeAspect="1"/>
+          </p:cNvPicPr>
+          <p:nvPr/>
+        </p:nvPicPr>
+        <p:blipFill>
+          <a:blip r:embed="rId6"/>
+          <a:stretch>
+            <a:fillRect/>
+          </a:stretch>
+        </p:blipFill>
+        <p:spPr>
+          <a:xfrm>
+            <a:off x="7176885" y="1761063"/>
+            <a:ext cx="1098574" cy="996165"/>
+          </a:xfrm>
+          <a:prstGeom prst="rect">
+            <a:avLst/>
+          </a:prstGeom>
+        </p:spPr>
+      </p:pic>
+    </p:spTree>
+    <p:extLst>
+      <p:ext uri="{BB962C8B-B14F-4D97-AF65-F5344CB8AC3E}">
+        <p14:creationId xmlns:p14="http://schemas.microsoft.com/office/powerpoint/2010/main" val="4292059357"/>
       </p:ext>
     </p:extLst>
   </p:cSld>

--- a/images/architecture.pptx
+++ b/images/architecture.pptx
@@ -5,7 +5,7 @@
     <p:sldMasterId id="2147483648" r:id="rId1"/>
   </p:sldMasterIdLst>
   <p:notesMasterIdLst>
-    <p:notesMasterId r:id="rId22"/>
+    <p:notesMasterId r:id="rId26"/>
   </p:notesMasterIdLst>
   <p:sldIdLst>
     <p:sldId id="325" r:id="rId2"/>
@@ -28,6 +28,10 @@
     <p:sldId id="350" r:id="rId19"/>
     <p:sldId id="352" r:id="rId20"/>
     <p:sldId id="351" r:id="rId21"/>
+    <p:sldId id="360" r:id="rId22"/>
+    <p:sldId id="356" r:id="rId23"/>
+    <p:sldId id="359" r:id="rId24"/>
+    <p:sldId id="358" r:id="rId25"/>
   </p:sldIdLst>
   <p:sldSz cx="10058400" cy="7772400"/>
   <p:notesSz cx="6858000" cy="9144000"/>
@@ -569,7 +573,7 @@
           </a:ln>
           <a:extLst>
             <a:ext uri="{C572A759-6A51-4108-AA02-DFA0A04FC94B}">
-              <ma14:wrappingTextBoxFlag xmlns:ma14="http://schemas.microsoft.com/office/mac/drawingml/2011/main" xmlns="" val="1"/>
+              <ma14:wrappingTextBoxFlag xmlns="" xmlns:ma14="http://schemas.microsoft.com/office/mac/drawingml/2011/main" val="1"/>
             </a:ext>
           </a:extLst>
         </p:spPr>
@@ -622,7 +626,7 @@
           </a:ln>
           <a:extLst>
             <a:ext uri="{C572A759-6A51-4108-AA02-DFA0A04FC94B}">
-              <ma14:wrappingTextBoxFlag xmlns:ma14="http://schemas.microsoft.com/office/mac/drawingml/2011/main" xmlns="" val="1"/>
+              <ma14:wrappingTextBoxFlag xmlns="" xmlns:ma14="http://schemas.microsoft.com/office/mac/drawingml/2011/main" val="1"/>
             </a:ext>
           </a:extLst>
         </p:spPr>
@@ -670,7 +674,7 @@
           </a:ln>
           <a:extLst>
             <a:ext uri="{C572A759-6A51-4108-AA02-DFA0A04FC94B}">
-              <ma14:wrappingTextBoxFlag xmlns:ma14="http://schemas.microsoft.com/office/mac/drawingml/2011/main" xmlns="" val="1"/>
+              <ma14:wrappingTextBoxFlag xmlns="" xmlns:ma14="http://schemas.microsoft.com/office/mac/drawingml/2011/main" val="1"/>
             </a:ext>
           </a:extLst>
         </p:spPr>
@@ -834,7 +838,7 @@
           </a:ln>
           <a:extLst>
             <a:ext uri="{C572A759-6A51-4108-AA02-DFA0A04FC94B}">
-              <ma14:wrappingTextBoxFlag xmlns:ma14="http://schemas.microsoft.com/office/mac/drawingml/2011/main" xmlns="" val="1"/>
+              <ma14:wrappingTextBoxFlag xmlns="" xmlns:ma14="http://schemas.microsoft.com/office/mac/drawingml/2011/main" val="1"/>
             </a:ext>
           </a:extLst>
         </p:spPr>
@@ -887,7 +891,7 @@
           </a:ln>
           <a:extLst>
             <a:ext uri="{C572A759-6A51-4108-AA02-DFA0A04FC94B}">
-              <ma14:wrappingTextBoxFlag xmlns:ma14="http://schemas.microsoft.com/office/mac/drawingml/2011/main" xmlns="" val="1"/>
+              <ma14:wrappingTextBoxFlag xmlns="" xmlns:ma14="http://schemas.microsoft.com/office/mac/drawingml/2011/main" val="1"/>
             </a:ext>
           </a:extLst>
         </p:spPr>
@@ -935,7 +939,7 @@
           </a:ln>
           <a:extLst>
             <a:ext uri="{C572A759-6A51-4108-AA02-DFA0A04FC94B}">
-              <ma14:wrappingTextBoxFlag xmlns:ma14="http://schemas.microsoft.com/office/mac/drawingml/2011/main" xmlns="" val="1"/>
+              <ma14:wrappingTextBoxFlag xmlns="" xmlns:ma14="http://schemas.microsoft.com/office/mac/drawingml/2011/main" val="1"/>
             </a:ext>
           </a:extLst>
         </p:spPr>
@@ -1125,7 +1129,7 @@
           </a:ln>
           <a:extLst>
             <a:ext uri="{C572A759-6A51-4108-AA02-DFA0A04FC94B}">
-              <ma14:wrappingTextBoxFlag xmlns:ma14="http://schemas.microsoft.com/office/mac/drawingml/2011/main" xmlns="" val="1"/>
+              <ma14:wrappingTextBoxFlag xmlns="" xmlns:ma14="http://schemas.microsoft.com/office/mac/drawingml/2011/main" val="1"/>
             </a:ext>
           </a:extLst>
         </p:spPr>
@@ -1263,7 +1267,7 @@
           </a:ln>
           <a:extLst>
             <a:ext uri="{C572A759-6A51-4108-AA02-DFA0A04FC94B}">
-              <ma14:wrappingTextBoxFlag xmlns:ma14="http://schemas.microsoft.com/office/mac/drawingml/2011/main" xmlns="" val="1"/>
+              <ma14:wrappingTextBoxFlag xmlns="" xmlns:ma14="http://schemas.microsoft.com/office/mac/drawingml/2011/main" val="1"/>
             </a:ext>
           </a:extLst>
         </p:spPr>
@@ -1316,7 +1320,7 @@
           </a:ln>
           <a:extLst>
             <a:ext uri="{C572A759-6A51-4108-AA02-DFA0A04FC94B}">
-              <ma14:wrappingTextBoxFlag xmlns:ma14="http://schemas.microsoft.com/office/mac/drawingml/2011/main" xmlns="" val="1"/>
+              <ma14:wrappingTextBoxFlag xmlns="" xmlns:ma14="http://schemas.microsoft.com/office/mac/drawingml/2011/main" val="1"/>
             </a:ext>
           </a:extLst>
         </p:spPr>
@@ -2249,7 +2253,7 @@
           </a:ln>
           <a:extLst>
             <a:ext uri="{C572A759-6A51-4108-AA02-DFA0A04FC94B}">
-              <ma14:wrappingTextBoxFlag xmlns:ma14="http://schemas.microsoft.com/office/mac/drawingml/2011/main" xmlns="" val="1"/>
+              <ma14:wrappingTextBoxFlag xmlns="" xmlns:ma14="http://schemas.microsoft.com/office/mac/drawingml/2011/main" val="1"/>
             </a:ext>
           </a:extLst>
         </p:spPr>
@@ -2302,7 +2306,7 @@
           </a:ln>
           <a:extLst>
             <a:ext uri="{C572A759-6A51-4108-AA02-DFA0A04FC94B}">
-              <ma14:wrappingTextBoxFlag xmlns:ma14="http://schemas.microsoft.com/office/mac/drawingml/2011/main" xmlns="" val="1"/>
+              <ma14:wrappingTextBoxFlag xmlns="" xmlns:ma14="http://schemas.microsoft.com/office/mac/drawingml/2011/main" val="1"/>
             </a:ext>
           </a:extLst>
         </p:spPr>
@@ -2350,7 +2354,7 @@
           </a:ln>
           <a:extLst>
             <a:ext uri="{C572A759-6A51-4108-AA02-DFA0A04FC94B}">
-              <ma14:wrappingTextBoxFlag xmlns:ma14="http://schemas.microsoft.com/office/mac/drawingml/2011/main" xmlns="" val="1"/>
+              <ma14:wrappingTextBoxFlag xmlns="" xmlns:ma14="http://schemas.microsoft.com/office/mac/drawingml/2011/main" val="1"/>
             </a:ext>
           </a:extLst>
         </p:spPr>
@@ -2450,7 +2454,7 @@
           </a:ln>
           <a:extLst>
             <a:ext uri="{C572A759-6A51-4108-AA02-DFA0A04FC94B}">
-              <ma14:wrappingTextBoxFlag xmlns:ma14="http://schemas.microsoft.com/office/mac/drawingml/2011/main" xmlns="" val="1"/>
+              <ma14:wrappingTextBoxFlag xmlns="" xmlns:ma14="http://schemas.microsoft.com/office/mac/drawingml/2011/main" val="1"/>
             </a:ext>
           </a:extLst>
         </p:spPr>
@@ -2493,7 +2497,7 @@
           </a:ln>
           <a:extLst>
             <a:ext uri="{C572A759-6A51-4108-AA02-DFA0A04FC94B}">
-              <ma14:wrappingTextBoxFlag xmlns:ma14="http://schemas.microsoft.com/office/mac/drawingml/2011/main" xmlns="" val="1"/>
+              <ma14:wrappingTextBoxFlag xmlns="" xmlns:ma14="http://schemas.microsoft.com/office/mac/drawingml/2011/main" val="1"/>
             </a:ext>
           </a:extLst>
         </p:spPr>
@@ -2904,7 +2908,7 @@
           </a:ln>
           <a:extLst>
             <a:ext uri="{C572A759-6A51-4108-AA02-DFA0A04FC94B}">
-              <ma14:wrappingTextBoxFlag xmlns:ma14="http://schemas.microsoft.com/office/mac/drawingml/2011/main" xmlns="" val="1"/>
+              <ma14:wrappingTextBoxFlag xmlns="" xmlns:ma14="http://schemas.microsoft.com/office/mac/drawingml/2011/main" val="1"/>
             </a:ext>
           </a:extLst>
         </p:spPr>
@@ -2972,7 +2976,7 @@
           </a:ln>
           <a:extLst>
             <a:ext uri="{C572A759-6A51-4108-AA02-DFA0A04FC94B}">
-              <ma14:wrappingTextBoxFlag xmlns:ma14="http://schemas.microsoft.com/office/mac/drawingml/2011/main" xmlns="" val="1"/>
+              <ma14:wrappingTextBoxFlag xmlns="" xmlns:ma14="http://schemas.microsoft.com/office/mac/drawingml/2011/main" val="1"/>
             </a:ext>
           </a:extLst>
         </p:spPr>
@@ -3638,7 +3642,7 @@
           </a:ln>
           <a:extLst>
             <a:ext uri="{C572A759-6A51-4108-AA02-DFA0A04FC94B}">
-              <ma14:wrappingTextBoxFlag xmlns:ma14="http://schemas.microsoft.com/office/mac/drawingml/2011/main" xmlns="" val="1"/>
+              <ma14:wrappingTextBoxFlag xmlns="" xmlns:ma14="http://schemas.microsoft.com/office/mac/drawingml/2011/main" val="1"/>
             </a:ext>
           </a:extLst>
         </p:spPr>
@@ -4124,7 +4128,7 @@
           </a:ln>
           <a:extLst>
             <a:ext uri="{C572A759-6A51-4108-AA02-DFA0A04FC94B}">
-              <ma14:wrappingTextBoxFlag xmlns:ma14="http://schemas.microsoft.com/office/mac/drawingml/2011/main" xmlns="" val="1"/>
+              <ma14:wrappingTextBoxFlag xmlns="" xmlns:ma14="http://schemas.microsoft.com/office/mac/drawingml/2011/main" val="1"/>
             </a:ext>
           </a:extLst>
         </p:spPr>
@@ -4838,7 +4842,7 @@
           </a:ln>
           <a:extLst>
             <a:ext uri="{C572A759-6A51-4108-AA02-DFA0A04FC94B}">
-              <ma14:wrappingTextBoxFlag xmlns:ma14="http://schemas.microsoft.com/office/mac/drawingml/2011/main" xmlns="" val="1"/>
+              <ma14:wrappingTextBoxFlag xmlns="" xmlns:ma14="http://schemas.microsoft.com/office/mac/drawingml/2011/main" val="1"/>
             </a:ext>
           </a:extLst>
         </p:spPr>
@@ -5122,7 +5126,7 @@
           </a:ln>
           <a:extLst>
             <a:ext uri="{C572A759-6A51-4108-AA02-DFA0A04FC94B}">
-              <ma14:wrappingTextBoxFlag xmlns:ma14="http://schemas.microsoft.com/office/mac/drawingml/2011/main" xmlns="" val="1"/>
+              <ma14:wrappingTextBoxFlag xmlns="" xmlns:ma14="http://schemas.microsoft.com/office/mac/drawingml/2011/main" val="1"/>
             </a:ext>
           </a:extLst>
         </p:spPr>
@@ -5264,7 +5268,7 @@
           </a:ln>
           <a:extLst>
             <a:ext uri="{C572A759-6A51-4108-AA02-DFA0A04FC94B}">
-              <ma14:wrappingTextBoxFlag xmlns:ma14="http://schemas.microsoft.com/office/mac/drawingml/2011/main" xmlns="" val="1"/>
+              <ma14:wrappingTextBoxFlag xmlns="" xmlns:ma14="http://schemas.microsoft.com/office/mac/drawingml/2011/main" val="1"/>
             </a:ext>
           </a:extLst>
         </p:spPr>
@@ -5440,7 +5444,7 @@
           </a:ln>
           <a:extLst>
             <a:ext uri="{C572A759-6A51-4108-AA02-DFA0A04FC94B}">
-              <ma14:wrappingTextBoxFlag xmlns:ma14="http://schemas.microsoft.com/office/mac/drawingml/2011/main" xmlns="" val="1"/>
+              <ma14:wrappingTextBoxFlag xmlns="" xmlns:ma14="http://schemas.microsoft.com/office/mac/drawingml/2011/main" val="1"/>
             </a:ext>
           </a:extLst>
         </p:spPr>
@@ -5543,7 +5547,7 @@
           </a:ln>
           <a:extLst>
             <a:ext uri="{C572A759-6A51-4108-AA02-DFA0A04FC94B}">
-              <ma14:wrappingTextBoxFlag xmlns:ma14="http://schemas.microsoft.com/office/mac/drawingml/2011/main" xmlns="" val="1"/>
+              <ma14:wrappingTextBoxFlag xmlns="" xmlns:ma14="http://schemas.microsoft.com/office/mac/drawingml/2011/main" val="1"/>
             </a:ext>
           </a:extLst>
         </p:spPr>
@@ -6864,7 +6868,7 @@
             </a:ln>
             <a:extLst>
               <a:ext uri="{C572A759-6A51-4108-AA02-DFA0A04FC94B}">
-                <ma14:wrappingTextBoxFlag xmlns:ma14="http://schemas.microsoft.com/office/mac/drawingml/2011/main" xmlns="" val="1"/>
+                <ma14:wrappingTextBoxFlag xmlns="" xmlns:ma14="http://schemas.microsoft.com/office/mac/drawingml/2011/main" val="1"/>
               </a:ext>
             </a:extLst>
           </p:spPr>
@@ -7103,7 +7107,7 @@
           </a:ln>
           <a:extLst>
             <a:ext uri="{C572A759-6A51-4108-AA02-DFA0A04FC94B}">
-              <ma14:wrappingTextBoxFlag xmlns:ma14="http://schemas.microsoft.com/office/mac/drawingml/2011/main" xmlns="" val="1"/>
+              <ma14:wrappingTextBoxFlag xmlns="" xmlns:ma14="http://schemas.microsoft.com/office/mac/drawingml/2011/main" val="1"/>
             </a:ext>
           </a:extLst>
         </p:spPr>
@@ -7171,7 +7175,7 @@
           </a:ln>
           <a:extLst>
             <a:ext uri="{C572A759-6A51-4108-AA02-DFA0A04FC94B}">
-              <ma14:wrappingTextBoxFlag xmlns:ma14="http://schemas.microsoft.com/office/mac/drawingml/2011/main" xmlns="" val="1"/>
+              <ma14:wrappingTextBoxFlag xmlns="" xmlns:ma14="http://schemas.microsoft.com/office/mac/drawingml/2011/main" val="1"/>
             </a:ext>
           </a:extLst>
         </p:spPr>
@@ -7542,7 +7546,7 @@
             <a:effectLst/>
             <a:extLst>
               <a:ext uri="{C572A759-6A51-4108-AA02-DFA0A04FC94B}">
-                <ma14:wrappingTextBoxFlag xmlns:ma14="http://schemas.microsoft.com/office/mac/drawingml/2011/main" xmlns="" val="1"/>
+                <ma14:wrappingTextBoxFlag xmlns="" xmlns:ma14="http://schemas.microsoft.com/office/mac/drawingml/2011/main" val="1"/>
               </a:ext>
             </a:extLst>
           </p:spPr>
@@ -7786,7 +7790,7 @@
             </a:ln>
             <a:extLst>
               <a:ext uri="{C572A759-6A51-4108-AA02-DFA0A04FC94B}">
-                <ma14:wrappingTextBoxFlag xmlns:ma14="http://schemas.microsoft.com/office/mac/drawingml/2011/main" xmlns="" val="1"/>
+                <ma14:wrappingTextBoxFlag xmlns="" xmlns:ma14="http://schemas.microsoft.com/office/mac/drawingml/2011/main" val="1"/>
               </a:ext>
             </a:extLst>
           </p:spPr>
@@ -7999,7 +8003,7 @@
           </a:ln>
           <a:extLst>
             <a:ext uri="{C572A759-6A51-4108-AA02-DFA0A04FC94B}">
-              <ma14:wrappingTextBoxFlag xmlns:ma14="http://schemas.microsoft.com/office/mac/drawingml/2011/main" xmlns="" val="1"/>
+              <ma14:wrappingTextBoxFlag xmlns="" xmlns:ma14="http://schemas.microsoft.com/office/mac/drawingml/2011/main" val="1"/>
             </a:ext>
           </a:extLst>
         </p:spPr>
@@ -10026,7 +10030,7 @@
             </a:ln>
             <a:extLst>
               <a:ext uri="{C572A759-6A51-4108-AA02-DFA0A04FC94B}">
-                <ma14:wrappingTextBoxFlag xmlns:ma14="http://schemas.microsoft.com/office/mac/drawingml/2011/main" xmlns="" val="1"/>
+                <ma14:wrappingTextBoxFlag xmlns="" xmlns:ma14="http://schemas.microsoft.com/office/mac/drawingml/2011/main" val="1"/>
               </a:ext>
             </a:extLst>
           </p:spPr>
@@ -10265,7 +10269,7 @@
           </a:ln>
           <a:extLst>
             <a:ext uri="{C572A759-6A51-4108-AA02-DFA0A04FC94B}">
-              <ma14:wrappingTextBoxFlag xmlns:ma14="http://schemas.microsoft.com/office/mac/drawingml/2011/main" xmlns="" val="1"/>
+              <ma14:wrappingTextBoxFlag xmlns="" xmlns:ma14="http://schemas.microsoft.com/office/mac/drawingml/2011/main" val="1"/>
             </a:ext>
           </a:extLst>
         </p:spPr>
@@ -10333,7 +10337,7 @@
           </a:ln>
           <a:extLst>
             <a:ext uri="{C572A759-6A51-4108-AA02-DFA0A04FC94B}">
-              <ma14:wrappingTextBoxFlag xmlns:ma14="http://schemas.microsoft.com/office/mac/drawingml/2011/main" xmlns="" val="1"/>
+              <ma14:wrappingTextBoxFlag xmlns="" xmlns:ma14="http://schemas.microsoft.com/office/mac/drawingml/2011/main" val="1"/>
             </a:ext>
           </a:extLst>
         </p:spPr>
@@ -10704,7 +10708,7 @@
             <a:effectLst/>
             <a:extLst>
               <a:ext uri="{C572A759-6A51-4108-AA02-DFA0A04FC94B}">
-                <ma14:wrappingTextBoxFlag xmlns:ma14="http://schemas.microsoft.com/office/mac/drawingml/2011/main" xmlns="" val="1"/>
+                <ma14:wrappingTextBoxFlag xmlns="" xmlns:ma14="http://schemas.microsoft.com/office/mac/drawingml/2011/main" val="1"/>
               </a:ext>
             </a:extLst>
           </p:spPr>
@@ -10948,7 +10952,7 @@
             </a:ln>
             <a:extLst>
               <a:ext uri="{C572A759-6A51-4108-AA02-DFA0A04FC94B}">
-                <ma14:wrappingTextBoxFlag xmlns:ma14="http://schemas.microsoft.com/office/mac/drawingml/2011/main" xmlns="" val="1"/>
+                <ma14:wrappingTextBoxFlag xmlns="" xmlns:ma14="http://schemas.microsoft.com/office/mac/drawingml/2011/main" val="1"/>
               </a:ext>
             </a:extLst>
           </p:spPr>
@@ -11161,7 +11165,7 @@
           </a:ln>
           <a:extLst>
             <a:ext uri="{C572A759-6A51-4108-AA02-DFA0A04FC94B}">
-              <ma14:wrappingTextBoxFlag xmlns:ma14="http://schemas.microsoft.com/office/mac/drawingml/2011/main" xmlns="" val="1"/>
+              <ma14:wrappingTextBoxFlag xmlns="" xmlns:ma14="http://schemas.microsoft.com/office/mac/drawingml/2011/main" val="1"/>
             </a:ext>
           </a:extLst>
         </p:spPr>
@@ -13071,7 +13075,7 @@
             </a:ln>
             <a:extLst>
               <a:ext uri="{C572A759-6A51-4108-AA02-DFA0A04FC94B}">
-                <ma14:wrappingTextBoxFlag xmlns:ma14="http://schemas.microsoft.com/office/mac/drawingml/2011/main" xmlns="" val="1"/>
+                <ma14:wrappingTextBoxFlag xmlns="" xmlns:ma14="http://schemas.microsoft.com/office/mac/drawingml/2011/main" val="1"/>
               </a:ext>
             </a:extLst>
           </p:spPr>
@@ -13178,7 +13182,7 @@
           </a:ln>
           <a:extLst>
             <a:ext uri="{C572A759-6A51-4108-AA02-DFA0A04FC94B}">
-              <ma14:wrappingTextBoxFlag xmlns:ma14="http://schemas.microsoft.com/office/mac/drawingml/2011/main" xmlns="" val="1"/>
+              <ma14:wrappingTextBoxFlag xmlns="" xmlns:ma14="http://schemas.microsoft.com/office/mac/drawingml/2011/main" val="1"/>
             </a:ext>
           </a:extLst>
         </p:spPr>
@@ -13246,7 +13250,7 @@
           </a:ln>
           <a:extLst>
             <a:ext uri="{C572A759-6A51-4108-AA02-DFA0A04FC94B}">
-              <ma14:wrappingTextBoxFlag xmlns:ma14="http://schemas.microsoft.com/office/mac/drawingml/2011/main" xmlns="" val="1"/>
+              <ma14:wrappingTextBoxFlag xmlns="" xmlns:ma14="http://schemas.microsoft.com/office/mac/drawingml/2011/main" val="1"/>
             </a:ext>
           </a:extLst>
         </p:spPr>
@@ -14468,7 +14472,7 @@
             </a:ln>
             <a:extLst>
               <a:ext uri="{C572A759-6A51-4108-AA02-DFA0A04FC94B}">
-                <ma14:wrappingTextBoxFlag xmlns:ma14="http://schemas.microsoft.com/office/mac/drawingml/2011/main" xmlns="" val="1"/>
+                <ma14:wrappingTextBoxFlag xmlns="" xmlns:ma14="http://schemas.microsoft.com/office/mac/drawingml/2011/main" val="1"/>
               </a:ext>
             </a:extLst>
           </p:spPr>
@@ -14707,7 +14711,7 @@
           </a:ln>
           <a:extLst>
             <a:ext uri="{C572A759-6A51-4108-AA02-DFA0A04FC94B}">
-              <ma14:wrappingTextBoxFlag xmlns:ma14="http://schemas.microsoft.com/office/mac/drawingml/2011/main" xmlns="" val="1"/>
+              <ma14:wrappingTextBoxFlag xmlns="" xmlns:ma14="http://schemas.microsoft.com/office/mac/drawingml/2011/main" val="1"/>
             </a:ext>
           </a:extLst>
         </p:spPr>
@@ -14775,7 +14779,7 @@
           </a:ln>
           <a:extLst>
             <a:ext uri="{C572A759-6A51-4108-AA02-DFA0A04FC94B}">
-              <ma14:wrappingTextBoxFlag xmlns:ma14="http://schemas.microsoft.com/office/mac/drawingml/2011/main" xmlns="" val="1"/>
+              <ma14:wrappingTextBoxFlag xmlns="" xmlns:ma14="http://schemas.microsoft.com/office/mac/drawingml/2011/main" val="1"/>
             </a:ext>
           </a:extLst>
         </p:spPr>
@@ -15146,7 +15150,7 @@
             <a:effectLst/>
             <a:extLst>
               <a:ext uri="{C572A759-6A51-4108-AA02-DFA0A04FC94B}">
-                <ma14:wrappingTextBoxFlag xmlns:ma14="http://schemas.microsoft.com/office/mac/drawingml/2011/main" xmlns="" val="1"/>
+                <ma14:wrappingTextBoxFlag xmlns="" xmlns:ma14="http://schemas.microsoft.com/office/mac/drawingml/2011/main" val="1"/>
               </a:ext>
             </a:extLst>
           </p:spPr>
@@ -15390,7 +15394,7 @@
             </a:ln>
             <a:extLst>
               <a:ext uri="{C572A759-6A51-4108-AA02-DFA0A04FC94B}">
-                <ma14:wrappingTextBoxFlag xmlns:ma14="http://schemas.microsoft.com/office/mac/drawingml/2011/main" xmlns="" val="1"/>
+                <ma14:wrappingTextBoxFlag xmlns="" xmlns:ma14="http://schemas.microsoft.com/office/mac/drawingml/2011/main" val="1"/>
               </a:ext>
             </a:extLst>
           </p:spPr>
@@ -15603,7 +15607,7 @@
           </a:ln>
           <a:extLst>
             <a:ext uri="{C572A759-6A51-4108-AA02-DFA0A04FC94B}">
-              <ma14:wrappingTextBoxFlag xmlns:ma14="http://schemas.microsoft.com/office/mac/drawingml/2011/main" xmlns="" val="1"/>
+              <ma14:wrappingTextBoxFlag xmlns="" xmlns:ma14="http://schemas.microsoft.com/office/mac/drawingml/2011/main" val="1"/>
             </a:ext>
           </a:extLst>
         </p:spPr>
@@ -17799,7 +17803,7 @@
             </a:ln>
             <a:extLst>
               <a:ext uri="{C572A759-6A51-4108-AA02-DFA0A04FC94B}">
-                <ma14:wrappingTextBoxFlag xmlns:ma14="http://schemas.microsoft.com/office/mac/drawingml/2011/main" xmlns="" val="1"/>
+                <ma14:wrappingTextBoxFlag xmlns="" xmlns:ma14="http://schemas.microsoft.com/office/mac/drawingml/2011/main" val="1"/>
               </a:ext>
             </a:extLst>
           </p:spPr>
@@ -18038,7 +18042,7 @@
           </a:ln>
           <a:extLst>
             <a:ext uri="{C572A759-6A51-4108-AA02-DFA0A04FC94B}">
-              <ma14:wrappingTextBoxFlag xmlns:ma14="http://schemas.microsoft.com/office/mac/drawingml/2011/main" xmlns="" val="1"/>
+              <ma14:wrappingTextBoxFlag xmlns="" xmlns:ma14="http://schemas.microsoft.com/office/mac/drawingml/2011/main" val="1"/>
             </a:ext>
           </a:extLst>
         </p:spPr>
@@ -18106,7 +18110,7 @@
           </a:ln>
           <a:extLst>
             <a:ext uri="{C572A759-6A51-4108-AA02-DFA0A04FC94B}">
-              <ma14:wrappingTextBoxFlag xmlns:ma14="http://schemas.microsoft.com/office/mac/drawingml/2011/main" xmlns="" val="1"/>
+              <ma14:wrappingTextBoxFlag xmlns="" xmlns:ma14="http://schemas.microsoft.com/office/mac/drawingml/2011/main" val="1"/>
             </a:ext>
           </a:extLst>
         </p:spPr>
@@ -18477,7 +18481,7 @@
             <a:effectLst/>
             <a:extLst>
               <a:ext uri="{C572A759-6A51-4108-AA02-DFA0A04FC94B}">
-                <ma14:wrappingTextBoxFlag xmlns:ma14="http://schemas.microsoft.com/office/mac/drawingml/2011/main" xmlns="" val="1"/>
+                <ma14:wrappingTextBoxFlag xmlns="" xmlns:ma14="http://schemas.microsoft.com/office/mac/drawingml/2011/main" val="1"/>
               </a:ext>
             </a:extLst>
           </p:spPr>
@@ -18721,7 +18725,7 @@
             </a:ln>
             <a:extLst>
               <a:ext uri="{C572A759-6A51-4108-AA02-DFA0A04FC94B}">
-                <ma14:wrappingTextBoxFlag xmlns:ma14="http://schemas.microsoft.com/office/mac/drawingml/2011/main" xmlns="" val="1"/>
+                <ma14:wrappingTextBoxFlag xmlns="" xmlns:ma14="http://schemas.microsoft.com/office/mac/drawingml/2011/main" val="1"/>
               </a:ext>
             </a:extLst>
           </p:spPr>
@@ -18934,7 +18938,7 @@
           </a:ln>
           <a:extLst>
             <a:ext uri="{C572A759-6A51-4108-AA02-DFA0A04FC94B}">
-              <ma14:wrappingTextBoxFlag xmlns:ma14="http://schemas.microsoft.com/office/mac/drawingml/2011/main" xmlns="" val="1"/>
+              <ma14:wrappingTextBoxFlag xmlns="" xmlns:ma14="http://schemas.microsoft.com/office/mac/drawingml/2011/main" val="1"/>
             </a:ext>
           </a:extLst>
         </p:spPr>
@@ -21085,7 +21089,7 @@
             </a:ln>
             <a:extLst>
               <a:ext uri="{C572A759-6A51-4108-AA02-DFA0A04FC94B}">
-                <ma14:wrappingTextBoxFlag xmlns:ma14="http://schemas.microsoft.com/office/mac/drawingml/2011/main" xmlns="" val="1"/>
+                <ma14:wrappingTextBoxFlag xmlns="" xmlns:ma14="http://schemas.microsoft.com/office/mac/drawingml/2011/main" val="1"/>
               </a:ext>
             </a:extLst>
           </p:spPr>
@@ -21324,7 +21328,7 @@
           </a:ln>
           <a:extLst>
             <a:ext uri="{C572A759-6A51-4108-AA02-DFA0A04FC94B}">
-              <ma14:wrappingTextBoxFlag xmlns:ma14="http://schemas.microsoft.com/office/mac/drawingml/2011/main" xmlns="" val="1"/>
+              <ma14:wrappingTextBoxFlag xmlns="" xmlns:ma14="http://schemas.microsoft.com/office/mac/drawingml/2011/main" val="1"/>
             </a:ext>
           </a:extLst>
         </p:spPr>
@@ -21392,7 +21396,7 @@
           </a:ln>
           <a:extLst>
             <a:ext uri="{C572A759-6A51-4108-AA02-DFA0A04FC94B}">
-              <ma14:wrappingTextBoxFlag xmlns:ma14="http://schemas.microsoft.com/office/mac/drawingml/2011/main" xmlns="" val="1"/>
+              <ma14:wrappingTextBoxFlag xmlns="" xmlns:ma14="http://schemas.microsoft.com/office/mac/drawingml/2011/main" val="1"/>
             </a:ext>
           </a:extLst>
         </p:spPr>
@@ -21763,7 +21767,7 @@
             <a:effectLst/>
             <a:extLst>
               <a:ext uri="{C572A759-6A51-4108-AA02-DFA0A04FC94B}">
-                <ma14:wrappingTextBoxFlag xmlns:ma14="http://schemas.microsoft.com/office/mac/drawingml/2011/main" xmlns="" val="1"/>
+                <ma14:wrappingTextBoxFlag xmlns="" xmlns:ma14="http://schemas.microsoft.com/office/mac/drawingml/2011/main" val="1"/>
               </a:ext>
             </a:extLst>
           </p:spPr>
@@ -22007,7 +22011,7 @@
             </a:ln>
             <a:extLst>
               <a:ext uri="{C572A759-6A51-4108-AA02-DFA0A04FC94B}">
-                <ma14:wrappingTextBoxFlag xmlns:ma14="http://schemas.microsoft.com/office/mac/drawingml/2011/main" xmlns="" val="1"/>
+                <ma14:wrappingTextBoxFlag xmlns="" xmlns:ma14="http://schemas.microsoft.com/office/mac/drawingml/2011/main" val="1"/>
               </a:ext>
             </a:extLst>
           </p:spPr>
@@ -22143,7 +22147,7 @@
           </a:ln>
           <a:extLst>
             <a:ext uri="{C572A759-6A51-4108-AA02-DFA0A04FC94B}">
-              <ma14:wrappingTextBoxFlag xmlns:ma14="http://schemas.microsoft.com/office/mac/drawingml/2011/main" xmlns="" val="1"/>
+              <ma14:wrappingTextBoxFlag xmlns="" xmlns:ma14="http://schemas.microsoft.com/office/mac/drawingml/2011/main" val="1"/>
             </a:ext>
           </a:extLst>
         </p:spPr>
@@ -24209,7 +24213,7 @@
             </a:ln>
             <a:extLst>
               <a:ext uri="{C572A759-6A51-4108-AA02-DFA0A04FC94B}">
-                <ma14:wrappingTextBoxFlag xmlns:ma14="http://schemas.microsoft.com/office/mac/drawingml/2011/main" xmlns="" val="1"/>
+                <ma14:wrappingTextBoxFlag xmlns="" xmlns:ma14="http://schemas.microsoft.com/office/mac/drawingml/2011/main" val="1"/>
               </a:ext>
             </a:extLst>
           </p:spPr>
@@ -24448,7 +24452,7 @@
           </a:ln>
           <a:extLst>
             <a:ext uri="{C572A759-6A51-4108-AA02-DFA0A04FC94B}">
-              <ma14:wrappingTextBoxFlag xmlns:ma14="http://schemas.microsoft.com/office/mac/drawingml/2011/main" xmlns="" val="1"/>
+              <ma14:wrappingTextBoxFlag xmlns="" xmlns:ma14="http://schemas.microsoft.com/office/mac/drawingml/2011/main" val="1"/>
             </a:ext>
           </a:extLst>
         </p:spPr>
@@ -24516,7 +24520,7 @@
           </a:ln>
           <a:extLst>
             <a:ext uri="{C572A759-6A51-4108-AA02-DFA0A04FC94B}">
-              <ma14:wrappingTextBoxFlag xmlns:ma14="http://schemas.microsoft.com/office/mac/drawingml/2011/main" xmlns="" val="1"/>
+              <ma14:wrappingTextBoxFlag xmlns="" xmlns:ma14="http://schemas.microsoft.com/office/mac/drawingml/2011/main" val="1"/>
             </a:ext>
           </a:extLst>
         </p:spPr>
@@ -24887,7 +24891,7 @@
             <a:effectLst/>
             <a:extLst>
               <a:ext uri="{C572A759-6A51-4108-AA02-DFA0A04FC94B}">
-                <ma14:wrappingTextBoxFlag xmlns:ma14="http://schemas.microsoft.com/office/mac/drawingml/2011/main" xmlns="" val="1"/>
+                <ma14:wrappingTextBoxFlag xmlns="" xmlns:ma14="http://schemas.microsoft.com/office/mac/drawingml/2011/main" val="1"/>
               </a:ext>
             </a:extLst>
           </p:spPr>
@@ -25131,7 +25135,7 @@
             </a:ln>
             <a:extLst>
               <a:ext uri="{C572A759-6A51-4108-AA02-DFA0A04FC94B}">
-                <ma14:wrappingTextBoxFlag xmlns:ma14="http://schemas.microsoft.com/office/mac/drawingml/2011/main" xmlns="" val="1"/>
+                <ma14:wrappingTextBoxFlag xmlns="" xmlns:ma14="http://schemas.microsoft.com/office/mac/drawingml/2011/main" val="1"/>
               </a:ext>
             </a:extLst>
           </p:spPr>
@@ -25344,7 +25348,7 @@
           </a:ln>
           <a:extLst>
             <a:ext uri="{C572A759-6A51-4108-AA02-DFA0A04FC94B}">
-              <ma14:wrappingTextBoxFlag xmlns:ma14="http://schemas.microsoft.com/office/mac/drawingml/2011/main" xmlns="" val="1"/>
+              <ma14:wrappingTextBoxFlag xmlns="" xmlns:ma14="http://schemas.microsoft.com/office/mac/drawingml/2011/main" val="1"/>
             </a:ext>
           </a:extLst>
         </p:spPr>
@@ -27986,7 +27990,7 @@
           </a:ln>
           <a:extLst>
             <a:ext uri="{C572A759-6A51-4108-AA02-DFA0A04FC94B}">
-              <ma14:wrappingTextBoxFlag xmlns:ma14="http://schemas.microsoft.com/office/mac/drawingml/2011/main" xmlns="" val="1"/>
+              <ma14:wrappingTextBoxFlag xmlns="" xmlns:ma14="http://schemas.microsoft.com/office/mac/drawingml/2011/main" val="1"/>
             </a:ext>
           </a:extLst>
         </p:spPr>
@@ -28054,7 +28058,7 @@
           </a:ln>
           <a:extLst>
             <a:ext uri="{C572A759-6A51-4108-AA02-DFA0A04FC94B}">
-              <ma14:wrappingTextBoxFlag xmlns:ma14="http://schemas.microsoft.com/office/mac/drawingml/2011/main" xmlns="" val="1"/>
+              <ma14:wrappingTextBoxFlag xmlns="" xmlns:ma14="http://schemas.microsoft.com/office/mac/drawingml/2011/main" val="1"/>
             </a:ext>
           </a:extLst>
         </p:spPr>
@@ -28672,7 +28676,7 @@
           </a:ln>
           <a:extLst>
             <a:ext uri="{C572A759-6A51-4108-AA02-DFA0A04FC94B}">
-              <ma14:wrappingTextBoxFlag xmlns:ma14="http://schemas.microsoft.com/office/mac/drawingml/2011/main" xmlns="" val="1"/>
+              <ma14:wrappingTextBoxFlag xmlns="" xmlns:ma14="http://schemas.microsoft.com/office/mac/drawingml/2011/main" val="1"/>
             </a:ext>
           </a:extLst>
         </p:spPr>
@@ -29158,7 +29162,7 @@
           </a:ln>
           <a:extLst>
             <a:ext uri="{C572A759-6A51-4108-AA02-DFA0A04FC94B}">
-              <ma14:wrappingTextBoxFlag xmlns:ma14="http://schemas.microsoft.com/office/mac/drawingml/2011/main" xmlns="" val="1"/>
+              <ma14:wrappingTextBoxFlag xmlns="" xmlns:ma14="http://schemas.microsoft.com/office/mac/drawingml/2011/main" val="1"/>
             </a:ext>
           </a:extLst>
         </p:spPr>
@@ -29715,7 +29719,7 @@
           </a:ln>
           <a:extLst>
             <a:ext uri="{C572A759-6A51-4108-AA02-DFA0A04FC94B}">
-              <ma14:wrappingTextBoxFlag xmlns:ma14="http://schemas.microsoft.com/office/mac/drawingml/2011/main" xmlns="" val="1"/>
+              <ma14:wrappingTextBoxFlag xmlns="" xmlns:ma14="http://schemas.microsoft.com/office/mac/drawingml/2011/main" val="1"/>
             </a:ext>
           </a:extLst>
         </p:spPr>
@@ -29999,7 +30003,7 @@
           </a:ln>
           <a:extLst>
             <a:ext uri="{C572A759-6A51-4108-AA02-DFA0A04FC94B}">
-              <ma14:wrappingTextBoxFlag xmlns:ma14="http://schemas.microsoft.com/office/mac/drawingml/2011/main" xmlns="" val="1"/>
+              <ma14:wrappingTextBoxFlag xmlns="" xmlns:ma14="http://schemas.microsoft.com/office/mac/drawingml/2011/main" val="1"/>
             </a:ext>
           </a:extLst>
         </p:spPr>
@@ -30141,7 +30145,7 @@
           </a:ln>
           <a:extLst>
             <a:ext uri="{C572A759-6A51-4108-AA02-DFA0A04FC94B}">
-              <ma14:wrappingTextBoxFlag xmlns:ma14="http://schemas.microsoft.com/office/mac/drawingml/2011/main" xmlns="" val="1"/>
+              <ma14:wrappingTextBoxFlag xmlns="" xmlns:ma14="http://schemas.microsoft.com/office/mac/drawingml/2011/main" val="1"/>
             </a:ext>
           </a:extLst>
         </p:spPr>
@@ -30317,7 +30321,7 @@
           </a:ln>
           <a:extLst>
             <a:ext uri="{C572A759-6A51-4108-AA02-DFA0A04FC94B}">
-              <ma14:wrappingTextBoxFlag xmlns:ma14="http://schemas.microsoft.com/office/mac/drawingml/2011/main" xmlns="" val="1"/>
+              <ma14:wrappingTextBoxFlag xmlns="" xmlns:ma14="http://schemas.microsoft.com/office/mac/drawingml/2011/main" val="1"/>
             </a:ext>
           </a:extLst>
         </p:spPr>
@@ -30420,7 +30424,7 @@
           </a:ln>
           <a:extLst>
             <a:ext uri="{C572A759-6A51-4108-AA02-DFA0A04FC94B}">
-              <ma14:wrappingTextBoxFlag xmlns:ma14="http://schemas.microsoft.com/office/mac/drawingml/2011/main" xmlns="" val="1"/>
+              <ma14:wrappingTextBoxFlag xmlns="" xmlns:ma14="http://schemas.microsoft.com/office/mac/drawingml/2011/main" val="1"/>
             </a:ext>
           </a:extLst>
         </p:spPr>
@@ -31374,7 +31378,7 @@
           </a:ln>
           <a:extLst>
             <a:ext uri="{C572A759-6A51-4108-AA02-DFA0A04FC94B}">
-              <ma14:wrappingTextBoxFlag xmlns:ma14="http://schemas.microsoft.com/office/mac/drawingml/2011/main" xmlns="" val="1"/>
+              <ma14:wrappingTextBoxFlag xmlns="" xmlns:ma14="http://schemas.microsoft.com/office/mac/drawingml/2011/main" val="1"/>
             </a:ext>
           </a:extLst>
         </p:spPr>
@@ -31926,6 +31930,6886 @@
 </p:sld>
 </file>
 
+<file path=ppt/slides/slide21.xml><?xml version="1.0" encoding="utf-8"?>
+<p:sld xmlns:a="http://schemas.openxmlformats.org/drawingml/2006/main" xmlns:r="http://schemas.openxmlformats.org/officeDocument/2006/relationships" xmlns:p="http://schemas.openxmlformats.org/presentationml/2006/main">
+  <p:cSld>
+    <p:spTree>
+      <p:nvGrpSpPr>
+        <p:cNvPr id="1" name=""/>
+        <p:cNvGrpSpPr/>
+        <p:nvPr/>
+      </p:nvGrpSpPr>
+      <p:grpSpPr>
+        <a:xfrm>
+          <a:off x="0" y="0"/>
+          <a:ext cx="0" cy="0"/>
+          <a:chOff x="0" y="0"/>
+          <a:chExt cx="0" cy="0"/>
+        </a:xfrm>
+      </p:grpSpPr>
+      <p:sp>
+        <p:nvSpPr>
+          <p:cNvPr id="2" name="TextBox 1">
+            <a:extLst>
+              <a:ext uri="{FF2B5EF4-FFF2-40B4-BE49-F238E27FC236}">
+                <a16:creationId xmlns:a16="http://schemas.microsoft.com/office/drawing/2014/main" id="{87C07FF8-CBD9-BE44-A19C-3A5A734DAEA8}"/>
+              </a:ext>
+            </a:extLst>
+          </p:cNvPr>
+          <p:cNvSpPr txBox="1"/>
+          <p:nvPr/>
+        </p:nvSpPr>
+        <p:spPr>
+          <a:xfrm>
+            <a:off x="2261223" y="2575747"/>
+            <a:ext cx="5535969" cy="2110673"/>
+          </a:xfrm>
+          <a:prstGeom prst="rect">
+            <a:avLst/>
+          </a:prstGeom>
+          <a:noFill/>
+          <a:ln w="3175" cap="flat">
+            <a:noFill/>
+            <a:miter lim="400000"/>
+          </a:ln>
+          <a:effectLst/>
+        </p:spPr>
+        <p:style>
+          <a:lnRef idx="0">
+            <a:scrgbClr r="0" g="0" b="0"/>
+          </a:lnRef>
+          <a:fillRef idx="0">
+            <a:scrgbClr r="0" g="0" b="0"/>
+          </a:fillRef>
+          <a:effectRef idx="0">
+            <a:scrgbClr r="0" g="0" b="0"/>
+          </a:effectRef>
+          <a:fontRef idx="none"/>
+        </p:style>
+        <p:txBody>
+          <a:bodyPr rot="0" spcFirstLastPara="1" vertOverflow="overflow" horzOverflow="overflow" vert="horz" wrap="none" lIns="39290" tIns="39290" rIns="39290" bIns="39290" numCol="1" spcCol="38100" rtlCol="0" anchor="ctr">
+            <a:spAutoFit/>
+          </a:bodyPr>
+          <a:lstStyle/>
+          <a:p>
+            <a:pPr marL="0" marR="0" indent="0" algn="ctr" defTabSz="584200" rtl="0" fontAlgn="auto" latinLnBrk="1" hangingPunct="0">
+              <a:lnSpc>
+                <a:spcPct val="100000"/>
+              </a:lnSpc>
+              <a:spcBef>
+                <a:spcPts val="0"/>
+              </a:spcBef>
+              <a:spcAft>
+                <a:spcPts val="0"/>
+              </a:spcAft>
+              <a:buClrTx/>
+              <a:buSzTx/>
+              <a:buFontTx/>
+              <a:buNone/>
+              <a:tabLst/>
+            </a:pPr>
+            <a:r>
+              <a:rPr kumimoji="0" lang="de-DE" sz="6600" b="0" i="0" u="none" strike="noStrike" cap="none" spc="0" normalizeH="0" baseline="0" dirty="0">
+                <a:ln>
+                  <a:noFill/>
+                </a:ln>
+                <a:solidFill>
+                  <a:srgbClr val="000000"/>
+                </a:solidFill>
+                <a:effectLst/>
+                <a:uFillTx/>
+                <a:latin typeface="+mn-lt"/>
+                <a:ea typeface="+mn-ea"/>
+                <a:cs typeface="+mn-cs"/>
+                <a:sym typeface="Helvetica Light"/>
+              </a:rPr>
+              <a:t>SCORES IN </a:t>
+            </a:r>
+            <a:br>
+              <a:rPr kumimoji="0" lang="de-DE" sz="6600" b="0" i="0" u="none" strike="noStrike" cap="none" spc="0" normalizeH="0" baseline="0" dirty="0">
+                <a:ln>
+                  <a:noFill/>
+                </a:ln>
+                <a:solidFill>
+                  <a:srgbClr val="000000"/>
+                </a:solidFill>
+                <a:effectLst/>
+                <a:uFillTx/>
+                <a:latin typeface="+mn-lt"/>
+                <a:ea typeface="+mn-ea"/>
+                <a:cs typeface="+mn-cs"/>
+                <a:sym typeface="Helvetica Light"/>
+              </a:rPr>
+            </a:br>
+            <a:r>
+              <a:rPr kumimoji="0" lang="de-DE" sz="6600" b="0" i="0" u="none" strike="noStrike" cap="none" spc="0" normalizeH="0" baseline="0" dirty="0">
+                <a:ln>
+                  <a:noFill/>
+                </a:ln>
+                <a:solidFill>
+                  <a:srgbClr val="000000"/>
+                </a:solidFill>
+                <a:effectLst/>
+                <a:uFillTx/>
+                <a:latin typeface="+mn-lt"/>
+                <a:ea typeface="+mn-ea"/>
+                <a:cs typeface="+mn-cs"/>
+                <a:sym typeface="Helvetica Light"/>
+              </a:rPr>
+              <a:t>KUBERNETES</a:t>
+            </a:r>
+          </a:p>
+        </p:txBody>
+      </p:sp>
+    </p:spTree>
+    <p:extLst>
+      <p:ext uri="{BB962C8B-B14F-4D97-AF65-F5344CB8AC3E}">
+        <p14:creationId xmlns:p14="http://schemas.microsoft.com/office/powerpoint/2010/main" val="1012973589"/>
+      </p:ext>
+    </p:extLst>
+  </p:cSld>
+  <p:clrMapOvr>
+    <a:masterClrMapping/>
+  </p:clrMapOvr>
+  <p:transition spd="med"/>
+</p:sld>
+</file>
+
+<file path=ppt/slides/slide22.xml><?xml version="1.0" encoding="utf-8"?>
+<p:sld xmlns:a="http://schemas.openxmlformats.org/drawingml/2006/main" xmlns:r="http://schemas.openxmlformats.org/officeDocument/2006/relationships" xmlns:p="http://schemas.openxmlformats.org/presentationml/2006/main">
+  <p:cSld>
+    <p:spTree>
+      <p:nvGrpSpPr>
+        <p:cNvPr id="1" name=""/>
+        <p:cNvGrpSpPr/>
+        <p:nvPr/>
+      </p:nvGrpSpPr>
+      <p:grpSpPr>
+        <a:xfrm>
+          <a:off x="0" y="0"/>
+          <a:ext cx="0" cy="0"/>
+          <a:chOff x="0" y="0"/>
+          <a:chExt cx="0" cy="0"/>
+        </a:xfrm>
+      </p:grpSpPr>
+      <p:sp>
+        <p:nvSpPr>
+          <p:cNvPr id="53" name="Rectangle 52">
+            <a:extLst>
+              <a:ext uri="{FF2B5EF4-FFF2-40B4-BE49-F238E27FC236}">
+                <a16:creationId xmlns:a16="http://schemas.microsoft.com/office/drawing/2014/main" id="{E6A132D8-9CB8-D04C-90E9-9B29E3234269}"/>
+              </a:ext>
+            </a:extLst>
+          </p:cNvPr>
+          <p:cNvSpPr/>
+          <p:nvPr/>
+        </p:nvSpPr>
+        <p:spPr>
+          <a:xfrm>
+            <a:off x="3014818" y="1001873"/>
+            <a:ext cx="4841863" cy="4756132"/>
+          </a:xfrm>
+          <a:prstGeom prst="rect">
+            <a:avLst/>
+          </a:prstGeom>
+          <a:solidFill>
+            <a:schemeClr val="accent1">
+              <a:lumMod val="20000"/>
+              <a:lumOff val="80000"/>
+              <a:alpha val="33000"/>
+            </a:schemeClr>
+          </a:solidFill>
+          <a:ln w="25400">
+            <a:solidFill>
+              <a:srgbClr val="4277BB"/>
+            </a:solidFill>
+            <a:miter lim="400000"/>
+          </a:ln>
+        </p:spPr>
+        <p:txBody>
+          <a:bodyPr lIns="0" tIns="0" rIns="0" bIns="0" rtlCol="0" anchor="ctr"/>
+          <a:lstStyle/>
+          <a:p>
+            <a:pPr algn="ctr"/>
+            <a:endParaRPr lang="de-DE" sz="1800" dirty="0">
+              <a:solidFill>
+                <a:srgbClr val="4277BB"/>
+              </a:solidFill>
+            </a:endParaRPr>
+          </a:p>
+        </p:txBody>
+      </p:sp>
+      <p:sp>
+        <p:nvSpPr>
+          <p:cNvPr id="39" name="Rectangle 38">
+            <a:extLst>
+              <a:ext uri="{FF2B5EF4-FFF2-40B4-BE49-F238E27FC236}">
+                <a16:creationId xmlns:a16="http://schemas.microsoft.com/office/drawing/2014/main" id="{C3332922-10F6-6F4B-8F8E-637161019780}"/>
+              </a:ext>
+            </a:extLst>
+          </p:cNvPr>
+          <p:cNvSpPr/>
+          <p:nvPr/>
+        </p:nvSpPr>
+        <p:spPr>
+          <a:xfrm>
+            <a:off x="3370865" y="2442335"/>
+            <a:ext cx="2580154" cy="278205"/>
+          </a:xfrm>
+          <a:prstGeom prst="rect">
+            <a:avLst/>
+          </a:prstGeom>
+          <a:solidFill>
+            <a:srgbClr val="FFFFFF">
+              <a:alpha val="33000"/>
+            </a:srgbClr>
+          </a:solidFill>
+          <a:ln w="25400">
+            <a:solidFill>
+              <a:srgbClr val="4277BB"/>
+            </a:solidFill>
+            <a:miter lim="400000"/>
+          </a:ln>
+        </p:spPr>
+        <p:txBody>
+          <a:bodyPr lIns="0" tIns="0" rIns="0" bIns="0" rtlCol="0" anchor="ctr"/>
+          <a:lstStyle/>
+          <a:p>
+            <a:pPr algn="ctr"/>
+            <a:endParaRPr lang="de-DE" sz="1800" dirty="0">
+              <a:solidFill>
+                <a:srgbClr val="4277BB"/>
+              </a:solidFill>
+            </a:endParaRPr>
+          </a:p>
+        </p:txBody>
+      </p:sp>
+      <p:sp>
+        <p:nvSpPr>
+          <p:cNvPr id="55" name="Rectangle 54">
+            <a:extLst>
+              <a:ext uri="{FF2B5EF4-FFF2-40B4-BE49-F238E27FC236}">
+                <a16:creationId xmlns:a16="http://schemas.microsoft.com/office/drawing/2014/main" id="{F63D6810-7B88-C74A-A306-E619ED19B29C}"/>
+              </a:ext>
+            </a:extLst>
+          </p:cNvPr>
+          <p:cNvSpPr/>
+          <p:nvPr/>
+        </p:nvSpPr>
+        <p:spPr>
+          <a:xfrm>
+            <a:off x="3370865" y="1967536"/>
+            <a:ext cx="3281492" cy="287921"/>
+          </a:xfrm>
+          <a:prstGeom prst="rect">
+            <a:avLst/>
+          </a:prstGeom>
+          <a:solidFill>
+            <a:srgbClr val="FFFFFF">
+              <a:alpha val="33000"/>
+            </a:srgbClr>
+          </a:solidFill>
+          <a:ln w="25400">
+            <a:solidFill>
+              <a:srgbClr val="4277BB"/>
+            </a:solidFill>
+            <a:miter lim="400000"/>
+          </a:ln>
+        </p:spPr>
+        <p:txBody>
+          <a:bodyPr lIns="0" tIns="0" rIns="0" bIns="0" rtlCol="0" anchor="ctr"/>
+          <a:lstStyle/>
+          <a:p>
+            <a:pPr algn="ctr"/>
+            <a:endParaRPr lang="de-DE" sz="1800" dirty="0">
+              <a:solidFill>
+                <a:srgbClr val="4277BB"/>
+              </a:solidFill>
+            </a:endParaRPr>
+          </a:p>
+        </p:txBody>
+      </p:sp>
+      <p:sp>
+        <p:nvSpPr>
+          <p:cNvPr id="52" name="Rectangle 51">
+            <a:extLst>
+              <a:ext uri="{FF2B5EF4-FFF2-40B4-BE49-F238E27FC236}">
+                <a16:creationId xmlns:a16="http://schemas.microsoft.com/office/drawing/2014/main" id="{14ABDFBC-2F58-384D-AC0D-EE0809B6E509}"/>
+              </a:ext>
+            </a:extLst>
+          </p:cNvPr>
+          <p:cNvSpPr/>
+          <p:nvPr/>
+        </p:nvSpPr>
+        <p:spPr>
+          <a:xfrm>
+            <a:off x="3380694" y="2942263"/>
+            <a:ext cx="4247748" cy="2388403"/>
+          </a:xfrm>
+          <a:prstGeom prst="rect">
+            <a:avLst/>
+          </a:prstGeom>
+          <a:solidFill>
+            <a:schemeClr val="bg2">
+              <a:alpha val="33000"/>
+            </a:schemeClr>
+          </a:solidFill>
+          <a:ln w="25400">
+            <a:solidFill>
+              <a:srgbClr val="4277BB"/>
+            </a:solidFill>
+            <a:miter lim="400000"/>
+          </a:ln>
+        </p:spPr>
+        <p:txBody>
+          <a:bodyPr lIns="0" tIns="0" rIns="0" bIns="0" rtlCol="0" anchor="ctr"/>
+          <a:lstStyle/>
+          <a:p>
+            <a:pPr algn="ctr"/>
+            <a:endParaRPr lang="de-DE" sz="1800" dirty="0">
+              <a:solidFill>
+                <a:srgbClr val="4277BB"/>
+              </a:solidFill>
+            </a:endParaRPr>
+          </a:p>
+        </p:txBody>
+      </p:sp>
+      <p:sp>
+        <p:nvSpPr>
+          <p:cNvPr id="54" name="Rectangle 53">
+            <a:extLst>
+              <a:ext uri="{FF2B5EF4-FFF2-40B4-BE49-F238E27FC236}">
+                <a16:creationId xmlns:a16="http://schemas.microsoft.com/office/drawing/2014/main" id="{16156125-C5F4-9F4E-8DEE-451732A4DD70}"/>
+              </a:ext>
+            </a:extLst>
+          </p:cNvPr>
+          <p:cNvSpPr/>
+          <p:nvPr/>
+        </p:nvSpPr>
+        <p:spPr>
+          <a:xfrm>
+            <a:off x="3798165" y="3329959"/>
+            <a:ext cx="3718455" cy="1792478"/>
+          </a:xfrm>
+          <a:prstGeom prst="rect">
+            <a:avLst/>
+          </a:prstGeom>
+          <a:solidFill>
+            <a:srgbClr val="FFFFFF">
+              <a:alpha val="33000"/>
+            </a:srgbClr>
+          </a:solidFill>
+          <a:ln w="25400">
+            <a:solidFill>
+              <a:srgbClr val="4277BB"/>
+            </a:solidFill>
+            <a:miter lim="400000"/>
+          </a:ln>
+        </p:spPr>
+        <p:txBody>
+          <a:bodyPr lIns="0" tIns="0" rIns="0" bIns="0" rtlCol="0" anchor="ctr"/>
+          <a:lstStyle/>
+          <a:p>
+            <a:pPr algn="ctr"/>
+            <a:endParaRPr lang="de-DE" sz="1800" dirty="0">
+              <a:solidFill>
+                <a:srgbClr val="4277BB"/>
+              </a:solidFill>
+            </a:endParaRPr>
+          </a:p>
+        </p:txBody>
+      </p:sp>
+      <p:sp>
+        <p:nvSpPr>
+          <p:cNvPr id="3" name="Rectangle 2">
+            <a:extLst>
+              <a:ext uri="{FF2B5EF4-FFF2-40B4-BE49-F238E27FC236}">
+                <a16:creationId xmlns:a16="http://schemas.microsoft.com/office/drawing/2014/main" id="{83448774-E58B-5B40-91AE-6D2462D1D60D}"/>
+              </a:ext>
+            </a:extLst>
+          </p:cNvPr>
+          <p:cNvSpPr/>
+          <p:nvPr/>
+        </p:nvSpPr>
+        <p:spPr>
+          <a:xfrm>
+            <a:off x="3981029" y="3689706"/>
+            <a:ext cx="1509183" cy="1253039"/>
+          </a:xfrm>
+          <a:prstGeom prst="rect">
+            <a:avLst/>
+          </a:prstGeom>
+          <a:solidFill>
+            <a:schemeClr val="bg1"/>
+          </a:solidFill>
+          <a:ln w="25400">
+            <a:solidFill>
+              <a:srgbClr val="4277BB"/>
+            </a:solidFill>
+            <a:miter lim="400000"/>
+          </a:ln>
+        </p:spPr>
+        <p:txBody>
+          <a:bodyPr lIns="0" tIns="0" rIns="0" bIns="0" rtlCol="0" anchor="ctr"/>
+          <a:lstStyle/>
+          <a:p>
+            <a:pPr algn="ctr"/>
+            <a:endParaRPr lang="de-DE" sz="1800">
+              <a:solidFill>
+                <a:srgbClr val="4277BB"/>
+              </a:solidFill>
+            </a:endParaRPr>
+          </a:p>
+        </p:txBody>
+      </p:sp>
+      <p:sp>
+        <p:nvSpPr>
+          <p:cNvPr id="7" name="Shape 547">
+            <a:extLst>
+              <a:ext uri="{FF2B5EF4-FFF2-40B4-BE49-F238E27FC236}">
+                <a16:creationId xmlns:a16="http://schemas.microsoft.com/office/drawing/2014/main" id="{A84D3468-43D7-2B45-9576-127780443C39}"/>
+              </a:ext>
+            </a:extLst>
+          </p:cNvPr>
+          <p:cNvSpPr/>
+          <p:nvPr/>
+        </p:nvSpPr>
+        <p:spPr>
+          <a:xfrm>
+            <a:off x="5662103" y="3870607"/>
+            <a:ext cx="1404151" cy="184666"/>
+          </a:xfrm>
+          <a:prstGeom prst="rect">
+            <a:avLst/>
+          </a:prstGeom>
+          <a:ln w="3175">
+            <a:miter lim="400000"/>
+          </a:ln>
+          <a:extLst>
+            <a:ext uri="{C572A759-6A51-4108-AA02-DFA0A04FC94B}">
+              <ma14:wrappingTextBoxFlag xmlns="" xmlns:ma14="http://schemas.microsoft.com/office/mac/drawingml/2011/main" val="1"/>
+            </a:ext>
+          </a:extLst>
+        </p:spPr>
+        <p:txBody>
+          <a:bodyPr wrap="square" lIns="0" tIns="0" rIns="0" bIns="0">
+            <a:spAutoFit/>
+          </a:bodyPr>
+          <a:lstStyle>
+            <a:lvl1pPr>
+              <a:defRPr sz="900" b="1">
+                <a:latin typeface="Helvetica"/>
+                <a:ea typeface="Helvetica"/>
+                <a:cs typeface="Helvetica"/>
+                <a:sym typeface="Helvetica"/>
+              </a:defRPr>
+            </a:lvl1pPr>
+          </a:lstStyle>
+          <a:p>
+            <a:pPr lvl="0">
+              <a:defRPr sz="1800" b="0"/>
+            </a:pPr>
+            <a:r>
+              <a:rPr lang="en-US" sz="1200" b="0">
+                <a:latin typeface="Arial"/>
+                <a:cs typeface="Arial"/>
+              </a:rPr>
+              <a:t>Scores Core Service</a:t>
+            </a:r>
+          </a:p>
+        </p:txBody>
+      </p:sp>
+      <p:pic>
+        <p:nvPicPr>
+          <p:cNvPr id="9" name="Picture 8">
+            <a:extLst>
+              <a:ext uri="{FF2B5EF4-FFF2-40B4-BE49-F238E27FC236}">
+                <a16:creationId xmlns:a16="http://schemas.microsoft.com/office/drawing/2014/main" id="{AD9008AB-5948-3242-BDA2-08EF35F28222}"/>
+              </a:ext>
+            </a:extLst>
+          </p:cNvPr>
+          <p:cNvPicPr>
+            <a:picLocks noChangeAspect="1"/>
+          </p:cNvPicPr>
+          <p:nvPr/>
+        </p:nvPicPr>
+        <p:blipFill>
+          <a:blip r:embed="rId2"/>
+          <a:stretch>
+            <a:fillRect/>
+          </a:stretch>
+        </p:blipFill>
+        <p:spPr>
+          <a:xfrm>
+            <a:off x="8861196" y="3944743"/>
+            <a:ext cx="697633" cy="697633"/>
+          </a:xfrm>
+          <a:prstGeom prst="rect">
+            <a:avLst/>
+          </a:prstGeom>
+        </p:spPr>
+      </p:pic>
+      <p:sp>
+        <p:nvSpPr>
+          <p:cNvPr id="10" name="TextBox 9">
+            <a:extLst>
+              <a:ext uri="{FF2B5EF4-FFF2-40B4-BE49-F238E27FC236}">
+                <a16:creationId xmlns:a16="http://schemas.microsoft.com/office/drawing/2014/main" id="{A41299AB-026F-484F-AD49-382B5102AB5E}"/>
+              </a:ext>
+            </a:extLst>
+          </p:cNvPr>
+          <p:cNvSpPr txBox="1"/>
+          <p:nvPr/>
+        </p:nvSpPr>
+        <p:spPr>
+          <a:xfrm>
+            <a:off x="8600850" y="4710905"/>
+            <a:ext cx="1218324" cy="264013"/>
+          </a:xfrm>
+          <a:prstGeom prst="rect">
+            <a:avLst/>
+          </a:prstGeom>
+          <a:noFill/>
+          <a:ln w="3175" cap="flat">
+            <a:noFill/>
+            <a:miter lim="400000"/>
+          </a:ln>
+          <a:effectLst/>
+        </p:spPr>
+        <p:style>
+          <a:lnRef idx="0">
+            <a:scrgbClr r="0" g="0" b="0"/>
+          </a:lnRef>
+          <a:fillRef idx="0">
+            <a:scrgbClr r="0" g="0" b="0"/>
+          </a:fillRef>
+          <a:effectRef idx="0">
+            <a:scrgbClr r="0" g="0" b="0"/>
+          </a:effectRef>
+          <a:fontRef idx="none"/>
+        </p:style>
+        <p:txBody>
+          <a:bodyPr rot="0" spcFirstLastPara="1" vertOverflow="overflow" horzOverflow="overflow" vert="horz" wrap="square" lIns="39290" tIns="39290" rIns="39290" bIns="39290" numCol="1" spcCol="38100" rtlCol="0" anchor="ctr">
+            <a:spAutoFit/>
+          </a:bodyPr>
+          <a:lstStyle/>
+          <a:p>
+            <a:pPr marL="0" marR="0" indent="0" defTabSz="584200" rtl="0" fontAlgn="auto" latinLnBrk="1" hangingPunct="0">
+              <a:lnSpc>
+                <a:spcPct val="100000"/>
+              </a:lnSpc>
+              <a:spcBef>
+                <a:spcPts val="0"/>
+              </a:spcBef>
+              <a:spcAft>
+                <a:spcPts val="0"/>
+              </a:spcAft>
+              <a:buClrTx/>
+              <a:buSzTx/>
+              <a:buFontTx/>
+              <a:buNone/>
+              <a:tabLst/>
+            </a:pPr>
+            <a:r>
+              <a:rPr kumimoji="0" lang="en-US" sz="1200" b="0" i="0" u="none" strike="noStrike" cap="none" spc="0" normalizeH="0" baseline="0" dirty="0">
+                <a:ln>
+                  <a:noFill/>
+                </a:ln>
+                <a:solidFill>
+                  <a:srgbClr val="000000"/>
+                </a:solidFill>
+                <a:effectLst/>
+                <a:uFillTx/>
+                <a:latin typeface="Arial"/>
+                <a:ea typeface="+mn-ea"/>
+                <a:cs typeface="Arial"/>
+                <a:sym typeface="Helvetica Light"/>
+              </a:rPr>
+              <a:t>Cloudant</a:t>
+            </a:r>
+          </a:p>
+        </p:txBody>
+      </p:sp>
+      <p:cxnSp>
+        <p:nvCxnSpPr>
+          <p:cNvPr id="11" name="Straight Connector 10">
+            <a:extLst>
+              <a:ext uri="{FF2B5EF4-FFF2-40B4-BE49-F238E27FC236}">
+                <a16:creationId xmlns:a16="http://schemas.microsoft.com/office/drawing/2014/main" id="{6479DAB5-96D0-8240-B001-67D9EC5AFE1A}"/>
+              </a:ext>
+            </a:extLst>
+          </p:cNvPr>
+          <p:cNvCxnSpPr>
+            <a:cxnSpLocks/>
+            <a:stCxn id="17" idx="3"/>
+            <a:endCxn id="9" idx="1"/>
+          </p:cNvCxnSpPr>
+          <p:nvPr/>
+        </p:nvCxnSpPr>
+        <p:spPr>
+          <a:xfrm flipV="1">
+            <a:off x="6808831" y="4293560"/>
+            <a:ext cx="2052365" cy="11491"/>
+          </a:xfrm>
+          <a:prstGeom prst="line">
+            <a:avLst/>
+          </a:prstGeom>
+          <a:noFill/>
+          <a:ln w="34925" cap="flat">
+            <a:solidFill>
+              <a:schemeClr val="bg1">
+                <a:lumMod val="85000"/>
+              </a:schemeClr>
+            </a:solidFill>
+            <a:prstDash val="solid"/>
+            <a:miter lim="400000"/>
+          </a:ln>
+          <a:effectLst/>
+        </p:spPr>
+        <p:style>
+          <a:lnRef idx="0">
+            <a:scrgbClr r="0" g="0" b="0"/>
+          </a:lnRef>
+          <a:fillRef idx="0">
+            <a:scrgbClr r="0" g="0" b="0"/>
+          </a:fillRef>
+          <a:effectRef idx="0">
+            <a:scrgbClr r="0" g="0" b="0"/>
+          </a:effectRef>
+          <a:fontRef idx="none"/>
+        </p:style>
+      </p:cxnSp>
+      <p:pic>
+        <p:nvPicPr>
+          <p:cNvPr id="13" name="Picture 12">
+            <a:extLst>
+              <a:ext uri="{FF2B5EF4-FFF2-40B4-BE49-F238E27FC236}">
+                <a16:creationId xmlns:a16="http://schemas.microsoft.com/office/drawing/2014/main" id="{F92B54F2-A200-F44C-803F-99FF87911870}"/>
+              </a:ext>
+            </a:extLst>
+          </p:cNvPr>
+          <p:cNvPicPr>
+            <a:picLocks noChangeAspect="1"/>
+          </p:cNvPicPr>
+          <p:nvPr/>
+        </p:nvPicPr>
+        <p:blipFill>
+          <a:blip r:embed="rId3">
+            <a:extLst>
+              <a:ext uri="{28A0092B-C50C-407E-A947-70E740481C1C}">
+                <a14:useLocalDpi xmlns:a14="http://schemas.microsoft.com/office/drawing/2010/main" val="0"/>
+              </a:ext>
+            </a:extLst>
+          </a:blip>
+          <a:stretch>
+            <a:fillRect/>
+          </a:stretch>
+        </p:blipFill>
+        <p:spPr>
+          <a:xfrm>
+            <a:off x="4167976" y="3704255"/>
+            <a:ext cx="988582" cy="988582"/>
+          </a:xfrm>
+          <a:prstGeom prst="rect">
+            <a:avLst/>
+          </a:prstGeom>
+        </p:spPr>
+      </p:pic>
+      <p:cxnSp>
+        <p:nvCxnSpPr>
+          <p:cNvPr id="14" name="Straight Connector 13">
+            <a:extLst>
+              <a:ext uri="{FF2B5EF4-FFF2-40B4-BE49-F238E27FC236}">
+                <a16:creationId xmlns:a16="http://schemas.microsoft.com/office/drawing/2014/main" id="{C1D88E78-3F4D-1746-BA47-AB89ED25DF7C}"/>
+              </a:ext>
+            </a:extLst>
+          </p:cNvPr>
+          <p:cNvCxnSpPr>
+            <a:cxnSpLocks/>
+            <a:stCxn id="17" idx="1"/>
+            <a:endCxn id="3" idx="3"/>
+          </p:cNvCxnSpPr>
+          <p:nvPr/>
+        </p:nvCxnSpPr>
+        <p:spPr>
+          <a:xfrm flipH="1">
+            <a:off x="5490212" y="4305051"/>
+            <a:ext cx="429313" cy="11175"/>
+          </a:xfrm>
+          <a:prstGeom prst="line">
+            <a:avLst/>
+          </a:prstGeom>
+          <a:noFill/>
+          <a:ln w="34925" cap="flat">
+            <a:solidFill>
+              <a:schemeClr val="bg1">
+                <a:lumMod val="85000"/>
+              </a:schemeClr>
+            </a:solidFill>
+            <a:prstDash val="solid"/>
+            <a:miter lim="400000"/>
+          </a:ln>
+          <a:effectLst/>
+        </p:spPr>
+        <p:style>
+          <a:lnRef idx="0">
+            <a:scrgbClr r="0" g="0" b="0"/>
+          </a:lnRef>
+          <a:fillRef idx="0">
+            <a:scrgbClr r="0" g="0" b="0"/>
+          </a:fillRef>
+          <a:effectRef idx="0">
+            <a:scrgbClr r="0" g="0" b="0"/>
+          </a:effectRef>
+          <a:fontRef idx="none"/>
+        </p:style>
+      </p:cxnSp>
+      <p:sp>
+        <p:nvSpPr>
+          <p:cNvPr id="15" name="TextBox 14">
+            <a:extLst>
+              <a:ext uri="{FF2B5EF4-FFF2-40B4-BE49-F238E27FC236}">
+                <a16:creationId xmlns:a16="http://schemas.microsoft.com/office/drawing/2014/main" id="{919C2E5C-AB08-8B49-9C06-8B9735F8C13F}"/>
+              </a:ext>
+            </a:extLst>
+          </p:cNvPr>
+          <p:cNvSpPr txBox="1"/>
+          <p:nvPr/>
+        </p:nvSpPr>
+        <p:spPr>
+          <a:xfrm>
+            <a:off x="3885426" y="4616662"/>
+            <a:ext cx="1553681" cy="264013"/>
+          </a:xfrm>
+          <a:prstGeom prst="rect">
+            <a:avLst/>
+          </a:prstGeom>
+          <a:noFill/>
+          <a:ln w="3175" cap="flat">
+            <a:noFill/>
+            <a:miter lim="400000"/>
+          </a:ln>
+          <a:effectLst/>
+        </p:spPr>
+        <p:style>
+          <a:lnRef idx="0">
+            <a:scrgbClr r="0" g="0" b="0"/>
+          </a:lnRef>
+          <a:fillRef idx="0">
+            <a:scrgbClr r="0" g="0" b="0"/>
+          </a:fillRef>
+          <a:effectRef idx="0">
+            <a:scrgbClr r="0" g="0" b="0"/>
+          </a:effectRef>
+          <a:fontRef idx="none"/>
+        </p:style>
+        <p:txBody>
+          <a:bodyPr rot="0" spcFirstLastPara="1" vertOverflow="overflow" horzOverflow="overflow" vert="horz" wrap="square" lIns="39290" tIns="39290" rIns="39290" bIns="39290" numCol="1" spcCol="38100" rtlCol="0" anchor="ctr">
+            <a:spAutoFit/>
+          </a:bodyPr>
+          <a:lstStyle>
+            <a:lvl1pPr marL="0" marR="0" indent="0" rtl="0" fontAlgn="auto" latinLnBrk="1" hangingPunct="0">
+              <a:lnSpc>
+                <a:spcPct val="100000"/>
+              </a:lnSpc>
+              <a:spcBef>
+                <a:spcPts val="0"/>
+              </a:spcBef>
+              <a:spcAft>
+                <a:spcPts val="0"/>
+              </a:spcAft>
+              <a:buClrTx/>
+              <a:buSzTx/>
+              <a:buFontTx/>
+              <a:buNone/>
+              <a:tabLst/>
+              <a:defRPr kumimoji="0" sz="1200" i="0" u="none" strike="noStrike" cap="none" spc="0" normalizeH="0" baseline="0">
+                <a:ln>
+                  <a:noFill/>
+                </a:ln>
+                <a:solidFill>
+                  <a:srgbClr val="000000"/>
+                </a:solidFill>
+                <a:effectLst/>
+                <a:uFillTx/>
+                <a:latin typeface="Arial"/>
+                <a:cs typeface="Arial"/>
+              </a:defRPr>
+            </a:lvl1pPr>
+          </a:lstStyle>
+          <a:p>
+            <a:r>
+              <a:rPr lang="en-US" dirty="0"/>
+              <a:t>Scores Service UI</a:t>
+            </a:r>
+          </a:p>
+        </p:txBody>
+      </p:sp>
+      <p:pic>
+        <p:nvPicPr>
+          <p:cNvPr id="17" name="Picture 16">
+            <a:extLst>
+              <a:ext uri="{FF2B5EF4-FFF2-40B4-BE49-F238E27FC236}">
+                <a16:creationId xmlns:a16="http://schemas.microsoft.com/office/drawing/2014/main" id="{48CD3CFA-9665-4E4D-B1EC-4F4D048A3483}"/>
+              </a:ext>
+            </a:extLst>
+          </p:cNvPr>
+          <p:cNvPicPr>
+            <a:picLocks noChangeAspect="1"/>
+          </p:cNvPicPr>
+          <p:nvPr/>
+        </p:nvPicPr>
+        <p:blipFill>
+          <a:blip r:embed="rId4">
+            <a:extLst>
+              <a:ext uri="{28A0092B-C50C-407E-A947-70E740481C1C}">
+                <a14:useLocalDpi xmlns:a14="http://schemas.microsoft.com/office/drawing/2010/main" val="0"/>
+              </a:ext>
+            </a:extLst>
+          </a:blip>
+          <a:stretch>
+            <a:fillRect/>
+          </a:stretch>
+        </p:blipFill>
+        <p:spPr>
+          <a:xfrm>
+            <a:off x="5919525" y="4032662"/>
+            <a:ext cx="889306" cy="544778"/>
+          </a:xfrm>
+          <a:prstGeom prst="rect">
+            <a:avLst/>
+          </a:prstGeom>
+        </p:spPr>
+      </p:pic>
+      <p:pic>
+        <p:nvPicPr>
+          <p:cNvPr id="25" name="Picture 24">
+            <a:extLst>
+              <a:ext uri="{FF2B5EF4-FFF2-40B4-BE49-F238E27FC236}">
+                <a16:creationId xmlns:a16="http://schemas.microsoft.com/office/drawing/2014/main" id="{BB0CC76B-580A-634D-947C-190CDEDF38BB}"/>
+              </a:ext>
+            </a:extLst>
+          </p:cNvPr>
+          <p:cNvPicPr>
+            <a:picLocks noChangeAspect="1"/>
+          </p:cNvPicPr>
+          <p:nvPr/>
+        </p:nvPicPr>
+        <p:blipFill>
+          <a:blip r:embed="rId5"/>
+          <a:stretch>
+            <a:fillRect/>
+          </a:stretch>
+        </p:blipFill>
+        <p:spPr>
+          <a:xfrm>
+            <a:off x="9045594" y="46004"/>
+            <a:ext cx="797935" cy="723552"/>
+          </a:xfrm>
+          <a:prstGeom prst="rect">
+            <a:avLst/>
+          </a:prstGeom>
+        </p:spPr>
+      </p:pic>
+      <p:pic>
+        <p:nvPicPr>
+          <p:cNvPr id="5" name="Picture 4">
+            <a:extLst>
+              <a:ext uri="{FF2B5EF4-FFF2-40B4-BE49-F238E27FC236}">
+                <a16:creationId xmlns:a16="http://schemas.microsoft.com/office/drawing/2014/main" id="{79F80EC8-AFBF-6D4F-AC14-B7DB5CC86976}"/>
+              </a:ext>
+            </a:extLst>
+          </p:cNvPr>
+          <p:cNvPicPr>
+            <a:picLocks noChangeAspect="1"/>
+          </p:cNvPicPr>
+          <p:nvPr/>
+        </p:nvPicPr>
+        <p:blipFill>
+          <a:blip r:embed="rId6">
+            <a:extLst>
+              <a:ext uri="{28A0092B-C50C-407E-A947-70E740481C1C}">
+                <a14:useLocalDpi xmlns:a14="http://schemas.microsoft.com/office/drawing/2010/main" val="0"/>
+              </a:ext>
+            </a:extLst>
+          </a:blip>
+          <a:stretch>
+            <a:fillRect/>
+          </a:stretch>
+        </p:blipFill>
+        <p:spPr>
+          <a:xfrm>
+            <a:off x="3116031" y="1000831"/>
+            <a:ext cx="742084" cy="742084"/>
+          </a:xfrm>
+          <a:prstGeom prst="rect">
+            <a:avLst/>
+          </a:prstGeom>
+        </p:spPr>
+      </p:pic>
+      <p:sp>
+        <p:nvSpPr>
+          <p:cNvPr id="21" name="TextBox 20">
+            <a:extLst>
+              <a:ext uri="{FF2B5EF4-FFF2-40B4-BE49-F238E27FC236}">
+                <a16:creationId xmlns:a16="http://schemas.microsoft.com/office/drawing/2014/main" id="{AACB7254-17EF-924B-87CC-D955B84B14FF}"/>
+              </a:ext>
+            </a:extLst>
+          </p:cNvPr>
+          <p:cNvSpPr txBox="1"/>
+          <p:nvPr/>
+        </p:nvSpPr>
+        <p:spPr>
+          <a:xfrm>
+            <a:off x="3238514" y="2960760"/>
+            <a:ext cx="776841" cy="294791"/>
+          </a:xfrm>
+          <a:prstGeom prst="rect">
+            <a:avLst/>
+          </a:prstGeom>
+          <a:noFill/>
+          <a:ln w="3175" cap="flat">
+            <a:noFill/>
+            <a:miter lim="400000"/>
+          </a:ln>
+          <a:effectLst/>
+        </p:spPr>
+        <p:style>
+          <a:lnRef idx="0">
+            <a:scrgbClr r="0" g="0" b="0"/>
+          </a:lnRef>
+          <a:fillRef idx="0">
+            <a:scrgbClr r="0" g="0" b="0"/>
+          </a:fillRef>
+          <a:effectRef idx="0">
+            <a:scrgbClr r="0" g="0" b="0"/>
+          </a:effectRef>
+          <a:fontRef idx="none"/>
+        </p:style>
+        <p:txBody>
+          <a:bodyPr rot="0" spcFirstLastPara="1" vertOverflow="overflow" horzOverflow="overflow" vert="horz" wrap="square" lIns="39290" tIns="39290" rIns="39290" bIns="39290" numCol="1" spcCol="38100" rtlCol="0" anchor="ctr">
+            <a:spAutoFit/>
+          </a:bodyPr>
+          <a:lstStyle>
+            <a:lvl1pPr marL="0" marR="0" indent="0" rtl="0" fontAlgn="auto" latinLnBrk="1" hangingPunct="0">
+              <a:lnSpc>
+                <a:spcPct val="100000"/>
+              </a:lnSpc>
+              <a:spcBef>
+                <a:spcPts val="0"/>
+              </a:spcBef>
+              <a:spcAft>
+                <a:spcPts val="0"/>
+              </a:spcAft>
+              <a:buClrTx/>
+              <a:buSzTx/>
+              <a:buFontTx/>
+              <a:buNone/>
+              <a:tabLst/>
+              <a:defRPr kumimoji="0" sz="1400" b="1" i="0" u="none" strike="noStrike" cap="none" spc="0" normalizeH="0" baseline="0">
+                <a:ln>
+                  <a:noFill/>
+                </a:ln>
+                <a:solidFill>
+                  <a:srgbClr val="000000"/>
+                </a:solidFill>
+                <a:effectLst/>
+                <a:uFillTx/>
+                <a:latin typeface="Arial"/>
+                <a:cs typeface="Arial"/>
+              </a:defRPr>
+            </a:lvl1pPr>
+          </a:lstStyle>
+          <a:p>
+            <a:r>
+              <a:rPr lang="en-US" dirty="0"/>
+              <a:t>Pod</a:t>
+            </a:r>
+          </a:p>
+        </p:txBody>
+      </p:sp>
+      <p:sp>
+        <p:nvSpPr>
+          <p:cNvPr id="22" name="TextBox 21">
+            <a:extLst>
+              <a:ext uri="{FF2B5EF4-FFF2-40B4-BE49-F238E27FC236}">
+                <a16:creationId xmlns:a16="http://schemas.microsoft.com/office/drawing/2014/main" id="{58ACD9BC-286C-BF43-8325-98714C65DEE7}"/>
+              </a:ext>
+            </a:extLst>
+          </p:cNvPr>
+          <p:cNvSpPr txBox="1"/>
+          <p:nvPr/>
+        </p:nvSpPr>
+        <p:spPr>
+          <a:xfrm>
+            <a:off x="3858115" y="3349192"/>
+            <a:ext cx="1090529" cy="294791"/>
+          </a:xfrm>
+          <a:prstGeom prst="rect">
+            <a:avLst/>
+          </a:prstGeom>
+          <a:noFill/>
+          <a:ln w="3175" cap="flat">
+            <a:noFill/>
+            <a:miter lim="400000"/>
+          </a:ln>
+          <a:effectLst/>
+        </p:spPr>
+        <p:style>
+          <a:lnRef idx="0">
+            <a:scrgbClr r="0" g="0" b="0"/>
+          </a:lnRef>
+          <a:fillRef idx="0">
+            <a:scrgbClr r="0" g="0" b="0"/>
+          </a:fillRef>
+          <a:effectRef idx="0">
+            <a:scrgbClr r="0" g="0" b="0"/>
+          </a:effectRef>
+          <a:fontRef idx="none"/>
+        </p:style>
+        <p:txBody>
+          <a:bodyPr rot="0" spcFirstLastPara="1" vertOverflow="overflow" horzOverflow="overflow" vert="horz" wrap="square" lIns="39290" tIns="39290" rIns="39290" bIns="39290" numCol="1" spcCol="38100" rtlCol="0" anchor="ctr">
+            <a:spAutoFit/>
+          </a:bodyPr>
+          <a:lstStyle>
+            <a:lvl1pPr marL="0" marR="0" indent="0" rtl="0" fontAlgn="auto" latinLnBrk="1" hangingPunct="0">
+              <a:lnSpc>
+                <a:spcPct val="100000"/>
+              </a:lnSpc>
+              <a:spcBef>
+                <a:spcPts val="0"/>
+              </a:spcBef>
+              <a:spcAft>
+                <a:spcPts val="0"/>
+              </a:spcAft>
+              <a:buClrTx/>
+              <a:buSzTx/>
+              <a:buFontTx/>
+              <a:buNone/>
+              <a:tabLst/>
+              <a:defRPr kumimoji="0" sz="1400" b="1" i="0" u="none" strike="noStrike" cap="none" spc="0" normalizeH="0" baseline="0">
+                <a:ln>
+                  <a:noFill/>
+                </a:ln>
+                <a:solidFill>
+                  <a:srgbClr val="000000"/>
+                </a:solidFill>
+                <a:effectLst/>
+                <a:uFillTx/>
+                <a:latin typeface="Arial"/>
+                <a:cs typeface="Arial"/>
+              </a:defRPr>
+            </a:lvl1pPr>
+          </a:lstStyle>
+          <a:p>
+            <a:r>
+              <a:rPr lang="en-US" dirty="0"/>
+              <a:t>Container</a:t>
+            </a:r>
+          </a:p>
+        </p:txBody>
+      </p:sp>
+      <p:sp>
+        <p:nvSpPr>
+          <p:cNvPr id="24" name="TextBox 23">
+            <a:extLst>
+              <a:ext uri="{FF2B5EF4-FFF2-40B4-BE49-F238E27FC236}">
+                <a16:creationId xmlns:a16="http://schemas.microsoft.com/office/drawing/2014/main" id="{7EA8E086-FDCB-4D48-9CF7-25A3FFDCE4F4}"/>
+              </a:ext>
+            </a:extLst>
+          </p:cNvPr>
+          <p:cNvSpPr txBox="1"/>
+          <p:nvPr/>
+        </p:nvSpPr>
+        <p:spPr>
+          <a:xfrm>
+            <a:off x="3370865" y="1942419"/>
+            <a:ext cx="778659" cy="294791"/>
+          </a:xfrm>
+          <a:prstGeom prst="rect">
+            <a:avLst/>
+          </a:prstGeom>
+          <a:noFill/>
+          <a:ln w="3175" cap="flat">
+            <a:noFill/>
+            <a:miter lim="400000"/>
+          </a:ln>
+          <a:effectLst/>
+        </p:spPr>
+        <p:style>
+          <a:lnRef idx="0">
+            <a:scrgbClr r="0" g="0" b="0"/>
+          </a:lnRef>
+          <a:fillRef idx="0">
+            <a:scrgbClr r="0" g="0" b="0"/>
+          </a:fillRef>
+          <a:effectRef idx="0">
+            <a:scrgbClr r="0" g="0" b="0"/>
+          </a:effectRef>
+          <a:fontRef idx="none"/>
+        </p:style>
+        <p:txBody>
+          <a:bodyPr rot="0" spcFirstLastPara="1" vertOverflow="overflow" horzOverflow="overflow" vert="horz" wrap="square" lIns="39290" tIns="39290" rIns="39290" bIns="39290" numCol="1" spcCol="38100" rtlCol="0" anchor="ctr">
+            <a:spAutoFit/>
+          </a:bodyPr>
+          <a:lstStyle>
+            <a:lvl1pPr marL="0" marR="0" indent="0" rtl="0" fontAlgn="auto" latinLnBrk="1" hangingPunct="0">
+              <a:lnSpc>
+                <a:spcPct val="100000"/>
+              </a:lnSpc>
+              <a:spcBef>
+                <a:spcPts val="0"/>
+              </a:spcBef>
+              <a:spcAft>
+                <a:spcPts val="0"/>
+              </a:spcAft>
+              <a:buClrTx/>
+              <a:buSzTx/>
+              <a:buFontTx/>
+              <a:buNone/>
+              <a:tabLst/>
+              <a:defRPr kumimoji="0" sz="1400" b="1" i="0" u="none" strike="noStrike" cap="none" spc="0" normalizeH="0" baseline="0">
+                <a:ln>
+                  <a:noFill/>
+                </a:ln>
+                <a:solidFill>
+                  <a:srgbClr val="000000"/>
+                </a:solidFill>
+                <a:effectLst/>
+                <a:uFillTx/>
+                <a:latin typeface="Arial"/>
+                <a:cs typeface="Arial"/>
+              </a:defRPr>
+            </a:lvl1pPr>
+          </a:lstStyle>
+          <a:p>
+            <a:r>
+              <a:rPr lang="en-US" dirty="0"/>
+              <a:t>Service</a:t>
+            </a:r>
+          </a:p>
+        </p:txBody>
+      </p:sp>
+      <p:pic>
+        <p:nvPicPr>
+          <p:cNvPr id="26" name="Picture 25">
+            <a:extLst>
+              <a:ext uri="{FF2B5EF4-FFF2-40B4-BE49-F238E27FC236}">
+                <a16:creationId xmlns:a16="http://schemas.microsoft.com/office/drawing/2014/main" id="{0D378F20-CF98-1B42-ADAD-AB5855B7DBC5}"/>
+              </a:ext>
+            </a:extLst>
+          </p:cNvPr>
+          <p:cNvPicPr>
+            <a:picLocks noChangeAspect="1"/>
+          </p:cNvPicPr>
+          <p:nvPr/>
+        </p:nvPicPr>
+        <p:blipFill>
+          <a:blip r:embed="rId7">
+            <a:extLst>
+              <a:ext uri="{28A0092B-C50C-407E-A947-70E740481C1C}">
+                <a14:useLocalDpi xmlns:a14="http://schemas.microsoft.com/office/drawing/2010/main" val="0"/>
+              </a:ext>
+            </a:extLst>
+          </a:blip>
+          <a:stretch>
+            <a:fillRect/>
+          </a:stretch>
+        </p:blipFill>
+        <p:spPr>
+          <a:xfrm>
+            <a:off x="179522" y="1661972"/>
+            <a:ext cx="838018" cy="838018"/>
+          </a:xfrm>
+          <a:prstGeom prst="rect">
+            <a:avLst/>
+          </a:prstGeom>
+        </p:spPr>
+      </p:pic>
+      <p:cxnSp>
+        <p:nvCxnSpPr>
+          <p:cNvPr id="27" name="Straight Connector 26">
+            <a:extLst>
+              <a:ext uri="{FF2B5EF4-FFF2-40B4-BE49-F238E27FC236}">
+                <a16:creationId xmlns:a16="http://schemas.microsoft.com/office/drawing/2014/main" id="{7B63F238-34A2-414A-AB2E-C307B0BD2D89}"/>
+              </a:ext>
+            </a:extLst>
+          </p:cNvPr>
+          <p:cNvCxnSpPr>
+            <a:cxnSpLocks/>
+          </p:cNvCxnSpPr>
+          <p:nvPr/>
+        </p:nvCxnSpPr>
+        <p:spPr>
+          <a:xfrm flipH="1">
+            <a:off x="4333699" y="3694476"/>
+            <a:ext cx="2074" cy="0"/>
+          </a:xfrm>
+          <a:prstGeom prst="line">
+            <a:avLst/>
+          </a:prstGeom>
+          <a:noFill/>
+          <a:ln w="34925" cap="flat">
+            <a:solidFill>
+              <a:schemeClr val="bg1">
+                <a:lumMod val="85000"/>
+              </a:schemeClr>
+            </a:solidFill>
+            <a:prstDash val="solid"/>
+            <a:miter lim="400000"/>
+          </a:ln>
+          <a:effectLst/>
+        </p:spPr>
+        <p:style>
+          <a:lnRef idx="0">
+            <a:scrgbClr r="0" g="0" b="0"/>
+          </a:lnRef>
+          <a:fillRef idx="0">
+            <a:scrgbClr r="0" g="0" b="0"/>
+          </a:fillRef>
+          <a:effectRef idx="0">
+            <a:scrgbClr r="0" g="0" b="0"/>
+          </a:effectRef>
+          <a:fontRef idx="none"/>
+        </p:style>
+      </p:cxnSp>
+      <p:cxnSp>
+        <p:nvCxnSpPr>
+          <p:cNvPr id="28" name="Straight Connector 27">
+            <a:extLst>
+              <a:ext uri="{FF2B5EF4-FFF2-40B4-BE49-F238E27FC236}">
+                <a16:creationId xmlns:a16="http://schemas.microsoft.com/office/drawing/2014/main" id="{6C479864-0623-774E-AE41-484BCF311F42}"/>
+              </a:ext>
+            </a:extLst>
+          </p:cNvPr>
+          <p:cNvCxnSpPr>
+            <a:cxnSpLocks/>
+          </p:cNvCxnSpPr>
+          <p:nvPr/>
+        </p:nvCxnSpPr>
+        <p:spPr>
+          <a:xfrm flipH="1">
+            <a:off x="4486099" y="3846876"/>
+            <a:ext cx="2074" cy="0"/>
+          </a:xfrm>
+          <a:prstGeom prst="line">
+            <a:avLst/>
+          </a:prstGeom>
+          <a:noFill/>
+          <a:ln w="34925" cap="flat">
+            <a:solidFill>
+              <a:schemeClr val="bg1">
+                <a:lumMod val="85000"/>
+              </a:schemeClr>
+            </a:solidFill>
+            <a:prstDash val="solid"/>
+            <a:miter lim="400000"/>
+          </a:ln>
+          <a:effectLst/>
+        </p:spPr>
+        <p:style>
+          <a:lnRef idx="0">
+            <a:scrgbClr r="0" g="0" b="0"/>
+          </a:lnRef>
+          <a:fillRef idx="0">
+            <a:scrgbClr r="0" g="0" b="0"/>
+          </a:fillRef>
+          <a:effectRef idx="0">
+            <a:scrgbClr r="0" g="0" b="0"/>
+          </a:effectRef>
+          <a:fontRef idx="none"/>
+        </p:style>
+      </p:cxnSp>
+      <p:cxnSp>
+        <p:nvCxnSpPr>
+          <p:cNvPr id="29" name="Straight Connector 28">
+            <a:extLst>
+              <a:ext uri="{FF2B5EF4-FFF2-40B4-BE49-F238E27FC236}">
+                <a16:creationId xmlns:a16="http://schemas.microsoft.com/office/drawing/2014/main" id="{96066430-A400-7E43-A198-9F16714F26DF}"/>
+              </a:ext>
+            </a:extLst>
+          </p:cNvPr>
+          <p:cNvCxnSpPr>
+            <a:cxnSpLocks/>
+            <a:stCxn id="48" idx="1"/>
+            <a:endCxn id="26" idx="3"/>
+          </p:cNvCxnSpPr>
+          <p:nvPr/>
+        </p:nvCxnSpPr>
+        <p:spPr>
+          <a:xfrm flipH="1" flipV="1">
+            <a:off x="1017540" y="2080981"/>
+            <a:ext cx="369600" cy="1"/>
+          </a:xfrm>
+          <a:prstGeom prst="line">
+            <a:avLst/>
+          </a:prstGeom>
+          <a:noFill/>
+          <a:ln w="34925" cap="flat">
+            <a:solidFill>
+              <a:schemeClr val="bg1">
+                <a:lumMod val="85000"/>
+              </a:schemeClr>
+            </a:solidFill>
+            <a:prstDash val="solid"/>
+            <a:miter lim="400000"/>
+          </a:ln>
+          <a:effectLst/>
+        </p:spPr>
+        <p:style>
+          <a:lnRef idx="0">
+            <a:scrgbClr r="0" g="0" b="0"/>
+          </a:lnRef>
+          <a:fillRef idx="0">
+            <a:scrgbClr r="0" g="0" b="0"/>
+          </a:fillRef>
+          <a:effectRef idx="0">
+            <a:scrgbClr r="0" g="0" b="0"/>
+          </a:effectRef>
+          <a:fontRef idx="none"/>
+        </p:style>
+      </p:cxnSp>
+      <p:cxnSp>
+        <p:nvCxnSpPr>
+          <p:cNvPr id="30" name="Straight Connector 29">
+            <a:extLst>
+              <a:ext uri="{FF2B5EF4-FFF2-40B4-BE49-F238E27FC236}">
+                <a16:creationId xmlns:a16="http://schemas.microsoft.com/office/drawing/2014/main" id="{F26B9BAB-755D-3146-B220-98716D23868A}"/>
+              </a:ext>
+            </a:extLst>
+          </p:cNvPr>
+          <p:cNvCxnSpPr>
+            <a:cxnSpLocks/>
+          </p:cNvCxnSpPr>
+          <p:nvPr/>
+        </p:nvCxnSpPr>
+        <p:spPr>
+          <a:xfrm>
+            <a:off x="4416778" y="2738865"/>
+            <a:ext cx="0" cy="239478"/>
+          </a:xfrm>
+          <a:prstGeom prst="line">
+            <a:avLst/>
+          </a:prstGeom>
+          <a:noFill/>
+          <a:ln w="34925" cap="flat">
+            <a:solidFill>
+              <a:schemeClr val="bg1">
+                <a:lumMod val="85000"/>
+              </a:schemeClr>
+            </a:solidFill>
+            <a:prstDash val="solid"/>
+            <a:miter lim="400000"/>
+          </a:ln>
+          <a:effectLst/>
+        </p:spPr>
+        <p:style>
+          <a:lnRef idx="0">
+            <a:scrgbClr r="0" g="0" b="0"/>
+          </a:lnRef>
+          <a:fillRef idx="0">
+            <a:scrgbClr r="0" g="0" b="0"/>
+          </a:fillRef>
+          <a:effectRef idx="0">
+            <a:scrgbClr r="0" g="0" b="0"/>
+          </a:effectRef>
+          <a:fontRef idx="none"/>
+        </p:style>
+      </p:cxnSp>
+      <p:sp>
+        <p:nvSpPr>
+          <p:cNvPr id="42" name="Shape 62">
+            <a:extLst>
+              <a:ext uri="{FF2B5EF4-FFF2-40B4-BE49-F238E27FC236}">
+                <a16:creationId xmlns:a16="http://schemas.microsoft.com/office/drawing/2014/main" id="{3D9B0EE4-733C-4242-9F7E-C081D3A20356}"/>
+              </a:ext>
+            </a:extLst>
+          </p:cNvPr>
+          <p:cNvSpPr/>
+          <p:nvPr/>
+        </p:nvSpPr>
+        <p:spPr>
+          <a:xfrm flipV="1">
+            <a:off x="1229133" y="253965"/>
+            <a:ext cx="0" cy="7341881"/>
+          </a:xfrm>
+          <a:prstGeom prst="line">
+            <a:avLst/>
+          </a:prstGeom>
+          <a:ln w="25400">
+            <a:solidFill>
+              <a:schemeClr val="bg1">
+                <a:lumMod val="85000"/>
+              </a:schemeClr>
+            </a:solidFill>
+            <a:miter lim="400000"/>
+          </a:ln>
+        </p:spPr>
+        <p:txBody>
+          <a:bodyPr lIns="0" tIns="0" rIns="0" bIns="0" anchor="ctr"/>
+          <a:lstStyle/>
+          <a:p>
+            <a:pPr lvl="0">
+              <a:defRPr sz="1800"/>
+            </a:pPr>
+            <a:endParaRPr/>
+          </a:p>
+        </p:txBody>
+      </p:sp>
+      <p:sp>
+        <p:nvSpPr>
+          <p:cNvPr id="43" name="Shape 63">
+            <a:extLst>
+              <a:ext uri="{FF2B5EF4-FFF2-40B4-BE49-F238E27FC236}">
+                <a16:creationId xmlns:a16="http://schemas.microsoft.com/office/drawing/2014/main" id="{CCBB4887-ACDC-E84F-9DB2-1FE8E7896EB0}"/>
+              </a:ext>
+            </a:extLst>
+          </p:cNvPr>
+          <p:cNvSpPr/>
+          <p:nvPr/>
+        </p:nvSpPr>
+        <p:spPr>
+          <a:xfrm>
+            <a:off x="214871" y="407780"/>
+            <a:ext cx="820738" cy="246221"/>
+          </a:xfrm>
+          <a:prstGeom prst="rect">
+            <a:avLst/>
+          </a:prstGeom>
+          <a:ln w="3175">
+            <a:miter lim="400000"/>
+          </a:ln>
+          <a:extLst>
+            <a:ext uri="{C572A759-6A51-4108-AA02-DFA0A04FC94B}">
+              <ma14:wrappingTextBoxFlag xmlns="" xmlns:ma14="http://schemas.microsoft.com/office/mac/drawingml/2011/main" val="1"/>
+            </a:ext>
+          </a:extLst>
+        </p:spPr>
+        <p:txBody>
+          <a:bodyPr wrap="none" lIns="0" tIns="0" rIns="0" bIns="0">
+            <a:spAutoFit/>
+          </a:bodyPr>
+          <a:lstStyle>
+            <a:lvl1pPr algn="l">
+              <a:defRPr sz="1000" b="1">
+                <a:solidFill>
+                  <a:srgbClr val="4277BB"/>
+                </a:solidFill>
+                <a:latin typeface="Helvetica"/>
+                <a:ea typeface="Helvetica"/>
+                <a:cs typeface="Helvetica"/>
+                <a:sym typeface="Helvetica"/>
+              </a:defRPr>
+            </a:lvl1pPr>
+          </a:lstStyle>
+          <a:p>
+            <a:pPr lvl="0">
+              <a:defRPr sz="1800" b="0">
+                <a:solidFill>
+                  <a:srgbClr val="000000"/>
+                </a:solidFill>
+              </a:defRPr>
+            </a:pPr>
+            <a:r>
+              <a:rPr lang="de-DE" sz="1600" b="1" dirty="0">
+                <a:solidFill>
+                  <a:schemeClr val="tx1"/>
+                </a:solidFill>
+                <a:latin typeface="Arial"/>
+                <a:cs typeface="Arial"/>
+              </a:rPr>
+              <a:t>Browser</a:t>
+            </a:r>
+            <a:endParaRPr sz="1600" b="1" dirty="0">
+              <a:solidFill>
+                <a:schemeClr val="tx1"/>
+              </a:solidFill>
+              <a:latin typeface="Arial"/>
+              <a:cs typeface="Arial"/>
+            </a:endParaRPr>
+          </a:p>
+        </p:txBody>
+      </p:sp>
+      <p:sp>
+        <p:nvSpPr>
+          <p:cNvPr id="44" name="Shape 64">
+            <a:extLst>
+              <a:ext uri="{FF2B5EF4-FFF2-40B4-BE49-F238E27FC236}">
+                <a16:creationId xmlns:a16="http://schemas.microsoft.com/office/drawing/2014/main" id="{87BB19C4-A058-654B-90C3-79009E25FB48}"/>
+              </a:ext>
+            </a:extLst>
+          </p:cNvPr>
+          <p:cNvSpPr/>
+          <p:nvPr/>
+        </p:nvSpPr>
+        <p:spPr>
+          <a:xfrm>
+            <a:off x="1418372" y="407780"/>
+            <a:ext cx="1014300" cy="246221"/>
+          </a:xfrm>
+          <a:prstGeom prst="rect">
+            <a:avLst/>
+          </a:prstGeom>
+          <a:ln w="3175">
+            <a:miter lim="400000"/>
+          </a:ln>
+          <a:extLst>
+            <a:ext uri="{C572A759-6A51-4108-AA02-DFA0A04FC94B}">
+              <ma14:wrappingTextBoxFlag xmlns="" xmlns:ma14="http://schemas.microsoft.com/office/mac/drawingml/2011/main" val="1"/>
+            </a:ext>
+          </a:extLst>
+        </p:spPr>
+        <p:txBody>
+          <a:bodyPr wrap="none" lIns="0" tIns="0" rIns="0" bIns="0">
+            <a:spAutoFit/>
+          </a:bodyPr>
+          <a:lstStyle>
+            <a:lvl1pPr algn="l">
+              <a:defRPr sz="1000" b="1">
+                <a:solidFill>
+                  <a:srgbClr val="4277BB"/>
+                </a:solidFill>
+                <a:latin typeface="Helvetica"/>
+                <a:ea typeface="Helvetica"/>
+                <a:cs typeface="Helvetica"/>
+                <a:sym typeface="Helvetica"/>
+              </a:defRPr>
+            </a:lvl1pPr>
+          </a:lstStyle>
+          <a:p>
+            <a:pPr lvl="0">
+              <a:defRPr sz="1800" b="0">
+                <a:solidFill>
+                  <a:srgbClr val="000000"/>
+                </a:solidFill>
+              </a:defRPr>
+            </a:pPr>
+            <a:r>
+              <a:rPr lang="de-DE" sz="1600" b="1" dirty="0">
+                <a:solidFill>
+                  <a:srgbClr val="000000"/>
+                </a:solidFill>
+                <a:latin typeface="Arial"/>
+                <a:cs typeface="Arial"/>
+              </a:rPr>
+              <a:t>IBM Cloud </a:t>
+            </a:r>
+            <a:endParaRPr sz="1600" b="1" dirty="0">
+              <a:solidFill>
+                <a:srgbClr val="000000"/>
+              </a:solidFill>
+              <a:latin typeface="Arial"/>
+              <a:cs typeface="Arial"/>
+            </a:endParaRPr>
+          </a:p>
+        </p:txBody>
+      </p:sp>
+      <p:sp>
+        <p:nvSpPr>
+          <p:cNvPr id="57" name="Rectangle 56">
+            <a:extLst>
+              <a:ext uri="{FF2B5EF4-FFF2-40B4-BE49-F238E27FC236}">
+                <a16:creationId xmlns:a16="http://schemas.microsoft.com/office/drawing/2014/main" id="{2BCF1D46-5263-2B4C-A170-6992E689E249}"/>
+              </a:ext>
+            </a:extLst>
+          </p:cNvPr>
+          <p:cNvSpPr/>
+          <p:nvPr/>
+        </p:nvSpPr>
+        <p:spPr>
+          <a:xfrm>
+            <a:off x="8188234" y="2930581"/>
+            <a:ext cx="1745562" cy="562348"/>
+          </a:xfrm>
+          <a:prstGeom prst="rect">
+            <a:avLst/>
+          </a:prstGeom>
+          <a:solidFill>
+            <a:srgbClr val="FFFFFF">
+              <a:alpha val="33000"/>
+            </a:srgbClr>
+          </a:solidFill>
+          <a:ln w="25400">
+            <a:solidFill>
+              <a:srgbClr val="4277BB"/>
+            </a:solidFill>
+            <a:miter lim="400000"/>
+          </a:ln>
+        </p:spPr>
+        <p:txBody>
+          <a:bodyPr lIns="0" tIns="0" rIns="0" bIns="0" rtlCol="0" anchor="ctr"/>
+          <a:lstStyle/>
+          <a:p>
+            <a:pPr algn="ctr"/>
+            <a:endParaRPr lang="de-DE" sz="1800" dirty="0">
+              <a:solidFill>
+                <a:srgbClr val="4277BB"/>
+              </a:solidFill>
+            </a:endParaRPr>
+          </a:p>
+        </p:txBody>
+      </p:sp>
+      <p:sp>
+        <p:nvSpPr>
+          <p:cNvPr id="58" name="TextBox 57">
+            <a:extLst>
+              <a:ext uri="{FF2B5EF4-FFF2-40B4-BE49-F238E27FC236}">
+                <a16:creationId xmlns:a16="http://schemas.microsoft.com/office/drawing/2014/main" id="{0ED2E731-9648-CF4C-BD55-BC315D51ACAE}"/>
+              </a:ext>
+            </a:extLst>
+          </p:cNvPr>
+          <p:cNvSpPr txBox="1"/>
+          <p:nvPr/>
+        </p:nvSpPr>
+        <p:spPr>
+          <a:xfrm>
+            <a:off x="8150054" y="3038283"/>
+            <a:ext cx="1745562" cy="294791"/>
+          </a:xfrm>
+          <a:prstGeom prst="rect">
+            <a:avLst/>
+          </a:prstGeom>
+          <a:noFill/>
+          <a:ln w="3175" cap="flat">
+            <a:noFill/>
+            <a:miter lim="400000"/>
+          </a:ln>
+          <a:effectLst/>
+        </p:spPr>
+        <p:style>
+          <a:lnRef idx="0">
+            <a:scrgbClr r="0" g="0" b="0"/>
+          </a:lnRef>
+          <a:fillRef idx="0">
+            <a:scrgbClr r="0" g="0" b="0"/>
+          </a:fillRef>
+          <a:effectRef idx="0">
+            <a:scrgbClr r="0" g="0" b="0"/>
+          </a:effectRef>
+          <a:fontRef idx="none"/>
+        </p:style>
+        <p:txBody>
+          <a:bodyPr rot="0" spcFirstLastPara="1" vertOverflow="overflow" horzOverflow="overflow" vert="horz" wrap="square" lIns="39290" tIns="39290" rIns="39290" bIns="39290" numCol="1" spcCol="38100" rtlCol="0" anchor="ctr">
+            <a:spAutoFit/>
+          </a:bodyPr>
+          <a:lstStyle>
+            <a:lvl1pPr marL="0" marR="0" indent="0" rtl="0" fontAlgn="auto" latinLnBrk="1" hangingPunct="0">
+              <a:lnSpc>
+                <a:spcPct val="100000"/>
+              </a:lnSpc>
+              <a:spcBef>
+                <a:spcPts val="0"/>
+              </a:spcBef>
+              <a:spcAft>
+                <a:spcPts val="0"/>
+              </a:spcAft>
+              <a:buClrTx/>
+              <a:buSzTx/>
+              <a:buFontTx/>
+              <a:buNone/>
+              <a:tabLst/>
+              <a:defRPr kumimoji="0" sz="1400" b="1" i="0" u="none" strike="noStrike" cap="none" spc="0" normalizeH="0" baseline="0">
+                <a:ln>
+                  <a:noFill/>
+                </a:ln>
+                <a:solidFill>
+                  <a:srgbClr val="000000"/>
+                </a:solidFill>
+                <a:effectLst/>
+                <a:uFillTx/>
+                <a:latin typeface="Arial"/>
+                <a:cs typeface="Arial"/>
+              </a:defRPr>
+            </a:lvl1pPr>
+          </a:lstStyle>
+          <a:p>
+            <a:r>
+              <a:rPr lang="en-US" dirty="0"/>
+              <a:t>Container Registry</a:t>
+            </a:r>
+          </a:p>
+        </p:txBody>
+      </p:sp>
+      <p:cxnSp>
+        <p:nvCxnSpPr>
+          <p:cNvPr id="59" name="Straight Connector 58">
+            <a:extLst>
+              <a:ext uri="{FF2B5EF4-FFF2-40B4-BE49-F238E27FC236}">
+                <a16:creationId xmlns:a16="http://schemas.microsoft.com/office/drawing/2014/main" id="{9D06ED78-660D-2340-BC33-E20E849EDE33}"/>
+              </a:ext>
+            </a:extLst>
+          </p:cNvPr>
+          <p:cNvCxnSpPr>
+            <a:cxnSpLocks/>
+          </p:cNvCxnSpPr>
+          <p:nvPr/>
+        </p:nvCxnSpPr>
+        <p:spPr>
+          <a:xfrm>
+            <a:off x="7628442" y="3234173"/>
+            <a:ext cx="477274" cy="0"/>
+          </a:xfrm>
+          <a:prstGeom prst="line">
+            <a:avLst/>
+          </a:prstGeom>
+          <a:noFill/>
+          <a:ln w="50800" cap="flat">
+            <a:solidFill>
+              <a:schemeClr val="bg1">
+                <a:lumMod val="85000"/>
+              </a:schemeClr>
+            </a:solidFill>
+            <a:prstDash val="solid"/>
+            <a:miter lim="400000"/>
+            <a:headEnd type="none"/>
+            <a:tailEnd type="none"/>
+          </a:ln>
+          <a:effectLst/>
+        </p:spPr>
+        <p:style>
+          <a:lnRef idx="0">
+            <a:scrgbClr r="0" g="0" b="0"/>
+          </a:lnRef>
+          <a:fillRef idx="0">
+            <a:scrgbClr r="0" g="0" b="0"/>
+          </a:fillRef>
+          <a:effectRef idx="0">
+            <a:scrgbClr r="0" g="0" b="0"/>
+          </a:effectRef>
+          <a:fontRef idx="none"/>
+        </p:style>
+      </p:cxnSp>
+      <p:sp>
+        <p:nvSpPr>
+          <p:cNvPr id="40" name="TextBox 39">
+            <a:extLst>
+              <a:ext uri="{FF2B5EF4-FFF2-40B4-BE49-F238E27FC236}">
+                <a16:creationId xmlns:a16="http://schemas.microsoft.com/office/drawing/2014/main" id="{271BAD0D-EDEE-B548-89C5-1906AB68897B}"/>
+              </a:ext>
+            </a:extLst>
+          </p:cNvPr>
+          <p:cNvSpPr txBox="1"/>
+          <p:nvPr/>
+        </p:nvSpPr>
+        <p:spPr>
+          <a:xfrm>
+            <a:off x="3283119" y="2434296"/>
+            <a:ext cx="1340683" cy="294791"/>
+          </a:xfrm>
+          <a:prstGeom prst="rect">
+            <a:avLst/>
+          </a:prstGeom>
+          <a:noFill/>
+          <a:ln w="3175" cap="flat">
+            <a:noFill/>
+            <a:miter lim="400000"/>
+          </a:ln>
+          <a:effectLst/>
+        </p:spPr>
+        <p:style>
+          <a:lnRef idx="0">
+            <a:scrgbClr r="0" g="0" b="0"/>
+          </a:lnRef>
+          <a:fillRef idx="0">
+            <a:scrgbClr r="0" g="0" b="0"/>
+          </a:fillRef>
+          <a:effectRef idx="0">
+            <a:scrgbClr r="0" g="0" b="0"/>
+          </a:effectRef>
+          <a:fontRef idx="none"/>
+        </p:style>
+        <p:txBody>
+          <a:bodyPr rot="0" spcFirstLastPara="1" vertOverflow="overflow" horzOverflow="overflow" vert="horz" wrap="square" lIns="39290" tIns="39290" rIns="39290" bIns="39290" numCol="1" spcCol="38100" rtlCol="0" anchor="ctr">
+            <a:spAutoFit/>
+          </a:bodyPr>
+          <a:lstStyle>
+            <a:lvl1pPr marL="0" marR="0" indent="0" rtl="0" fontAlgn="auto" latinLnBrk="1" hangingPunct="0">
+              <a:lnSpc>
+                <a:spcPct val="100000"/>
+              </a:lnSpc>
+              <a:spcBef>
+                <a:spcPts val="0"/>
+              </a:spcBef>
+              <a:spcAft>
+                <a:spcPts val="0"/>
+              </a:spcAft>
+              <a:buClrTx/>
+              <a:buSzTx/>
+              <a:buFontTx/>
+              <a:buNone/>
+              <a:tabLst/>
+              <a:defRPr kumimoji="0" sz="1400" b="1" i="0" u="none" strike="noStrike" cap="none" spc="0" normalizeH="0" baseline="0">
+                <a:ln>
+                  <a:noFill/>
+                </a:ln>
+                <a:solidFill>
+                  <a:srgbClr val="000000"/>
+                </a:solidFill>
+                <a:effectLst/>
+                <a:uFillTx/>
+                <a:latin typeface="Arial"/>
+                <a:cs typeface="Arial"/>
+              </a:defRPr>
+            </a:lvl1pPr>
+          </a:lstStyle>
+          <a:p>
+            <a:r>
+              <a:rPr lang="en-US" dirty="0"/>
+              <a:t>Deployment</a:t>
+            </a:r>
+          </a:p>
+        </p:txBody>
+      </p:sp>
+      <p:sp>
+        <p:nvSpPr>
+          <p:cNvPr id="47" name="Rectangle 46">
+            <a:extLst>
+              <a:ext uri="{FF2B5EF4-FFF2-40B4-BE49-F238E27FC236}">
+                <a16:creationId xmlns:a16="http://schemas.microsoft.com/office/drawing/2014/main" id="{8CE7DD82-7044-F94A-A9BF-A482F8404F15}"/>
+              </a:ext>
+            </a:extLst>
+          </p:cNvPr>
+          <p:cNvSpPr/>
+          <p:nvPr/>
+        </p:nvSpPr>
+        <p:spPr>
+          <a:xfrm>
+            <a:off x="1364821" y="1926708"/>
+            <a:ext cx="1504544" cy="308548"/>
+          </a:xfrm>
+          <a:prstGeom prst="rect">
+            <a:avLst/>
+          </a:prstGeom>
+          <a:solidFill>
+            <a:srgbClr val="FFFFFF">
+              <a:alpha val="33000"/>
+            </a:srgbClr>
+          </a:solidFill>
+          <a:ln w="25400">
+            <a:solidFill>
+              <a:srgbClr val="4277BB"/>
+            </a:solidFill>
+            <a:miter lim="400000"/>
+          </a:ln>
+        </p:spPr>
+        <p:txBody>
+          <a:bodyPr lIns="0" tIns="0" rIns="0" bIns="0" rtlCol="0" anchor="ctr"/>
+          <a:lstStyle/>
+          <a:p>
+            <a:pPr algn="ctr"/>
+            <a:endParaRPr lang="de-DE" sz="1800" dirty="0">
+              <a:solidFill>
+                <a:srgbClr val="4277BB"/>
+              </a:solidFill>
+            </a:endParaRPr>
+          </a:p>
+        </p:txBody>
+      </p:sp>
+      <p:sp>
+        <p:nvSpPr>
+          <p:cNvPr id="48" name="TextBox 47">
+            <a:extLst>
+              <a:ext uri="{FF2B5EF4-FFF2-40B4-BE49-F238E27FC236}">
+                <a16:creationId xmlns:a16="http://schemas.microsoft.com/office/drawing/2014/main" id="{DDAC5333-A4EB-984C-BAB5-2D971DFD3F62}"/>
+              </a:ext>
+            </a:extLst>
+          </p:cNvPr>
+          <p:cNvSpPr txBox="1"/>
+          <p:nvPr/>
+        </p:nvSpPr>
+        <p:spPr>
+          <a:xfrm>
+            <a:off x="1387140" y="1933586"/>
+            <a:ext cx="1401113" cy="294791"/>
+          </a:xfrm>
+          <a:prstGeom prst="rect">
+            <a:avLst/>
+          </a:prstGeom>
+          <a:noFill/>
+          <a:ln w="3175" cap="flat">
+            <a:noFill/>
+            <a:miter lim="400000"/>
+          </a:ln>
+          <a:effectLst/>
+        </p:spPr>
+        <p:style>
+          <a:lnRef idx="0">
+            <a:scrgbClr r="0" g="0" b="0"/>
+          </a:lnRef>
+          <a:fillRef idx="0">
+            <a:scrgbClr r="0" g="0" b="0"/>
+          </a:fillRef>
+          <a:effectRef idx="0">
+            <a:scrgbClr r="0" g="0" b="0"/>
+          </a:effectRef>
+          <a:fontRef idx="none"/>
+        </p:style>
+        <p:txBody>
+          <a:bodyPr rot="0" spcFirstLastPara="1" vertOverflow="overflow" horzOverflow="overflow" vert="horz" wrap="square" lIns="39290" tIns="39290" rIns="39290" bIns="39290" numCol="1" spcCol="38100" rtlCol="0" anchor="ctr">
+            <a:spAutoFit/>
+          </a:bodyPr>
+          <a:lstStyle>
+            <a:lvl1pPr marL="0" marR="0" indent="0" rtl="0" fontAlgn="auto" latinLnBrk="1" hangingPunct="0">
+              <a:lnSpc>
+                <a:spcPct val="100000"/>
+              </a:lnSpc>
+              <a:spcBef>
+                <a:spcPts val="0"/>
+              </a:spcBef>
+              <a:spcAft>
+                <a:spcPts val="0"/>
+              </a:spcAft>
+              <a:buClrTx/>
+              <a:buSzTx/>
+              <a:buFontTx/>
+              <a:buNone/>
+              <a:tabLst/>
+              <a:defRPr kumimoji="0" sz="1400" b="1" i="0" u="none" strike="noStrike" cap="none" spc="0" normalizeH="0" baseline="0">
+                <a:ln>
+                  <a:noFill/>
+                </a:ln>
+                <a:solidFill>
+                  <a:srgbClr val="000000"/>
+                </a:solidFill>
+                <a:effectLst/>
+                <a:uFillTx/>
+                <a:latin typeface="Arial"/>
+                <a:cs typeface="Arial"/>
+              </a:defRPr>
+            </a:lvl1pPr>
+          </a:lstStyle>
+          <a:p>
+            <a:r>
+              <a:rPr lang="en-US" dirty="0"/>
+              <a:t>Load balancer</a:t>
+            </a:r>
+          </a:p>
+        </p:txBody>
+      </p:sp>
+      <p:cxnSp>
+        <p:nvCxnSpPr>
+          <p:cNvPr id="64" name="Straight Connector 63">
+            <a:extLst>
+              <a:ext uri="{FF2B5EF4-FFF2-40B4-BE49-F238E27FC236}">
+                <a16:creationId xmlns:a16="http://schemas.microsoft.com/office/drawing/2014/main" id="{84C21AC3-B7CA-5B48-BF6F-09AD3B40FC84}"/>
+              </a:ext>
+            </a:extLst>
+          </p:cNvPr>
+          <p:cNvCxnSpPr>
+            <a:cxnSpLocks/>
+          </p:cNvCxnSpPr>
+          <p:nvPr/>
+        </p:nvCxnSpPr>
+        <p:spPr>
+          <a:xfrm>
+            <a:off x="6316497" y="2262327"/>
+            <a:ext cx="0" cy="679936"/>
+          </a:xfrm>
+          <a:prstGeom prst="line">
+            <a:avLst/>
+          </a:prstGeom>
+          <a:noFill/>
+          <a:ln w="34925" cap="flat">
+            <a:solidFill>
+              <a:schemeClr val="bg1">
+                <a:lumMod val="85000"/>
+              </a:schemeClr>
+            </a:solidFill>
+            <a:prstDash val="solid"/>
+            <a:miter lim="400000"/>
+          </a:ln>
+          <a:effectLst/>
+        </p:spPr>
+        <p:style>
+          <a:lnRef idx="0">
+            <a:scrgbClr r="0" g="0" b="0"/>
+          </a:lnRef>
+          <a:fillRef idx="0">
+            <a:scrgbClr r="0" g="0" b="0"/>
+          </a:fillRef>
+          <a:effectRef idx="0">
+            <a:scrgbClr r="0" g="0" b="0"/>
+          </a:effectRef>
+          <a:fontRef idx="none"/>
+        </p:style>
+      </p:cxnSp>
+      <p:cxnSp>
+        <p:nvCxnSpPr>
+          <p:cNvPr id="67" name="Straight Connector 66">
+            <a:extLst>
+              <a:ext uri="{FF2B5EF4-FFF2-40B4-BE49-F238E27FC236}">
+                <a16:creationId xmlns:a16="http://schemas.microsoft.com/office/drawing/2014/main" id="{46DDCCE5-0B5B-C947-8D88-6BE00F2DFE93}"/>
+              </a:ext>
+            </a:extLst>
+          </p:cNvPr>
+          <p:cNvCxnSpPr>
+            <a:cxnSpLocks/>
+            <a:stCxn id="47" idx="3"/>
+            <a:endCxn id="24" idx="1"/>
+          </p:cNvCxnSpPr>
+          <p:nvPr/>
+        </p:nvCxnSpPr>
+        <p:spPr>
+          <a:xfrm>
+            <a:off x="2869365" y="2080982"/>
+            <a:ext cx="501500" cy="8833"/>
+          </a:xfrm>
+          <a:prstGeom prst="line">
+            <a:avLst/>
+          </a:prstGeom>
+          <a:noFill/>
+          <a:ln w="34925" cap="flat">
+            <a:solidFill>
+              <a:schemeClr val="bg1">
+                <a:lumMod val="85000"/>
+              </a:schemeClr>
+            </a:solidFill>
+            <a:prstDash val="solid"/>
+            <a:miter lim="400000"/>
+          </a:ln>
+          <a:effectLst/>
+        </p:spPr>
+        <p:style>
+          <a:lnRef idx="0">
+            <a:scrgbClr r="0" g="0" b="0"/>
+          </a:lnRef>
+          <a:fillRef idx="0">
+            <a:scrgbClr r="0" g="0" b="0"/>
+          </a:fillRef>
+          <a:effectRef idx="0">
+            <a:scrgbClr r="0" g="0" b="0"/>
+          </a:effectRef>
+          <a:fontRef idx="none"/>
+        </p:style>
+      </p:cxnSp>
+      <p:sp>
+        <p:nvSpPr>
+          <p:cNvPr id="37" name="TextBox 36">
+            <a:extLst>
+              <a:ext uri="{FF2B5EF4-FFF2-40B4-BE49-F238E27FC236}">
+                <a16:creationId xmlns:a16="http://schemas.microsoft.com/office/drawing/2014/main" id="{D0866B48-F14D-4F41-8C7C-999711488A0C}"/>
+              </a:ext>
+            </a:extLst>
+          </p:cNvPr>
+          <p:cNvSpPr txBox="1"/>
+          <p:nvPr/>
+        </p:nvSpPr>
+        <p:spPr>
+          <a:xfrm>
+            <a:off x="3711263" y="1044029"/>
+            <a:ext cx="1445295" cy="294791"/>
+          </a:xfrm>
+          <a:prstGeom prst="rect">
+            <a:avLst/>
+          </a:prstGeom>
+          <a:noFill/>
+          <a:ln w="3175" cap="flat">
+            <a:noFill/>
+            <a:miter lim="400000"/>
+          </a:ln>
+          <a:effectLst/>
+        </p:spPr>
+        <p:style>
+          <a:lnRef idx="0">
+            <a:scrgbClr r="0" g="0" b="0"/>
+          </a:lnRef>
+          <a:fillRef idx="0">
+            <a:scrgbClr r="0" g="0" b="0"/>
+          </a:fillRef>
+          <a:effectRef idx="0">
+            <a:scrgbClr r="0" g="0" b="0"/>
+          </a:effectRef>
+          <a:fontRef idx="none"/>
+        </p:style>
+        <p:txBody>
+          <a:bodyPr rot="0" spcFirstLastPara="1" vertOverflow="overflow" horzOverflow="overflow" vert="horz" wrap="square" lIns="39290" tIns="39290" rIns="39290" bIns="39290" numCol="1" spcCol="38100" rtlCol="0" anchor="ctr">
+            <a:spAutoFit/>
+          </a:bodyPr>
+          <a:lstStyle>
+            <a:lvl1pPr marL="0" marR="0" indent="0" rtl="0" fontAlgn="auto" latinLnBrk="1" hangingPunct="0">
+              <a:lnSpc>
+                <a:spcPct val="100000"/>
+              </a:lnSpc>
+              <a:spcBef>
+                <a:spcPts val="0"/>
+              </a:spcBef>
+              <a:spcAft>
+                <a:spcPts val="0"/>
+              </a:spcAft>
+              <a:buClrTx/>
+              <a:buSzTx/>
+              <a:buFontTx/>
+              <a:buNone/>
+              <a:tabLst/>
+              <a:defRPr kumimoji="0" sz="1400" b="1" i="0" u="none" strike="noStrike" cap="none" spc="0" normalizeH="0" baseline="0">
+                <a:ln>
+                  <a:noFill/>
+                </a:ln>
+                <a:solidFill>
+                  <a:srgbClr val="000000"/>
+                </a:solidFill>
+                <a:effectLst/>
+                <a:uFillTx/>
+                <a:latin typeface="Arial"/>
+                <a:cs typeface="Arial"/>
+              </a:defRPr>
+            </a:lvl1pPr>
+          </a:lstStyle>
+          <a:p>
+            <a:r>
+              <a:rPr lang="en-US" dirty="0"/>
+              <a:t>Kubernetes</a:t>
+            </a:r>
+          </a:p>
+        </p:txBody>
+      </p:sp>
+    </p:spTree>
+    <p:extLst>
+      <p:ext uri="{BB962C8B-B14F-4D97-AF65-F5344CB8AC3E}">
+        <p14:creationId xmlns:p14="http://schemas.microsoft.com/office/powerpoint/2010/main" val="2158074209"/>
+      </p:ext>
+    </p:extLst>
+  </p:cSld>
+  <p:clrMapOvr>
+    <a:masterClrMapping/>
+  </p:clrMapOvr>
+  <p:transition spd="med"/>
+</p:sld>
+</file>
+
+<file path=ppt/slides/slide23.xml><?xml version="1.0" encoding="utf-8"?>
+<p:sld xmlns:a="http://schemas.openxmlformats.org/drawingml/2006/main" xmlns:r="http://schemas.openxmlformats.org/officeDocument/2006/relationships" xmlns:p="http://schemas.openxmlformats.org/presentationml/2006/main">
+  <p:cSld>
+    <p:spTree>
+      <p:nvGrpSpPr>
+        <p:cNvPr id="1" name=""/>
+        <p:cNvGrpSpPr/>
+        <p:nvPr/>
+      </p:nvGrpSpPr>
+      <p:grpSpPr>
+        <a:xfrm>
+          <a:off x="0" y="0"/>
+          <a:ext cx="0" cy="0"/>
+          <a:chOff x="0" y="0"/>
+          <a:chExt cx="0" cy="0"/>
+        </a:xfrm>
+      </p:grpSpPr>
+      <p:sp>
+        <p:nvSpPr>
+          <p:cNvPr id="53" name="Rectangle 52">
+            <a:extLst>
+              <a:ext uri="{FF2B5EF4-FFF2-40B4-BE49-F238E27FC236}">
+                <a16:creationId xmlns:a16="http://schemas.microsoft.com/office/drawing/2014/main" id="{E6A132D8-9CB8-D04C-90E9-9B29E3234269}"/>
+              </a:ext>
+            </a:extLst>
+          </p:cNvPr>
+          <p:cNvSpPr/>
+          <p:nvPr/>
+        </p:nvSpPr>
+        <p:spPr>
+          <a:xfrm>
+            <a:off x="3014818" y="1001873"/>
+            <a:ext cx="4841863" cy="4756132"/>
+          </a:xfrm>
+          <a:prstGeom prst="rect">
+            <a:avLst/>
+          </a:prstGeom>
+          <a:solidFill>
+            <a:schemeClr val="accent1">
+              <a:lumMod val="20000"/>
+              <a:lumOff val="80000"/>
+              <a:alpha val="33000"/>
+            </a:schemeClr>
+          </a:solidFill>
+          <a:ln w="25400">
+            <a:solidFill>
+              <a:srgbClr val="4277BB"/>
+            </a:solidFill>
+            <a:miter lim="400000"/>
+          </a:ln>
+        </p:spPr>
+        <p:txBody>
+          <a:bodyPr lIns="0" tIns="0" rIns="0" bIns="0" rtlCol="0" anchor="ctr"/>
+          <a:lstStyle/>
+          <a:p>
+            <a:pPr algn="ctr"/>
+            <a:endParaRPr lang="de-DE" sz="1800" dirty="0">
+              <a:solidFill>
+                <a:srgbClr val="4277BB"/>
+              </a:solidFill>
+            </a:endParaRPr>
+          </a:p>
+        </p:txBody>
+      </p:sp>
+      <p:sp>
+        <p:nvSpPr>
+          <p:cNvPr id="39" name="Rectangle 38">
+            <a:extLst>
+              <a:ext uri="{FF2B5EF4-FFF2-40B4-BE49-F238E27FC236}">
+                <a16:creationId xmlns:a16="http://schemas.microsoft.com/office/drawing/2014/main" id="{C3332922-10F6-6F4B-8F8E-637161019780}"/>
+              </a:ext>
+            </a:extLst>
+          </p:cNvPr>
+          <p:cNvSpPr/>
+          <p:nvPr/>
+        </p:nvSpPr>
+        <p:spPr>
+          <a:xfrm>
+            <a:off x="3370865" y="2442335"/>
+            <a:ext cx="2580154" cy="278205"/>
+          </a:xfrm>
+          <a:prstGeom prst="rect">
+            <a:avLst/>
+          </a:prstGeom>
+          <a:solidFill>
+            <a:srgbClr val="FFFFFF">
+              <a:alpha val="33000"/>
+            </a:srgbClr>
+          </a:solidFill>
+          <a:ln w="25400">
+            <a:solidFill>
+              <a:srgbClr val="4277BB"/>
+            </a:solidFill>
+            <a:miter lim="400000"/>
+          </a:ln>
+        </p:spPr>
+        <p:txBody>
+          <a:bodyPr lIns="0" tIns="0" rIns="0" bIns="0" rtlCol="0" anchor="ctr"/>
+          <a:lstStyle/>
+          <a:p>
+            <a:pPr algn="ctr"/>
+            <a:endParaRPr lang="de-DE" sz="1800" dirty="0">
+              <a:solidFill>
+                <a:srgbClr val="4277BB"/>
+              </a:solidFill>
+            </a:endParaRPr>
+          </a:p>
+        </p:txBody>
+      </p:sp>
+      <p:sp>
+        <p:nvSpPr>
+          <p:cNvPr id="52" name="Rectangle 51">
+            <a:extLst>
+              <a:ext uri="{FF2B5EF4-FFF2-40B4-BE49-F238E27FC236}">
+                <a16:creationId xmlns:a16="http://schemas.microsoft.com/office/drawing/2014/main" id="{14ABDFBC-2F58-384D-AC0D-EE0809B6E509}"/>
+              </a:ext>
+            </a:extLst>
+          </p:cNvPr>
+          <p:cNvSpPr/>
+          <p:nvPr/>
+        </p:nvSpPr>
+        <p:spPr>
+          <a:xfrm>
+            <a:off x="3380694" y="2942263"/>
+            <a:ext cx="4247748" cy="2388403"/>
+          </a:xfrm>
+          <a:prstGeom prst="rect">
+            <a:avLst/>
+          </a:prstGeom>
+          <a:solidFill>
+            <a:schemeClr val="bg2">
+              <a:alpha val="33000"/>
+            </a:schemeClr>
+          </a:solidFill>
+          <a:ln w="25400">
+            <a:solidFill>
+              <a:srgbClr val="4277BB"/>
+            </a:solidFill>
+            <a:miter lim="400000"/>
+          </a:ln>
+        </p:spPr>
+        <p:txBody>
+          <a:bodyPr lIns="0" tIns="0" rIns="0" bIns="0" rtlCol="0" anchor="ctr"/>
+          <a:lstStyle/>
+          <a:p>
+            <a:pPr algn="ctr"/>
+            <a:endParaRPr lang="de-DE" sz="1800" dirty="0">
+              <a:solidFill>
+                <a:srgbClr val="4277BB"/>
+              </a:solidFill>
+            </a:endParaRPr>
+          </a:p>
+        </p:txBody>
+      </p:sp>
+      <p:sp>
+        <p:nvSpPr>
+          <p:cNvPr id="54" name="Rectangle 53">
+            <a:extLst>
+              <a:ext uri="{FF2B5EF4-FFF2-40B4-BE49-F238E27FC236}">
+                <a16:creationId xmlns:a16="http://schemas.microsoft.com/office/drawing/2014/main" id="{16156125-C5F4-9F4E-8DEE-451732A4DD70}"/>
+              </a:ext>
+            </a:extLst>
+          </p:cNvPr>
+          <p:cNvSpPr/>
+          <p:nvPr/>
+        </p:nvSpPr>
+        <p:spPr>
+          <a:xfrm>
+            <a:off x="3798165" y="3329959"/>
+            <a:ext cx="3718455" cy="1792478"/>
+          </a:xfrm>
+          <a:prstGeom prst="rect">
+            <a:avLst/>
+          </a:prstGeom>
+          <a:solidFill>
+            <a:srgbClr val="FFFFFF">
+              <a:alpha val="33000"/>
+            </a:srgbClr>
+          </a:solidFill>
+          <a:ln w="25400">
+            <a:solidFill>
+              <a:srgbClr val="4277BB"/>
+            </a:solidFill>
+            <a:miter lim="400000"/>
+          </a:ln>
+        </p:spPr>
+        <p:txBody>
+          <a:bodyPr lIns="0" tIns="0" rIns="0" bIns="0" rtlCol="0" anchor="ctr"/>
+          <a:lstStyle/>
+          <a:p>
+            <a:pPr algn="ctr"/>
+            <a:endParaRPr lang="de-DE" sz="1800" dirty="0">
+              <a:solidFill>
+                <a:srgbClr val="4277BB"/>
+              </a:solidFill>
+            </a:endParaRPr>
+          </a:p>
+        </p:txBody>
+      </p:sp>
+      <p:sp>
+        <p:nvSpPr>
+          <p:cNvPr id="3" name="Rectangle 2">
+            <a:extLst>
+              <a:ext uri="{FF2B5EF4-FFF2-40B4-BE49-F238E27FC236}">
+                <a16:creationId xmlns:a16="http://schemas.microsoft.com/office/drawing/2014/main" id="{83448774-E58B-5B40-91AE-6D2462D1D60D}"/>
+              </a:ext>
+            </a:extLst>
+          </p:cNvPr>
+          <p:cNvSpPr/>
+          <p:nvPr/>
+        </p:nvSpPr>
+        <p:spPr>
+          <a:xfrm>
+            <a:off x="3981029" y="3689706"/>
+            <a:ext cx="1509183" cy="1253039"/>
+          </a:xfrm>
+          <a:prstGeom prst="rect">
+            <a:avLst/>
+          </a:prstGeom>
+          <a:solidFill>
+            <a:schemeClr val="bg1"/>
+          </a:solidFill>
+          <a:ln w="25400">
+            <a:solidFill>
+              <a:srgbClr val="4277BB"/>
+            </a:solidFill>
+            <a:miter lim="400000"/>
+          </a:ln>
+        </p:spPr>
+        <p:txBody>
+          <a:bodyPr lIns="0" tIns="0" rIns="0" bIns="0" rtlCol="0" anchor="ctr"/>
+          <a:lstStyle/>
+          <a:p>
+            <a:pPr algn="ctr"/>
+            <a:endParaRPr lang="de-DE" sz="1800">
+              <a:solidFill>
+                <a:srgbClr val="4277BB"/>
+              </a:solidFill>
+            </a:endParaRPr>
+          </a:p>
+        </p:txBody>
+      </p:sp>
+      <p:sp>
+        <p:nvSpPr>
+          <p:cNvPr id="7" name="Shape 547">
+            <a:extLst>
+              <a:ext uri="{FF2B5EF4-FFF2-40B4-BE49-F238E27FC236}">
+                <a16:creationId xmlns:a16="http://schemas.microsoft.com/office/drawing/2014/main" id="{A84D3468-43D7-2B45-9576-127780443C39}"/>
+              </a:ext>
+            </a:extLst>
+          </p:cNvPr>
+          <p:cNvSpPr/>
+          <p:nvPr/>
+        </p:nvSpPr>
+        <p:spPr>
+          <a:xfrm>
+            <a:off x="5662103" y="3870607"/>
+            <a:ext cx="1404151" cy="184666"/>
+          </a:xfrm>
+          <a:prstGeom prst="rect">
+            <a:avLst/>
+          </a:prstGeom>
+          <a:ln w="3175">
+            <a:miter lim="400000"/>
+          </a:ln>
+          <a:extLst>
+            <a:ext uri="{C572A759-6A51-4108-AA02-DFA0A04FC94B}">
+              <ma14:wrappingTextBoxFlag xmlns="" xmlns:ma14="http://schemas.microsoft.com/office/mac/drawingml/2011/main" val="1"/>
+            </a:ext>
+          </a:extLst>
+        </p:spPr>
+        <p:txBody>
+          <a:bodyPr wrap="square" lIns="0" tIns="0" rIns="0" bIns="0">
+            <a:spAutoFit/>
+          </a:bodyPr>
+          <a:lstStyle>
+            <a:lvl1pPr>
+              <a:defRPr sz="900" b="1">
+                <a:latin typeface="Helvetica"/>
+                <a:ea typeface="Helvetica"/>
+                <a:cs typeface="Helvetica"/>
+                <a:sym typeface="Helvetica"/>
+              </a:defRPr>
+            </a:lvl1pPr>
+          </a:lstStyle>
+          <a:p>
+            <a:pPr lvl="0">
+              <a:defRPr sz="1800" b="0"/>
+            </a:pPr>
+            <a:r>
+              <a:rPr lang="en-US" sz="1200" b="0">
+                <a:latin typeface="Arial"/>
+                <a:cs typeface="Arial"/>
+              </a:rPr>
+              <a:t>Scores Core Service</a:t>
+            </a:r>
+          </a:p>
+        </p:txBody>
+      </p:sp>
+      <p:pic>
+        <p:nvPicPr>
+          <p:cNvPr id="9" name="Picture 8">
+            <a:extLst>
+              <a:ext uri="{FF2B5EF4-FFF2-40B4-BE49-F238E27FC236}">
+                <a16:creationId xmlns:a16="http://schemas.microsoft.com/office/drawing/2014/main" id="{AD9008AB-5948-3242-BDA2-08EF35F28222}"/>
+              </a:ext>
+            </a:extLst>
+          </p:cNvPr>
+          <p:cNvPicPr>
+            <a:picLocks noChangeAspect="1"/>
+          </p:cNvPicPr>
+          <p:nvPr/>
+        </p:nvPicPr>
+        <p:blipFill>
+          <a:blip r:embed="rId2"/>
+          <a:stretch>
+            <a:fillRect/>
+          </a:stretch>
+        </p:blipFill>
+        <p:spPr>
+          <a:xfrm>
+            <a:off x="8861196" y="3944743"/>
+            <a:ext cx="697633" cy="697633"/>
+          </a:xfrm>
+          <a:prstGeom prst="rect">
+            <a:avLst/>
+          </a:prstGeom>
+        </p:spPr>
+      </p:pic>
+      <p:sp>
+        <p:nvSpPr>
+          <p:cNvPr id="10" name="TextBox 9">
+            <a:extLst>
+              <a:ext uri="{FF2B5EF4-FFF2-40B4-BE49-F238E27FC236}">
+                <a16:creationId xmlns:a16="http://schemas.microsoft.com/office/drawing/2014/main" id="{A41299AB-026F-484F-AD49-382B5102AB5E}"/>
+              </a:ext>
+            </a:extLst>
+          </p:cNvPr>
+          <p:cNvSpPr txBox="1"/>
+          <p:nvPr/>
+        </p:nvSpPr>
+        <p:spPr>
+          <a:xfrm>
+            <a:off x="8600850" y="4710905"/>
+            <a:ext cx="1218324" cy="264013"/>
+          </a:xfrm>
+          <a:prstGeom prst="rect">
+            <a:avLst/>
+          </a:prstGeom>
+          <a:noFill/>
+          <a:ln w="3175" cap="flat">
+            <a:noFill/>
+            <a:miter lim="400000"/>
+          </a:ln>
+          <a:effectLst/>
+        </p:spPr>
+        <p:style>
+          <a:lnRef idx="0">
+            <a:scrgbClr r="0" g="0" b="0"/>
+          </a:lnRef>
+          <a:fillRef idx="0">
+            <a:scrgbClr r="0" g="0" b="0"/>
+          </a:fillRef>
+          <a:effectRef idx="0">
+            <a:scrgbClr r="0" g="0" b="0"/>
+          </a:effectRef>
+          <a:fontRef idx="none"/>
+        </p:style>
+        <p:txBody>
+          <a:bodyPr rot="0" spcFirstLastPara="1" vertOverflow="overflow" horzOverflow="overflow" vert="horz" wrap="square" lIns="39290" tIns="39290" rIns="39290" bIns="39290" numCol="1" spcCol="38100" rtlCol="0" anchor="ctr">
+            <a:spAutoFit/>
+          </a:bodyPr>
+          <a:lstStyle/>
+          <a:p>
+            <a:pPr marL="0" marR="0" indent="0" defTabSz="584200" rtl="0" fontAlgn="auto" latinLnBrk="1" hangingPunct="0">
+              <a:lnSpc>
+                <a:spcPct val="100000"/>
+              </a:lnSpc>
+              <a:spcBef>
+                <a:spcPts val="0"/>
+              </a:spcBef>
+              <a:spcAft>
+                <a:spcPts val="0"/>
+              </a:spcAft>
+              <a:buClrTx/>
+              <a:buSzTx/>
+              <a:buFontTx/>
+              <a:buNone/>
+              <a:tabLst/>
+            </a:pPr>
+            <a:r>
+              <a:rPr kumimoji="0" lang="en-US" sz="1200" b="0" i="0" u="none" strike="noStrike" cap="none" spc="0" normalizeH="0" baseline="0" dirty="0">
+                <a:ln>
+                  <a:noFill/>
+                </a:ln>
+                <a:solidFill>
+                  <a:srgbClr val="000000"/>
+                </a:solidFill>
+                <a:effectLst/>
+                <a:uFillTx/>
+                <a:latin typeface="Arial"/>
+                <a:ea typeface="+mn-ea"/>
+                <a:cs typeface="Arial"/>
+                <a:sym typeface="Helvetica Light"/>
+              </a:rPr>
+              <a:t>Cloudant</a:t>
+            </a:r>
+          </a:p>
+        </p:txBody>
+      </p:sp>
+      <p:cxnSp>
+        <p:nvCxnSpPr>
+          <p:cNvPr id="11" name="Straight Connector 10">
+            <a:extLst>
+              <a:ext uri="{FF2B5EF4-FFF2-40B4-BE49-F238E27FC236}">
+                <a16:creationId xmlns:a16="http://schemas.microsoft.com/office/drawing/2014/main" id="{6479DAB5-96D0-8240-B001-67D9EC5AFE1A}"/>
+              </a:ext>
+            </a:extLst>
+          </p:cNvPr>
+          <p:cNvCxnSpPr>
+            <a:cxnSpLocks/>
+            <a:stCxn id="17" idx="3"/>
+            <a:endCxn id="9" idx="1"/>
+          </p:cNvCxnSpPr>
+          <p:nvPr/>
+        </p:nvCxnSpPr>
+        <p:spPr>
+          <a:xfrm flipV="1">
+            <a:off x="6808831" y="4293560"/>
+            <a:ext cx="2052365" cy="11491"/>
+          </a:xfrm>
+          <a:prstGeom prst="line">
+            <a:avLst/>
+          </a:prstGeom>
+          <a:noFill/>
+          <a:ln w="34925" cap="flat">
+            <a:solidFill>
+              <a:schemeClr val="bg1">
+                <a:lumMod val="85000"/>
+              </a:schemeClr>
+            </a:solidFill>
+            <a:prstDash val="solid"/>
+            <a:miter lim="400000"/>
+          </a:ln>
+          <a:effectLst/>
+        </p:spPr>
+        <p:style>
+          <a:lnRef idx="0">
+            <a:scrgbClr r="0" g="0" b="0"/>
+          </a:lnRef>
+          <a:fillRef idx="0">
+            <a:scrgbClr r="0" g="0" b="0"/>
+          </a:fillRef>
+          <a:effectRef idx="0">
+            <a:scrgbClr r="0" g="0" b="0"/>
+          </a:effectRef>
+          <a:fontRef idx="none"/>
+        </p:style>
+      </p:cxnSp>
+      <p:pic>
+        <p:nvPicPr>
+          <p:cNvPr id="13" name="Picture 12">
+            <a:extLst>
+              <a:ext uri="{FF2B5EF4-FFF2-40B4-BE49-F238E27FC236}">
+                <a16:creationId xmlns:a16="http://schemas.microsoft.com/office/drawing/2014/main" id="{F92B54F2-A200-F44C-803F-99FF87911870}"/>
+              </a:ext>
+            </a:extLst>
+          </p:cNvPr>
+          <p:cNvPicPr>
+            <a:picLocks noChangeAspect="1"/>
+          </p:cNvPicPr>
+          <p:nvPr/>
+        </p:nvPicPr>
+        <p:blipFill>
+          <a:blip r:embed="rId3">
+            <a:extLst>
+              <a:ext uri="{28A0092B-C50C-407E-A947-70E740481C1C}">
+                <a14:useLocalDpi xmlns:a14="http://schemas.microsoft.com/office/drawing/2010/main" val="0"/>
+              </a:ext>
+            </a:extLst>
+          </a:blip>
+          <a:stretch>
+            <a:fillRect/>
+          </a:stretch>
+        </p:blipFill>
+        <p:spPr>
+          <a:xfrm>
+            <a:off x="4167976" y="3704255"/>
+            <a:ext cx="988582" cy="988582"/>
+          </a:xfrm>
+          <a:prstGeom prst="rect">
+            <a:avLst/>
+          </a:prstGeom>
+        </p:spPr>
+      </p:pic>
+      <p:cxnSp>
+        <p:nvCxnSpPr>
+          <p:cNvPr id="14" name="Straight Connector 13">
+            <a:extLst>
+              <a:ext uri="{FF2B5EF4-FFF2-40B4-BE49-F238E27FC236}">
+                <a16:creationId xmlns:a16="http://schemas.microsoft.com/office/drawing/2014/main" id="{C1D88E78-3F4D-1746-BA47-AB89ED25DF7C}"/>
+              </a:ext>
+            </a:extLst>
+          </p:cNvPr>
+          <p:cNvCxnSpPr>
+            <a:cxnSpLocks/>
+            <a:stCxn id="17" idx="1"/>
+            <a:endCxn id="3" idx="3"/>
+          </p:cNvCxnSpPr>
+          <p:nvPr/>
+        </p:nvCxnSpPr>
+        <p:spPr>
+          <a:xfrm flipH="1">
+            <a:off x="5490212" y="4305051"/>
+            <a:ext cx="429313" cy="11175"/>
+          </a:xfrm>
+          <a:prstGeom prst="line">
+            <a:avLst/>
+          </a:prstGeom>
+          <a:noFill/>
+          <a:ln w="34925" cap="flat">
+            <a:solidFill>
+              <a:schemeClr val="bg1">
+                <a:lumMod val="85000"/>
+              </a:schemeClr>
+            </a:solidFill>
+            <a:prstDash val="solid"/>
+            <a:miter lim="400000"/>
+          </a:ln>
+          <a:effectLst/>
+        </p:spPr>
+        <p:style>
+          <a:lnRef idx="0">
+            <a:scrgbClr r="0" g="0" b="0"/>
+          </a:lnRef>
+          <a:fillRef idx="0">
+            <a:scrgbClr r="0" g="0" b="0"/>
+          </a:fillRef>
+          <a:effectRef idx="0">
+            <a:scrgbClr r="0" g="0" b="0"/>
+          </a:effectRef>
+          <a:fontRef idx="none"/>
+        </p:style>
+      </p:cxnSp>
+      <p:sp>
+        <p:nvSpPr>
+          <p:cNvPr id="15" name="TextBox 14">
+            <a:extLst>
+              <a:ext uri="{FF2B5EF4-FFF2-40B4-BE49-F238E27FC236}">
+                <a16:creationId xmlns:a16="http://schemas.microsoft.com/office/drawing/2014/main" id="{919C2E5C-AB08-8B49-9C06-8B9735F8C13F}"/>
+              </a:ext>
+            </a:extLst>
+          </p:cNvPr>
+          <p:cNvSpPr txBox="1"/>
+          <p:nvPr/>
+        </p:nvSpPr>
+        <p:spPr>
+          <a:xfrm>
+            <a:off x="3885426" y="4616662"/>
+            <a:ext cx="1553681" cy="264013"/>
+          </a:xfrm>
+          <a:prstGeom prst="rect">
+            <a:avLst/>
+          </a:prstGeom>
+          <a:noFill/>
+          <a:ln w="3175" cap="flat">
+            <a:noFill/>
+            <a:miter lim="400000"/>
+          </a:ln>
+          <a:effectLst/>
+        </p:spPr>
+        <p:style>
+          <a:lnRef idx="0">
+            <a:scrgbClr r="0" g="0" b="0"/>
+          </a:lnRef>
+          <a:fillRef idx="0">
+            <a:scrgbClr r="0" g="0" b="0"/>
+          </a:fillRef>
+          <a:effectRef idx="0">
+            <a:scrgbClr r="0" g="0" b="0"/>
+          </a:effectRef>
+          <a:fontRef idx="none"/>
+        </p:style>
+        <p:txBody>
+          <a:bodyPr rot="0" spcFirstLastPara="1" vertOverflow="overflow" horzOverflow="overflow" vert="horz" wrap="square" lIns="39290" tIns="39290" rIns="39290" bIns="39290" numCol="1" spcCol="38100" rtlCol="0" anchor="ctr">
+            <a:spAutoFit/>
+          </a:bodyPr>
+          <a:lstStyle>
+            <a:lvl1pPr marL="0" marR="0" indent="0" rtl="0" fontAlgn="auto" latinLnBrk="1" hangingPunct="0">
+              <a:lnSpc>
+                <a:spcPct val="100000"/>
+              </a:lnSpc>
+              <a:spcBef>
+                <a:spcPts val="0"/>
+              </a:spcBef>
+              <a:spcAft>
+                <a:spcPts val="0"/>
+              </a:spcAft>
+              <a:buClrTx/>
+              <a:buSzTx/>
+              <a:buFontTx/>
+              <a:buNone/>
+              <a:tabLst/>
+              <a:defRPr kumimoji="0" sz="1200" i="0" u="none" strike="noStrike" cap="none" spc="0" normalizeH="0" baseline="0">
+                <a:ln>
+                  <a:noFill/>
+                </a:ln>
+                <a:solidFill>
+                  <a:srgbClr val="000000"/>
+                </a:solidFill>
+                <a:effectLst/>
+                <a:uFillTx/>
+                <a:latin typeface="Arial"/>
+                <a:cs typeface="Arial"/>
+              </a:defRPr>
+            </a:lvl1pPr>
+          </a:lstStyle>
+          <a:p>
+            <a:r>
+              <a:rPr lang="en-US" dirty="0"/>
+              <a:t>Scores Service UI</a:t>
+            </a:r>
+          </a:p>
+        </p:txBody>
+      </p:sp>
+      <p:pic>
+        <p:nvPicPr>
+          <p:cNvPr id="17" name="Picture 16">
+            <a:extLst>
+              <a:ext uri="{FF2B5EF4-FFF2-40B4-BE49-F238E27FC236}">
+                <a16:creationId xmlns:a16="http://schemas.microsoft.com/office/drawing/2014/main" id="{48CD3CFA-9665-4E4D-B1EC-4F4D048A3483}"/>
+              </a:ext>
+            </a:extLst>
+          </p:cNvPr>
+          <p:cNvPicPr>
+            <a:picLocks noChangeAspect="1"/>
+          </p:cNvPicPr>
+          <p:nvPr/>
+        </p:nvPicPr>
+        <p:blipFill>
+          <a:blip r:embed="rId4">
+            <a:extLst>
+              <a:ext uri="{28A0092B-C50C-407E-A947-70E740481C1C}">
+                <a14:useLocalDpi xmlns:a14="http://schemas.microsoft.com/office/drawing/2010/main" val="0"/>
+              </a:ext>
+            </a:extLst>
+          </a:blip>
+          <a:stretch>
+            <a:fillRect/>
+          </a:stretch>
+        </p:blipFill>
+        <p:spPr>
+          <a:xfrm>
+            <a:off x="5919525" y="4032662"/>
+            <a:ext cx="889306" cy="544778"/>
+          </a:xfrm>
+          <a:prstGeom prst="rect">
+            <a:avLst/>
+          </a:prstGeom>
+        </p:spPr>
+      </p:pic>
+      <p:pic>
+        <p:nvPicPr>
+          <p:cNvPr id="25" name="Picture 24">
+            <a:extLst>
+              <a:ext uri="{FF2B5EF4-FFF2-40B4-BE49-F238E27FC236}">
+                <a16:creationId xmlns:a16="http://schemas.microsoft.com/office/drawing/2014/main" id="{BB0CC76B-580A-634D-947C-190CDEDF38BB}"/>
+              </a:ext>
+            </a:extLst>
+          </p:cNvPr>
+          <p:cNvPicPr>
+            <a:picLocks noChangeAspect="1"/>
+          </p:cNvPicPr>
+          <p:nvPr/>
+        </p:nvPicPr>
+        <p:blipFill>
+          <a:blip r:embed="rId5"/>
+          <a:stretch>
+            <a:fillRect/>
+          </a:stretch>
+        </p:blipFill>
+        <p:spPr>
+          <a:xfrm>
+            <a:off x="9045594" y="46004"/>
+            <a:ext cx="797935" cy="723552"/>
+          </a:xfrm>
+          <a:prstGeom prst="rect">
+            <a:avLst/>
+          </a:prstGeom>
+        </p:spPr>
+      </p:pic>
+      <p:pic>
+        <p:nvPicPr>
+          <p:cNvPr id="5" name="Picture 4">
+            <a:extLst>
+              <a:ext uri="{FF2B5EF4-FFF2-40B4-BE49-F238E27FC236}">
+                <a16:creationId xmlns:a16="http://schemas.microsoft.com/office/drawing/2014/main" id="{79F80EC8-AFBF-6D4F-AC14-B7DB5CC86976}"/>
+              </a:ext>
+            </a:extLst>
+          </p:cNvPr>
+          <p:cNvPicPr>
+            <a:picLocks noChangeAspect="1"/>
+          </p:cNvPicPr>
+          <p:nvPr/>
+        </p:nvPicPr>
+        <p:blipFill>
+          <a:blip r:embed="rId6">
+            <a:extLst>
+              <a:ext uri="{28A0092B-C50C-407E-A947-70E740481C1C}">
+                <a14:useLocalDpi xmlns:a14="http://schemas.microsoft.com/office/drawing/2010/main" val="0"/>
+              </a:ext>
+            </a:extLst>
+          </a:blip>
+          <a:stretch>
+            <a:fillRect/>
+          </a:stretch>
+        </p:blipFill>
+        <p:spPr>
+          <a:xfrm>
+            <a:off x="3116031" y="1000831"/>
+            <a:ext cx="742084" cy="742084"/>
+          </a:xfrm>
+          <a:prstGeom prst="rect">
+            <a:avLst/>
+          </a:prstGeom>
+        </p:spPr>
+      </p:pic>
+      <p:sp>
+        <p:nvSpPr>
+          <p:cNvPr id="21" name="TextBox 20">
+            <a:extLst>
+              <a:ext uri="{FF2B5EF4-FFF2-40B4-BE49-F238E27FC236}">
+                <a16:creationId xmlns:a16="http://schemas.microsoft.com/office/drawing/2014/main" id="{AACB7254-17EF-924B-87CC-D955B84B14FF}"/>
+              </a:ext>
+            </a:extLst>
+          </p:cNvPr>
+          <p:cNvSpPr txBox="1"/>
+          <p:nvPr/>
+        </p:nvSpPr>
+        <p:spPr>
+          <a:xfrm>
+            <a:off x="3238514" y="2960760"/>
+            <a:ext cx="776841" cy="294791"/>
+          </a:xfrm>
+          <a:prstGeom prst="rect">
+            <a:avLst/>
+          </a:prstGeom>
+          <a:noFill/>
+          <a:ln w="3175" cap="flat">
+            <a:noFill/>
+            <a:miter lim="400000"/>
+          </a:ln>
+          <a:effectLst/>
+        </p:spPr>
+        <p:style>
+          <a:lnRef idx="0">
+            <a:scrgbClr r="0" g="0" b="0"/>
+          </a:lnRef>
+          <a:fillRef idx="0">
+            <a:scrgbClr r="0" g="0" b="0"/>
+          </a:fillRef>
+          <a:effectRef idx="0">
+            <a:scrgbClr r="0" g="0" b="0"/>
+          </a:effectRef>
+          <a:fontRef idx="none"/>
+        </p:style>
+        <p:txBody>
+          <a:bodyPr rot="0" spcFirstLastPara="1" vertOverflow="overflow" horzOverflow="overflow" vert="horz" wrap="square" lIns="39290" tIns="39290" rIns="39290" bIns="39290" numCol="1" spcCol="38100" rtlCol="0" anchor="ctr">
+            <a:spAutoFit/>
+          </a:bodyPr>
+          <a:lstStyle>
+            <a:lvl1pPr marL="0" marR="0" indent="0" rtl="0" fontAlgn="auto" latinLnBrk="1" hangingPunct="0">
+              <a:lnSpc>
+                <a:spcPct val="100000"/>
+              </a:lnSpc>
+              <a:spcBef>
+                <a:spcPts val="0"/>
+              </a:spcBef>
+              <a:spcAft>
+                <a:spcPts val="0"/>
+              </a:spcAft>
+              <a:buClrTx/>
+              <a:buSzTx/>
+              <a:buFontTx/>
+              <a:buNone/>
+              <a:tabLst/>
+              <a:defRPr kumimoji="0" sz="1400" b="1" i="0" u="none" strike="noStrike" cap="none" spc="0" normalizeH="0" baseline="0">
+                <a:ln>
+                  <a:noFill/>
+                </a:ln>
+                <a:solidFill>
+                  <a:srgbClr val="000000"/>
+                </a:solidFill>
+                <a:effectLst/>
+                <a:uFillTx/>
+                <a:latin typeface="Arial"/>
+                <a:cs typeface="Arial"/>
+              </a:defRPr>
+            </a:lvl1pPr>
+          </a:lstStyle>
+          <a:p>
+            <a:r>
+              <a:rPr lang="en-US" dirty="0"/>
+              <a:t>Pod</a:t>
+            </a:r>
+          </a:p>
+        </p:txBody>
+      </p:sp>
+      <p:sp>
+        <p:nvSpPr>
+          <p:cNvPr id="22" name="TextBox 21">
+            <a:extLst>
+              <a:ext uri="{FF2B5EF4-FFF2-40B4-BE49-F238E27FC236}">
+                <a16:creationId xmlns:a16="http://schemas.microsoft.com/office/drawing/2014/main" id="{58ACD9BC-286C-BF43-8325-98714C65DEE7}"/>
+              </a:ext>
+            </a:extLst>
+          </p:cNvPr>
+          <p:cNvSpPr txBox="1"/>
+          <p:nvPr/>
+        </p:nvSpPr>
+        <p:spPr>
+          <a:xfrm>
+            <a:off x="3858115" y="3349192"/>
+            <a:ext cx="1090529" cy="294791"/>
+          </a:xfrm>
+          <a:prstGeom prst="rect">
+            <a:avLst/>
+          </a:prstGeom>
+          <a:noFill/>
+          <a:ln w="3175" cap="flat">
+            <a:noFill/>
+            <a:miter lim="400000"/>
+          </a:ln>
+          <a:effectLst/>
+        </p:spPr>
+        <p:style>
+          <a:lnRef idx="0">
+            <a:scrgbClr r="0" g="0" b="0"/>
+          </a:lnRef>
+          <a:fillRef idx="0">
+            <a:scrgbClr r="0" g="0" b="0"/>
+          </a:fillRef>
+          <a:effectRef idx="0">
+            <a:scrgbClr r="0" g="0" b="0"/>
+          </a:effectRef>
+          <a:fontRef idx="none"/>
+        </p:style>
+        <p:txBody>
+          <a:bodyPr rot="0" spcFirstLastPara="1" vertOverflow="overflow" horzOverflow="overflow" vert="horz" wrap="square" lIns="39290" tIns="39290" rIns="39290" bIns="39290" numCol="1" spcCol="38100" rtlCol="0" anchor="ctr">
+            <a:spAutoFit/>
+          </a:bodyPr>
+          <a:lstStyle>
+            <a:lvl1pPr marL="0" marR="0" indent="0" rtl="0" fontAlgn="auto" latinLnBrk="1" hangingPunct="0">
+              <a:lnSpc>
+                <a:spcPct val="100000"/>
+              </a:lnSpc>
+              <a:spcBef>
+                <a:spcPts val="0"/>
+              </a:spcBef>
+              <a:spcAft>
+                <a:spcPts val="0"/>
+              </a:spcAft>
+              <a:buClrTx/>
+              <a:buSzTx/>
+              <a:buFontTx/>
+              <a:buNone/>
+              <a:tabLst/>
+              <a:defRPr kumimoji="0" sz="1400" b="1" i="0" u="none" strike="noStrike" cap="none" spc="0" normalizeH="0" baseline="0">
+                <a:ln>
+                  <a:noFill/>
+                </a:ln>
+                <a:solidFill>
+                  <a:srgbClr val="000000"/>
+                </a:solidFill>
+                <a:effectLst/>
+                <a:uFillTx/>
+                <a:latin typeface="Arial"/>
+                <a:cs typeface="Arial"/>
+              </a:defRPr>
+            </a:lvl1pPr>
+          </a:lstStyle>
+          <a:p>
+            <a:r>
+              <a:rPr lang="en-US" dirty="0"/>
+              <a:t>Container</a:t>
+            </a:r>
+          </a:p>
+        </p:txBody>
+      </p:sp>
+      <p:cxnSp>
+        <p:nvCxnSpPr>
+          <p:cNvPr id="27" name="Straight Connector 26">
+            <a:extLst>
+              <a:ext uri="{FF2B5EF4-FFF2-40B4-BE49-F238E27FC236}">
+                <a16:creationId xmlns:a16="http://schemas.microsoft.com/office/drawing/2014/main" id="{7B63F238-34A2-414A-AB2E-C307B0BD2D89}"/>
+              </a:ext>
+            </a:extLst>
+          </p:cNvPr>
+          <p:cNvCxnSpPr>
+            <a:cxnSpLocks/>
+          </p:cNvCxnSpPr>
+          <p:nvPr/>
+        </p:nvCxnSpPr>
+        <p:spPr>
+          <a:xfrm flipH="1">
+            <a:off x="4333699" y="3694476"/>
+            <a:ext cx="2074" cy="0"/>
+          </a:xfrm>
+          <a:prstGeom prst="line">
+            <a:avLst/>
+          </a:prstGeom>
+          <a:noFill/>
+          <a:ln w="34925" cap="flat">
+            <a:solidFill>
+              <a:schemeClr val="bg1">
+                <a:lumMod val="85000"/>
+              </a:schemeClr>
+            </a:solidFill>
+            <a:prstDash val="solid"/>
+            <a:miter lim="400000"/>
+          </a:ln>
+          <a:effectLst/>
+        </p:spPr>
+        <p:style>
+          <a:lnRef idx="0">
+            <a:scrgbClr r="0" g="0" b="0"/>
+          </a:lnRef>
+          <a:fillRef idx="0">
+            <a:scrgbClr r="0" g="0" b="0"/>
+          </a:fillRef>
+          <a:effectRef idx="0">
+            <a:scrgbClr r="0" g="0" b="0"/>
+          </a:effectRef>
+          <a:fontRef idx="none"/>
+        </p:style>
+      </p:cxnSp>
+      <p:cxnSp>
+        <p:nvCxnSpPr>
+          <p:cNvPr id="28" name="Straight Connector 27">
+            <a:extLst>
+              <a:ext uri="{FF2B5EF4-FFF2-40B4-BE49-F238E27FC236}">
+                <a16:creationId xmlns:a16="http://schemas.microsoft.com/office/drawing/2014/main" id="{6C479864-0623-774E-AE41-484BCF311F42}"/>
+              </a:ext>
+            </a:extLst>
+          </p:cNvPr>
+          <p:cNvCxnSpPr>
+            <a:cxnSpLocks/>
+          </p:cNvCxnSpPr>
+          <p:nvPr/>
+        </p:nvCxnSpPr>
+        <p:spPr>
+          <a:xfrm flipH="1">
+            <a:off x="4486099" y="3846876"/>
+            <a:ext cx="2074" cy="0"/>
+          </a:xfrm>
+          <a:prstGeom prst="line">
+            <a:avLst/>
+          </a:prstGeom>
+          <a:noFill/>
+          <a:ln w="34925" cap="flat">
+            <a:solidFill>
+              <a:schemeClr val="bg1">
+                <a:lumMod val="85000"/>
+              </a:schemeClr>
+            </a:solidFill>
+            <a:prstDash val="solid"/>
+            <a:miter lim="400000"/>
+          </a:ln>
+          <a:effectLst/>
+        </p:spPr>
+        <p:style>
+          <a:lnRef idx="0">
+            <a:scrgbClr r="0" g="0" b="0"/>
+          </a:lnRef>
+          <a:fillRef idx="0">
+            <a:scrgbClr r="0" g="0" b="0"/>
+          </a:fillRef>
+          <a:effectRef idx="0">
+            <a:scrgbClr r="0" g="0" b="0"/>
+          </a:effectRef>
+          <a:fontRef idx="none"/>
+        </p:style>
+      </p:cxnSp>
+      <p:cxnSp>
+        <p:nvCxnSpPr>
+          <p:cNvPr id="30" name="Straight Connector 29">
+            <a:extLst>
+              <a:ext uri="{FF2B5EF4-FFF2-40B4-BE49-F238E27FC236}">
+                <a16:creationId xmlns:a16="http://schemas.microsoft.com/office/drawing/2014/main" id="{F26B9BAB-755D-3146-B220-98716D23868A}"/>
+              </a:ext>
+            </a:extLst>
+          </p:cNvPr>
+          <p:cNvCxnSpPr>
+            <a:cxnSpLocks/>
+          </p:cNvCxnSpPr>
+          <p:nvPr/>
+        </p:nvCxnSpPr>
+        <p:spPr>
+          <a:xfrm>
+            <a:off x="4416778" y="2738865"/>
+            <a:ext cx="0" cy="239478"/>
+          </a:xfrm>
+          <a:prstGeom prst="line">
+            <a:avLst/>
+          </a:prstGeom>
+          <a:noFill/>
+          <a:ln w="34925" cap="flat">
+            <a:solidFill>
+              <a:schemeClr val="bg1">
+                <a:lumMod val="85000"/>
+              </a:schemeClr>
+            </a:solidFill>
+            <a:prstDash val="solid"/>
+            <a:miter lim="400000"/>
+          </a:ln>
+          <a:effectLst/>
+        </p:spPr>
+        <p:style>
+          <a:lnRef idx="0">
+            <a:scrgbClr r="0" g="0" b="0"/>
+          </a:lnRef>
+          <a:fillRef idx="0">
+            <a:scrgbClr r="0" g="0" b="0"/>
+          </a:fillRef>
+          <a:effectRef idx="0">
+            <a:scrgbClr r="0" g="0" b="0"/>
+          </a:effectRef>
+          <a:fontRef idx="none"/>
+        </p:style>
+      </p:cxnSp>
+      <p:sp>
+        <p:nvSpPr>
+          <p:cNvPr id="42" name="Shape 62">
+            <a:extLst>
+              <a:ext uri="{FF2B5EF4-FFF2-40B4-BE49-F238E27FC236}">
+                <a16:creationId xmlns:a16="http://schemas.microsoft.com/office/drawing/2014/main" id="{3D9B0EE4-733C-4242-9F7E-C081D3A20356}"/>
+              </a:ext>
+            </a:extLst>
+          </p:cNvPr>
+          <p:cNvSpPr/>
+          <p:nvPr/>
+        </p:nvSpPr>
+        <p:spPr>
+          <a:xfrm flipV="1">
+            <a:off x="1229133" y="253965"/>
+            <a:ext cx="0" cy="7341881"/>
+          </a:xfrm>
+          <a:prstGeom prst="line">
+            <a:avLst/>
+          </a:prstGeom>
+          <a:ln w="25400">
+            <a:solidFill>
+              <a:schemeClr val="bg1">
+                <a:lumMod val="85000"/>
+              </a:schemeClr>
+            </a:solidFill>
+            <a:miter lim="400000"/>
+          </a:ln>
+        </p:spPr>
+        <p:txBody>
+          <a:bodyPr lIns="0" tIns="0" rIns="0" bIns="0" anchor="ctr"/>
+          <a:lstStyle/>
+          <a:p>
+            <a:pPr lvl="0">
+              <a:defRPr sz="1800"/>
+            </a:pPr>
+            <a:endParaRPr/>
+          </a:p>
+        </p:txBody>
+      </p:sp>
+      <p:sp>
+        <p:nvSpPr>
+          <p:cNvPr id="43" name="Shape 63">
+            <a:extLst>
+              <a:ext uri="{FF2B5EF4-FFF2-40B4-BE49-F238E27FC236}">
+                <a16:creationId xmlns:a16="http://schemas.microsoft.com/office/drawing/2014/main" id="{CCBB4887-ACDC-E84F-9DB2-1FE8E7896EB0}"/>
+              </a:ext>
+            </a:extLst>
+          </p:cNvPr>
+          <p:cNvSpPr/>
+          <p:nvPr/>
+        </p:nvSpPr>
+        <p:spPr>
+          <a:xfrm>
+            <a:off x="214871" y="407780"/>
+            <a:ext cx="820738" cy="246221"/>
+          </a:xfrm>
+          <a:prstGeom prst="rect">
+            <a:avLst/>
+          </a:prstGeom>
+          <a:ln w="3175">
+            <a:miter lim="400000"/>
+          </a:ln>
+          <a:extLst>
+            <a:ext uri="{C572A759-6A51-4108-AA02-DFA0A04FC94B}">
+              <ma14:wrappingTextBoxFlag xmlns="" xmlns:ma14="http://schemas.microsoft.com/office/mac/drawingml/2011/main" val="1"/>
+            </a:ext>
+          </a:extLst>
+        </p:spPr>
+        <p:txBody>
+          <a:bodyPr wrap="none" lIns="0" tIns="0" rIns="0" bIns="0">
+            <a:spAutoFit/>
+          </a:bodyPr>
+          <a:lstStyle>
+            <a:lvl1pPr algn="l">
+              <a:defRPr sz="1000" b="1">
+                <a:solidFill>
+                  <a:srgbClr val="4277BB"/>
+                </a:solidFill>
+                <a:latin typeface="Helvetica"/>
+                <a:ea typeface="Helvetica"/>
+                <a:cs typeface="Helvetica"/>
+                <a:sym typeface="Helvetica"/>
+              </a:defRPr>
+            </a:lvl1pPr>
+          </a:lstStyle>
+          <a:p>
+            <a:pPr lvl="0">
+              <a:defRPr sz="1800" b="0">
+                <a:solidFill>
+                  <a:srgbClr val="000000"/>
+                </a:solidFill>
+              </a:defRPr>
+            </a:pPr>
+            <a:r>
+              <a:rPr lang="de-DE" sz="1600" b="1" dirty="0">
+                <a:solidFill>
+                  <a:schemeClr val="tx1"/>
+                </a:solidFill>
+                <a:latin typeface="Arial"/>
+                <a:cs typeface="Arial"/>
+              </a:rPr>
+              <a:t>Browser</a:t>
+            </a:r>
+            <a:endParaRPr sz="1600" b="1" dirty="0">
+              <a:solidFill>
+                <a:schemeClr val="tx1"/>
+              </a:solidFill>
+              <a:latin typeface="Arial"/>
+              <a:cs typeface="Arial"/>
+            </a:endParaRPr>
+          </a:p>
+        </p:txBody>
+      </p:sp>
+      <p:sp>
+        <p:nvSpPr>
+          <p:cNvPr id="44" name="Shape 64">
+            <a:extLst>
+              <a:ext uri="{FF2B5EF4-FFF2-40B4-BE49-F238E27FC236}">
+                <a16:creationId xmlns:a16="http://schemas.microsoft.com/office/drawing/2014/main" id="{87BB19C4-A058-654B-90C3-79009E25FB48}"/>
+              </a:ext>
+            </a:extLst>
+          </p:cNvPr>
+          <p:cNvSpPr/>
+          <p:nvPr/>
+        </p:nvSpPr>
+        <p:spPr>
+          <a:xfrm>
+            <a:off x="1418372" y="407780"/>
+            <a:ext cx="1014300" cy="246221"/>
+          </a:xfrm>
+          <a:prstGeom prst="rect">
+            <a:avLst/>
+          </a:prstGeom>
+          <a:ln w="3175">
+            <a:miter lim="400000"/>
+          </a:ln>
+          <a:extLst>
+            <a:ext uri="{C572A759-6A51-4108-AA02-DFA0A04FC94B}">
+              <ma14:wrappingTextBoxFlag xmlns="" xmlns:ma14="http://schemas.microsoft.com/office/mac/drawingml/2011/main" val="1"/>
+            </a:ext>
+          </a:extLst>
+        </p:spPr>
+        <p:txBody>
+          <a:bodyPr wrap="none" lIns="0" tIns="0" rIns="0" bIns="0">
+            <a:spAutoFit/>
+          </a:bodyPr>
+          <a:lstStyle>
+            <a:lvl1pPr algn="l">
+              <a:defRPr sz="1000" b="1">
+                <a:solidFill>
+                  <a:srgbClr val="4277BB"/>
+                </a:solidFill>
+                <a:latin typeface="Helvetica"/>
+                <a:ea typeface="Helvetica"/>
+                <a:cs typeface="Helvetica"/>
+                <a:sym typeface="Helvetica"/>
+              </a:defRPr>
+            </a:lvl1pPr>
+          </a:lstStyle>
+          <a:p>
+            <a:pPr lvl="0">
+              <a:defRPr sz="1800" b="0">
+                <a:solidFill>
+                  <a:srgbClr val="000000"/>
+                </a:solidFill>
+              </a:defRPr>
+            </a:pPr>
+            <a:r>
+              <a:rPr lang="de-DE" sz="1600" b="1" dirty="0">
+                <a:solidFill>
+                  <a:srgbClr val="000000"/>
+                </a:solidFill>
+                <a:latin typeface="Arial"/>
+                <a:cs typeface="Arial"/>
+              </a:rPr>
+              <a:t>IBM Cloud </a:t>
+            </a:r>
+            <a:endParaRPr sz="1600" b="1" dirty="0">
+              <a:solidFill>
+                <a:srgbClr val="000000"/>
+              </a:solidFill>
+              <a:latin typeface="Arial"/>
+              <a:cs typeface="Arial"/>
+            </a:endParaRPr>
+          </a:p>
+        </p:txBody>
+      </p:sp>
+      <p:sp>
+        <p:nvSpPr>
+          <p:cNvPr id="57" name="Rectangle 56">
+            <a:extLst>
+              <a:ext uri="{FF2B5EF4-FFF2-40B4-BE49-F238E27FC236}">
+                <a16:creationId xmlns:a16="http://schemas.microsoft.com/office/drawing/2014/main" id="{2BCF1D46-5263-2B4C-A170-6992E689E249}"/>
+              </a:ext>
+            </a:extLst>
+          </p:cNvPr>
+          <p:cNvSpPr/>
+          <p:nvPr/>
+        </p:nvSpPr>
+        <p:spPr>
+          <a:xfrm>
+            <a:off x="8188234" y="2930581"/>
+            <a:ext cx="1796910" cy="773674"/>
+          </a:xfrm>
+          <a:prstGeom prst="rect">
+            <a:avLst/>
+          </a:prstGeom>
+          <a:solidFill>
+            <a:srgbClr val="FFFFFF">
+              <a:alpha val="33000"/>
+            </a:srgbClr>
+          </a:solidFill>
+          <a:ln w="25400">
+            <a:solidFill>
+              <a:srgbClr val="4277BB"/>
+            </a:solidFill>
+            <a:miter lim="400000"/>
+          </a:ln>
+        </p:spPr>
+        <p:txBody>
+          <a:bodyPr lIns="0" tIns="0" rIns="0" bIns="0" rtlCol="0" anchor="ctr"/>
+          <a:lstStyle/>
+          <a:p>
+            <a:pPr algn="ctr"/>
+            <a:endParaRPr lang="de-DE" sz="1800" dirty="0">
+              <a:solidFill>
+                <a:srgbClr val="4277BB"/>
+              </a:solidFill>
+            </a:endParaRPr>
+          </a:p>
+        </p:txBody>
+      </p:sp>
+      <p:sp>
+        <p:nvSpPr>
+          <p:cNvPr id="58" name="TextBox 57">
+            <a:extLst>
+              <a:ext uri="{FF2B5EF4-FFF2-40B4-BE49-F238E27FC236}">
+                <a16:creationId xmlns:a16="http://schemas.microsoft.com/office/drawing/2014/main" id="{0ED2E731-9648-CF4C-BD55-BC315D51ACAE}"/>
+              </a:ext>
+            </a:extLst>
+          </p:cNvPr>
+          <p:cNvSpPr txBox="1"/>
+          <p:nvPr/>
+        </p:nvSpPr>
+        <p:spPr>
+          <a:xfrm>
+            <a:off x="8150054" y="3038283"/>
+            <a:ext cx="1745562" cy="294791"/>
+          </a:xfrm>
+          <a:prstGeom prst="rect">
+            <a:avLst/>
+          </a:prstGeom>
+          <a:noFill/>
+          <a:ln w="3175" cap="flat">
+            <a:noFill/>
+            <a:miter lim="400000"/>
+          </a:ln>
+          <a:effectLst/>
+        </p:spPr>
+        <p:style>
+          <a:lnRef idx="0">
+            <a:scrgbClr r="0" g="0" b="0"/>
+          </a:lnRef>
+          <a:fillRef idx="0">
+            <a:scrgbClr r="0" g="0" b="0"/>
+          </a:fillRef>
+          <a:effectRef idx="0">
+            <a:scrgbClr r="0" g="0" b="0"/>
+          </a:effectRef>
+          <a:fontRef idx="none"/>
+        </p:style>
+        <p:txBody>
+          <a:bodyPr rot="0" spcFirstLastPara="1" vertOverflow="overflow" horzOverflow="overflow" vert="horz" wrap="square" lIns="39290" tIns="39290" rIns="39290" bIns="39290" numCol="1" spcCol="38100" rtlCol="0" anchor="ctr">
+            <a:spAutoFit/>
+          </a:bodyPr>
+          <a:lstStyle>
+            <a:lvl1pPr marL="0" marR="0" indent="0" rtl="0" fontAlgn="auto" latinLnBrk="1" hangingPunct="0">
+              <a:lnSpc>
+                <a:spcPct val="100000"/>
+              </a:lnSpc>
+              <a:spcBef>
+                <a:spcPts val="0"/>
+              </a:spcBef>
+              <a:spcAft>
+                <a:spcPts val="0"/>
+              </a:spcAft>
+              <a:buClrTx/>
+              <a:buSzTx/>
+              <a:buFontTx/>
+              <a:buNone/>
+              <a:tabLst/>
+              <a:defRPr kumimoji="0" sz="1400" b="1" i="0" u="none" strike="noStrike" cap="none" spc="0" normalizeH="0" baseline="0">
+                <a:ln>
+                  <a:noFill/>
+                </a:ln>
+                <a:solidFill>
+                  <a:srgbClr val="000000"/>
+                </a:solidFill>
+                <a:effectLst/>
+                <a:uFillTx/>
+                <a:latin typeface="Arial"/>
+                <a:cs typeface="Arial"/>
+              </a:defRPr>
+            </a:lvl1pPr>
+          </a:lstStyle>
+          <a:p>
+            <a:r>
+              <a:rPr lang="en-US" dirty="0"/>
+              <a:t>Container Registry</a:t>
+            </a:r>
+          </a:p>
+        </p:txBody>
+      </p:sp>
+      <p:cxnSp>
+        <p:nvCxnSpPr>
+          <p:cNvPr id="59" name="Straight Connector 58">
+            <a:extLst>
+              <a:ext uri="{FF2B5EF4-FFF2-40B4-BE49-F238E27FC236}">
+                <a16:creationId xmlns:a16="http://schemas.microsoft.com/office/drawing/2014/main" id="{9D06ED78-660D-2340-BC33-E20E849EDE33}"/>
+              </a:ext>
+            </a:extLst>
+          </p:cNvPr>
+          <p:cNvCxnSpPr>
+            <a:cxnSpLocks/>
+          </p:cNvCxnSpPr>
+          <p:nvPr/>
+        </p:nvCxnSpPr>
+        <p:spPr>
+          <a:xfrm>
+            <a:off x="7628442" y="3234173"/>
+            <a:ext cx="477274" cy="0"/>
+          </a:xfrm>
+          <a:prstGeom prst="line">
+            <a:avLst/>
+          </a:prstGeom>
+          <a:noFill/>
+          <a:ln w="50800" cap="flat">
+            <a:solidFill>
+              <a:schemeClr val="bg1">
+                <a:lumMod val="85000"/>
+              </a:schemeClr>
+            </a:solidFill>
+            <a:prstDash val="solid"/>
+            <a:miter lim="400000"/>
+            <a:headEnd type="none"/>
+            <a:tailEnd type="none"/>
+          </a:ln>
+          <a:effectLst/>
+        </p:spPr>
+        <p:style>
+          <a:lnRef idx="0">
+            <a:scrgbClr r="0" g="0" b="0"/>
+          </a:lnRef>
+          <a:fillRef idx="0">
+            <a:scrgbClr r="0" g="0" b="0"/>
+          </a:fillRef>
+          <a:effectRef idx="0">
+            <a:scrgbClr r="0" g="0" b="0"/>
+          </a:effectRef>
+          <a:fontRef idx="none"/>
+        </p:style>
+      </p:cxnSp>
+      <p:sp>
+        <p:nvSpPr>
+          <p:cNvPr id="40" name="TextBox 39">
+            <a:extLst>
+              <a:ext uri="{FF2B5EF4-FFF2-40B4-BE49-F238E27FC236}">
+                <a16:creationId xmlns:a16="http://schemas.microsoft.com/office/drawing/2014/main" id="{271BAD0D-EDEE-B548-89C5-1906AB68897B}"/>
+              </a:ext>
+            </a:extLst>
+          </p:cNvPr>
+          <p:cNvSpPr txBox="1"/>
+          <p:nvPr/>
+        </p:nvSpPr>
+        <p:spPr>
+          <a:xfrm>
+            <a:off x="3283119" y="2434296"/>
+            <a:ext cx="1340683" cy="294791"/>
+          </a:xfrm>
+          <a:prstGeom prst="rect">
+            <a:avLst/>
+          </a:prstGeom>
+          <a:noFill/>
+          <a:ln w="3175" cap="flat">
+            <a:noFill/>
+            <a:miter lim="400000"/>
+          </a:ln>
+          <a:effectLst/>
+        </p:spPr>
+        <p:style>
+          <a:lnRef idx="0">
+            <a:scrgbClr r="0" g="0" b="0"/>
+          </a:lnRef>
+          <a:fillRef idx="0">
+            <a:scrgbClr r="0" g="0" b="0"/>
+          </a:fillRef>
+          <a:effectRef idx="0">
+            <a:scrgbClr r="0" g="0" b="0"/>
+          </a:effectRef>
+          <a:fontRef idx="none"/>
+        </p:style>
+        <p:txBody>
+          <a:bodyPr rot="0" spcFirstLastPara="1" vertOverflow="overflow" horzOverflow="overflow" vert="horz" wrap="square" lIns="39290" tIns="39290" rIns="39290" bIns="39290" numCol="1" spcCol="38100" rtlCol="0" anchor="ctr">
+            <a:spAutoFit/>
+          </a:bodyPr>
+          <a:lstStyle>
+            <a:lvl1pPr marL="0" marR="0" indent="0" rtl="0" fontAlgn="auto" latinLnBrk="1" hangingPunct="0">
+              <a:lnSpc>
+                <a:spcPct val="100000"/>
+              </a:lnSpc>
+              <a:spcBef>
+                <a:spcPts val="0"/>
+              </a:spcBef>
+              <a:spcAft>
+                <a:spcPts val="0"/>
+              </a:spcAft>
+              <a:buClrTx/>
+              <a:buSzTx/>
+              <a:buFontTx/>
+              <a:buNone/>
+              <a:tabLst/>
+              <a:defRPr kumimoji="0" sz="1400" b="1" i="0" u="none" strike="noStrike" cap="none" spc="0" normalizeH="0" baseline="0">
+                <a:ln>
+                  <a:noFill/>
+                </a:ln>
+                <a:solidFill>
+                  <a:srgbClr val="000000"/>
+                </a:solidFill>
+                <a:effectLst/>
+                <a:uFillTx/>
+                <a:latin typeface="Arial"/>
+                <a:cs typeface="Arial"/>
+              </a:defRPr>
+            </a:lvl1pPr>
+          </a:lstStyle>
+          <a:p>
+            <a:r>
+              <a:rPr lang="en-US" dirty="0"/>
+              <a:t>Deployment</a:t>
+            </a:r>
+          </a:p>
+        </p:txBody>
+      </p:sp>
+      <p:sp>
+        <p:nvSpPr>
+          <p:cNvPr id="37" name="TextBox 36">
+            <a:extLst>
+              <a:ext uri="{FF2B5EF4-FFF2-40B4-BE49-F238E27FC236}">
+                <a16:creationId xmlns:a16="http://schemas.microsoft.com/office/drawing/2014/main" id="{D0866B48-F14D-4F41-8C7C-999711488A0C}"/>
+              </a:ext>
+            </a:extLst>
+          </p:cNvPr>
+          <p:cNvSpPr txBox="1"/>
+          <p:nvPr/>
+        </p:nvSpPr>
+        <p:spPr>
+          <a:xfrm>
+            <a:off x="3711263" y="1044029"/>
+            <a:ext cx="1445295" cy="294791"/>
+          </a:xfrm>
+          <a:prstGeom prst="rect">
+            <a:avLst/>
+          </a:prstGeom>
+          <a:noFill/>
+          <a:ln w="3175" cap="flat">
+            <a:noFill/>
+            <a:miter lim="400000"/>
+          </a:ln>
+          <a:effectLst/>
+        </p:spPr>
+        <p:style>
+          <a:lnRef idx="0">
+            <a:scrgbClr r="0" g="0" b="0"/>
+          </a:lnRef>
+          <a:fillRef idx="0">
+            <a:scrgbClr r="0" g="0" b="0"/>
+          </a:fillRef>
+          <a:effectRef idx="0">
+            <a:scrgbClr r="0" g="0" b="0"/>
+          </a:effectRef>
+          <a:fontRef idx="none"/>
+        </p:style>
+        <p:txBody>
+          <a:bodyPr rot="0" spcFirstLastPara="1" vertOverflow="overflow" horzOverflow="overflow" vert="horz" wrap="square" lIns="39290" tIns="39290" rIns="39290" bIns="39290" numCol="1" spcCol="38100" rtlCol="0" anchor="ctr">
+            <a:spAutoFit/>
+          </a:bodyPr>
+          <a:lstStyle>
+            <a:lvl1pPr marL="0" marR="0" indent="0" rtl="0" fontAlgn="auto" latinLnBrk="1" hangingPunct="0">
+              <a:lnSpc>
+                <a:spcPct val="100000"/>
+              </a:lnSpc>
+              <a:spcBef>
+                <a:spcPts val="0"/>
+              </a:spcBef>
+              <a:spcAft>
+                <a:spcPts val="0"/>
+              </a:spcAft>
+              <a:buClrTx/>
+              <a:buSzTx/>
+              <a:buFontTx/>
+              <a:buNone/>
+              <a:tabLst/>
+              <a:defRPr kumimoji="0" sz="1400" b="1" i="0" u="none" strike="noStrike" cap="none" spc="0" normalizeH="0" baseline="0">
+                <a:ln>
+                  <a:noFill/>
+                </a:ln>
+                <a:solidFill>
+                  <a:srgbClr val="000000"/>
+                </a:solidFill>
+                <a:effectLst/>
+                <a:uFillTx/>
+                <a:latin typeface="Arial"/>
+                <a:cs typeface="Arial"/>
+              </a:defRPr>
+            </a:lvl1pPr>
+          </a:lstStyle>
+          <a:p>
+            <a:r>
+              <a:rPr lang="en-US" dirty="0"/>
+              <a:t>Kubernetes</a:t>
+            </a:r>
+          </a:p>
+        </p:txBody>
+      </p:sp>
+      <p:sp>
+        <p:nvSpPr>
+          <p:cNvPr id="38" name="TextBox 37">
+            <a:extLst>
+              <a:ext uri="{FF2B5EF4-FFF2-40B4-BE49-F238E27FC236}">
+                <a16:creationId xmlns:a16="http://schemas.microsoft.com/office/drawing/2014/main" id="{9B5EBB7E-0C8C-474A-BB86-4B7A5B50610E}"/>
+              </a:ext>
+            </a:extLst>
+          </p:cNvPr>
+          <p:cNvSpPr txBox="1"/>
+          <p:nvPr/>
+        </p:nvSpPr>
+        <p:spPr>
+          <a:xfrm>
+            <a:off x="4751583" y="3350175"/>
+            <a:ext cx="1789900" cy="294791"/>
+          </a:xfrm>
+          <a:prstGeom prst="rect">
+            <a:avLst/>
+          </a:prstGeom>
+          <a:noFill/>
+          <a:ln w="3175" cap="flat">
+            <a:noFill/>
+            <a:miter lim="400000"/>
+          </a:ln>
+          <a:effectLst/>
+        </p:spPr>
+        <p:style>
+          <a:lnRef idx="0">
+            <a:scrgbClr r="0" g="0" b="0"/>
+          </a:lnRef>
+          <a:fillRef idx="0">
+            <a:scrgbClr r="0" g="0" b="0"/>
+          </a:fillRef>
+          <a:effectRef idx="0">
+            <a:scrgbClr r="0" g="0" b="0"/>
+          </a:effectRef>
+          <a:fontRef idx="none"/>
+        </p:style>
+        <p:txBody>
+          <a:bodyPr rot="0" spcFirstLastPara="1" vertOverflow="overflow" horzOverflow="overflow" vert="horz" wrap="square" lIns="39290" tIns="39290" rIns="39290" bIns="39290" numCol="1" spcCol="38100" rtlCol="0" anchor="ctr">
+            <a:spAutoFit/>
+          </a:bodyPr>
+          <a:lstStyle>
+            <a:lvl1pPr marL="0" marR="0" indent="0" rtl="0" fontAlgn="auto" latinLnBrk="1" hangingPunct="0">
+              <a:lnSpc>
+                <a:spcPct val="100000"/>
+              </a:lnSpc>
+              <a:spcBef>
+                <a:spcPts val="0"/>
+              </a:spcBef>
+              <a:spcAft>
+                <a:spcPts val="0"/>
+              </a:spcAft>
+              <a:buClrTx/>
+              <a:buSzTx/>
+              <a:buFontTx/>
+              <a:buNone/>
+              <a:tabLst/>
+              <a:defRPr kumimoji="0" sz="1400" b="1" i="0" u="none" strike="noStrike" cap="none" spc="0" normalizeH="0" baseline="0">
+                <a:ln>
+                  <a:noFill/>
+                </a:ln>
+                <a:solidFill>
+                  <a:srgbClr val="000000"/>
+                </a:solidFill>
+                <a:effectLst/>
+                <a:uFillTx/>
+                <a:latin typeface="Arial"/>
+                <a:cs typeface="Arial"/>
+              </a:defRPr>
+            </a:lvl1pPr>
+          </a:lstStyle>
+          <a:p>
+            <a:r>
+              <a:rPr lang="en-US" b="0" dirty="0">
+                <a:solidFill>
+                  <a:schemeClr val="accent2"/>
+                </a:solidFill>
+              </a:rPr>
+              <a:t>Scores-Service</a:t>
+            </a:r>
+          </a:p>
+        </p:txBody>
+      </p:sp>
+      <p:sp>
+        <p:nvSpPr>
+          <p:cNvPr id="46" name="Oval 45">
+            <a:extLst>
+              <a:ext uri="{FF2B5EF4-FFF2-40B4-BE49-F238E27FC236}">
+                <a16:creationId xmlns:a16="http://schemas.microsoft.com/office/drawing/2014/main" id="{2498F583-B1A4-1548-B7B3-F191C7517A9D}"/>
+              </a:ext>
+            </a:extLst>
+          </p:cNvPr>
+          <p:cNvSpPr/>
+          <p:nvPr/>
+        </p:nvSpPr>
+        <p:spPr>
+          <a:xfrm>
+            <a:off x="6102470" y="3309923"/>
+            <a:ext cx="1423432" cy="352521"/>
+          </a:xfrm>
+          <a:prstGeom prst="ellipse">
+            <a:avLst/>
+          </a:prstGeom>
+          <a:ln w="25400">
+            <a:solidFill>
+              <a:srgbClr val="4277BB"/>
+            </a:solidFill>
+            <a:miter lim="400000"/>
+          </a:ln>
+        </p:spPr>
+        <p:txBody>
+          <a:bodyPr lIns="0" tIns="0" rIns="0" bIns="0" rtlCol="0" anchor="ctr"/>
+          <a:lstStyle/>
+          <a:p>
+            <a:pPr algn="ctr"/>
+            <a:endParaRPr lang="en-US" sz="1800">
+              <a:solidFill>
+                <a:srgbClr val="4277BB"/>
+              </a:solidFill>
+            </a:endParaRPr>
+          </a:p>
+        </p:txBody>
+      </p:sp>
+      <p:sp>
+        <p:nvSpPr>
+          <p:cNvPr id="51" name="TextBox 50">
+            <a:extLst>
+              <a:ext uri="{FF2B5EF4-FFF2-40B4-BE49-F238E27FC236}">
+                <a16:creationId xmlns:a16="http://schemas.microsoft.com/office/drawing/2014/main" id="{659D9B59-ABF9-9140-9FDA-311F4035F266}"/>
+              </a:ext>
+            </a:extLst>
+          </p:cNvPr>
+          <p:cNvSpPr txBox="1"/>
+          <p:nvPr/>
+        </p:nvSpPr>
+        <p:spPr>
+          <a:xfrm>
+            <a:off x="6262127" y="3350660"/>
+            <a:ext cx="929406" cy="294791"/>
+          </a:xfrm>
+          <a:prstGeom prst="rect">
+            <a:avLst/>
+          </a:prstGeom>
+          <a:noFill/>
+          <a:ln w="3175" cap="flat">
+            <a:noFill/>
+            <a:miter lim="400000"/>
+          </a:ln>
+          <a:effectLst/>
+        </p:spPr>
+        <p:style>
+          <a:lnRef idx="0">
+            <a:scrgbClr r="0" g="0" b="0"/>
+          </a:lnRef>
+          <a:fillRef idx="0">
+            <a:scrgbClr r="0" g="0" b="0"/>
+          </a:fillRef>
+          <a:effectRef idx="0">
+            <a:scrgbClr r="0" g="0" b="0"/>
+          </a:effectRef>
+          <a:fontRef idx="none"/>
+        </p:style>
+        <p:txBody>
+          <a:bodyPr rot="0" spcFirstLastPara="1" vertOverflow="overflow" horzOverflow="overflow" vert="horz" wrap="square" lIns="39290" tIns="39290" rIns="39290" bIns="39290" numCol="1" spcCol="38100" rtlCol="0" anchor="ctr">
+            <a:spAutoFit/>
+          </a:bodyPr>
+          <a:lstStyle>
+            <a:lvl1pPr marL="0" marR="0" indent="0" rtl="0" fontAlgn="auto" latinLnBrk="1" hangingPunct="0">
+              <a:lnSpc>
+                <a:spcPct val="100000"/>
+              </a:lnSpc>
+              <a:spcBef>
+                <a:spcPts val="0"/>
+              </a:spcBef>
+              <a:spcAft>
+                <a:spcPts val="0"/>
+              </a:spcAft>
+              <a:buClrTx/>
+              <a:buSzTx/>
+              <a:buFontTx/>
+              <a:buNone/>
+              <a:tabLst/>
+              <a:defRPr kumimoji="0" sz="1400" b="0" i="0" u="none" strike="noStrike" cap="none" spc="0" normalizeH="0" baseline="0">
+                <a:ln>
+                  <a:noFill/>
+                </a:ln>
+                <a:solidFill>
+                  <a:schemeClr val="accent2"/>
+                </a:solidFill>
+                <a:effectLst/>
+                <a:uFillTx/>
+                <a:latin typeface="Arial"/>
+                <a:cs typeface="Arial"/>
+              </a:defRPr>
+            </a:lvl1pPr>
+          </a:lstStyle>
+          <a:p>
+            <a:r>
+              <a:rPr lang="en-US" dirty="0"/>
+              <a:t>Port: 3000</a:t>
+            </a:r>
+          </a:p>
+        </p:txBody>
+      </p:sp>
+      <p:sp>
+        <p:nvSpPr>
+          <p:cNvPr id="56" name="TextBox 55">
+            <a:extLst>
+              <a:ext uri="{FF2B5EF4-FFF2-40B4-BE49-F238E27FC236}">
+                <a16:creationId xmlns:a16="http://schemas.microsoft.com/office/drawing/2014/main" id="{DC33D6FC-ADD0-B347-A6BC-382864C8FC5A}"/>
+              </a:ext>
+            </a:extLst>
+          </p:cNvPr>
+          <p:cNvSpPr txBox="1"/>
+          <p:nvPr/>
+        </p:nvSpPr>
+        <p:spPr>
+          <a:xfrm>
+            <a:off x="8053629" y="3276570"/>
+            <a:ext cx="1789900" cy="294791"/>
+          </a:xfrm>
+          <a:prstGeom prst="rect">
+            <a:avLst/>
+          </a:prstGeom>
+          <a:noFill/>
+          <a:ln w="3175" cap="flat">
+            <a:noFill/>
+            <a:miter lim="400000"/>
+          </a:ln>
+          <a:effectLst/>
+        </p:spPr>
+        <p:style>
+          <a:lnRef idx="0">
+            <a:scrgbClr r="0" g="0" b="0"/>
+          </a:lnRef>
+          <a:fillRef idx="0">
+            <a:scrgbClr r="0" g="0" b="0"/>
+          </a:fillRef>
+          <a:effectRef idx="0">
+            <a:scrgbClr r="0" g="0" b="0"/>
+          </a:effectRef>
+          <a:fontRef idx="none"/>
+        </p:style>
+        <p:txBody>
+          <a:bodyPr rot="0" spcFirstLastPara="1" vertOverflow="overflow" horzOverflow="overflow" vert="horz" wrap="square" lIns="39290" tIns="39290" rIns="39290" bIns="39290" numCol="1" spcCol="38100" rtlCol="0" anchor="ctr">
+            <a:spAutoFit/>
+          </a:bodyPr>
+          <a:lstStyle>
+            <a:lvl1pPr marL="0" marR="0" indent="0" rtl="0" fontAlgn="auto" latinLnBrk="1" hangingPunct="0">
+              <a:lnSpc>
+                <a:spcPct val="100000"/>
+              </a:lnSpc>
+              <a:spcBef>
+                <a:spcPts val="0"/>
+              </a:spcBef>
+              <a:spcAft>
+                <a:spcPts val="0"/>
+              </a:spcAft>
+              <a:buClrTx/>
+              <a:buSzTx/>
+              <a:buFontTx/>
+              <a:buNone/>
+              <a:tabLst/>
+              <a:defRPr kumimoji="0" sz="1400" b="0" i="0" u="none" strike="noStrike" cap="none" spc="0" normalizeH="0" baseline="0">
+                <a:ln>
+                  <a:noFill/>
+                </a:ln>
+                <a:solidFill>
+                  <a:schemeClr val="accent2"/>
+                </a:solidFill>
+                <a:effectLst/>
+                <a:uFillTx/>
+                <a:latin typeface="Arial"/>
+                <a:cs typeface="Arial"/>
+              </a:defRPr>
+            </a:lvl1pPr>
+          </a:lstStyle>
+          <a:p>
+            <a:r>
+              <a:rPr lang="en-US" dirty="0"/>
+              <a:t>Scores-Service:v1</a:t>
+            </a:r>
+          </a:p>
+        </p:txBody>
+      </p:sp>
+    </p:spTree>
+    <p:extLst>
+      <p:ext uri="{BB962C8B-B14F-4D97-AF65-F5344CB8AC3E}">
+        <p14:creationId xmlns:p14="http://schemas.microsoft.com/office/powerpoint/2010/main" val="2710591908"/>
+      </p:ext>
+    </p:extLst>
+  </p:cSld>
+  <p:clrMapOvr>
+    <a:masterClrMapping/>
+  </p:clrMapOvr>
+  <p:transition spd="med"/>
+</p:sld>
+</file>
+
+<file path=ppt/slides/slide24.xml><?xml version="1.0" encoding="utf-8"?>
+<p:sld xmlns:a="http://schemas.openxmlformats.org/drawingml/2006/main" xmlns:r="http://schemas.openxmlformats.org/officeDocument/2006/relationships" xmlns:p="http://schemas.openxmlformats.org/presentationml/2006/main">
+  <p:cSld>
+    <p:spTree>
+      <p:nvGrpSpPr>
+        <p:cNvPr id="1" name=""/>
+        <p:cNvGrpSpPr/>
+        <p:nvPr/>
+      </p:nvGrpSpPr>
+      <p:grpSpPr>
+        <a:xfrm>
+          <a:off x="0" y="0"/>
+          <a:ext cx="0" cy="0"/>
+          <a:chOff x="0" y="0"/>
+          <a:chExt cx="0" cy="0"/>
+        </a:xfrm>
+      </p:grpSpPr>
+      <p:sp>
+        <p:nvSpPr>
+          <p:cNvPr id="53" name="Rectangle 52">
+            <a:extLst>
+              <a:ext uri="{FF2B5EF4-FFF2-40B4-BE49-F238E27FC236}">
+                <a16:creationId xmlns:a16="http://schemas.microsoft.com/office/drawing/2014/main" id="{E6A132D8-9CB8-D04C-90E9-9B29E3234269}"/>
+              </a:ext>
+            </a:extLst>
+          </p:cNvPr>
+          <p:cNvSpPr/>
+          <p:nvPr/>
+        </p:nvSpPr>
+        <p:spPr>
+          <a:xfrm>
+            <a:off x="3014818" y="1001872"/>
+            <a:ext cx="4876024" cy="6014725"/>
+          </a:xfrm>
+          <a:prstGeom prst="rect">
+            <a:avLst/>
+          </a:prstGeom>
+          <a:solidFill>
+            <a:schemeClr val="accent1">
+              <a:lumMod val="20000"/>
+              <a:lumOff val="80000"/>
+              <a:alpha val="33000"/>
+            </a:schemeClr>
+          </a:solidFill>
+          <a:ln w="25400">
+            <a:solidFill>
+              <a:srgbClr val="4277BB"/>
+            </a:solidFill>
+            <a:miter lim="400000"/>
+          </a:ln>
+        </p:spPr>
+        <p:txBody>
+          <a:bodyPr lIns="0" tIns="0" rIns="0" bIns="0" rtlCol="0" anchor="ctr"/>
+          <a:lstStyle/>
+          <a:p>
+            <a:pPr algn="ctr"/>
+            <a:endParaRPr lang="de-DE" sz="1800" dirty="0">
+              <a:solidFill>
+                <a:srgbClr val="4277BB"/>
+              </a:solidFill>
+            </a:endParaRPr>
+          </a:p>
+        </p:txBody>
+      </p:sp>
+      <p:sp>
+        <p:nvSpPr>
+          <p:cNvPr id="39" name="Rectangle 38">
+            <a:extLst>
+              <a:ext uri="{FF2B5EF4-FFF2-40B4-BE49-F238E27FC236}">
+                <a16:creationId xmlns:a16="http://schemas.microsoft.com/office/drawing/2014/main" id="{C3332922-10F6-6F4B-8F8E-637161019780}"/>
+              </a:ext>
+            </a:extLst>
+          </p:cNvPr>
+          <p:cNvSpPr/>
+          <p:nvPr/>
+        </p:nvSpPr>
+        <p:spPr>
+          <a:xfrm>
+            <a:off x="3341028" y="3233173"/>
+            <a:ext cx="2580154" cy="278205"/>
+          </a:xfrm>
+          <a:prstGeom prst="rect">
+            <a:avLst/>
+          </a:prstGeom>
+          <a:solidFill>
+            <a:srgbClr val="FFFFFF">
+              <a:alpha val="33000"/>
+            </a:srgbClr>
+          </a:solidFill>
+          <a:ln w="25400">
+            <a:solidFill>
+              <a:srgbClr val="4277BB"/>
+            </a:solidFill>
+            <a:miter lim="400000"/>
+          </a:ln>
+        </p:spPr>
+        <p:txBody>
+          <a:bodyPr lIns="0" tIns="0" rIns="0" bIns="0" rtlCol="0" anchor="ctr"/>
+          <a:lstStyle/>
+          <a:p>
+            <a:pPr algn="ctr"/>
+            <a:endParaRPr lang="de-DE" sz="1800" dirty="0">
+              <a:solidFill>
+                <a:srgbClr val="4277BB"/>
+              </a:solidFill>
+            </a:endParaRPr>
+          </a:p>
+        </p:txBody>
+      </p:sp>
+      <p:sp>
+        <p:nvSpPr>
+          <p:cNvPr id="55" name="Rectangle 54">
+            <a:extLst>
+              <a:ext uri="{FF2B5EF4-FFF2-40B4-BE49-F238E27FC236}">
+                <a16:creationId xmlns:a16="http://schemas.microsoft.com/office/drawing/2014/main" id="{F63D6810-7B88-C74A-A306-E619ED19B29C}"/>
+              </a:ext>
+            </a:extLst>
+          </p:cNvPr>
+          <p:cNvSpPr/>
+          <p:nvPr/>
+        </p:nvSpPr>
+        <p:spPr>
+          <a:xfrm>
+            <a:off x="3346039" y="1967536"/>
+            <a:ext cx="3362363" cy="1039459"/>
+          </a:xfrm>
+          <a:prstGeom prst="rect">
+            <a:avLst/>
+          </a:prstGeom>
+          <a:solidFill>
+            <a:srgbClr val="FFFFFF">
+              <a:alpha val="33000"/>
+            </a:srgbClr>
+          </a:solidFill>
+          <a:ln w="25400">
+            <a:solidFill>
+              <a:srgbClr val="4277BB"/>
+            </a:solidFill>
+            <a:miter lim="400000"/>
+          </a:ln>
+        </p:spPr>
+        <p:txBody>
+          <a:bodyPr lIns="0" tIns="0" rIns="0" bIns="0" rtlCol="0" anchor="ctr"/>
+          <a:lstStyle/>
+          <a:p>
+            <a:pPr algn="ctr"/>
+            <a:endParaRPr lang="de-DE" sz="1800" dirty="0">
+              <a:solidFill>
+                <a:srgbClr val="4277BB"/>
+              </a:solidFill>
+            </a:endParaRPr>
+          </a:p>
+        </p:txBody>
+      </p:sp>
+      <p:sp>
+        <p:nvSpPr>
+          <p:cNvPr id="52" name="Rectangle 51">
+            <a:extLst>
+              <a:ext uri="{FF2B5EF4-FFF2-40B4-BE49-F238E27FC236}">
+                <a16:creationId xmlns:a16="http://schemas.microsoft.com/office/drawing/2014/main" id="{14ABDFBC-2F58-384D-AC0D-EE0809B6E509}"/>
+              </a:ext>
+            </a:extLst>
+          </p:cNvPr>
+          <p:cNvSpPr/>
+          <p:nvPr/>
+        </p:nvSpPr>
+        <p:spPr>
+          <a:xfrm>
+            <a:off x="3346039" y="3976835"/>
+            <a:ext cx="4247748" cy="2388403"/>
+          </a:xfrm>
+          <a:prstGeom prst="rect">
+            <a:avLst/>
+          </a:prstGeom>
+          <a:solidFill>
+            <a:schemeClr val="bg2">
+              <a:alpha val="33000"/>
+            </a:schemeClr>
+          </a:solidFill>
+          <a:ln w="25400">
+            <a:solidFill>
+              <a:srgbClr val="4277BB"/>
+            </a:solidFill>
+            <a:miter lim="400000"/>
+          </a:ln>
+        </p:spPr>
+        <p:txBody>
+          <a:bodyPr lIns="0" tIns="0" rIns="0" bIns="0" rtlCol="0" anchor="ctr"/>
+          <a:lstStyle/>
+          <a:p>
+            <a:pPr algn="ctr"/>
+            <a:endParaRPr lang="de-DE" sz="1800" dirty="0">
+              <a:solidFill>
+                <a:srgbClr val="4277BB"/>
+              </a:solidFill>
+            </a:endParaRPr>
+          </a:p>
+        </p:txBody>
+      </p:sp>
+      <p:sp>
+        <p:nvSpPr>
+          <p:cNvPr id="54" name="Rectangle 53">
+            <a:extLst>
+              <a:ext uri="{FF2B5EF4-FFF2-40B4-BE49-F238E27FC236}">
+                <a16:creationId xmlns:a16="http://schemas.microsoft.com/office/drawing/2014/main" id="{16156125-C5F4-9F4E-8DEE-451732A4DD70}"/>
+              </a:ext>
+            </a:extLst>
+          </p:cNvPr>
+          <p:cNvSpPr/>
+          <p:nvPr/>
+        </p:nvSpPr>
+        <p:spPr>
+          <a:xfrm>
+            <a:off x="3763510" y="4364531"/>
+            <a:ext cx="3718455" cy="1792478"/>
+          </a:xfrm>
+          <a:prstGeom prst="rect">
+            <a:avLst/>
+          </a:prstGeom>
+          <a:solidFill>
+            <a:srgbClr val="FFFFFF">
+              <a:alpha val="33000"/>
+            </a:srgbClr>
+          </a:solidFill>
+          <a:ln w="25400">
+            <a:solidFill>
+              <a:srgbClr val="4277BB"/>
+            </a:solidFill>
+            <a:miter lim="400000"/>
+          </a:ln>
+        </p:spPr>
+        <p:txBody>
+          <a:bodyPr lIns="0" tIns="0" rIns="0" bIns="0" rtlCol="0" anchor="ctr"/>
+          <a:lstStyle/>
+          <a:p>
+            <a:pPr algn="ctr"/>
+            <a:endParaRPr lang="de-DE" sz="1800" dirty="0">
+              <a:solidFill>
+                <a:srgbClr val="4277BB"/>
+              </a:solidFill>
+            </a:endParaRPr>
+          </a:p>
+        </p:txBody>
+      </p:sp>
+      <p:sp>
+        <p:nvSpPr>
+          <p:cNvPr id="3" name="Rectangle 2">
+            <a:extLst>
+              <a:ext uri="{FF2B5EF4-FFF2-40B4-BE49-F238E27FC236}">
+                <a16:creationId xmlns:a16="http://schemas.microsoft.com/office/drawing/2014/main" id="{83448774-E58B-5B40-91AE-6D2462D1D60D}"/>
+              </a:ext>
+            </a:extLst>
+          </p:cNvPr>
+          <p:cNvSpPr/>
+          <p:nvPr/>
+        </p:nvSpPr>
+        <p:spPr>
+          <a:xfrm>
+            <a:off x="3946374" y="4724278"/>
+            <a:ext cx="1509183" cy="1253039"/>
+          </a:xfrm>
+          <a:prstGeom prst="rect">
+            <a:avLst/>
+          </a:prstGeom>
+          <a:solidFill>
+            <a:schemeClr val="bg1"/>
+          </a:solidFill>
+          <a:ln w="25400">
+            <a:solidFill>
+              <a:srgbClr val="4277BB"/>
+            </a:solidFill>
+            <a:miter lim="400000"/>
+          </a:ln>
+        </p:spPr>
+        <p:txBody>
+          <a:bodyPr lIns="0" tIns="0" rIns="0" bIns="0" rtlCol="0" anchor="ctr"/>
+          <a:lstStyle/>
+          <a:p>
+            <a:pPr algn="ctr"/>
+            <a:endParaRPr lang="de-DE" sz="1800">
+              <a:solidFill>
+                <a:srgbClr val="4277BB"/>
+              </a:solidFill>
+            </a:endParaRPr>
+          </a:p>
+        </p:txBody>
+      </p:sp>
+      <p:sp>
+        <p:nvSpPr>
+          <p:cNvPr id="7" name="Shape 547">
+            <a:extLst>
+              <a:ext uri="{FF2B5EF4-FFF2-40B4-BE49-F238E27FC236}">
+                <a16:creationId xmlns:a16="http://schemas.microsoft.com/office/drawing/2014/main" id="{A84D3468-43D7-2B45-9576-127780443C39}"/>
+              </a:ext>
+            </a:extLst>
+          </p:cNvPr>
+          <p:cNvSpPr/>
+          <p:nvPr/>
+        </p:nvSpPr>
+        <p:spPr>
+          <a:xfrm>
+            <a:off x="5627448" y="4905179"/>
+            <a:ext cx="1404151" cy="184666"/>
+          </a:xfrm>
+          <a:prstGeom prst="rect">
+            <a:avLst/>
+          </a:prstGeom>
+          <a:ln w="3175">
+            <a:miter lim="400000"/>
+          </a:ln>
+          <a:extLst>
+            <a:ext uri="{C572A759-6A51-4108-AA02-DFA0A04FC94B}">
+              <ma14:wrappingTextBoxFlag xmlns="" xmlns:ma14="http://schemas.microsoft.com/office/mac/drawingml/2011/main" val="1"/>
+            </a:ext>
+          </a:extLst>
+        </p:spPr>
+        <p:txBody>
+          <a:bodyPr wrap="square" lIns="0" tIns="0" rIns="0" bIns="0">
+            <a:spAutoFit/>
+          </a:bodyPr>
+          <a:lstStyle>
+            <a:lvl1pPr>
+              <a:defRPr sz="900" b="1">
+                <a:latin typeface="Helvetica"/>
+                <a:ea typeface="Helvetica"/>
+                <a:cs typeface="Helvetica"/>
+                <a:sym typeface="Helvetica"/>
+              </a:defRPr>
+            </a:lvl1pPr>
+          </a:lstStyle>
+          <a:p>
+            <a:pPr lvl="0">
+              <a:defRPr sz="1800" b="0"/>
+            </a:pPr>
+            <a:r>
+              <a:rPr lang="en-US" sz="1200" b="0">
+                <a:latin typeface="Arial"/>
+                <a:cs typeface="Arial"/>
+              </a:rPr>
+              <a:t>Scores Core Service</a:t>
+            </a:r>
+          </a:p>
+        </p:txBody>
+      </p:sp>
+      <p:pic>
+        <p:nvPicPr>
+          <p:cNvPr id="9" name="Picture 8">
+            <a:extLst>
+              <a:ext uri="{FF2B5EF4-FFF2-40B4-BE49-F238E27FC236}">
+                <a16:creationId xmlns:a16="http://schemas.microsoft.com/office/drawing/2014/main" id="{AD9008AB-5948-3242-BDA2-08EF35F28222}"/>
+              </a:ext>
+            </a:extLst>
+          </p:cNvPr>
+          <p:cNvPicPr>
+            <a:picLocks noChangeAspect="1"/>
+          </p:cNvPicPr>
+          <p:nvPr/>
+        </p:nvPicPr>
+        <p:blipFill>
+          <a:blip r:embed="rId2"/>
+          <a:stretch>
+            <a:fillRect/>
+          </a:stretch>
+        </p:blipFill>
+        <p:spPr>
+          <a:xfrm>
+            <a:off x="8739640" y="4961247"/>
+            <a:ext cx="697633" cy="697633"/>
+          </a:xfrm>
+          <a:prstGeom prst="rect">
+            <a:avLst/>
+          </a:prstGeom>
+        </p:spPr>
+      </p:pic>
+      <p:sp>
+        <p:nvSpPr>
+          <p:cNvPr id="10" name="TextBox 9">
+            <a:extLst>
+              <a:ext uri="{FF2B5EF4-FFF2-40B4-BE49-F238E27FC236}">
+                <a16:creationId xmlns:a16="http://schemas.microsoft.com/office/drawing/2014/main" id="{A41299AB-026F-484F-AD49-382B5102AB5E}"/>
+              </a:ext>
+            </a:extLst>
+          </p:cNvPr>
+          <p:cNvSpPr txBox="1"/>
+          <p:nvPr/>
+        </p:nvSpPr>
+        <p:spPr>
+          <a:xfrm>
+            <a:off x="8479294" y="5727409"/>
+            <a:ext cx="1218324" cy="264013"/>
+          </a:xfrm>
+          <a:prstGeom prst="rect">
+            <a:avLst/>
+          </a:prstGeom>
+          <a:noFill/>
+          <a:ln w="3175" cap="flat">
+            <a:noFill/>
+            <a:miter lim="400000"/>
+          </a:ln>
+          <a:effectLst/>
+        </p:spPr>
+        <p:style>
+          <a:lnRef idx="0">
+            <a:scrgbClr r="0" g="0" b="0"/>
+          </a:lnRef>
+          <a:fillRef idx="0">
+            <a:scrgbClr r="0" g="0" b="0"/>
+          </a:fillRef>
+          <a:effectRef idx="0">
+            <a:scrgbClr r="0" g="0" b="0"/>
+          </a:effectRef>
+          <a:fontRef idx="none"/>
+        </p:style>
+        <p:txBody>
+          <a:bodyPr rot="0" spcFirstLastPara="1" vertOverflow="overflow" horzOverflow="overflow" vert="horz" wrap="square" lIns="39290" tIns="39290" rIns="39290" bIns="39290" numCol="1" spcCol="38100" rtlCol="0" anchor="ctr">
+            <a:spAutoFit/>
+          </a:bodyPr>
+          <a:lstStyle/>
+          <a:p>
+            <a:pPr marL="0" marR="0" indent="0" defTabSz="584200" rtl="0" fontAlgn="auto" latinLnBrk="1" hangingPunct="0">
+              <a:lnSpc>
+                <a:spcPct val="100000"/>
+              </a:lnSpc>
+              <a:spcBef>
+                <a:spcPts val="0"/>
+              </a:spcBef>
+              <a:spcAft>
+                <a:spcPts val="0"/>
+              </a:spcAft>
+              <a:buClrTx/>
+              <a:buSzTx/>
+              <a:buFontTx/>
+              <a:buNone/>
+              <a:tabLst/>
+            </a:pPr>
+            <a:r>
+              <a:rPr kumimoji="0" lang="en-US" sz="1200" b="0" i="0" u="none" strike="noStrike" cap="none" spc="0" normalizeH="0" baseline="0" dirty="0">
+                <a:ln>
+                  <a:noFill/>
+                </a:ln>
+                <a:solidFill>
+                  <a:srgbClr val="000000"/>
+                </a:solidFill>
+                <a:effectLst/>
+                <a:uFillTx/>
+                <a:latin typeface="Arial"/>
+                <a:ea typeface="+mn-ea"/>
+                <a:cs typeface="Arial"/>
+                <a:sym typeface="Helvetica Light"/>
+              </a:rPr>
+              <a:t>Cloudant</a:t>
+            </a:r>
+          </a:p>
+        </p:txBody>
+      </p:sp>
+      <p:cxnSp>
+        <p:nvCxnSpPr>
+          <p:cNvPr id="11" name="Straight Connector 10">
+            <a:extLst>
+              <a:ext uri="{FF2B5EF4-FFF2-40B4-BE49-F238E27FC236}">
+                <a16:creationId xmlns:a16="http://schemas.microsoft.com/office/drawing/2014/main" id="{6479DAB5-96D0-8240-B001-67D9EC5AFE1A}"/>
+              </a:ext>
+            </a:extLst>
+          </p:cNvPr>
+          <p:cNvCxnSpPr>
+            <a:cxnSpLocks/>
+            <a:stCxn id="17" idx="3"/>
+            <a:endCxn id="9" idx="1"/>
+          </p:cNvCxnSpPr>
+          <p:nvPr/>
+        </p:nvCxnSpPr>
+        <p:spPr>
+          <a:xfrm flipV="1">
+            <a:off x="6774176" y="5310064"/>
+            <a:ext cx="1965464" cy="29559"/>
+          </a:xfrm>
+          <a:prstGeom prst="line">
+            <a:avLst/>
+          </a:prstGeom>
+          <a:noFill/>
+          <a:ln w="34925" cap="flat">
+            <a:solidFill>
+              <a:schemeClr val="bg1">
+                <a:lumMod val="85000"/>
+              </a:schemeClr>
+            </a:solidFill>
+            <a:prstDash val="solid"/>
+            <a:miter lim="400000"/>
+          </a:ln>
+          <a:effectLst/>
+        </p:spPr>
+        <p:style>
+          <a:lnRef idx="0">
+            <a:scrgbClr r="0" g="0" b="0"/>
+          </a:lnRef>
+          <a:fillRef idx="0">
+            <a:scrgbClr r="0" g="0" b="0"/>
+          </a:fillRef>
+          <a:effectRef idx="0">
+            <a:scrgbClr r="0" g="0" b="0"/>
+          </a:effectRef>
+          <a:fontRef idx="none"/>
+        </p:style>
+      </p:cxnSp>
+      <p:sp>
+        <p:nvSpPr>
+          <p:cNvPr id="12" name="TextBox 11">
+            <a:extLst>
+              <a:ext uri="{FF2B5EF4-FFF2-40B4-BE49-F238E27FC236}">
+                <a16:creationId xmlns:a16="http://schemas.microsoft.com/office/drawing/2014/main" id="{09C8459E-2F2C-BC43-A791-514600CB744B}"/>
+              </a:ext>
+            </a:extLst>
+          </p:cNvPr>
+          <p:cNvSpPr txBox="1"/>
+          <p:nvPr/>
+        </p:nvSpPr>
+        <p:spPr>
+          <a:xfrm>
+            <a:off x="4562312" y="4375711"/>
+            <a:ext cx="1789900" cy="294791"/>
+          </a:xfrm>
+          <a:prstGeom prst="rect">
+            <a:avLst/>
+          </a:prstGeom>
+          <a:noFill/>
+          <a:ln w="3175" cap="flat">
+            <a:noFill/>
+            <a:miter lim="400000"/>
+          </a:ln>
+          <a:effectLst/>
+        </p:spPr>
+        <p:style>
+          <a:lnRef idx="0">
+            <a:scrgbClr r="0" g="0" b="0"/>
+          </a:lnRef>
+          <a:fillRef idx="0">
+            <a:scrgbClr r="0" g="0" b="0"/>
+          </a:fillRef>
+          <a:effectRef idx="0">
+            <a:scrgbClr r="0" g="0" b="0"/>
+          </a:effectRef>
+          <a:fontRef idx="none"/>
+        </p:style>
+        <p:txBody>
+          <a:bodyPr rot="0" spcFirstLastPara="1" vertOverflow="overflow" horzOverflow="overflow" vert="horz" wrap="square" lIns="39290" tIns="39290" rIns="39290" bIns="39290" numCol="1" spcCol="38100" rtlCol="0" anchor="ctr">
+            <a:spAutoFit/>
+          </a:bodyPr>
+          <a:lstStyle>
+            <a:lvl1pPr marL="0" marR="0" indent="0" rtl="0" fontAlgn="auto" latinLnBrk="1" hangingPunct="0">
+              <a:lnSpc>
+                <a:spcPct val="100000"/>
+              </a:lnSpc>
+              <a:spcBef>
+                <a:spcPts val="0"/>
+              </a:spcBef>
+              <a:spcAft>
+                <a:spcPts val="0"/>
+              </a:spcAft>
+              <a:buClrTx/>
+              <a:buSzTx/>
+              <a:buFontTx/>
+              <a:buNone/>
+              <a:tabLst/>
+              <a:defRPr kumimoji="0" sz="1400" b="1" i="0" u="none" strike="noStrike" cap="none" spc="0" normalizeH="0" baseline="0">
+                <a:ln>
+                  <a:noFill/>
+                </a:ln>
+                <a:solidFill>
+                  <a:srgbClr val="000000"/>
+                </a:solidFill>
+                <a:effectLst/>
+                <a:uFillTx/>
+                <a:latin typeface="Arial"/>
+                <a:cs typeface="Arial"/>
+              </a:defRPr>
+            </a:lvl1pPr>
+          </a:lstStyle>
+          <a:p>
+            <a:r>
+              <a:rPr lang="en-US" b="0" dirty="0">
+                <a:solidFill>
+                  <a:schemeClr val="accent2"/>
+                </a:solidFill>
+              </a:rPr>
+              <a:t>Scores-Service</a:t>
+            </a:r>
+          </a:p>
+        </p:txBody>
+      </p:sp>
+      <p:pic>
+        <p:nvPicPr>
+          <p:cNvPr id="13" name="Picture 12">
+            <a:extLst>
+              <a:ext uri="{FF2B5EF4-FFF2-40B4-BE49-F238E27FC236}">
+                <a16:creationId xmlns:a16="http://schemas.microsoft.com/office/drawing/2014/main" id="{F92B54F2-A200-F44C-803F-99FF87911870}"/>
+              </a:ext>
+            </a:extLst>
+          </p:cNvPr>
+          <p:cNvPicPr>
+            <a:picLocks noChangeAspect="1"/>
+          </p:cNvPicPr>
+          <p:nvPr/>
+        </p:nvPicPr>
+        <p:blipFill>
+          <a:blip r:embed="rId3">
+            <a:extLst>
+              <a:ext uri="{28A0092B-C50C-407E-A947-70E740481C1C}">
+                <a14:useLocalDpi xmlns:a14="http://schemas.microsoft.com/office/drawing/2010/main" val="0"/>
+              </a:ext>
+            </a:extLst>
+          </a:blip>
+          <a:stretch>
+            <a:fillRect/>
+          </a:stretch>
+        </p:blipFill>
+        <p:spPr>
+          <a:xfrm>
+            <a:off x="4133321" y="4738827"/>
+            <a:ext cx="988582" cy="988582"/>
+          </a:xfrm>
+          <a:prstGeom prst="rect">
+            <a:avLst/>
+          </a:prstGeom>
+        </p:spPr>
+      </p:pic>
+      <p:cxnSp>
+        <p:nvCxnSpPr>
+          <p:cNvPr id="14" name="Straight Connector 13">
+            <a:extLst>
+              <a:ext uri="{FF2B5EF4-FFF2-40B4-BE49-F238E27FC236}">
+                <a16:creationId xmlns:a16="http://schemas.microsoft.com/office/drawing/2014/main" id="{C1D88E78-3F4D-1746-BA47-AB89ED25DF7C}"/>
+              </a:ext>
+            </a:extLst>
+          </p:cNvPr>
+          <p:cNvCxnSpPr>
+            <a:cxnSpLocks/>
+            <a:stCxn id="17" idx="1"/>
+            <a:endCxn id="3" idx="3"/>
+          </p:cNvCxnSpPr>
+          <p:nvPr/>
+        </p:nvCxnSpPr>
+        <p:spPr>
+          <a:xfrm flipH="1">
+            <a:off x="5455557" y="5339623"/>
+            <a:ext cx="429313" cy="11175"/>
+          </a:xfrm>
+          <a:prstGeom prst="line">
+            <a:avLst/>
+          </a:prstGeom>
+          <a:noFill/>
+          <a:ln w="34925" cap="flat">
+            <a:solidFill>
+              <a:schemeClr val="bg1">
+                <a:lumMod val="85000"/>
+              </a:schemeClr>
+            </a:solidFill>
+            <a:prstDash val="solid"/>
+            <a:miter lim="400000"/>
+          </a:ln>
+          <a:effectLst/>
+        </p:spPr>
+        <p:style>
+          <a:lnRef idx="0">
+            <a:scrgbClr r="0" g="0" b="0"/>
+          </a:lnRef>
+          <a:fillRef idx="0">
+            <a:scrgbClr r="0" g="0" b="0"/>
+          </a:fillRef>
+          <a:effectRef idx="0">
+            <a:scrgbClr r="0" g="0" b="0"/>
+          </a:effectRef>
+          <a:fontRef idx="none"/>
+        </p:style>
+      </p:cxnSp>
+      <p:sp>
+        <p:nvSpPr>
+          <p:cNvPr id="15" name="TextBox 14">
+            <a:extLst>
+              <a:ext uri="{FF2B5EF4-FFF2-40B4-BE49-F238E27FC236}">
+                <a16:creationId xmlns:a16="http://schemas.microsoft.com/office/drawing/2014/main" id="{919C2E5C-AB08-8B49-9C06-8B9735F8C13F}"/>
+              </a:ext>
+            </a:extLst>
+          </p:cNvPr>
+          <p:cNvSpPr txBox="1"/>
+          <p:nvPr/>
+        </p:nvSpPr>
+        <p:spPr>
+          <a:xfrm>
+            <a:off x="3850771" y="5651234"/>
+            <a:ext cx="1553681" cy="264013"/>
+          </a:xfrm>
+          <a:prstGeom prst="rect">
+            <a:avLst/>
+          </a:prstGeom>
+          <a:noFill/>
+          <a:ln w="3175" cap="flat">
+            <a:noFill/>
+            <a:miter lim="400000"/>
+          </a:ln>
+          <a:effectLst/>
+        </p:spPr>
+        <p:style>
+          <a:lnRef idx="0">
+            <a:scrgbClr r="0" g="0" b="0"/>
+          </a:lnRef>
+          <a:fillRef idx="0">
+            <a:scrgbClr r="0" g="0" b="0"/>
+          </a:fillRef>
+          <a:effectRef idx="0">
+            <a:scrgbClr r="0" g="0" b="0"/>
+          </a:effectRef>
+          <a:fontRef idx="none"/>
+        </p:style>
+        <p:txBody>
+          <a:bodyPr rot="0" spcFirstLastPara="1" vertOverflow="overflow" horzOverflow="overflow" vert="horz" wrap="square" lIns="39290" tIns="39290" rIns="39290" bIns="39290" numCol="1" spcCol="38100" rtlCol="0" anchor="ctr">
+            <a:spAutoFit/>
+          </a:bodyPr>
+          <a:lstStyle>
+            <a:lvl1pPr marL="0" marR="0" indent="0" rtl="0" fontAlgn="auto" latinLnBrk="1" hangingPunct="0">
+              <a:lnSpc>
+                <a:spcPct val="100000"/>
+              </a:lnSpc>
+              <a:spcBef>
+                <a:spcPts val="0"/>
+              </a:spcBef>
+              <a:spcAft>
+                <a:spcPts val="0"/>
+              </a:spcAft>
+              <a:buClrTx/>
+              <a:buSzTx/>
+              <a:buFontTx/>
+              <a:buNone/>
+              <a:tabLst/>
+              <a:defRPr kumimoji="0" sz="1200" i="0" u="none" strike="noStrike" cap="none" spc="0" normalizeH="0" baseline="0">
+                <a:ln>
+                  <a:noFill/>
+                </a:ln>
+                <a:solidFill>
+                  <a:srgbClr val="000000"/>
+                </a:solidFill>
+                <a:effectLst/>
+                <a:uFillTx/>
+                <a:latin typeface="Arial"/>
+                <a:cs typeface="Arial"/>
+              </a:defRPr>
+            </a:lvl1pPr>
+          </a:lstStyle>
+          <a:p>
+            <a:r>
+              <a:rPr lang="en-US" dirty="0"/>
+              <a:t>Scores Service UI</a:t>
+            </a:r>
+          </a:p>
+        </p:txBody>
+      </p:sp>
+      <p:pic>
+        <p:nvPicPr>
+          <p:cNvPr id="17" name="Picture 16">
+            <a:extLst>
+              <a:ext uri="{FF2B5EF4-FFF2-40B4-BE49-F238E27FC236}">
+                <a16:creationId xmlns:a16="http://schemas.microsoft.com/office/drawing/2014/main" id="{48CD3CFA-9665-4E4D-B1EC-4F4D048A3483}"/>
+              </a:ext>
+            </a:extLst>
+          </p:cNvPr>
+          <p:cNvPicPr>
+            <a:picLocks noChangeAspect="1"/>
+          </p:cNvPicPr>
+          <p:nvPr/>
+        </p:nvPicPr>
+        <p:blipFill>
+          <a:blip r:embed="rId4">
+            <a:extLst>
+              <a:ext uri="{28A0092B-C50C-407E-A947-70E740481C1C}">
+                <a14:useLocalDpi xmlns:a14="http://schemas.microsoft.com/office/drawing/2010/main" val="0"/>
+              </a:ext>
+            </a:extLst>
+          </a:blip>
+          <a:stretch>
+            <a:fillRect/>
+          </a:stretch>
+        </p:blipFill>
+        <p:spPr>
+          <a:xfrm>
+            <a:off x="5884870" y="5067234"/>
+            <a:ext cx="889306" cy="544778"/>
+          </a:xfrm>
+          <a:prstGeom prst="rect">
+            <a:avLst/>
+          </a:prstGeom>
+        </p:spPr>
+      </p:pic>
+      <p:pic>
+        <p:nvPicPr>
+          <p:cNvPr id="25" name="Picture 24">
+            <a:extLst>
+              <a:ext uri="{FF2B5EF4-FFF2-40B4-BE49-F238E27FC236}">
+                <a16:creationId xmlns:a16="http://schemas.microsoft.com/office/drawing/2014/main" id="{BB0CC76B-580A-634D-947C-190CDEDF38BB}"/>
+              </a:ext>
+            </a:extLst>
+          </p:cNvPr>
+          <p:cNvPicPr>
+            <a:picLocks noChangeAspect="1"/>
+          </p:cNvPicPr>
+          <p:nvPr/>
+        </p:nvPicPr>
+        <p:blipFill>
+          <a:blip r:embed="rId5"/>
+          <a:stretch>
+            <a:fillRect/>
+          </a:stretch>
+        </p:blipFill>
+        <p:spPr>
+          <a:xfrm>
+            <a:off x="9045594" y="46004"/>
+            <a:ext cx="797935" cy="723552"/>
+          </a:xfrm>
+          <a:prstGeom prst="rect">
+            <a:avLst/>
+          </a:prstGeom>
+        </p:spPr>
+      </p:pic>
+      <p:pic>
+        <p:nvPicPr>
+          <p:cNvPr id="5" name="Picture 4">
+            <a:extLst>
+              <a:ext uri="{FF2B5EF4-FFF2-40B4-BE49-F238E27FC236}">
+                <a16:creationId xmlns:a16="http://schemas.microsoft.com/office/drawing/2014/main" id="{79F80EC8-AFBF-6D4F-AC14-B7DB5CC86976}"/>
+              </a:ext>
+            </a:extLst>
+          </p:cNvPr>
+          <p:cNvPicPr>
+            <a:picLocks noChangeAspect="1"/>
+          </p:cNvPicPr>
+          <p:nvPr/>
+        </p:nvPicPr>
+        <p:blipFill>
+          <a:blip r:embed="rId6">
+            <a:extLst>
+              <a:ext uri="{28A0092B-C50C-407E-A947-70E740481C1C}">
+                <a14:useLocalDpi xmlns:a14="http://schemas.microsoft.com/office/drawing/2010/main" val="0"/>
+              </a:ext>
+            </a:extLst>
+          </a:blip>
+          <a:stretch>
+            <a:fillRect/>
+          </a:stretch>
+        </p:blipFill>
+        <p:spPr>
+          <a:xfrm>
+            <a:off x="3116031" y="1000831"/>
+            <a:ext cx="742084" cy="742084"/>
+          </a:xfrm>
+          <a:prstGeom prst="rect">
+            <a:avLst/>
+          </a:prstGeom>
+        </p:spPr>
+      </p:pic>
+      <p:sp>
+        <p:nvSpPr>
+          <p:cNvPr id="21" name="TextBox 20">
+            <a:extLst>
+              <a:ext uri="{FF2B5EF4-FFF2-40B4-BE49-F238E27FC236}">
+                <a16:creationId xmlns:a16="http://schemas.microsoft.com/office/drawing/2014/main" id="{AACB7254-17EF-924B-87CC-D955B84B14FF}"/>
+              </a:ext>
+            </a:extLst>
+          </p:cNvPr>
+          <p:cNvSpPr txBox="1"/>
+          <p:nvPr/>
+        </p:nvSpPr>
+        <p:spPr>
+          <a:xfrm>
+            <a:off x="3203859" y="3995332"/>
+            <a:ext cx="776841" cy="294791"/>
+          </a:xfrm>
+          <a:prstGeom prst="rect">
+            <a:avLst/>
+          </a:prstGeom>
+          <a:noFill/>
+          <a:ln w="3175" cap="flat">
+            <a:noFill/>
+            <a:miter lim="400000"/>
+          </a:ln>
+          <a:effectLst/>
+        </p:spPr>
+        <p:style>
+          <a:lnRef idx="0">
+            <a:scrgbClr r="0" g="0" b="0"/>
+          </a:lnRef>
+          <a:fillRef idx="0">
+            <a:scrgbClr r="0" g="0" b="0"/>
+          </a:fillRef>
+          <a:effectRef idx="0">
+            <a:scrgbClr r="0" g="0" b="0"/>
+          </a:effectRef>
+          <a:fontRef idx="none"/>
+        </p:style>
+        <p:txBody>
+          <a:bodyPr rot="0" spcFirstLastPara="1" vertOverflow="overflow" horzOverflow="overflow" vert="horz" wrap="square" lIns="39290" tIns="39290" rIns="39290" bIns="39290" numCol="1" spcCol="38100" rtlCol="0" anchor="ctr">
+            <a:spAutoFit/>
+          </a:bodyPr>
+          <a:lstStyle>
+            <a:lvl1pPr marL="0" marR="0" indent="0" rtl="0" fontAlgn="auto" latinLnBrk="1" hangingPunct="0">
+              <a:lnSpc>
+                <a:spcPct val="100000"/>
+              </a:lnSpc>
+              <a:spcBef>
+                <a:spcPts val="0"/>
+              </a:spcBef>
+              <a:spcAft>
+                <a:spcPts val="0"/>
+              </a:spcAft>
+              <a:buClrTx/>
+              <a:buSzTx/>
+              <a:buFontTx/>
+              <a:buNone/>
+              <a:tabLst/>
+              <a:defRPr kumimoji="0" sz="1400" b="1" i="0" u="none" strike="noStrike" cap="none" spc="0" normalizeH="0" baseline="0">
+                <a:ln>
+                  <a:noFill/>
+                </a:ln>
+                <a:solidFill>
+                  <a:srgbClr val="000000"/>
+                </a:solidFill>
+                <a:effectLst/>
+                <a:uFillTx/>
+                <a:latin typeface="Arial"/>
+                <a:cs typeface="Arial"/>
+              </a:defRPr>
+            </a:lvl1pPr>
+          </a:lstStyle>
+          <a:p>
+            <a:r>
+              <a:rPr lang="en-US" dirty="0"/>
+              <a:t>Pod</a:t>
+            </a:r>
+          </a:p>
+        </p:txBody>
+      </p:sp>
+      <p:sp>
+        <p:nvSpPr>
+          <p:cNvPr id="22" name="TextBox 21">
+            <a:extLst>
+              <a:ext uri="{FF2B5EF4-FFF2-40B4-BE49-F238E27FC236}">
+                <a16:creationId xmlns:a16="http://schemas.microsoft.com/office/drawing/2014/main" id="{58ACD9BC-286C-BF43-8325-98714C65DEE7}"/>
+              </a:ext>
+            </a:extLst>
+          </p:cNvPr>
+          <p:cNvSpPr txBox="1"/>
+          <p:nvPr/>
+        </p:nvSpPr>
+        <p:spPr>
+          <a:xfrm>
+            <a:off x="3823460" y="4383764"/>
+            <a:ext cx="1090529" cy="294791"/>
+          </a:xfrm>
+          <a:prstGeom prst="rect">
+            <a:avLst/>
+          </a:prstGeom>
+          <a:noFill/>
+          <a:ln w="3175" cap="flat">
+            <a:noFill/>
+            <a:miter lim="400000"/>
+          </a:ln>
+          <a:effectLst/>
+        </p:spPr>
+        <p:style>
+          <a:lnRef idx="0">
+            <a:scrgbClr r="0" g="0" b="0"/>
+          </a:lnRef>
+          <a:fillRef idx="0">
+            <a:scrgbClr r="0" g="0" b="0"/>
+          </a:fillRef>
+          <a:effectRef idx="0">
+            <a:scrgbClr r="0" g="0" b="0"/>
+          </a:effectRef>
+          <a:fontRef idx="none"/>
+        </p:style>
+        <p:txBody>
+          <a:bodyPr rot="0" spcFirstLastPara="1" vertOverflow="overflow" horzOverflow="overflow" vert="horz" wrap="square" lIns="39290" tIns="39290" rIns="39290" bIns="39290" numCol="1" spcCol="38100" rtlCol="0" anchor="ctr">
+            <a:spAutoFit/>
+          </a:bodyPr>
+          <a:lstStyle>
+            <a:lvl1pPr marL="0" marR="0" indent="0" rtl="0" fontAlgn="auto" latinLnBrk="1" hangingPunct="0">
+              <a:lnSpc>
+                <a:spcPct val="100000"/>
+              </a:lnSpc>
+              <a:spcBef>
+                <a:spcPts val="0"/>
+              </a:spcBef>
+              <a:spcAft>
+                <a:spcPts val="0"/>
+              </a:spcAft>
+              <a:buClrTx/>
+              <a:buSzTx/>
+              <a:buFontTx/>
+              <a:buNone/>
+              <a:tabLst/>
+              <a:defRPr kumimoji="0" sz="1400" b="1" i="0" u="none" strike="noStrike" cap="none" spc="0" normalizeH="0" baseline="0">
+                <a:ln>
+                  <a:noFill/>
+                </a:ln>
+                <a:solidFill>
+                  <a:srgbClr val="000000"/>
+                </a:solidFill>
+                <a:effectLst/>
+                <a:uFillTx/>
+                <a:latin typeface="Arial"/>
+                <a:cs typeface="Arial"/>
+              </a:defRPr>
+            </a:lvl1pPr>
+          </a:lstStyle>
+          <a:p>
+            <a:r>
+              <a:rPr lang="en-US" dirty="0"/>
+              <a:t>Container</a:t>
+            </a:r>
+          </a:p>
+        </p:txBody>
+      </p:sp>
+      <p:sp>
+        <p:nvSpPr>
+          <p:cNvPr id="24" name="TextBox 23">
+            <a:extLst>
+              <a:ext uri="{FF2B5EF4-FFF2-40B4-BE49-F238E27FC236}">
+                <a16:creationId xmlns:a16="http://schemas.microsoft.com/office/drawing/2014/main" id="{7EA8E086-FDCB-4D48-9CF7-25A3FFDCE4F4}"/>
+              </a:ext>
+            </a:extLst>
+          </p:cNvPr>
+          <p:cNvSpPr txBox="1"/>
+          <p:nvPr/>
+        </p:nvSpPr>
+        <p:spPr>
+          <a:xfrm>
+            <a:off x="3370865" y="1942419"/>
+            <a:ext cx="778659" cy="294791"/>
+          </a:xfrm>
+          <a:prstGeom prst="rect">
+            <a:avLst/>
+          </a:prstGeom>
+          <a:noFill/>
+          <a:ln w="3175" cap="flat">
+            <a:noFill/>
+            <a:miter lim="400000"/>
+          </a:ln>
+          <a:effectLst/>
+        </p:spPr>
+        <p:style>
+          <a:lnRef idx="0">
+            <a:scrgbClr r="0" g="0" b="0"/>
+          </a:lnRef>
+          <a:fillRef idx="0">
+            <a:scrgbClr r="0" g="0" b="0"/>
+          </a:fillRef>
+          <a:effectRef idx="0">
+            <a:scrgbClr r="0" g="0" b="0"/>
+          </a:effectRef>
+          <a:fontRef idx="none"/>
+        </p:style>
+        <p:txBody>
+          <a:bodyPr rot="0" spcFirstLastPara="1" vertOverflow="overflow" horzOverflow="overflow" vert="horz" wrap="square" lIns="39290" tIns="39290" rIns="39290" bIns="39290" numCol="1" spcCol="38100" rtlCol="0" anchor="ctr">
+            <a:spAutoFit/>
+          </a:bodyPr>
+          <a:lstStyle>
+            <a:lvl1pPr marL="0" marR="0" indent="0" rtl="0" fontAlgn="auto" latinLnBrk="1" hangingPunct="0">
+              <a:lnSpc>
+                <a:spcPct val="100000"/>
+              </a:lnSpc>
+              <a:spcBef>
+                <a:spcPts val="0"/>
+              </a:spcBef>
+              <a:spcAft>
+                <a:spcPts val="0"/>
+              </a:spcAft>
+              <a:buClrTx/>
+              <a:buSzTx/>
+              <a:buFontTx/>
+              <a:buNone/>
+              <a:tabLst/>
+              <a:defRPr kumimoji="0" sz="1400" b="1" i="0" u="none" strike="noStrike" cap="none" spc="0" normalizeH="0" baseline="0">
+                <a:ln>
+                  <a:noFill/>
+                </a:ln>
+                <a:solidFill>
+                  <a:srgbClr val="000000"/>
+                </a:solidFill>
+                <a:effectLst/>
+                <a:uFillTx/>
+                <a:latin typeface="Arial"/>
+                <a:cs typeface="Arial"/>
+              </a:defRPr>
+            </a:lvl1pPr>
+          </a:lstStyle>
+          <a:p>
+            <a:r>
+              <a:rPr lang="en-US" dirty="0"/>
+              <a:t>Service</a:t>
+            </a:r>
+          </a:p>
+        </p:txBody>
+      </p:sp>
+      <p:pic>
+        <p:nvPicPr>
+          <p:cNvPr id="26" name="Picture 25">
+            <a:extLst>
+              <a:ext uri="{FF2B5EF4-FFF2-40B4-BE49-F238E27FC236}">
+                <a16:creationId xmlns:a16="http://schemas.microsoft.com/office/drawing/2014/main" id="{0D378F20-CF98-1B42-ADAD-AB5855B7DBC5}"/>
+              </a:ext>
+            </a:extLst>
+          </p:cNvPr>
+          <p:cNvPicPr>
+            <a:picLocks noChangeAspect="1"/>
+          </p:cNvPicPr>
+          <p:nvPr/>
+        </p:nvPicPr>
+        <p:blipFill>
+          <a:blip r:embed="rId7">
+            <a:extLst>
+              <a:ext uri="{28A0092B-C50C-407E-A947-70E740481C1C}">
+                <a14:useLocalDpi xmlns:a14="http://schemas.microsoft.com/office/drawing/2010/main" val="0"/>
+              </a:ext>
+            </a:extLst>
+          </a:blip>
+          <a:stretch>
+            <a:fillRect/>
+          </a:stretch>
+        </p:blipFill>
+        <p:spPr>
+          <a:xfrm>
+            <a:off x="179522" y="1661972"/>
+            <a:ext cx="838018" cy="838018"/>
+          </a:xfrm>
+          <a:prstGeom prst="rect">
+            <a:avLst/>
+          </a:prstGeom>
+        </p:spPr>
+      </p:pic>
+      <p:cxnSp>
+        <p:nvCxnSpPr>
+          <p:cNvPr id="27" name="Straight Connector 26">
+            <a:extLst>
+              <a:ext uri="{FF2B5EF4-FFF2-40B4-BE49-F238E27FC236}">
+                <a16:creationId xmlns:a16="http://schemas.microsoft.com/office/drawing/2014/main" id="{7B63F238-34A2-414A-AB2E-C307B0BD2D89}"/>
+              </a:ext>
+            </a:extLst>
+          </p:cNvPr>
+          <p:cNvCxnSpPr>
+            <a:cxnSpLocks/>
+          </p:cNvCxnSpPr>
+          <p:nvPr/>
+        </p:nvCxnSpPr>
+        <p:spPr>
+          <a:xfrm flipH="1">
+            <a:off x="4299044" y="4729048"/>
+            <a:ext cx="2074" cy="0"/>
+          </a:xfrm>
+          <a:prstGeom prst="line">
+            <a:avLst/>
+          </a:prstGeom>
+          <a:noFill/>
+          <a:ln w="34925" cap="flat">
+            <a:solidFill>
+              <a:schemeClr val="bg1">
+                <a:lumMod val="85000"/>
+              </a:schemeClr>
+            </a:solidFill>
+            <a:prstDash val="solid"/>
+            <a:miter lim="400000"/>
+          </a:ln>
+          <a:effectLst/>
+        </p:spPr>
+        <p:style>
+          <a:lnRef idx="0">
+            <a:scrgbClr r="0" g="0" b="0"/>
+          </a:lnRef>
+          <a:fillRef idx="0">
+            <a:scrgbClr r="0" g="0" b="0"/>
+          </a:fillRef>
+          <a:effectRef idx="0">
+            <a:scrgbClr r="0" g="0" b="0"/>
+          </a:effectRef>
+          <a:fontRef idx="none"/>
+        </p:style>
+      </p:cxnSp>
+      <p:cxnSp>
+        <p:nvCxnSpPr>
+          <p:cNvPr id="28" name="Straight Connector 27">
+            <a:extLst>
+              <a:ext uri="{FF2B5EF4-FFF2-40B4-BE49-F238E27FC236}">
+                <a16:creationId xmlns:a16="http://schemas.microsoft.com/office/drawing/2014/main" id="{6C479864-0623-774E-AE41-484BCF311F42}"/>
+              </a:ext>
+            </a:extLst>
+          </p:cNvPr>
+          <p:cNvCxnSpPr>
+            <a:cxnSpLocks/>
+          </p:cNvCxnSpPr>
+          <p:nvPr/>
+        </p:nvCxnSpPr>
+        <p:spPr>
+          <a:xfrm flipH="1">
+            <a:off x="4451444" y="4881448"/>
+            <a:ext cx="2074" cy="0"/>
+          </a:xfrm>
+          <a:prstGeom prst="line">
+            <a:avLst/>
+          </a:prstGeom>
+          <a:noFill/>
+          <a:ln w="34925" cap="flat">
+            <a:solidFill>
+              <a:schemeClr val="bg1">
+                <a:lumMod val="85000"/>
+              </a:schemeClr>
+            </a:solidFill>
+            <a:prstDash val="solid"/>
+            <a:miter lim="400000"/>
+          </a:ln>
+          <a:effectLst/>
+        </p:spPr>
+        <p:style>
+          <a:lnRef idx="0">
+            <a:scrgbClr r="0" g="0" b="0"/>
+          </a:lnRef>
+          <a:fillRef idx="0">
+            <a:scrgbClr r="0" g="0" b="0"/>
+          </a:fillRef>
+          <a:effectRef idx="0">
+            <a:scrgbClr r="0" g="0" b="0"/>
+          </a:effectRef>
+          <a:fontRef idx="none"/>
+        </p:style>
+      </p:cxnSp>
+      <p:cxnSp>
+        <p:nvCxnSpPr>
+          <p:cNvPr id="29" name="Straight Connector 28">
+            <a:extLst>
+              <a:ext uri="{FF2B5EF4-FFF2-40B4-BE49-F238E27FC236}">
+                <a16:creationId xmlns:a16="http://schemas.microsoft.com/office/drawing/2014/main" id="{96066430-A400-7E43-A198-9F16714F26DF}"/>
+              </a:ext>
+            </a:extLst>
+          </p:cNvPr>
+          <p:cNvCxnSpPr>
+            <a:cxnSpLocks/>
+          </p:cNvCxnSpPr>
+          <p:nvPr/>
+        </p:nvCxnSpPr>
+        <p:spPr>
+          <a:xfrm flipH="1" flipV="1">
+            <a:off x="1014634" y="2080980"/>
+            <a:ext cx="369600" cy="1"/>
+          </a:xfrm>
+          <a:prstGeom prst="line">
+            <a:avLst/>
+          </a:prstGeom>
+          <a:noFill/>
+          <a:ln w="34925" cap="flat">
+            <a:solidFill>
+              <a:schemeClr val="bg1">
+                <a:lumMod val="85000"/>
+              </a:schemeClr>
+            </a:solidFill>
+            <a:prstDash val="solid"/>
+            <a:miter lim="400000"/>
+          </a:ln>
+          <a:effectLst/>
+        </p:spPr>
+        <p:style>
+          <a:lnRef idx="0">
+            <a:scrgbClr r="0" g="0" b="0"/>
+          </a:lnRef>
+          <a:fillRef idx="0">
+            <a:scrgbClr r="0" g="0" b="0"/>
+          </a:fillRef>
+          <a:effectRef idx="0">
+            <a:scrgbClr r="0" g="0" b="0"/>
+          </a:effectRef>
+          <a:fontRef idx="none"/>
+        </p:style>
+      </p:cxnSp>
+      <p:cxnSp>
+        <p:nvCxnSpPr>
+          <p:cNvPr id="30" name="Straight Connector 29">
+            <a:extLst>
+              <a:ext uri="{FF2B5EF4-FFF2-40B4-BE49-F238E27FC236}">
+                <a16:creationId xmlns:a16="http://schemas.microsoft.com/office/drawing/2014/main" id="{F26B9BAB-755D-3146-B220-98716D23868A}"/>
+              </a:ext>
+            </a:extLst>
+          </p:cNvPr>
+          <p:cNvCxnSpPr>
+            <a:cxnSpLocks/>
+          </p:cNvCxnSpPr>
+          <p:nvPr/>
+        </p:nvCxnSpPr>
+        <p:spPr>
+          <a:xfrm>
+            <a:off x="4382123" y="3511378"/>
+            <a:ext cx="0" cy="465457"/>
+          </a:xfrm>
+          <a:prstGeom prst="line">
+            <a:avLst/>
+          </a:prstGeom>
+          <a:noFill/>
+          <a:ln w="34925" cap="flat">
+            <a:solidFill>
+              <a:schemeClr val="bg1">
+                <a:lumMod val="85000"/>
+              </a:schemeClr>
+            </a:solidFill>
+            <a:prstDash val="solid"/>
+            <a:miter lim="400000"/>
+          </a:ln>
+          <a:effectLst/>
+        </p:spPr>
+        <p:style>
+          <a:lnRef idx="0">
+            <a:scrgbClr r="0" g="0" b="0"/>
+          </a:lnRef>
+          <a:fillRef idx="0">
+            <a:scrgbClr r="0" g="0" b="0"/>
+          </a:fillRef>
+          <a:effectRef idx="0">
+            <a:scrgbClr r="0" g="0" b="0"/>
+          </a:effectRef>
+          <a:fontRef idx="none"/>
+        </p:style>
+      </p:cxnSp>
+      <p:sp>
+        <p:nvSpPr>
+          <p:cNvPr id="42" name="Shape 62">
+            <a:extLst>
+              <a:ext uri="{FF2B5EF4-FFF2-40B4-BE49-F238E27FC236}">
+                <a16:creationId xmlns:a16="http://schemas.microsoft.com/office/drawing/2014/main" id="{3D9B0EE4-733C-4242-9F7E-C081D3A20356}"/>
+              </a:ext>
+            </a:extLst>
+          </p:cNvPr>
+          <p:cNvSpPr/>
+          <p:nvPr/>
+        </p:nvSpPr>
+        <p:spPr>
+          <a:xfrm flipV="1">
+            <a:off x="1229133" y="253965"/>
+            <a:ext cx="0" cy="7341881"/>
+          </a:xfrm>
+          <a:prstGeom prst="line">
+            <a:avLst/>
+          </a:prstGeom>
+          <a:ln w="25400">
+            <a:solidFill>
+              <a:schemeClr val="bg1">
+                <a:lumMod val="85000"/>
+              </a:schemeClr>
+            </a:solidFill>
+            <a:miter lim="400000"/>
+          </a:ln>
+        </p:spPr>
+        <p:txBody>
+          <a:bodyPr lIns="0" tIns="0" rIns="0" bIns="0" anchor="ctr"/>
+          <a:lstStyle/>
+          <a:p>
+            <a:pPr lvl="0">
+              <a:defRPr sz="1800"/>
+            </a:pPr>
+            <a:endParaRPr/>
+          </a:p>
+        </p:txBody>
+      </p:sp>
+      <p:sp>
+        <p:nvSpPr>
+          <p:cNvPr id="43" name="Shape 63">
+            <a:extLst>
+              <a:ext uri="{FF2B5EF4-FFF2-40B4-BE49-F238E27FC236}">
+                <a16:creationId xmlns:a16="http://schemas.microsoft.com/office/drawing/2014/main" id="{CCBB4887-ACDC-E84F-9DB2-1FE8E7896EB0}"/>
+              </a:ext>
+            </a:extLst>
+          </p:cNvPr>
+          <p:cNvSpPr/>
+          <p:nvPr/>
+        </p:nvSpPr>
+        <p:spPr>
+          <a:xfrm>
+            <a:off x="214871" y="407780"/>
+            <a:ext cx="820738" cy="246221"/>
+          </a:xfrm>
+          <a:prstGeom prst="rect">
+            <a:avLst/>
+          </a:prstGeom>
+          <a:ln w="3175">
+            <a:miter lim="400000"/>
+          </a:ln>
+          <a:extLst>
+            <a:ext uri="{C572A759-6A51-4108-AA02-DFA0A04FC94B}">
+              <ma14:wrappingTextBoxFlag xmlns="" xmlns:ma14="http://schemas.microsoft.com/office/mac/drawingml/2011/main" val="1"/>
+            </a:ext>
+          </a:extLst>
+        </p:spPr>
+        <p:txBody>
+          <a:bodyPr wrap="none" lIns="0" tIns="0" rIns="0" bIns="0">
+            <a:spAutoFit/>
+          </a:bodyPr>
+          <a:lstStyle>
+            <a:lvl1pPr algn="l">
+              <a:defRPr sz="1000" b="1">
+                <a:solidFill>
+                  <a:srgbClr val="4277BB"/>
+                </a:solidFill>
+                <a:latin typeface="Helvetica"/>
+                <a:ea typeface="Helvetica"/>
+                <a:cs typeface="Helvetica"/>
+                <a:sym typeface="Helvetica"/>
+              </a:defRPr>
+            </a:lvl1pPr>
+          </a:lstStyle>
+          <a:p>
+            <a:pPr lvl="0">
+              <a:defRPr sz="1800" b="0">
+                <a:solidFill>
+                  <a:srgbClr val="000000"/>
+                </a:solidFill>
+              </a:defRPr>
+            </a:pPr>
+            <a:r>
+              <a:rPr lang="de-DE" sz="1600" b="1" dirty="0">
+                <a:solidFill>
+                  <a:schemeClr val="tx1"/>
+                </a:solidFill>
+                <a:latin typeface="Arial"/>
+                <a:cs typeface="Arial"/>
+              </a:rPr>
+              <a:t>Browser</a:t>
+            </a:r>
+            <a:endParaRPr sz="1600" b="1" dirty="0">
+              <a:solidFill>
+                <a:schemeClr val="tx1"/>
+              </a:solidFill>
+              <a:latin typeface="Arial"/>
+              <a:cs typeface="Arial"/>
+            </a:endParaRPr>
+          </a:p>
+        </p:txBody>
+      </p:sp>
+      <p:sp>
+        <p:nvSpPr>
+          <p:cNvPr id="44" name="Shape 64">
+            <a:extLst>
+              <a:ext uri="{FF2B5EF4-FFF2-40B4-BE49-F238E27FC236}">
+                <a16:creationId xmlns:a16="http://schemas.microsoft.com/office/drawing/2014/main" id="{87BB19C4-A058-654B-90C3-79009E25FB48}"/>
+              </a:ext>
+            </a:extLst>
+          </p:cNvPr>
+          <p:cNvSpPr/>
+          <p:nvPr/>
+        </p:nvSpPr>
+        <p:spPr>
+          <a:xfrm>
+            <a:off x="1418372" y="407780"/>
+            <a:ext cx="1014300" cy="246221"/>
+          </a:xfrm>
+          <a:prstGeom prst="rect">
+            <a:avLst/>
+          </a:prstGeom>
+          <a:ln w="3175">
+            <a:miter lim="400000"/>
+          </a:ln>
+          <a:extLst>
+            <a:ext uri="{C572A759-6A51-4108-AA02-DFA0A04FC94B}">
+              <ma14:wrappingTextBoxFlag xmlns="" xmlns:ma14="http://schemas.microsoft.com/office/mac/drawingml/2011/main" val="1"/>
+            </a:ext>
+          </a:extLst>
+        </p:spPr>
+        <p:txBody>
+          <a:bodyPr wrap="none" lIns="0" tIns="0" rIns="0" bIns="0">
+            <a:spAutoFit/>
+          </a:bodyPr>
+          <a:lstStyle>
+            <a:lvl1pPr algn="l">
+              <a:defRPr sz="1000" b="1">
+                <a:solidFill>
+                  <a:srgbClr val="4277BB"/>
+                </a:solidFill>
+                <a:latin typeface="Helvetica"/>
+                <a:ea typeface="Helvetica"/>
+                <a:cs typeface="Helvetica"/>
+                <a:sym typeface="Helvetica"/>
+              </a:defRPr>
+            </a:lvl1pPr>
+          </a:lstStyle>
+          <a:p>
+            <a:pPr lvl="0">
+              <a:defRPr sz="1800" b="0">
+                <a:solidFill>
+                  <a:srgbClr val="000000"/>
+                </a:solidFill>
+              </a:defRPr>
+            </a:pPr>
+            <a:r>
+              <a:rPr lang="de-DE" sz="1600" b="1" dirty="0">
+                <a:solidFill>
+                  <a:srgbClr val="000000"/>
+                </a:solidFill>
+                <a:latin typeface="Arial"/>
+                <a:cs typeface="Arial"/>
+              </a:rPr>
+              <a:t>IBM Cloud </a:t>
+            </a:r>
+            <a:endParaRPr sz="1600" b="1" dirty="0">
+              <a:solidFill>
+                <a:srgbClr val="000000"/>
+              </a:solidFill>
+              <a:latin typeface="Arial"/>
+              <a:cs typeface="Arial"/>
+            </a:endParaRPr>
+          </a:p>
+        </p:txBody>
+      </p:sp>
+      <p:sp>
+        <p:nvSpPr>
+          <p:cNvPr id="57" name="Rectangle 56">
+            <a:extLst>
+              <a:ext uri="{FF2B5EF4-FFF2-40B4-BE49-F238E27FC236}">
+                <a16:creationId xmlns:a16="http://schemas.microsoft.com/office/drawing/2014/main" id="{2BCF1D46-5263-2B4C-A170-6992E689E249}"/>
+              </a:ext>
+            </a:extLst>
+          </p:cNvPr>
+          <p:cNvSpPr/>
+          <p:nvPr/>
+        </p:nvSpPr>
+        <p:spPr>
+          <a:xfrm>
+            <a:off x="8095485" y="3877990"/>
+            <a:ext cx="1802607" cy="695472"/>
+          </a:xfrm>
+          <a:prstGeom prst="rect">
+            <a:avLst/>
+          </a:prstGeom>
+          <a:solidFill>
+            <a:srgbClr val="FFFFFF">
+              <a:alpha val="33000"/>
+            </a:srgbClr>
+          </a:solidFill>
+          <a:ln w="25400">
+            <a:solidFill>
+              <a:srgbClr val="4277BB"/>
+            </a:solidFill>
+            <a:miter lim="400000"/>
+          </a:ln>
+        </p:spPr>
+        <p:txBody>
+          <a:bodyPr lIns="0" tIns="0" rIns="0" bIns="0" rtlCol="0" anchor="ctr"/>
+          <a:lstStyle/>
+          <a:p>
+            <a:pPr algn="ctr"/>
+            <a:endParaRPr lang="de-DE" sz="1800" dirty="0">
+              <a:solidFill>
+                <a:srgbClr val="4277BB"/>
+              </a:solidFill>
+            </a:endParaRPr>
+          </a:p>
+        </p:txBody>
+      </p:sp>
+      <p:sp>
+        <p:nvSpPr>
+          <p:cNvPr id="58" name="TextBox 57">
+            <a:extLst>
+              <a:ext uri="{FF2B5EF4-FFF2-40B4-BE49-F238E27FC236}">
+                <a16:creationId xmlns:a16="http://schemas.microsoft.com/office/drawing/2014/main" id="{0ED2E731-9648-CF4C-BD55-BC315D51ACAE}"/>
+              </a:ext>
+            </a:extLst>
+          </p:cNvPr>
+          <p:cNvSpPr txBox="1"/>
+          <p:nvPr/>
+        </p:nvSpPr>
+        <p:spPr>
+          <a:xfrm>
+            <a:off x="8139823" y="3956450"/>
+            <a:ext cx="1745562" cy="294791"/>
+          </a:xfrm>
+          <a:prstGeom prst="rect">
+            <a:avLst/>
+          </a:prstGeom>
+          <a:noFill/>
+          <a:ln w="3175" cap="flat">
+            <a:noFill/>
+            <a:miter lim="400000"/>
+          </a:ln>
+          <a:effectLst/>
+        </p:spPr>
+        <p:style>
+          <a:lnRef idx="0">
+            <a:scrgbClr r="0" g="0" b="0"/>
+          </a:lnRef>
+          <a:fillRef idx="0">
+            <a:scrgbClr r="0" g="0" b="0"/>
+          </a:fillRef>
+          <a:effectRef idx="0">
+            <a:scrgbClr r="0" g="0" b="0"/>
+          </a:effectRef>
+          <a:fontRef idx="none"/>
+        </p:style>
+        <p:txBody>
+          <a:bodyPr rot="0" spcFirstLastPara="1" vertOverflow="overflow" horzOverflow="overflow" vert="horz" wrap="square" lIns="39290" tIns="39290" rIns="39290" bIns="39290" numCol="1" spcCol="38100" rtlCol="0" anchor="ctr">
+            <a:spAutoFit/>
+          </a:bodyPr>
+          <a:lstStyle>
+            <a:lvl1pPr marL="0" marR="0" indent="0" rtl="0" fontAlgn="auto" latinLnBrk="1" hangingPunct="0">
+              <a:lnSpc>
+                <a:spcPct val="100000"/>
+              </a:lnSpc>
+              <a:spcBef>
+                <a:spcPts val="0"/>
+              </a:spcBef>
+              <a:spcAft>
+                <a:spcPts val="0"/>
+              </a:spcAft>
+              <a:buClrTx/>
+              <a:buSzTx/>
+              <a:buFontTx/>
+              <a:buNone/>
+              <a:tabLst/>
+              <a:defRPr kumimoji="0" sz="1400" b="1" i="0" u="none" strike="noStrike" cap="none" spc="0" normalizeH="0" baseline="0">
+                <a:ln>
+                  <a:noFill/>
+                </a:ln>
+                <a:solidFill>
+                  <a:srgbClr val="000000"/>
+                </a:solidFill>
+                <a:effectLst/>
+                <a:uFillTx/>
+                <a:latin typeface="Arial"/>
+                <a:cs typeface="Arial"/>
+              </a:defRPr>
+            </a:lvl1pPr>
+          </a:lstStyle>
+          <a:p>
+            <a:r>
+              <a:rPr lang="en-US" dirty="0"/>
+              <a:t>Container Registry</a:t>
+            </a:r>
+          </a:p>
+        </p:txBody>
+      </p:sp>
+      <p:cxnSp>
+        <p:nvCxnSpPr>
+          <p:cNvPr id="59" name="Straight Connector 58">
+            <a:extLst>
+              <a:ext uri="{FF2B5EF4-FFF2-40B4-BE49-F238E27FC236}">
+                <a16:creationId xmlns:a16="http://schemas.microsoft.com/office/drawing/2014/main" id="{9D06ED78-660D-2340-BC33-E20E849EDE33}"/>
+              </a:ext>
+            </a:extLst>
+          </p:cNvPr>
+          <p:cNvCxnSpPr>
+            <a:cxnSpLocks/>
+          </p:cNvCxnSpPr>
+          <p:nvPr/>
+        </p:nvCxnSpPr>
+        <p:spPr>
+          <a:xfrm>
+            <a:off x="7593787" y="4268745"/>
+            <a:ext cx="477274" cy="0"/>
+          </a:xfrm>
+          <a:prstGeom prst="line">
+            <a:avLst/>
+          </a:prstGeom>
+          <a:noFill/>
+          <a:ln w="50800" cap="flat">
+            <a:solidFill>
+              <a:schemeClr val="bg1">
+                <a:lumMod val="85000"/>
+              </a:schemeClr>
+            </a:solidFill>
+            <a:prstDash val="solid"/>
+            <a:miter lim="400000"/>
+            <a:headEnd type="none"/>
+            <a:tailEnd type="none"/>
+          </a:ln>
+          <a:effectLst/>
+        </p:spPr>
+        <p:style>
+          <a:lnRef idx="0">
+            <a:scrgbClr r="0" g="0" b="0"/>
+          </a:lnRef>
+          <a:fillRef idx="0">
+            <a:scrgbClr r="0" g="0" b="0"/>
+          </a:fillRef>
+          <a:effectRef idx="0">
+            <a:scrgbClr r="0" g="0" b="0"/>
+          </a:effectRef>
+          <a:fontRef idx="none"/>
+        </p:style>
+      </p:cxnSp>
+      <p:sp>
+        <p:nvSpPr>
+          <p:cNvPr id="60" name="TextBox 59">
+            <a:extLst>
+              <a:ext uri="{FF2B5EF4-FFF2-40B4-BE49-F238E27FC236}">
+                <a16:creationId xmlns:a16="http://schemas.microsoft.com/office/drawing/2014/main" id="{0CFDD702-3855-7D49-A165-AE3954CC8DCB}"/>
+              </a:ext>
+            </a:extLst>
+          </p:cNvPr>
+          <p:cNvSpPr txBox="1"/>
+          <p:nvPr/>
+        </p:nvSpPr>
+        <p:spPr>
+          <a:xfrm>
+            <a:off x="8043398" y="4194737"/>
+            <a:ext cx="1789900" cy="294791"/>
+          </a:xfrm>
+          <a:prstGeom prst="rect">
+            <a:avLst/>
+          </a:prstGeom>
+          <a:noFill/>
+          <a:ln w="3175" cap="flat">
+            <a:noFill/>
+            <a:miter lim="400000"/>
+          </a:ln>
+          <a:effectLst/>
+        </p:spPr>
+        <p:style>
+          <a:lnRef idx="0">
+            <a:scrgbClr r="0" g="0" b="0"/>
+          </a:lnRef>
+          <a:fillRef idx="0">
+            <a:scrgbClr r="0" g="0" b="0"/>
+          </a:fillRef>
+          <a:effectRef idx="0">
+            <a:scrgbClr r="0" g="0" b="0"/>
+          </a:effectRef>
+          <a:fontRef idx="none"/>
+        </p:style>
+        <p:txBody>
+          <a:bodyPr rot="0" spcFirstLastPara="1" vertOverflow="overflow" horzOverflow="overflow" vert="horz" wrap="square" lIns="39290" tIns="39290" rIns="39290" bIns="39290" numCol="1" spcCol="38100" rtlCol="0" anchor="ctr">
+            <a:spAutoFit/>
+          </a:bodyPr>
+          <a:lstStyle>
+            <a:lvl1pPr marL="0" marR="0" indent="0" rtl="0" fontAlgn="auto" latinLnBrk="1" hangingPunct="0">
+              <a:lnSpc>
+                <a:spcPct val="100000"/>
+              </a:lnSpc>
+              <a:spcBef>
+                <a:spcPts val="0"/>
+              </a:spcBef>
+              <a:spcAft>
+                <a:spcPts val="0"/>
+              </a:spcAft>
+              <a:buClrTx/>
+              <a:buSzTx/>
+              <a:buFontTx/>
+              <a:buNone/>
+              <a:tabLst/>
+              <a:defRPr kumimoji="0" sz="1400" b="0" i="0" u="none" strike="noStrike" cap="none" spc="0" normalizeH="0" baseline="0">
+                <a:ln>
+                  <a:noFill/>
+                </a:ln>
+                <a:solidFill>
+                  <a:schemeClr val="accent2"/>
+                </a:solidFill>
+                <a:effectLst/>
+                <a:uFillTx/>
+                <a:latin typeface="Arial"/>
+                <a:cs typeface="Arial"/>
+              </a:defRPr>
+            </a:lvl1pPr>
+          </a:lstStyle>
+          <a:p>
+            <a:r>
+              <a:rPr lang="en-US" dirty="0"/>
+              <a:t>Scores-Service:v1</a:t>
+            </a:r>
+          </a:p>
+        </p:txBody>
+      </p:sp>
+      <p:sp>
+        <p:nvSpPr>
+          <p:cNvPr id="35" name="TextBox 34">
+            <a:extLst>
+              <a:ext uri="{FF2B5EF4-FFF2-40B4-BE49-F238E27FC236}">
+                <a16:creationId xmlns:a16="http://schemas.microsoft.com/office/drawing/2014/main" id="{F3D24177-1819-D84A-993C-45F3EB4851C4}"/>
+              </a:ext>
+            </a:extLst>
+          </p:cNvPr>
+          <p:cNvSpPr txBox="1"/>
+          <p:nvPr/>
+        </p:nvSpPr>
+        <p:spPr>
+          <a:xfrm>
+            <a:off x="3726338" y="3991401"/>
+            <a:ext cx="1789900" cy="294791"/>
+          </a:xfrm>
+          <a:prstGeom prst="rect">
+            <a:avLst/>
+          </a:prstGeom>
+          <a:noFill/>
+          <a:ln w="3175" cap="flat">
+            <a:noFill/>
+            <a:miter lim="400000"/>
+          </a:ln>
+          <a:effectLst/>
+        </p:spPr>
+        <p:style>
+          <a:lnRef idx="0">
+            <a:scrgbClr r="0" g="0" b="0"/>
+          </a:lnRef>
+          <a:fillRef idx="0">
+            <a:scrgbClr r="0" g="0" b="0"/>
+          </a:fillRef>
+          <a:effectRef idx="0">
+            <a:scrgbClr r="0" g="0" b="0"/>
+          </a:effectRef>
+          <a:fontRef idx="none"/>
+        </p:style>
+        <p:txBody>
+          <a:bodyPr rot="0" spcFirstLastPara="1" vertOverflow="overflow" horzOverflow="overflow" vert="horz" wrap="square" lIns="39290" tIns="39290" rIns="39290" bIns="39290" numCol="1" spcCol="38100" rtlCol="0" anchor="ctr">
+            <a:spAutoFit/>
+          </a:bodyPr>
+          <a:lstStyle>
+            <a:lvl1pPr marL="0" marR="0" indent="0" rtl="0" fontAlgn="auto" latinLnBrk="1" hangingPunct="0">
+              <a:lnSpc>
+                <a:spcPct val="100000"/>
+              </a:lnSpc>
+              <a:spcBef>
+                <a:spcPts val="0"/>
+              </a:spcBef>
+              <a:spcAft>
+                <a:spcPts val="0"/>
+              </a:spcAft>
+              <a:buClrTx/>
+              <a:buSzTx/>
+              <a:buFontTx/>
+              <a:buNone/>
+              <a:tabLst/>
+              <a:defRPr kumimoji="0" sz="1400" b="1" i="0" u="none" strike="noStrike" cap="none" spc="0" normalizeH="0" baseline="0">
+                <a:ln>
+                  <a:noFill/>
+                </a:ln>
+                <a:solidFill>
+                  <a:srgbClr val="000000"/>
+                </a:solidFill>
+                <a:effectLst/>
+                <a:uFillTx/>
+                <a:latin typeface="Arial"/>
+                <a:cs typeface="Arial"/>
+              </a:defRPr>
+            </a:lvl1pPr>
+          </a:lstStyle>
+          <a:p>
+            <a:r>
+              <a:rPr lang="en-US" b="0" dirty="0">
+                <a:solidFill>
+                  <a:schemeClr val="accent2"/>
+                </a:solidFill>
+              </a:rPr>
+              <a:t>Scores-Service-XYZ</a:t>
+            </a:r>
+          </a:p>
+        </p:txBody>
+      </p:sp>
+      <p:sp>
+        <p:nvSpPr>
+          <p:cNvPr id="40" name="TextBox 39">
+            <a:extLst>
+              <a:ext uri="{FF2B5EF4-FFF2-40B4-BE49-F238E27FC236}">
+                <a16:creationId xmlns:a16="http://schemas.microsoft.com/office/drawing/2014/main" id="{271BAD0D-EDEE-B548-89C5-1906AB68897B}"/>
+              </a:ext>
+            </a:extLst>
+          </p:cNvPr>
+          <p:cNvSpPr txBox="1"/>
+          <p:nvPr/>
+        </p:nvSpPr>
+        <p:spPr>
+          <a:xfrm>
+            <a:off x="3253282" y="3225134"/>
+            <a:ext cx="1340683" cy="294791"/>
+          </a:xfrm>
+          <a:prstGeom prst="rect">
+            <a:avLst/>
+          </a:prstGeom>
+          <a:noFill/>
+          <a:ln w="3175" cap="flat">
+            <a:noFill/>
+            <a:miter lim="400000"/>
+          </a:ln>
+          <a:effectLst/>
+        </p:spPr>
+        <p:style>
+          <a:lnRef idx="0">
+            <a:scrgbClr r="0" g="0" b="0"/>
+          </a:lnRef>
+          <a:fillRef idx="0">
+            <a:scrgbClr r="0" g="0" b="0"/>
+          </a:fillRef>
+          <a:effectRef idx="0">
+            <a:scrgbClr r="0" g="0" b="0"/>
+          </a:effectRef>
+          <a:fontRef idx="none"/>
+        </p:style>
+        <p:txBody>
+          <a:bodyPr rot="0" spcFirstLastPara="1" vertOverflow="overflow" horzOverflow="overflow" vert="horz" wrap="square" lIns="39290" tIns="39290" rIns="39290" bIns="39290" numCol="1" spcCol="38100" rtlCol="0" anchor="ctr">
+            <a:spAutoFit/>
+          </a:bodyPr>
+          <a:lstStyle>
+            <a:lvl1pPr marL="0" marR="0" indent="0" rtl="0" fontAlgn="auto" latinLnBrk="1" hangingPunct="0">
+              <a:lnSpc>
+                <a:spcPct val="100000"/>
+              </a:lnSpc>
+              <a:spcBef>
+                <a:spcPts val="0"/>
+              </a:spcBef>
+              <a:spcAft>
+                <a:spcPts val="0"/>
+              </a:spcAft>
+              <a:buClrTx/>
+              <a:buSzTx/>
+              <a:buFontTx/>
+              <a:buNone/>
+              <a:tabLst/>
+              <a:defRPr kumimoji="0" sz="1400" b="1" i="0" u="none" strike="noStrike" cap="none" spc="0" normalizeH="0" baseline="0">
+                <a:ln>
+                  <a:noFill/>
+                </a:ln>
+                <a:solidFill>
+                  <a:srgbClr val="000000"/>
+                </a:solidFill>
+                <a:effectLst/>
+                <a:uFillTx/>
+                <a:latin typeface="Arial"/>
+                <a:cs typeface="Arial"/>
+              </a:defRPr>
+            </a:lvl1pPr>
+          </a:lstStyle>
+          <a:p>
+            <a:r>
+              <a:rPr lang="en-US" dirty="0"/>
+              <a:t>Deployment</a:t>
+            </a:r>
+          </a:p>
+        </p:txBody>
+      </p:sp>
+      <p:sp>
+        <p:nvSpPr>
+          <p:cNvPr id="41" name="TextBox 40">
+            <a:extLst>
+              <a:ext uri="{FF2B5EF4-FFF2-40B4-BE49-F238E27FC236}">
+                <a16:creationId xmlns:a16="http://schemas.microsoft.com/office/drawing/2014/main" id="{06D7C75C-A34B-D24C-875C-A7BAF696533E}"/>
+              </a:ext>
+            </a:extLst>
+          </p:cNvPr>
+          <p:cNvSpPr txBox="1"/>
+          <p:nvPr/>
+        </p:nvSpPr>
+        <p:spPr>
+          <a:xfrm>
+            <a:off x="4220061" y="3226175"/>
+            <a:ext cx="1789900" cy="294791"/>
+          </a:xfrm>
+          <a:prstGeom prst="rect">
+            <a:avLst/>
+          </a:prstGeom>
+          <a:noFill/>
+          <a:ln w="3175" cap="flat">
+            <a:noFill/>
+            <a:miter lim="400000"/>
+          </a:ln>
+          <a:effectLst/>
+        </p:spPr>
+        <p:style>
+          <a:lnRef idx="0">
+            <a:scrgbClr r="0" g="0" b="0"/>
+          </a:lnRef>
+          <a:fillRef idx="0">
+            <a:scrgbClr r="0" g="0" b="0"/>
+          </a:fillRef>
+          <a:effectRef idx="0">
+            <a:scrgbClr r="0" g="0" b="0"/>
+          </a:effectRef>
+          <a:fontRef idx="none"/>
+        </p:style>
+        <p:txBody>
+          <a:bodyPr rot="0" spcFirstLastPara="1" vertOverflow="overflow" horzOverflow="overflow" vert="horz" wrap="square" lIns="39290" tIns="39290" rIns="39290" bIns="39290" numCol="1" spcCol="38100" rtlCol="0" anchor="ctr">
+            <a:spAutoFit/>
+          </a:bodyPr>
+          <a:lstStyle>
+            <a:lvl1pPr marL="0" marR="0" indent="0" rtl="0" fontAlgn="auto" latinLnBrk="1" hangingPunct="0">
+              <a:lnSpc>
+                <a:spcPct val="100000"/>
+              </a:lnSpc>
+              <a:spcBef>
+                <a:spcPts val="0"/>
+              </a:spcBef>
+              <a:spcAft>
+                <a:spcPts val="0"/>
+              </a:spcAft>
+              <a:buClrTx/>
+              <a:buSzTx/>
+              <a:buFontTx/>
+              <a:buNone/>
+              <a:tabLst/>
+              <a:defRPr kumimoji="0" sz="1400" b="1" i="0" u="none" strike="noStrike" cap="none" spc="0" normalizeH="0" baseline="0">
+                <a:ln>
+                  <a:noFill/>
+                </a:ln>
+                <a:solidFill>
+                  <a:srgbClr val="000000"/>
+                </a:solidFill>
+                <a:effectLst/>
+                <a:uFillTx/>
+                <a:latin typeface="Arial"/>
+                <a:cs typeface="Arial"/>
+              </a:defRPr>
+            </a:lvl1pPr>
+          </a:lstStyle>
+          <a:p>
+            <a:r>
+              <a:rPr lang="en-US" b="0" dirty="0">
+                <a:solidFill>
+                  <a:schemeClr val="accent2"/>
+                </a:solidFill>
+              </a:rPr>
+              <a:t>Scores-Service</a:t>
+            </a:r>
+          </a:p>
+        </p:txBody>
+      </p:sp>
+      <p:sp>
+        <p:nvSpPr>
+          <p:cNvPr id="45" name="TextBox 44">
+            <a:extLst>
+              <a:ext uri="{FF2B5EF4-FFF2-40B4-BE49-F238E27FC236}">
+                <a16:creationId xmlns:a16="http://schemas.microsoft.com/office/drawing/2014/main" id="{6A6C6EB2-D3B8-A647-BAAB-C7FE53E07C99}"/>
+              </a:ext>
+            </a:extLst>
+          </p:cNvPr>
+          <p:cNvSpPr txBox="1"/>
+          <p:nvPr/>
+        </p:nvSpPr>
+        <p:spPr>
+          <a:xfrm>
+            <a:off x="4012124" y="1945337"/>
+            <a:ext cx="1621390" cy="294791"/>
+          </a:xfrm>
+          <a:prstGeom prst="rect">
+            <a:avLst/>
+          </a:prstGeom>
+          <a:noFill/>
+          <a:ln w="3175" cap="flat">
+            <a:noFill/>
+            <a:miter lim="400000"/>
+          </a:ln>
+          <a:effectLst/>
+        </p:spPr>
+        <p:style>
+          <a:lnRef idx="0">
+            <a:scrgbClr r="0" g="0" b="0"/>
+          </a:lnRef>
+          <a:fillRef idx="0">
+            <a:scrgbClr r="0" g="0" b="0"/>
+          </a:fillRef>
+          <a:effectRef idx="0">
+            <a:scrgbClr r="0" g="0" b="0"/>
+          </a:effectRef>
+          <a:fontRef idx="none"/>
+        </p:style>
+        <p:txBody>
+          <a:bodyPr rot="0" spcFirstLastPara="1" vertOverflow="overflow" horzOverflow="overflow" vert="horz" wrap="square" lIns="39290" tIns="39290" rIns="39290" bIns="39290" numCol="1" spcCol="38100" rtlCol="0" anchor="ctr">
+            <a:spAutoFit/>
+          </a:bodyPr>
+          <a:lstStyle>
+            <a:lvl1pPr marL="0" marR="0" indent="0" rtl="0" fontAlgn="auto" latinLnBrk="1" hangingPunct="0">
+              <a:lnSpc>
+                <a:spcPct val="100000"/>
+              </a:lnSpc>
+              <a:spcBef>
+                <a:spcPts val="0"/>
+              </a:spcBef>
+              <a:spcAft>
+                <a:spcPts val="0"/>
+              </a:spcAft>
+              <a:buClrTx/>
+              <a:buSzTx/>
+              <a:buFontTx/>
+              <a:buNone/>
+              <a:tabLst/>
+              <a:defRPr kumimoji="0" sz="1400" b="1" i="0" u="none" strike="noStrike" cap="none" spc="0" normalizeH="0" baseline="0">
+                <a:ln>
+                  <a:noFill/>
+                </a:ln>
+                <a:solidFill>
+                  <a:srgbClr val="000000"/>
+                </a:solidFill>
+                <a:effectLst/>
+                <a:uFillTx/>
+                <a:latin typeface="Arial"/>
+                <a:cs typeface="Arial"/>
+              </a:defRPr>
+            </a:lvl1pPr>
+          </a:lstStyle>
+          <a:p>
+            <a:r>
+              <a:rPr lang="en-US" b="0" dirty="0">
+                <a:solidFill>
+                  <a:schemeClr val="accent2"/>
+                </a:solidFill>
+              </a:rPr>
+              <a:t>Scores-Service-</a:t>
+            </a:r>
+            <a:r>
+              <a:rPr lang="en-US" b="0" dirty="0" err="1">
+                <a:solidFill>
+                  <a:schemeClr val="accent2"/>
+                </a:solidFill>
+              </a:rPr>
+              <a:t>lb</a:t>
+            </a:r>
+            <a:r>
+              <a:rPr lang="en-US" b="0" dirty="0">
+                <a:solidFill>
+                  <a:schemeClr val="accent2"/>
+                </a:solidFill>
+              </a:rPr>
+              <a:t> </a:t>
+            </a:r>
+          </a:p>
+        </p:txBody>
+      </p:sp>
+      <p:sp>
+        <p:nvSpPr>
+          <p:cNvPr id="47" name="Rectangle 46">
+            <a:extLst>
+              <a:ext uri="{FF2B5EF4-FFF2-40B4-BE49-F238E27FC236}">
+                <a16:creationId xmlns:a16="http://schemas.microsoft.com/office/drawing/2014/main" id="{8CE7DD82-7044-F94A-A9BF-A482F8404F15}"/>
+              </a:ext>
+            </a:extLst>
+          </p:cNvPr>
+          <p:cNvSpPr/>
+          <p:nvPr/>
+        </p:nvSpPr>
+        <p:spPr>
+          <a:xfrm>
+            <a:off x="1361916" y="1803173"/>
+            <a:ext cx="1467770" cy="1154223"/>
+          </a:xfrm>
+          <a:prstGeom prst="rect">
+            <a:avLst/>
+          </a:prstGeom>
+          <a:solidFill>
+            <a:srgbClr val="FFFFFF">
+              <a:alpha val="33000"/>
+            </a:srgbClr>
+          </a:solidFill>
+          <a:ln w="25400">
+            <a:solidFill>
+              <a:srgbClr val="4277BB"/>
+            </a:solidFill>
+            <a:miter lim="400000"/>
+          </a:ln>
+        </p:spPr>
+        <p:txBody>
+          <a:bodyPr lIns="0" tIns="0" rIns="0" bIns="0" rtlCol="0" anchor="ctr"/>
+          <a:lstStyle/>
+          <a:p>
+            <a:endParaRPr lang="de-DE" sz="1800" dirty="0">
+              <a:solidFill>
+                <a:srgbClr val="4277BB"/>
+              </a:solidFill>
+            </a:endParaRPr>
+          </a:p>
+        </p:txBody>
+      </p:sp>
+      <p:sp>
+        <p:nvSpPr>
+          <p:cNvPr id="48" name="TextBox 47">
+            <a:extLst>
+              <a:ext uri="{FF2B5EF4-FFF2-40B4-BE49-F238E27FC236}">
+                <a16:creationId xmlns:a16="http://schemas.microsoft.com/office/drawing/2014/main" id="{DDAC5333-A4EB-984C-BAB5-2D971DFD3F62}"/>
+              </a:ext>
+            </a:extLst>
+          </p:cNvPr>
+          <p:cNvSpPr txBox="1"/>
+          <p:nvPr/>
+        </p:nvSpPr>
+        <p:spPr>
+          <a:xfrm>
+            <a:off x="1384234" y="1810052"/>
+            <a:ext cx="1401113" cy="294791"/>
+          </a:xfrm>
+          <a:prstGeom prst="rect">
+            <a:avLst/>
+          </a:prstGeom>
+          <a:noFill/>
+          <a:ln w="3175" cap="flat">
+            <a:noFill/>
+            <a:miter lim="400000"/>
+          </a:ln>
+          <a:effectLst/>
+        </p:spPr>
+        <p:style>
+          <a:lnRef idx="0">
+            <a:scrgbClr r="0" g="0" b="0"/>
+          </a:lnRef>
+          <a:fillRef idx="0">
+            <a:scrgbClr r="0" g="0" b="0"/>
+          </a:fillRef>
+          <a:effectRef idx="0">
+            <a:scrgbClr r="0" g="0" b="0"/>
+          </a:effectRef>
+          <a:fontRef idx="none"/>
+        </p:style>
+        <p:txBody>
+          <a:bodyPr rot="0" spcFirstLastPara="1" vertOverflow="overflow" horzOverflow="overflow" vert="horz" wrap="square" lIns="39290" tIns="39290" rIns="39290" bIns="39290" numCol="1" spcCol="38100" rtlCol="0" anchor="ctr">
+            <a:spAutoFit/>
+          </a:bodyPr>
+          <a:lstStyle>
+            <a:lvl1pPr marL="0" marR="0" indent="0" rtl="0" fontAlgn="auto" latinLnBrk="1" hangingPunct="0">
+              <a:lnSpc>
+                <a:spcPct val="100000"/>
+              </a:lnSpc>
+              <a:spcBef>
+                <a:spcPts val="0"/>
+              </a:spcBef>
+              <a:spcAft>
+                <a:spcPts val="0"/>
+              </a:spcAft>
+              <a:buClrTx/>
+              <a:buSzTx/>
+              <a:buFontTx/>
+              <a:buNone/>
+              <a:tabLst/>
+              <a:defRPr kumimoji="0" sz="1400" b="1" i="0" u="none" strike="noStrike" cap="none" spc="0" normalizeH="0" baseline="0">
+                <a:ln>
+                  <a:noFill/>
+                </a:ln>
+                <a:solidFill>
+                  <a:srgbClr val="000000"/>
+                </a:solidFill>
+                <a:effectLst/>
+                <a:uFillTx/>
+                <a:latin typeface="Arial"/>
+                <a:cs typeface="Arial"/>
+              </a:defRPr>
+            </a:lvl1pPr>
+          </a:lstStyle>
+          <a:p>
+            <a:r>
+              <a:rPr lang="en-US"/>
+              <a:t>Load balancer</a:t>
+            </a:r>
+            <a:endParaRPr lang="en-US" dirty="0"/>
+          </a:p>
+        </p:txBody>
+      </p:sp>
+      <p:cxnSp>
+        <p:nvCxnSpPr>
+          <p:cNvPr id="64" name="Straight Connector 63">
+            <a:extLst>
+              <a:ext uri="{FF2B5EF4-FFF2-40B4-BE49-F238E27FC236}">
+                <a16:creationId xmlns:a16="http://schemas.microsoft.com/office/drawing/2014/main" id="{84C21AC3-B7CA-5B48-BF6F-09AD3B40FC84}"/>
+              </a:ext>
+            </a:extLst>
+          </p:cNvPr>
+          <p:cNvCxnSpPr>
+            <a:cxnSpLocks/>
+          </p:cNvCxnSpPr>
+          <p:nvPr/>
+        </p:nvCxnSpPr>
+        <p:spPr>
+          <a:xfrm>
+            <a:off x="6293552" y="3006995"/>
+            <a:ext cx="0" cy="969840"/>
+          </a:xfrm>
+          <a:prstGeom prst="line">
+            <a:avLst/>
+          </a:prstGeom>
+          <a:noFill/>
+          <a:ln w="34925" cap="flat">
+            <a:solidFill>
+              <a:schemeClr val="bg1">
+                <a:lumMod val="85000"/>
+              </a:schemeClr>
+            </a:solidFill>
+            <a:prstDash val="solid"/>
+            <a:miter lim="400000"/>
+          </a:ln>
+          <a:effectLst/>
+        </p:spPr>
+        <p:style>
+          <a:lnRef idx="0">
+            <a:scrgbClr r="0" g="0" b="0"/>
+          </a:lnRef>
+          <a:fillRef idx="0">
+            <a:scrgbClr r="0" g="0" b="0"/>
+          </a:fillRef>
+          <a:effectRef idx="0">
+            <a:scrgbClr r="0" g="0" b="0"/>
+          </a:effectRef>
+          <a:fontRef idx="none"/>
+        </p:style>
+      </p:cxnSp>
+      <p:cxnSp>
+        <p:nvCxnSpPr>
+          <p:cNvPr id="67" name="Straight Connector 66">
+            <a:extLst>
+              <a:ext uri="{FF2B5EF4-FFF2-40B4-BE49-F238E27FC236}">
+                <a16:creationId xmlns:a16="http://schemas.microsoft.com/office/drawing/2014/main" id="{46DDCCE5-0B5B-C947-8D88-6BE00F2DFE93}"/>
+              </a:ext>
+            </a:extLst>
+          </p:cNvPr>
+          <p:cNvCxnSpPr>
+            <a:cxnSpLocks/>
+          </p:cNvCxnSpPr>
+          <p:nvPr/>
+        </p:nvCxnSpPr>
+        <p:spPr>
+          <a:xfrm>
+            <a:off x="2841095" y="2472820"/>
+            <a:ext cx="506825" cy="0"/>
+          </a:xfrm>
+          <a:prstGeom prst="line">
+            <a:avLst/>
+          </a:prstGeom>
+          <a:noFill/>
+          <a:ln w="34925" cap="flat">
+            <a:solidFill>
+              <a:schemeClr val="bg1">
+                <a:lumMod val="85000"/>
+              </a:schemeClr>
+            </a:solidFill>
+            <a:prstDash val="solid"/>
+            <a:miter lim="400000"/>
+          </a:ln>
+          <a:effectLst/>
+        </p:spPr>
+        <p:style>
+          <a:lnRef idx="0">
+            <a:scrgbClr r="0" g="0" b="0"/>
+          </a:lnRef>
+          <a:fillRef idx="0">
+            <a:scrgbClr r="0" g="0" b="0"/>
+          </a:fillRef>
+          <a:effectRef idx="0">
+            <a:scrgbClr r="0" g="0" b="0"/>
+          </a:effectRef>
+          <a:fontRef idx="none"/>
+        </p:style>
+      </p:cxnSp>
+      <p:sp>
+        <p:nvSpPr>
+          <p:cNvPr id="2" name="TextBox 1">
+            <a:extLst>
+              <a:ext uri="{FF2B5EF4-FFF2-40B4-BE49-F238E27FC236}">
+                <a16:creationId xmlns:a16="http://schemas.microsoft.com/office/drawing/2014/main" id="{B9ED9143-1FD2-784D-843A-661EF6A0F04B}"/>
+              </a:ext>
+            </a:extLst>
+          </p:cNvPr>
+          <p:cNvSpPr txBox="1"/>
+          <p:nvPr/>
+        </p:nvSpPr>
+        <p:spPr>
+          <a:xfrm>
+            <a:off x="5575095" y="1942726"/>
+            <a:ext cx="929406" cy="294791"/>
+          </a:xfrm>
+          <a:prstGeom prst="rect">
+            <a:avLst/>
+          </a:prstGeom>
+          <a:noFill/>
+          <a:ln w="3175" cap="flat">
+            <a:noFill/>
+            <a:miter lim="400000"/>
+          </a:ln>
+          <a:effectLst/>
+        </p:spPr>
+        <p:style>
+          <a:lnRef idx="0">
+            <a:scrgbClr r="0" g="0" b="0"/>
+          </a:lnRef>
+          <a:fillRef idx="0">
+            <a:scrgbClr r="0" g="0" b="0"/>
+          </a:fillRef>
+          <a:effectRef idx="0">
+            <a:scrgbClr r="0" g="0" b="0"/>
+          </a:effectRef>
+          <a:fontRef idx="none"/>
+        </p:style>
+        <p:txBody>
+          <a:bodyPr rot="0" spcFirstLastPara="1" vertOverflow="overflow" horzOverflow="overflow" vert="horz" wrap="square" lIns="39290" tIns="39290" rIns="39290" bIns="39290" numCol="1" spcCol="38100" rtlCol="0" anchor="ctr">
+            <a:spAutoFit/>
+          </a:bodyPr>
+          <a:lstStyle>
+            <a:lvl1pPr marL="0" marR="0" indent="0" rtl="0" fontAlgn="auto" latinLnBrk="1" hangingPunct="0">
+              <a:lnSpc>
+                <a:spcPct val="100000"/>
+              </a:lnSpc>
+              <a:spcBef>
+                <a:spcPts val="0"/>
+              </a:spcBef>
+              <a:spcAft>
+                <a:spcPts val="0"/>
+              </a:spcAft>
+              <a:buClrTx/>
+              <a:buSzTx/>
+              <a:buFontTx/>
+              <a:buNone/>
+              <a:tabLst/>
+              <a:defRPr kumimoji="0" sz="1400" b="0" i="0" u="none" strike="noStrike" cap="none" spc="0" normalizeH="0" baseline="0">
+                <a:ln>
+                  <a:noFill/>
+                </a:ln>
+                <a:solidFill>
+                  <a:schemeClr val="accent2"/>
+                </a:solidFill>
+                <a:effectLst/>
+                <a:uFillTx/>
+                <a:latin typeface="Arial"/>
+                <a:cs typeface="Arial"/>
+              </a:defRPr>
+            </a:lvl1pPr>
+          </a:lstStyle>
+          <a:p>
+            <a:r>
+              <a:rPr lang="en-US" dirty="0"/>
+              <a:t>Port:80</a:t>
+            </a:r>
+          </a:p>
+        </p:txBody>
+      </p:sp>
+      <p:sp>
+        <p:nvSpPr>
+          <p:cNvPr id="46" name="TextBox 45">
+            <a:extLst>
+              <a:ext uri="{FF2B5EF4-FFF2-40B4-BE49-F238E27FC236}">
+                <a16:creationId xmlns:a16="http://schemas.microsoft.com/office/drawing/2014/main" id="{69BC09FE-16CA-D847-93C6-7E9825FC3E15}"/>
+              </a:ext>
+            </a:extLst>
+          </p:cNvPr>
+          <p:cNvSpPr txBox="1"/>
+          <p:nvPr/>
+        </p:nvSpPr>
+        <p:spPr>
+          <a:xfrm>
+            <a:off x="1208110" y="2005333"/>
+            <a:ext cx="1502125" cy="294791"/>
+          </a:xfrm>
+          <a:prstGeom prst="rect">
+            <a:avLst/>
+          </a:prstGeom>
+          <a:noFill/>
+          <a:ln w="3175" cap="flat">
+            <a:noFill/>
+            <a:miter lim="400000"/>
+          </a:ln>
+          <a:effectLst/>
+        </p:spPr>
+        <p:style>
+          <a:lnRef idx="0">
+            <a:scrgbClr r="0" g="0" b="0"/>
+          </a:lnRef>
+          <a:fillRef idx="0">
+            <a:scrgbClr r="0" g="0" b="0"/>
+          </a:fillRef>
+          <a:effectRef idx="0">
+            <a:scrgbClr r="0" g="0" b="0"/>
+          </a:effectRef>
+          <a:fontRef idx="none"/>
+        </p:style>
+        <p:txBody>
+          <a:bodyPr rot="0" spcFirstLastPara="1" vertOverflow="overflow" horzOverflow="overflow" vert="horz" wrap="square" lIns="39290" tIns="39290" rIns="39290" bIns="39290" numCol="1" spcCol="38100" rtlCol="0" anchor="ctr">
+            <a:spAutoFit/>
+          </a:bodyPr>
+          <a:lstStyle>
+            <a:lvl1pPr marL="0" marR="0" indent="0" rtl="0" fontAlgn="auto" latinLnBrk="1" hangingPunct="0">
+              <a:lnSpc>
+                <a:spcPct val="100000"/>
+              </a:lnSpc>
+              <a:spcBef>
+                <a:spcPts val="0"/>
+              </a:spcBef>
+              <a:spcAft>
+                <a:spcPts val="0"/>
+              </a:spcAft>
+              <a:buClrTx/>
+              <a:buSzTx/>
+              <a:buFontTx/>
+              <a:buNone/>
+              <a:tabLst/>
+              <a:defRPr kumimoji="0" sz="1400" b="0" i="0" u="none" strike="noStrike" cap="none" spc="0" normalizeH="0" baseline="0">
+                <a:ln>
+                  <a:noFill/>
+                </a:ln>
+                <a:solidFill>
+                  <a:schemeClr val="accent2"/>
+                </a:solidFill>
+                <a:effectLst/>
+                <a:uFillTx/>
+                <a:latin typeface="Arial"/>
+                <a:cs typeface="Arial"/>
+              </a:defRPr>
+            </a:lvl1pPr>
+          </a:lstStyle>
+          <a:p>
+            <a:r>
+              <a:rPr lang="en-US" dirty="0"/>
+              <a:t>IP: Port: 80</a:t>
+            </a:r>
+          </a:p>
+        </p:txBody>
+      </p:sp>
+      <p:sp>
+        <p:nvSpPr>
+          <p:cNvPr id="50" name="TextBox 49">
+            <a:extLst>
+              <a:ext uri="{FF2B5EF4-FFF2-40B4-BE49-F238E27FC236}">
+                <a16:creationId xmlns:a16="http://schemas.microsoft.com/office/drawing/2014/main" id="{31F98080-BCA8-E949-B032-05D0033EB310}"/>
+              </a:ext>
+            </a:extLst>
+          </p:cNvPr>
+          <p:cNvSpPr txBox="1"/>
+          <p:nvPr/>
+        </p:nvSpPr>
+        <p:spPr>
+          <a:xfrm>
+            <a:off x="6227472" y="4385232"/>
+            <a:ext cx="929406" cy="294791"/>
+          </a:xfrm>
+          <a:prstGeom prst="rect">
+            <a:avLst/>
+          </a:prstGeom>
+          <a:noFill/>
+          <a:ln w="3175" cap="flat">
+            <a:noFill/>
+            <a:miter lim="400000"/>
+          </a:ln>
+          <a:effectLst/>
+        </p:spPr>
+        <p:style>
+          <a:lnRef idx="0">
+            <a:scrgbClr r="0" g="0" b="0"/>
+          </a:lnRef>
+          <a:fillRef idx="0">
+            <a:scrgbClr r="0" g="0" b="0"/>
+          </a:fillRef>
+          <a:effectRef idx="0">
+            <a:scrgbClr r="0" g="0" b="0"/>
+          </a:effectRef>
+          <a:fontRef idx="none"/>
+        </p:style>
+        <p:txBody>
+          <a:bodyPr rot="0" spcFirstLastPara="1" vertOverflow="overflow" horzOverflow="overflow" vert="horz" wrap="square" lIns="39290" tIns="39290" rIns="39290" bIns="39290" numCol="1" spcCol="38100" rtlCol="0" anchor="ctr">
+            <a:spAutoFit/>
+          </a:bodyPr>
+          <a:lstStyle>
+            <a:lvl1pPr marL="0" marR="0" indent="0" rtl="0" fontAlgn="auto" latinLnBrk="1" hangingPunct="0">
+              <a:lnSpc>
+                <a:spcPct val="100000"/>
+              </a:lnSpc>
+              <a:spcBef>
+                <a:spcPts val="0"/>
+              </a:spcBef>
+              <a:spcAft>
+                <a:spcPts val="0"/>
+              </a:spcAft>
+              <a:buClrTx/>
+              <a:buSzTx/>
+              <a:buFontTx/>
+              <a:buNone/>
+              <a:tabLst/>
+              <a:defRPr kumimoji="0" sz="1400" b="0" i="0" u="none" strike="noStrike" cap="none" spc="0" normalizeH="0" baseline="0">
+                <a:ln>
+                  <a:noFill/>
+                </a:ln>
+                <a:solidFill>
+                  <a:schemeClr val="accent2"/>
+                </a:solidFill>
+                <a:effectLst/>
+                <a:uFillTx/>
+                <a:latin typeface="Arial"/>
+                <a:cs typeface="Arial"/>
+              </a:defRPr>
+            </a:lvl1pPr>
+          </a:lstStyle>
+          <a:p>
+            <a:r>
+              <a:rPr lang="en-US" dirty="0"/>
+              <a:t>Port: 3000</a:t>
+            </a:r>
+          </a:p>
+        </p:txBody>
+      </p:sp>
+      <p:sp>
+        <p:nvSpPr>
+          <p:cNvPr id="8" name="Oval 7">
+            <a:extLst>
+              <a:ext uri="{FF2B5EF4-FFF2-40B4-BE49-F238E27FC236}">
+                <a16:creationId xmlns:a16="http://schemas.microsoft.com/office/drawing/2014/main" id="{59DF80E6-1F91-D64B-97B3-69CF602B9B4A}"/>
+              </a:ext>
+            </a:extLst>
+          </p:cNvPr>
+          <p:cNvSpPr/>
+          <p:nvPr/>
+        </p:nvSpPr>
+        <p:spPr>
+          <a:xfrm>
+            <a:off x="1253209" y="1994043"/>
+            <a:ext cx="1423432" cy="352521"/>
+          </a:xfrm>
+          <a:prstGeom prst="ellipse">
+            <a:avLst/>
+          </a:prstGeom>
+          <a:ln w="25400">
+            <a:solidFill>
+              <a:srgbClr val="4277BB"/>
+            </a:solidFill>
+            <a:miter lim="400000"/>
+          </a:ln>
+        </p:spPr>
+        <p:txBody>
+          <a:bodyPr lIns="0" tIns="0" rIns="0" bIns="0" rtlCol="0" anchor="ctr"/>
+          <a:lstStyle/>
+          <a:p>
+            <a:pPr algn="ctr"/>
+            <a:endParaRPr lang="en-US" sz="1800">
+              <a:solidFill>
+                <a:srgbClr val="4277BB"/>
+              </a:solidFill>
+            </a:endParaRPr>
+          </a:p>
+        </p:txBody>
+      </p:sp>
+      <p:sp>
+        <p:nvSpPr>
+          <p:cNvPr id="51" name="Oval 50">
+            <a:extLst>
+              <a:ext uri="{FF2B5EF4-FFF2-40B4-BE49-F238E27FC236}">
+                <a16:creationId xmlns:a16="http://schemas.microsoft.com/office/drawing/2014/main" id="{7211B763-C25D-2D43-8EF8-3F54D61506A1}"/>
+              </a:ext>
+            </a:extLst>
+          </p:cNvPr>
+          <p:cNvSpPr/>
+          <p:nvPr/>
+        </p:nvSpPr>
+        <p:spPr>
+          <a:xfrm>
+            <a:off x="5627449" y="1921751"/>
+            <a:ext cx="929406" cy="352521"/>
+          </a:xfrm>
+          <a:prstGeom prst="ellipse">
+            <a:avLst/>
+          </a:prstGeom>
+          <a:ln w="25400">
+            <a:solidFill>
+              <a:srgbClr val="4277BB"/>
+            </a:solidFill>
+            <a:miter lim="400000"/>
+          </a:ln>
+        </p:spPr>
+        <p:txBody>
+          <a:bodyPr lIns="0" tIns="0" rIns="0" bIns="0" rtlCol="0" anchor="ctr"/>
+          <a:lstStyle/>
+          <a:p>
+            <a:pPr algn="ctr"/>
+            <a:endParaRPr lang="en-US" sz="1800">
+              <a:solidFill>
+                <a:srgbClr val="4277BB"/>
+              </a:solidFill>
+            </a:endParaRPr>
+          </a:p>
+        </p:txBody>
+      </p:sp>
+      <p:sp>
+        <p:nvSpPr>
+          <p:cNvPr id="61" name="Oval 60">
+            <a:extLst>
+              <a:ext uri="{FF2B5EF4-FFF2-40B4-BE49-F238E27FC236}">
+                <a16:creationId xmlns:a16="http://schemas.microsoft.com/office/drawing/2014/main" id="{E2F8F716-1CC0-4740-8DC5-26AFEB1C426B}"/>
+              </a:ext>
+            </a:extLst>
+          </p:cNvPr>
+          <p:cNvSpPr/>
+          <p:nvPr/>
+        </p:nvSpPr>
+        <p:spPr>
+          <a:xfrm>
+            <a:off x="6159357" y="4344495"/>
+            <a:ext cx="1090529" cy="352521"/>
+          </a:xfrm>
+          <a:prstGeom prst="ellipse">
+            <a:avLst/>
+          </a:prstGeom>
+          <a:ln w="25400">
+            <a:solidFill>
+              <a:srgbClr val="4277BB"/>
+            </a:solidFill>
+            <a:miter lim="400000"/>
+          </a:ln>
+        </p:spPr>
+        <p:txBody>
+          <a:bodyPr lIns="0" tIns="0" rIns="0" bIns="0" rtlCol="0" anchor="ctr"/>
+          <a:lstStyle/>
+          <a:p>
+            <a:pPr algn="ctr"/>
+            <a:endParaRPr lang="en-US" sz="1800">
+              <a:solidFill>
+                <a:srgbClr val="4277BB"/>
+              </a:solidFill>
+            </a:endParaRPr>
+          </a:p>
+        </p:txBody>
+      </p:sp>
+      <p:cxnSp>
+        <p:nvCxnSpPr>
+          <p:cNvPr id="23" name="Curved Connector 22">
+            <a:extLst>
+              <a:ext uri="{FF2B5EF4-FFF2-40B4-BE49-F238E27FC236}">
+                <a16:creationId xmlns:a16="http://schemas.microsoft.com/office/drawing/2014/main" id="{682CC54E-C1E5-194A-8AB0-B60AAB2A7717}"/>
+              </a:ext>
+            </a:extLst>
+          </p:cNvPr>
+          <p:cNvCxnSpPr>
+            <a:cxnSpLocks/>
+            <a:stCxn id="8" idx="0"/>
+            <a:endCxn id="51" idx="0"/>
+          </p:cNvCxnSpPr>
+          <p:nvPr/>
+        </p:nvCxnSpPr>
+        <p:spPr>
+          <a:xfrm rot="5400000" flipH="1" flipV="1">
+            <a:off x="3992392" y="-105716"/>
+            <a:ext cx="72292" cy="4127227"/>
+          </a:xfrm>
+          <a:prstGeom prst="curvedConnector3">
+            <a:avLst>
+              <a:gd name="adj1" fmla="val 416218"/>
+            </a:avLst>
+          </a:prstGeom>
+          <a:noFill/>
+          <a:ln w="28575" cap="flat">
+            <a:solidFill>
+              <a:schemeClr val="accent2"/>
+            </a:solidFill>
+            <a:prstDash val="solid"/>
+            <a:miter lim="400000"/>
+            <a:tailEnd type="triangle"/>
+          </a:ln>
+          <a:effectLst/>
+        </p:spPr>
+        <p:style>
+          <a:lnRef idx="0">
+            <a:scrgbClr r="0" g="0" b="0"/>
+          </a:lnRef>
+          <a:fillRef idx="0">
+            <a:scrgbClr r="0" g="0" b="0"/>
+          </a:fillRef>
+          <a:effectRef idx="0">
+            <a:scrgbClr r="0" g="0" b="0"/>
+          </a:effectRef>
+          <a:fontRef idx="none"/>
+        </p:style>
+      </p:cxnSp>
+      <p:cxnSp>
+        <p:nvCxnSpPr>
+          <p:cNvPr id="63" name="Curved Connector 62">
+            <a:extLst>
+              <a:ext uri="{FF2B5EF4-FFF2-40B4-BE49-F238E27FC236}">
+                <a16:creationId xmlns:a16="http://schemas.microsoft.com/office/drawing/2014/main" id="{0CB97E30-A1E0-8E4F-BA9D-072C8333143D}"/>
+              </a:ext>
+            </a:extLst>
+          </p:cNvPr>
+          <p:cNvCxnSpPr>
+            <a:cxnSpLocks/>
+            <a:stCxn id="51" idx="6"/>
+            <a:endCxn id="61" idx="6"/>
+          </p:cNvCxnSpPr>
+          <p:nvPr/>
+        </p:nvCxnSpPr>
+        <p:spPr>
+          <a:xfrm>
+            <a:off x="6556855" y="2098012"/>
+            <a:ext cx="693031" cy="2422744"/>
+          </a:xfrm>
+          <a:prstGeom prst="curvedConnector3">
+            <a:avLst>
+              <a:gd name="adj1" fmla="val 132986"/>
+            </a:avLst>
+          </a:prstGeom>
+          <a:noFill/>
+          <a:ln w="28575" cap="flat">
+            <a:solidFill>
+              <a:schemeClr val="accent2"/>
+            </a:solidFill>
+            <a:prstDash val="solid"/>
+            <a:miter lim="400000"/>
+            <a:tailEnd type="triangle"/>
+          </a:ln>
+          <a:effectLst/>
+        </p:spPr>
+        <p:style>
+          <a:lnRef idx="0">
+            <a:scrgbClr r="0" g="0" b="0"/>
+          </a:lnRef>
+          <a:fillRef idx="0">
+            <a:scrgbClr r="0" g="0" b="0"/>
+          </a:fillRef>
+          <a:effectRef idx="0">
+            <a:scrgbClr r="0" g="0" b="0"/>
+          </a:effectRef>
+          <a:fontRef idx="none"/>
+        </p:style>
+      </p:cxnSp>
+      <p:pic>
+        <p:nvPicPr>
+          <p:cNvPr id="74" name="Picture 73">
+            <a:extLst>
+              <a:ext uri="{FF2B5EF4-FFF2-40B4-BE49-F238E27FC236}">
+                <a16:creationId xmlns:a16="http://schemas.microsoft.com/office/drawing/2014/main" id="{8833EFEE-3F4D-F345-8B84-8721A6419E63}"/>
+              </a:ext>
+            </a:extLst>
+          </p:cNvPr>
+          <p:cNvPicPr>
+            <a:picLocks noChangeAspect="1"/>
+          </p:cNvPicPr>
+          <p:nvPr/>
+        </p:nvPicPr>
+        <p:blipFill>
+          <a:blip r:embed="rId8"/>
+          <a:stretch>
+            <a:fillRect/>
+          </a:stretch>
+        </p:blipFill>
+        <p:spPr>
+          <a:xfrm>
+            <a:off x="1472052" y="2367374"/>
+            <a:ext cx="1103151" cy="576090"/>
+          </a:xfrm>
+          <a:prstGeom prst="rect">
+            <a:avLst/>
+          </a:prstGeom>
+        </p:spPr>
+      </p:pic>
+      <p:pic>
+        <p:nvPicPr>
+          <p:cNvPr id="75" name="Picture 74">
+            <a:extLst>
+              <a:ext uri="{FF2B5EF4-FFF2-40B4-BE49-F238E27FC236}">
+                <a16:creationId xmlns:a16="http://schemas.microsoft.com/office/drawing/2014/main" id="{A9E9FF5B-A693-D149-9717-D8874B1A513E}"/>
+              </a:ext>
+            </a:extLst>
+          </p:cNvPr>
+          <p:cNvPicPr>
+            <a:picLocks noChangeAspect="1"/>
+          </p:cNvPicPr>
+          <p:nvPr/>
+        </p:nvPicPr>
+        <p:blipFill>
+          <a:blip r:embed="rId9"/>
+          <a:stretch>
+            <a:fillRect/>
+          </a:stretch>
+        </p:blipFill>
+        <p:spPr>
+          <a:xfrm>
+            <a:off x="3419787" y="2327952"/>
+            <a:ext cx="1274201" cy="611096"/>
+          </a:xfrm>
+          <a:prstGeom prst="rect">
+            <a:avLst/>
+          </a:prstGeom>
+        </p:spPr>
+      </p:pic>
+    </p:spTree>
+    <p:extLst>
+      <p:ext uri="{BB962C8B-B14F-4D97-AF65-F5344CB8AC3E}">
+        <p14:creationId xmlns:p14="http://schemas.microsoft.com/office/powerpoint/2010/main" val="3684538382"/>
+      </p:ext>
+    </p:extLst>
+  </p:cSld>
+  <p:clrMapOvr>
+    <a:masterClrMapping/>
+  </p:clrMapOvr>
+  <p:transition spd="med"/>
+</p:sld>
+</file>
+
 <file path=ppt/slides/slide3.xml><?xml version="1.0" encoding="utf-8"?>
 <p:sld xmlns:a="http://schemas.openxmlformats.org/drawingml/2006/main" xmlns:r="http://schemas.openxmlformats.org/officeDocument/2006/relationships" xmlns:p="http://schemas.openxmlformats.org/presentationml/2006/main">
   <p:cSld>
@@ -32009,7 +38893,7 @@
             <a:effectLst/>
             <a:extLst>
               <a:ext uri="{C572A759-6A51-4108-AA02-DFA0A04FC94B}">
-                <ma14:wrappingTextBoxFlag xmlns:ma14="http://schemas.microsoft.com/office/mac/drawingml/2011/main" xmlns="" val="1"/>
+                <ma14:wrappingTextBoxFlag xmlns="" xmlns:ma14="http://schemas.microsoft.com/office/mac/drawingml/2011/main" val="1"/>
               </a:ext>
             </a:extLst>
           </p:spPr>
@@ -32236,7 +39120,7 @@
             </a:ln>
             <a:extLst>
               <a:ext uri="{C572A759-6A51-4108-AA02-DFA0A04FC94B}">
-                <ma14:wrappingTextBoxFlag xmlns:ma14="http://schemas.microsoft.com/office/mac/drawingml/2011/main" xmlns="" val="1"/>
+                <ma14:wrappingTextBoxFlag xmlns="" xmlns:ma14="http://schemas.microsoft.com/office/mac/drawingml/2011/main" val="1"/>
               </a:ext>
             </a:extLst>
           </p:spPr>
@@ -32387,7 +39271,7 @@
             </a:ln>
             <a:extLst>
               <a:ext uri="{C572A759-6A51-4108-AA02-DFA0A04FC94B}">
-                <ma14:wrappingTextBoxFlag xmlns:ma14="http://schemas.microsoft.com/office/mac/drawingml/2011/main" xmlns="" val="1"/>
+                <ma14:wrappingTextBoxFlag xmlns="" xmlns:ma14="http://schemas.microsoft.com/office/mac/drawingml/2011/main" val="1"/>
               </a:ext>
             </a:extLst>
           </p:spPr>
@@ -32491,7 +39375,7 @@
             </a:ln>
             <a:extLst>
               <a:ext uri="{C572A759-6A51-4108-AA02-DFA0A04FC94B}">
-                <ma14:wrappingTextBoxFlag xmlns:ma14="http://schemas.microsoft.com/office/mac/drawingml/2011/main" xmlns="" val="1"/>
+                <ma14:wrappingTextBoxFlag xmlns="" xmlns:ma14="http://schemas.microsoft.com/office/mac/drawingml/2011/main" val="1"/>
               </a:ext>
             </a:extLst>
           </p:spPr>
@@ -32795,7 +39679,7 @@
             </a:ln>
             <a:extLst>
               <a:ext uri="{C572A759-6A51-4108-AA02-DFA0A04FC94B}">
-                <ma14:wrappingTextBoxFlag xmlns:ma14="http://schemas.microsoft.com/office/mac/drawingml/2011/main" xmlns="" val="1"/>
+                <ma14:wrappingTextBoxFlag xmlns="" xmlns:ma14="http://schemas.microsoft.com/office/mac/drawingml/2011/main" val="1"/>
               </a:ext>
             </a:extLst>
           </p:spPr>
@@ -33396,7 +40280,7 @@
             <a:effectLst/>
             <a:extLst>
               <a:ext uri="{C572A759-6A51-4108-AA02-DFA0A04FC94B}">
-                <ma14:wrappingTextBoxFlag xmlns:ma14="http://schemas.microsoft.com/office/mac/drawingml/2011/main" xmlns="" val="1"/>
+                <ma14:wrappingTextBoxFlag xmlns="" xmlns:ma14="http://schemas.microsoft.com/office/mac/drawingml/2011/main" val="1"/>
               </a:ext>
             </a:extLst>
           </p:spPr>
@@ -33548,7 +40432,7 @@
             <a:effectLst/>
             <a:extLst>
               <a:ext uri="{C572A759-6A51-4108-AA02-DFA0A04FC94B}">
-                <ma14:wrappingTextBoxFlag xmlns:ma14="http://schemas.microsoft.com/office/mac/drawingml/2011/main" xmlns="" val="1"/>
+                <ma14:wrappingTextBoxFlag xmlns="" xmlns:ma14="http://schemas.microsoft.com/office/mac/drawingml/2011/main" val="1"/>
               </a:ext>
             </a:extLst>
           </p:spPr>
@@ -33656,7 +40540,7 @@
           <a:effectLst/>
           <a:extLst>
             <a:ext uri="{C572A759-6A51-4108-AA02-DFA0A04FC94B}">
-              <ma14:wrappingTextBoxFlag xmlns:ma14="http://schemas.microsoft.com/office/mac/drawingml/2011/main" xmlns="" val="1"/>
+              <ma14:wrappingTextBoxFlag xmlns="" xmlns:ma14="http://schemas.microsoft.com/office/mac/drawingml/2011/main" val="1"/>
             </a:ext>
           </a:extLst>
         </p:spPr>
@@ -34009,7 +40893,7 @@
             </a:ln>
             <a:extLst>
               <a:ext uri="{C572A759-6A51-4108-AA02-DFA0A04FC94B}">
-                <ma14:wrappingTextBoxFlag xmlns:ma14="http://schemas.microsoft.com/office/mac/drawingml/2011/main" xmlns="" val="1"/>
+                <ma14:wrappingTextBoxFlag xmlns="" xmlns:ma14="http://schemas.microsoft.com/office/mac/drawingml/2011/main" val="1"/>
               </a:ext>
             </a:extLst>
           </p:spPr>
@@ -34241,7 +41125,7 @@
             </a:ln>
             <a:extLst>
               <a:ext uri="{C572A759-6A51-4108-AA02-DFA0A04FC94B}">
-                <ma14:wrappingTextBoxFlag xmlns:ma14="http://schemas.microsoft.com/office/mac/drawingml/2011/main" xmlns="" val="1"/>
+                <ma14:wrappingTextBoxFlag xmlns="" xmlns:ma14="http://schemas.microsoft.com/office/mac/drawingml/2011/main" val="1"/>
               </a:ext>
             </a:extLst>
           </p:spPr>
@@ -34488,7 +41372,7 @@
           </a:ln>
           <a:extLst>
             <a:ext uri="{C572A759-6A51-4108-AA02-DFA0A04FC94B}">
-              <ma14:wrappingTextBoxFlag xmlns:ma14="http://schemas.microsoft.com/office/mac/drawingml/2011/main" xmlns="" val="1"/>
+              <ma14:wrappingTextBoxFlag xmlns="" xmlns:ma14="http://schemas.microsoft.com/office/mac/drawingml/2011/main" val="1"/>
             </a:ext>
           </a:extLst>
         </p:spPr>
@@ -34556,7 +41440,7 @@
           </a:ln>
           <a:extLst>
             <a:ext uri="{C572A759-6A51-4108-AA02-DFA0A04FC94B}">
-              <ma14:wrappingTextBoxFlag xmlns:ma14="http://schemas.microsoft.com/office/mac/drawingml/2011/main" xmlns="" val="1"/>
+              <ma14:wrappingTextBoxFlag xmlns="" xmlns:ma14="http://schemas.microsoft.com/office/mac/drawingml/2011/main" val="1"/>
             </a:ext>
           </a:extLst>
         </p:spPr>
@@ -34920,7 +41804,7 @@
             </a:ln>
             <a:extLst>
               <a:ext uri="{C572A759-6A51-4108-AA02-DFA0A04FC94B}">
-                <ma14:wrappingTextBoxFlag xmlns:ma14="http://schemas.microsoft.com/office/mac/drawingml/2011/main" xmlns="" val="1"/>
+                <ma14:wrappingTextBoxFlag xmlns="" xmlns:ma14="http://schemas.microsoft.com/office/mac/drawingml/2011/main" val="1"/>
               </a:ext>
             </a:extLst>
           </p:spPr>
@@ -35121,7 +42005,7 @@
           <a:effectLst/>
           <a:extLst>
             <a:ext uri="{C572A759-6A51-4108-AA02-DFA0A04FC94B}">
-              <ma14:wrappingTextBoxFlag xmlns:ma14="http://schemas.microsoft.com/office/mac/drawingml/2011/main" xmlns="" val="1"/>
+              <ma14:wrappingTextBoxFlag xmlns="" xmlns:ma14="http://schemas.microsoft.com/office/mac/drawingml/2011/main" val="1"/>
             </a:ext>
           </a:extLst>
         </p:spPr>
@@ -35392,7 +42276,7 @@
             <a:effectLst/>
             <a:extLst>
               <a:ext uri="{C572A759-6A51-4108-AA02-DFA0A04FC94B}">
-                <ma14:wrappingTextBoxFlag xmlns:ma14="http://schemas.microsoft.com/office/mac/drawingml/2011/main" xmlns="" val="1"/>
+                <ma14:wrappingTextBoxFlag xmlns="" xmlns:ma14="http://schemas.microsoft.com/office/mac/drawingml/2011/main" val="1"/>
               </a:ext>
             </a:extLst>
           </p:spPr>
@@ -35619,7 +42503,7 @@
             </a:ln>
             <a:extLst>
               <a:ext uri="{C572A759-6A51-4108-AA02-DFA0A04FC94B}">
-                <ma14:wrappingTextBoxFlag xmlns:ma14="http://schemas.microsoft.com/office/mac/drawingml/2011/main" xmlns="" val="1"/>
+                <ma14:wrappingTextBoxFlag xmlns="" xmlns:ma14="http://schemas.microsoft.com/office/mac/drawingml/2011/main" val="1"/>
               </a:ext>
             </a:extLst>
           </p:spPr>
@@ -35770,7 +42654,7 @@
             </a:ln>
             <a:extLst>
               <a:ext uri="{C572A759-6A51-4108-AA02-DFA0A04FC94B}">
-                <ma14:wrappingTextBoxFlag xmlns:ma14="http://schemas.microsoft.com/office/mac/drawingml/2011/main" xmlns="" val="1"/>
+                <ma14:wrappingTextBoxFlag xmlns="" xmlns:ma14="http://schemas.microsoft.com/office/mac/drawingml/2011/main" val="1"/>
               </a:ext>
             </a:extLst>
           </p:spPr>
@@ -35874,7 +42758,7 @@
             </a:ln>
             <a:extLst>
               <a:ext uri="{C572A759-6A51-4108-AA02-DFA0A04FC94B}">
-                <ma14:wrappingTextBoxFlag xmlns:ma14="http://schemas.microsoft.com/office/mac/drawingml/2011/main" xmlns="" val="1"/>
+                <ma14:wrappingTextBoxFlag xmlns="" xmlns:ma14="http://schemas.microsoft.com/office/mac/drawingml/2011/main" val="1"/>
               </a:ext>
             </a:extLst>
           </p:spPr>
@@ -36178,7 +43062,7 @@
             </a:ln>
             <a:extLst>
               <a:ext uri="{C572A759-6A51-4108-AA02-DFA0A04FC94B}">
-                <ma14:wrappingTextBoxFlag xmlns:ma14="http://schemas.microsoft.com/office/mac/drawingml/2011/main" xmlns="" val="1"/>
+                <ma14:wrappingTextBoxFlag xmlns="" xmlns:ma14="http://schemas.microsoft.com/office/mac/drawingml/2011/main" val="1"/>
               </a:ext>
             </a:extLst>
           </p:spPr>
@@ -36704,7 +43588,7 @@
             <a:effectLst/>
             <a:extLst>
               <a:ext uri="{C572A759-6A51-4108-AA02-DFA0A04FC94B}">
-                <ma14:wrappingTextBoxFlag xmlns:ma14="http://schemas.microsoft.com/office/mac/drawingml/2011/main" xmlns="" val="1"/>
+                <ma14:wrappingTextBoxFlag xmlns="" xmlns:ma14="http://schemas.microsoft.com/office/mac/drawingml/2011/main" val="1"/>
               </a:ext>
             </a:extLst>
           </p:spPr>
@@ -36856,7 +43740,7 @@
             <a:effectLst/>
             <a:extLst>
               <a:ext uri="{C572A759-6A51-4108-AA02-DFA0A04FC94B}">
-                <ma14:wrappingTextBoxFlag xmlns:ma14="http://schemas.microsoft.com/office/mac/drawingml/2011/main" xmlns="" val="1"/>
+                <ma14:wrappingTextBoxFlag xmlns="" xmlns:ma14="http://schemas.microsoft.com/office/mac/drawingml/2011/main" val="1"/>
               </a:ext>
             </a:extLst>
           </p:spPr>
@@ -36964,7 +43848,7 @@
           <a:effectLst/>
           <a:extLst>
             <a:ext uri="{C572A759-6A51-4108-AA02-DFA0A04FC94B}">
-              <ma14:wrappingTextBoxFlag xmlns:ma14="http://schemas.microsoft.com/office/mac/drawingml/2011/main" xmlns="" val="1"/>
+              <ma14:wrappingTextBoxFlag xmlns="" xmlns:ma14="http://schemas.microsoft.com/office/mac/drawingml/2011/main" val="1"/>
             </a:ext>
           </a:extLst>
         </p:spPr>
@@ -37317,7 +44201,7 @@
             </a:ln>
             <a:extLst>
               <a:ext uri="{C572A759-6A51-4108-AA02-DFA0A04FC94B}">
-                <ma14:wrappingTextBoxFlag xmlns:ma14="http://schemas.microsoft.com/office/mac/drawingml/2011/main" xmlns="" val="1"/>
+                <ma14:wrappingTextBoxFlag xmlns="" xmlns:ma14="http://schemas.microsoft.com/office/mac/drawingml/2011/main" val="1"/>
               </a:ext>
             </a:extLst>
           </p:spPr>
@@ -37549,7 +44433,7 @@
             </a:ln>
             <a:extLst>
               <a:ext uri="{C572A759-6A51-4108-AA02-DFA0A04FC94B}">
-                <ma14:wrappingTextBoxFlag xmlns:ma14="http://schemas.microsoft.com/office/mac/drawingml/2011/main" xmlns="" val="1"/>
+                <ma14:wrappingTextBoxFlag xmlns="" xmlns:ma14="http://schemas.microsoft.com/office/mac/drawingml/2011/main" val="1"/>
               </a:ext>
             </a:extLst>
           </p:spPr>
@@ -37796,7 +44680,7 @@
           </a:ln>
           <a:extLst>
             <a:ext uri="{C572A759-6A51-4108-AA02-DFA0A04FC94B}">
-              <ma14:wrappingTextBoxFlag xmlns:ma14="http://schemas.microsoft.com/office/mac/drawingml/2011/main" xmlns="" val="1"/>
+              <ma14:wrappingTextBoxFlag xmlns="" xmlns:ma14="http://schemas.microsoft.com/office/mac/drawingml/2011/main" val="1"/>
             </a:ext>
           </a:extLst>
         </p:spPr>
@@ -37864,7 +44748,7 @@
           </a:ln>
           <a:extLst>
             <a:ext uri="{C572A759-6A51-4108-AA02-DFA0A04FC94B}">
-              <ma14:wrappingTextBoxFlag xmlns:ma14="http://schemas.microsoft.com/office/mac/drawingml/2011/main" xmlns="" val="1"/>
+              <ma14:wrappingTextBoxFlag xmlns="" xmlns:ma14="http://schemas.microsoft.com/office/mac/drawingml/2011/main" val="1"/>
             </a:ext>
           </a:extLst>
         </p:spPr>
@@ -38710,7 +45594,7 @@
           </a:ln>
           <a:extLst>
             <a:ext uri="{C572A759-6A51-4108-AA02-DFA0A04FC94B}">
-              <ma14:wrappingTextBoxFlag xmlns:ma14="http://schemas.microsoft.com/office/mac/drawingml/2011/main" xmlns="" val="1"/>
+              <ma14:wrappingTextBoxFlag xmlns="" xmlns:ma14="http://schemas.microsoft.com/office/mac/drawingml/2011/main" val="1"/>
             </a:ext>
           </a:extLst>
         </p:spPr>
@@ -38836,7 +45720,7 @@
           </a:ln>
           <a:extLst>
             <a:ext uri="{C572A759-6A51-4108-AA02-DFA0A04FC94B}">
-              <ma14:wrappingTextBoxFlag xmlns:ma14="http://schemas.microsoft.com/office/mac/drawingml/2011/main" xmlns="" val="1"/>
+              <ma14:wrappingTextBoxFlag xmlns="" xmlns:ma14="http://schemas.microsoft.com/office/mac/drawingml/2011/main" val="1"/>
             </a:ext>
           </a:extLst>
         </p:spPr>
@@ -39243,7 +46127,7 @@
           </a:ln>
           <a:extLst>
             <a:ext uri="{C572A759-6A51-4108-AA02-DFA0A04FC94B}">
-              <ma14:wrappingTextBoxFlag xmlns:ma14="http://schemas.microsoft.com/office/mac/drawingml/2011/main" xmlns="" val="1"/>
+              <ma14:wrappingTextBoxFlag xmlns="" xmlns:ma14="http://schemas.microsoft.com/office/mac/drawingml/2011/main" val="1"/>
             </a:ext>
           </a:extLst>
         </p:spPr>
@@ -39457,7 +46341,7 @@
             <a:effectLst/>
             <a:extLst>
               <a:ext uri="{C572A759-6A51-4108-AA02-DFA0A04FC94B}">
-                <ma14:wrappingTextBoxFlag xmlns:ma14="http://schemas.microsoft.com/office/mac/drawingml/2011/main" xmlns="" val="1"/>
+                <ma14:wrappingTextBoxFlag xmlns="" xmlns:ma14="http://schemas.microsoft.com/office/mac/drawingml/2011/main" val="1"/>
               </a:ext>
             </a:extLst>
           </p:spPr>
@@ -39776,7 +46660,7 @@
             </a:ln>
             <a:extLst>
               <a:ext uri="{C572A759-6A51-4108-AA02-DFA0A04FC94B}">
-                <ma14:wrappingTextBoxFlag xmlns:ma14="http://schemas.microsoft.com/office/mac/drawingml/2011/main" xmlns="" val="1"/>
+                <ma14:wrappingTextBoxFlag xmlns="" xmlns:ma14="http://schemas.microsoft.com/office/mac/drawingml/2011/main" val="1"/>
               </a:ext>
             </a:extLst>
           </p:spPr>
@@ -40259,7 +47143,7 @@
           </a:ln>
           <a:extLst>
             <a:ext uri="{C572A759-6A51-4108-AA02-DFA0A04FC94B}">
-              <ma14:wrappingTextBoxFlag xmlns:ma14="http://schemas.microsoft.com/office/mac/drawingml/2011/main" xmlns="" val="1"/>
+              <ma14:wrappingTextBoxFlag xmlns="" xmlns:ma14="http://schemas.microsoft.com/office/mac/drawingml/2011/main" val="1"/>
             </a:ext>
           </a:extLst>
         </p:spPr>
@@ -41376,7 +48260,7 @@
           </a:ln>
           <a:extLst>
             <a:ext uri="{C572A759-6A51-4108-AA02-DFA0A04FC94B}">
-              <ma14:wrappingTextBoxFlag xmlns:ma14="http://schemas.microsoft.com/office/mac/drawingml/2011/main" xmlns="" val="1"/>
+              <ma14:wrappingTextBoxFlag xmlns="" xmlns:ma14="http://schemas.microsoft.com/office/mac/drawingml/2011/main" val="1"/>
             </a:ext>
           </a:extLst>
         </p:spPr>
@@ -41502,7 +48386,7 @@
           </a:ln>
           <a:extLst>
             <a:ext uri="{C572A759-6A51-4108-AA02-DFA0A04FC94B}">
-              <ma14:wrappingTextBoxFlag xmlns:ma14="http://schemas.microsoft.com/office/mac/drawingml/2011/main" xmlns="" val="1"/>
+              <ma14:wrappingTextBoxFlag xmlns="" xmlns:ma14="http://schemas.microsoft.com/office/mac/drawingml/2011/main" val="1"/>
             </a:ext>
           </a:extLst>
         </p:spPr>
@@ -41909,7 +48793,7 @@
           </a:ln>
           <a:extLst>
             <a:ext uri="{C572A759-6A51-4108-AA02-DFA0A04FC94B}">
-              <ma14:wrappingTextBoxFlag xmlns:ma14="http://schemas.microsoft.com/office/mac/drawingml/2011/main" xmlns="" val="1"/>
+              <ma14:wrappingTextBoxFlag xmlns="" xmlns:ma14="http://schemas.microsoft.com/office/mac/drawingml/2011/main" val="1"/>
             </a:ext>
           </a:extLst>
         </p:spPr>
@@ -42123,7 +49007,7 @@
             <a:effectLst/>
             <a:extLst>
               <a:ext uri="{C572A759-6A51-4108-AA02-DFA0A04FC94B}">
-                <ma14:wrappingTextBoxFlag xmlns:ma14="http://schemas.microsoft.com/office/mac/drawingml/2011/main" xmlns="" val="1"/>
+                <ma14:wrappingTextBoxFlag xmlns="" xmlns:ma14="http://schemas.microsoft.com/office/mac/drawingml/2011/main" val="1"/>
               </a:ext>
             </a:extLst>
           </p:spPr>
@@ -42442,7 +49326,7 @@
             </a:ln>
             <a:extLst>
               <a:ext uri="{C572A759-6A51-4108-AA02-DFA0A04FC94B}">
-                <ma14:wrappingTextBoxFlag xmlns:ma14="http://schemas.microsoft.com/office/mac/drawingml/2011/main" xmlns="" val="1"/>
+                <ma14:wrappingTextBoxFlag xmlns="" xmlns:ma14="http://schemas.microsoft.com/office/mac/drawingml/2011/main" val="1"/>
               </a:ext>
             </a:extLst>
           </p:spPr>
@@ -42925,7 +49809,7 @@
           </a:ln>
           <a:extLst>
             <a:ext uri="{C572A759-6A51-4108-AA02-DFA0A04FC94B}">
-              <ma14:wrappingTextBoxFlag xmlns:ma14="http://schemas.microsoft.com/office/mac/drawingml/2011/main" xmlns="" val="1"/>
+              <ma14:wrappingTextBoxFlag xmlns="" xmlns:ma14="http://schemas.microsoft.com/office/mac/drawingml/2011/main" val="1"/>
             </a:ext>
           </a:extLst>
         </p:spPr>
@@ -43755,7 +50639,7 @@
             </a:ln>
             <a:extLst>
               <a:ext uri="{C572A759-6A51-4108-AA02-DFA0A04FC94B}">
-                <ma14:wrappingTextBoxFlag xmlns:ma14="http://schemas.microsoft.com/office/mac/drawingml/2011/main" xmlns="" val="1"/>
+                <ma14:wrappingTextBoxFlag xmlns="" xmlns:ma14="http://schemas.microsoft.com/office/mac/drawingml/2011/main" val="1"/>
               </a:ext>
             </a:extLst>
           </p:spPr>
@@ -43949,7 +50833,7 @@
           </a:ln>
           <a:extLst>
             <a:ext uri="{C572A759-6A51-4108-AA02-DFA0A04FC94B}">
-              <ma14:wrappingTextBoxFlag xmlns:ma14="http://schemas.microsoft.com/office/mac/drawingml/2011/main" xmlns="" val="1"/>
+              <ma14:wrappingTextBoxFlag xmlns="" xmlns:ma14="http://schemas.microsoft.com/office/mac/drawingml/2011/main" val="1"/>
             </a:ext>
           </a:extLst>
         </p:spPr>
@@ -44017,7 +50901,7 @@
           </a:ln>
           <a:extLst>
             <a:ext uri="{C572A759-6A51-4108-AA02-DFA0A04FC94B}">
-              <ma14:wrappingTextBoxFlag xmlns:ma14="http://schemas.microsoft.com/office/mac/drawingml/2011/main" xmlns="" val="1"/>
+              <ma14:wrappingTextBoxFlag xmlns="" xmlns:ma14="http://schemas.microsoft.com/office/mac/drawingml/2011/main" val="1"/>
             </a:ext>
           </a:extLst>
         </p:spPr>
@@ -44478,7 +51362,7 @@
             <a:effectLst/>
             <a:extLst>
               <a:ext uri="{C572A759-6A51-4108-AA02-DFA0A04FC94B}">
-                <ma14:wrappingTextBoxFlag xmlns:ma14="http://schemas.microsoft.com/office/mac/drawingml/2011/main" xmlns="" val="1"/>
+                <ma14:wrappingTextBoxFlag xmlns="" xmlns:ma14="http://schemas.microsoft.com/office/mac/drawingml/2011/main" val="1"/>
               </a:ext>
             </a:extLst>
           </p:spPr>
@@ -44722,7 +51606,7 @@
             </a:ln>
             <a:extLst>
               <a:ext uri="{C572A759-6A51-4108-AA02-DFA0A04FC94B}">
-                <ma14:wrappingTextBoxFlag xmlns:ma14="http://schemas.microsoft.com/office/mac/drawingml/2011/main" xmlns="" val="1"/>
+                <ma14:wrappingTextBoxFlag xmlns="" xmlns:ma14="http://schemas.microsoft.com/office/mac/drawingml/2011/main" val="1"/>
               </a:ext>
             </a:extLst>
           </p:spPr>
@@ -45053,7 +51937,7 @@
           </a:ln>
           <a:extLst>
             <a:ext uri="{C572A759-6A51-4108-AA02-DFA0A04FC94B}">
-              <ma14:wrappingTextBoxFlag xmlns:ma14="http://schemas.microsoft.com/office/mac/drawingml/2011/main" xmlns="" val="1"/>
+              <ma14:wrappingTextBoxFlag xmlns="" xmlns:ma14="http://schemas.microsoft.com/office/mac/drawingml/2011/main" val="1"/>
             </a:ext>
           </a:extLst>
         </p:spPr>
@@ -45607,7 +52491,7 @@
             </a:ln>
             <a:extLst>
               <a:ext uri="{C572A759-6A51-4108-AA02-DFA0A04FC94B}">
-                <ma14:wrappingTextBoxFlag xmlns:ma14="http://schemas.microsoft.com/office/mac/drawingml/2011/main" xmlns="" val="1"/>
+                <ma14:wrappingTextBoxFlag xmlns="" xmlns:ma14="http://schemas.microsoft.com/office/mac/drawingml/2011/main" val="1"/>
               </a:ext>
             </a:extLst>
           </p:spPr>
@@ -45813,7 +52697,7 @@
           </a:ln>
           <a:extLst>
             <a:ext uri="{C572A759-6A51-4108-AA02-DFA0A04FC94B}">
-              <ma14:wrappingTextBoxFlag xmlns:ma14="http://schemas.microsoft.com/office/mac/drawingml/2011/main" xmlns="" val="1"/>
+              <ma14:wrappingTextBoxFlag xmlns="" xmlns:ma14="http://schemas.microsoft.com/office/mac/drawingml/2011/main" val="1"/>
             </a:ext>
           </a:extLst>
         </p:spPr>
@@ -45881,7 +52765,7 @@
           </a:ln>
           <a:extLst>
             <a:ext uri="{C572A759-6A51-4108-AA02-DFA0A04FC94B}">
-              <ma14:wrappingTextBoxFlag xmlns:ma14="http://schemas.microsoft.com/office/mac/drawingml/2011/main" xmlns="" val="1"/>
+              <ma14:wrappingTextBoxFlag xmlns="" xmlns:ma14="http://schemas.microsoft.com/office/mac/drawingml/2011/main" val="1"/>
             </a:ext>
           </a:extLst>
         </p:spPr>
@@ -46252,7 +53136,7 @@
             <a:effectLst/>
             <a:extLst>
               <a:ext uri="{C572A759-6A51-4108-AA02-DFA0A04FC94B}">
-                <ma14:wrappingTextBoxFlag xmlns:ma14="http://schemas.microsoft.com/office/mac/drawingml/2011/main" xmlns="" val="1"/>
+                <ma14:wrappingTextBoxFlag xmlns="" xmlns:ma14="http://schemas.microsoft.com/office/mac/drawingml/2011/main" val="1"/>
               </a:ext>
             </a:extLst>
           </p:spPr>
@@ -46496,7 +53380,7 @@
             </a:ln>
             <a:extLst>
               <a:ext uri="{C572A759-6A51-4108-AA02-DFA0A04FC94B}">
-                <ma14:wrappingTextBoxFlag xmlns:ma14="http://schemas.microsoft.com/office/mac/drawingml/2011/main" xmlns="" val="1"/>
+                <ma14:wrappingTextBoxFlag xmlns="" xmlns:ma14="http://schemas.microsoft.com/office/mac/drawingml/2011/main" val="1"/>
               </a:ext>
             </a:extLst>
           </p:spPr>
@@ -46791,7 +53675,7 @@
           </a:ln>
           <a:extLst>
             <a:ext uri="{C572A759-6A51-4108-AA02-DFA0A04FC94B}">
-              <ma14:wrappingTextBoxFlag xmlns:ma14="http://schemas.microsoft.com/office/mac/drawingml/2011/main" xmlns="" val="1"/>
+              <ma14:wrappingTextBoxFlag xmlns="" xmlns:ma14="http://schemas.microsoft.com/office/mac/drawingml/2011/main" val="1"/>
             </a:ext>
           </a:extLst>
         </p:spPr>

--- a/images/architecture.pptx
+++ b/images/architecture.pptx
@@ -5,7 +5,7 @@
     <p:sldMasterId id="2147483648" r:id="rId1"/>
   </p:sldMasterIdLst>
   <p:notesMasterIdLst>
-    <p:notesMasterId r:id="rId26"/>
+    <p:notesMasterId r:id="rId28"/>
   </p:notesMasterIdLst>
   <p:sldIdLst>
     <p:sldId id="325" r:id="rId2"/>
@@ -21,17 +21,19 @@
     <p:sldId id="344" r:id="rId12"/>
     <p:sldId id="341" r:id="rId13"/>
     <p:sldId id="345" r:id="rId14"/>
-    <p:sldId id="343" r:id="rId15"/>
-    <p:sldId id="342" r:id="rId16"/>
-    <p:sldId id="346" r:id="rId17"/>
-    <p:sldId id="349" r:id="rId18"/>
-    <p:sldId id="350" r:id="rId19"/>
-    <p:sldId id="352" r:id="rId20"/>
-    <p:sldId id="351" r:id="rId21"/>
-    <p:sldId id="360" r:id="rId22"/>
-    <p:sldId id="356" r:id="rId23"/>
-    <p:sldId id="359" r:id="rId24"/>
-    <p:sldId id="358" r:id="rId25"/>
+    <p:sldId id="361" r:id="rId15"/>
+    <p:sldId id="343" r:id="rId16"/>
+    <p:sldId id="342" r:id="rId17"/>
+    <p:sldId id="346" r:id="rId18"/>
+    <p:sldId id="362" r:id="rId19"/>
+    <p:sldId id="349" r:id="rId20"/>
+    <p:sldId id="350" r:id="rId21"/>
+    <p:sldId id="352" r:id="rId22"/>
+    <p:sldId id="351" r:id="rId23"/>
+    <p:sldId id="360" r:id="rId24"/>
+    <p:sldId id="356" r:id="rId25"/>
+    <p:sldId id="359" r:id="rId26"/>
+    <p:sldId id="358" r:id="rId27"/>
   </p:sldIdLst>
   <p:sldSz cx="10058400" cy="7772400"/>
   <p:notesSz cx="6858000" cy="9144000"/>
@@ -573,7 +575,7 @@
           </a:ln>
           <a:extLst>
             <a:ext uri="{C572A759-6A51-4108-AA02-DFA0A04FC94B}">
-              <ma14:wrappingTextBoxFlag xmlns="" xmlns:ma14="http://schemas.microsoft.com/office/mac/drawingml/2011/main" val="1"/>
+              <ma14:wrappingTextBoxFlag xmlns:ma14="http://schemas.microsoft.com/office/mac/drawingml/2011/main" xmlns="" val="1"/>
             </a:ext>
           </a:extLst>
         </p:spPr>
@@ -626,7 +628,7 @@
           </a:ln>
           <a:extLst>
             <a:ext uri="{C572A759-6A51-4108-AA02-DFA0A04FC94B}">
-              <ma14:wrappingTextBoxFlag xmlns="" xmlns:ma14="http://schemas.microsoft.com/office/mac/drawingml/2011/main" val="1"/>
+              <ma14:wrappingTextBoxFlag xmlns:ma14="http://schemas.microsoft.com/office/mac/drawingml/2011/main" xmlns="" val="1"/>
             </a:ext>
           </a:extLst>
         </p:spPr>
@@ -674,7 +676,7 @@
           </a:ln>
           <a:extLst>
             <a:ext uri="{C572A759-6A51-4108-AA02-DFA0A04FC94B}">
-              <ma14:wrappingTextBoxFlag xmlns="" xmlns:ma14="http://schemas.microsoft.com/office/mac/drawingml/2011/main" val="1"/>
+              <ma14:wrappingTextBoxFlag xmlns:ma14="http://schemas.microsoft.com/office/mac/drawingml/2011/main" xmlns="" val="1"/>
             </a:ext>
           </a:extLst>
         </p:spPr>
@@ -838,7 +840,7 @@
           </a:ln>
           <a:extLst>
             <a:ext uri="{C572A759-6A51-4108-AA02-DFA0A04FC94B}">
-              <ma14:wrappingTextBoxFlag xmlns="" xmlns:ma14="http://schemas.microsoft.com/office/mac/drawingml/2011/main" val="1"/>
+              <ma14:wrappingTextBoxFlag xmlns:ma14="http://schemas.microsoft.com/office/mac/drawingml/2011/main" xmlns="" val="1"/>
             </a:ext>
           </a:extLst>
         </p:spPr>
@@ -891,7 +893,7 @@
           </a:ln>
           <a:extLst>
             <a:ext uri="{C572A759-6A51-4108-AA02-DFA0A04FC94B}">
-              <ma14:wrappingTextBoxFlag xmlns="" xmlns:ma14="http://schemas.microsoft.com/office/mac/drawingml/2011/main" val="1"/>
+              <ma14:wrappingTextBoxFlag xmlns:ma14="http://schemas.microsoft.com/office/mac/drawingml/2011/main" xmlns="" val="1"/>
             </a:ext>
           </a:extLst>
         </p:spPr>
@@ -939,7 +941,7 @@
           </a:ln>
           <a:extLst>
             <a:ext uri="{C572A759-6A51-4108-AA02-DFA0A04FC94B}">
-              <ma14:wrappingTextBoxFlag xmlns="" xmlns:ma14="http://schemas.microsoft.com/office/mac/drawingml/2011/main" val="1"/>
+              <ma14:wrappingTextBoxFlag xmlns:ma14="http://schemas.microsoft.com/office/mac/drawingml/2011/main" xmlns="" val="1"/>
             </a:ext>
           </a:extLst>
         </p:spPr>
@@ -1129,7 +1131,7 @@
           </a:ln>
           <a:extLst>
             <a:ext uri="{C572A759-6A51-4108-AA02-DFA0A04FC94B}">
-              <ma14:wrappingTextBoxFlag xmlns="" xmlns:ma14="http://schemas.microsoft.com/office/mac/drawingml/2011/main" val="1"/>
+              <ma14:wrappingTextBoxFlag xmlns:ma14="http://schemas.microsoft.com/office/mac/drawingml/2011/main" xmlns="" val="1"/>
             </a:ext>
           </a:extLst>
         </p:spPr>
@@ -1267,7 +1269,7 @@
           </a:ln>
           <a:extLst>
             <a:ext uri="{C572A759-6A51-4108-AA02-DFA0A04FC94B}">
-              <ma14:wrappingTextBoxFlag xmlns="" xmlns:ma14="http://schemas.microsoft.com/office/mac/drawingml/2011/main" val="1"/>
+              <ma14:wrappingTextBoxFlag xmlns:ma14="http://schemas.microsoft.com/office/mac/drawingml/2011/main" xmlns="" val="1"/>
             </a:ext>
           </a:extLst>
         </p:spPr>
@@ -1320,7 +1322,7 @@
           </a:ln>
           <a:extLst>
             <a:ext uri="{C572A759-6A51-4108-AA02-DFA0A04FC94B}">
-              <ma14:wrappingTextBoxFlag xmlns="" xmlns:ma14="http://schemas.microsoft.com/office/mac/drawingml/2011/main" val="1"/>
+              <ma14:wrappingTextBoxFlag xmlns:ma14="http://schemas.microsoft.com/office/mac/drawingml/2011/main" xmlns="" val="1"/>
             </a:ext>
           </a:extLst>
         </p:spPr>
@@ -2253,7 +2255,7 @@
           </a:ln>
           <a:extLst>
             <a:ext uri="{C572A759-6A51-4108-AA02-DFA0A04FC94B}">
-              <ma14:wrappingTextBoxFlag xmlns="" xmlns:ma14="http://schemas.microsoft.com/office/mac/drawingml/2011/main" val="1"/>
+              <ma14:wrappingTextBoxFlag xmlns:ma14="http://schemas.microsoft.com/office/mac/drawingml/2011/main" xmlns="" val="1"/>
             </a:ext>
           </a:extLst>
         </p:spPr>
@@ -2306,7 +2308,7 @@
           </a:ln>
           <a:extLst>
             <a:ext uri="{C572A759-6A51-4108-AA02-DFA0A04FC94B}">
-              <ma14:wrappingTextBoxFlag xmlns="" xmlns:ma14="http://schemas.microsoft.com/office/mac/drawingml/2011/main" val="1"/>
+              <ma14:wrappingTextBoxFlag xmlns:ma14="http://schemas.microsoft.com/office/mac/drawingml/2011/main" xmlns="" val="1"/>
             </a:ext>
           </a:extLst>
         </p:spPr>
@@ -2354,7 +2356,7 @@
           </a:ln>
           <a:extLst>
             <a:ext uri="{C572A759-6A51-4108-AA02-DFA0A04FC94B}">
-              <ma14:wrappingTextBoxFlag xmlns="" xmlns:ma14="http://schemas.microsoft.com/office/mac/drawingml/2011/main" val="1"/>
+              <ma14:wrappingTextBoxFlag xmlns:ma14="http://schemas.microsoft.com/office/mac/drawingml/2011/main" xmlns="" val="1"/>
             </a:ext>
           </a:extLst>
         </p:spPr>
@@ -2454,7 +2456,7 @@
           </a:ln>
           <a:extLst>
             <a:ext uri="{C572A759-6A51-4108-AA02-DFA0A04FC94B}">
-              <ma14:wrappingTextBoxFlag xmlns="" xmlns:ma14="http://schemas.microsoft.com/office/mac/drawingml/2011/main" val="1"/>
+              <ma14:wrappingTextBoxFlag xmlns:ma14="http://schemas.microsoft.com/office/mac/drawingml/2011/main" xmlns="" val="1"/>
             </a:ext>
           </a:extLst>
         </p:spPr>
@@ -2497,7 +2499,7 @@
           </a:ln>
           <a:extLst>
             <a:ext uri="{C572A759-6A51-4108-AA02-DFA0A04FC94B}">
-              <ma14:wrappingTextBoxFlag xmlns="" xmlns:ma14="http://schemas.microsoft.com/office/mac/drawingml/2011/main" val="1"/>
+              <ma14:wrappingTextBoxFlag xmlns:ma14="http://schemas.microsoft.com/office/mac/drawingml/2011/main" xmlns="" val="1"/>
             </a:ext>
           </a:extLst>
         </p:spPr>
@@ -2908,7 +2910,7 @@
           </a:ln>
           <a:extLst>
             <a:ext uri="{C572A759-6A51-4108-AA02-DFA0A04FC94B}">
-              <ma14:wrappingTextBoxFlag xmlns="" xmlns:ma14="http://schemas.microsoft.com/office/mac/drawingml/2011/main" val="1"/>
+              <ma14:wrappingTextBoxFlag xmlns:ma14="http://schemas.microsoft.com/office/mac/drawingml/2011/main" xmlns="" val="1"/>
             </a:ext>
           </a:extLst>
         </p:spPr>
@@ -2976,7 +2978,7 @@
           </a:ln>
           <a:extLst>
             <a:ext uri="{C572A759-6A51-4108-AA02-DFA0A04FC94B}">
-              <ma14:wrappingTextBoxFlag xmlns="" xmlns:ma14="http://schemas.microsoft.com/office/mac/drawingml/2011/main" val="1"/>
+              <ma14:wrappingTextBoxFlag xmlns:ma14="http://schemas.microsoft.com/office/mac/drawingml/2011/main" xmlns="" val="1"/>
             </a:ext>
           </a:extLst>
         </p:spPr>
@@ -3642,7 +3644,7 @@
           </a:ln>
           <a:extLst>
             <a:ext uri="{C572A759-6A51-4108-AA02-DFA0A04FC94B}">
-              <ma14:wrappingTextBoxFlag xmlns="" xmlns:ma14="http://schemas.microsoft.com/office/mac/drawingml/2011/main" val="1"/>
+              <ma14:wrappingTextBoxFlag xmlns:ma14="http://schemas.microsoft.com/office/mac/drawingml/2011/main" xmlns="" val="1"/>
             </a:ext>
           </a:extLst>
         </p:spPr>
@@ -4128,7 +4130,7 @@
           </a:ln>
           <a:extLst>
             <a:ext uri="{C572A759-6A51-4108-AA02-DFA0A04FC94B}">
-              <ma14:wrappingTextBoxFlag xmlns="" xmlns:ma14="http://schemas.microsoft.com/office/mac/drawingml/2011/main" val="1"/>
+              <ma14:wrappingTextBoxFlag xmlns:ma14="http://schemas.microsoft.com/office/mac/drawingml/2011/main" xmlns="" val="1"/>
             </a:ext>
           </a:extLst>
         </p:spPr>
@@ -4842,7 +4844,7 @@
           </a:ln>
           <a:extLst>
             <a:ext uri="{C572A759-6A51-4108-AA02-DFA0A04FC94B}">
-              <ma14:wrappingTextBoxFlag xmlns="" xmlns:ma14="http://schemas.microsoft.com/office/mac/drawingml/2011/main" val="1"/>
+              <ma14:wrappingTextBoxFlag xmlns:ma14="http://schemas.microsoft.com/office/mac/drawingml/2011/main" xmlns="" val="1"/>
             </a:ext>
           </a:extLst>
         </p:spPr>
@@ -5126,7 +5128,7 @@
           </a:ln>
           <a:extLst>
             <a:ext uri="{C572A759-6A51-4108-AA02-DFA0A04FC94B}">
-              <ma14:wrappingTextBoxFlag xmlns="" xmlns:ma14="http://schemas.microsoft.com/office/mac/drawingml/2011/main" val="1"/>
+              <ma14:wrappingTextBoxFlag xmlns:ma14="http://schemas.microsoft.com/office/mac/drawingml/2011/main" xmlns="" val="1"/>
             </a:ext>
           </a:extLst>
         </p:spPr>
@@ -5268,7 +5270,7 @@
           </a:ln>
           <a:extLst>
             <a:ext uri="{C572A759-6A51-4108-AA02-DFA0A04FC94B}">
-              <ma14:wrappingTextBoxFlag xmlns="" xmlns:ma14="http://schemas.microsoft.com/office/mac/drawingml/2011/main" val="1"/>
+              <ma14:wrappingTextBoxFlag xmlns:ma14="http://schemas.microsoft.com/office/mac/drawingml/2011/main" xmlns="" val="1"/>
             </a:ext>
           </a:extLst>
         </p:spPr>
@@ -5444,7 +5446,7 @@
           </a:ln>
           <a:extLst>
             <a:ext uri="{C572A759-6A51-4108-AA02-DFA0A04FC94B}">
-              <ma14:wrappingTextBoxFlag xmlns="" xmlns:ma14="http://schemas.microsoft.com/office/mac/drawingml/2011/main" val="1"/>
+              <ma14:wrappingTextBoxFlag xmlns:ma14="http://schemas.microsoft.com/office/mac/drawingml/2011/main" xmlns="" val="1"/>
             </a:ext>
           </a:extLst>
         </p:spPr>
@@ -5547,7 +5549,7 @@
           </a:ln>
           <a:extLst>
             <a:ext uri="{C572A759-6A51-4108-AA02-DFA0A04FC94B}">
-              <ma14:wrappingTextBoxFlag xmlns="" xmlns:ma14="http://schemas.microsoft.com/office/mac/drawingml/2011/main" val="1"/>
+              <ma14:wrappingTextBoxFlag xmlns:ma14="http://schemas.microsoft.com/office/mac/drawingml/2011/main" xmlns="" val="1"/>
             </a:ext>
           </a:extLst>
         </p:spPr>
@@ -6868,7 +6870,7 @@
             </a:ln>
             <a:extLst>
               <a:ext uri="{C572A759-6A51-4108-AA02-DFA0A04FC94B}">
-                <ma14:wrappingTextBoxFlag xmlns="" xmlns:ma14="http://schemas.microsoft.com/office/mac/drawingml/2011/main" val="1"/>
+                <ma14:wrappingTextBoxFlag xmlns:ma14="http://schemas.microsoft.com/office/mac/drawingml/2011/main" xmlns="" val="1"/>
               </a:ext>
             </a:extLst>
           </p:spPr>
@@ -7107,7 +7109,7 @@
           </a:ln>
           <a:extLst>
             <a:ext uri="{C572A759-6A51-4108-AA02-DFA0A04FC94B}">
-              <ma14:wrappingTextBoxFlag xmlns="" xmlns:ma14="http://schemas.microsoft.com/office/mac/drawingml/2011/main" val="1"/>
+              <ma14:wrappingTextBoxFlag xmlns:ma14="http://schemas.microsoft.com/office/mac/drawingml/2011/main" xmlns="" val="1"/>
             </a:ext>
           </a:extLst>
         </p:spPr>
@@ -7175,7 +7177,7 @@
           </a:ln>
           <a:extLst>
             <a:ext uri="{C572A759-6A51-4108-AA02-DFA0A04FC94B}">
-              <ma14:wrappingTextBoxFlag xmlns="" xmlns:ma14="http://schemas.microsoft.com/office/mac/drawingml/2011/main" val="1"/>
+              <ma14:wrappingTextBoxFlag xmlns:ma14="http://schemas.microsoft.com/office/mac/drawingml/2011/main" xmlns="" val="1"/>
             </a:ext>
           </a:extLst>
         </p:spPr>
@@ -7546,7 +7548,7 @@
             <a:effectLst/>
             <a:extLst>
               <a:ext uri="{C572A759-6A51-4108-AA02-DFA0A04FC94B}">
-                <ma14:wrappingTextBoxFlag xmlns="" xmlns:ma14="http://schemas.microsoft.com/office/mac/drawingml/2011/main" val="1"/>
+                <ma14:wrappingTextBoxFlag xmlns:ma14="http://schemas.microsoft.com/office/mac/drawingml/2011/main" xmlns="" val="1"/>
               </a:ext>
             </a:extLst>
           </p:spPr>
@@ -7790,7 +7792,7 @@
             </a:ln>
             <a:extLst>
               <a:ext uri="{C572A759-6A51-4108-AA02-DFA0A04FC94B}">
-                <ma14:wrappingTextBoxFlag xmlns="" xmlns:ma14="http://schemas.microsoft.com/office/mac/drawingml/2011/main" val="1"/>
+                <ma14:wrappingTextBoxFlag xmlns:ma14="http://schemas.microsoft.com/office/mac/drawingml/2011/main" xmlns="" val="1"/>
               </a:ext>
             </a:extLst>
           </p:spPr>
@@ -8003,7 +8005,7 @@
           </a:ln>
           <a:extLst>
             <a:ext uri="{C572A759-6A51-4108-AA02-DFA0A04FC94B}">
-              <ma14:wrappingTextBoxFlag xmlns="" xmlns:ma14="http://schemas.microsoft.com/office/mac/drawingml/2011/main" val="1"/>
+              <ma14:wrappingTextBoxFlag xmlns:ma14="http://schemas.microsoft.com/office/mac/drawingml/2011/main" xmlns="" val="1"/>
             </a:ext>
           </a:extLst>
         </p:spPr>
@@ -10030,7 +10032,7 @@
             </a:ln>
             <a:extLst>
               <a:ext uri="{C572A759-6A51-4108-AA02-DFA0A04FC94B}">
-                <ma14:wrappingTextBoxFlag xmlns="" xmlns:ma14="http://schemas.microsoft.com/office/mac/drawingml/2011/main" val="1"/>
+                <ma14:wrappingTextBoxFlag xmlns:ma14="http://schemas.microsoft.com/office/mac/drawingml/2011/main" xmlns="" val="1"/>
               </a:ext>
             </a:extLst>
           </p:spPr>
@@ -10269,7 +10271,7 @@
           </a:ln>
           <a:extLst>
             <a:ext uri="{C572A759-6A51-4108-AA02-DFA0A04FC94B}">
-              <ma14:wrappingTextBoxFlag xmlns="" xmlns:ma14="http://schemas.microsoft.com/office/mac/drawingml/2011/main" val="1"/>
+              <ma14:wrappingTextBoxFlag xmlns:ma14="http://schemas.microsoft.com/office/mac/drawingml/2011/main" xmlns="" val="1"/>
             </a:ext>
           </a:extLst>
         </p:spPr>
@@ -10337,7 +10339,7 @@
           </a:ln>
           <a:extLst>
             <a:ext uri="{C572A759-6A51-4108-AA02-DFA0A04FC94B}">
-              <ma14:wrappingTextBoxFlag xmlns="" xmlns:ma14="http://schemas.microsoft.com/office/mac/drawingml/2011/main" val="1"/>
+              <ma14:wrappingTextBoxFlag xmlns:ma14="http://schemas.microsoft.com/office/mac/drawingml/2011/main" xmlns="" val="1"/>
             </a:ext>
           </a:extLst>
         </p:spPr>
@@ -10708,7 +10710,7 @@
             <a:effectLst/>
             <a:extLst>
               <a:ext uri="{C572A759-6A51-4108-AA02-DFA0A04FC94B}">
-                <ma14:wrappingTextBoxFlag xmlns="" xmlns:ma14="http://schemas.microsoft.com/office/mac/drawingml/2011/main" val="1"/>
+                <ma14:wrappingTextBoxFlag xmlns:ma14="http://schemas.microsoft.com/office/mac/drawingml/2011/main" xmlns="" val="1"/>
               </a:ext>
             </a:extLst>
           </p:spPr>
@@ -10952,7 +10954,7 @@
             </a:ln>
             <a:extLst>
               <a:ext uri="{C572A759-6A51-4108-AA02-DFA0A04FC94B}">
-                <ma14:wrappingTextBoxFlag xmlns="" xmlns:ma14="http://schemas.microsoft.com/office/mac/drawingml/2011/main" val="1"/>
+                <ma14:wrappingTextBoxFlag xmlns:ma14="http://schemas.microsoft.com/office/mac/drawingml/2011/main" xmlns="" val="1"/>
               </a:ext>
             </a:extLst>
           </p:spPr>
@@ -11165,7 +11167,7 @@
           </a:ln>
           <a:extLst>
             <a:ext uri="{C572A759-6A51-4108-AA02-DFA0A04FC94B}">
-              <ma14:wrappingTextBoxFlag xmlns="" xmlns:ma14="http://schemas.microsoft.com/office/mac/drawingml/2011/main" val="1"/>
+              <ma14:wrappingTextBoxFlag xmlns:ma14="http://schemas.microsoft.com/office/mac/drawingml/2011/main" xmlns="" val="1"/>
             </a:ext>
           </a:extLst>
         </p:spPr>
@@ -13075,7 +13077,7 @@
             </a:ln>
             <a:extLst>
               <a:ext uri="{C572A759-6A51-4108-AA02-DFA0A04FC94B}">
-                <ma14:wrappingTextBoxFlag xmlns="" xmlns:ma14="http://schemas.microsoft.com/office/mac/drawingml/2011/main" val="1"/>
+                <ma14:wrappingTextBoxFlag xmlns:ma14="http://schemas.microsoft.com/office/mac/drawingml/2011/main" xmlns="" val="1"/>
               </a:ext>
             </a:extLst>
           </p:spPr>
@@ -13182,7 +13184,7 @@
           </a:ln>
           <a:extLst>
             <a:ext uri="{C572A759-6A51-4108-AA02-DFA0A04FC94B}">
-              <ma14:wrappingTextBoxFlag xmlns="" xmlns:ma14="http://schemas.microsoft.com/office/mac/drawingml/2011/main" val="1"/>
+              <ma14:wrappingTextBoxFlag xmlns:ma14="http://schemas.microsoft.com/office/mac/drawingml/2011/main" xmlns="" val="1"/>
             </a:ext>
           </a:extLst>
         </p:spPr>
@@ -13250,7 +13252,7 @@
           </a:ln>
           <a:extLst>
             <a:ext uri="{C572A759-6A51-4108-AA02-DFA0A04FC94B}">
-              <ma14:wrappingTextBoxFlag xmlns="" xmlns:ma14="http://schemas.microsoft.com/office/mac/drawingml/2011/main" val="1"/>
+              <ma14:wrappingTextBoxFlag xmlns:ma14="http://schemas.microsoft.com/office/mac/drawingml/2011/main" xmlns="" val="1"/>
             </a:ext>
           </a:extLst>
         </p:spPr>
@@ -14472,7 +14474,7 @@
             </a:ln>
             <a:extLst>
               <a:ext uri="{C572A759-6A51-4108-AA02-DFA0A04FC94B}">
-                <ma14:wrappingTextBoxFlag xmlns="" xmlns:ma14="http://schemas.microsoft.com/office/mac/drawingml/2011/main" val="1"/>
+                <ma14:wrappingTextBoxFlag xmlns:ma14="http://schemas.microsoft.com/office/mac/drawingml/2011/main" xmlns="" val="1"/>
               </a:ext>
             </a:extLst>
           </p:spPr>
@@ -14711,7 +14713,7 @@
           </a:ln>
           <a:extLst>
             <a:ext uri="{C572A759-6A51-4108-AA02-DFA0A04FC94B}">
-              <ma14:wrappingTextBoxFlag xmlns="" xmlns:ma14="http://schemas.microsoft.com/office/mac/drawingml/2011/main" val="1"/>
+              <ma14:wrappingTextBoxFlag xmlns:ma14="http://schemas.microsoft.com/office/mac/drawingml/2011/main" xmlns="" val="1"/>
             </a:ext>
           </a:extLst>
         </p:spPr>
@@ -14779,7 +14781,7 @@
           </a:ln>
           <a:extLst>
             <a:ext uri="{C572A759-6A51-4108-AA02-DFA0A04FC94B}">
-              <ma14:wrappingTextBoxFlag xmlns="" xmlns:ma14="http://schemas.microsoft.com/office/mac/drawingml/2011/main" val="1"/>
+              <ma14:wrappingTextBoxFlag xmlns:ma14="http://schemas.microsoft.com/office/mac/drawingml/2011/main" xmlns="" val="1"/>
             </a:ext>
           </a:extLst>
         </p:spPr>
@@ -15150,7 +15152,7 @@
             <a:effectLst/>
             <a:extLst>
               <a:ext uri="{C572A759-6A51-4108-AA02-DFA0A04FC94B}">
-                <ma14:wrappingTextBoxFlag xmlns="" xmlns:ma14="http://schemas.microsoft.com/office/mac/drawingml/2011/main" val="1"/>
+                <ma14:wrappingTextBoxFlag xmlns:ma14="http://schemas.microsoft.com/office/mac/drawingml/2011/main" xmlns="" val="1"/>
               </a:ext>
             </a:extLst>
           </p:spPr>
@@ -15394,7 +15396,7 @@
             </a:ln>
             <a:extLst>
               <a:ext uri="{C572A759-6A51-4108-AA02-DFA0A04FC94B}">
-                <ma14:wrappingTextBoxFlag xmlns="" xmlns:ma14="http://schemas.microsoft.com/office/mac/drawingml/2011/main" val="1"/>
+                <ma14:wrappingTextBoxFlag xmlns:ma14="http://schemas.microsoft.com/office/mac/drawingml/2011/main" xmlns="" val="1"/>
               </a:ext>
             </a:extLst>
           </p:spPr>
@@ -15607,7 +15609,7 @@
           </a:ln>
           <a:extLst>
             <a:ext uri="{C572A759-6A51-4108-AA02-DFA0A04FC94B}">
-              <ma14:wrappingTextBoxFlag xmlns="" xmlns:ma14="http://schemas.microsoft.com/office/mac/drawingml/2011/main" val="1"/>
+              <ma14:wrappingTextBoxFlag xmlns:ma14="http://schemas.microsoft.com/office/mac/drawingml/2011/main" xmlns="" val="1"/>
             </a:ext>
           </a:extLst>
         </p:spPr>
@@ -17194,6 +17196,1223 @@
 </file>
 
 <file path=ppt/slides/slide14.xml><?xml version="1.0" encoding="utf-8"?>
+<p:sld xmlns:a="http://schemas.openxmlformats.org/drawingml/2006/main" xmlns:r="http://schemas.openxmlformats.org/officeDocument/2006/relationships" xmlns:p="http://schemas.openxmlformats.org/presentationml/2006/main">
+  <p:cSld>
+    <p:spTree>
+      <p:nvGrpSpPr>
+        <p:cNvPr id="1" name=""/>
+        <p:cNvGrpSpPr/>
+        <p:nvPr/>
+      </p:nvGrpSpPr>
+      <p:grpSpPr>
+        <a:xfrm>
+          <a:off x="0" y="0"/>
+          <a:ext cx="0" cy="0"/>
+          <a:chOff x="0" y="0"/>
+          <a:chExt cx="0" cy="0"/>
+        </a:xfrm>
+      </p:grpSpPr>
+      <p:sp>
+        <p:nvSpPr>
+          <p:cNvPr id="2" name="Rectangle 1">
+            <a:extLst>
+              <a:ext uri="{FF2B5EF4-FFF2-40B4-BE49-F238E27FC236}">
+                <a16:creationId xmlns:a16="http://schemas.microsoft.com/office/drawing/2014/main" id="{7F7B05C5-2C1D-DB44-9D9A-7F7E00301E96}"/>
+              </a:ext>
+            </a:extLst>
+          </p:cNvPr>
+          <p:cNvSpPr/>
+          <p:nvPr/>
+        </p:nvSpPr>
+        <p:spPr>
+          <a:xfrm>
+            <a:off x="4777002" y="2584416"/>
+            <a:ext cx="1704907" cy="4318815"/>
+          </a:xfrm>
+          <a:prstGeom prst="rect">
+            <a:avLst/>
+          </a:prstGeom>
+          <a:solidFill>
+            <a:srgbClr val="FFFFFF">
+              <a:alpha val="33000"/>
+            </a:srgbClr>
+          </a:solidFill>
+          <a:ln w="25400">
+            <a:solidFill>
+              <a:srgbClr val="4277BB"/>
+            </a:solidFill>
+            <a:miter lim="400000"/>
+          </a:ln>
+        </p:spPr>
+        <p:txBody>
+          <a:bodyPr lIns="0" tIns="0" rIns="0" bIns="0" rtlCol="0" anchor="ctr"/>
+          <a:lstStyle/>
+          <a:p>
+            <a:pPr algn="ctr"/>
+            <a:endParaRPr lang="de-DE" sz="1800">
+              <a:solidFill>
+                <a:srgbClr val="4277BB"/>
+              </a:solidFill>
+            </a:endParaRPr>
+          </a:p>
+        </p:txBody>
+      </p:sp>
+      <p:sp>
+        <p:nvSpPr>
+          <p:cNvPr id="4" name="Rectangle 3">
+            <a:extLst>
+              <a:ext uri="{FF2B5EF4-FFF2-40B4-BE49-F238E27FC236}">
+                <a16:creationId xmlns:a16="http://schemas.microsoft.com/office/drawing/2014/main" id="{A28AA1CE-8102-674A-92C3-1386253E18E6}"/>
+              </a:ext>
+            </a:extLst>
+          </p:cNvPr>
+          <p:cNvSpPr/>
+          <p:nvPr/>
+        </p:nvSpPr>
+        <p:spPr>
+          <a:xfrm>
+            <a:off x="2210593" y="2584416"/>
+            <a:ext cx="1516800" cy="4318814"/>
+          </a:xfrm>
+          <a:prstGeom prst="rect">
+            <a:avLst/>
+          </a:prstGeom>
+          <a:solidFill>
+            <a:srgbClr val="FFFFFF">
+              <a:alpha val="33000"/>
+            </a:srgbClr>
+          </a:solidFill>
+          <a:ln w="25400">
+            <a:solidFill>
+              <a:srgbClr val="4277BB"/>
+            </a:solidFill>
+            <a:miter lim="400000"/>
+          </a:ln>
+        </p:spPr>
+        <p:txBody>
+          <a:bodyPr lIns="0" tIns="0" rIns="0" bIns="0" rtlCol="0" anchor="ctr"/>
+          <a:lstStyle/>
+          <a:p>
+            <a:pPr algn="ctr"/>
+            <a:endParaRPr lang="de-DE" sz="1800">
+              <a:solidFill>
+                <a:srgbClr val="4277BB"/>
+              </a:solidFill>
+            </a:endParaRPr>
+          </a:p>
+        </p:txBody>
+      </p:sp>
+      <p:pic>
+        <p:nvPicPr>
+          <p:cNvPr id="5" name="Picture 4">
+            <a:extLst>
+              <a:ext uri="{FF2B5EF4-FFF2-40B4-BE49-F238E27FC236}">
+                <a16:creationId xmlns:a16="http://schemas.microsoft.com/office/drawing/2014/main" id="{AEB43911-CDE4-2949-82BB-44B246E8A47F}"/>
+              </a:ext>
+            </a:extLst>
+          </p:cNvPr>
+          <p:cNvPicPr>
+            <a:picLocks noChangeAspect="1"/>
+          </p:cNvPicPr>
+          <p:nvPr/>
+        </p:nvPicPr>
+        <p:blipFill>
+          <a:blip r:embed="rId2"/>
+          <a:stretch>
+            <a:fillRect/>
+          </a:stretch>
+        </p:blipFill>
+        <p:spPr>
+          <a:xfrm>
+            <a:off x="5862880" y="3741409"/>
+            <a:ext cx="376444" cy="468464"/>
+          </a:xfrm>
+          <a:prstGeom prst="rect">
+            <a:avLst/>
+          </a:prstGeom>
+        </p:spPr>
+      </p:pic>
+      <p:grpSp>
+        <p:nvGrpSpPr>
+          <p:cNvPr id="6" name="Group 5">
+            <a:extLst>
+              <a:ext uri="{FF2B5EF4-FFF2-40B4-BE49-F238E27FC236}">
+                <a16:creationId xmlns:a16="http://schemas.microsoft.com/office/drawing/2014/main" id="{C1D61CDD-BEAE-064B-B284-09A4F95744F0}"/>
+              </a:ext>
+            </a:extLst>
+          </p:cNvPr>
+          <p:cNvGrpSpPr/>
+          <p:nvPr/>
+        </p:nvGrpSpPr>
+        <p:grpSpPr>
+          <a:xfrm>
+            <a:off x="4871288" y="3417105"/>
+            <a:ext cx="1411144" cy="1261229"/>
+            <a:chOff x="1818501" y="1938383"/>
+            <a:chExt cx="1411144" cy="1261229"/>
+          </a:xfrm>
+        </p:grpSpPr>
+        <p:sp>
+          <p:nvSpPr>
+            <p:cNvPr id="7" name="Shape 541">
+              <a:extLst>
+                <a:ext uri="{FF2B5EF4-FFF2-40B4-BE49-F238E27FC236}">
+                  <a16:creationId xmlns:a16="http://schemas.microsoft.com/office/drawing/2014/main" id="{93F6A54A-A3D7-494E-B2E1-452324CB7B79}"/>
+                </a:ext>
+              </a:extLst>
+            </p:cNvPr>
+            <p:cNvSpPr/>
+            <p:nvPr/>
+          </p:nvSpPr>
+          <p:spPr>
+            <a:xfrm>
+              <a:off x="2170452" y="1938383"/>
+              <a:ext cx="707232" cy="707232"/>
+            </a:xfrm>
+            <a:custGeom>
+              <a:avLst/>
+              <a:gdLst/>
+              <a:ahLst/>
+              <a:cxnLst>
+                <a:cxn ang="0">
+                  <a:pos x="wd2" y="hd2"/>
+                </a:cxn>
+                <a:cxn ang="5400000">
+                  <a:pos x="wd2" y="hd2"/>
+                </a:cxn>
+                <a:cxn ang="10800000">
+                  <a:pos x="wd2" y="hd2"/>
+                </a:cxn>
+                <a:cxn ang="16200000">
+                  <a:pos x="wd2" y="hd2"/>
+                </a:cxn>
+              </a:cxnLst>
+              <a:rect l="0" t="0" r="r" b="b"/>
+              <a:pathLst>
+                <a:path w="19679" h="19679" extrusionOk="0">
+                  <a:moveTo>
+                    <a:pt x="16796" y="2882"/>
+                  </a:moveTo>
+                  <a:cubicBezTo>
+                    <a:pt x="20639" y="6724"/>
+                    <a:pt x="20639" y="12954"/>
+                    <a:pt x="16796" y="16796"/>
+                  </a:cubicBezTo>
+                  <a:cubicBezTo>
+                    <a:pt x="12954" y="20639"/>
+                    <a:pt x="6724" y="20639"/>
+                    <a:pt x="2882" y="16796"/>
+                  </a:cubicBezTo>
+                  <a:cubicBezTo>
+                    <a:pt x="-961" y="12954"/>
+                    <a:pt x="-961" y="6724"/>
+                    <a:pt x="2882" y="2882"/>
+                  </a:cubicBezTo>
+                  <a:cubicBezTo>
+                    <a:pt x="6724" y="-961"/>
+                    <a:pt x="12954" y="-961"/>
+                    <a:pt x="16796" y="2882"/>
+                  </a:cubicBezTo>
+                  <a:close/>
+                </a:path>
+              </a:pathLst>
+            </a:custGeom>
+            <a:solidFill>
+              <a:srgbClr val="FFFFFF"/>
+            </a:solidFill>
+            <a:ln w="25400">
+              <a:solidFill>
+                <a:srgbClr val="4277BB"/>
+              </a:solidFill>
+              <a:miter lim="400000"/>
+            </a:ln>
+          </p:spPr>
+          <p:txBody>
+            <a:bodyPr lIns="0" tIns="0" rIns="0" bIns="0" anchor="ctr"/>
+            <a:lstStyle/>
+            <a:p>
+              <a:pPr lvl="0">
+                <a:defRPr sz="1800">
+                  <a:solidFill>
+                    <a:srgbClr val="FFFFFF"/>
+                  </a:solidFill>
+                </a:defRPr>
+              </a:pPr>
+              <a:endParaRPr/>
+            </a:p>
+          </p:txBody>
+        </p:sp>
+        <p:sp>
+          <p:nvSpPr>
+            <p:cNvPr id="8" name="Shape 547">
+              <a:extLst>
+                <a:ext uri="{FF2B5EF4-FFF2-40B4-BE49-F238E27FC236}">
+                  <a16:creationId xmlns:a16="http://schemas.microsoft.com/office/drawing/2014/main" id="{13859DC1-0216-1B4D-9381-66AD710F5C64}"/>
+                </a:ext>
+              </a:extLst>
+            </p:cNvPr>
+            <p:cNvSpPr/>
+            <p:nvPr/>
+          </p:nvSpPr>
+          <p:spPr>
+            <a:xfrm>
+              <a:off x="1818501" y="2645614"/>
+              <a:ext cx="1411144" cy="553998"/>
+            </a:xfrm>
+            <a:prstGeom prst="rect">
+              <a:avLst/>
+            </a:prstGeom>
+            <a:ln w="3175">
+              <a:miter lim="400000"/>
+            </a:ln>
+            <a:extLst>
+              <a:ext uri="{C572A759-6A51-4108-AA02-DFA0A04FC94B}">
+                <ma14:wrappingTextBoxFlag xmlns:ma14="http://schemas.microsoft.com/office/mac/drawingml/2011/main" xmlns="" val="1"/>
+              </a:ext>
+            </a:extLst>
+          </p:spPr>
+          <p:txBody>
+            <a:bodyPr wrap="none" lIns="0" tIns="0" rIns="0" bIns="0">
+              <a:spAutoFit/>
+            </a:bodyPr>
+            <a:lstStyle>
+              <a:lvl1pPr>
+                <a:defRPr sz="900" b="1">
+                  <a:latin typeface="Helvetica"/>
+                  <a:ea typeface="Helvetica"/>
+                  <a:cs typeface="Helvetica"/>
+                  <a:sym typeface="Helvetica"/>
+                </a:defRPr>
+              </a:lvl1pPr>
+            </a:lstStyle>
+            <a:p>
+              <a:pPr lvl="0">
+                <a:defRPr sz="1800" b="0"/>
+              </a:pPr>
+              <a:r>
+                <a:rPr lang="de-DE" sz="1200" b="0" dirty="0">
+                  <a:latin typeface="Arial"/>
+                  <a:cs typeface="Arial"/>
+                </a:rPr>
+                <a:t>Cloud Foundry</a:t>
+              </a:r>
+            </a:p>
+            <a:p>
+              <a:pPr lvl="0">
+                <a:defRPr sz="1800" b="0"/>
+              </a:pPr>
+              <a:r>
+                <a:rPr lang="de-DE" sz="1200" b="0" dirty="0">
+                  <a:latin typeface="Arial"/>
+                  <a:cs typeface="Arial"/>
+                </a:rPr>
+                <a:t>Node.js Buildpack</a:t>
+              </a:r>
+            </a:p>
+            <a:p>
+              <a:pPr lvl="0">
+                <a:defRPr sz="1800" b="0"/>
+              </a:pPr>
+              <a:r>
+                <a:rPr lang="de-DE" sz="1200" b="0" dirty="0">
+                  <a:latin typeface="Arial"/>
+                  <a:cs typeface="Arial"/>
+                </a:rPr>
+                <a:t>Scores Core Service</a:t>
+              </a:r>
+              <a:endParaRPr sz="1200" b="0" dirty="0">
+                <a:latin typeface="Arial"/>
+                <a:cs typeface="Arial"/>
+              </a:endParaRPr>
+            </a:p>
+          </p:txBody>
+        </p:sp>
+        <p:pic>
+          <p:nvPicPr>
+            <p:cNvPr id="9" name="i_js_50.png">
+              <a:extLst>
+                <a:ext uri="{FF2B5EF4-FFF2-40B4-BE49-F238E27FC236}">
+                  <a16:creationId xmlns:a16="http://schemas.microsoft.com/office/drawing/2014/main" id="{D16DD629-C57B-C740-AD7F-80B3DEC0D8B1}"/>
+                </a:ext>
+              </a:extLst>
+            </p:cNvPr>
+            <p:cNvPicPr/>
+            <p:nvPr/>
+          </p:nvPicPr>
+          <p:blipFill>
+            <a:blip r:embed="rId3">
+              <a:extLst/>
+            </a:blip>
+            <a:stretch>
+              <a:fillRect/>
+            </a:stretch>
+          </p:blipFill>
+          <p:spPr>
+            <a:xfrm>
+              <a:off x="2278501" y="2046432"/>
+              <a:ext cx="491134" cy="491134"/>
+            </a:xfrm>
+            <a:prstGeom prst="rect">
+              <a:avLst/>
+            </a:prstGeom>
+            <a:ln w="3175">
+              <a:miter lim="400000"/>
+            </a:ln>
+          </p:spPr>
+        </p:pic>
+      </p:grpSp>
+      <p:pic>
+        <p:nvPicPr>
+          <p:cNvPr id="10" name="Picture 9">
+            <a:extLst>
+              <a:ext uri="{FF2B5EF4-FFF2-40B4-BE49-F238E27FC236}">
+                <a16:creationId xmlns:a16="http://schemas.microsoft.com/office/drawing/2014/main" id="{7D1FB759-BB74-0C49-B16D-7E064A15D709}"/>
+              </a:ext>
+            </a:extLst>
+          </p:cNvPr>
+          <p:cNvPicPr>
+            <a:picLocks noChangeAspect="1"/>
+          </p:cNvPicPr>
+          <p:nvPr/>
+        </p:nvPicPr>
+        <p:blipFill>
+          <a:blip r:embed="rId4"/>
+          <a:stretch>
+            <a:fillRect/>
+          </a:stretch>
+        </p:blipFill>
+        <p:spPr>
+          <a:xfrm>
+            <a:off x="5211791" y="5729182"/>
+            <a:ext cx="697633" cy="697633"/>
+          </a:xfrm>
+          <a:prstGeom prst="rect">
+            <a:avLst/>
+          </a:prstGeom>
+        </p:spPr>
+      </p:pic>
+      <p:sp>
+        <p:nvSpPr>
+          <p:cNvPr id="11" name="TextBox 10">
+            <a:extLst>
+              <a:ext uri="{FF2B5EF4-FFF2-40B4-BE49-F238E27FC236}">
+                <a16:creationId xmlns:a16="http://schemas.microsoft.com/office/drawing/2014/main" id="{9F8FAF2E-B1E1-3A42-8C92-A1F7AE95E35F}"/>
+              </a:ext>
+            </a:extLst>
+          </p:cNvPr>
+          <p:cNvSpPr txBox="1"/>
+          <p:nvPr/>
+        </p:nvSpPr>
+        <p:spPr>
+          <a:xfrm>
+            <a:off x="4946646" y="6498433"/>
+            <a:ext cx="1218324" cy="264013"/>
+          </a:xfrm>
+          <a:prstGeom prst="rect">
+            <a:avLst/>
+          </a:prstGeom>
+          <a:noFill/>
+          <a:ln w="3175" cap="flat">
+            <a:noFill/>
+            <a:miter lim="400000"/>
+          </a:ln>
+          <a:effectLst/>
+        </p:spPr>
+        <p:style>
+          <a:lnRef idx="0">
+            <a:scrgbClr r="0" g="0" b="0"/>
+          </a:lnRef>
+          <a:fillRef idx="0">
+            <a:scrgbClr r="0" g="0" b="0"/>
+          </a:fillRef>
+          <a:effectRef idx="0">
+            <a:scrgbClr r="0" g="0" b="0"/>
+          </a:effectRef>
+          <a:fontRef idx="none"/>
+        </p:style>
+        <p:txBody>
+          <a:bodyPr rot="0" spcFirstLastPara="1" vertOverflow="overflow" horzOverflow="overflow" vert="horz" wrap="square" lIns="39290" tIns="39290" rIns="39290" bIns="39290" numCol="1" spcCol="38100" rtlCol="0" anchor="ctr">
+            <a:spAutoFit/>
+          </a:bodyPr>
+          <a:lstStyle/>
+          <a:p>
+            <a:pPr marL="0" marR="0" indent="0" defTabSz="584200" rtl="0" fontAlgn="auto" latinLnBrk="1" hangingPunct="0">
+              <a:lnSpc>
+                <a:spcPct val="100000"/>
+              </a:lnSpc>
+              <a:spcBef>
+                <a:spcPts val="0"/>
+              </a:spcBef>
+              <a:spcAft>
+                <a:spcPts val="0"/>
+              </a:spcAft>
+              <a:buClrTx/>
+              <a:buSzTx/>
+              <a:buFontTx/>
+              <a:buNone/>
+              <a:tabLst/>
+            </a:pPr>
+            <a:r>
+              <a:rPr kumimoji="0" lang="en-US" sz="1200" b="0" i="0" u="none" strike="noStrike" cap="none" spc="0" normalizeH="0" baseline="0" dirty="0">
+                <a:ln>
+                  <a:noFill/>
+                </a:ln>
+                <a:solidFill>
+                  <a:srgbClr val="000000"/>
+                </a:solidFill>
+                <a:effectLst/>
+                <a:uFillTx/>
+                <a:latin typeface="Arial"/>
+                <a:ea typeface="+mn-ea"/>
+                <a:cs typeface="Arial"/>
+                <a:sym typeface="Helvetica Light"/>
+              </a:rPr>
+              <a:t>Cloudant</a:t>
+            </a:r>
+          </a:p>
+        </p:txBody>
+      </p:sp>
+      <p:pic>
+        <p:nvPicPr>
+          <p:cNvPr id="12" name="Picture 11">
+            <a:extLst>
+              <a:ext uri="{FF2B5EF4-FFF2-40B4-BE49-F238E27FC236}">
+                <a16:creationId xmlns:a16="http://schemas.microsoft.com/office/drawing/2014/main" id="{84CF3E33-7E5C-1F4F-BB9D-7B77BAA5F87B}"/>
+              </a:ext>
+            </a:extLst>
+          </p:cNvPr>
+          <p:cNvPicPr>
+            <a:picLocks noChangeAspect="1"/>
+          </p:cNvPicPr>
+          <p:nvPr/>
+        </p:nvPicPr>
+        <p:blipFill>
+          <a:blip r:embed="rId5"/>
+          <a:stretch>
+            <a:fillRect/>
+          </a:stretch>
+        </p:blipFill>
+        <p:spPr>
+          <a:xfrm>
+            <a:off x="2531037" y="3422364"/>
+            <a:ext cx="819405" cy="786629"/>
+          </a:xfrm>
+          <a:prstGeom prst="rect">
+            <a:avLst/>
+          </a:prstGeom>
+        </p:spPr>
+      </p:pic>
+      <p:sp>
+        <p:nvSpPr>
+          <p:cNvPr id="13" name="TextBox 12">
+            <a:extLst>
+              <a:ext uri="{FF2B5EF4-FFF2-40B4-BE49-F238E27FC236}">
+                <a16:creationId xmlns:a16="http://schemas.microsoft.com/office/drawing/2014/main" id="{4D2D85C5-A216-7548-9775-F7A13DAE7698}"/>
+              </a:ext>
+            </a:extLst>
+          </p:cNvPr>
+          <p:cNvSpPr txBox="1"/>
+          <p:nvPr/>
+        </p:nvSpPr>
+        <p:spPr>
+          <a:xfrm>
+            <a:off x="2318502" y="4178039"/>
+            <a:ext cx="1218324" cy="264013"/>
+          </a:xfrm>
+          <a:prstGeom prst="rect">
+            <a:avLst/>
+          </a:prstGeom>
+          <a:noFill/>
+          <a:ln w="3175" cap="flat">
+            <a:noFill/>
+            <a:miter lim="400000"/>
+          </a:ln>
+          <a:effectLst/>
+        </p:spPr>
+        <p:style>
+          <a:lnRef idx="0">
+            <a:scrgbClr r="0" g="0" b="0"/>
+          </a:lnRef>
+          <a:fillRef idx="0">
+            <a:scrgbClr r="0" g="0" b="0"/>
+          </a:fillRef>
+          <a:effectRef idx="0">
+            <a:scrgbClr r="0" g="0" b="0"/>
+          </a:effectRef>
+          <a:fontRef idx="none"/>
+        </p:style>
+        <p:txBody>
+          <a:bodyPr rot="0" spcFirstLastPara="1" vertOverflow="overflow" horzOverflow="overflow" vert="horz" wrap="square" lIns="39290" tIns="39290" rIns="39290" bIns="39290" numCol="1" spcCol="38100" rtlCol="0" anchor="ctr">
+            <a:spAutoFit/>
+          </a:bodyPr>
+          <a:lstStyle/>
+          <a:p>
+            <a:pPr rtl="0" latinLnBrk="1" hangingPunct="0"/>
+            <a:r>
+              <a:rPr lang="en-US" sz="1200" dirty="0">
+                <a:solidFill>
+                  <a:srgbClr val="000000"/>
+                </a:solidFill>
+                <a:latin typeface="Arial"/>
+                <a:cs typeface="Arial"/>
+              </a:rPr>
+              <a:t>API Connect</a:t>
+            </a:r>
+          </a:p>
+        </p:txBody>
+      </p:sp>
+      <p:cxnSp>
+        <p:nvCxnSpPr>
+          <p:cNvPr id="14" name="Straight Connector 13">
+            <a:extLst>
+              <a:ext uri="{FF2B5EF4-FFF2-40B4-BE49-F238E27FC236}">
+                <a16:creationId xmlns:a16="http://schemas.microsoft.com/office/drawing/2014/main" id="{6C01D7C9-49C1-BB48-9EBD-23FB8E94E7F5}"/>
+              </a:ext>
+            </a:extLst>
+          </p:cNvPr>
+          <p:cNvCxnSpPr>
+            <a:cxnSpLocks/>
+          </p:cNvCxnSpPr>
+          <p:nvPr/>
+        </p:nvCxnSpPr>
+        <p:spPr>
+          <a:xfrm>
+            <a:off x="5576860" y="4946318"/>
+            <a:ext cx="0" cy="736688"/>
+          </a:xfrm>
+          <a:prstGeom prst="line">
+            <a:avLst/>
+          </a:prstGeom>
+          <a:noFill/>
+          <a:ln w="34925" cap="flat">
+            <a:solidFill>
+              <a:schemeClr val="bg1">
+                <a:lumMod val="85000"/>
+              </a:schemeClr>
+            </a:solidFill>
+            <a:prstDash val="solid"/>
+            <a:miter lim="400000"/>
+          </a:ln>
+          <a:effectLst/>
+        </p:spPr>
+        <p:style>
+          <a:lnRef idx="0">
+            <a:scrgbClr r="0" g="0" b="0"/>
+          </a:lnRef>
+          <a:fillRef idx="0">
+            <a:scrgbClr r="0" g="0" b="0"/>
+          </a:fillRef>
+          <a:effectRef idx="0">
+            <a:scrgbClr r="0" g="0" b="0"/>
+          </a:effectRef>
+          <a:fontRef idx="none"/>
+        </p:style>
+      </p:cxnSp>
+      <p:sp>
+        <p:nvSpPr>
+          <p:cNvPr id="17" name="TextBox 16">
+            <a:extLst>
+              <a:ext uri="{FF2B5EF4-FFF2-40B4-BE49-F238E27FC236}">
+                <a16:creationId xmlns:a16="http://schemas.microsoft.com/office/drawing/2014/main" id="{F360540F-0F6E-F645-A4B1-773470655F4F}"/>
+              </a:ext>
+            </a:extLst>
+          </p:cNvPr>
+          <p:cNvSpPr txBox="1"/>
+          <p:nvPr/>
+        </p:nvSpPr>
+        <p:spPr>
+          <a:xfrm>
+            <a:off x="2210594" y="2720782"/>
+            <a:ext cx="1557317" cy="294791"/>
+          </a:xfrm>
+          <a:prstGeom prst="rect">
+            <a:avLst/>
+          </a:prstGeom>
+          <a:noFill/>
+          <a:ln w="3175" cap="flat">
+            <a:noFill/>
+            <a:miter lim="400000"/>
+          </a:ln>
+          <a:effectLst/>
+        </p:spPr>
+        <p:style>
+          <a:lnRef idx="0">
+            <a:scrgbClr r="0" g="0" b="0"/>
+          </a:lnRef>
+          <a:fillRef idx="0">
+            <a:scrgbClr r="0" g="0" b="0"/>
+          </a:fillRef>
+          <a:effectRef idx="0">
+            <a:scrgbClr r="0" g="0" b="0"/>
+          </a:effectRef>
+          <a:fontRef idx="none"/>
+        </p:style>
+        <p:txBody>
+          <a:bodyPr rot="0" spcFirstLastPara="1" vertOverflow="overflow" horzOverflow="overflow" vert="horz" wrap="square" lIns="39290" tIns="39290" rIns="39290" bIns="39290" numCol="1" spcCol="38100" rtlCol="0" anchor="ctr">
+            <a:spAutoFit/>
+          </a:bodyPr>
+          <a:lstStyle>
+            <a:lvl1pPr marL="0" marR="0" indent="0" rtl="0" fontAlgn="auto" latinLnBrk="1" hangingPunct="0">
+              <a:lnSpc>
+                <a:spcPct val="100000"/>
+              </a:lnSpc>
+              <a:spcBef>
+                <a:spcPts val="0"/>
+              </a:spcBef>
+              <a:spcAft>
+                <a:spcPts val="0"/>
+              </a:spcAft>
+              <a:buClrTx/>
+              <a:buSzTx/>
+              <a:buFontTx/>
+              <a:buNone/>
+              <a:tabLst/>
+              <a:defRPr kumimoji="0" sz="1400" b="1" i="0" u="none" strike="noStrike" cap="none" spc="0" normalizeH="0" baseline="0">
+                <a:ln>
+                  <a:noFill/>
+                </a:ln>
+                <a:solidFill>
+                  <a:srgbClr val="000000"/>
+                </a:solidFill>
+                <a:effectLst/>
+                <a:uFillTx/>
+                <a:latin typeface="Arial"/>
+                <a:cs typeface="Arial"/>
+              </a:defRPr>
+            </a:lvl1pPr>
+          </a:lstStyle>
+          <a:p>
+            <a:r>
+              <a:rPr lang="en-US" dirty="0"/>
+              <a:t>Service API</a:t>
+            </a:r>
+          </a:p>
+        </p:txBody>
+      </p:sp>
+      <p:sp>
+        <p:nvSpPr>
+          <p:cNvPr id="18" name="TextBox 17">
+            <a:extLst>
+              <a:ext uri="{FF2B5EF4-FFF2-40B4-BE49-F238E27FC236}">
+                <a16:creationId xmlns:a16="http://schemas.microsoft.com/office/drawing/2014/main" id="{C0D79464-DE67-8046-B63B-5E937718923B}"/>
+              </a:ext>
+            </a:extLst>
+          </p:cNvPr>
+          <p:cNvSpPr txBox="1"/>
+          <p:nvPr/>
+        </p:nvSpPr>
+        <p:spPr>
+          <a:xfrm>
+            <a:off x="4798196" y="2705394"/>
+            <a:ext cx="1557317" cy="294791"/>
+          </a:xfrm>
+          <a:prstGeom prst="rect">
+            <a:avLst/>
+          </a:prstGeom>
+          <a:noFill/>
+          <a:ln w="3175" cap="flat">
+            <a:noFill/>
+            <a:miter lim="400000"/>
+          </a:ln>
+          <a:effectLst/>
+        </p:spPr>
+        <p:style>
+          <a:lnRef idx="0">
+            <a:scrgbClr r="0" g="0" b="0"/>
+          </a:lnRef>
+          <a:fillRef idx="0">
+            <a:scrgbClr r="0" g="0" b="0"/>
+          </a:fillRef>
+          <a:effectRef idx="0">
+            <a:scrgbClr r="0" g="0" b="0"/>
+          </a:effectRef>
+          <a:fontRef idx="none"/>
+        </p:style>
+        <p:txBody>
+          <a:bodyPr rot="0" spcFirstLastPara="1" vertOverflow="overflow" horzOverflow="overflow" vert="horz" wrap="square" lIns="39290" tIns="39290" rIns="39290" bIns="39290" numCol="1" spcCol="38100" rtlCol="0" anchor="ctr">
+            <a:spAutoFit/>
+          </a:bodyPr>
+          <a:lstStyle>
+            <a:lvl1pPr marL="0" marR="0" indent="0" rtl="0" fontAlgn="auto" latinLnBrk="1" hangingPunct="0">
+              <a:lnSpc>
+                <a:spcPct val="100000"/>
+              </a:lnSpc>
+              <a:spcBef>
+                <a:spcPts val="0"/>
+              </a:spcBef>
+              <a:spcAft>
+                <a:spcPts val="0"/>
+              </a:spcAft>
+              <a:buClrTx/>
+              <a:buSzTx/>
+              <a:buFontTx/>
+              <a:buNone/>
+              <a:tabLst/>
+              <a:defRPr kumimoji="0" sz="1400" b="1" i="0" u="none" strike="noStrike" cap="none" spc="0" normalizeH="0" baseline="0">
+                <a:ln>
+                  <a:noFill/>
+                </a:ln>
+                <a:solidFill>
+                  <a:srgbClr val="000000"/>
+                </a:solidFill>
+                <a:effectLst/>
+                <a:uFillTx/>
+                <a:latin typeface="Arial"/>
+                <a:cs typeface="Arial"/>
+              </a:defRPr>
+            </a:lvl1pPr>
+          </a:lstStyle>
+          <a:p>
+            <a:r>
+              <a:rPr lang="en-US" dirty="0"/>
+              <a:t>Scores Service</a:t>
+            </a:r>
+          </a:p>
+        </p:txBody>
+      </p:sp>
+      <p:sp>
+        <p:nvSpPr>
+          <p:cNvPr id="22" name="Rectangle 21">
+            <a:extLst>
+              <a:ext uri="{FF2B5EF4-FFF2-40B4-BE49-F238E27FC236}">
+                <a16:creationId xmlns:a16="http://schemas.microsoft.com/office/drawing/2014/main" id="{1788159E-2A9D-0E4B-82DB-5B461F3A7349}"/>
+              </a:ext>
+            </a:extLst>
+          </p:cNvPr>
+          <p:cNvSpPr/>
+          <p:nvPr/>
+        </p:nvSpPr>
+        <p:spPr>
+          <a:xfrm>
+            <a:off x="2141524" y="2584414"/>
+            <a:ext cx="1653460" cy="4318816"/>
+          </a:xfrm>
+          <a:prstGeom prst="rect">
+            <a:avLst/>
+          </a:prstGeom>
+          <a:noFill/>
+          <a:ln w="88900">
+            <a:solidFill>
+              <a:schemeClr val="accent5"/>
+            </a:solidFill>
+            <a:miter lim="400000"/>
+          </a:ln>
+        </p:spPr>
+        <p:txBody>
+          <a:bodyPr lIns="0" tIns="0" rIns="0" bIns="0" rtlCol="0" anchor="ctr"/>
+          <a:lstStyle/>
+          <a:p>
+            <a:pPr algn="ctr"/>
+            <a:endParaRPr lang="de-DE" sz="1800">
+              <a:solidFill>
+                <a:srgbClr val="4277BB"/>
+              </a:solidFill>
+            </a:endParaRPr>
+          </a:p>
+        </p:txBody>
+      </p:sp>
+      <p:pic>
+        <p:nvPicPr>
+          <p:cNvPr id="23" name="Picture 22">
+            <a:extLst>
+              <a:ext uri="{FF2B5EF4-FFF2-40B4-BE49-F238E27FC236}">
+                <a16:creationId xmlns:a16="http://schemas.microsoft.com/office/drawing/2014/main" id="{D23F0307-CB7B-8449-8EA1-905FC5CF8C0E}"/>
+              </a:ext>
+            </a:extLst>
+          </p:cNvPr>
+          <p:cNvPicPr>
+            <a:picLocks noChangeAspect="1"/>
+          </p:cNvPicPr>
+          <p:nvPr/>
+        </p:nvPicPr>
+        <p:blipFill>
+          <a:blip r:embed="rId6"/>
+          <a:stretch>
+            <a:fillRect/>
+          </a:stretch>
+        </p:blipFill>
+        <p:spPr>
+          <a:xfrm>
+            <a:off x="8337390" y="336826"/>
+            <a:ext cx="1098574" cy="996165"/>
+          </a:xfrm>
+          <a:prstGeom prst="rect">
+            <a:avLst/>
+          </a:prstGeom>
+        </p:spPr>
+      </p:pic>
+      <p:sp>
+        <p:nvSpPr>
+          <p:cNvPr id="24" name="Shape 63">
+            <a:extLst>
+              <a:ext uri="{FF2B5EF4-FFF2-40B4-BE49-F238E27FC236}">
+                <a16:creationId xmlns:a16="http://schemas.microsoft.com/office/drawing/2014/main" id="{A2C455F4-8C2C-7046-9168-669AD0649135}"/>
+              </a:ext>
+            </a:extLst>
+          </p:cNvPr>
+          <p:cNvSpPr/>
+          <p:nvPr/>
+        </p:nvSpPr>
+        <p:spPr>
+          <a:xfrm>
+            <a:off x="214871" y="407780"/>
+            <a:ext cx="820738" cy="246221"/>
+          </a:xfrm>
+          <a:prstGeom prst="rect">
+            <a:avLst/>
+          </a:prstGeom>
+          <a:ln w="3175">
+            <a:miter lim="400000"/>
+          </a:ln>
+          <a:extLst>
+            <a:ext uri="{C572A759-6A51-4108-AA02-DFA0A04FC94B}">
+              <ma14:wrappingTextBoxFlag xmlns:ma14="http://schemas.microsoft.com/office/mac/drawingml/2011/main" xmlns="" val="1"/>
+            </a:ext>
+          </a:extLst>
+        </p:spPr>
+        <p:txBody>
+          <a:bodyPr wrap="none" lIns="0" tIns="0" rIns="0" bIns="0">
+            <a:spAutoFit/>
+          </a:bodyPr>
+          <a:lstStyle>
+            <a:lvl1pPr algn="l">
+              <a:defRPr sz="1000" b="1">
+                <a:solidFill>
+                  <a:srgbClr val="4277BB"/>
+                </a:solidFill>
+                <a:latin typeface="Helvetica"/>
+                <a:ea typeface="Helvetica"/>
+                <a:cs typeface="Helvetica"/>
+                <a:sym typeface="Helvetica"/>
+              </a:defRPr>
+            </a:lvl1pPr>
+          </a:lstStyle>
+          <a:p>
+            <a:pPr lvl="0">
+              <a:defRPr sz="1800" b="0">
+                <a:solidFill>
+                  <a:srgbClr val="000000"/>
+                </a:solidFill>
+              </a:defRPr>
+            </a:pPr>
+            <a:r>
+              <a:rPr lang="de-DE" sz="1600" b="1" dirty="0">
+                <a:solidFill>
+                  <a:schemeClr val="tx1"/>
+                </a:solidFill>
+                <a:latin typeface="Arial"/>
+                <a:cs typeface="Arial"/>
+              </a:rPr>
+              <a:t>Browser</a:t>
+            </a:r>
+            <a:endParaRPr sz="1600" b="1" dirty="0">
+              <a:solidFill>
+                <a:schemeClr val="tx1"/>
+              </a:solidFill>
+              <a:latin typeface="Arial"/>
+              <a:cs typeface="Arial"/>
+            </a:endParaRPr>
+          </a:p>
+        </p:txBody>
+      </p:sp>
+      <p:sp>
+        <p:nvSpPr>
+          <p:cNvPr id="25" name="Shape 64">
+            <a:extLst>
+              <a:ext uri="{FF2B5EF4-FFF2-40B4-BE49-F238E27FC236}">
+                <a16:creationId xmlns:a16="http://schemas.microsoft.com/office/drawing/2014/main" id="{CA6FF9C0-BF07-A24D-9793-B238CD88CE42}"/>
+              </a:ext>
+            </a:extLst>
+          </p:cNvPr>
+          <p:cNvSpPr/>
+          <p:nvPr/>
+        </p:nvSpPr>
+        <p:spPr>
+          <a:xfrm>
+            <a:off x="2212507" y="407780"/>
+            <a:ext cx="1014300" cy="246221"/>
+          </a:xfrm>
+          <a:prstGeom prst="rect">
+            <a:avLst/>
+          </a:prstGeom>
+          <a:ln w="3175">
+            <a:miter lim="400000"/>
+          </a:ln>
+          <a:extLst>
+            <a:ext uri="{C572A759-6A51-4108-AA02-DFA0A04FC94B}">
+              <ma14:wrappingTextBoxFlag xmlns:ma14="http://schemas.microsoft.com/office/mac/drawingml/2011/main" xmlns="" val="1"/>
+            </a:ext>
+          </a:extLst>
+        </p:spPr>
+        <p:txBody>
+          <a:bodyPr wrap="none" lIns="0" tIns="0" rIns="0" bIns="0">
+            <a:spAutoFit/>
+          </a:bodyPr>
+          <a:lstStyle>
+            <a:lvl1pPr algn="l">
+              <a:defRPr sz="1000" b="1">
+                <a:solidFill>
+                  <a:srgbClr val="4277BB"/>
+                </a:solidFill>
+                <a:latin typeface="Helvetica"/>
+                <a:ea typeface="Helvetica"/>
+                <a:cs typeface="Helvetica"/>
+                <a:sym typeface="Helvetica"/>
+              </a:defRPr>
+            </a:lvl1pPr>
+          </a:lstStyle>
+          <a:p>
+            <a:pPr lvl="0">
+              <a:defRPr sz="1800" b="0">
+                <a:solidFill>
+                  <a:srgbClr val="000000"/>
+                </a:solidFill>
+              </a:defRPr>
+            </a:pPr>
+            <a:r>
+              <a:rPr lang="de-DE" sz="1600" b="1" dirty="0">
+                <a:solidFill>
+                  <a:srgbClr val="000000"/>
+                </a:solidFill>
+                <a:latin typeface="Arial"/>
+                <a:cs typeface="Arial"/>
+              </a:rPr>
+              <a:t>IBM Cloud </a:t>
+            </a:r>
+            <a:endParaRPr sz="1600" b="1" dirty="0">
+              <a:solidFill>
+                <a:srgbClr val="000000"/>
+              </a:solidFill>
+              <a:latin typeface="Arial"/>
+              <a:cs typeface="Arial"/>
+            </a:endParaRPr>
+          </a:p>
+        </p:txBody>
+      </p:sp>
+      <p:sp>
+        <p:nvSpPr>
+          <p:cNvPr id="26" name="Shape 62">
+            <a:extLst>
+              <a:ext uri="{FF2B5EF4-FFF2-40B4-BE49-F238E27FC236}">
+                <a16:creationId xmlns:a16="http://schemas.microsoft.com/office/drawing/2014/main" id="{948F3421-CF8A-0E46-997A-5A7A5C6B1884}"/>
+              </a:ext>
+            </a:extLst>
+          </p:cNvPr>
+          <p:cNvSpPr/>
+          <p:nvPr/>
+        </p:nvSpPr>
+        <p:spPr>
+          <a:xfrm flipV="1">
+            <a:off x="1752010" y="407780"/>
+            <a:ext cx="1079" cy="6495450"/>
+          </a:xfrm>
+          <a:prstGeom prst="line">
+            <a:avLst/>
+          </a:prstGeom>
+          <a:ln w="25400">
+            <a:solidFill>
+              <a:schemeClr val="bg1">
+                <a:lumMod val="85000"/>
+              </a:schemeClr>
+            </a:solidFill>
+            <a:miter lim="400000"/>
+          </a:ln>
+        </p:spPr>
+        <p:txBody>
+          <a:bodyPr lIns="0" tIns="0" rIns="0" bIns="0" anchor="ctr"/>
+          <a:lstStyle/>
+          <a:p>
+            <a:pPr lvl="0">
+              <a:defRPr sz="1800"/>
+            </a:pPr>
+            <a:endParaRPr/>
+          </a:p>
+        </p:txBody>
+      </p:sp>
+      <p:sp>
+        <p:nvSpPr>
+          <p:cNvPr id="27" name="TextBox 26">
+            <a:extLst>
+              <a:ext uri="{FF2B5EF4-FFF2-40B4-BE49-F238E27FC236}">
+                <a16:creationId xmlns:a16="http://schemas.microsoft.com/office/drawing/2014/main" id="{05294775-6922-B84F-9261-C320CB9A44B9}"/>
+              </a:ext>
+            </a:extLst>
+          </p:cNvPr>
+          <p:cNvSpPr txBox="1"/>
+          <p:nvPr/>
+        </p:nvSpPr>
+        <p:spPr>
+          <a:xfrm>
+            <a:off x="2068783" y="1661991"/>
+            <a:ext cx="2386069" cy="818011"/>
+          </a:xfrm>
+          <a:prstGeom prst="rect">
+            <a:avLst/>
+          </a:prstGeom>
+          <a:noFill/>
+          <a:ln w="3175" cap="flat">
+            <a:noFill/>
+            <a:miter lim="400000"/>
+          </a:ln>
+          <a:effectLst/>
+        </p:spPr>
+        <p:style>
+          <a:lnRef idx="0">
+            <a:scrgbClr r="0" g="0" b="0"/>
+          </a:lnRef>
+          <a:fillRef idx="0">
+            <a:scrgbClr r="0" g="0" b="0"/>
+          </a:fillRef>
+          <a:effectRef idx="0">
+            <a:scrgbClr r="0" g="0" b="0"/>
+          </a:effectRef>
+          <a:fontRef idx="none"/>
+        </p:style>
+        <p:txBody>
+          <a:bodyPr rot="0" spcFirstLastPara="1" vertOverflow="overflow" horzOverflow="overflow" vert="horz" wrap="none" lIns="39290" tIns="39290" rIns="39290" bIns="39290" numCol="1" spcCol="38100" rtlCol="0" anchor="ctr">
+            <a:spAutoFit/>
+          </a:bodyPr>
+          <a:lstStyle/>
+          <a:p>
+            <a:pPr marL="0" marR="0" indent="0" algn="ctr" defTabSz="584200" rtl="0" fontAlgn="auto" latinLnBrk="1" hangingPunct="0">
+              <a:lnSpc>
+                <a:spcPct val="100000"/>
+              </a:lnSpc>
+              <a:spcBef>
+                <a:spcPts val="0"/>
+              </a:spcBef>
+              <a:spcAft>
+                <a:spcPts val="0"/>
+              </a:spcAft>
+              <a:buClrTx/>
+              <a:buSzTx/>
+              <a:buFontTx/>
+              <a:buNone/>
+              <a:tabLst/>
+            </a:pPr>
+            <a:r>
+              <a:rPr kumimoji="0" lang="en-US" sz="2400" b="0" i="0" u="none" strike="noStrike" cap="none" spc="0" normalizeH="0" baseline="0" dirty="0">
+                <a:ln>
+                  <a:noFill/>
+                </a:ln>
+                <a:solidFill>
+                  <a:srgbClr val="000000"/>
+                </a:solidFill>
+                <a:effectLst/>
+                <a:uFillTx/>
+                <a:latin typeface="+mn-lt"/>
+                <a:ea typeface="+mn-ea"/>
+                <a:cs typeface="+mn-cs"/>
+                <a:sym typeface="Helvetica Light"/>
+              </a:rPr>
+              <a:t>Using Open API </a:t>
+            </a:r>
+            <a:br>
+              <a:rPr kumimoji="0" lang="en-US" sz="2400" b="0" i="0" u="none" strike="noStrike" cap="none" spc="0" normalizeH="0" baseline="0" dirty="0">
+                <a:ln>
+                  <a:noFill/>
+                </a:ln>
+                <a:solidFill>
+                  <a:srgbClr val="000000"/>
+                </a:solidFill>
+                <a:effectLst/>
+                <a:uFillTx/>
+                <a:latin typeface="+mn-lt"/>
+                <a:ea typeface="+mn-ea"/>
+                <a:cs typeface="+mn-cs"/>
+                <a:sym typeface="Helvetica Light"/>
+              </a:rPr>
+            </a:br>
+            <a:r>
+              <a:rPr lang="en-US" sz="2400" dirty="0">
+                <a:solidFill>
+                  <a:srgbClr val="000000"/>
+                </a:solidFill>
+              </a:rPr>
+              <a:t>s</a:t>
+            </a:r>
+            <a:r>
+              <a:rPr kumimoji="0" lang="en-US" sz="2400" b="0" i="0" u="none" strike="noStrike" cap="none" spc="0" normalizeH="0" baseline="0" dirty="0">
+                <a:ln>
+                  <a:noFill/>
+                </a:ln>
+                <a:solidFill>
+                  <a:srgbClr val="000000"/>
+                </a:solidFill>
+                <a:effectLst/>
+                <a:uFillTx/>
+                <a:latin typeface="+mn-lt"/>
+                <a:ea typeface="+mn-ea"/>
+                <a:cs typeface="+mn-cs"/>
+                <a:sym typeface="Helvetica Light"/>
+              </a:rPr>
+              <a:t>pecification 2.0</a:t>
+            </a:r>
+          </a:p>
+        </p:txBody>
+      </p:sp>
+      <p:cxnSp>
+        <p:nvCxnSpPr>
+          <p:cNvPr id="16" name="Straight Connector 15">
+            <a:extLst>
+              <a:ext uri="{FF2B5EF4-FFF2-40B4-BE49-F238E27FC236}">
+                <a16:creationId xmlns:a16="http://schemas.microsoft.com/office/drawing/2014/main" id="{E2295F68-FBB1-4446-8257-2D538087D1EC}"/>
+              </a:ext>
+            </a:extLst>
+          </p:cNvPr>
+          <p:cNvCxnSpPr>
+            <a:cxnSpLocks/>
+          </p:cNvCxnSpPr>
+          <p:nvPr/>
+        </p:nvCxnSpPr>
+        <p:spPr>
+          <a:xfrm flipH="1">
+            <a:off x="3226807" y="3815680"/>
+            <a:ext cx="1779831" cy="0"/>
+          </a:xfrm>
+          <a:prstGeom prst="line">
+            <a:avLst/>
+          </a:prstGeom>
+          <a:noFill/>
+          <a:ln w="34925" cap="flat">
+            <a:solidFill>
+              <a:schemeClr val="bg1">
+                <a:lumMod val="85000"/>
+              </a:schemeClr>
+            </a:solidFill>
+            <a:prstDash val="solid"/>
+            <a:miter lim="400000"/>
+          </a:ln>
+          <a:effectLst/>
+        </p:spPr>
+        <p:style>
+          <a:lnRef idx="0">
+            <a:scrgbClr r="0" g="0" b="0"/>
+          </a:lnRef>
+          <a:fillRef idx="0">
+            <a:scrgbClr r="0" g="0" b="0"/>
+          </a:fillRef>
+          <a:effectRef idx="0">
+            <a:scrgbClr r="0" g="0" b="0"/>
+          </a:effectRef>
+          <a:fontRef idx="none"/>
+        </p:style>
+      </p:cxnSp>
+    </p:spTree>
+    <p:extLst>
+      <p:ext uri="{BB962C8B-B14F-4D97-AF65-F5344CB8AC3E}">
+        <p14:creationId xmlns:p14="http://schemas.microsoft.com/office/powerpoint/2010/main" val="2979092796"/>
+      </p:ext>
+    </p:extLst>
+  </p:cSld>
+  <p:clrMapOvr>
+    <a:masterClrMapping/>
+  </p:clrMapOvr>
+  <p:transition spd="med"/>
+</p:sld>
+</file>
+
+<file path=ppt/slides/slide15.xml><?xml version="1.0" encoding="utf-8"?>
 <p:sld xmlns:a="http://schemas.openxmlformats.org/drawingml/2006/main" xmlns:r="http://schemas.openxmlformats.org/officeDocument/2006/relationships" xmlns:p="http://schemas.openxmlformats.org/presentationml/2006/main">
   <p:cSld>
     <p:spTree>
@@ -17803,7 +19022,7 @@
             </a:ln>
             <a:extLst>
               <a:ext uri="{C572A759-6A51-4108-AA02-DFA0A04FC94B}">
-                <ma14:wrappingTextBoxFlag xmlns="" xmlns:ma14="http://schemas.microsoft.com/office/mac/drawingml/2011/main" val="1"/>
+                <ma14:wrappingTextBoxFlag xmlns:ma14="http://schemas.microsoft.com/office/mac/drawingml/2011/main" xmlns="" val="1"/>
               </a:ext>
             </a:extLst>
           </p:spPr>
@@ -18042,7 +19261,7 @@
           </a:ln>
           <a:extLst>
             <a:ext uri="{C572A759-6A51-4108-AA02-DFA0A04FC94B}">
-              <ma14:wrappingTextBoxFlag xmlns="" xmlns:ma14="http://schemas.microsoft.com/office/mac/drawingml/2011/main" val="1"/>
+              <ma14:wrappingTextBoxFlag xmlns:ma14="http://schemas.microsoft.com/office/mac/drawingml/2011/main" xmlns="" val="1"/>
             </a:ext>
           </a:extLst>
         </p:spPr>
@@ -18110,7 +19329,7 @@
           </a:ln>
           <a:extLst>
             <a:ext uri="{C572A759-6A51-4108-AA02-DFA0A04FC94B}">
-              <ma14:wrappingTextBoxFlag xmlns="" xmlns:ma14="http://schemas.microsoft.com/office/mac/drawingml/2011/main" val="1"/>
+              <ma14:wrappingTextBoxFlag xmlns:ma14="http://schemas.microsoft.com/office/mac/drawingml/2011/main" xmlns="" val="1"/>
             </a:ext>
           </a:extLst>
         </p:spPr>
@@ -18481,7 +19700,7 @@
             <a:effectLst/>
             <a:extLst>
               <a:ext uri="{C572A759-6A51-4108-AA02-DFA0A04FC94B}">
-                <ma14:wrappingTextBoxFlag xmlns="" xmlns:ma14="http://schemas.microsoft.com/office/mac/drawingml/2011/main" val="1"/>
+                <ma14:wrappingTextBoxFlag xmlns:ma14="http://schemas.microsoft.com/office/mac/drawingml/2011/main" xmlns="" val="1"/>
               </a:ext>
             </a:extLst>
           </p:spPr>
@@ -18725,7 +19944,7 @@
             </a:ln>
             <a:extLst>
               <a:ext uri="{C572A759-6A51-4108-AA02-DFA0A04FC94B}">
-                <ma14:wrappingTextBoxFlag xmlns="" xmlns:ma14="http://schemas.microsoft.com/office/mac/drawingml/2011/main" val="1"/>
+                <ma14:wrappingTextBoxFlag xmlns:ma14="http://schemas.microsoft.com/office/mac/drawingml/2011/main" xmlns="" val="1"/>
               </a:ext>
             </a:extLst>
           </p:spPr>
@@ -18938,7 +20157,7 @@
           </a:ln>
           <a:extLst>
             <a:ext uri="{C572A759-6A51-4108-AA02-DFA0A04FC94B}">
-              <ma14:wrappingTextBoxFlag xmlns="" xmlns:ma14="http://schemas.microsoft.com/office/mac/drawingml/2011/main" val="1"/>
+              <ma14:wrappingTextBoxFlag xmlns:ma14="http://schemas.microsoft.com/office/mac/drawingml/2011/main" xmlns="" val="1"/>
             </a:ext>
           </a:extLst>
         </p:spPr>
@@ -20524,7 +21743,7 @@
 </p:sld>
 </file>
 
-<file path=ppt/slides/slide15.xml><?xml version="1.0" encoding="utf-8"?>
+<file path=ppt/slides/slide16.xml><?xml version="1.0" encoding="utf-8"?>
 <p:sld xmlns:a="http://schemas.openxmlformats.org/drawingml/2006/main" xmlns:r="http://schemas.openxmlformats.org/officeDocument/2006/relationships" xmlns:p="http://schemas.openxmlformats.org/presentationml/2006/main">
   <p:cSld>
     <p:spTree>
@@ -21089,7 +22308,7 @@
             </a:ln>
             <a:extLst>
               <a:ext uri="{C572A759-6A51-4108-AA02-DFA0A04FC94B}">
-                <ma14:wrappingTextBoxFlag xmlns="" xmlns:ma14="http://schemas.microsoft.com/office/mac/drawingml/2011/main" val="1"/>
+                <ma14:wrappingTextBoxFlag xmlns:ma14="http://schemas.microsoft.com/office/mac/drawingml/2011/main" xmlns="" val="1"/>
               </a:ext>
             </a:extLst>
           </p:spPr>
@@ -21328,7 +22547,7 @@
           </a:ln>
           <a:extLst>
             <a:ext uri="{C572A759-6A51-4108-AA02-DFA0A04FC94B}">
-              <ma14:wrappingTextBoxFlag xmlns="" xmlns:ma14="http://schemas.microsoft.com/office/mac/drawingml/2011/main" val="1"/>
+              <ma14:wrappingTextBoxFlag xmlns:ma14="http://schemas.microsoft.com/office/mac/drawingml/2011/main" xmlns="" val="1"/>
             </a:ext>
           </a:extLst>
         </p:spPr>
@@ -21396,7 +22615,7 @@
           </a:ln>
           <a:extLst>
             <a:ext uri="{C572A759-6A51-4108-AA02-DFA0A04FC94B}">
-              <ma14:wrappingTextBoxFlag xmlns="" xmlns:ma14="http://schemas.microsoft.com/office/mac/drawingml/2011/main" val="1"/>
+              <ma14:wrappingTextBoxFlag xmlns:ma14="http://schemas.microsoft.com/office/mac/drawingml/2011/main" xmlns="" val="1"/>
             </a:ext>
           </a:extLst>
         </p:spPr>
@@ -21767,7 +22986,7 @@
             <a:effectLst/>
             <a:extLst>
               <a:ext uri="{C572A759-6A51-4108-AA02-DFA0A04FC94B}">
-                <ma14:wrappingTextBoxFlag xmlns="" xmlns:ma14="http://schemas.microsoft.com/office/mac/drawingml/2011/main" val="1"/>
+                <ma14:wrappingTextBoxFlag xmlns:ma14="http://schemas.microsoft.com/office/mac/drawingml/2011/main" xmlns="" val="1"/>
               </a:ext>
             </a:extLst>
           </p:spPr>
@@ -22011,7 +23230,7 @@
             </a:ln>
             <a:extLst>
               <a:ext uri="{C572A759-6A51-4108-AA02-DFA0A04FC94B}">
-                <ma14:wrappingTextBoxFlag xmlns="" xmlns:ma14="http://schemas.microsoft.com/office/mac/drawingml/2011/main" val="1"/>
+                <ma14:wrappingTextBoxFlag xmlns:ma14="http://schemas.microsoft.com/office/mac/drawingml/2011/main" xmlns="" val="1"/>
               </a:ext>
             </a:extLst>
           </p:spPr>
@@ -22147,7 +23366,7 @@
           </a:ln>
           <a:extLst>
             <a:ext uri="{C572A759-6A51-4108-AA02-DFA0A04FC94B}">
-              <ma14:wrappingTextBoxFlag xmlns="" xmlns:ma14="http://schemas.microsoft.com/office/mac/drawingml/2011/main" val="1"/>
+              <ma14:wrappingTextBoxFlag xmlns:ma14="http://schemas.microsoft.com/office/mac/drawingml/2011/main" xmlns="" val="1"/>
             </a:ext>
           </a:extLst>
         </p:spPr>
@@ -23603,7 +24822,7 @@
 </p:sld>
 </file>
 
-<file path=ppt/slides/slide16.xml><?xml version="1.0" encoding="utf-8"?>
+<file path=ppt/slides/slide17.xml><?xml version="1.0" encoding="utf-8"?>
 <p:sld xmlns:a="http://schemas.openxmlformats.org/drawingml/2006/main" xmlns:r="http://schemas.openxmlformats.org/officeDocument/2006/relationships" xmlns:p="http://schemas.openxmlformats.org/presentationml/2006/main">
   <p:cSld>
     <p:spTree>
@@ -24213,7 +25432,7 @@
             </a:ln>
             <a:extLst>
               <a:ext uri="{C572A759-6A51-4108-AA02-DFA0A04FC94B}">
-                <ma14:wrappingTextBoxFlag xmlns="" xmlns:ma14="http://schemas.microsoft.com/office/mac/drawingml/2011/main" val="1"/>
+                <ma14:wrappingTextBoxFlag xmlns:ma14="http://schemas.microsoft.com/office/mac/drawingml/2011/main" xmlns="" val="1"/>
               </a:ext>
             </a:extLst>
           </p:spPr>
@@ -24452,7 +25671,7 @@
           </a:ln>
           <a:extLst>
             <a:ext uri="{C572A759-6A51-4108-AA02-DFA0A04FC94B}">
-              <ma14:wrappingTextBoxFlag xmlns="" xmlns:ma14="http://schemas.microsoft.com/office/mac/drawingml/2011/main" val="1"/>
+              <ma14:wrappingTextBoxFlag xmlns:ma14="http://schemas.microsoft.com/office/mac/drawingml/2011/main" xmlns="" val="1"/>
             </a:ext>
           </a:extLst>
         </p:spPr>
@@ -24520,7 +25739,7 @@
           </a:ln>
           <a:extLst>
             <a:ext uri="{C572A759-6A51-4108-AA02-DFA0A04FC94B}">
-              <ma14:wrappingTextBoxFlag xmlns="" xmlns:ma14="http://schemas.microsoft.com/office/mac/drawingml/2011/main" val="1"/>
+              <ma14:wrappingTextBoxFlag xmlns:ma14="http://schemas.microsoft.com/office/mac/drawingml/2011/main" xmlns="" val="1"/>
             </a:ext>
           </a:extLst>
         </p:spPr>
@@ -24891,7 +26110,7 @@
             <a:effectLst/>
             <a:extLst>
               <a:ext uri="{C572A759-6A51-4108-AA02-DFA0A04FC94B}">
-                <ma14:wrappingTextBoxFlag xmlns="" xmlns:ma14="http://schemas.microsoft.com/office/mac/drawingml/2011/main" val="1"/>
+                <ma14:wrappingTextBoxFlag xmlns:ma14="http://schemas.microsoft.com/office/mac/drawingml/2011/main" xmlns="" val="1"/>
               </a:ext>
             </a:extLst>
           </p:spPr>
@@ -25135,7 +26354,7 @@
             </a:ln>
             <a:extLst>
               <a:ext uri="{C572A759-6A51-4108-AA02-DFA0A04FC94B}">
-                <ma14:wrappingTextBoxFlag xmlns="" xmlns:ma14="http://schemas.microsoft.com/office/mac/drawingml/2011/main" val="1"/>
+                <ma14:wrappingTextBoxFlag xmlns:ma14="http://schemas.microsoft.com/office/mac/drawingml/2011/main" xmlns="" val="1"/>
               </a:ext>
             </a:extLst>
           </p:spPr>
@@ -25348,7 +26567,7 @@
           </a:ln>
           <a:extLst>
             <a:ext uri="{C572A759-6A51-4108-AA02-DFA0A04FC94B}">
-              <ma14:wrappingTextBoxFlag xmlns="" xmlns:ma14="http://schemas.microsoft.com/office/mac/drawingml/2011/main" val="1"/>
+              <ma14:wrappingTextBoxFlag xmlns:ma14="http://schemas.microsoft.com/office/mac/drawingml/2011/main" xmlns="" val="1"/>
             </a:ext>
           </a:extLst>
         </p:spPr>
@@ -26934,7 +28153,1605 @@
 </p:sld>
 </file>
 
-<file path=ppt/slides/slide17.xml><?xml version="1.0" encoding="utf-8"?>
+<file path=ppt/slides/slide18.xml><?xml version="1.0" encoding="utf-8"?>
+<p:sld xmlns:a="http://schemas.openxmlformats.org/drawingml/2006/main" xmlns:r="http://schemas.openxmlformats.org/officeDocument/2006/relationships" xmlns:p="http://schemas.openxmlformats.org/presentationml/2006/main">
+  <p:cSld>
+    <p:spTree>
+      <p:nvGrpSpPr>
+        <p:cNvPr id="1" name=""/>
+        <p:cNvGrpSpPr/>
+        <p:nvPr/>
+      </p:nvGrpSpPr>
+      <p:grpSpPr>
+        <a:xfrm>
+          <a:off x="0" y="0"/>
+          <a:ext cx="0" cy="0"/>
+          <a:chOff x="0" y="0"/>
+          <a:chExt cx="0" cy="0"/>
+        </a:xfrm>
+      </p:grpSpPr>
+      <p:sp>
+        <p:nvSpPr>
+          <p:cNvPr id="2" name="Rectangle 1">
+            <a:extLst>
+              <a:ext uri="{FF2B5EF4-FFF2-40B4-BE49-F238E27FC236}">
+                <a16:creationId xmlns:a16="http://schemas.microsoft.com/office/drawing/2014/main" id="{42F2536A-FDF6-2B4E-AC50-92566BF4AFC9}"/>
+              </a:ext>
+            </a:extLst>
+          </p:cNvPr>
+          <p:cNvSpPr/>
+          <p:nvPr/>
+        </p:nvSpPr>
+        <p:spPr>
+          <a:xfrm>
+            <a:off x="2173070" y="673075"/>
+            <a:ext cx="1461051" cy="947474"/>
+          </a:xfrm>
+          <a:prstGeom prst="rect">
+            <a:avLst/>
+          </a:prstGeom>
+          <a:solidFill>
+            <a:schemeClr val="bg1"/>
+          </a:solidFill>
+          <a:ln w="25400">
+            <a:solidFill>
+              <a:srgbClr val="4277BB"/>
+            </a:solidFill>
+            <a:miter lim="400000"/>
+          </a:ln>
+        </p:spPr>
+        <p:txBody>
+          <a:bodyPr lIns="0" tIns="0" rIns="0" bIns="0" rtlCol="0" anchor="ctr"/>
+          <a:lstStyle/>
+          <a:p>
+            <a:pPr algn="ctr"/>
+            <a:endParaRPr lang="de-DE" sz="1800">
+              <a:solidFill>
+                <a:srgbClr val="4277BB"/>
+              </a:solidFill>
+            </a:endParaRPr>
+          </a:p>
+        </p:txBody>
+      </p:sp>
+      <p:cxnSp>
+        <p:nvCxnSpPr>
+          <p:cNvPr id="3" name="Straight Connector 2">
+            <a:extLst>
+              <a:ext uri="{FF2B5EF4-FFF2-40B4-BE49-F238E27FC236}">
+                <a16:creationId xmlns:a16="http://schemas.microsoft.com/office/drawing/2014/main" id="{062C08D1-5ABC-104B-919F-B517CEF0BF33}"/>
+              </a:ext>
+            </a:extLst>
+          </p:cNvPr>
+          <p:cNvCxnSpPr>
+            <a:cxnSpLocks/>
+            <a:stCxn id="2" idx="2"/>
+            <a:endCxn id="8" idx="0"/>
+          </p:cNvCxnSpPr>
+          <p:nvPr/>
+        </p:nvCxnSpPr>
+        <p:spPr>
+          <a:xfrm flipH="1">
+            <a:off x="2897684" y="1620549"/>
+            <a:ext cx="5912" cy="2048795"/>
+          </a:xfrm>
+          <a:prstGeom prst="line">
+            <a:avLst/>
+          </a:prstGeom>
+          <a:noFill/>
+          <a:ln w="31750" cap="flat">
+            <a:solidFill>
+              <a:schemeClr val="bg1">
+                <a:lumMod val="85000"/>
+              </a:schemeClr>
+            </a:solidFill>
+            <a:prstDash val="solid"/>
+            <a:miter lim="400000"/>
+          </a:ln>
+          <a:effectLst/>
+        </p:spPr>
+        <p:style>
+          <a:lnRef idx="0">
+            <a:scrgbClr r="0" g="0" b="0"/>
+          </a:lnRef>
+          <a:fillRef idx="0">
+            <a:scrgbClr r="0" g="0" b="0"/>
+          </a:fillRef>
+          <a:effectRef idx="0">
+            <a:scrgbClr r="0" g="0" b="0"/>
+          </a:effectRef>
+          <a:fontRef idx="none"/>
+        </p:style>
+      </p:cxnSp>
+      <p:sp>
+        <p:nvSpPr>
+          <p:cNvPr id="4" name="Rectangle 3">
+            <a:extLst>
+              <a:ext uri="{FF2B5EF4-FFF2-40B4-BE49-F238E27FC236}">
+                <a16:creationId xmlns:a16="http://schemas.microsoft.com/office/drawing/2014/main" id="{E4DDCBB4-830E-234F-B57F-0141C8A11096}"/>
+              </a:ext>
+            </a:extLst>
+          </p:cNvPr>
+          <p:cNvSpPr/>
+          <p:nvPr/>
+        </p:nvSpPr>
+        <p:spPr>
+          <a:xfrm>
+            <a:off x="2042204" y="2740392"/>
+            <a:ext cx="4185501" cy="2619260"/>
+          </a:xfrm>
+          <a:prstGeom prst="rect">
+            <a:avLst/>
+          </a:prstGeom>
+          <a:solidFill>
+            <a:schemeClr val="accent1">
+              <a:lumMod val="20000"/>
+              <a:lumOff val="80000"/>
+              <a:alpha val="23000"/>
+            </a:schemeClr>
+          </a:solidFill>
+          <a:ln w="25400">
+            <a:solidFill>
+              <a:srgbClr val="4277BB"/>
+            </a:solidFill>
+            <a:miter lim="400000"/>
+          </a:ln>
+        </p:spPr>
+        <p:txBody>
+          <a:bodyPr lIns="0" tIns="0" rIns="0" bIns="0" rtlCol="0" anchor="ctr"/>
+          <a:lstStyle/>
+          <a:p>
+            <a:pPr algn="ctr"/>
+            <a:endParaRPr lang="de-DE" sz="1800">
+              <a:solidFill>
+                <a:srgbClr val="4277BB"/>
+              </a:solidFill>
+            </a:endParaRPr>
+          </a:p>
+        </p:txBody>
+      </p:sp>
+      <p:sp>
+        <p:nvSpPr>
+          <p:cNvPr id="6" name="Rectangle 5">
+            <a:extLst>
+              <a:ext uri="{FF2B5EF4-FFF2-40B4-BE49-F238E27FC236}">
+                <a16:creationId xmlns:a16="http://schemas.microsoft.com/office/drawing/2014/main" id="{20010285-107E-B148-8B5A-B3D909CA16C5}"/>
+              </a:ext>
+            </a:extLst>
+          </p:cNvPr>
+          <p:cNvSpPr/>
+          <p:nvPr/>
+        </p:nvSpPr>
+        <p:spPr>
+          <a:xfrm>
+            <a:off x="2157604" y="3340537"/>
+            <a:ext cx="1462598" cy="1344341"/>
+          </a:xfrm>
+          <a:prstGeom prst="rect">
+            <a:avLst/>
+          </a:prstGeom>
+          <a:solidFill>
+            <a:schemeClr val="bg1"/>
+          </a:solidFill>
+          <a:ln w="25400">
+            <a:solidFill>
+              <a:srgbClr val="4277BB"/>
+            </a:solidFill>
+            <a:miter lim="400000"/>
+          </a:ln>
+        </p:spPr>
+        <p:txBody>
+          <a:bodyPr lIns="0" tIns="0" rIns="0" bIns="0" rtlCol="0" anchor="ctr"/>
+          <a:lstStyle/>
+          <a:p>
+            <a:pPr algn="ctr"/>
+            <a:endParaRPr lang="de-DE" sz="1800">
+              <a:solidFill>
+                <a:srgbClr val="4277BB"/>
+              </a:solidFill>
+            </a:endParaRPr>
+          </a:p>
+        </p:txBody>
+      </p:sp>
+      <p:sp>
+        <p:nvSpPr>
+          <p:cNvPr id="7" name="Rectangle 6">
+            <a:extLst>
+              <a:ext uri="{FF2B5EF4-FFF2-40B4-BE49-F238E27FC236}">
+                <a16:creationId xmlns:a16="http://schemas.microsoft.com/office/drawing/2014/main" id="{2DD8ECA3-E7D9-A940-9DD5-370B4887792F}"/>
+              </a:ext>
+            </a:extLst>
+          </p:cNvPr>
+          <p:cNvSpPr/>
+          <p:nvPr/>
+        </p:nvSpPr>
+        <p:spPr>
+          <a:xfrm>
+            <a:off x="4417047" y="3314249"/>
+            <a:ext cx="1511646" cy="1913288"/>
+          </a:xfrm>
+          <a:prstGeom prst="rect">
+            <a:avLst/>
+          </a:prstGeom>
+          <a:solidFill>
+            <a:schemeClr val="bg1"/>
+          </a:solidFill>
+          <a:ln w="25400">
+            <a:solidFill>
+              <a:srgbClr val="4277BB"/>
+            </a:solidFill>
+            <a:miter lim="400000"/>
+          </a:ln>
+        </p:spPr>
+        <p:txBody>
+          <a:bodyPr lIns="0" tIns="0" rIns="0" bIns="0" rtlCol="0" anchor="ctr"/>
+          <a:lstStyle/>
+          <a:p>
+            <a:pPr algn="ctr"/>
+            <a:endParaRPr lang="de-DE" sz="1800">
+              <a:solidFill>
+                <a:srgbClr val="4277BB"/>
+              </a:solidFill>
+            </a:endParaRPr>
+          </a:p>
+        </p:txBody>
+      </p:sp>
+      <p:pic>
+        <p:nvPicPr>
+          <p:cNvPr id="8" name="Picture 7">
+            <a:extLst>
+              <a:ext uri="{FF2B5EF4-FFF2-40B4-BE49-F238E27FC236}">
+                <a16:creationId xmlns:a16="http://schemas.microsoft.com/office/drawing/2014/main" id="{336C19FC-319A-3E49-B92D-D0783E134ADE}"/>
+              </a:ext>
+            </a:extLst>
+          </p:cNvPr>
+          <p:cNvPicPr>
+            <a:picLocks noChangeAspect="1"/>
+          </p:cNvPicPr>
+          <p:nvPr/>
+        </p:nvPicPr>
+        <p:blipFill>
+          <a:blip r:embed="rId2"/>
+          <a:stretch>
+            <a:fillRect/>
+          </a:stretch>
+        </p:blipFill>
+        <p:spPr>
+          <a:xfrm>
+            <a:off x="2496167" y="3669344"/>
+            <a:ext cx="803034" cy="701972"/>
+          </a:xfrm>
+          <a:prstGeom prst="rect">
+            <a:avLst/>
+          </a:prstGeom>
+        </p:spPr>
+      </p:pic>
+      <p:sp>
+        <p:nvSpPr>
+          <p:cNvPr id="9" name="TextBox 8">
+            <a:extLst>
+              <a:ext uri="{FF2B5EF4-FFF2-40B4-BE49-F238E27FC236}">
+                <a16:creationId xmlns:a16="http://schemas.microsoft.com/office/drawing/2014/main" id="{7E89EB1E-492F-404E-9174-582FC689AC93}"/>
+              </a:ext>
+            </a:extLst>
+          </p:cNvPr>
+          <p:cNvSpPr txBox="1"/>
+          <p:nvPr/>
+        </p:nvSpPr>
+        <p:spPr>
+          <a:xfrm>
+            <a:off x="2233830" y="4270893"/>
+            <a:ext cx="1325151" cy="448679"/>
+          </a:xfrm>
+          <a:prstGeom prst="rect">
+            <a:avLst/>
+          </a:prstGeom>
+          <a:noFill/>
+          <a:ln w="3175" cap="flat">
+            <a:noFill/>
+            <a:miter lim="400000"/>
+          </a:ln>
+          <a:effectLst/>
+        </p:spPr>
+        <p:style>
+          <a:lnRef idx="0">
+            <a:scrgbClr r="0" g="0" b="0"/>
+          </a:lnRef>
+          <a:fillRef idx="0">
+            <a:scrgbClr r="0" g="0" b="0"/>
+          </a:fillRef>
+          <a:effectRef idx="0">
+            <a:scrgbClr r="0" g="0" b="0"/>
+          </a:effectRef>
+          <a:fontRef idx="none"/>
+        </p:style>
+        <p:txBody>
+          <a:bodyPr rot="0" spcFirstLastPara="1" vertOverflow="overflow" horzOverflow="overflow" vert="horz" wrap="square" lIns="39290" tIns="39290" rIns="39290" bIns="39290" numCol="1" spcCol="38100" rtlCol="0" anchor="ctr">
+            <a:spAutoFit/>
+          </a:bodyPr>
+          <a:lstStyle/>
+          <a:p>
+            <a:pPr marL="0" marR="0" indent="0" defTabSz="584200" rtl="0" fontAlgn="auto" latinLnBrk="1" hangingPunct="0">
+              <a:lnSpc>
+                <a:spcPct val="100000"/>
+              </a:lnSpc>
+              <a:spcBef>
+                <a:spcPts val="0"/>
+              </a:spcBef>
+              <a:spcAft>
+                <a:spcPts val="0"/>
+              </a:spcAft>
+              <a:buClrTx/>
+              <a:buSzTx/>
+              <a:buFontTx/>
+              <a:buNone/>
+              <a:tabLst/>
+            </a:pPr>
+            <a:r>
+              <a:rPr kumimoji="0" lang="en-US" sz="1200" i="0" u="none" strike="noStrike" cap="none" spc="0" normalizeH="0" baseline="0" dirty="0">
+                <a:ln>
+                  <a:noFill/>
+                </a:ln>
+                <a:solidFill>
+                  <a:srgbClr val="000000"/>
+                </a:solidFill>
+                <a:effectLst/>
+                <a:uFillTx/>
+                <a:latin typeface="Arial"/>
+                <a:ea typeface="+mn-ea"/>
+                <a:cs typeface="Arial"/>
+                <a:sym typeface="Helvetica Light"/>
+              </a:rPr>
+              <a:t>High Score </a:t>
+            </a:r>
+            <a:br>
+              <a:rPr kumimoji="0" lang="en-US" sz="1200" i="0" u="none" strike="noStrike" cap="none" spc="0" normalizeH="0" baseline="0" dirty="0">
+                <a:ln>
+                  <a:noFill/>
+                </a:ln>
+                <a:solidFill>
+                  <a:srgbClr val="000000"/>
+                </a:solidFill>
+                <a:effectLst/>
+                <a:uFillTx/>
+                <a:latin typeface="Arial"/>
+                <a:ea typeface="+mn-ea"/>
+                <a:cs typeface="Arial"/>
+                <a:sym typeface="Helvetica Light"/>
+              </a:rPr>
+            </a:br>
+            <a:r>
+              <a:rPr kumimoji="0" lang="en-US" sz="1200" i="0" u="none" strike="noStrike" cap="none" spc="0" normalizeH="0" baseline="0" dirty="0">
+                <a:ln>
+                  <a:noFill/>
+                </a:ln>
+                <a:solidFill>
+                  <a:srgbClr val="000000"/>
+                </a:solidFill>
+                <a:effectLst/>
+                <a:uFillTx/>
+                <a:latin typeface="Arial"/>
+                <a:ea typeface="+mn-ea"/>
+                <a:cs typeface="Arial"/>
+                <a:sym typeface="Helvetica Light"/>
+              </a:rPr>
+              <a:t>Client</a:t>
+            </a:r>
+          </a:p>
+        </p:txBody>
+      </p:sp>
+      <p:sp>
+        <p:nvSpPr>
+          <p:cNvPr id="10" name="Shape 63">
+            <a:extLst>
+              <a:ext uri="{FF2B5EF4-FFF2-40B4-BE49-F238E27FC236}">
+                <a16:creationId xmlns:a16="http://schemas.microsoft.com/office/drawing/2014/main" id="{77556264-02BC-B941-ADB1-634F4F781E4E}"/>
+              </a:ext>
+            </a:extLst>
+          </p:cNvPr>
+          <p:cNvSpPr/>
+          <p:nvPr/>
+        </p:nvSpPr>
+        <p:spPr>
+          <a:xfrm>
+            <a:off x="214871" y="407780"/>
+            <a:ext cx="820738" cy="246221"/>
+          </a:xfrm>
+          <a:prstGeom prst="rect">
+            <a:avLst/>
+          </a:prstGeom>
+          <a:ln w="3175">
+            <a:miter lim="400000"/>
+          </a:ln>
+          <a:extLst>
+            <a:ext uri="{C572A759-6A51-4108-AA02-DFA0A04FC94B}">
+              <ma14:wrappingTextBoxFlag xmlns:ma14="http://schemas.microsoft.com/office/mac/drawingml/2011/main" xmlns="" val="1"/>
+            </a:ext>
+          </a:extLst>
+        </p:spPr>
+        <p:txBody>
+          <a:bodyPr wrap="none" lIns="0" tIns="0" rIns="0" bIns="0">
+            <a:spAutoFit/>
+          </a:bodyPr>
+          <a:lstStyle>
+            <a:lvl1pPr algn="l">
+              <a:defRPr sz="1000" b="1">
+                <a:solidFill>
+                  <a:srgbClr val="4277BB"/>
+                </a:solidFill>
+                <a:latin typeface="Helvetica"/>
+                <a:ea typeface="Helvetica"/>
+                <a:cs typeface="Helvetica"/>
+                <a:sym typeface="Helvetica"/>
+              </a:defRPr>
+            </a:lvl1pPr>
+          </a:lstStyle>
+          <a:p>
+            <a:pPr lvl="0">
+              <a:defRPr sz="1800" b="0">
+                <a:solidFill>
+                  <a:srgbClr val="000000"/>
+                </a:solidFill>
+              </a:defRPr>
+            </a:pPr>
+            <a:r>
+              <a:rPr lang="de-DE" sz="1600" b="1" dirty="0">
+                <a:solidFill>
+                  <a:schemeClr val="tx1"/>
+                </a:solidFill>
+                <a:latin typeface="Arial"/>
+                <a:cs typeface="Arial"/>
+              </a:rPr>
+              <a:t>Browser</a:t>
+            </a:r>
+            <a:endParaRPr sz="1600" b="1" dirty="0">
+              <a:solidFill>
+                <a:schemeClr val="tx1"/>
+              </a:solidFill>
+              <a:latin typeface="Arial"/>
+              <a:cs typeface="Arial"/>
+            </a:endParaRPr>
+          </a:p>
+        </p:txBody>
+      </p:sp>
+      <p:sp>
+        <p:nvSpPr>
+          <p:cNvPr id="11" name="Shape 64">
+            <a:extLst>
+              <a:ext uri="{FF2B5EF4-FFF2-40B4-BE49-F238E27FC236}">
+                <a16:creationId xmlns:a16="http://schemas.microsoft.com/office/drawing/2014/main" id="{829B4D6E-94A2-6B43-9DF7-DC50846F3BAF}"/>
+              </a:ext>
+            </a:extLst>
+          </p:cNvPr>
+          <p:cNvSpPr/>
+          <p:nvPr/>
+        </p:nvSpPr>
+        <p:spPr>
+          <a:xfrm>
+            <a:off x="2212507" y="407780"/>
+            <a:ext cx="1014300" cy="246221"/>
+          </a:xfrm>
+          <a:prstGeom prst="rect">
+            <a:avLst/>
+          </a:prstGeom>
+          <a:ln w="3175">
+            <a:miter lim="400000"/>
+          </a:ln>
+          <a:extLst>
+            <a:ext uri="{C572A759-6A51-4108-AA02-DFA0A04FC94B}">
+              <ma14:wrappingTextBoxFlag xmlns:ma14="http://schemas.microsoft.com/office/mac/drawingml/2011/main" xmlns="" val="1"/>
+            </a:ext>
+          </a:extLst>
+        </p:spPr>
+        <p:txBody>
+          <a:bodyPr wrap="none" lIns="0" tIns="0" rIns="0" bIns="0">
+            <a:spAutoFit/>
+          </a:bodyPr>
+          <a:lstStyle>
+            <a:lvl1pPr algn="l">
+              <a:defRPr sz="1000" b="1">
+                <a:solidFill>
+                  <a:srgbClr val="4277BB"/>
+                </a:solidFill>
+                <a:latin typeface="Helvetica"/>
+                <a:ea typeface="Helvetica"/>
+                <a:cs typeface="Helvetica"/>
+                <a:sym typeface="Helvetica"/>
+              </a:defRPr>
+            </a:lvl1pPr>
+          </a:lstStyle>
+          <a:p>
+            <a:pPr lvl="0">
+              <a:defRPr sz="1800" b="0">
+                <a:solidFill>
+                  <a:srgbClr val="000000"/>
+                </a:solidFill>
+              </a:defRPr>
+            </a:pPr>
+            <a:r>
+              <a:rPr lang="de-DE" sz="1600" b="1" dirty="0">
+                <a:solidFill>
+                  <a:srgbClr val="000000"/>
+                </a:solidFill>
+                <a:latin typeface="Arial"/>
+                <a:cs typeface="Arial"/>
+              </a:rPr>
+              <a:t>IBM Cloud </a:t>
+            </a:r>
+            <a:endParaRPr sz="1600" b="1" dirty="0">
+              <a:solidFill>
+                <a:srgbClr val="000000"/>
+              </a:solidFill>
+              <a:latin typeface="Arial"/>
+              <a:cs typeface="Arial"/>
+            </a:endParaRPr>
+          </a:p>
+        </p:txBody>
+      </p:sp>
+      <p:sp>
+        <p:nvSpPr>
+          <p:cNvPr id="12" name="Shape 62">
+            <a:extLst>
+              <a:ext uri="{FF2B5EF4-FFF2-40B4-BE49-F238E27FC236}">
+                <a16:creationId xmlns:a16="http://schemas.microsoft.com/office/drawing/2014/main" id="{F33C994E-E7E0-1F4A-B360-763C3B542649}"/>
+              </a:ext>
+            </a:extLst>
+          </p:cNvPr>
+          <p:cNvSpPr/>
+          <p:nvPr/>
+        </p:nvSpPr>
+        <p:spPr>
+          <a:xfrm flipV="1">
+            <a:off x="1752010" y="407780"/>
+            <a:ext cx="1079" cy="6495450"/>
+          </a:xfrm>
+          <a:prstGeom prst="line">
+            <a:avLst/>
+          </a:prstGeom>
+          <a:ln w="25400">
+            <a:solidFill>
+              <a:schemeClr val="bg1">
+                <a:lumMod val="85000"/>
+              </a:schemeClr>
+            </a:solidFill>
+            <a:miter lim="400000"/>
+          </a:ln>
+        </p:spPr>
+        <p:txBody>
+          <a:bodyPr lIns="0" tIns="0" rIns="0" bIns="0" anchor="ctr"/>
+          <a:lstStyle/>
+          <a:p>
+            <a:pPr lvl="0">
+              <a:defRPr sz="1800"/>
+            </a:pPr>
+            <a:endParaRPr/>
+          </a:p>
+        </p:txBody>
+      </p:sp>
+      <p:pic>
+        <p:nvPicPr>
+          <p:cNvPr id="13" name="Picture 12">
+            <a:extLst>
+              <a:ext uri="{FF2B5EF4-FFF2-40B4-BE49-F238E27FC236}">
+                <a16:creationId xmlns:a16="http://schemas.microsoft.com/office/drawing/2014/main" id="{2450B606-D750-FB4E-819F-5402071B5FEE}"/>
+              </a:ext>
+            </a:extLst>
+          </p:cNvPr>
+          <p:cNvPicPr>
+            <a:picLocks noChangeAspect="1"/>
+          </p:cNvPicPr>
+          <p:nvPr/>
+        </p:nvPicPr>
+        <p:blipFill>
+          <a:blip r:embed="rId2"/>
+          <a:stretch>
+            <a:fillRect/>
+          </a:stretch>
+        </p:blipFill>
+        <p:spPr>
+          <a:xfrm>
+            <a:off x="2496167" y="856032"/>
+            <a:ext cx="803034" cy="701972"/>
+          </a:xfrm>
+          <a:prstGeom prst="rect">
+            <a:avLst/>
+          </a:prstGeom>
+        </p:spPr>
+      </p:pic>
+      <p:sp>
+        <p:nvSpPr>
+          <p:cNvPr id="14" name="TextBox 13">
+            <a:extLst>
+              <a:ext uri="{FF2B5EF4-FFF2-40B4-BE49-F238E27FC236}">
+                <a16:creationId xmlns:a16="http://schemas.microsoft.com/office/drawing/2014/main" id="{3E776CF1-47E2-C243-B8F6-6A317758F6DF}"/>
+              </a:ext>
+            </a:extLst>
+          </p:cNvPr>
+          <p:cNvSpPr txBox="1"/>
+          <p:nvPr/>
+        </p:nvSpPr>
+        <p:spPr>
+          <a:xfrm>
+            <a:off x="2326267" y="654835"/>
+            <a:ext cx="1181319" cy="264013"/>
+          </a:xfrm>
+          <a:prstGeom prst="rect">
+            <a:avLst/>
+          </a:prstGeom>
+          <a:noFill/>
+          <a:ln w="3175" cap="flat">
+            <a:noFill/>
+            <a:miter lim="400000"/>
+          </a:ln>
+          <a:effectLst/>
+        </p:spPr>
+        <p:style>
+          <a:lnRef idx="0">
+            <a:scrgbClr r="0" g="0" b="0"/>
+          </a:lnRef>
+          <a:fillRef idx="0">
+            <a:scrgbClr r="0" g="0" b="0"/>
+          </a:fillRef>
+          <a:effectRef idx="0">
+            <a:scrgbClr r="0" g="0" b="0"/>
+          </a:effectRef>
+          <a:fontRef idx="none"/>
+        </p:style>
+        <p:txBody>
+          <a:bodyPr rot="0" spcFirstLastPara="1" vertOverflow="overflow" horzOverflow="overflow" vert="horz" wrap="square" lIns="39290" tIns="39290" rIns="39290" bIns="39290" numCol="1" spcCol="38100" rtlCol="0" anchor="ctr">
+            <a:spAutoFit/>
+          </a:bodyPr>
+          <a:lstStyle/>
+          <a:p>
+            <a:pPr marL="0" marR="0" indent="0" defTabSz="584200" rtl="0" fontAlgn="auto" latinLnBrk="1" hangingPunct="0">
+              <a:lnSpc>
+                <a:spcPct val="100000"/>
+              </a:lnSpc>
+              <a:spcBef>
+                <a:spcPts val="0"/>
+              </a:spcBef>
+              <a:spcAft>
+                <a:spcPts val="0"/>
+              </a:spcAft>
+              <a:buClrTx/>
+              <a:buSzTx/>
+              <a:buFontTx/>
+              <a:buNone/>
+              <a:tabLst/>
+            </a:pPr>
+            <a:r>
+              <a:rPr kumimoji="0" lang="en-US" sz="1200" b="0" i="0" u="none" strike="noStrike" cap="none" spc="0" normalizeH="0" baseline="0" dirty="0">
+                <a:ln>
+                  <a:noFill/>
+                </a:ln>
+                <a:solidFill>
+                  <a:srgbClr val="000000"/>
+                </a:solidFill>
+                <a:effectLst/>
+                <a:uFillTx/>
+                <a:latin typeface="Arial"/>
+                <a:ea typeface="+mn-ea"/>
+                <a:cs typeface="Arial"/>
+                <a:sym typeface="Helvetica Light"/>
+              </a:rPr>
+              <a:t>Game</a:t>
+            </a:r>
+          </a:p>
+        </p:txBody>
+      </p:sp>
+      <p:sp>
+        <p:nvSpPr>
+          <p:cNvPr id="15" name="Shape 541">
+            <a:extLst>
+              <a:ext uri="{FF2B5EF4-FFF2-40B4-BE49-F238E27FC236}">
+                <a16:creationId xmlns:a16="http://schemas.microsoft.com/office/drawing/2014/main" id="{DEF48ADE-1EDB-FD44-9BAB-ADCA0208EC15}"/>
+              </a:ext>
+            </a:extLst>
+          </p:cNvPr>
+          <p:cNvSpPr/>
+          <p:nvPr/>
+        </p:nvSpPr>
+        <p:spPr>
+          <a:xfrm>
+            <a:off x="4873616" y="3718487"/>
+            <a:ext cx="707232" cy="707232"/>
+          </a:xfrm>
+          <a:custGeom>
+            <a:avLst/>
+            <a:gdLst/>
+            <a:ahLst/>
+            <a:cxnLst>
+              <a:cxn ang="0">
+                <a:pos x="wd2" y="hd2"/>
+              </a:cxn>
+              <a:cxn ang="5400000">
+                <a:pos x="wd2" y="hd2"/>
+              </a:cxn>
+              <a:cxn ang="10800000">
+                <a:pos x="wd2" y="hd2"/>
+              </a:cxn>
+              <a:cxn ang="16200000">
+                <a:pos x="wd2" y="hd2"/>
+              </a:cxn>
+            </a:cxnLst>
+            <a:rect l="0" t="0" r="r" b="b"/>
+            <a:pathLst>
+              <a:path w="19679" h="19679" extrusionOk="0">
+                <a:moveTo>
+                  <a:pt x="16796" y="2882"/>
+                </a:moveTo>
+                <a:cubicBezTo>
+                  <a:pt x="20639" y="6724"/>
+                  <a:pt x="20639" y="12954"/>
+                  <a:pt x="16796" y="16796"/>
+                </a:cubicBezTo>
+                <a:cubicBezTo>
+                  <a:pt x="12954" y="20639"/>
+                  <a:pt x="6724" y="20639"/>
+                  <a:pt x="2882" y="16796"/>
+                </a:cubicBezTo>
+                <a:cubicBezTo>
+                  <a:pt x="-961" y="12954"/>
+                  <a:pt x="-961" y="6724"/>
+                  <a:pt x="2882" y="2882"/>
+                </a:cubicBezTo>
+                <a:cubicBezTo>
+                  <a:pt x="6724" y="-961"/>
+                  <a:pt x="12954" y="-961"/>
+                  <a:pt x="16796" y="2882"/>
+                </a:cubicBezTo>
+                <a:close/>
+              </a:path>
+            </a:pathLst>
+          </a:custGeom>
+          <a:solidFill>
+            <a:srgbClr val="FFFFFF"/>
+          </a:solidFill>
+          <a:ln w="25400">
+            <a:solidFill>
+              <a:srgbClr val="4277BB"/>
+            </a:solidFill>
+            <a:miter lim="400000"/>
+          </a:ln>
+        </p:spPr>
+        <p:txBody>
+          <a:bodyPr lIns="0" tIns="0" rIns="0" bIns="0" anchor="ctr"/>
+          <a:lstStyle/>
+          <a:p>
+            <a:pPr lvl="0">
+              <a:defRPr sz="1800">
+                <a:solidFill>
+                  <a:srgbClr val="FFFFFF"/>
+                </a:solidFill>
+              </a:defRPr>
+            </a:pPr>
+            <a:endParaRPr/>
+          </a:p>
+        </p:txBody>
+      </p:sp>
+      <p:sp>
+        <p:nvSpPr>
+          <p:cNvPr id="16" name="Shape 547">
+            <a:extLst>
+              <a:ext uri="{FF2B5EF4-FFF2-40B4-BE49-F238E27FC236}">
+                <a16:creationId xmlns:a16="http://schemas.microsoft.com/office/drawing/2014/main" id="{B4240706-8EC3-4C4E-8B60-E8953EA4A22F}"/>
+              </a:ext>
+            </a:extLst>
+          </p:cNvPr>
+          <p:cNvSpPr/>
+          <p:nvPr/>
+        </p:nvSpPr>
+        <p:spPr>
+          <a:xfrm>
+            <a:off x="4521590" y="4425718"/>
+            <a:ext cx="1411294" cy="553998"/>
+          </a:xfrm>
+          <a:prstGeom prst="rect">
+            <a:avLst/>
+          </a:prstGeom>
+          <a:ln w="3175">
+            <a:miter lim="400000"/>
+          </a:ln>
+          <a:extLst>
+            <a:ext uri="{C572A759-6A51-4108-AA02-DFA0A04FC94B}">
+              <ma14:wrappingTextBoxFlag xmlns:ma14="http://schemas.microsoft.com/office/mac/drawingml/2011/main" xmlns="" val="1"/>
+            </a:ext>
+          </a:extLst>
+        </p:spPr>
+        <p:txBody>
+          <a:bodyPr wrap="none" lIns="0" tIns="0" rIns="0" bIns="0">
+            <a:spAutoFit/>
+          </a:bodyPr>
+          <a:lstStyle>
+            <a:lvl1pPr>
+              <a:defRPr sz="900" b="1">
+                <a:latin typeface="Helvetica"/>
+                <a:ea typeface="Helvetica"/>
+                <a:cs typeface="Helvetica"/>
+                <a:sym typeface="Helvetica"/>
+              </a:defRPr>
+            </a:lvl1pPr>
+          </a:lstStyle>
+          <a:p>
+            <a:pPr>
+              <a:defRPr sz="1800" b="0"/>
+            </a:pPr>
+            <a:r>
+              <a:rPr lang="de-DE" sz="1200" b="0" dirty="0">
+                <a:latin typeface="Arial"/>
+                <a:cs typeface="Arial"/>
+              </a:rPr>
+              <a:t>Cloud Foundry</a:t>
+            </a:r>
+          </a:p>
+          <a:p>
+            <a:pPr lvl="0">
+              <a:defRPr sz="1800" b="0"/>
+            </a:pPr>
+            <a:r>
+              <a:rPr lang="de-DE" sz="1200" b="0" dirty="0">
+                <a:latin typeface="Arial"/>
+                <a:cs typeface="Arial"/>
+              </a:rPr>
+              <a:t>Node.js Buildpack</a:t>
+            </a:r>
+          </a:p>
+          <a:p>
+            <a:pPr lvl="0">
+              <a:defRPr sz="1800" b="0"/>
+            </a:pPr>
+            <a:r>
+              <a:rPr lang="de-DE" sz="1200" b="0" dirty="0">
+                <a:latin typeface="Arial"/>
+                <a:cs typeface="Arial"/>
+              </a:rPr>
+              <a:t>Web App Resources</a:t>
+            </a:r>
+          </a:p>
+        </p:txBody>
+      </p:sp>
+      <p:pic>
+        <p:nvPicPr>
+          <p:cNvPr id="17" name="i_js_50.png">
+            <a:extLst>
+              <a:ext uri="{FF2B5EF4-FFF2-40B4-BE49-F238E27FC236}">
+                <a16:creationId xmlns:a16="http://schemas.microsoft.com/office/drawing/2014/main" id="{65B1B1B1-ED2F-AE40-90DD-C8D1BA2C936C}"/>
+              </a:ext>
+            </a:extLst>
+          </p:cNvPr>
+          <p:cNvPicPr/>
+          <p:nvPr/>
+        </p:nvPicPr>
+        <p:blipFill>
+          <a:blip r:embed="rId3">
+            <a:extLst/>
+          </a:blip>
+          <a:stretch>
+            <a:fillRect/>
+          </a:stretch>
+        </p:blipFill>
+        <p:spPr>
+          <a:xfrm>
+            <a:off x="4992631" y="3856041"/>
+            <a:ext cx="491134" cy="491134"/>
+          </a:xfrm>
+          <a:prstGeom prst="rect">
+            <a:avLst/>
+          </a:prstGeom>
+          <a:ln w="3175">
+            <a:miter lim="400000"/>
+          </a:ln>
+        </p:spPr>
+      </p:pic>
+      <p:cxnSp>
+        <p:nvCxnSpPr>
+          <p:cNvPr id="18" name="Straight Connector 17">
+            <a:extLst>
+              <a:ext uri="{FF2B5EF4-FFF2-40B4-BE49-F238E27FC236}">
+                <a16:creationId xmlns:a16="http://schemas.microsoft.com/office/drawing/2014/main" id="{3FC02B0A-7B7B-5D48-9FE5-1BBCA6D5819D}"/>
+              </a:ext>
+            </a:extLst>
+          </p:cNvPr>
+          <p:cNvCxnSpPr>
+            <a:cxnSpLocks/>
+          </p:cNvCxnSpPr>
+          <p:nvPr/>
+        </p:nvCxnSpPr>
+        <p:spPr>
+          <a:xfrm>
+            <a:off x="3196966" y="3964168"/>
+            <a:ext cx="1676650" cy="2099"/>
+          </a:xfrm>
+          <a:prstGeom prst="line">
+            <a:avLst/>
+          </a:prstGeom>
+          <a:noFill/>
+          <a:ln w="34925" cap="flat">
+            <a:solidFill>
+              <a:schemeClr val="bg1">
+                <a:lumMod val="85000"/>
+              </a:schemeClr>
+            </a:solidFill>
+            <a:prstDash val="solid"/>
+            <a:miter lim="400000"/>
+          </a:ln>
+          <a:effectLst/>
+        </p:spPr>
+        <p:style>
+          <a:lnRef idx="0">
+            <a:scrgbClr r="0" g="0" b="0"/>
+          </a:lnRef>
+          <a:fillRef idx="0">
+            <a:scrgbClr r="0" g="0" b="0"/>
+          </a:fillRef>
+          <a:effectRef idx="0">
+            <a:scrgbClr r="0" g="0" b="0"/>
+          </a:effectRef>
+          <a:fontRef idx="none"/>
+        </p:style>
+      </p:cxnSp>
+      <p:pic>
+        <p:nvPicPr>
+          <p:cNvPr id="19" name="Picture 18">
+            <a:extLst>
+              <a:ext uri="{FF2B5EF4-FFF2-40B4-BE49-F238E27FC236}">
+                <a16:creationId xmlns:a16="http://schemas.microsoft.com/office/drawing/2014/main" id="{1A89D955-8D7E-0A49-8D01-D3292A8E9467}"/>
+              </a:ext>
+            </a:extLst>
+          </p:cNvPr>
+          <p:cNvPicPr>
+            <a:picLocks noChangeAspect="1"/>
+          </p:cNvPicPr>
+          <p:nvPr/>
+        </p:nvPicPr>
+        <p:blipFill>
+          <a:blip r:embed="rId4"/>
+          <a:stretch>
+            <a:fillRect/>
+          </a:stretch>
+        </p:blipFill>
+        <p:spPr>
+          <a:xfrm>
+            <a:off x="5577422" y="4000021"/>
+            <a:ext cx="376444" cy="468464"/>
+          </a:xfrm>
+          <a:prstGeom prst="rect">
+            <a:avLst/>
+          </a:prstGeom>
+        </p:spPr>
+      </p:pic>
+      <p:sp>
+        <p:nvSpPr>
+          <p:cNvPr id="20" name="TextBox 19">
+            <a:extLst>
+              <a:ext uri="{FF2B5EF4-FFF2-40B4-BE49-F238E27FC236}">
+                <a16:creationId xmlns:a16="http://schemas.microsoft.com/office/drawing/2014/main" id="{23EC16E0-77D5-8848-8FCA-F46F559BE876}"/>
+              </a:ext>
+            </a:extLst>
+          </p:cNvPr>
+          <p:cNvSpPr txBox="1"/>
+          <p:nvPr/>
+        </p:nvSpPr>
+        <p:spPr>
+          <a:xfrm>
+            <a:off x="4533201" y="4973928"/>
+            <a:ext cx="1361465" cy="264013"/>
+          </a:xfrm>
+          <a:prstGeom prst="rect">
+            <a:avLst/>
+          </a:prstGeom>
+          <a:noFill/>
+          <a:ln w="3175" cap="flat">
+            <a:noFill/>
+            <a:miter lim="400000"/>
+          </a:ln>
+          <a:effectLst/>
+        </p:spPr>
+        <p:style>
+          <a:lnRef idx="0">
+            <a:scrgbClr r="0" g="0" b="0"/>
+          </a:lnRef>
+          <a:fillRef idx="0">
+            <a:scrgbClr r="0" g="0" b="0"/>
+          </a:fillRef>
+          <a:effectRef idx="0">
+            <a:scrgbClr r="0" g="0" b="0"/>
+          </a:effectRef>
+          <a:fontRef idx="none"/>
+        </p:style>
+        <p:txBody>
+          <a:bodyPr rot="0" spcFirstLastPara="1" vertOverflow="overflow" horzOverflow="overflow" vert="horz" wrap="square" lIns="39290" tIns="39290" rIns="39290" bIns="39290" numCol="1" spcCol="38100" rtlCol="0" anchor="ctr">
+            <a:spAutoFit/>
+          </a:bodyPr>
+          <a:lstStyle/>
+          <a:p>
+            <a:pPr marL="0" marR="0" indent="0" defTabSz="584200" rtl="0" fontAlgn="auto" latinLnBrk="1" hangingPunct="0">
+              <a:lnSpc>
+                <a:spcPct val="100000"/>
+              </a:lnSpc>
+              <a:spcBef>
+                <a:spcPts val="0"/>
+              </a:spcBef>
+              <a:spcAft>
+                <a:spcPts val="0"/>
+              </a:spcAft>
+              <a:buClrTx/>
+              <a:buSzTx/>
+              <a:buFontTx/>
+              <a:buNone/>
+              <a:tabLst/>
+            </a:pPr>
+            <a:r>
+              <a:rPr kumimoji="0" lang="en-US" sz="1200" i="0" u="none" strike="noStrike" cap="none" spc="0" normalizeH="0" baseline="0" dirty="0">
+                <a:ln>
+                  <a:noFill/>
+                </a:ln>
+                <a:solidFill>
+                  <a:srgbClr val="000000"/>
+                </a:solidFill>
+                <a:effectLst/>
+                <a:uFillTx/>
+                <a:latin typeface="Arial"/>
+                <a:ea typeface="+mn-ea"/>
+                <a:cs typeface="Arial"/>
+                <a:sym typeface="Helvetica Light"/>
+              </a:rPr>
+              <a:t>High Score Server</a:t>
+            </a:r>
+          </a:p>
+        </p:txBody>
+      </p:sp>
+      <p:sp>
+        <p:nvSpPr>
+          <p:cNvPr id="21" name="TextBox 20">
+            <a:extLst>
+              <a:ext uri="{FF2B5EF4-FFF2-40B4-BE49-F238E27FC236}">
+                <a16:creationId xmlns:a16="http://schemas.microsoft.com/office/drawing/2014/main" id="{BB62AD3F-F4F4-DF4B-BE76-1F02EFF367DA}"/>
+              </a:ext>
+            </a:extLst>
+          </p:cNvPr>
+          <p:cNvSpPr txBox="1"/>
+          <p:nvPr/>
+        </p:nvSpPr>
+        <p:spPr>
+          <a:xfrm>
+            <a:off x="2147306" y="2877044"/>
+            <a:ext cx="1557317" cy="294791"/>
+          </a:xfrm>
+          <a:prstGeom prst="rect">
+            <a:avLst/>
+          </a:prstGeom>
+          <a:noFill/>
+          <a:ln w="3175" cap="flat">
+            <a:noFill/>
+            <a:miter lim="400000"/>
+          </a:ln>
+          <a:effectLst/>
+        </p:spPr>
+        <p:style>
+          <a:lnRef idx="0">
+            <a:scrgbClr r="0" g="0" b="0"/>
+          </a:lnRef>
+          <a:fillRef idx="0">
+            <a:scrgbClr r="0" g="0" b="0"/>
+          </a:fillRef>
+          <a:effectRef idx="0">
+            <a:scrgbClr r="0" g="0" b="0"/>
+          </a:effectRef>
+          <a:fontRef idx="none"/>
+        </p:style>
+        <p:txBody>
+          <a:bodyPr rot="0" spcFirstLastPara="1" vertOverflow="overflow" horzOverflow="overflow" vert="horz" wrap="square" lIns="39290" tIns="39290" rIns="39290" bIns="39290" numCol="1" spcCol="38100" rtlCol="0" anchor="ctr">
+            <a:spAutoFit/>
+          </a:bodyPr>
+          <a:lstStyle>
+            <a:lvl1pPr marL="0" marR="0" indent="0" rtl="0" fontAlgn="auto" latinLnBrk="1" hangingPunct="0">
+              <a:lnSpc>
+                <a:spcPct val="100000"/>
+              </a:lnSpc>
+              <a:spcBef>
+                <a:spcPts val="0"/>
+              </a:spcBef>
+              <a:spcAft>
+                <a:spcPts val="0"/>
+              </a:spcAft>
+              <a:buClrTx/>
+              <a:buSzTx/>
+              <a:buFontTx/>
+              <a:buNone/>
+              <a:tabLst/>
+              <a:defRPr kumimoji="0" sz="1200" i="0" u="none" strike="noStrike" cap="none" spc="0" normalizeH="0" baseline="0">
+                <a:ln>
+                  <a:noFill/>
+                </a:ln>
+                <a:solidFill>
+                  <a:srgbClr val="000000"/>
+                </a:solidFill>
+                <a:effectLst/>
+                <a:uFillTx/>
+                <a:latin typeface="Arial"/>
+                <a:cs typeface="Arial"/>
+              </a:defRPr>
+            </a:lvl1pPr>
+          </a:lstStyle>
+          <a:p>
+            <a:r>
+              <a:rPr lang="en-US" sz="1400" b="1" dirty="0"/>
+              <a:t>Web App</a:t>
+            </a:r>
+          </a:p>
+        </p:txBody>
+      </p:sp>
+      <p:pic>
+        <p:nvPicPr>
+          <p:cNvPr id="22" name="Picture 21">
+            <a:extLst>
+              <a:ext uri="{FF2B5EF4-FFF2-40B4-BE49-F238E27FC236}">
+                <a16:creationId xmlns:a16="http://schemas.microsoft.com/office/drawing/2014/main" id="{FB05CB92-D750-0D49-8A61-AB143D8AF7E0}"/>
+              </a:ext>
+            </a:extLst>
+          </p:cNvPr>
+          <p:cNvPicPr>
+            <a:picLocks noChangeAspect="1"/>
+          </p:cNvPicPr>
+          <p:nvPr/>
+        </p:nvPicPr>
+        <p:blipFill>
+          <a:blip r:embed="rId5">
+            <a:extLst>
+              <a:ext uri="{28A0092B-C50C-407E-A947-70E740481C1C}">
+                <a14:useLocalDpi xmlns:a14="http://schemas.microsoft.com/office/drawing/2010/main" val="0"/>
+              </a:ext>
+            </a:extLst>
+          </a:blip>
+          <a:stretch>
+            <a:fillRect/>
+          </a:stretch>
+        </p:blipFill>
+        <p:spPr>
+          <a:xfrm>
+            <a:off x="301927" y="2037452"/>
+            <a:ext cx="838018" cy="838018"/>
+          </a:xfrm>
+          <a:prstGeom prst="rect">
+            <a:avLst/>
+          </a:prstGeom>
+        </p:spPr>
+      </p:pic>
+      <p:cxnSp>
+        <p:nvCxnSpPr>
+          <p:cNvPr id="23" name="Straight Connector 22">
+            <a:extLst>
+              <a:ext uri="{FF2B5EF4-FFF2-40B4-BE49-F238E27FC236}">
+                <a16:creationId xmlns:a16="http://schemas.microsoft.com/office/drawing/2014/main" id="{8966F611-397F-5141-A4D7-CFDB7026442C}"/>
+              </a:ext>
+            </a:extLst>
+          </p:cNvPr>
+          <p:cNvCxnSpPr>
+            <a:cxnSpLocks/>
+            <a:endCxn id="6" idx="1"/>
+          </p:cNvCxnSpPr>
+          <p:nvPr/>
+        </p:nvCxnSpPr>
+        <p:spPr>
+          <a:xfrm>
+            <a:off x="1048014" y="2725201"/>
+            <a:ext cx="1109590" cy="1287507"/>
+          </a:xfrm>
+          <a:prstGeom prst="line">
+            <a:avLst/>
+          </a:prstGeom>
+          <a:noFill/>
+          <a:ln w="31750" cap="flat">
+            <a:solidFill>
+              <a:schemeClr val="bg1">
+                <a:lumMod val="85000"/>
+              </a:schemeClr>
+            </a:solidFill>
+            <a:prstDash val="solid"/>
+            <a:miter lim="400000"/>
+          </a:ln>
+          <a:effectLst/>
+        </p:spPr>
+        <p:style>
+          <a:lnRef idx="0">
+            <a:scrgbClr r="0" g="0" b="0"/>
+          </a:lnRef>
+          <a:fillRef idx="0">
+            <a:scrgbClr r="0" g="0" b="0"/>
+          </a:fillRef>
+          <a:effectRef idx="0">
+            <a:scrgbClr r="0" g="0" b="0"/>
+          </a:effectRef>
+          <a:fontRef idx="none"/>
+        </p:style>
+      </p:cxnSp>
+      <p:cxnSp>
+        <p:nvCxnSpPr>
+          <p:cNvPr id="24" name="Straight Connector 23">
+            <a:extLst>
+              <a:ext uri="{FF2B5EF4-FFF2-40B4-BE49-F238E27FC236}">
+                <a16:creationId xmlns:a16="http://schemas.microsoft.com/office/drawing/2014/main" id="{89D0ED4D-2972-F249-8F98-1071659CD1B6}"/>
+              </a:ext>
+            </a:extLst>
+          </p:cNvPr>
+          <p:cNvCxnSpPr>
+            <a:cxnSpLocks/>
+            <a:endCxn id="2" idx="1"/>
+          </p:cNvCxnSpPr>
+          <p:nvPr/>
+        </p:nvCxnSpPr>
+        <p:spPr>
+          <a:xfrm flipV="1">
+            <a:off x="1048014" y="1146812"/>
+            <a:ext cx="1125056" cy="1104652"/>
+          </a:xfrm>
+          <a:prstGeom prst="line">
+            <a:avLst/>
+          </a:prstGeom>
+          <a:noFill/>
+          <a:ln w="31750" cap="flat">
+            <a:solidFill>
+              <a:schemeClr val="bg1">
+                <a:lumMod val="85000"/>
+              </a:schemeClr>
+            </a:solidFill>
+            <a:prstDash val="solid"/>
+            <a:miter lim="400000"/>
+          </a:ln>
+          <a:effectLst/>
+        </p:spPr>
+        <p:style>
+          <a:lnRef idx="0">
+            <a:scrgbClr r="0" g="0" b="0"/>
+          </a:lnRef>
+          <a:fillRef idx="0">
+            <a:scrgbClr r="0" g="0" b="0"/>
+          </a:fillRef>
+          <a:effectRef idx="0">
+            <a:scrgbClr r="0" g="0" b="0"/>
+          </a:effectRef>
+          <a:fontRef idx="none"/>
+        </p:style>
+      </p:cxnSp>
+      <p:sp>
+        <p:nvSpPr>
+          <p:cNvPr id="25" name="TextBox 24">
+            <a:extLst>
+              <a:ext uri="{FF2B5EF4-FFF2-40B4-BE49-F238E27FC236}">
+                <a16:creationId xmlns:a16="http://schemas.microsoft.com/office/drawing/2014/main" id="{84389B95-56DA-C447-931F-ADED48AAC035}"/>
+              </a:ext>
+            </a:extLst>
+          </p:cNvPr>
+          <p:cNvSpPr txBox="1"/>
+          <p:nvPr/>
+        </p:nvSpPr>
+        <p:spPr>
+          <a:xfrm>
+            <a:off x="2525878" y="1855037"/>
+            <a:ext cx="1052951" cy="233236"/>
+          </a:xfrm>
+          <a:prstGeom prst="rect">
+            <a:avLst/>
+          </a:prstGeom>
+          <a:noFill/>
+          <a:ln w="3175" cap="flat">
+            <a:noFill/>
+            <a:miter lim="400000"/>
+          </a:ln>
+          <a:effectLst/>
+        </p:spPr>
+        <p:style>
+          <a:lnRef idx="0">
+            <a:scrgbClr r="0" g="0" b="0"/>
+          </a:lnRef>
+          <a:fillRef idx="0">
+            <a:scrgbClr r="0" g="0" b="0"/>
+          </a:fillRef>
+          <a:effectRef idx="0">
+            <a:scrgbClr r="0" g="0" b="0"/>
+          </a:effectRef>
+          <a:fontRef idx="none"/>
+        </p:style>
+        <p:txBody>
+          <a:bodyPr rot="0" spcFirstLastPara="1" vertOverflow="overflow" horzOverflow="overflow" vert="horz" wrap="square" lIns="39290" tIns="39290" rIns="39290" bIns="39290" numCol="1" spcCol="38100" rtlCol="0" anchor="ctr">
+            <a:spAutoFit/>
+          </a:bodyPr>
+          <a:lstStyle/>
+          <a:p>
+            <a:pPr marL="0" marR="0" indent="0" algn="ctr" defTabSz="584200" rtl="0" fontAlgn="auto" latinLnBrk="1" hangingPunct="0">
+              <a:lnSpc>
+                <a:spcPct val="100000"/>
+              </a:lnSpc>
+              <a:spcBef>
+                <a:spcPts val="0"/>
+              </a:spcBef>
+              <a:spcAft>
+                <a:spcPts val="0"/>
+              </a:spcAft>
+              <a:buClrTx/>
+              <a:buSzTx/>
+              <a:buFontTx/>
+              <a:buNone/>
+              <a:tabLst/>
+            </a:pPr>
+            <a:r>
+              <a:rPr kumimoji="0" lang="de-DE" sz="1000" b="0" i="0" u="sng" strike="noStrike" cap="none" spc="0" normalizeH="0" baseline="0" dirty="0">
+                <a:ln>
+                  <a:noFill/>
+                </a:ln>
+                <a:solidFill>
+                  <a:srgbClr val="000000"/>
+                </a:solidFill>
+                <a:effectLst/>
+                <a:uFillTx/>
+                <a:latin typeface="+mn-lt"/>
+                <a:ea typeface="+mn-ea"/>
+                <a:cs typeface="+mn-cs"/>
+                <a:sym typeface="Helvetica Light"/>
+              </a:rPr>
+              <a:t>link</a:t>
+            </a:r>
+          </a:p>
+        </p:txBody>
+      </p:sp>
+      <p:sp>
+        <p:nvSpPr>
+          <p:cNvPr id="27" name="TextBox 26">
+            <a:extLst>
+              <a:ext uri="{FF2B5EF4-FFF2-40B4-BE49-F238E27FC236}">
+                <a16:creationId xmlns:a16="http://schemas.microsoft.com/office/drawing/2014/main" id="{2C617779-3F16-D443-BEA9-85AE4B743BE5}"/>
+              </a:ext>
+            </a:extLst>
+          </p:cNvPr>
+          <p:cNvSpPr txBox="1"/>
+          <p:nvPr/>
+        </p:nvSpPr>
+        <p:spPr>
+          <a:xfrm>
+            <a:off x="738553" y="1638132"/>
+            <a:ext cx="1052951" cy="233236"/>
+          </a:xfrm>
+          <a:prstGeom prst="rect">
+            <a:avLst/>
+          </a:prstGeom>
+          <a:noFill/>
+          <a:ln w="3175" cap="flat">
+            <a:noFill/>
+            <a:miter lim="400000"/>
+          </a:ln>
+          <a:effectLst/>
+        </p:spPr>
+        <p:style>
+          <a:lnRef idx="0">
+            <a:scrgbClr r="0" g="0" b="0"/>
+          </a:lnRef>
+          <a:fillRef idx="0">
+            <a:scrgbClr r="0" g="0" b="0"/>
+          </a:fillRef>
+          <a:effectRef idx="0">
+            <a:scrgbClr r="0" g="0" b="0"/>
+          </a:effectRef>
+          <a:fontRef idx="none"/>
+        </p:style>
+        <p:txBody>
+          <a:bodyPr rot="0" spcFirstLastPara="1" vertOverflow="overflow" horzOverflow="overflow" vert="horz" wrap="square" lIns="39290" tIns="39290" rIns="39290" bIns="39290" numCol="1" spcCol="38100" rtlCol="0" anchor="ctr">
+            <a:spAutoFit/>
+          </a:bodyPr>
+          <a:lstStyle/>
+          <a:p>
+            <a:pPr marL="0" marR="0" indent="0" algn="ctr" defTabSz="584200" rtl="0" fontAlgn="auto" latinLnBrk="1" hangingPunct="0">
+              <a:lnSpc>
+                <a:spcPct val="100000"/>
+              </a:lnSpc>
+              <a:spcBef>
+                <a:spcPts val="0"/>
+              </a:spcBef>
+              <a:spcAft>
+                <a:spcPts val="0"/>
+              </a:spcAft>
+              <a:buClrTx/>
+              <a:buSzTx/>
+              <a:buFontTx/>
+              <a:buNone/>
+              <a:tabLst/>
+            </a:pPr>
+            <a:r>
+              <a:rPr kumimoji="0" lang="en-GB" sz="1000" b="0" i="0" u="sng" strike="noStrike" cap="none" spc="0" normalizeH="0" baseline="0">
+                <a:ln>
+                  <a:noFill/>
+                </a:ln>
+                <a:solidFill>
+                  <a:srgbClr val="000000"/>
+                </a:solidFill>
+                <a:effectLst/>
+                <a:uFillTx/>
+                <a:latin typeface="+mn-lt"/>
+                <a:ea typeface="+mn-ea"/>
+                <a:cs typeface="+mn-cs"/>
+                <a:sym typeface="Helvetica Light"/>
+              </a:rPr>
+              <a:t>load</a:t>
+            </a:r>
+          </a:p>
+        </p:txBody>
+      </p:sp>
+      <p:sp>
+        <p:nvSpPr>
+          <p:cNvPr id="28" name="TextBox 27">
+            <a:extLst>
+              <a:ext uri="{FF2B5EF4-FFF2-40B4-BE49-F238E27FC236}">
+                <a16:creationId xmlns:a16="http://schemas.microsoft.com/office/drawing/2014/main" id="{615C980E-2232-8243-AAD4-A1FA6EA8DCD9}"/>
+              </a:ext>
+            </a:extLst>
+          </p:cNvPr>
+          <p:cNvSpPr txBox="1"/>
+          <p:nvPr/>
+        </p:nvSpPr>
+        <p:spPr>
+          <a:xfrm>
+            <a:off x="924195" y="2184671"/>
+            <a:ext cx="1052951" cy="233236"/>
+          </a:xfrm>
+          <a:prstGeom prst="rect">
+            <a:avLst/>
+          </a:prstGeom>
+          <a:noFill/>
+          <a:ln w="3175" cap="flat">
+            <a:noFill/>
+            <a:miter lim="400000"/>
+          </a:ln>
+          <a:effectLst/>
+        </p:spPr>
+        <p:style>
+          <a:lnRef idx="0">
+            <a:scrgbClr r="0" g="0" b="0"/>
+          </a:lnRef>
+          <a:fillRef idx="0">
+            <a:scrgbClr r="0" g="0" b="0"/>
+          </a:fillRef>
+          <a:effectRef idx="0">
+            <a:scrgbClr r="0" g="0" b="0"/>
+          </a:effectRef>
+          <a:fontRef idx="none"/>
+        </p:style>
+        <p:txBody>
+          <a:bodyPr rot="0" spcFirstLastPara="1" vertOverflow="overflow" horzOverflow="overflow" vert="horz" wrap="square" lIns="39290" tIns="39290" rIns="39290" bIns="39290" numCol="1" spcCol="38100" rtlCol="0" anchor="ctr">
+            <a:spAutoFit/>
+          </a:bodyPr>
+          <a:lstStyle/>
+          <a:p>
+            <a:pPr marL="0" marR="0" indent="0" algn="ctr" defTabSz="584200" rtl="0" fontAlgn="auto" latinLnBrk="1" hangingPunct="0">
+              <a:lnSpc>
+                <a:spcPct val="100000"/>
+              </a:lnSpc>
+              <a:spcBef>
+                <a:spcPts val="0"/>
+              </a:spcBef>
+              <a:spcAft>
+                <a:spcPts val="0"/>
+              </a:spcAft>
+              <a:buClrTx/>
+              <a:buSzTx/>
+              <a:buFontTx/>
+              <a:buNone/>
+              <a:tabLst/>
+            </a:pPr>
+            <a:r>
+              <a:rPr kumimoji="0" lang="en-GB" sz="1000" b="0" i="0" u="sng" strike="noStrike" cap="none" spc="0" normalizeH="0" baseline="0">
+                <a:ln>
+                  <a:noFill/>
+                </a:ln>
+                <a:solidFill>
+                  <a:srgbClr val="000000"/>
+                </a:solidFill>
+                <a:effectLst/>
+                <a:uFillTx/>
+                <a:latin typeface="+mn-lt"/>
+                <a:ea typeface="+mn-ea"/>
+                <a:cs typeface="+mn-cs"/>
+                <a:sym typeface="Helvetica Light"/>
+              </a:rPr>
+              <a:t>load</a:t>
+            </a:r>
+          </a:p>
+        </p:txBody>
+      </p:sp>
+      <p:sp>
+        <p:nvSpPr>
+          <p:cNvPr id="29" name="TextBox 28">
+            <a:extLst>
+              <a:ext uri="{FF2B5EF4-FFF2-40B4-BE49-F238E27FC236}">
+                <a16:creationId xmlns:a16="http://schemas.microsoft.com/office/drawing/2014/main" id="{67B95A83-870A-2B43-86ED-06E517489922}"/>
+              </a:ext>
+            </a:extLst>
+          </p:cNvPr>
+          <p:cNvSpPr txBox="1"/>
+          <p:nvPr/>
+        </p:nvSpPr>
+        <p:spPr>
+          <a:xfrm>
+            <a:off x="904224" y="2772927"/>
+            <a:ext cx="1052951" cy="233236"/>
+          </a:xfrm>
+          <a:prstGeom prst="rect">
+            <a:avLst/>
+          </a:prstGeom>
+          <a:noFill/>
+          <a:ln w="3175" cap="flat">
+            <a:noFill/>
+            <a:miter lim="400000"/>
+          </a:ln>
+          <a:effectLst/>
+        </p:spPr>
+        <p:style>
+          <a:lnRef idx="0">
+            <a:scrgbClr r="0" g="0" b="0"/>
+          </a:lnRef>
+          <a:fillRef idx="0">
+            <a:scrgbClr r="0" g="0" b="0"/>
+          </a:fillRef>
+          <a:effectRef idx="0">
+            <a:scrgbClr r="0" g="0" b="0"/>
+          </a:effectRef>
+          <a:fontRef idx="none"/>
+        </p:style>
+        <p:txBody>
+          <a:bodyPr rot="0" spcFirstLastPara="1" vertOverflow="overflow" horzOverflow="overflow" vert="horz" wrap="square" lIns="39290" tIns="39290" rIns="39290" bIns="39290" numCol="1" spcCol="38100" rtlCol="0" anchor="ctr">
+            <a:spAutoFit/>
+          </a:bodyPr>
+          <a:lstStyle/>
+          <a:p>
+            <a:pPr marL="0" marR="0" indent="0" algn="ctr" defTabSz="584200" rtl="0" fontAlgn="auto" latinLnBrk="1" hangingPunct="0">
+              <a:lnSpc>
+                <a:spcPct val="100000"/>
+              </a:lnSpc>
+              <a:spcBef>
+                <a:spcPts val="0"/>
+              </a:spcBef>
+              <a:spcAft>
+                <a:spcPts val="0"/>
+              </a:spcAft>
+              <a:buClrTx/>
+              <a:buSzTx/>
+              <a:buFontTx/>
+              <a:buNone/>
+              <a:tabLst/>
+            </a:pPr>
+            <a:r>
+              <a:rPr kumimoji="0" lang="en-GB" sz="1000" b="0" i="0" u="sng" strike="noStrike" cap="none" spc="0" normalizeH="0" baseline="0">
+                <a:ln>
+                  <a:noFill/>
+                </a:ln>
+                <a:solidFill>
+                  <a:srgbClr val="000000"/>
+                </a:solidFill>
+                <a:effectLst/>
+                <a:uFillTx/>
+                <a:latin typeface="+mn-lt"/>
+                <a:ea typeface="+mn-ea"/>
+                <a:cs typeface="+mn-cs"/>
+                <a:sym typeface="Helvetica Light"/>
+              </a:rPr>
+              <a:t>load</a:t>
+            </a:r>
+          </a:p>
+        </p:txBody>
+      </p:sp>
+    </p:spTree>
+    <p:extLst>
+      <p:ext uri="{BB962C8B-B14F-4D97-AF65-F5344CB8AC3E}">
+        <p14:creationId xmlns:p14="http://schemas.microsoft.com/office/powerpoint/2010/main" val="2821348651"/>
+      </p:ext>
+    </p:extLst>
+  </p:cSld>
+  <p:clrMapOvr>
+    <a:masterClrMapping/>
+  </p:clrMapOvr>
+  <p:transition spd="med"/>
+</p:sld>
+</file>
+
+<file path=ppt/slides/slide19.xml><?xml version="1.0" encoding="utf-8"?>
 <p:sld xmlns:a="http://schemas.openxmlformats.org/drawingml/2006/main" xmlns:r="http://schemas.openxmlformats.org/officeDocument/2006/relationships" xmlns:p="http://schemas.openxmlformats.org/presentationml/2006/main">
   <p:cSld>
     <p:spTree>
@@ -27046,914 +29863,6 @@
 </p:sld>
 </file>
 
-<file path=ppt/slides/slide18.xml><?xml version="1.0" encoding="utf-8"?>
-<p:sld xmlns:a="http://schemas.openxmlformats.org/drawingml/2006/main" xmlns:r="http://schemas.openxmlformats.org/officeDocument/2006/relationships" xmlns:p="http://schemas.openxmlformats.org/presentationml/2006/main">
-  <p:cSld>
-    <p:spTree>
-      <p:nvGrpSpPr>
-        <p:cNvPr id="1" name=""/>
-        <p:cNvGrpSpPr/>
-        <p:nvPr/>
-      </p:nvGrpSpPr>
-      <p:grpSpPr>
-        <a:xfrm>
-          <a:off x="0" y="0"/>
-          <a:ext cx="0" cy="0"/>
-          <a:chOff x="0" y="0"/>
-          <a:chExt cx="0" cy="0"/>
-        </a:xfrm>
-      </p:grpSpPr>
-      <p:sp>
-        <p:nvSpPr>
-          <p:cNvPr id="2" name="TextBox 1">
-            <a:extLst>
-              <a:ext uri="{FF2B5EF4-FFF2-40B4-BE49-F238E27FC236}">
-                <a16:creationId xmlns:a16="http://schemas.microsoft.com/office/drawing/2014/main" id="{D02B0D28-6CA7-284D-960D-6AB0F1F43675}"/>
-              </a:ext>
-            </a:extLst>
-          </p:cNvPr>
-          <p:cNvSpPr txBox="1"/>
-          <p:nvPr/>
-        </p:nvSpPr>
-        <p:spPr>
-          <a:xfrm>
-            <a:off x="1556068" y="2584495"/>
-            <a:ext cx="2248525" cy="510235"/>
-          </a:xfrm>
-          <a:prstGeom prst="rect">
-            <a:avLst/>
-          </a:prstGeom>
-          <a:solidFill>
-            <a:schemeClr val="accent1">
-              <a:lumMod val="20000"/>
-              <a:lumOff val="80000"/>
-            </a:schemeClr>
-          </a:solidFill>
-          <a:ln w="3175" cap="flat">
-            <a:solidFill>
-              <a:schemeClr val="accent1"/>
-            </a:solidFill>
-            <a:miter lim="400000"/>
-          </a:ln>
-          <a:effectLst/>
-        </p:spPr>
-        <p:style>
-          <a:lnRef idx="0">
-            <a:scrgbClr r="0" g="0" b="0"/>
-          </a:lnRef>
-          <a:fillRef idx="0">
-            <a:scrgbClr r="0" g="0" b="0"/>
-          </a:fillRef>
-          <a:effectRef idx="0">
-            <a:scrgbClr r="0" g="0" b="0"/>
-          </a:effectRef>
-          <a:fontRef idx="none"/>
-        </p:style>
-        <p:txBody>
-          <a:bodyPr rot="0" spcFirstLastPara="1" vertOverflow="overflow" horzOverflow="overflow" vert="horz" wrap="square" lIns="39290" tIns="39290" rIns="39290" bIns="39290" numCol="1" spcCol="38100" rtlCol="0" anchor="ctr">
-            <a:spAutoFit/>
-          </a:bodyPr>
-          <a:lstStyle/>
-          <a:p>
-            <a:pPr marL="0" marR="0" indent="0" algn="ctr" defTabSz="584200" rtl="0" fontAlgn="auto" latinLnBrk="1" hangingPunct="0">
-              <a:lnSpc>
-                <a:spcPct val="100000"/>
-              </a:lnSpc>
-              <a:spcBef>
-                <a:spcPts val="0"/>
-              </a:spcBef>
-              <a:spcAft>
-                <a:spcPts val="0"/>
-              </a:spcAft>
-              <a:buClrTx/>
-              <a:buSzTx/>
-              <a:buFontTx/>
-              <a:buNone/>
-              <a:tabLst/>
-            </a:pPr>
-            <a:r>
-              <a:rPr kumimoji="0" lang="en-US" sz="2800" b="0" i="0" u="none" strike="noStrike" cap="none" spc="0" normalizeH="0" baseline="0" dirty="0">
-                <a:ln>
-                  <a:noFill/>
-                </a:ln>
-                <a:solidFill>
-                  <a:srgbClr val="000000"/>
-                </a:solidFill>
-                <a:effectLst/>
-                <a:uFillTx/>
-                <a:latin typeface="Arial" panose="020B0604020202020204" pitchFamily="34" charset="0"/>
-                <a:cs typeface="Arial" panose="020B0604020202020204" pitchFamily="34" charset="0"/>
-                <a:sym typeface="Helvetica Light"/>
-              </a:rPr>
-              <a:t>Catalog</a:t>
-            </a:r>
-          </a:p>
-        </p:txBody>
-      </p:sp>
-      <p:sp>
-        <p:nvSpPr>
-          <p:cNvPr id="3" name="TextBox 2">
-            <a:extLst>
-              <a:ext uri="{FF2B5EF4-FFF2-40B4-BE49-F238E27FC236}">
-                <a16:creationId xmlns:a16="http://schemas.microsoft.com/office/drawing/2014/main" id="{BC579910-9B59-4241-ADD8-EA21DC5380DB}"/>
-              </a:ext>
-            </a:extLst>
-          </p:cNvPr>
-          <p:cNvSpPr txBox="1"/>
-          <p:nvPr/>
-        </p:nvSpPr>
-        <p:spPr>
-          <a:xfrm>
-            <a:off x="1556069" y="3375965"/>
-            <a:ext cx="2248525" cy="510235"/>
-          </a:xfrm>
-          <a:prstGeom prst="rect">
-            <a:avLst/>
-          </a:prstGeom>
-          <a:solidFill>
-            <a:schemeClr val="accent1">
-              <a:lumMod val="20000"/>
-              <a:lumOff val="80000"/>
-            </a:schemeClr>
-          </a:solidFill>
-          <a:ln w="3175" cap="flat">
-            <a:solidFill>
-              <a:schemeClr val="accent1"/>
-            </a:solidFill>
-            <a:miter lim="400000"/>
-          </a:ln>
-          <a:effectLst/>
-        </p:spPr>
-        <p:style>
-          <a:lnRef idx="0">
-            <a:scrgbClr r="0" g="0" b="0"/>
-          </a:lnRef>
-          <a:fillRef idx="0">
-            <a:scrgbClr r="0" g="0" b="0"/>
-          </a:fillRef>
-          <a:effectRef idx="0">
-            <a:scrgbClr r="0" g="0" b="0"/>
-          </a:effectRef>
-          <a:fontRef idx="none"/>
-        </p:style>
-        <p:txBody>
-          <a:bodyPr rot="0" spcFirstLastPara="1" vertOverflow="overflow" horzOverflow="overflow" vert="horz" wrap="square" lIns="39290" tIns="39290" rIns="39290" bIns="39290" numCol="1" spcCol="38100" rtlCol="0" anchor="ctr">
-            <a:spAutoFit/>
-          </a:bodyPr>
-          <a:lstStyle/>
-          <a:p>
-            <a:pPr marL="0" marR="0" indent="0" algn="ctr" defTabSz="584200" rtl="0" fontAlgn="auto" latinLnBrk="1" hangingPunct="0">
-              <a:lnSpc>
-                <a:spcPct val="100000"/>
-              </a:lnSpc>
-              <a:spcBef>
-                <a:spcPts val="0"/>
-              </a:spcBef>
-              <a:spcAft>
-                <a:spcPts val="0"/>
-              </a:spcAft>
-              <a:buClrTx/>
-              <a:buSzTx/>
-              <a:buFontTx/>
-              <a:buNone/>
-              <a:tabLst/>
-            </a:pPr>
-            <a:r>
-              <a:rPr kumimoji="0" lang="en-US" sz="2800" b="0" i="0" u="none" strike="noStrike" cap="none" spc="0" normalizeH="0" baseline="0" dirty="0">
-                <a:ln>
-                  <a:noFill/>
-                </a:ln>
-                <a:solidFill>
-                  <a:srgbClr val="000000"/>
-                </a:solidFill>
-                <a:effectLst/>
-                <a:uFillTx/>
-                <a:latin typeface="Arial" panose="020B0604020202020204" pitchFamily="34" charset="0"/>
-                <a:cs typeface="Arial" panose="020B0604020202020204" pitchFamily="34" charset="0"/>
-                <a:sym typeface="Helvetica Light"/>
-              </a:rPr>
-              <a:t>Product</a:t>
-            </a:r>
-          </a:p>
-        </p:txBody>
-      </p:sp>
-      <p:sp>
-        <p:nvSpPr>
-          <p:cNvPr id="4" name="TextBox 3">
-            <a:extLst>
-              <a:ext uri="{FF2B5EF4-FFF2-40B4-BE49-F238E27FC236}">
-                <a16:creationId xmlns:a16="http://schemas.microsoft.com/office/drawing/2014/main" id="{47FE1031-25FA-9941-B441-4A18DB67457D}"/>
-              </a:ext>
-            </a:extLst>
-          </p:cNvPr>
-          <p:cNvSpPr txBox="1"/>
-          <p:nvPr/>
-        </p:nvSpPr>
-        <p:spPr>
-          <a:xfrm>
-            <a:off x="1556068" y="4167435"/>
-            <a:ext cx="2248525" cy="510235"/>
-          </a:xfrm>
-          <a:prstGeom prst="rect">
-            <a:avLst/>
-          </a:prstGeom>
-          <a:solidFill>
-            <a:schemeClr val="accent1">
-              <a:lumMod val="20000"/>
-              <a:lumOff val="80000"/>
-            </a:schemeClr>
-          </a:solidFill>
-          <a:ln w="3175" cap="flat">
-            <a:solidFill>
-              <a:schemeClr val="accent1"/>
-            </a:solidFill>
-            <a:miter lim="400000"/>
-          </a:ln>
-          <a:effectLst/>
-        </p:spPr>
-        <p:style>
-          <a:lnRef idx="0">
-            <a:scrgbClr r="0" g="0" b="0"/>
-          </a:lnRef>
-          <a:fillRef idx="0">
-            <a:scrgbClr r="0" g="0" b="0"/>
-          </a:fillRef>
-          <a:effectRef idx="0">
-            <a:scrgbClr r="0" g="0" b="0"/>
-          </a:effectRef>
-          <a:fontRef idx="none"/>
-        </p:style>
-        <p:txBody>
-          <a:bodyPr rot="0" spcFirstLastPara="1" vertOverflow="overflow" horzOverflow="overflow" vert="horz" wrap="square" lIns="39290" tIns="39290" rIns="39290" bIns="39290" numCol="1" spcCol="38100" rtlCol="0" anchor="ctr">
-            <a:spAutoFit/>
-          </a:bodyPr>
-          <a:lstStyle/>
-          <a:p>
-            <a:pPr marL="0" marR="0" indent="0" algn="ctr" defTabSz="584200" rtl="0" fontAlgn="auto" latinLnBrk="1" hangingPunct="0">
-              <a:lnSpc>
-                <a:spcPct val="100000"/>
-              </a:lnSpc>
-              <a:spcBef>
-                <a:spcPts val="0"/>
-              </a:spcBef>
-              <a:spcAft>
-                <a:spcPts val="0"/>
-              </a:spcAft>
-              <a:buClrTx/>
-              <a:buSzTx/>
-              <a:buFontTx/>
-              <a:buNone/>
-              <a:tabLst/>
-            </a:pPr>
-            <a:r>
-              <a:rPr lang="en-US" dirty="0">
-                <a:solidFill>
-                  <a:srgbClr val="000000"/>
-                </a:solidFill>
-                <a:latin typeface="Arial" panose="020B0604020202020204" pitchFamily="34" charset="0"/>
-                <a:cs typeface="Arial" panose="020B0604020202020204" pitchFamily="34" charset="0"/>
-              </a:rPr>
-              <a:t>API</a:t>
-            </a:r>
-            <a:endParaRPr kumimoji="0" lang="en-US" sz="2800" b="0" i="0" u="none" strike="noStrike" cap="none" spc="0" normalizeH="0" baseline="0" dirty="0">
-              <a:ln>
-                <a:noFill/>
-              </a:ln>
-              <a:solidFill>
-                <a:srgbClr val="000000"/>
-              </a:solidFill>
-              <a:effectLst/>
-              <a:uFillTx/>
-              <a:latin typeface="Arial" panose="020B0604020202020204" pitchFamily="34" charset="0"/>
-              <a:cs typeface="Arial" panose="020B0604020202020204" pitchFamily="34" charset="0"/>
-              <a:sym typeface="Helvetica Light"/>
-            </a:endParaRPr>
-          </a:p>
-        </p:txBody>
-      </p:sp>
-      <p:cxnSp>
-        <p:nvCxnSpPr>
-          <p:cNvPr id="6" name="Straight Connector 5">
-            <a:extLst>
-              <a:ext uri="{FF2B5EF4-FFF2-40B4-BE49-F238E27FC236}">
-                <a16:creationId xmlns:a16="http://schemas.microsoft.com/office/drawing/2014/main" id="{C4E28FE1-BEEC-0E4A-B9A5-548541176037}"/>
-              </a:ext>
-            </a:extLst>
-          </p:cNvPr>
-          <p:cNvCxnSpPr>
-            <a:cxnSpLocks/>
-            <a:stCxn id="2" idx="2"/>
-            <a:endCxn id="3" idx="0"/>
-          </p:cNvCxnSpPr>
-          <p:nvPr/>
-        </p:nvCxnSpPr>
-        <p:spPr>
-          <a:xfrm>
-            <a:off x="2680331" y="3094730"/>
-            <a:ext cx="1" cy="281235"/>
-          </a:xfrm>
-          <a:prstGeom prst="line">
-            <a:avLst/>
-          </a:prstGeom>
-          <a:noFill/>
-          <a:ln w="12700" cap="flat">
-            <a:solidFill>
-              <a:srgbClr val="000000"/>
-            </a:solidFill>
-            <a:prstDash val="solid"/>
-            <a:miter lim="400000"/>
-          </a:ln>
-          <a:effectLst/>
-        </p:spPr>
-        <p:style>
-          <a:lnRef idx="0">
-            <a:scrgbClr r="0" g="0" b="0"/>
-          </a:lnRef>
-          <a:fillRef idx="0">
-            <a:scrgbClr r="0" g="0" b="0"/>
-          </a:fillRef>
-          <a:effectRef idx="0">
-            <a:scrgbClr r="0" g="0" b="0"/>
-          </a:effectRef>
-          <a:fontRef idx="none"/>
-        </p:style>
-      </p:cxnSp>
-      <p:cxnSp>
-        <p:nvCxnSpPr>
-          <p:cNvPr id="7" name="Straight Connector 6">
-            <a:extLst>
-              <a:ext uri="{FF2B5EF4-FFF2-40B4-BE49-F238E27FC236}">
-                <a16:creationId xmlns:a16="http://schemas.microsoft.com/office/drawing/2014/main" id="{27305FF6-6BBB-C94E-A789-B4FA2F474E8F}"/>
-              </a:ext>
-            </a:extLst>
-          </p:cNvPr>
-          <p:cNvCxnSpPr>
-            <a:cxnSpLocks/>
-            <a:stCxn id="3" idx="2"/>
-            <a:endCxn id="4" idx="0"/>
-          </p:cNvCxnSpPr>
-          <p:nvPr/>
-        </p:nvCxnSpPr>
-        <p:spPr>
-          <a:xfrm flipH="1">
-            <a:off x="2680331" y="3886200"/>
-            <a:ext cx="1" cy="281235"/>
-          </a:xfrm>
-          <a:prstGeom prst="line">
-            <a:avLst/>
-          </a:prstGeom>
-          <a:noFill/>
-          <a:ln w="12700" cap="flat">
-            <a:solidFill>
-              <a:srgbClr val="000000"/>
-            </a:solidFill>
-            <a:prstDash val="solid"/>
-            <a:miter lim="400000"/>
-          </a:ln>
-          <a:effectLst/>
-        </p:spPr>
-        <p:style>
-          <a:lnRef idx="0">
-            <a:scrgbClr r="0" g="0" b="0"/>
-          </a:lnRef>
-          <a:fillRef idx="0">
-            <a:scrgbClr r="0" g="0" b="0"/>
-          </a:fillRef>
-          <a:effectRef idx="0">
-            <a:scrgbClr r="0" g="0" b="0"/>
-          </a:effectRef>
-          <a:fontRef idx="none"/>
-        </p:style>
-      </p:cxnSp>
-      <p:sp>
-        <p:nvSpPr>
-          <p:cNvPr id="8" name="TextBox 7">
-            <a:extLst>
-              <a:ext uri="{FF2B5EF4-FFF2-40B4-BE49-F238E27FC236}">
-                <a16:creationId xmlns:a16="http://schemas.microsoft.com/office/drawing/2014/main" id="{EEB51179-6F79-8342-B192-4AF78CAAF148}"/>
-              </a:ext>
-            </a:extLst>
-          </p:cNvPr>
-          <p:cNvSpPr txBox="1"/>
-          <p:nvPr/>
-        </p:nvSpPr>
-        <p:spPr>
-          <a:xfrm>
-            <a:off x="4007558" y="2553717"/>
-            <a:ext cx="2927884" cy="694901"/>
-          </a:xfrm>
-          <a:prstGeom prst="rect">
-            <a:avLst/>
-          </a:prstGeom>
-          <a:noFill/>
-          <a:ln w="3175" cap="flat">
-            <a:noFill/>
-            <a:miter lim="400000"/>
-          </a:ln>
-          <a:effectLst/>
-        </p:spPr>
-        <p:style>
-          <a:lnRef idx="0">
-            <a:scrgbClr r="0" g="0" b="0"/>
-          </a:lnRef>
-          <a:fillRef idx="0">
-            <a:scrgbClr r="0" g="0" b="0"/>
-          </a:fillRef>
-          <a:effectRef idx="0">
-            <a:scrgbClr r="0" g="0" b="0"/>
-          </a:effectRef>
-          <a:fontRef idx="none"/>
-        </p:style>
-        <p:txBody>
-          <a:bodyPr rot="0" spcFirstLastPara="1" vertOverflow="overflow" horzOverflow="overflow" vert="horz" wrap="square" lIns="39290" tIns="39290" rIns="39290" bIns="39290" numCol="1" spcCol="38100" rtlCol="0" anchor="ctr">
-            <a:spAutoFit/>
-          </a:bodyPr>
-          <a:lstStyle/>
-          <a:p>
-            <a:pPr marL="0" marR="0" indent="0" algn="l" defTabSz="584200" rtl="0" fontAlgn="auto" latinLnBrk="1" hangingPunct="0">
-              <a:lnSpc>
-                <a:spcPct val="100000"/>
-              </a:lnSpc>
-              <a:spcBef>
-                <a:spcPts val="0"/>
-              </a:spcBef>
-              <a:spcAft>
-                <a:spcPts val="0"/>
-              </a:spcAft>
-              <a:buClrTx/>
-              <a:buSzTx/>
-              <a:buFontTx/>
-              <a:buNone/>
-              <a:tabLst/>
-            </a:pPr>
-            <a:r>
-              <a:rPr kumimoji="0" lang="en-US" sz="2000" b="0" i="0" u="none" strike="noStrike" cap="none" spc="0" normalizeH="0" baseline="0" dirty="0">
-                <a:ln>
-                  <a:noFill/>
-                </a:ln>
-                <a:solidFill>
-                  <a:srgbClr val="000000"/>
-                </a:solidFill>
-                <a:effectLst/>
-                <a:uFillTx/>
-                <a:latin typeface="Arial" panose="020B0604020202020204" pitchFamily="34" charset="0"/>
-                <a:cs typeface="Arial" panose="020B0604020202020204" pitchFamily="34" charset="0"/>
-                <a:sym typeface="Helvetica Light"/>
-              </a:rPr>
-              <a:t>Contains products in </a:t>
-            </a:r>
-          </a:p>
-          <a:p>
-            <a:pPr marL="0" marR="0" indent="0" algn="l" defTabSz="584200" rtl="0" fontAlgn="auto" latinLnBrk="1" hangingPunct="0">
-              <a:lnSpc>
-                <a:spcPct val="100000"/>
-              </a:lnSpc>
-              <a:spcBef>
-                <a:spcPts val="0"/>
-              </a:spcBef>
-              <a:spcAft>
-                <a:spcPts val="0"/>
-              </a:spcAft>
-              <a:buClrTx/>
-              <a:buSzTx/>
-              <a:buFontTx/>
-              <a:buNone/>
-              <a:tabLst/>
-            </a:pPr>
-            <a:r>
-              <a:rPr kumimoji="0" lang="en-US" sz="2000" b="0" i="0" u="none" strike="noStrike" cap="none" spc="0" normalizeH="0" baseline="0" dirty="0">
-                <a:ln>
-                  <a:noFill/>
-                </a:ln>
-                <a:solidFill>
-                  <a:srgbClr val="000000"/>
-                </a:solidFill>
-                <a:effectLst/>
-                <a:uFillTx/>
-                <a:latin typeface="Arial" panose="020B0604020202020204" pitchFamily="34" charset="0"/>
-                <a:cs typeface="Arial" panose="020B0604020202020204" pitchFamily="34" charset="0"/>
-                <a:sym typeface="Helvetica Light"/>
-              </a:rPr>
-              <a:t>different publishing state </a:t>
-            </a:r>
-          </a:p>
-        </p:txBody>
-      </p:sp>
-      <p:sp>
-        <p:nvSpPr>
-          <p:cNvPr id="14" name="TextBox 13">
-            <a:extLst>
-              <a:ext uri="{FF2B5EF4-FFF2-40B4-BE49-F238E27FC236}">
-                <a16:creationId xmlns:a16="http://schemas.microsoft.com/office/drawing/2014/main" id="{1208B892-8B2A-B144-9733-0DC6353A520D}"/>
-              </a:ext>
-            </a:extLst>
-          </p:cNvPr>
-          <p:cNvSpPr txBox="1"/>
-          <p:nvPr/>
-        </p:nvSpPr>
-        <p:spPr>
-          <a:xfrm>
-            <a:off x="4007558" y="3499076"/>
-            <a:ext cx="1704792" cy="387124"/>
-          </a:xfrm>
-          <a:prstGeom prst="rect">
-            <a:avLst/>
-          </a:prstGeom>
-          <a:noFill/>
-          <a:ln w="3175" cap="flat">
-            <a:noFill/>
-            <a:miter lim="400000"/>
-          </a:ln>
-          <a:effectLst/>
-        </p:spPr>
-        <p:style>
-          <a:lnRef idx="0">
-            <a:scrgbClr r="0" g="0" b="0"/>
-          </a:lnRef>
-          <a:fillRef idx="0">
-            <a:scrgbClr r="0" g="0" b="0"/>
-          </a:fillRef>
-          <a:effectRef idx="0">
-            <a:scrgbClr r="0" g="0" b="0"/>
-          </a:effectRef>
-          <a:fontRef idx="none"/>
-        </p:style>
-        <p:txBody>
-          <a:bodyPr rot="0" spcFirstLastPara="1" vertOverflow="overflow" horzOverflow="overflow" vert="horz" wrap="none" lIns="39290" tIns="39290" rIns="39290" bIns="39290" numCol="1" spcCol="38100" rtlCol="0" anchor="ctr">
-            <a:spAutoFit/>
-          </a:bodyPr>
-          <a:lstStyle/>
-          <a:p>
-            <a:pPr marL="0" marR="0" indent="0" algn="l" defTabSz="584200" rtl="0" fontAlgn="auto" latinLnBrk="1" hangingPunct="0">
-              <a:lnSpc>
-                <a:spcPct val="100000"/>
-              </a:lnSpc>
-              <a:spcBef>
-                <a:spcPts val="0"/>
-              </a:spcBef>
-              <a:spcAft>
-                <a:spcPts val="0"/>
-              </a:spcAft>
-              <a:buClrTx/>
-              <a:buSzTx/>
-              <a:buFontTx/>
-              <a:buNone/>
-              <a:tabLst/>
-            </a:pPr>
-            <a:r>
-              <a:rPr kumimoji="0" lang="en-US" sz="2000" b="0" i="0" u="none" strike="noStrike" cap="none" spc="0" normalizeH="0" baseline="0" dirty="0">
-                <a:ln>
-                  <a:noFill/>
-                </a:ln>
-                <a:solidFill>
-                  <a:srgbClr val="000000"/>
-                </a:solidFill>
-                <a:effectLst/>
-                <a:uFillTx/>
-                <a:latin typeface="Arial" panose="020B0604020202020204" pitchFamily="34" charset="0"/>
-                <a:cs typeface="Arial" panose="020B0604020202020204" pitchFamily="34" charset="0"/>
-                <a:sym typeface="Helvetica Light"/>
-              </a:rPr>
-              <a:t>Contains APIs</a:t>
-            </a:r>
-          </a:p>
-        </p:txBody>
-      </p:sp>
-      <p:sp>
-        <p:nvSpPr>
-          <p:cNvPr id="15" name="TextBox 14">
-            <a:extLst>
-              <a:ext uri="{FF2B5EF4-FFF2-40B4-BE49-F238E27FC236}">
-                <a16:creationId xmlns:a16="http://schemas.microsoft.com/office/drawing/2014/main" id="{2C0830D2-6A0C-5B4C-9AA6-CDF7B6149415}"/>
-              </a:ext>
-            </a:extLst>
-          </p:cNvPr>
-          <p:cNvSpPr txBox="1"/>
-          <p:nvPr/>
-        </p:nvSpPr>
-        <p:spPr>
-          <a:xfrm>
-            <a:off x="4007557" y="4167435"/>
-            <a:ext cx="4253567" cy="387124"/>
-          </a:xfrm>
-          <a:prstGeom prst="rect">
-            <a:avLst/>
-          </a:prstGeom>
-          <a:noFill/>
-          <a:ln w="3175" cap="flat">
-            <a:noFill/>
-            <a:miter lim="400000"/>
-          </a:ln>
-          <a:effectLst/>
-        </p:spPr>
-        <p:style>
-          <a:lnRef idx="0">
-            <a:scrgbClr r="0" g="0" b="0"/>
-          </a:lnRef>
-          <a:fillRef idx="0">
-            <a:scrgbClr r="0" g="0" b="0"/>
-          </a:fillRef>
-          <a:effectRef idx="0">
-            <a:scrgbClr r="0" g="0" b="0"/>
-          </a:effectRef>
-          <a:fontRef idx="none"/>
-        </p:style>
-        <p:txBody>
-          <a:bodyPr rot="0" spcFirstLastPara="1" vertOverflow="overflow" horzOverflow="overflow" vert="horz" wrap="none" lIns="39290" tIns="39290" rIns="39290" bIns="39290" numCol="1" spcCol="38100" rtlCol="0" anchor="ctr">
-            <a:spAutoFit/>
-          </a:bodyPr>
-          <a:lstStyle/>
-          <a:p>
-            <a:pPr marL="0" marR="0" indent="0" algn="l" defTabSz="584200" rtl="0" fontAlgn="auto" latinLnBrk="1" hangingPunct="0">
-              <a:lnSpc>
-                <a:spcPct val="100000"/>
-              </a:lnSpc>
-              <a:spcBef>
-                <a:spcPts val="0"/>
-              </a:spcBef>
-              <a:spcAft>
-                <a:spcPts val="0"/>
-              </a:spcAft>
-              <a:buClrTx/>
-              <a:buSzTx/>
-              <a:buFontTx/>
-              <a:buNone/>
-              <a:tabLst/>
-            </a:pPr>
-            <a:r>
-              <a:rPr kumimoji="0" lang="en-US" sz="2000" b="0" i="0" u="none" strike="noStrike" cap="none" spc="0" normalizeH="0" baseline="0" dirty="0">
-                <a:ln>
-                  <a:noFill/>
-                </a:ln>
-                <a:solidFill>
-                  <a:srgbClr val="000000"/>
-                </a:solidFill>
-                <a:effectLst/>
-                <a:uFillTx/>
-                <a:latin typeface="Arial" panose="020B0604020202020204" pitchFamily="34" charset="0"/>
-                <a:cs typeface="Arial" panose="020B0604020202020204" pitchFamily="34" charset="0"/>
-                <a:sym typeface="Helvetica Light"/>
-              </a:rPr>
-              <a:t>Contains our imported API definition</a:t>
-            </a:r>
-          </a:p>
-        </p:txBody>
-      </p:sp>
-      <p:sp>
-        <p:nvSpPr>
-          <p:cNvPr id="20" name="TextBox 19">
-            <a:extLst>
-              <a:ext uri="{FF2B5EF4-FFF2-40B4-BE49-F238E27FC236}">
-                <a16:creationId xmlns:a16="http://schemas.microsoft.com/office/drawing/2014/main" id="{C6D5D6C3-A981-F848-AA55-15020187D309}"/>
-              </a:ext>
-            </a:extLst>
-          </p:cNvPr>
-          <p:cNvSpPr txBox="1"/>
-          <p:nvPr/>
-        </p:nvSpPr>
-        <p:spPr>
-          <a:xfrm>
-            <a:off x="1670180" y="1844841"/>
-            <a:ext cx="5495732" cy="510235"/>
-          </a:xfrm>
-          <a:prstGeom prst="rect">
-            <a:avLst/>
-          </a:prstGeom>
-          <a:noFill/>
-          <a:ln w="3175" cap="flat">
-            <a:noFill/>
-            <a:miter lim="400000"/>
-          </a:ln>
-          <a:effectLst/>
-        </p:spPr>
-        <p:style>
-          <a:lnRef idx="0">
-            <a:scrgbClr r="0" g="0" b="0"/>
-          </a:lnRef>
-          <a:fillRef idx="0">
-            <a:scrgbClr r="0" g="0" b="0"/>
-          </a:fillRef>
-          <a:effectRef idx="0">
-            <a:scrgbClr r="0" g="0" b="0"/>
-          </a:effectRef>
-          <a:fontRef idx="none"/>
-        </p:style>
-        <p:txBody>
-          <a:bodyPr rot="0" spcFirstLastPara="1" vertOverflow="overflow" horzOverflow="overflow" vert="horz" wrap="square" lIns="39290" tIns="39290" rIns="39290" bIns="39290" numCol="1" spcCol="38100" rtlCol="0" anchor="ctr">
-            <a:spAutoFit/>
-          </a:bodyPr>
-          <a:lstStyle/>
-          <a:p>
-            <a:pPr marL="0" marR="0" indent="0" algn="ctr" defTabSz="584200" rtl="0" fontAlgn="auto" latinLnBrk="1" hangingPunct="0">
-              <a:lnSpc>
-                <a:spcPct val="100000"/>
-              </a:lnSpc>
-              <a:spcBef>
-                <a:spcPts val="0"/>
-              </a:spcBef>
-              <a:spcAft>
-                <a:spcPts val="0"/>
-              </a:spcAft>
-              <a:buClrTx/>
-              <a:buSzTx/>
-              <a:buFontTx/>
-              <a:buNone/>
-              <a:tabLst/>
-            </a:pPr>
-            <a:r>
-              <a:rPr kumimoji="0" lang="de-DE" sz="2800" b="1" i="0" u="none" strike="noStrike" cap="none" spc="0" normalizeH="0" baseline="0" dirty="0">
-                <a:ln>
-                  <a:noFill/>
-                </a:ln>
-                <a:solidFill>
-                  <a:srgbClr val="000000"/>
-                </a:solidFill>
-                <a:effectLst/>
-                <a:uFillTx/>
-                <a:latin typeface="+mn-lt"/>
-                <a:ea typeface="+mn-ea"/>
-                <a:cs typeface="+mn-cs"/>
-                <a:sym typeface="Helvetica Light"/>
-              </a:rPr>
-              <a:t>Major </a:t>
-            </a:r>
-            <a:r>
-              <a:rPr kumimoji="0" lang="en-US" sz="2800" b="1" i="0" u="none" strike="noStrike" cap="none" spc="0" normalizeH="0" baseline="0" dirty="0">
-                <a:ln>
-                  <a:noFill/>
-                </a:ln>
-                <a:solidFill>
-                  <a:srgbClr val="000000"/>
-                </a:solidFill>
-                <a:effectLst/>
-                <a:uFillTx/>
-                <a:latin typeface="+mn-lt"/>
-                <a:ea typeface="+mn-ea"/>
-                <a:cs typeface="+mn-cs"/>
-                <a:sym typeface="Helvetica Light"/>
-              </a:rPr>
-              <a:t>elements</a:t>
-            </a:r>
-            <a:r>
-              <a:rPr kumimoji="0" lang="de-DE" sz="2800" b="1" i="0" u="none" strike="noStrike" cap="none" spc="0" normalizeH="0" baseline="0" dirty="0">
-                <a:ln>
-                  <a:noFill/>
-                </a:ln>
-                <a:solidFill>
-                  <a:srgbClr val="000000"/>
-                </a:solidFill>
-                <a:effectLst/>
-                <a:uFillTx/>
-                <a:latin typeface="+mn-lt"/>
-                <a:ea typeface="+mn-ea"/>
-                <a:cs typeface="+mn-cs"/>
-                <a:sym typeface="Helvetica Light"/>
-              </a:rPr>
-              <a:t> in API Connect</a:t>
-            </a:r>
-          </a:p>
-        </p:txBody>
-      </p:sp>
-    </p:spTree>
-    <p:extLst>
-      <p:ext uri="{BB962C8B-B14F-4D97-AF65-F5344CB8AC3E}">
-        <p14:creationId xmlns:p14="http://schemas.microsoft.com/office/powerpoint/2010/main" val="1234341700"/>
-      </p:ext>
-    </p:extLst>
-  </p:cSld>
-  <p:clrMapOvr>
-    <a:masterClrMapping/>
-  </p:clrMapOvr>
-  <p:transition spd="med"/>
-</p:sld>
-</file>
-
-<file path=ppt/slides/slide19.xml><?xml version="1.0" encoding="utf-8"?>
-<p:sld xmlns:a="http://schemas.openxmlformats.org/drawingml/2006/main" xmlns:r="http://schemas.openxmlformats.org/officeDocument/2006/relationships" xmlns:p="http://schemas.openxmlformats.org/presentationml/2006/main">
-  <p:cSld>
-    <p:spTree>
-      <p:nvGrpSpPr>
-        <p:cNvPr id="1" name=""/>
-        <p:cNvGrpSpPr/>
-        <p:nvPr/>
-      </p:nvGrpSpPr>
-      <p:grpSpPr>
-        <a:xfrm>
-          <a:off x="0" y="0"/>
-          <a:ext cx="0" cy="0"/>
-          <a:chOff x="0" y="0"/>
-          <a:chExt cx="0" cy="0"/>
-        </a:xfrm>
-      </p:grpSpPr>
-      <p:sp>
-        <p:nvSpPr>
-          <p:cNvPr id="2" name="TextBox 1">
-            <a:extLst>
-              <a:ext uri="{FF2B5EF4-FFF2-40B4-BE49-F238E27FC236}">
-                <a16:creationId xmlns:a16="http://schemas.microsoft.com/office/drawing/2014/main" id="{87C07FF8-CBD9-BE44-A19C-3A5A734DAEA8}"/>
-              </a:ext>
-            </a:extLst>
-          </p:cNvPr>
-          <p:cNvSpPr txBox="1"/>
-          <p:nvPr/>
-        </p:nvSpPr>
-        <p:spPr>
-          <a:xfrm>
-            <a:off x="873821" y="3083578"/>
-            <a:ext cx="8310768" cy="1095010"/>
-          </a:xfrm>
-          <a:prstGeom prst="rect">
-            <a:avLst/>
-          </a:prstGeom>
-          <a:noFill/>
-          <a:ln w="3175" cap="flat">
-            <a:noFill/>
-            <a:miter lim="400000"/>
-          </a:ln>
-          <a:effectLst/>
-        </p:spPr>
-        <p:style>
-          <a:lnRef idx="0">
-            <a:scrgbClr r="0" g="0" b="0"/>
-          </a:lnRef>
-          <a:fillRef idx="0">
-            <a:scrgbClr r="0" g="0" b="0"/>
-          </a:fillRef>
-          <a:effectRef idx="0">
-            <a:scrgbClr r="0" g="0" b="0"/>
-          </a:effectRef>
-          <a:fontRef idx="none"/>
-        </p:style>
-        <p:txBody>
-          <a:bodyPr rot="0" spcFirstLastPara="1" vertOverflow="overflow" horzOverflow="overflow" vert="horz" wrap="none" lIns="39290" tIns="39290" rIns="39290" bIns="39290" numCol="1" spcCol="38100" rtlCol="0" anchor="ctr">
-            <a:spAutoFit/>
-          </a:bodyPr>
-          <a:lstStyle/>
-          <a:p>
-            <a:pPr marL="0" marR="0" indent="0" algn="ctr" defTabSz="584200" rtl="0" fontAlgn="auto" latinLnBrk="1" hangingPunct="0">
-              <a:lnSpc>
-                <a:spcPct val="100000"/>
-              </a:lnSpc>
-              <a:spcBef>
-                <a:spcPts val="0"/>
-              </a:spcBef>
-              <a:spcAft>
-                <a:spcPts val="0"/>
-              </a:spcAft>
-              <a:buClrTx/>
-              <a:buSzTx/>
-              <a:buFontTx/>
-              <a:buNone/>
-              <a:tabLst/>
-            </a:pPr>
-            <a:r>
-              <a:rPr kumimoji="0" lang="de-DE" sz="6600" b="0" i="0" u="none" strike="noStrike" cap="none" spc="0" normalizeH="0" baseline="0">
-                <a:ln>
-                  <a:noFill/>
-                </a:ln>
-                <a:solidFill>
-                  <a:srgbClr val="000000"/>
-                </a:solidFill>
-                <a:effectLst/>
-                <a:uFillTx/>
-                <a:latin typeface="+mn-lt"/>
-                <a:ea typeface="+mn-ea"/>
-                <a:cs typeface="+mn-cs"/>
-                <a:sym typeface="Helvetica Light"/>
-              </a:rPr>
-              <a:t>SCORES IN DOCKER</a:t>
-            </a:r>
-            <a:endParaRPr kumimoji="0" lang="de-DE" sz="6600" b="0" i="0" u="none" strike="noStrike" cap="none" spc="0" normalizeH="0" baseline="0" dirty="0">
-              <a:ln>
-                <a:noFill/>
-              </a:ln>
-              <a:solidFill>
-                <a:srgbClr val="000000"/>
-              </a:solidFill>
-              <a:effectLst/>
-              <a:uFillTx/>
-              <a:latin typeface="+mn-lt"/>
-              <a:ea typeface="+mn-ea"/>
-              <a:cs typeface="+mn-cs"/>
-              <a:sym typeface="Helvetica Light"/>
-            </a:endParaRPr>
-          </a:p>
-        </p:txBody>
-      </p:sp>
-    </p:spTree>
-    <p:extLst>
-      <p:ext uri="{BB962C8B-B14F-4D97-AF65-F5344CB8AC3E}">
-        <p14:creationId xmlns:p14="http://schemas.microsoft.com/office/powerpoint/2010/main" val="4227854398"/>
-      </p:ext>
-    </p:extLst>
-  </p:cSld>
-  <p:clrMapOvr>
-    <a:masterClrMapping/>
-  </p:clrMapOvr>
-  <p:transition spd="med"/>
-</p:sld>
-</file>
-
 <file path=ppt/slides/slide2.xml><?xml version="1.0" encoding="utf-8"?>
 <p:sld xmlns:a="http://schemas.openxmlformats.org/drawingml/2006/main" xmlns:r="http://schemas.openxmlformats.org/officeDocument/2006/relationships" xmlns:p="http://schemas.openxmlformats.org/presentationml/2006/main">
   <p:cSld>
@@ -27990,7 +29899,7 @@
           </a:ln>
           <a:extLst>
             <a:ext uri="{C572A759-6A51-4108-AA02-DFA0A04FC94B}">
-              <ma14:wrappingTextBoxFlag xmlns="" xmlns:ma14="http://schemas.microsoft.com/office/mac/drawingml/2011/main" val="1"/>
+              <ma14:wrappingTextBoxFlag xmlns:ma14="http://schemas.microsoft.com/office/mac/drawingml/2011/main" xmlns="" val="1"/>
             </a:ext>
           </a:extLst>
         </p:spPr>
@@ -28058,7 +29967,7 @@
           </a:ln>
           <a:extLst>
             <a:ext uri="{C572A759-6A51-4108-AA02-DFA0A04FC94B}">
-              <ma14:wrappingTextBoxFlag xmlns="" xmlns:ma14="http://schemas.microsoft.com/office/mac/drawingml/2011/main" val="1"/>
+              <ma14:wrappingTextBoxFlag xmlns:ma14="http://schemas.microsoft.com/office/mac/drawingml/2011/main" xmlns="" val="1"/>
             </a:ext>
           </a:extLst>
         </p:spPr>
@@ -28676,7 +30585,7 @@
           </a:ln>
           <a:extLst>
             <a:ext uri="{C572A759-6A51-4108-AA02-DFA0A04FC94B}">
-              <ma14:wrappingTextBoxFlag xmlns="" xmlns:ma14="http://schemas.microsoft.com/office/mac/drawingml/2011/main" val="1"/>
+              <ma14:wrappingTextBoxFlag xmlns:ma14="http://schemas.microsoft.com/office/mac/drawingml/2011/main" xmlns="" val="1"/>
             </a:ext>
           </a:extLst>
         </p:spPr>
@@ -29162,7 +31071,7 @@
           </a:ln>
           <a:extLst>
             <a:ext uri="{C572A759-6A51-4108-AA02-DFA0A04FC94B}">
-              <ma14:wrappingTextBoxFlag xmlns="" xmlns:ma14="http://schemas.microsoft.com/office/mac/drawingml/2011/main" val="1"/>
+              <ma14:wrappingTextBoxFlag xmlns:ma14="http://schemas.microsoft.com/office/mac/drawingml/2011/main" xmlns="" val="1"/>
             </a:ext>
           </a:extLst>
         </p:spPr>
@@ -29719,7 +31628,7 @@
           </a:ln>
           <a:extLst>
             <a:ext uri="{C572A759-6A51-4108-AA02-DFA0A04FC94B}">
-              <ma14:wrappingTextBoxFlag xmlns="" xmlns:ma14="http://schemas.microsoft.com/office/mac/drawingml/2011/main" val="1"/>
+              <ma14:wrappingTextBoxFlag xmlns:ma14="http://schemas.microsoft.com/office/mac/drawingml/2011/main" xmlns="" val="1"/>
             </a:ext>
           </a:extLst>
         </p:spPr>
@@ -30003,7 +31912,7 @@
           </a:ln>
           <a:extLst>
             <a:ext uri="{C572A759-6A51-4108-AA02-DFA0A04FC94B}">
-              <ma14:wrappingTextBoxFlag xmlns="" xmlns:ma14="http://schemas.microsoft.com/office/mac/drawingml/2011/main" val="1"/>
+              <ma14:wrappingTextBoxFlag xmlns:ma14="http://schemas.microsoft.com/office/mac/drawingml/2011/main" xmlns="" val="1"/>
             </a:ext>
           </a:extLst>
         </p:spPr>
@@ -30145,7 +32054,7 @@
           </a:ln>
           <a:extLst>
             <a:ext uri="{C572A759-6A51-4108-AA02-DFA0A04FC94B}">
-              <ma14:wrappingTextBoxFlag xmlns="" xmlns:ma14="http://schemas.microsoft.com/office/mac/drawingml/2011/main" val="1"/>
+              <ma14:wrappingTextBoxFlag xmlns:ma14="http://schemas.microsoft.com/office/mac/drawingml/2011/main" xmlns="" val="1"/>
             </a:ext>
           </a:extLst>
         </p:spPr>
@@ -30321,7 +32230,7 @@
           </a:ln>
           <a:extLst>
             <a:ext uri="{C572A759-6A51-4108-AA02-DFA0A04FC94B}">
-              <ma14:wrappingTextBoxFlag xmlns="" xmlns:ma14="http://schemas.microsoft.com/office/mac/drawingml/2011/main" val="1"/>
+              <ma14:wrappingTextBoxFlag xmlns:ma14="http://schemas.microsoft.com/office/mac/drawingml/2011/main" xmlns="" val="1"/>
             </a:ext>
           </a:extLst>
         </p:spPr>
@@ -30424,7 +32333,7 @@
           </a:ln>
           <a:extLst>
             <a:ext uri="{C572A759-6A51-4108-AA02-DFA0A04FC94B}">
-              <ma14:wrappingTextBoxFlag xmlns="" xmlns:ma14="http://schemas.microsoft.com/office/mac/drawingml/2011/main" val="1"/>
+              <ma14:wrappingTextBoxFlag xmlns:ma14="http://schemas.microsoft.com/office/mac/drawingml/2011/main" xmlns="" val="1"/>
             </a:ext>
           </a:extLst>
         </p:spPr>
@@ -31260,6 +33169,914 @@
       </p:grpSpPr>
       <p:sp>
         <p:nvSpPr>
+          <p:cNvPr id="2" name="TextBox 1">
+            <a:extLst>
+              <a:ext uri="{FF2B5EF4-FFF2-40B4-BE49-F238E27FC236}">
+                <a16:creationId xmlns:a16="http://schemas.microsoft.com/office/drawing/2014/main" id="{D02B0D28-6CA7-284D-960D-6AB0F1F43675}"/>
+              </a:ext>
+            </a:extLst>
+          </p:cNvPr>
+          <p:cNvSpPr txBox="1"/>
+          <p:nvPr/>
+        </p:nvSpPr>
+        <p:spPr>
+          <a:xfrm>
+            <a:off x="1556068" y="2584495"/>
+            <a:ext cx="2248525" cy="510235"/>
+          </a:xfrm>
+          <a:prstGeom prst="rect">
+            <a:avLst/>
+          </a:prstGeom>
+          <a:solidFill>
+            <a:schemeClr val="accent1">
+              <a:lumMod val="20000"/>
+              <a:lumOff val="80000"/>
+            </a:schemeClr>
+          </a:solidFill>
+          <a:ln w="3175" cap="flat">
+            <a:solidFill>
+              <a:schemeClr val="accent1"/>
+            </a:solidFill>
+            <a:miter lim="400000"/>
+          </a:ln>
+          <a:effectLst/>
+        </p:spPr>
+        <p:style>
+          <a:lnRef idx="0">
+            <a:scrgbClr r="0" g="0" b="0"/>
+          </a:lnRef>
+          <a:fillRef idx="0">
+            <a:scrgbClr r="0" g="0" b="0"/>
+          </a:fillRef>
+          <a:effectRef idx="0">
+            <a:scrgbClr r="0" g="0" b="0"/>
+          </a:effectRef>
+          <a:fontRef idx="none"/>
+        </p:style>
+        <p:txBody>
+          <a:bodyPr rot="0" spcFirstLastPara="1" vertOverflow="overflow" horzOverflow="overflow" vert="horz" wrap="square" lIns="39290" tIns="39290" rIns="39290" bIns="39290" numCol="1" spcCol="38100" rtlCol="0" anchor="ctr">
+            <a:spAutoFit/>
+          </a:bodyPr>
+          <a:lstStyle/>
+          <a:p>
+            <a:pPr marL="0" marR="0" indent="0" algn="ctr" defTabSz="584200" rtl="0" fontAlgn="auto" latinLnBrk="1" hangingPunct="0">
+              <a:lnSpc>
+                <a:spcPct val="100000"/>
+              </a:lnSpc>
+              <a:spcBef>
+                <a:spcPts val="0"/>
+              </a:spcBef>
+              <a:spcAft>
+                <a:spcPts val="0"/>
+              </a:spcAft>
+              <a:buClrTx/>
+              <a:buSzTx/>
+              <a:buFontTx/>
+              <a:buNone/>
+              <a:tabLst/>
+            </a:pPr>
+            <a:r>
+              <a:rPr kumimoji="0" lang="en-US" sz="2800" b="0" i="0" u="none" strike="noStrike" cap="none" spc="0" normalizeH="0" baseline="0" dirty="0">
+                <a:ln>
+                  <a:noFill/>
+                </a:ln>
+                <a:solidFill>
+                  <a:srgbClr val="000000"/>
+                </a:solidFill>
+                <a:effectLst/>
+                <a:uFillTx/>
+                <a:latin typeface="Arial" panose="020B0604020202020204" pitchFamily="34" charset="0"/>
+                <a:cs typeface="Arial" panose="020B0604020202020204" pitchFamily="34" charset="0"/>
+                <a:sym typeface="Helvetica Light"/>
+              </a:rPr>
+              <a:t>Catalog</a:t>
+            </a:r>
+          </a:p>
+        </p:txBody>
+      </p:sp>
+      <p:sp>
+        <p:nvSpPr>
+          <p:cNvPr id="3" name="TextBox 2">
+            <a:extLst>
+              <a:ext uri="{FF2B5EF4-FFF2-40B4-BE49-F238E27FC236}">
+                <a16:creationId xmlns:a16="http://schemas.microsoft.com/office/drawing/2014/main" id="{BC579910-9B59-4241-ADD8-EA21DC5380DB}"/>
+              </a:ext>
+            </a:extLst>
+          </p:cNvPr>
+          <p:cNvSpPr txBox="1"/>
+          <p:nvPr/>
+        </p:nvSpPr>
+        <p:spPr>
+          <a:xfrm>
+            <a:off x="1556069" y="3375965"/>
+            <a:ext cx="2248525" cy="510235"/>
+          </a:xfrm>
+          <a:prstGeom prst="rect">
+            <a:avLst/>
+          </a:prstGeom>
+          <a:solidFill>
+            <a:schemeClr val="accent1">
+              <a:lumMod val="20000"/>
+              <a:lumOff val="80000"/>
+            </a:schemeClr>
+          </a:solidFill>
+          <a:ln w="3175" cap="flat">
+            <a:solidFill>
+              <a:schemeClr val="accent1"/>
+            </a:solidFill>
+            <a:miter lim="400000"/>
+          </a:ln>
+          <a:effectLst/>
+        </p:spPr>
+        <p:style>
+          <a:lnRef idx="0">
+            <a:scrgbClr r="0" g="0" b="0"/>
+          </a:lnRef>
+          <a:fillRef idx="0">
+            <a:scrgbClr r="0" g="0" b="0"/>
+          </a:fillRef>
+          <a:effectRef idx="0">
+            <a:scrgbClr r="0" g="0" b="0"/>
+          </a:effectRef>
+          <a:fontRef idx="none"/>
+        </p:style>
+        <p:txBody>
+          <a:bodyPr rot="0" spcFirstLastPara="1" vertOverflow="overflow" horzOverflow="overflow" vert="horz" wrap="square" lIns="39290" tIns="39290" rIns="39290" bIns="39290" numCol="1" spcCol="38100" rtlCol="0" anchor="ctr">
+            <a:spAutoFit/>
+          </a:bodyPr>
+          <a:lstStyle/>
+          <a:p>
+            <a:pPr marL="0" marR="0" indent="0" algn="ctr" defTabSz="584200" rtl="0" fontAlgn="auto" latinLnBrk="1" hangingPunct="0">
+              <a:lnSpc>
+                <a:spcPct val="100000"/>
+              </a:lnSpc>
+              <a:spcBef>
+                <a:spcPts val="0"/>
+              </a:spcBef>
+              <a:spcAft>
+                <a:spcPts val="0"/>
+              </a:spcAft>
+              <a:buClrTx/>
+              <a:buSzTx/>
+              <a:buFontTx/>
+              <a:buNone/>
+              <a:tabLst/>
+            </a:pPr>
+            <a:r>
+              <a:rPr kumimoji="0" lang="en-US" sz="2800" b="0" i="0" u="none" strike="noStrike" cap="none" spc="0" normalizeH="0" baseline="0" dirty="0">
+                <a:ln>
+                  <a:noFill/>
+                </a:ln>
+                <a:solidFill>
+                  <a:srgbClr val="000000"/>
+                </a:solidFill>
+                <a:effectLst/>
+                <a:uFillTx/>
+                <a:latin typeface="Arial" panose="020B0604020202020204" pitchFamily="34" charset="0"/>
+                <a:cs typeface="Arial" panose="020B0604020202020204" pitchFamily="34" charset="0"/>
+                <a:sym typeface="Helvetica Light"/>
+              </a:rPr>
+              <a:t>Product</a:t>
+            </a:r>
+          </a:p>
+        </p:txBody>
+      </p:sp>
+      <p:sp>
+        <p:nvSpPr>
+          <p:cNvPr id="4" name="TextBox 3">
+            <a:extLst>
+              <a:ext uri="{FF2B5EF4-FFF2-40B4-BE49-F238E27FC236}">
+                <a16:creationId xmlns:a16="http://schemas.microsoft.com/office/drawing/2014/main" id="{47FE1031-25FA-9941-B441-4A18DB67457D}"/>
+              </a:ext>
+            </a:extLst>
+          </p:cNvPr>
+          <p:cNvSpPr txBox="1"/>
+          <p:nvPr/>
+        </p:nvSpPr>
+        <p:spPr>
+          <a:xfrm>
+            <a:off x="1556068" y="4167435"/>
+            <a:ext cx="2248525" cy="510235"/>
+          </a:xfrm>
+          <a:prstGeom prst="rect">
+            <a:avLst/>
+          </a:prstGeom>
+          <a:solidFill>
+            <a:schemeClr val="accent1">
+              <a:lumMod val="20000"/>
+              <a:lumOff val="80000"/>
+            </a:schemeClr>
+          </a:solidFill>
+          <a:ln w="3175" cap="flat">
+            <a:solidFill>
+              <a:schemeClr val="accent1"/>
+            </a:solidFill>
+            <a:miter lim="400000"/>
+          </a:ln>
+          <a:effectLst/>
+        </p:spPr>
+        <p:style>
+          <a:lnRef idx="0">
+            <a:scrgbClr r="0" g="0" b="0"/>
+          </a:lnRef>
+          <a:fillRef idx="0">
+            <a:scrgbClr r="0" g="0" b="0"/>
+          </a:fillRef>
+          <a:effectRef idx="0">
+            <a:scrgbClr r="0" g="0" b="0"/>
+          </a:effectRef>
+          <a:fontRef idx="none"/>
+        </p:style>
+        <p:txBody>
+          <a:bodyPr rot="0" spcFirstLastPara="1" vertOverflow="overflow" horzOverflow="overflow" vert="horz" wrap="square" lIns="39290" tIns="39290" rIns="39290" bIns="39290" numCol="1" spcCol="38100" rtlCol="0" anchor="ctr">
+            <a:spAutoFit/>
+          </a:bodyPr>
+          <a:lstStyle/>
+          <a:p>
+            <a:pPr marL="0" marR="0" indent="0" algn="ctr" defTabSz="584200" rtl="0" fontAlgn="auto" latinLnBrk="1" hangingPunct="0">
+              <a:lnSpc>
+                <a:spcPct val="100000"/>
+              </a:lnSpc>
+              <a:spcBef>
+                <a:spcPts val="0"/>
+              </a:spcBef>
+              <a:spcAft>
+                <a:spcPts val="0"/>
+              </a:spcAft>
+              <a:buClrTx/>
+              <a:buSzTx/>
+              <a:buFontTx/>
+              <a:buNone/>
+              <a:tabLst/>
+            </a:pPr>
+            <a:r>
+              <a:rPr lang="en-US" dirty="0">
+                <a:solidFill>
+                  <a:srgbClr val="000000"/>
+                </a:solidFill>
+                <a:latin typeface="Arial" panose="020B0604020202020204" pitchFamily="34" charset="0"/>
+                <a:cs typeface="Arial" panose="020B0604020202020204" pitchFamily="34" charset="0"/>
+              </a:rPr>
+              <a:t>API</a:t>
+            </a:r>
+            <a:endParaRPr kumimoji="0" lang="en-US" sz="2800" b="0" i="0" u="none" strike="noStrike" cap="none" spc="0" normalizeH="0" baseline="0" dirty="0">
+              <a:ln>
+                <a:noFill/>
+              </a:ln>
+              <a:solidFill>
+                <a:srgbClr val="000000"/>
+              </a:solidFill>
+              <a:effectLst/>
+              <a:uFillTx/>
+              <a:latin typeface="Arial" panose="020B0604020202020204" pitchFamily="34" charset="0"/>
+              <a:cs typeface="Arial" panose="020B0604020202020204" pitchFamily="34" charset="0"/>
+              <a:sym typeface="Helvetica Light"/>
+            </a:endParaRPr>
+          </a:p>
+        </p:txBody>
+      </p:sp>
+      <p:cxnSp>
+        <p:nvCxnSpPr>
+          <p:cNvPr id="6" name="Straight Connector 5">
+            <a:extLst>
+              <a:ext uri="{FF2B5EF4-FFF2-40B4-BE49-F238E27FC236}">
+                <a16:creationId xmlns:a16="http://schemas.microsoft.com/office/drawing/2014/main" id="{C4E28FE1-BEEC-0E4A-B9A5-548541176037}"/>
+              </a:ext>
+            </a:extLst>
+          </p:cNvPr>
+          <p:cNvCxnSpPr>
+            <a:cxnSpLocks/>
+            <a:stCxn id="2" idx="2"/>
+            <a:endCxn id="3" idx="0"/>
+          </p:cNvCxnSpPr>
+          <p:nvPr/>
+        </p:nvCxnSpPr>
+        <p:spPr>
+          <a:xfrm>
+            <a:off x="2680331" y="3094730"/>
+            <a:ext cx="1" cy="281235"/>
+          </a:xfrm>
+          <a:prstGeom prst="line">
+            <a:avLst/>
+          </a:prstGeom>
+          <a:noFill/>
+          <a:ln w="12700" cap="flat">
+            <a:solidFill>
+              <a:srgbClr val="000000"/>
+            </a:solidFill>
+            <a:prstDash val="solid"/>
+            <a:miter lim="400000"/>
+          </a:ln>
+          <a:effectLst/>
+        </p:spPr>
+        <p:style>
+          <a:lnRef idx="0">
+            <a:scrgbClr r="0" g="0" b="0"/>
+          </a:lnRef>
+          <a:fillRef idx="0">
+            <a:scrgbClr r="0" g="0" b="0"/>
+          </a:fillRef>
+          <a:effectRef idx="0">
+            <a:scrgbClr r="0" g="0" b="0"/>
+          </a:effectRef>
+          <a:fontRef idx="none"/>
+        </p:style>
+      </p:cxnSp>
+      <p:cxnSp>
+        <p:nvCxnSpPr>
+          <p:cNvPr id="7" name="Straight Connector 6">
+            <a:extLst>
+              <a:ext uri="{FF2B5EF4-FFF2-40B4-BE49-F238E27FC236}">
+                <a16:creationId xmlns:a16="http://schemas.microsoft.com/office/drawing/2014/main" id="{27305FF6-6BBB-C94E-A789-B4FA2F474E8F}"/>
+              </a:ext>
+            </a:extLst>
+          </p:cNvPr>
+          <p:cNvCxnSpPr>
+            <a:cxnSpLocks/>
+            <a:stCxn id="3" idx="2"/>
+            <a:endCxn id="4" idx="0"/>
+          </p:cNvCxnSpPr>
+          <p:nvPr/>
+        </p:nvCxnSpPr>
+        <p:spPr>
+          <a:xfrm flipH="1">
+            <a:off x="2680331" y="3886200"/>
+            <a:ext cx="1" cy="281235"/>
+          </a:xfrm>
+          <a:prstGeom prst="line">
+            <a:avLst/>
+          </a:prstGeom>
+          <a:noFill/>
+          <a:ln w="12700" cap="flat">
+            <a:solidFill>
+              <a:srgbClr val="000000"/>
+            </a:solidFill>
+            <a:prstDash val="solid"/>
+            <a:miter lim="400000"/>
+          </a:ln>
+          <a:effectLst/>
+        </p:spPr>
+        <p:style>
+          <a:lnRef idx="0">
+            <a:scrgbClr r="0" g="0" b="0"/>
+          </a:lnRef>
+          <a:fillRef idx="0">
+            <a:scrgbClr r="0" g="0" b="0"/>
+          </a:fillRef>
+          <a:effectRef idx="0">
+            <a:scrgbClr r="0" g="0" b="0"/>
+          </a:effectRef>
+          <a:fontRef idx="none"/>
+        </p:style>
+      </p:cxnSp>
+      <p:sp>
+        <p:nvSpPr>
+          <p:cNvPr id="8" name="TextBox 7">
+            <a:extLst>
+              <a:ext uri="{FF2B5EF4-FFF2-40B4-BE49-F238E27FC236}">
+                <a16:creationId xmlns:a16="http://schemas.microsoft.com/office/drawing/2014/main" id="{EEB51179-6F79-8342-B192-4AF78CAAF148}"/>
+              </a:ext>
+            </a:extLst>
+          </p:cNvPr>
+          <p:cNvSpPr txBox="1"/>
+          <p:nvPr/>
+        </p:nvSpPr>
+        <p:spPr>
+          <a:xfrm>
+            <a:off x="4007558" y="2553717"/>
+            <a:ext cx="2927884" cy="694901"/>
+          </a:xfrm>
+          <a:prstGeom prst="rect">
+            <a:avLst/>
+          </a:prstGeom>
+          <a:noFill/>
+          <a:ln w="3175" cap="flat">
+            <a:noFill/>
+            <a:miter lim="400000"/>
+          </a:ln>
+          <a:effectLst/>
+        </p:spPr>
+        <p:style>
+          <a:lnRef idx="0">
+            <a:scrgbClr r="0" g="0" b="0"/>
+          </a:lnRef>
+          <a:fillRef idx="0">
+            <a:scrgbClr r="0" g="0" b="0"/>
+          </a:fillRef>
+          <a:effectRef idx="0">
+            <a:scrgbClr r="0" g="0" b="0"/>
+          </a:effectRef>
+          <a:fontRef idx="none"/>
+        </p:style>
+        <p:txBody>
+          <a:bodyPr rot="0" spcFirstLastPara="1" vertOverflow="overflow" horzOverflow="overflow" vert="horz" wrap="square" lIns="39290" tIns="39290" rIns="39290" bIns="39290" numCol="1" spcCol="38100" rtlCol="0" anchor="ctr">
+            <a:spAutoFit/>
+          </a:bodyPr>
+          <a:lstStyle/>
+          <a:p>
+            <a:pPr marL="0" marR="0" indent="0" algn="l" defTabSz="584200" rtl="0" fontAlgn="auto" latinLnBrk="1" hangingPunct="0">
+              <a:lnSpc>
+                <a:spcPct val="100000"/>
+              </a:lnSpc>
+              <a:spcBef>
+                <a:spcPts val="0"/>
+              </a:spcBef>
+              <a:spcAft>
+                <a:spcPts val="0"/>
+              </a:spcAft>
+              <a:buClrTx/>
+              <a:buSzTx/>
+              <a:buFontTx/>
+              <a:buNone/>
+              <a:tabLst/>
+            </a:pPr>
+            <a:r>
+              <a:rPr kumimoji="0" lang="en-US" sz="2000" b="0" i="0" u="none" strike="noStrike" cap="none" spc="0" normalizeH="0" baseline="0" dirty="0">
+                <a:ln>
+                  <a:noFill/>
+                </a:ln>
+                <a:solidFill>
+                  <a:srgbClr val="000000"/>
+                </a:solidFill>
+                <a:effectLst/>
+                <a:uFillTx/>
+                <a:latin typeface="Arial" panose="020B0604020202020204" pitchFamily="34" charset="0"/>
+                <a:cs typeface="Arial" panose="020B0604020202020204" pitchFamily="34" charset="0"/>
+                <a:sym typeface="Helvetica Light"/>
+              </a:rPr>
+              <a:t>Contains products in </a:t>
+            </a:r>
+          </a:p>
+          <a:p>
+            <a:pPr marL="0" marR="0" indent="0" algn="l" defTabSz="584200" rtl="0" fontAlgn="auto" latinLnBrk="1" hangingPunct="0">
+              <a:lnSpc>
+                <a:spcPct val="100000"/>
+              </a:lnSpc>
+              <a:spcBef>
+                <a:spcPts val="0"/>
+              </a:spcBef>
+              <a:spcAft>
+                <a:spcPts val="0"/>
+              </a:spcAft>
+              <a:buClrTx/>
+              <a:buSzTx/>
+              <a:buFontTx/>
+              <a:buNone/>
+              <a:tabLst/>
+            </a:pPr>
+            <a:r>
+              <a:rPr kumimoji="0" lang="en-US" sz="2000" b="0" i="0" u="none" strike="noStrike" cap="none" spc="0" normalizeH="0" baseline="0" dirty="0">
+                <a:ln>
+                  <a:noFill/>
+                </a:ln>
+                <a:solidFill>
+                  <a:srgbClr val="000000"/>
+                </a:solidFill>
+                <a:effectLst/>
+                <a:uFillTx/>
+                <a:latin typeface="Arial" panose="020B0604020202020204" pitchFamily="34" charset="0"/>
+                <a:cs typeface="Arial" panose="020B0604020202020204" pitchFamily="34" charset="0"/>
+                <a:sym typeface="Helvetica Light"/>
+              </a:rPr>
+              <a:t>different publishing state </a:t>
+            </a:r>
+          </a:p>
+        </p:txBody>
+      </p:sp>
+      <p:sp>
+        <p:nvSpPr>
+          <p:cNvPr id="14" name="TextBox 13">
+            <a:extLst>
+              <a:ext uri="{FF2B5EF4-FFF2-40B4-BE49-F238E27FC236}">
+                <a16:creationId xmlns:a16="http://schemas.microsoft.com/office/drawing/2014/main" id="{1208B892-8B2A-B144-9733-0DC6353A520D}"/>
+              </a:ext>
+            </a:extLst>
+          </p:cNvPr>
+          <p:cNvSpPr txBox="1"/>
+          <p:nvPr/>
+        </p:nvSpPr>
+        <p:spPr>
+          <a:xfrm>
+            <a:off x="4007558" y="3499076"/>
+            <a:ext cx="1704792" cy="387124"/>
+          </a:xfrm>
+          <a:prstGeom prst="rect">
+            <a:avLst/>
+          </a:prstGeom>
+          <a:noFill/>
+          <a:ln w="3175" cap="flat">
+            <a:noFill/>
+            <a:miter lim="400000"/>
+          </a:ln>
+          <a:effectLst/>
+        </p:spPr>
+        <p:style>
+          <a:lnRef idx="0">
+            <a:scrgbClr r="0" g="0" b="0"/>
+          </a:lnRef>
+          <a:fillRef idx="0">
+            <a:scrgbClr r="0" g="0" b="0"/>
+          </a:fillRef>
+          <a:effectRef idx="0">
+            <a:scrgbClr r="0" g="0" b="0"/>
+          </a:effectRef>
+          <a:fontRef idx="none"/>
+        </p:style>
+        <p:txBody>
+          <a:bodyPr rot="0" spcFirstLastPara="1" vertOverflow="overflow" horzOverflow="overflow" vert="horz" wrap="none" lIns="39290" tIns="39290" rIns="39290" bIns="39290" numCol="1" spcCol="38100" rtlCol="0" anchor="ctr">
+            <a:spAutoFit/>
+          </a:bodyPr>
+          <a:lstStyle/>
+          <a:p>
+            <a:pPr marL="0" marR="0" indent="0" algn="l" defTabSz="584200" rtl="0" fontAlgn="auto" latinLnBrk="1" hangingPunct="0">
+              <a:lnSpc>
+                <a:spcPct val="100000"/>
+              </a:lnSpc>
+              <a:spcBef>
+                <a:spcPts val="0"/>
+              </a:spcBef>
+              <a:spcAft>
+                <a:spcPts val="0"/>
+              </a:spcAft>
+              <a:buClrTx/>
+              <a:buSzTx/>
+              <a:buFontTx/>
+              <a:buNone/>
+              <a:tabLst/>
+            </a:pPr>
+            <a:r>
+              <a:rPr kumimoji="0" lang="en-US" sz="2000" b="0" i="0" u="none" strike="noStrike" cap="none" spc="0" normalizeH="0" baseline="0" dirty="0">
+                <a:ln>
+                  <a:noFill/>
+                </a:ln>
+                <a:solidFill>
+                  <a:srgbClr val="000000"/>
+                </a:solidFill>
+                <a:effectLst/>
+                <a:uFillTx/>
+                <a:latin typeface="Arial" panose="020B0604020202020204" pitchFamily="34" charset="0"/>
+                <a:cs typeface="Arial" panose="020B0604020202020204" pitchFamily="34" charset="0"/>
+                <a:sym typeface="Helvetica Light"/>
+              </a:rPr>
+              <a:t>Contains APIs</a:t>
+            </a:r>
+          </a:p>
+        </p:txBody>
+      </p:sp>
+      <p:sp>
+        <p:nvSpPr>
+          <p:cNvPr id="15" name="TextBox 14">
+            <a:extLst>
+              <a:ext uri="{FF2B5EF4-FFF2-40B4-BE49-F238E27FC236}">
+                <a16:creationId xmlns:a16="http://schemas.microsoft.com/office/drawing/2014/main" id="{2C0830D2-6A0C-5B4C-9AA6-CDF7B6149415}"/>
+              </a:ext>
+            </a:extLst>
+          </p:cNvPr>
+          <p:cNvSpPr txBox="1"/>
+          <p:nvPr/>
+        </p:nvSpPr>
+        <p:spPr>
+          <a:xfrm>
+            <a:off x="4007557" y="4167435"/>
+            <a:ext cx="4253567" cy="387124"/>
+          </a:xfrm>
+          <a:prstGeom prst="rect">
+            <a:avLst/>
+          </a:prstGeom>
+          <a:noFill/>
+          <a:ln w="3175" cap="flat">
+            <a:noFill/>
+            <a:miter lim="400000"/>
+          </a:ln>
+          <a:effectLst/>
+        </p:spPr>
+        <p:style>
+          <a:lnRef idx="0">
+            <a:scrgbClr r="0" g="0" b="0"/>
+          </a:lnRef>
+          <a:fillRef idx="0">
+            <a:scrgbClr r="0" g="0" b="0"/>
+          </a:fillRef>
+          <a:effectRef idx="0">
+            <a:scrgbClr r="0" g="0" b="0"/>
+          </a:effectRef>
+          <a:fontRef idx="none"/>
+        </p:style>
+        <p:txBody>
+          <a:bodyPr rot="0" spcFirstLastPara="1" vertOverflow="overflow" horzOverflow="overflow" vert="horz" wrap="none" lIns="39290" tIns="39290" rIns="39290" bIns="39290" numCol="1" spcCol="38100" rtlCol="0" anchor="ctr">
+            <a:spAutoFit/>
+          </a:bodyPr>
+          <a:lstStyle/>
+          <a:p>
+            <a:pPr marL="0" marR="0" indent="0" algn="l" defTabSz="584200" rtl="0" fontAlgn="auto" latinLnBrk="1" hangingPunct="0">
+              <a:lnSpc>
+                <a:spcPct val="100000"/>
+              </a:lnSpc>
+              <a:spcBef>
+                <a:spcPts val="0"/>
+              </a:spcBef>
+              <a:spcAft>
+                <a:spcPts val="0"/>
+              </a:spcAft>
+              <a:buClrTx/>
+              <a:buSzTx/>
+              <a:buFontTx/>
+              <a:buNone/>
+              <a:tabLst/>
+            </a:pPr>
+            <a:r>
+              <a:rPr kumimoji="0" lang="en-US" sz="2000" b="0" i="0" u="none" strike="noStrike" cap="none" spc="0" normalizeH="0" baseline="0" dirty="0">
+                <a:ln>
+                  <a:noFill/>
+                </a:ln>
+                <a:solidFill>
+                  <a:srgbClr val="000000"/>
+                </a:solidFill>
+                <a:effectLst/>
+                <a:uFillTx/>
+                <a:latin typeface="Arial" panose="020B0604020202020204" pitchFamily="34" charset="0"/>
+                <a:cs typeface="Arial" panose="020B0604020202020204" pitchFamily="34" charset="0"/>
+                <a:sym typeface="Helvetica Light"/>
+              </a:rPr>
+              <a:t>Contains our imported API definition</a:t>
+            </a:r>
+          </a:p>
+        </p:txBody>
+      </p:sp>
+      <p:sp>
+        <p:nvSpPr>
+          <p:cNvPr id="20" name="TextBox 19">
+            <a:extLst>
+              <a:ext uri="{FF2B5EF4-FFF2-40B4-BE49-F238E27FC236}">
+                <a16:creationId xmlns:a16="http://schemas.microsoft.com/office/drawing/2014/main" id="{C6D5D6C3-A981-F848-AA55-15020187D309}"/>
+              </a:ext>
+            </a:extLst>
+          </p:cNvPr>
+          <p:cNvSpPr txBox="1"/>
+          <p:nvPr/>
+        </p:nvSpPr>
+        <p:spPr>
+          <a:xfrm>
+            <a:off x="1670180" y="1844841"/>
+            <a:ext cx="5495732" cy="510235"/>
+          </a:xfrm>
+          <a:prstGeom prst="rect">
+            <a:avLst/>
+          </a:prstGeom>
+          <a:noFill/>
+          <a:ln w="3175" cap="flat">
+            <a:noFill/>
+            <a:miter lim="400000"/>
+          </a:ln>
+          <a:effectLst/>
+        </p:spPr>
+        <p:style>
+          <a:lnRef idx="0">
+            <a:scrgbClr r="0" g="0" b="0"/>
+          </a:lnRef>
+          <a:fillRef idx="0">
+            <a:scrgbClr r="0" g="0" b="0"/>
+          </a:fillRef>
+          <a:effectRef idx="0">
+            <a:scrgbClr r="0" g="0" b="0"/>
+          </a:effectRef>
+          <a:fontRef idx="none"/>
+        </p:style>
+        <p:txBody>
+          <a:bodyPr rot="0" spcFirstLastPara="1" vertOverflow="overflow" horzOverflow="overflow" vert="horz" wrap="square" lIns="39290" tIns="39290" rIns="39290" bIns="39290" numCol="1" spcCol="38100" rtlCol="0" anchor="ctr">
+            <a:spAutoFit/>
+          </a:bodyPr>
+          <a:lstStyle/>
+          <a:p>
+            <a:pPr marL="0" marR="0" indent="0" algn="ctr" defTabSz="584200" rtl="0" fontAlgn="auto" latinLnBrk="1" hangingPunct="0">
+              <a:lnSpc>
+                <a:spcPct val="100000"/>
+              </a:lnSpc>
+              <a:spcBef>
+                <a:spcPts val="0"/>
+              </a:spcBef>
+              <a:spcAft>
+                <a:spcPts val="0"/>
+              </a:spcAft>
+              <a:buClrTx/>
+              <a:buSzTx/>
+              <a:buFontTx/>
+              <a:buNone/>
+              <a:tabLst/>
+            </a:pPr>
+            <a:r>
+              <a:rPr kumimoji="0" lang="de-DE" sz="2800" b="1" i="0" u="none" strike="noStrike" cap="none" spc="0" normalizeH="0" baseline="0" dirty="0">
+                <a:ln>
+                  <a:noFill/>
+                </a:ln>
+                <a:solidFill>
+                  <a:srgbClr val="000000"/>
+                </a:solidFill>
+                <a:effectLst/>
+                <a:uFillTx/>
+                <a:latin typeface="+mn-lt"/>
+                <a:ea typeface="+mn-ea"/>
+                <a:cs typeface="+mn-cs"/>
+                <a:sym typeface="Helvetica Light"/>
+              </a:rPr>
+              <a:t>Major </a:t>
+            </a:r>
+            <a:r>
+              <a:rPr kumimoji="0" lang="en-US" sz="2800" b="1" i="0" u="none" strike="noStrike" cap="none" spc="0" normalizeH="0" baseline="0" dirty="0">
+                <a:ln>
+                  <a:noFill/>
+                </a:ln>
+                <a:solidFill>
+                  <a:srgbClr val="000000"/>
+                </a:solidFill>
+                <a:effectLst/>
+                <a:uFillTx/>
+                <a:latin typeface="+mn-lt"/>
+                <a:ea typeface="+mn-ea"/>
+                <a:cs typeface="+mn-cs"/>
+                <a:sym typeface="Helvetica Light"/>
+              </a:rPr>
+              <a:t>elements</a:t>
+            </a:r>
+            <a:r>
+              <a:rPr kumimoji="0" lang="de-DE" sz="2800" b="1" i="0" u="none" strike="noStrike" cap="none" spc="0" normalizeH="0" baseline="0" dirty="0">
+                <a:ln>
+                  <a:noFill/>
+                </a:ln>
+                <a:solidFill>
+                  <a:srgbClr val="000000"/>
+                </a:solidFill>
+                <a:effectLst/>
+                <a:uFillTx/>
+                <a:latin typeface="+mn-lt"/>
+                <a:ea typeface="+mn-ea"/>
+                <a:cs typeface="+mn-cs"/>
+                <a:sym typeface="Helvetica Light"/>
+              </a:rPr>
+              <a:t> in API Connect</a:t>
+            </a:r>
+          </a:p>
+        </p:txBody>
+      </p:sp>
+    </p:spTree>
+    <p:extLst>
+      <p:ext uri="{BB962C8B-B14F-4D97-AF65-F5344CB8AC3E}">
+        <p14:creationId xmlns:p14="http://schemas.microsoft.com/office/powerpoint/2010/main" val="1234341700"/>
+      </p:ext>
+    </p:extLst>
+  </p:cSld>
+  <p:clrMapOvr>
+    <a:masterClrMapping/>
+  </p:clrMapOvr>
+  <p:transition spd="med"/>
+</p:sld>
+</file>
+
+<file path=ppt/slides/slide21.xml><?xml version="1.0" encoding="utf-8"?>
+<p:sld xmlns:a="http://schemas.openxmlformats.org/drawingml/2006/main" xmlns:r="http://schemas.openxmlformats.org/officeDocument/2006/relationships" xmlns:p="http://schemas.openxmlformats.org/presentationml/2006/main">
+  <p:cSld>
+    <p:spTree>
+      <p:nvGrpSpPr>
+        <p:cNvPr id="1" name=""/>
+        <p:cNvGrpSpPr/>
+        <p:nvPr/>
+      </p:nvGrpSpPr>
+      <p:grpSpPr>
+        <a:xfrm>
+          <a:off x="0" y="0"/>
+          <a:ext cx="0" cy="0"/>
+          <a:chOff x="0" y="0"/>
+          <a:chExt cx="0" cy="0"/>
+        </a:xfrm>
+      </p:grpSpPr>
+      <p:sp>
+        <p:nvSpPr>
+          <p:cNvPr id="2" name="TextBox 1">
+            <a:extLst>
+              <a:ext uri="{FF2B5EF4-FFF2-40B4-BE49-F238E27FC236}">
+                <a16:creationId xmlns:a16="http://schemas.microsoft.com/office/drawing/2014/main" id="{87C07FF8-CBD9-BE44-A19C-3A5A734DAEA8}"/>
+              </a:ext>
+            </a:extLst>
+          </p:cNvPr>
+          <p:cNvSpPr txBox="1"/>
+          <p:nvPr/>
+        </p:nvSpPr>
+        <p:spPr>
+          <a:xfrm>
+            <a:off x="873821" y="3083578"/>
+            <a:ext cx="8310768" cy="1095010"/>
+          </a:xfrm>
+          <a:prstGeom prst="rect">
+            <a:avLst/>
+          </a:prstGeom>
+          <a:noFill/>
+          <a:ln w="3175" cap="flat">
+            <a:noFill/>
+            <a:miter lim="400000"/>
+          </a:ln>
+          <a:effectLst/>
+        </p:spPr>
+        <p:style>
+          <a:lnRef idx="0">
+            <a:scrgbClr r="0" g="0" b="0"/>
+          </a:lnRef>
+          <a:fillRef idx="0">
+            <a:scrgbClr r="0" g="0" b="0"/>
+          </a:fillRef>
+          <a:effectRef idx="0">
+            <a:scrgbClr r="0" g="0" b="0"/>
+          </a:effectRef>
+          <a:fontRef idx="none"/>
+        </p:style>
+        <p:txBody>
+          <a:bodyPr rot="0" spcFirstLastPara="1" vertOverflow="overflow" horzOverflow="overflow" vert="horz" wrap="none" lIns="39290" tIns="39290" rIns="39290" bIns="39290" numCol="1" spcCol="38100" rtlCol="0" anchor="ctr">
+            <a:spAutoFit/>
+          </a:bodyPr>
+          <a:lstStyle/>
+          <a:p>
+            <a:pPr marL="0" marR="0" indent="0" algn="ctr" defTabSz="584200" rtl="0" fontAlgn="auto" latinLnBrk="1" hangingPunct="0">
+              <a:lnSpc>
+                <a:spcPct val="100000"/>
+              </a:lnSpc>
+              <a:spcBef>
+                <a:spcPts val="0"/>
+              </a:spcBef>
+              <a:spcAft>
+                <a:spcPts val="0"/>
+              </a:spcAft>
+              <a:buClrTx/>
+              <a:buSzTx/>
+              <a:buFontTx/>
+              <a:buNone/>
+              <a:tabLst/>
+            </a:pPr>
+            <a:r>
+              <a:rPr kumimoji="0" lang="de-DE" sz="6600" b="0" i="0" u="none" strike="noStrike" cap="none" spc="0" normalizeH="0" baseline="0">
+                <a:ln>
+                  <a:noFill/>
+                </a:ln>
+                <a:solidFill>
+                  <a:srgbClr val="000000"/>
+                </a:solidFill>
+                <a:effectLst/>
+                <a:uFillTx/>
+                <a:latin typeface="+mn-lt"/>
+                <a:ea typeface="+mn-ea"/>
+                <a:cs typeface="+mn-cs"/>
+                <a:sym typeface="Helvetica Light"/>
+              </a:rPr>
+              <a:t>SCORES IN DOCKER</a:t>
+            </a:r>
+            <a:endParaRPr kumimoji="0" lang="de-DE" sz="6600" b="0" i="0" u="none" strike="noStrike" cap="none" spc="0" normalizeH="0" baseline="0" dirty="0">
+              <a:ln>
+                <a:noFill/>
+              </a:ln>
+              <a:solidFill>
+                <a:srgbClr val="000000"/>
+              </a:solidFill>
+              <a:effectLst/>
+              <a:uFillTx/>
+              <a:latin typeface="+mn-lt"/>
+              <a:ea typeface="+mn-ea"/>
+              <a:cs typeface="+mn-cs"/>
+              <a:sym typeface="Helvetica Light"/>
+            </a:endParaRPr>
+          </a:p>
+        </p:txBody>
+      </p:sp>
+    </p:spTree>
+    <p:extLst>
+      <p:ext uri="{BB962C8B-B14F-4D97-AF65-F5344CB8AC3E}">
+        <p14:creationId xmlns:p14="http://schemas.microsoft.com/office/powerpoint/2010/main" val="4227854398"/>
+      </p:ext>
+    </p:extLst>
+  </p:cSld>
+  <p:clrMapOvr>
+    <a:masterClrMapping/>
+  </p:clrMapOvr>
+  <p:transition spd="med"/>
+</p:sld>
+</file>
+
+<file path=ppt/slides/slide22.xml><?xml version="1.0" encoding="utf-8"?>
+<p:sld xmlns:a="http://schemas.openxmlformats.org/drawingml/2006/main" xmlns:r="http://schemas.openxmlformats.org/officeDocument/2006/relationships" xmlns:p="http://schemas.openxmlformats.org/presentationml/2006/main">
+  <p:cSld>
+    <p:spTree>
+      <p:nvGrpSpPr>
+        <p:cNvPr id="1" name=""/>
+        <p:cNvGrpSpPr/>
+        <p:nvPr/>
+      </p:nvGrpSpPr>
+      <p:grpSpPr>
+        <a:xfrm>
+          <a:off x="0" y="0"/>
+          <a:ext cx="0" cy="0"/>
+          <a:chOff x="0" y="0"/>
+          <a:chExt cx="0" cy="0"/>
+        </a:xfrm>
+      </p:grpSpPr>
+      <p:sp>
+        <p:nvSpPr>
           <p:cNvPr id="2" name="Rectangle 1">
             <a:extLst>
               <a:ext uri="{FF2B5EF4-FFF2-40B4-BE49-F238E27FC236}">
@@ -31378,7 +34195,7 @@
           </a:ln>
           <a:extLst>
             <a:ext uri="{C572A759-6A51-4108-AA02-DFA0A04FC94B}">
-              <ma14:wrappingTextBoxFlag xmlns="" xmlns:ma14="http://schemas.microsoft.com/office/mac/drawingml/2011/main" val="1"/>
+              <ma14:wrappingTextBoxFlag xmlns:ma14="http://schemas.microsoft.com/office/mac/drawingml/2011/main" xmlns="" val="1"/>
             </a:ext>
           </a:extLst>
         </p:spPr>
@@ -31930,7 +34747,7 @@
 </p:sld>
 </file>
 
-<file path=ppt/slides/slide21.xml><?xml version="1.0" encoding="utf-8"?>
+<file path=ppt/slides/slide23.xml><?xml version="1.0" encoding="utf-8"?>
 <p:sld xmlns:a="http://schemas.openxmlformats.org/drawingml/2006/main" xmlns:r="http://schemas.openxmlformats.org/officeDocument/2006/relationships" xmlns:p="http://schemas.openxmlformats.org/presentationml/2006/main">
   <p:cSld>
     <p:spTree>
@@ -32075,7 +34892,7 @@
 </p:sld>
 </file>
 
-<file path=ppt/slides/slide22.xml><?xml version="1.0" encoding="utf-8"?>
+<file path=ppt/slides/slide24.xml><?xml version="1.0" encoding="utf-8"?>
 <p:sld xmlns:a="http://schemas.openxmlformats.org/drawingml/2006/main" xmlns:r="http://schemas.openxmlformats.org/officeDocument/2006/relationships" xmlns:p="http://schemas.openxmlformats.org/presentationml/2006/main">
   <p:cSld>
     <p:spTree>
@@ -32387,7 +35204,7 @@
           </a:ln>
           <a:extLst>
             <a:ext uri="{C572A759-6A51-4108-AA02-DFA0A04FC94B}">
-              <ma14:wrappingTextBoxFlag xmlns="" xmlns:ma14="http://schemas.microsoft.com/office/mac/drawingml/2011/main" val="1"/>
+              <ma14:wrappingTextBoxFlag xmlns:ma14="http://schemas.microsoft.com/office/mac/drawingml/2011/main" xmlns="" val="1"/>
             </a:ext>
           </a:extLst>
         </p:spPr>
@@ -33381,7 +36198,7 @@
           </a:ln>
           <a:extLst>
             <a:ext uri="{C572A759-6A51-4108-AA02-DFA0A04FC94B}">
-              <ma14:wrappingTextBoxFlag xmlns="" xmlns:ma14="http://schemas.microsoft.com/office/mac/drawingml/2011/main" val="1"/>
+              <ma14:wrappingTextBoxFlag xmlns:ma14="http://schemas.microsoft.com/office/mac/drawingml/2011/main" xmlns="" val="1"/>
             </a:ext>
           </a:extLst>
         </p:spPr>
@@ -33455,7 +36272,7 @@
           </a:ln>
           <a:extLst>
             <a:ext uri="{C572A759-6A51-4108-AA02-DFA0A04FC94B}">
-              <ma14:wrappingTextBoxFlag xmlns="" xmlns:ma14="http://schemas.microsoft.com/office/mac/drawingml/2011/main" val="1"/>
+              <ma14:wrappingTextBoxFlag xmlns:ma14="http://schemas.microsoft.com/office/mac/drawingml/2011/main" xmlns="" val="1"/>
             </a:ext>
           </a:extLst>
         </p:spPr>
@@ -34077,7 +36894,7 @@
 </p:sld>
 </file>
 
-<file path=ppt/slides/slide23.xml><?xml version="1.0" encoding="utf-8"?>
+<file path=ppt/slides/slide25.xml><?xml version="1.0" encoding="utf-8"?>
 <p:sld xmlns:a="http://schemas.openxmlformats.org/drawingml/2006/main" xmlns:r="http://schemas.openxmlformats.org/officeDocument/2006/relationships" xmlns:p="http://schemas.openxmlformats.org/presentationml/2006/main">
   <p:cSld>
     <p:spTree>
@@ -34344,7 +37161,7 @@
           </a:ln>
           <a:extLst>
             <a:ext uri="{C572A759-6A51-4108-AA02-DFA0A04FC94B}">
-              <ma14:wrappingTextBoxFlag xmlns="" xmlns:ma14="http://schemas.microsoft.com/office/mac/drawingml/2011/main" val="1"/>
+              <ma14:wrappingTextBoxFlag xmlns:ma14="http://schemas.microsoft.com/office/mac/drawingml/2011/main" xmlns="" val="1"/>
             </a:ext>
           </a:extLst>
         </p:spPr>
@@ -35172,7 +37989,7 @@
           </a:ln>
           <a:extLst>
             <a:ext uri="{C572A759-6A51-4108-AA02-DFA0A04FC94B}">
-              <ma14:wrappingTextBoxFlag xmlns="" xmlns:ma14="http://schemas.microsoft.com/office/mac/drawingml/2011/main" val="1"/>
+              <ma14:wrappingTextBoxFlag xmlns:ma14="http://schemas.microsoft.com/office/mac/drawingml/2011/main" xmlns="" val="1"/>
             </a:ext>
           </a:extLst>
         </p:spPr>
@@ -35246,7 +38063,7 @@
           </a:ln>
           <a:extLst>
             <a:ext uri="{C572A759-6A51-4108-AA02-DFA0A04FC94B}">
-              <ma14:wrappingTextBoxFlag xmlns="" xmlns:ma14="http://schemas.microsoft.com/office/mac/drawingml/2011/main" val="1"/>
+              <ma14:wrappingTextBoxFlag xmlns:ma14="http://schemas.microsoft.com/office/mac/drawingml/2011/main" xmlns="" val="1"/>
             </a:ext>
           </a:extLst>
         </p:spPr>
@@ -35933,7 +38750,7 @@
 </p:sld>
 </file>
 
-<file path=ppt/slides/slide24.xml><?xml version="1.0" encoding="utf-8"?>
+<file path=ppt/slides/slide26.xml><?xml version="1.0" encoding="utf-8"?>
 <p:sld xmlns:a="http://schemas.openxmlformats.org/drawingml/2006/main" xmlns:r="http://schemas.openxmlformats.org/officeDocument/2006/relationships" xmlns:p="http://schemas.openxmlformats.org/presentationml/2006/main">
   <p:cSld>
     <p:spTree>
@@ -36245,7 +39062,7 @@
           </a:ln>
           <a:extLst>
             <a:ext uri="{C572A759-6A51-4108-AA02-DFA0A04FC94B}">
-              <ma14:wrappingTextBoxFlag xmlns="" xmlns:ma14="http://schemas.microsoft.com/office/mac/drawingml/2011/main" val="1"/>
+              <ma14:wrappingTextBoxFlag xmlns:ma14="http://schemas.microsoft.com/office/mac/drawingml/2011/main" xmlns="" val="1"/>
             </a:ext>
           </a:extLst>
         </p:spPr>
@@ -37322,7 +40139,7 @@
           </a:ln>
           <a:extLst>
             <a:ext uri="{C572A759-6A51-4108-AA02-DFA0A04FC94B}">
-              <ma14:wrappingTextBoxFlag xmlns="" xmlns:ma14="http://schemas.microsoft.com/office/mac/drawingml/2011/main" val="1"/>
+              <ma14:wrappingTextBoxFlag xmlns:ma14="http://schemas.microsoft.com/office/mac/drawingml/2011/main" xmlns="" val="1"/>
             </a:ext>
           </a:extLst>
         </p:spPr>
@@ -37396,7 +40213,7 @@
           </a:ln>
           <a:extLst>
             <a:ext uri="{C572A759-6A51-4108-AA02-DFA0A04FC94B}">
-              <ma14:wrappingTextBoxFlag xmlns="" xmlns:ma14="http://schemas.microsoft.com/office/mac/drawingml/2011/main" val="1"/>
+              <ma14:wrappingTextBoxFlag xmlns:ma14="http://schemas.microsoft.com/office/mac/drawingml/2011/main" xmlns="" val="1"/>
             </a:ext>
           </a:extLst>
         </p:spPr>
@@ -38893,7 +41710,7 @@
             <a:effectLst/>
             <a:extLst>
               <a:ext uri="{C572A759-6A51-4108-AA02-DFA0A04FC94B}">
-                <ma14:wrappingTextBoxFlag xmlns="" xmlns:ma14="http://schemas.microsoft.com/office/mac/drawingml/2011/main" val="1"/>
+                <ma14:wrappingTextBoxFlag xmlns:ma14="http://schemas.microsoft.com/office/mac/drawingml/2011/main" xmlns="" val="1"/>
               </a:ext>
             </a:extLst>
           </p:spPr>
@@ -39120,7 +41937,7 @@
             </a:ln>
             <a:extLst>
               <a:ext uri="{C572A759-6A51-4108-AA02-DFA0A04FC94B}">
-                <ma14:wrappingTextBoxFlag xmlns="" xmlns:ma14="http://schemas.microsoft.com/office/mac/drawingml/2011/main" val="1"/>
+                <ma14:wrappingTextBoxFlag xmlns:ma14="http://schemas.microsoft.com/office/mac/drawingml/2011/main" xmlns="" val="1"/>
               </a:ext>
             </a:extLst>
           </p:spPr>
@@ -39271,7 +42088,7 @@
             </a:ln>
             <a:extLst>
               <a:ext uri="{C572A759-6A51-4108-AA02-DFA0A04FC94B}">
-                <ma14:wrappingTextBoxFlag xmlns="" xmlns:ma14="http://schemas.microsoft.com/office/mac/drawingml/2011/main" val="1"/>
+                <ma14:wrappingTextBoxFlag xmlns:ma14="http://schemas.microsoft.com/office/mac/drawingml/2011/main" xmlns="" val="1"/>
               </a:ext>
             </a:extLst>
           </p:spPr>
@@ -39375,7 +42192,7 @@
             </a:ln>
             <a:extLst>
               <a:ext uri="{C572A759-6A51-4108-AA02-DFA0A04FC94B}">
-                <ma14:wrappingTextBoxFlag xmlns="" xmlns:ma14="http://schemas.microsoft.com/office/mac/drawingml/2011/main" val="1"/>
+                <ma14:wrappingTextBoxFlag xmlns:ma14="http://schemas.microsoft.com/office/mac/drawingml/2011/main" xmlns="" val="1"/>
               </a:ext>
             </a:extLst>
           </p:spPr>
@@ -39679,7 +42496,7 @@
             </a:ln>
             <a:extLst>
               <a:ext uri="{C572A759-6A51-4108-AA02-DFA0A04FC94B}">
-                <ma14:wrappingTextBoxFlag xmlns="" xmlns:ma14="http://schemas.microsoft.com/office/mac/drawingml/2011/main" val="1"/>
+                <ma14:wrappingTextBoxFlag xmlns:ma14="http://schemas.microsoft.com/office/mac/drawingml/2011/main" xmlns="" val="1"/>
               </a:ext>
             </a:extLst>
           </p:spPr>
@@ -40280,7 +43097,7 @@
             <a:effectLst/>
             <a:extLst>
               <a:ext uri="{C572A759-6A51-4108-AA02-DFA0A04FC94B}">
-                <ma14:wrappingTextBoxFlag xmlns="" xmlns:ma14="http://schemas.microsoft.com/office/mac/drawingml/2011/main" val="1"/>
+                <ma14:wrappingTextBoxFlag xmlns:ma14="http://schemas.microsoft.com/office/mac/drawingml/2011/main" xmlns="" val="1"/>
               </a:ext>
             </a:extLst>
           </p:spPr>
@@ -40432,7 +43249,7 @@
             <a:effectLst/>
             <a:extLst>
               <a:ext uri="{C572A759-6A51-4108-AA02-DFA0A04FC94B}">
-                <ma14:wrappingTextBoxFlag xmlns="" xmlns:ma14="http://schemas.microsoft.com/office/mac/drawingml/2011/main" val="1"/>
+                <ma14:wrappingTextBoxFlag xmlns:ma14="http://schemas.microsoft.com/office/mac/drawingml/2011/main" xmlns="" val="1"/>
               </a:ext>
             </a:extLst>
           </p:spPr>
@@ -40540,7 +43357,7 @@
           <a:effectLst/>
           <a:extLst>
             <a:ext uri="{C572A759-6A51-4108-AA02-DFA0A04FC94B}">
-              <ma14:wrappingTextBoxFlag xmlns="" xmlns:ma14="http://schemas.microsoft.com/office/mac/drawingml/2011/main" val="1"/>
+              <ma14:wrappingTextBoxFlag xmlns:ma14="http://schemas.microsoft.com/office/mac/drawingml/2011/main" xmlns="" val="1"/>
             </a:ext>
           </a:extLst>
         </p:spPr>
@@ -40893,7 +43710,7 @@
             </a:ln>
             <a:extLst>
               <a:ext uri="{C572A759-6A51-4108-AA02-DFA0A04FC94B}">
-                <ma14:wrappingTextBoxFlag xmlns="" xmlns:ma14="http://schemas.microsoft.com/office/mac/drawingml/2011/main" val="1"/>
+                <ma14:wrappingTextBoxFlag xmlns:ma14="http://schemas.microsoft.com/office/mac/drawingml/2011/main" xmlns="" val="1"/>
               </a:ext>
             </a:extLst>
           </p:spPr>
@@ -41125,7 +43942,7 @@
             </a:ln>
             <a:extLst>
               <a:ext uri="{C572A759-6A51-4108-AA02-DFA0A04FC94B}">
-                <ma14:wrappingTextBoxFlag xmlns="" xmlns:ma14="http://schemas.microsoft.com/office/mac/drawingml/2011/main" val="1"/>
+                <ma14:wrappingTextBoxFlag xmlns:ma14="http://schemas.microsoft.com/office/mac/drawingml/2011/main" xmlns="" val="1"/>
               </a:ext>
             </a:extLst>
           </p:spPr>
@@ -41372,7 +44189,7 @@
           </a:ln>
           <a:extLst>
             <a:ext uri="{C572A759-6A51-4108-AA02-DFA0A04FC94B}">
-              <ma14:wrappingTextBoxFlag xmlns="" xmlns:ma14="http://schemas.microsoft.com/office/mac/drawingml/2011/main" val="1"/>
+              <ma14:wrappingTextBoxFlag xmlns:ma14="http://schemas.microsoft.com/office/mac/drawingml/2011/main" xmlns="" val="1"/>
             </a:ext>
           </a:extLst>
         </p:spPr>
@@ -41440,7 +44257,7 @@
           </a:ln>
           <a:extLst>
             <a:ext uri="{C572A759-6A51-4108-AA02-DFA0A04FC94B}">
-              <ma14:wrappingTextBoxFlag xmlns="" xmlns:ma14="http://schemas.microsoft.com/office/mac/drawingml/2011/main" val="1"/>
+              <ma14:wrappingTextBoxFlag xmlns:ma14="http://schemas.microsoft.com/office/mac/drawingml/2011/main" xmlns="" val="1"/>
             </a:ext>
           </a:extLst>
         </p:spPr>
@@ -41804,7 +44621,7 @@
             </a:ln>
             <a:extLst>
               <a:ext uri="{C572A759-6A51-4108-AA02-DFA0A04FC94B}">
-                <ma14:wrappingTextBoxFlag xmlns="" xmlns:ma14="http://schemas.microsoft.com/office/mac/drawingml/2011/main" val="1"/>
+                <ma14:wrappingTextBoxFlag xmlns:ma14="http://schemas.microsoft.com/office/mac/drawingml/2011/main" xmlns="" val="1"/>
               </a:ext>
             </a:extLst>
           </p:spPr>
@@ -42005,7 +44822,7 @@
           <a:effectLst/>
           <a:extLst>
             <a:ext uri="{C572A759-6A51-4108-AA02-DFA0A04FC94B}">
-              <ma14:wrappingTextBoxFlag xmlns="" xmlns:ma14="http://schemas.microsoft.com/office/mac/drawingml/2011/main" val="1"/>
+              <ma14:wrappingTextBoxFlag xmlns:ma14="http://schemas.microsoft.com/office/mac/drawingml/2011/main" xmlns="" val="1"/>
             </a:ext>
           </a:extLst>
         </p:spPr>
@@ -42276,7 +45093,7 @@
             <a:effectLst/>
             <a:extLst>
               <a:ext uri="{C572A759-6A51-4108-AA02-DFA0A04FC94B}">
-                <ma14:wrappingTextBoxFlag xmlns="" xmlns:ma14="http://schemas.microsoft.com/office/mac/drawingml/2011/main" val="1"/>
+                <ma14:wrappingTextBoxFlag xmlns:ma14="http://schemas.microsoft.com/office/mac/drawingml/2011/main" xmlns="" val="1"/>
               </a:ext>
             </a:extLst>
           </p:spPr>
@@ -42503,7 +45320,7 @@
             </a:ln>
             <a:extLst>
               <a:ext uri="{C572A759-6A51-4108-AA02-DFA0A04FC94B}">
-                <ma14:wrappingTextBoxFlag xmlns="" xmlns:ma14="http://schemas.microsoft.com/office/mac/drawingml/2011/main" val="1"/>
+                <ma14:wrappingTextBoxFlag xmlns:ma14="http://schemas.microsoft.com/office/mac/drawingml/2011/main" xmlns="" val="1"/>
               </a:ext>
             </a:extLst>
           </p:spPr>
@@ -42654,7 +45471,7 @@
             </a:ln>
             <a:extLst>
               <a:ext uri="{C572A759-6A51-4108-AA02-DFA0A04FC94B}">
-                <ma14:wrappingTextBoxFlag xmlns="" xmlns:ma14="http://schemas.microsoft.com/office/mac/drawingml/2011/main" val="1"/>
+                <ma14:wrappingTextBoxFlag xmlns:ma14="http://schemas.microsoft.com/office/mac/drawingml/2011/main" xmlns="" val="1"/>
               </a:ext>
             </a:extLst>
           </p:spPr>
@@ -42758,7 +45575,7 @@
             </a:ln>
             <a:extLst>
               <a:ext uri="{C572A759-6A51-4108-AA02-DFA0A04FC94B}">
-                <ma14:wrappingTextBoxFlag xmlns="" xmlns:ma14="http://schemas.microsoft.com/office/mac/drawingml/2011/main" val="1"/>
+                <ma14:wrappingTextBoxFlag xmlns:ma14="http://schemas.microsoft.com/office/mac/drawingml/2011/main" xmlns="" val="1"/>
               </a:ext>
             </a:extLst>
           </p:spPr>
@@ -43062,7 +45879,7 @@
             </a:ln>
             <a:extLst>
               <a:ext uri="{C572A759-6A51-4108-AA02-DFA0A04FC94B}">
-                <ma14:wrappingTextBoxFlag xmlns="" xmlns:ma14="http://schemas.microsoft.com/office/mac/drawingml/2011/main" val="1"/>
+                <ma14:wrappingTextBoxFlag xmlns:ma14="http://schemas.microsoft.com/office/mac/drawingml/2011/main" xmlns="" val="1"/>
               </a:ext>
             </a:extLst>
           </p:spPr>
@@ -43588,7 +46405,7 @@
             <a:effectLst/>
             <a:extLst>
               <a:ext uri="{C572A759-6A51-4108-AA02-DFA0A04FC94B}">
-                <ma14:wrappingTextBoxFlag xmlns="" xmlns:ma14="http://schemas.microsoft.com/office/mac/drawingml/2011/main" val="1"/>
+                <ma14:wrappingTextBoxFlag xmlns:ma14="http://schemas.microsoft.com/office/mac/drawingml/2011/main" xmlns="" val="1"/>
               </a:ext>
             </a:extLst>
           </p:spPr>
@@ -43740,7 +46557,7 @@
             <a:effectLst/>
             <a:extLst>
               <a:ext uri="{C572A759-6A51-4108-AA02-DFA0A04FC94B}">
-                <ma14:wrappingTextBoxFlag xmlns="" xmlns:ma14="http://schemas.microsoft.com/office/mac/drawingml/2011/main" val="1"/>
+                <ma14:wrappingTextBoxFlag xmlns:ma14="http://schemas.microsoft.com/office/mac/drawingml/2011/main" xmlns="" val="1"/>
               </a:ext>
             </a:extLst>
           </p:spPr>
@@ -43848,7 +46665,7 @@
           <a:effectLst/>
           <a:extLst>
             <a:ext uri="{C572A759-6A51-4108-AA02-DFA0A04FC94B}">
-              <ma14:wrappingTextBoxFlag xmlns="" xmlns:ma14="http://schemas.microsoft.com/office/mac/drawingml/2011/main" val="1"/>
+              <ma14:wrappingTextBoxFlag xmlns:ma14="http://schemas.microsoft.com/office/mac/drawingml/2011/main" xmlns="" val="1"/>
             </a:ext>
           </a:extLst>
         </p:spPr>
@@ -44201,7 +47018,7 @@
             </a:ln>
             <a:extLst>
               <a:ext uri="{C572A759-6A51-4108-AA02-DFA0A04FC94B}">
-                <ma14:wrappingTextBoxFlag xmlns="" xmlns:ma14="http://schemas.microsoft.com/office/mac/drawingml/2011/main" val="1"/>
+                <ma14:wrappingTextBoxFlag xmlns:ma14="http://schemas.microsoft.com/office/mac/drawingml/2011/main" xmlns="" val="1"/>
               </a:ext>
             </a:extLst>
           </p:spPr>
@@ -44433,7 +47250,7 @@
             </a:ln>
             <a:extLst>
               <a:ext uri="{C572A759-6A51-4108-AA02-DFA0A04FC94B}">
-                <ma14:wrappingTextBoxFlag xmlns="" xmlns:ma14="http://schemas.microsoft.com/office/mac/drawingml/2011/main" val="1"/>
+                <ma14:wrappingTextBoxFlag xmlns:ma14="http://schemas.microsoft.com/office/mac/drawingml/2011/main" xmlns="" val="1"/>
               </a:ext>
             </a:extLst>
           </p:spPr>
@@ -44680,7 +47497,7 @@
           </a:ln>
           <a:extLst>
             <a:ext uri="{C572A759-6A51-4108-AA02-DFA0A04FC94B}">
-              <ma14:wrappingTextBoxFlag xmlns="" xmlns:ma14="http://schemas.microsoft.com/office/mac/drawingml/2011/main" val="1"/>
+              <ma14:wrappingTextBoxFlag xmlns:ma14="http://schemas.microsoft.com/office/mac/drawingml/2011/main" xmlns="" val="1"/>
             </a:ext>
           </a:extLst>
         </p:spPr>
@@ -44748,7 +47565,7 @@
           </a:ln>
           <a:extLst>
             <a:ext uri="{C572A759-6A51-4108-AA02-DFA0A04FC94B}">
-              <ma14:wrappingTextBoxFlag xmlns="" xmlns:ma14="http://schemas.microsoft.com/office/mac/drawingml/2011/main" val="1"/>
+              <ma14:wrappingTextBoxFlag xmlns:ma14="http://schemas.microsoft.com/office/mac/drawingml/2011/main" xmlns="" val="1"/>
             </a:ext>
           </a:extLst>
         </p:spPr>
@@ -45594,7 +48411,7 @@
           </a:ln>
           <a:extLst>
             <a:ext uri="{C572A759-6A51-4108-AA02-DFA0A04FC94B}">
-              <ma14:wrappingTextBoxFlag xmlns="" xmlns:ma14="http://schemas.microsoft.com/office/mac/drawingml/2011/main" val="1"/>
+              <ma14:wrappingTextBoxFlag xmlns:ma14="http://schemas.microsoft.com/office/mac/drawingml/2011/main" xmlns="" val="1"/>
             </a:ext>
           </a:extLst>
         </p:spPr>
@@ -45720,7 +48537,7 @@
           </a:ln>
           <a:extLst>
             <a:ext uri="{C572A759-6A51-4108-AA02-DFA0A04FC94B}">
-              <ma14:wrappingTextBoxFlag xmlns="" xmlns:ma14="http://schemas.microsoft.com/office/mac/drawingml/2011/main" val="1"/>
+              <ma14:wrappingTextBoxFlag xmlns:ma14="http://schemas.microsoft.com/office/mac/drawingml/2011/main" xmlns="" val="1"/>
             </a:ext>
           </a:extLst>
         </p:spPr>
@@ -46127,7 +48944,7 @@
           </a:ln>
           <a:extLst>
             <a:ext uri="{C572A759-6A51-4108-AA02-DFA0A04FC94B}">
-              <ma14:wrappingTextBoxFlag xmlns="" xmlns:ma14="http://schemas.microsoft.com/office/mac/drawingml/2011/main" val="1"/>
+              <ma14:wrappingTextBoxFlag xmlns:ma14="http://schemas.microsoft.com/office/mac/drawingml/2011/main" xmlns="" val="1"/>
             </a:ext>
           </a:extLst>
         </p:spPr>
@@ -46341,7 +49158,7 @@
             <a:effectLst/>
             <a:extLst>
               <a:ext uri="{C572A759-6A51-4108-AA02-DFA0A04FC94B}">
-                <ma14:wrappingTextBoxFlag xmlns="" xmlns:ma14="http://schemas.microsoft.com/office/mac/drawingml/2011/main" val="1"/>
+                <ma14:wrappingTextBoxFlag xmlns:ma14="http://schemas.microsoft.com/office/mac/drawingml/2011/main" xmlns="" val="1"/>
               </a:ext>
             </a:extLst>
           </p:spPr>
@@ -46660,7 +49477,7 @@
             </a:ln>
             <a:extLst>
               <a:ext uri="{C572A759-6A51-4108-AA02-DFA0A04FC94B}">
-                <ma14:wrappingTextBoxFlag xmlns="" xmlns:ma14="http://schemas.microsoft.com/office/mac/drawingml/2011/main" val="1"/>
+                <ma14:wrappingTextBoxFlag xmlns:ma14="http://schemas.microsoft.com/office/mac/drawingml/2011/main" xmlns="" val="1"/>
               </a:ext>
             </a:extLst>
           </p:spPr>
@@ -47143,7 +49960,7 @@
           </a:ln>
           <a:extLst>
             <a:ext uri="{C572A759-6A51-4108-AA02-DFA0A04FC94B}">
-              <ma14:wrappingTextBoxFlag xmlns="" xmlns:ma14="http://schemas.microsoft.com/office/mac/drawingml/2011/main" val="1"/>
+              <ma14:wrappingTextBoxFlag xmlns:ma14="http://schemas.microsoft.com/office/mac/drawingml/2011/main" xmlns="" val="1"/>
             </a:ext>
           </a:extLst>
         </p:spPr>
@@ -48260,7 +51077,7 @@
           </a:ln>
           <a:extLst>
             <a:ext uri="{C572A759-6A51-4108-AA02-DFA0A04FC94B}">
-              <ma14:wrappingTextBoxFlag xmlns="" xmlns:ma14="http://schemas.microsoft.com/office/mac/drawingml/2011/main" val="1"/>
+              <ma14:wrappingTextBoxFlag xmlns:ma14="http://schemas.microsoft.com/office/mac/drawingml/2011/main" xmlns="" val="1"/>
             </a:ext>
           </a:extLst>
         </p:spPr>
@@ -48386,7 +51203,7 @@
           </a:ln>
           <a:extLst>
             <a:ext uri="{C572A759-6A51-4108-AA02-DFA0A04FC94B}">
-              <ma14:wrappingTextBoxFlag xmlns="" xmlns:ma14="http://schemas.microsoft.com/office/mac/drawingml/2011/main" val="1"/>
+              <ma14:wrappingTextBoxFlag xmlns:ma14="http://schemas.microsoft.com/office/mac/drawingml/2011/main" xmlns="" val="1"/>
             </a:ext>
           </a:extLst>
         </p:spPr>
@@ -48793,7 +51610,7 @@
           </a:ln>
           <a:extLst>
             <a:ext uri="{C572A759-6A51-4108-AA02-DFA0A04FC94B}">
-              <ma14:wrappingTextBoxFlag xmlns="" xmlns:ma14="http://schemas.microsoft.com/office/mac/drawingml/2011/main" val="1"/>
+              <ma14:wrappingTextBoxFlag xmlns:ma14="http://schemas.microsoft.com/office/mac/drawingml/2011/main" xmlns="" val="1"/>
             </a:ext>
           </a:extLst>
         </p:spPr>
@@ -49007,7 +51824,7 @@
             <a:effectLst/>
             <a:extLst>
               <a:ext uri="{C572A759-6A51-4108-AA02-DFA0A04FC94B}">
-                <ma14:wrappingTextBoxFlag xmlns="" xmlns:ma14="http://schemas.microsoft.com/office/mac/drawingml/2011/main" val="1"/>
+                <ma14:wrappingTextBoxFlag xmlns:ma14="http://schemas.microsoft.com/office/mac/drawingml/2011/main" xmlns="" val="1"/>
               </a:ext>
             </a:extLst>
           </p:spPr>
@@ -49326,7 +52143,7 @@
             </a:ln>
             <a:extLst>
               <a:ext uri="{C572A759-6A51-4108-AA02-DFA0A04FC94B}">
-                <ma14:wrappingTextBoxFlag xmlns="" xmlns:ma14="http://schemas.microsoft.com/office/mac/drawingml/2011/main" val="1"/>
+                <ma14:wrappingTextBoxFlag xmlns:ma14="http://schemas.microsoft.com/office/mac/drawingml/2011/main" xmlns="" val="1"/>
               </a:ext>
             </a:extLst>
           </p:spPr>
@@ -49809,7 +52626,7 @@
           </a:ln>
           <a:extLst>
             <a:ext uri="{C572A759-6A51-4108-AA02-DFA0A04FC94B}">
-              <ma14:wrappingTextBoxFlag xmlns="" xmlns:ma14="http://schemas.microsoft.com/office/mac/drawingml/2011/main" val="1"/>
+              <ma14:wrappingTextBoxFlag xmlns:ma14="http://schemas.microsoft.com/office/mac/drawingml/2011/main" xmlns="" val="1"/>
             </a:ext>
           </a:extLst>
         </p:spPr>
@@ -50639,7 +53456,7 @@
             </a:ln>
             <a:extLst>
               <a:ext uri="{C572A759-6A51-4108-AA02-DFA0A04FC94B}">
-                <ma14:wrappingTextBoxFlag xmlns="" xmlns:ma14="http://schemas.microsoft.com/office/mac/drawingml/2011/main" val="1"/>
+                <ma14:wrappingTextBoxFlag xmlns:ma14="http://schemas.microsoft.com/office/mac/drawingml/2011/main" xmlns="" val="1"/>
               </a:ext>
             </a:extLst>
           </p:spPr>
@@ -50833,7 +53650,7 @@
           </a:ln>
           <a:extLst>
             <a:ext uri="{C572A759-6A51-4108-AA02-DFA0A04FC94B}">
-              <ma14:wrappingTextBoxFlag xmlns="" xmlns:ma14="http://schemas.microsoft.com/office/mac/drawingml/2011/main" val="1"/>
+              <ma14:wrappingTextBoxFlag xmlns:ma14="http://schemas.microsoft.com/office/mac/drawingml/2011/main" xmlns="" val="1"/>
             </a:ext>
           </a:extLst>
         </p:spPr>
@@ -50901,7 +53718,7 @@
           </a:ln>
           <a:extLst>
             <a:ext uri="{C572A759-6A51-4108-AA02-DFA0A04FC94B}">
-              <ma14:wrappingTextBoxFlag xmlns="" xmlns:ma14="http://schemas.microsoft.com/office/mac/drawingml/2011/main" val="1"/>
+              <ma14:wrappingTextBoxFlag xmlns:ma14="http://schemas.microsoft.com/office/mac/drawingml/2011/main" xmlns="" val="1"/>
             </a:ext>
           </a:extLst>
         </p:spPr>
@@ -51362,7 +54179,7 @@
             <a:effectLst/>
             <a:extLst>
               <a:ext uri="{C572A759-6A51-4108-AA02-DFA0A04FC94B}">
-                <ma14:wrappingTextBoxFlag xmlns="" xmlns:ma14="http://schemas.microsoft.com/office/mac/drawingml/2011/main" val="1"/>
+                <ma14:wrappingTextBoxFlag xmlns:ma14="http://schemas.microsoft.com/office/mac/drawingml/2011/main" xmlns="" val="1"/>
               </a:ext>
             </a:extLst>
           </p:spPr>
@@ -51606,7 +54423,7 @@
             </a:ln>
             <a:extLst>
               <a:ext uri="{C572A759-6A51-4108-AA02-DFA0A04FC94B}">
-                <ma14:wrappingTextBoxFlag xmlns="" xmlns:ma14="http://schemas.microsoft.com/office/mac/drawingml/2011/main" val="1"/>
+                <ma14:wrappingTextBoxFlag xmlns:ma14="http://schemas.microsoft.com/office/mac/drawingml/2011/main" xmlns="" val="1"/>
               </a:ext>
             </a:extLst>
           </p:spPr>
@@ -51937,7 +54754,7 @@
           </a:ln>
           <a:extLst>
             <a:ext uri="{C572A759-6A51-4108-AA02-DFA0A04FC94B}">
-              <ma14:wrappingTextBoxFlag xmlns="" xmlns:ma14="http://schemas.microsoft.com/office/mac/drawingml/2011/main" val="1"/>
+              <ma14:wrappingTextBoxFlag xmlns:ma14="http://schemas.microsoft.com/office/mac/drawingml/2011/main" xmlns="" val="1"/>
             </a:ext>
           </a:extLst>
         </p:spPr>
@@ -52491,7 +55308,7 @@
             </a:ln>
             <a:extLst>
               <a:ext uri="{C572A759-6A51-4108-AA02-DFA0A04FC94B}">
-                <ma14:wrappingTextBoxFlag xmlns="" xmlns:ma14="http://schemas.microsoft.com/office/mac/drawingml/2011/main" val="1"/>
+                <ma14:wrappingTextBoxFlag xmlns:ma14="http://schemas.microsoft.com/office/mac/drawingml/2011/main" xmlns="" val="1"/>
               </a:ext>
             </a:extLst>
           </p:spPr>
@@ -52697,7 +55514,7 @@
           </a:ln>
           <a:extLst>
             <a:ext uri="{C572A759-6A51-4108-AA02-DFA0A04FC94B}">
-              <ma14:wrappingTextBoxFlag xmlns="" xmlns:ma14="http://schemas.microsoft.com/office/mac/drawingml/2011/main" val="1"/>
+              <ma14:wrappingTextBoxFlag xmlns:ma14="http://schemas.microsoft.com/office/mac/drawingml/2011/main" xmlns="" val="1"/>
             </a:ext>
           </a:extLst>
         </p:spPr>
@@ -52765,7 +55582,7 @@
           </a:ln>
           <a:extLst>
             <a:ext uri="{C572A759-6A51-4108-AA02-DFA0A04FC94B}">
-              <ma14:wrappingTextBoxFlag xmlns="" xmlns:ma14="http://schemas.microsoft.com/office/mac/drawingml/2011/main" val="1"/>
+              <ma14:wrappingTextBoxFlag xmlns:ma14="http://schemas.microsoft.com/office/mac/drawingml/2011/main" xmlns="" val="1"/>
             </a:ext>
           </a:extLst>
         </p:spPr>
@@ -53136,7 +55953,7 @@
             <a:effectLst/>
             <a:extLst>
               <a:ext uri="{C572A759-6A51-4108-AA02-DFA0A04FC94B}">
-                <ma14:wrappingTextBoxFlag xmlns="" xmlns:ma14="http://schemas.microsoft.com/office/mac/drawingml/2011/main" val="1"/>
+                <ma14:wrappingTextBoxFlag xmlns:ma14="http://schemas.microsoft.com/office/mac/drawingml/2011/main" xmlns="" val="1"/>
               </a:ext>
             </a:extLst>
           </p:spPr>
@@ -53380,7 +56197,7 @@
             </a:ln>
             <a:extLst>
               <a:ext uri="{C572A759-6A51-4108-AA02-DFA0A04FC94B}">
-                <ma14:wrappingTextBoxFlag xmlns="" xmlns:ma14="http://schemas.microsoft.com/office/mac/drawingml/2011/main" val="1"/>
+                <ma14:wrappingTextBoxFlag xmlns:ma14="http://schemas.microsoft.com/office/mac/drawingml/2011/main" xmlns="" val="1"/>
               </a:ext>
             </a:extLst>
           </p:spPr>
@@ -53675,7 +56492,7 @@
           </a:ln>
           <a:extLst>
             <a:ext uri="{C572A759-6A51-4108-AA02-DFA0A04FC94B}">
-              <ma14:wrappingTextBoxFlag xmlns="" xmlns:ma14="http://schemas.microsoft.com/office/mac/drawingml/2011/main" val="1"/>
+              <ma14:wrappingTextBoxFlag xmlns:ma14="http://schemas.microsoft.com/office/mac/drawingml/2011/main" xmlns="" val="1"/>
             </a:ext>
           </a:extLst>
         </p:spPr>
